--- a/Documentation/SamzaStructure.pptx
+++ b/Documentation/SamzaStructure.pptx
@@ -5,7 +5,7 @@
     <p:sldMasterId id="2147483648" r:id="rId1"/>
   </p:sldMasterIdLst>
   <p:notesMasterIdLst>
-    <p:notesMasterId r:id="rId15"/>
+    <p:notesMasterId r:id="rId17"/>
   </p:notesMasterIdLst>
   <p:sldIdLst>
     <p:sldId id="256" r:id="rId2"/>
@@ -13,14 +13,16 @@
     <p:sldId id="260" r:id="rId4"/>
     <p:sldId id="262" r:id="rId5"/>
     <p:sldId id="257" r:id="rId6"/>
-    <p:sldId id="258" r:id="rId7"/>
-    <p:sldId id="268" r:id="rId8"/>
-    <p:sldId id="269" r:id="rId9"/>
-    <p:sldId id="263" r:id="rId10"/>
-    <p:sldId id="264" r:id="rId11"/>
-    <p:sldId id="265" r:id="rId12"/>
-    <p:sldId id="266" r:id="rId13"/>
-    <p:sldId id="267" r:id="rId14"/>
+    <p:sldId id="270" r:id="rId7"/>
+    <p:sldId id="258" r:id="rId8"/>
+    <p:sldId id="268" r:id="rId9"/>
+    <p:sldId id="269" r:id="rId10"/>
+    <p:sldId id="271" r:id="rId11"/>
+    <p:sldId id="263" r:id="rId12"/>
+    <p:sldId id="264" r:id="rId13"/>
+    <p:sldId id="265" r:id="rId14"/>
+    <p:sldId id="266" r:id="rId15"/>
+    <p:sldId id="267" r:id="rId16"/>
   </p:sldIdLst>
   <p:sldSz cx="12192000" cy="6858000"/>
   <p:notesSz cx="6858000" cy="9144000"/>
@@ -133,6 +135,7 @@
           <p14:sldIdLst>
             <p14:sldId id="262"/>
             <p14:sldId id="257"/>
+            <p14:sldId id="270"/>
             <p14:sldId id="258"/>
             <p14:sldId id="268"/>
           </p14:sldIdLst>
@@ -140,6 +143,7 @@
         <p14:section name="Stand alone job" id="{8995E547-06EC-4D59-8961-90CC66602883}">
           <p14:sldIdLst>
             <p14:sldId id="269"/>
+            <p14:sldId id="271"/>
           </p14:sldIdLst>
         </p14:section>
         <p14:section name="Task" id="{A6BE1BE1-8715-4861-9F81-EBD747D5600C}">
@@ -246,7 +250,7 @@
           <a:p>
             <a:fld id="{B35ADF0B-9749-404D-9A56-8E2BD576143D}" type="datetimeFigureOut">
               <a:rPr lang="en-US" smtClean="0"/>
-              <a:t>11/6/2017</a:t>
+              <a:t>11/28/2017</a:t>
             </a:fld>
             <a:endParaRPr lang="en-US"/>
           </a:p>
@@ -663,7 +667,7 @@
           <a:p>
             <a:fld id="{339097E1-CCCB-4E56-BB56-9CF62DC970F1}" type="slidenum">
               <a:rPr lang="en-US" smtClean="0"/>
-              <a:t>10</a:t>
+              <a:t>12</a:t>
             </a:fld>
             <a:endParaRPr lang="en-US"/>
           </a:p>
@@ -813,7 +817,7 @@
           <a:p>
             <a:fld id="{7D2FF18F-DFC6-48DD-A8FE-22636A2E9C75}" type="datetimeFigureOut">
               <a:rPr lang="en-US" smtClean="0"/>
-              <a:t>11/6/2017</a:t>
+              <a:t>11/28/2017</a:t>
             </a:fld>
             <a:endParaRPr lang="en-US"/>
           </a:p>
@@ -983,7 +987,7 @@
           <a:p>
             <a:fld id="{7D2FF18F-DFC6-48DD-A8FE-22636A2E9C75}" type="datetimeFigureOut">
               <a:rPr lang="en-US" smtClean="0"/>
-              <a:t>11/6/2017</a:t>
+              <a:t>11/28/2017</a:t>
             </a:fld>
             <a:endParaRPr lang="en-US"/>
           </a:p>
@@ -1163,7 +1167,7 @@
           <a:p>
             <a:fld id="{7D2FF18F-DFC6-48DD-A8FE-22636A2E9C75}" type="datetimeFigureOut">
               <a:rPr lang="en-US" smtClean="0"/>
-              <a:t>11/6/2017</a:t>
+              <a:t>11/28/2017</a:t>
             </a:fld>
             <a:endParaRPr lang="en-US"/>
           </a:p>
@@ -1333,7 +1337,7 @@
           <a:p>
             <a:fld id="{7D2FF18F-DFC6-48DD-A8FE-22636A2E9C75}" type="datetimeFigureOut">
               <a:rPr lang="en-US" smtClean="0"/>
-              <a:t>11/6/2017</a:t>
+              <a:t>11/28/2017</a:t>
             </a:fld>
             <a:endParaRPr lang="en-US"/>
           </a:p>
@@ -1579,7 +1583,7 @@
           <a:p>
             <a:fld id="{7D2FF18F-DFC6-48DD-A8FE-22636A2E9C75}" type="datetimeFigureOut">
               <a:rPr lang="en-US" smtClean="0"/>
-              <a:t>11/6/2017</a:t>
+              <a:t>11/28/2017</a:t>
             </a:fld>
             <a:endParaRPr lang="en-US"/>
           </a:p>
@@ -1811,7 +1815,7 @@
           <a:p>
             <a:fld id="{7D2FF18F-DFC6-48DD-A8FE-22636A2E9C75}" type="datetimeFigureOut">
               <a:rPr lang="en-US" smtClean="0"/>
-              <a:t>11/6/2017</a:t>
+              <a:t>11/28/2017</a:t>
             </a:fld>
             <a:endParaRPr lang="en-US"/>
           </a:p>
@@ -2178,7 +2182,7 @@
           <a:p>
             <a:fld id="{7D2FF18F-DFC6-48DD-A8FE-22636A2E9C75}" type="datetimeFigureOut">
               <a:rPr lang="en-US" smtClean="0"/>
-              <a:t>11/6/2017</a:t>
+              <a:t>11/28/2017</a:t>
             </a:fld>
             <a:endParaRPr lang="en-US"/>
           </a:p>
@@ -2296,7 +2300,7 @@
           <a:p>
             <a:fld id="{7D2FF18F-DFC6-48DD-A8FE-22636A2E9C75}" type="datetimeFigureOut">
               <a:rPr lang="en-US" smtClean="0"/>
-              <a:t>11/6/2017</a:t>
+              <a:t>11/28/2017</a:t>
             </a:fld>
             <a:endParaRPr lang="en-US"/>
           </a:p>
@@ -2391,7 +2395,7 @@
           <a:p>
             <a:fld id="{7D2FF18F-DFC6-48DD-A8FE-22636A2E9C75}" type="datetimeFigureOut">
               <a:rPr lang="en-US" smtClean="0"/>
-              <a:t>11/6/2017</a:t>
+              <a:t>11/28/2017</a:t>
             </a:fld>
             <a:endParaRPr lang="en-US"/>
           </a:p>
@@ -2668,7 +2672,7 @@
           <a:p>
             <a:fld id="{7D2FF18F-DFC6-48DD-A8FE-22636A2E9C75}" type="datetimeFigureOut">
               <a:rPr lang="en-US" smtClean="0"/>
-              <a:t>11/6/2017</a:t>
+              <a:t>11/28/2017</a:t>
             </a:fld>
             <a:endParaRPr lang="en-US"/>
           </a:p>
@@ -2921,7 +2925,7 @@
           <a:p>
             <a:fld id="{7D2FF18F-DFC6-48DD-A8FE-22636A2E9C75}" type="datetimeFigureOut">
               <a:rPr lang="en-US" smtClean="0"/>
-              <a:t>11/6/2017</a:t>
+              <a:t>11/28/2017</a:t>
             </a:fld>
             <a:endParaRPr lang="en-US"/>
           </a:p>
@@ -3134,7 +3138,7 @@
           <a:p>
             <a:fld id="{7D2FF18F-DFC6-48DD-A8FE-22636A2E9C75}" type="datetimeFigureOut">
               <a:rPr lang="en-US" smtClean="0"/>
-              <a:t>11/6/2017</a:t>
+              <a:t>11/28/2017</a:t>
             </a:fld>
             <a:endParaRPr lang="en-US"/>
           </a:p>
@@ -3623,6 +3627,495 @@
           <a:lstStyle/>
           <a:p>
             <a:r>
+              <a:rPr lang="en-US" dirty="0" err="1" smtClean="0"/>
+              <a:t>Samza</a:t>
+            </a:r>
+            <a:r>
+              <a:rPr lang="en-US" dirty="0" smtClean="0"/>
+              <a:t> Container</a:t>
+            </a:r>
+            <a:endParaRPr lang="en-US" dirty="0"/>
+          </a:p>
+        </p:txBody>
+      </p:sp>
+      <p:pic>
+        <p:nvPicPr>
+          <p:cNvPr id="3" name="Picture 2"/>
+          <p:cNvPicPr>
+            <a:picLocks noChangeAspect="1"/>
+          </p:cNvPicPr>
+          <p:nvPr/>
+        </p:nvPicPr>
+        <p:blipFill>
+          <a:blip r:embed="rId2"/>
+          <a:stretch>
+            <a:fillRect/>
+          </a:stretch>
+        </p:blipFill>
+        <p:spPr>
+          <a:xfrm>
+            <a:off x="1914891" y="1847850"/>
+            <a:ext cx="8010525" cy="4533900"/>
+          </a:xfrm>
+          <a:prstGeom prst="rect">
+            <a:avLst/>
+          </a:prstGeom>
+        </p:spPr>
+      </p:pic>
+    </p:spTree>
+    <p:extLst>
+      <p:ext uri="{BB962C8B-B14F-4D97-AF65-F5344CB8AC3E}">
+        <p14:creationId xmlns:p14="http://schemas.microsoft.com/office/powerpoint/2010/main" val="3244104528"/>
+      </p:ext>
+    </p:extLst>
+  </p:cSld>
+  <p:clrMapOvr>
+    <a:masterClrMapping/>
+  </p:clrMapOvr>
+</p:sld>
+</file>
+
+<file path=ppt/slides/slide11.xml><?xml version="1.0" encoding="utf-8"?>
+<p:sld xmlns:a="http://schemas.openxmlformats.org/drawingml/2006/main" xmlns:r="http://schemas.openxmlformats.org/officeDocument/2006/relationships" xmlns:p="http://schemas.openxmlformats.org/presentationml/2006/main">
+  <p:cSld>
+    <p:spTree>
+      <p:nvGrpSpPr>
+        <p:cNvPr id="1" name=""/>
+        <p:cNvGrpSpPr/>
+        <p:nvPr/>
+      </p:nvGrpSpPr>
+      <p:grpSpPr>
+        <a:xfrm>
+          <a:off x="0" y="0"/>
+          <a:ext cx="0" cy="0"/>
+          <a:chOff x="0" y="0"/>
+          <a:chExt cx="0" cy="0"/>
+        </a:xfrm>
+      </p:grpSpPr>
+      <p:sp>
+        <p:nvSpPr>
+          <p:cNvPr id="5" name="Rectangle 4"/>
+          <p:cNvSpPr/>
+          <p:nvPr/>
+        </p:nvSpPr>
+        <p:spPr>
+          <a:xfrm>
+            <a:off x="3540034" y="2508069"/>
+            <a:ext cx="4310743" cy="3213462"/>
+          </a:xfrm>
+          <a:prstGeom prst="rect">
+            <a:avLst/>
+          </a:prstGeom>
+        </p:spPr>
+        <p:style>
+          <a:lnRef idx="2">
+            <a:schemeClr val="accent1"/>
+          </a:lnRef>
+          <a:fillRef idx="1">
+            <a:schemeClr val="lt1"/>
+          </a:fillRef>
+          <a:effectRef idx="0">
+            <a:schemeClr val="accent1"/>
+          </a:effectRef>
+          <a:fontRef idx="minor">
+            <a:schemeClr val="dk1"/>
+          </a:fontRef>
+        </p:style>
+        <p:txBody>
+          <a:bodyPr rtlCol="0" anchor="ctr"/>
+          <a:lstStyle/>
+          <a:p>
+            <a:pPr algn="ctr"/>
+            <a:endParaRPr lang="en-US"/>
+          </a:p>
+        </p:txBody>
+      </p:sp>
+      <p:sp>
+        <p:nvSpPr>
+          <p:cNvPr id="2" name="Title 1"/>
+          <p:cNvSpPr>
+            <a:spLocks noGrp="1"/>
+          </p:cNvSpPr>
+          <p:nvPr>
+            <p:ph type="title"/>
+          </p:nvPr>
+        </p:nvSpPr>
+        <p:spPr/>
+        <p:txBody>
+          <a:bodyPr/>
+          <a:lstStyle/>
+          <a:p>
+            <a:r>
+              <a:rPr lang="en-US" altLang="zh-CN" dirty="0" smtClean="0"/>
+              <a:t>Task</a:t>
+            </a:r>
+            <a:endParaRPr lang="en-US" dirty="0"/>
+          </a:p>
+        </p:txBody>
+      </p:sp>
+      <p:sp>
+        <p:nvSpPr>
+          <p:cNvPr id="4" name="Rectangle 3"/>
+          <p:cNvSpPr/>
+          <p:nvPr/>
+        </p:nvSpPr>
+        <p:spPr>
+          <a:xfrm>
+            <a:off x="4180114" y="3435531"/>
+            <a:ext cx="3030582" cy="1258094"/>
+          </a:xfrm>
+          <a:prstGeom prst="rect">
+            <a:avLst/>
+          </a:prstGeom>
+        </p:spPr>
+        <p:style>
+          <a:lnRef idx="2">
+            <a:schemeClr val="accent1"/>
+          </a:lnRef>
+          <a:fillRef idx="1">
+            <a:schemeClr val="lt1"/>
+          </a:fillRef>
+          <a:effectRef idx="0">
+            <a:schemeClr val="accent1"/>
+          </a:effectRef>
+          <a:fontRef idx="minor">
+            <a:schemeClr val="dk1"/>
+          </a:fontRef>
+        </p:style>
+        <p:txBody>
+          <a:bodyPr rtlCol="0" anchor="ctr"/>
+          <a:lstStyle/>
+          <a:p>
+            <a:pPr algn="ctr"/>
+            <a:endParaRPr lang="en-US" dirty="0"/>
+          </a:p>
+        </p:txBody>
+      </p:sp>
+      <p:cxnSp>
+        <p:nvCxnSpPr>
+          <p:cNvPr id="7" name="Straight Arrow Connector 6"/>
+          <p:cNvCxnSpPr>
+            <a:endCxn id="4" idx="1"/>
+          </p:cNvCxnSpPr>
+          <p:nvPr/>
+        </p:nvCxnSpPr>
+        <p:spPr>
+          <a:xfrm>
+            <a:off x="1149531" y="4064578"/>
+            <a:ext cx="3030583" cy="0"/>
+          </a:xfrm>
+          <a:prstGeom prst="straightConnector1">
+            <a:avLst/>
+          </a:prstGeom>
+          <a:ln>
+            <a:tailEnd type="triangle"/>
+          </a:ln>
+        </p:spPr>
+        <p:style>
+          <a:lnRef idx="1">
+            <a:schemeClr val="accent1"/>
+          </a:lnRef>
+          <a:fillRef idx="0">
+            <a:schemeClr val="accent1"/>
+          </a:fillRef>
+          <a:effectRef idx="0">
+            <a:schemeClr val="accent1"/>
+          </a:effectRef>
+          <a:fontRef idx="minor">
+            <a:schemeClr val="tx1"/>
+          </a:fontRef>
+        </p:style>
+      </p:cxnSp>
+      <p:sp>
+        <p:nvSpPr>
+          <p:cNvPr id="8" name="Rectangle 7"/>
+          <p:cNvSpPr/>
+          <p:nvPr/>
+        </p:nvSpPr>
+        <p:spPr>
+          <a:xfrm>
+            <a:off x="1443445" y="3488797"/>
+            <a:ext cx="1776549" cy="496390"/>
+          </a:xfrm>
+          <a:prstGeom prst="rect">
+            <a:avLst/>
+          </a:prstGeom>
+        </p:spPr>
+        <p:style>
+          <a:lnRef idx="2">
+            <a:schemeClr val="accent1"/>
+          </a:lnRef>
+          <a:fillRef idx="1">
+            <a:schemeClr val="lt1"/>
+          </a:fillRef>
+          <a:effectRef idx="0">
+            <a:schemeClr val="accent1"/>
+          </a:effectRef>
+          <a:fontRef idx="minor">
+            <a:schemeClr val="dk1"/>
+          </a:fontRef>
+        </p:style>
+        <p:txBody>
+          <a:bodyPr rtlCol="0" anchor="ctr"/>
+          <a:lstStyle/>
+          <a:p>
+            <a:pPr algn="ctr"/>
+            <a:r>
+              <a:rPr lang="en-US" altLang="zh-CN" dirty="0" err="1" smtClean="0"/>
+              <a:t>Envolope</a:t>
+            </a:r>
+            <a:endParaRPr lang="en-US" dirty="0"/>
+          </a:p>
+        </p:txBody>
+      </p:sp>
+      <p:cxnSp>
+        <p:nvCxnSpPr>
+          <p:cNvPr id="10" name="Straight Arrow Connector 9"/>
+          <p:cNvCxnSpPr/>
+          <p:nvPr/>
+        </p:nvCxnSpPr>
+        <p:spPr>
+          <a:xfrm>
+            <a:off x="7057208" y="4064578"/>
+            <a:ext cx="2739935" cy="8643"/>
+          </a:xfrm>
+          <a:prstGeom prst="straightConnector1">
+            <a:avLst/>
+          </a:prstGeom>
+          <a:ln>
+            <a:tailEnd type="triangle"/>
+          </a:ln>
+        </p:spPr>
+        <p:style>
+          <a:lnRef idx="1">
+            <a:schemeClr val="accent1"/>
+          </a:lnRef>
+          <a:fillRef idx="0">
+            <a:schemeClr val="accent1"/>
+          </a:fillRef>
+          <a:effectRef idx="0">
+            <a:schemeClr val="accent1"/>
+          </a:effectRef>
+          <a:fontRef idx="minor">
+            <a:schemeClr val="tx1"/>
+          </a:fontRef>
+        </p:style>
+      </p:cxnSp>
+      <p:sp>
+        <p:nvSpPr>
+          <p:cNvPr id="11" name="Rectangle 10"/>
+          <p:cNvSpPr/>
+          <p:nvPr/>
+        </p:nvSpPr>
+        <p:spPr>
+          <a:xfrm>
+            <a:off x="5796640" y="3666668"/>
+            <a:ext cx="1260568" cy="795819"/>
+          </a:xfrm>
+          <a:prstGeom prst="rect">
+            <a:avLst/>
+          </a:prstGeom>
+        </p:spPr>
+        <p:style>
+          <a:lnRef idx="2">
+            <a:schemeClr val="accent1"/>
+          </a:lnRef>
+          <a:fillRef idx="1">
+            <a:schemeClr val="lt1"/>
+          </a:fillRef>
+          <a:effectRef idx="0">
+            <a:schemeClr val="accent1"/>
+          </a:effectRef>
+          <a:fontRef idx="minor">
+            <a:schemeClr val="dk1"/>
+          </a:fontRef>
+        </p:style>
+        <p:txBody>
+          <a:bodyPr rtlCol="0" anchor="ctr"/>
+          <a:lstStyle/>
+          <a:p>
+            <a:pPr algn="ctr"/>
+            <a:endParaRPr lang="en-US"/>
+          </a:p>
+        </p:txBody>
+      </p:sp>
+      <p:sp>
+        <p:nvSpPr>
+          <p:cNvPr id="12" name="TextBox 11"/>
+          <p:cNvSpPr txBox="1"/>
+          <p:nvPr/>
+        </p:nvSpPr>
+        <p:spPr>
+          <a:xfrm>
+            <a:off x="4232366" y="3853543"/>
+            <a:ext cx="1463039" cy="369332"/>
+          </a:xfrm>
+          <a:prstGeom prst="rect">
+            <a:avLst/>
+          </a:prstGeom>
+          <a:noFill/>
+        </p:spPr>
+        <p:txBody>
+          <a:bodyPr wrap="square" rtlCol="0">
+            <a:spAutoFit/>
+          </a:bodyPr>
+          <a:lstStyle/>
+          <a:p>
+            <a:r>
+              <a:rPr lang="en-US" altLang="zh-CN" dirty="0" err="1" smtClean="0"/>
+              <a:t>StreamTask</a:t>
+            </a:r>
+            <a:endParaRPr lang="en-US" dirty="0"/>
+          </a:p>
+        </p:txBody>
+      </p:sp>
+      <p:sp>
+        <p:nvSpPr>
+          <p:cNvPr id="13" name="TextBox 12"/>
+          <p:cNvSpPr txBox="1"/>
+          <p:nvPr/>
+        </p:nvSpPr>
+        <p:spPr>
+          <a:xfrm>
+            <a:off x="5901147" y="3750055"/>
+            <a:ext cx="1208314" cy="646331"/>
+          </a:xfrm>
+          <a:prstGeom prst="rect">
+            <a:avLst/>
+          </a:prstGeom>
+          <a:noFill/>
+        </p:spPr>
+        <p:txBody>
+          <a:bodyPr wrap="square" rtlCol="0">
+            <a:spAutoFit/>
+          </a:bodyPr>
+          <a:lstStyle/>
+          <a:p>
+            <a:r>
+              <a:rPr lang="en-US" dirty="0" smtClean="0"/>
+              <a:t>Output Collector</a:t>
+            </a:r>
+          </a:p>
+        </p:txBody>
+      </p:sp>
+      <p:sp>
+        <p:nvSpPr>
+          <p:cNvPr id="15" name="TextBox 14"/>
+          <p:cNvSpPr txBox="1"/>
+          <p:nvPr/>
+        </p:nvSpPr>
+        <p:spPr>
+          <a:xfrm>
+            <a:off x="4088674" y="2637682"/>
+            <a:ext cx="1606731" cy="369332"/>
+          </a:xfrm>
+          <a:prstGeom prst="rect">
+            <a:avLst/>
+          </a:prstGeom>
+          <a:noFill/>
+        </p:spPr>
+        <p:txBody>
+          <a:bodyPr wrap="square" rtlCol="0">
+            <a:spAutoFit/>
+          </a:bodyPr>
+          <a:lstStyle/>
+          <a:p>
+            <a:r>
+              <a:rPr lang="en-US" dirty="0" err="1" smtClean="0"/>
+              <a:t>SamzaJob</a:t>
+            </a:r>
+            <a:endParaRPr lang="en-US" dirty="0"/>
+          </a:p>
+        </p:txBody>
+      </p:sp>
+      <p:sp>
+        <p:nvSpPr>
+          <p:cNvPr id="16" name="Rectangle 15"/>
+          <p:cNvSpPr/>
+          <p:nvPr/>
+        </p:nvSpPr>
+        <p:spPr>
+          <a:xfrm>
+            <a:off x="7458889" y="3485816"/>
+            <a:ext cx="1776549" cy="496390"/>
+          </a:xfrm>
+          <a:prstGeom prst="rect">
+            <a:avLst/>
+          </a:prstGeom>
+        </p:spPr>
+        <p:style>
+          <a:lnRef idx="2">
+            <a:schemeClr val="accent1"/>
+          </a:lnRef>
+          <a:fillRef idx="1">
+            <a:schemeClr val="lt1"/>
+          </a:fillRef>
+          <a:effectRef idx="0">
+            <a:schemeClr val="accent1"/>
+          </a:effectRef>
+          <a:fontRef idx="minor">
+            <a:schemeClr val="dk1"/>
+          </a:fontRef>
+        </p:style>
+        <p:txBody>
+          <a:bodyPr rtlCol="0" anchor="ctr"/>
+          <a:lstStyle/>
+          <a:p>
+            <a:pPr algn="ctr"/>
+            <a:r>
+              <a:rPr lang="en-US" altLang="zh-CN" dirty="0" err="1" smtClean="0"/>
+              <a:t>Envolope</a:t>
+            </a:r>
+            <a:endParaRPr lang="en-US" dirty="0"/>
+          </a:p>
+        </p:txBody>
+      </p:sp>
+    </p:spTree>
+    <p:extLst>
+      <p:ext uri="{BB962C8B-B14F-4D97-AF65-F5344CB8AC3E}">
+        <p14:creationId xmlns:p14="http://schemas.microsoft.com/office/powerpoint/2010/main" val="2715910777"/>
+      </p:ext>
+    </p:extLst>
+  </p:cSld>
+  <p:clrMapOvr>
+    <a:masterClrMapping/>
+  </p:clrMapOvr>
+</p:sld>
+</file>
+
+<file path=ppt/slides/slide12.xml><?xml version="1.0" encoding="utf-8"?>
+<p:sld xmlns:a="http://schemas.openxmlformats.org/drawingml/2006/main" xmlns:r="http://schemas.openxmlformats.org/officeDocument/2006/relationships" xmlns:p="http://schemas.openxmlformats.org/presentationml/2006/main">
+  <p:cSld>
+    <p:spTree>
+      <p:nvGrpSpPr>
+        <p:cNvPr id="1" name=""/>
+        <p:cNvGrpSpPr/>
+        <p:nvPr/>
+      </p:nvGrpSpPr>
+      <p:grpSpPr>
+        <a:xfrm>
+          <a:off x="0" y="0"/>
+          <a:ext cx="0" cy="0"/>
+          <a:chOff x="0" y="0"/>
+          <a:chExt cx="0" cy="0"/>
+        </a:xfrm>
+      </p:grpSpPr>
+      <p:sp>
+        <p:nvSpPr>
+          <p:cNvPr id="2" name="Title 1"/>
+          <p:cNvSpPr>
+            <a:spLocks noGrp="1"/>
+          </p:cNvSpPr>
+          <p:nvPr>
+            <p:ph type="title"/>
+          </p:nvPr>
+        </p:nvSpPr>
+        <p:spPr/>
+        <p:txBody>
+          <a:bodyPr/>
+          <a:lstStyle/>
+          <a:p>
+            <a:r>
               <a:rPr lang="en-US" dirty="0" smtClean="0"/>
               <a:t>Submit a task</a:t>
             </a:r>
@@ -5209,7 +5702,7 @@
 </p:sld>
 </file>
 
-<file path=ppt/slides/slide11.xml><?xml version="1.0" encoding="utf-8"?>
+<file path=ppt/slides/slide13.xml><?xml version="1.0" encoding="utf-8"?>
 <p:sld xmlns:a="http://schemas.openxmlformats.org/drawingml/2006/main" xmlns:r="http://schemas.openxmlformats.org/officeDocument/2006/relationships" xmlns:p="http://schemas.openxmlformats.org/presentationml/2006/main">
   <p:cSld>
     <p:spTree>
@@ -5848,7 +6341,7 @@
 </p:sld>
 </file>
 
-<file path=ppt/slides/slide12.xml><?xml version="1.0" encoding="utf-8"?>
+<file path=ppt/slides/slide14.xml><?xml version="1.0" encoding="utf-8"?>
 <p:sld xmlns:a="http://schemas.openxmlformats.org/drawingml/2006/main" xmlns:r="http://schemas.openxmlformats.org/officeDocument/2006/relationships" xmlns:p="http://schemas.openxmlformats.org/presentationml/2006/main">
   <p:cSld>
     <p:spTree>
@@ -6063,7 +6556,7 @@
 </p:sld>
 </file>
 
-<file path=ppt/slides/slide13.xml><?xml version="1.0" encoding="utf-8"?>
+<file path=ppt/slides/slide15.xml><?xml version="1.0" encoding="utf-8"?>
 <p:sld xmlns:a="http://schemas.openxmlformats.org/drawingml/2006/main" xmlns:r="http://schemas.openxmlformats.org/officeDocument/2006/relationships" xmlns:p="http://schemas.openxmlformats.org/presentationml/2006/main">
   <p:cSld>
     <p:spTree>
@@ -9997,6 +10490,1868 @@
       </p:grpSpPr>
       <p:sp>
         <p:nvSpPr>
+          <p:cNvPr id="2" name="Title 1"/>
+          <p:cNvSpPr>
+            <a:spLocks noGrp="1"/>
+          </p:cNvSpPr>
+          <p:nvPr>
+            <p:ph type="title"/>
+          </p:nvPr>
+        </p:nvSpPr>
+        <p:spPr>
+          <a:xfrm>
+            <a:off x="169985" y="-127244"/>
+            <a:ext cx="10515600" cy="1325563"/>
+          </a:xfrm>
+        </p:spPr>
+        <p:txBody>
+          <a:bodyPr/>
+          <a:lstStyle/>
+          <a:p>
+            <a:r>
+              <a:rPr lang="en-US" altLang="zh-CN" dirty="0" smtClean="0"/>
+              <a:t>Run a job</a:t>
+            </a:r>
+            <a:endParaRPr lang="en-US" dirty="0"/>
+          </a:p>
+        </p:txBody>
+      </p:sp>
+      <p:sp>
+        <p:nvSpPr>
+          <p:cNvPr id="4" name="Rectangle 3"/>
+          <p:cNvSpPr/>
+          <p:nvPr/>
+        </p:nvSpPr>
+        <p:spPr>
+          <a:xfrm>
+            <a:off x="624250" y="1599408"/>
+            <a:ext cx="1289539" cy="395654"/>
+          </a:xfrm>
+          <a:prstGeom prst="rect">
+            <a:avLst/>
+          </a:prstGeom>
+        </p:spPr>
+        <p:style>
+          <a:lnRef idx="2">
+            <a:schemeClr val="accent1"/>
+          </a:lnRef>
+          <a:fillRef idx="1">
+            <a:schemeClr val="lt1"/>
+          </a:fillRef>
+          <a:effectRef idx="0">
+            <a:schemeClr val="accent1"/>
+          </a:effectRef>
+          <a:fontRef idx="minor">
+            <a:schemeClr val="dk1"/>
+          </a:fontRef>
+        </p:style>
+        <p:txBody>
+          <a:bodyPr rtlCol="0" anchor="ctr"/>
+          <a:lstStyle/>
+          <a:p>
+            <a:pPr algn="ctr"/>
+            <a:endParaRPr lang="en-US"/>
+          </a:p>
+        </p:txBody>
+      </p:sp>
+      <p:sp>
+        <p:nvSpPr>
+          <p:cNvPr id="5" name="TextBox 4"/>
+          <p:cNvSpPr txBox="1"/>
+          <p:nvPr/>
+        </p:nvSpPr>
+        <p:spPr>
+          <a:xfrm>
+            <a:off x="700451" y="1599408"/>
+            <a:ext cx="1213338" cy="378070"/>
+          </a:xfrm>
+          <a:prstGeom prst="rect">
+            <a:avLst/>
+          </a:prstGeom>
+          <a:noFill/>
+        </p:spPr>
+        <p:txBody>
+          <a:bodyPr wrap="square" rtlCol="0">
+            <a:spAutoFit/>
+          </a:bodyPr>
+          <a:lstStyle/>
+          <a:p>
+            <a:r>
+              <a:rPr lang="en-US" altLang="zh-CN" dirty="0" smtClean="0"/>
+              <a:t>run-job.sh</a:t>
+            </a:r>
+            <a:endParaRPr lang="en-US" dirty="0"/>
+          </a:p>
+        </p:txBody>
+      </p:sp>
+      <p:cxnSp>
+        <p:nvCxnSpPr>
+          <p:cNvPr id="6" name="Straight Arrow Connector 5"/>
+          <p:cNvCxnSpPr>
+            <a:stCxn id="5" idx="3"/>
+            <a:endCxn id="7" idx="1"/>
+          </p:cNvCxnSpPr>
+          <p:nvPr/>
+        </p:nvCxnSpPr>
+        <p:spPr>
+          <a:xfrm>
+            <a:off x="1913789" y="1788443"/>
+            <a:ext cx="1434438" cy="7715"/>
+          </a:xfrm>
+          <a:prstGeom prst="straightConnector1">
+            <a:avLst/>
+          </a:prstGeom>
+          <a:ln>
+            <a:tailEnd type="triangle"/>
+          </a:ln>
+        </p:spPr>
+        <p:style>
+          <a:lnRef idx="1">
+            <a:schemeClr val="accent1"/>
+          </a:lnRef>
+          <a:fillRef idx="0">
+            <a:schemeClr val="accent1"/>
+          </a:fillRef>
+          <a:effectRef idx="0">
+            <a:schemeClr val="accent1"/>
+          </a:effectRef>
+          <a:fontRef idx="minor">
+            <a:schemeClr val="tx1"/>
+          </a:fontRef>
+        </p:style>
+      </p:cxnSp>
+      <p:sp>
+        <p:nvSpPr>
+          <p:cNvPr id="7" name="Rectangle 6"/>
+          <p:cNvSpPr/>
+          <p:nvPr/>
+        </p:nvSpPr>
+        <p:spPr>
+          <a:xfrm>
+            <a:off x="3348227" y="1553087"/>
+            <a:ext cx="1345222" cy="486142"/>
+          </a:xfrm>
+          <a:prstGeom prst="rect">
+            <a:avLst/>
+          </a:prstGeom>
+        </p:spPr>
+        <p:style>
+          <a:lnRef idx="2">
+            <a:schemeClr val="accent1"/>
+          </a:lnRef>
+          <a:fillRef idx="1">
+            <a:schemeClr val="lt1"/>
+          </a:fillRef>
+          <a:effectRef idx="0">
+            <a:schemeClr val="accent1"/>
+          </a:effectRef>
+          <a:fontRef idx="minor">
+            <a:schemeClr val="dk1"/>
+          </a:fontRef>
+        </p:style>
+        <p:txBody>
+          <a:bodyPr rtlCol="0" anchor="ctr"/>
+          <a:lstStyle/>
+          <a:p>
+            <a:pPr algn="ctr"/>
+            <a:endParaRPr lang="en-US"/>
+          </a:p>
+        </p:txBody>
+      </p:sp>
+      <p:sp>
+        <p:nvSpPr>
+          <p:cNvPr id="8" name="TextBox 7"/>
+          <p:cNvSpPr txBox="1"/>
+          <p:nvPr/>
+        </p:nvSpPr>
+        <p:spPr>
+          <a:xfrm>
+            <a:off x="3453734" y="1643574"/>
+            <a:ext cx="1239715" cy="369332"/>
+          </a:xfrm>
+          <a:prstGeom prst="rect">
+            <a:avLst/>
+          </a:prstGeom>
+          <a:noFill/>
+        </p:spPr>
+        <p:txBody>
+          <a:bodyPr wrap="square" rtlCol="0">
+            <a:spAutoFit/>
+          </a:bodyPr>
+          <a:lstStyle/>
+          <a:p>
+            <a:r>
+              <a:rPr lang="en-US" altLang="zh-CN" dirty="0" err="1" smtClean="0"/>
+              <a:t>JobRunner</a:t>
+            </a:r>
+            <a:endParaRPr lang="en-US" dirty="0"/>
+          </a:p>
+        </p:txBody>
+      </p:sp>
+      <p:cxnSp>
+        <p:nvCxnSpPr>
+          <p:cNvPr id="9" name="Straight Arrow Connector 8"/>
+          <p:cNvCxnSpPr>
+            <a:stCxn id="7" idx="3"/>
+            <a:endCxn id="10" idx="1"/>
+          </p:cNvCxnSpPr>
+          <p:nvPr/>
+        </p:nvCxnSpPr>
+        <p:spPr>
+          <a:xfrm flipV="1">
+            <a:off x="4693449" y="1772945"/>
+            <a:ext cx="1138326" cy="23213"/>
+          </a:xfrm>
+          <a:prstGeom prst="straightConnector1">
+            <a:avLst/>
+          </a:prstGeom>
+          <a:ln>
+            <a:tailEnd type="triangle"/>
+          </a:ln>
+        </p:spPr>
+        <p:style>
+          <a:lnRef idx="1">
+            <a:schemeClr val="accent1"/>
+          </a:lnRef>
+          <a:fillRef idx="0">
+            <a:schemeClr val="accent1"/>
+          </a:fillRef>
+          <a:effectRef idx="0">
+            <a:schemeClr val="accent1"/>
+          </a:effectRef>
+          <a:fontRef idx="minor">
+            <a:schemeClr val="tx1"/>
+          </a:fontRef>
+        </p:style>
+      </p:cxnSp>
+      <p:sp>
+        <p:nvSpPr>
+          <p:cNvPr id="10" name="Rectangle 9"/>
+          <p:cNvSpPr/>
+          <p:nvPr/>
+        </p:nvSpPr>
+        <p:spPr>
+          <a:xfrm>
+            <a:off x="5831775" y="1527313"/>
+            <a:ext cx="1354012" cy="491263"/>
+          </a:xfrm>
+          <a:prstGeom prst="rect">
+            <a:avLst/>
+          </a:prstGeom>
+        </p:spPr>
+        <p:style>
+          <a:lnRef idx="2">
+            <a:schemeClr val="accent1"/>
+          </a:lnRef>
+          <a:fillRef idx="1">
+            <a:schemeClr val="lt1"/>
+          </a:fillRef>
+          <a:effectRef idx="0">
+            <a:schemeClr val="accent1"/>
+          </a:effectRef>
+          <a:fontRef idx="minor">
+            <a:schemeClr val="dk1"/>
+          </a:fontRef>
+        </p:style>
+        <p:txBody>
+          <a:bodyPr rtlCol="0" anchor="ctr"/>
+          <a:lstStyle/>
+          <a:p>
+            <a:pPr algn="ctr"/>
+            <a:endParaRPr lang="en-US"/>
+          </a:p>
+        </p:txBody>
+      </p:sp>
+      <p:sp>
+        <p:nvSpPr>
+          <p:cNvPr id="11" name="TextBox 10"/>
+          <p:cNvSpPr txBox="1"/>
+          <p:nvPr/>
+        </p:nvSpPr>
+        <p:spPr>
+          <a:xfrm>
+            <a:off x="6074296" y="1587014"/>
+            <a:ext cx="1090246" cy="369332"/>
+          </a:xfrm>
+          <a:prstGeom prst="rect">
+            <a:avLst/>
+          </a:prstGeom>
+          <a:noFill/>
+        </p:spPr>
+        <p:txBody>
+          <a:bodyPr wrap="square" rtlCol="0">
+            <a:spAutoFit/>
+          </a:bodyPr>
+          <a:lstStyle/>
+          <a:p>
+            <a:r>
+              <a:rPr lang="en-US" dirty="0" err="1" smtClean="0"/>
+              <a:t>YarnJob</a:t>
+            </a:r>
+            <a:endParaRPr lang="en-US" dirty="0"/>
+          </a:p>
+        </p:txBody>
+      </p:sp>
+      <p:cxnSp>
+        <p:nvCxnSpPr>
+          <p:cNvPr id="12" name="Straight Arrow Connector 11"/>
+          <p:cNvCxnSpPr>
+            <a:stCxn id="13" idx="2"/>
+            <a:endCxn id="5" idx="0"/>
+          </p:cNvCxnSpPr>
+          <p:nvPr/>
+        </p:nvCxnSpPr>
+        <p:spPr>
+          <a:xfrm>
+            <a:off x="1307120" y="1433561"/>
+            <a:ext cx="0" cy="165847"/>
+          </a:xfrm>
+          <a:prstGeom prst="straightConnector1">
+            <a:avLst/>
+          </a:prstGeom>
+          <a:ln>
+            <a:tailEnd type="triangle"/>
+          </a:ln>
+        </p:spPr>
+        <p:style>
+          <a:lnRef idx="1">
+            <a:schemeClr val="accent1"/>
+          </a:lnRef>
+          <a:fillRef idx="0">
+            <a:schemeClr val="accent1"/>
+          </a:fillRef>
+          <a:effectRef idx="0">
+            <a:schemeClr val="accent1"/>
+          </a:effectRef>
+          <a:fontRef idx="minor">
+            <a:schemeClr val="tx1"/>
+          </a:fontRef>
+        </p:style>
+      </p:cxnSp>
+      <p:sp>
+        <p:nvSpPr>
+          <p:cNvPr id="13" name="TextBox 12"/>
+          <p:cNvSpPr txBox="1"/>
+          <p:nvPr/>
+        </p:nvSpPr>
+        <p:spPr>
+          <a:xfrm>
+            <a:off x="385943" y="787230"/>
+            <a:ext cx="1842354" cy="646331"/>
+          </a:xfrm>
+          <a:prstGeom prst="rect">
+            <a:avLst/>
+          </a:prstGeom>
+          <a:noFill/>
+        </p:spPr>
+        <p:txBody>
+          <a:bodyPr wrap="square" rtlCol="0">
+            <a:spAutoFit/>
+          </a:bodyPr>
+          <a:lstStyle/>
+          <a:p>
+            <a:r>
+              <a:rPr lang="en-US" dirty="0" smtClean="0"/>
+              <a:t>submit configuration file</a:t>
+            </a:r>
+            <a:endParaRPr lang="en-US" dirty="0"/>
+          </a:p>
+        </p:txBody>
+      </p:sp>
+      <p:cxnSp>
+        <p:nvCxnSpPr>
+          <p:cNvPr id="14" name="Straight Arrow Connector 13"/>
+          <p:cNvCxnSpPr>
+            <a:stCxn id="10" idx="3"/>
+            <a:endCxn id="51" idx="1"/>
+          </p:cNvCxnSpPr>
+          <p:nvPr/>
+        </p:nvCxnSpPr>
+        <p:spPr>
+          <a:xfrm>
+            <a:off x="7185787" y="1772945"/>
+            <a:ext cx="864981" cy="0"/>
+          </a:xfrm>
+          <a:prstGeom prst="straightConnector1">
+            <a:avLst/>
+          </a:prstGeom>
+          <a:ln>
+            <a:tailEnd type="triangle"/>
+          </a:ln>
+        </p:spPr>
+        <p:style>
+          <a:lnRef idx="1">
+            <a:schemeClr val="accent1"/>
+          </a:lnRef>
+          <a:fillRef idx="0">
+            <a:schemeClr val="accent1"/>
+          </a:fillRef>
+          <a:effectRef idx="0">
+            <a:schemeClr val="accent1"/>
+          </a:effectRef>
+          <a:fontRef idx="minor">
+            <a:schemeClr val="tx1"/>
+          </a:fontRef>
+        </p:style>
+      </p:cxnSp>
+      <p:sp>
+        <p:nvSpPr>
+          <p:cNvPr id="15" name="Rectangle 14"/>
+          <p:cNvSpPr/>
+          <p:nvPr/>
+        </p:nvSpPr>
+        <p:spPr>
+          <a:xfrm>
+            <a:off x="10089174" y="1513744"/>
+            <a:ext cx="1380392" cy="491264"/>
+          </a:xfrm>
+          <a:prstGeom prst="rect">
+            <a:avLst/>
+          </a:prstGeom>
+        </p:spPr>
+        <p:style>
+          <a:lnRef idx="2">
+            <a:schemeClr val="accent1"/>
+          </a:lnRef>
+          <a:fillRef idx="1">
+            <a:schemeClr val="lt1"/>
+          </a:fillRef>
+          <a:effectRef idx="0">
+            <a:schemeClr val="accent1"/>
+          </a:effectRef>
+          <a:fontRef idx="minor">
+            <a:schemeClr val="dk1"/>
+          </a:fontRef>
+        </p:style>
+        <p:txBody>
+          <a:bodyPr rtlCol="0" anchor="ctr"/>
+          <a:lstStyle/>
+          <a:p>
+            <a:pPr algn="ctr"/>
+            <a:endParaRPr lang="en-US"/>
+          </a:p>
+        </p:txBody>
+      </p:sp>
+      <p:sp>
+        <p:nvSpPr>
+          <p:cNvPr id="16" name="TextBox 15"/>
+          <p:cNvSpPr txBox="1"/>
+          <p:nvPr/>
+        </p:nvSpPr>
+        <p:spPr>
+          <a:xfrm>
+            <a:off x="10265019" y="1596192"/>
+            <a:ext cx="1204546" cy="369332"/>
+          </a:xfrm>
+          <a:prstGeom prst="rect">
+            <a:avLst/>
+          </a:prstGeom>
+          <a:noFill/>
+        </p:spPr>
+        <p:txBody>
+          <a:bodyPr wrap="square" rtlCol="0">
+            <a:spAutoFit/>
+          </a:bodyPr>
+          <a:lstStyle/>
+          <a:p>
+            <a:r>
+              <a:rPr lang="en-US" dirty="0" smtClean="0"/>
+              <a:t>run-jc.sh</a:t>
+            </a:r>
+            <a:endParaRPr lang="en-US" dirty="0"/>
+          </a:p>
+        </p:txBody>
+      </p:sp>
+      <p:cxnSp>
+        <p:nvCxnSpPr>
+          <p:cNvPr id="17" name="Straight Arrow Connector 16"/>
+          <p:cNvCxnSpPr>
+            <a:stCxn id="15" idx="2"/>
+            <a:endCxn id="18" idx="0"/>
+          </p:cNvCxnSpPr>
+          <p:nvPr/>
+        </p:nvCxnSpPr>
+        <p:spPr>
+          <a:xfrm>
+            <a:off x="10779370" y="2005008"/>
+            <a:ext cx="0" cy="1641715"/>
+          </a:xfrm>
+          <a:prstGeom prst="straightConnector1">
+            <a:avLst/>
+          </a:prstGeom>
+          <a:ln>
+            <a:tailEnd type="triangle"/>
+          </a:ln>
+        </p:spPr>
+        <p:style>
+          <a:lnRef idx="1">
+            <a:schemeClr val="accent1"/>
+          </a:lnRef>
+          <a:fillRef idx="0">
+            <a:schemeClr val="accent1"/>
+          </a:fillRef>
+          <a:effectRef idx="0">
+            <a:schemeClr val="accent1"/>
+          </a:effectRef>
+          <a:fontRef idx="minor">
+            <a:schemeClr val="tx1"/>
+          </a:fontRef>
+        </p:style>
+      </p:cxnSp>
+      <p:sp>
+        <p:nvSpPr>
+          <p:cNvPr id="18" name="Rectangle 17"/>
+          <p:cNvSpPr/>
+          <p:nvPr/>
+        </p:nvSpPr>
+        <p:spPr>
+          <a:xfrm>
+            <a:off x="9782176" y="3646723"/>
+            <a:ext cx="1994388" cy="856396"/>
+          </a:xfrm>
+          <a:prstGeom prst="rect">
+            <a:avLst/>
+          </a:prstGeom>
+        </p:spPr>
+        <p:style>
+          <a:lnRef idx="2">
+            <a:schemeClr val="accent1"/>
+          </a:lnRef>
+          <a:fillRef idx="1">
+            <a:schemeClr val="lt1"/>
+          </a:fillRef>
+          <a:effectRef idx="0">
+            <a:schemeClr val="accent1"/>
+          </a:effectRef>
+          <a:fontRef idx="minor">
+            <a:schemeClr val="dk1"/>
+          </a:fontRef>
+        </p:style>
+        <p:txBody>
+          <a:bodyPr rtlCol="0" anchor="ctr"/>
+          <a:lstStyle/>
+          <a:p>
+            <a:pPr algn="ctr"/>
+            <a:endParaRPr lang="en-US"/>
+          </a:p>
+        </p:txBody>
+      </p:sp>
+      <p:sp>
+        <p:nvSpPr>
+          <p:cNvPr id="19" name="TextBox 18"/>
+          <p:cNvSpPr txBox="1"/>
+          <p:nvPr/>
+        </p:nvSpPr>
+        <p:spPr>
+          <a:xfrm>
+            <a:off x="9912595" y="3772967"/>
+            <a:ext cx="1723292" cy="646331"/>
+          </a:xfrm>
+          <a:prstGeom prst="rect">
+            <a:avLst/>
+          </a:prstGeom>
+          <a:noFill/>
+        </p:spPr>
+        <p:txBody>
+          <a:bodyPr wrap="square" rtlCol="0">
+            <a:spAutoFit/>
+          </a:bodyPr>
+          <a:lstStyle/>
+          <a:p>
+            <a:r>
+              <a:rPr lang="en-US" dirty="0" err="1" smtClean="0"/>
+              <a:t>Cluster</a:t>
+            </a:r>
+            <a:r>
+              <a:rPr lang="en-US" altLang="zh-CN" dirty="0" err="1" smtClean="0"/>
+              <a:t>BasedJobCoordinator</a:t>
+            </a:r>
+            <a:endParaRPr lang="en-US" dirty="0"/>
+          </a:p>
+        </p:txBody>
+      </p:sp>
+      <p:sp>
+        <p:nvSpPr>
+          <p:cNvPr id="20" name="TextBox 19"/>
+          <p:cNvSpPr txBox="1"/>
+          <p:nvPr/>
+        </p:nvSpPr>
+        <p:spPr>
+          <a:xfrm>
+            <a:off x="10085507" y="4478160"/>
+            <a:ext cx="1635369" cy="646331"/>
+          </a:xfrm>
+          <a:prstGeom prst="rect">
+            <a:avLst/>
+          </a:prstGeom>
+          <a:noFill/>
+        </p:spPr>
+        <p:txBody>
+          <a:bodyPr wrap="square" rtlCol="0">
+            <a:spAutoFit/>
+          </a:bodyPr>
+          <a:lstStyle/>
+          <a:p>
+            <a:r>
+              <a:rPr lang="en-US" dirty="0" smtClean="0"/>
+              <a:t>Is not normal </a:t>
+            </a:r>
+            <a:r>
+              <a:rPr lang="en-US" dirty="0" err="1" smtClean="0"/>
+              <a:t>JobCoordinator</a:t>
+            </a:r>
+            <a:endParaRPr lang="en-US" dirty="0"/>
+          </a:p>
+        </p:txBody>
+      </p:sp>
+      <p:cxnSp>
+        <p:nvCxnSpPr>
+          <p:cNvPr id="21" name="Straight Arrow Connector 20"/>
+          <p:cNvCxnSpPr>
+            <a:stCxn id="18" idx="1"/>
+            <a:endCxn id="22" idx="3"/>
+          </p:cNvCxnSpPr>
+          <p:nvPr/>
+        </p:nvCxnSpPr>
+        <p:spPr>
+          <a:xfrm flipH="1">
+            <a:off x="8950381" y="4074921"/>
+            <a:ext cx="831795" cy="22317"/>
+          </a:xfrm>
+          <a:prstGeom prst="straightConnector1">
+            <a:avLst/>
+          </a:prstGeom>
+          <a:ln>
+            <a:tailEnd type="triangle"/>
+          </a:ln>
+        </p:spPr>
+        <p:style>
+          <a:lnRef idx="1">
+            <a:schemeClr val="accent1"/>
+          </a:lnRef>
+          <a:fillRef idx="0">
+            <a:schemeClr val="accent1"/>
+          </a:fillRef>
+          <a:effectRef idx="0">
+            <a:schemeClr val="accent1"/>
+          </a:effectRef>
+          <a:fontRef idx="minor">
+            <a:schemeClr val="tx1"/>
+          </a:fontRef>
+        </p:style>
+      </p:cxnSp>
+      <p:sp>
+        <p:nvSpPr>
+          <p:cNvPr id="22" name="Rectangle 21"/>
+          <p:cNvSpPr/>
+          <p:nvPr/>
+        </p:nvSpPr>
+        <p:spPr>
+          <a:xfrm>
+            <a:off x="7110586" y="3639824"/>
+            <a:ext cx="1839795" cy="914828"/>
+          </a:xfrm>
+          <a:prstGeom prst="rect">
+            <a:avLst/>
+          </a:prstGeom>
+        </p:spPr>
+        <p:style>
+          <a:lnRef idx="2">
+            <a:schemeClr val="accent1"/>
+          </a:lnRef>
+          <a:fillRef idx="1">
+            <a:schemeClr val="lt1"/>
+          </a:fillRef>
+          <a:effectRef idx="0">
+            <a:schemeClr val="accent1"/>
+          </a:effectRef>
+          <a:fontRef idx="minor">
+            <a:schemeClr val="dk1"/>
+          </a:fontRef>
+        </p:style>
+        <p:txBody>
+          <a:bodyPr rtlCol="0" anchor="ctr"/>
+          <a:lstStyle/>
+          <a:p>
+            <a:pPr algn="ctr"/>
+            <a:endParaRPr lang="en-US"/>
+          </a:p>
+        </p:txBody>
+      </p:sp>
+      <p:sp>
+        <p:nvSpPr>
+          <p:cNvPr id="23" name="TextBox 22"/>
+          <p:cNvSpPr txBox="1"/>
+          <p:nvPr/>
+        </p:nvSpPr>
+        <p:spPr>
+          <a:xfrm>
+            <a:off x="7110587" y="3782077"/>
+            <a:ext cx="1981210" cy="646331"/>
+          </a:xfrm>
+          <a:prstGeom prst="rect">
+            <a:avLst/>
+          </a:prstGeom>
+          <a:noFill/>
+        </p:spPr>
+        <p:txBody>
+          <a:bodyPr wrap="square" rtlCol="0">
+            <a:spAutoFit/>
+          </a:bodyPr>
+          <a:lstStyle/>
+          <a:p>
+            <a:r>
+              <a:rPr lang="en-US" altLang="zh-CN" dirty="0" err="1" smtClean="0"/>
+              <a:t>ContainerProcessManager</a:t>
+            </a:r>
+            <a:endParaRPr lang="en-US" dirty="0"/>
+          </a:p>
+        </p:txBody>
+      </p:sp>
+      <p:sp>
+        <p:nvSpPr>
+          <p:cNvPr id="24" name="TextBox 23"/>
+          <p:cNvSpPr txBox="1"/>
+          <p:nvPr/>
+        </p:nvSpPr>
+        <p:spPr>
+          <a:xfrm>
+            <a:off x="7059303" y="2975216"/>
+            <a:ext cx="2083777" cy="646331"/>
+          </a:xfrm>
+          <a:prstGeom prst="rect">
+            <a:avLst/>
+          </a:prstGeom>
+          <a:noFill/>
+        </p:spPr>
+        <p:txBody>
+          <a:bodyPr wrap="square" rtlCol="0">
+            <a:spAutoFit/>
+          </a:bodyPr>
+          <a:lstStyle/>
+          <a:p>
+            <a:r>
+              <a:rPr lang="en-US" dirty="0" smtClean="0"/>
+              <a:t>Request containers, handle failures</a:t>
+            </a:r>
+            <a:endParaRPr lang="en-US" dirty="0"/>
+          </a:p>
+        </p:txBody>
+      </p:sp>
+      <p:sp>
+        <p:nvSpPr>
+          <p:cNvPr id="25" name="TextBox 24"/>
+          <p:cNvSpPr txBox="1"/>
+          <p:nvPr/>
+        </p:nvSpPr>
+        <p:spPr>
+          <a:xfrm>
+            <a:off x="2352354" y="1724944"/>
+            <a:ext cx="832626" cy="369332"/>
+          </a:xfrm>
+          <a:prstGeom prst="rect">
+            <a:avLst/>
+          </a:prstGeom>
+          <a:noFill/>
+        </p:spPr>
+        <p:txBody>
+          <a:bodyPr wrap="square" rtlCol="0">
+            <a:spAutoFit/>
+          </a:bodyPr>
+          <a:lstStyle/>
+          <a:p>
+            <a:r>
+              <a:rPr lang="en-US" dirty="0" smtClean="0"/>
+              <a:t>call</a:t>
+            </a:r>
+            <a:endParaRPr lang="en-US" dirty="0"/>
+          </a:p>
+        </p:txBody>
+      </p:sp>
+      <p:sp>
+        <p:nvSpPr>
+          <p:cNvPr id="26" name="TextBox 25"/>
+          <p:cNvSpPr txBox="1"/>
+          <p:nvPr/>
+        </p:nvSpPr>
+        <p:spPr>
+          <a:xfrm>
+            <a:off x="4937023" y="1724944"/>
+            <a:ext cx="826332" cy="369332"/>
+          </a:xfrm>
+          <a:prstGeom prst="rect">
+            <a:avLst/>
+          </a:prstGeom>
+          <a:noFill/>
+        </p:spPr>
+        <p:txBody>
+          <a:bodyPr wrap="square" rtlCol="0">
+            <a:spAutoFit/>
+          </a:bodyPr>
+          <a:lstStyle/>
+          <a:p>
+            <a:r>
+              <a:rPr lang="en-US" dirty="0" smtClean="0"/>
+              <a:t>new</a:t>
+            </a:r>
+            <a:endParaRPr lang="en-US" dirty="0"/>
+          </a:p>
+        </p:txBody>
+      </p:sp>
+      <p:sp>
+        <p:nvSpPr>
+          <p:cNvPr id="27" name="TextBox 26"/>
+          <p:cNvSpPr txBox="1"/>
+          <p:nvPr/>
+        </p:nvSpPr>
+        <p:spPr>
+          <a:xfrm>
+            <a:off x="6947564" y="1938844"/>
+            <a:ext cx="1893642" cy="646331"/>
+          </a:xfrm>
+          <a:prstGeom prst="rect">
+            <a:avLst/>
+          </a:prstGeom>
+          <a:noFill/>
+        </p:spPr>
+        <p:txBody>
+          <a:bodyPr wrap="square" rtlCol="0">
+            <a:spAutoFit/>
+          </a:bodyPr>
+          <a:lstStyle/>
+          <a:p>
+            <a:r>
+              <a:rPr lang="en-US" dirty="0" smtClean="0"/>
+              <a:t>pass </a:t>
+            </a:r>
+            <a:r>
+              <a:rPr lang="en-US" dirty="0" err="1" smtClean="0"/>
+              <a:t>cmds</a:t>
+            </a:r>
+            <a:r>
+              <a:rPr lang="en-US" dirty="0" smtClean="0"/>
+              <a:t> as a parameter</a:t>
+            </a:r>
+            <a:endParaRPr lang="en-US" dirty="0"/>
+          </a:p>
+        </p:txBody>
+      </p:sp>
+      <p:cxnSp>
+        <p:nvCxnSpPr>
+          <p:cNvPr id="28" name="Straight Arrow Connector 27"/>
+          <p:cNvCxnSpPr>
+            <a:stCxn id="23" idx="1"/>
+            <a:endCxn id="35" idx="3"/>
+          </p:cNvCxnSpPr>
+          <p:nvPr/>
+        </p:nvCxnSpPr>
+        <p:spPr>
+          <a:xfrm flipH="1" flipV="1">
+            <a:off x="6158721" y="4095191"/>
+            <a:ext cx="951866" cy="10052"/>
+          </a:xfrm>
+          <a:prstGeom prst="straightConnector1">
+            <a:avLst/>
+          </a:prstGeom>
+          <a:ln>
+            <a:tailEnd type="triangle"/>
+          </a:ln>
+        </p:spPr>
+        <p:style>
+          <a:lnRef idx="1">
+            <a:schemeClr val="accent1"/>
+          </a:lnRef>
+          <a:fillRef idx="0">
+            <a:schemeClr val="accent1"/>
+          </a:fillRef>
+          <a:effectRef idx="0">
+            <a:schemeClr val="accent1"/>
+          </a:effectRef>
+          <a:fontRef idx="minor">
+            <a:schemeClr val="tx1"/>
+          </a:fontRef>
+        </p:style>
+      </p:cxnSp>
+      <p:sp>
+        <p:nvSpPr>
+          <p:cNvPr id="29" name="Rectangle 28"/>
+          <p:cNvSpPr/>
+          <p:nvPr/>
+        </p:nvSpPr>
+        <p:spPr>
+          <a:xfrm>
+            <a:off x="528815" y="3633116"/>
+            <a:ext cx="1839795" cy="914828"/>
+          </a:xfrm>
+          <a:prstGeom prst="rect">
+            <a:avLst/>
+          </a:prstGeom>
+        </p:spPr>
+        <p:style>
+          <a:lnRef idx="2">
+            <a:schemeClr val="accent1"/>
+          </a:lnRef>
+          <a:fillRef idx="1">
+            <a:schemeClr val="lt1"/>
+          </a:fillRef>
+          <a:effectRef idx="0">
+            <a:schemeClr val="accent1"/>
+          </a:effectRef>
+          <a:fontRef idx="minor">
+            <a:schemeClr val="dk1"/>
+          </a:fontRef>
+        </p:style>
+        <p:txBody>
+          <a:bodyPr rtlCol="0" anchor="ctr"/>
+          <a:lstStyle/>
+          <a:p>
+            <a:pPr algn="ctr"/>
+            <a:endParaRPr lang="en-US"/>
+          </a:p>
+        </p:txBody>
+      </p:sp>
+      <p:sp>
+        <p:nvSpPr>
+          <p:cNvPr id="30" name="TextBox 29"/>
+          <p:cNvSpPr txBox="1"/>
+          <p:nvPr/>
+        </p:nvSpPr>
+        <p:spPr>
+          <a:xfrm>
+            <a:off x="10418885" y="2168955"/>
+            <a:ext cx="360485" cy="370056"/>
+          </a:xfrm>
+          <a:prstGeom prst="rect">
+            <a:avLst/>
+          </a:prstGeom>
+          <a:noFill/>
+        </p:spPr>
+        <p:txBody>
+          <a:bodyPr wrap="square" rtlCol="0">
+            <a:spAutoFit/>
+          </a:bodyPr>
+          <a:lstStyle/>
+          <a:p>
+            <a:endParaRPr lang="en-US" dirty="0"/>
+          </a:p>
+        </p:txBody>
+      </p:sp>
+      <p:sp>
+        <p:nvSpPr>
+          <p:cNvPr id="31" name="TextBox 30"/>
+          <p:cNvSpPr txBox="1"/>
+          <p:nvPr/>
+        </p:nvSpPr>
+        <p:spPr>
+          <a:xfrm>
+            <a:off x="10441526" y="2733932"/>
+            <a:ext cx="461665" cy="464348"/>
+          </a:xfrm>
+          <a:prstGeom prst="rect">
+            <a:avLst/>
+          </a:prstGeom>
+          <a:noFill/>
+        </p:spPr>
+        <p:txBody>
+          <a:bodyPr vert="eaVert" wrap="square" rtlCol="0">
+            <a:spAutoFit/>
+          </a:bodyPr>
+          <a:lstStyle/>
+          <a:p>
+            <a:r>
+              <a:rPr lang="en-US" dirty="0" smtClean="0"/>
+              <a:t>call</a:t>
+            </a:r>
+            <a:endParaRPr lang="en-US" dirty="0"/>
+          </a:p>
+        </p:txBody>
+      </p:sp>
+      <p:sp>
+        <p:nvSpPr>
+          <p:cNvPr id="32" name="TextBox 31"/>
+          <p:cNvSpPr txBox="1"/>
+          <p:nvPr/>
+        </p:nvSpPr>
+        <p:spPr>
+          <a:xfrm>
+            <a:off x="8964853" y="3991032"/>
+            <a:ext cx="1283677" cy="369332"/>
+          </a:xfrm>
+          <a:prstGeom prst="rect">
+            <a:avLst/>
+          </a:prstGeom>
+          <a:noFill/>
+        </p:spPr>
+        <p:txBody>
+          <a:bodyPr wrap="square" rtlCol="0">
+            <a:spAutoFit/>
+          </a:bodyPr>
+          <a:lstStyle/>
+          <a:p>
+            <a:r>
+              <a:rPr lang="en-US" dirty="0" smtClean="0"/>
+              <a:t>contain</a:t>
+            </a:r>
+            <a:endParaRPr lang="en-US" dirty="0"/>
+          </a:p>
+        </p:txBody>
+      </p:sp>
+      <p:sp>
+        <p:nvSpPr>
+          <p:cNvPr id="33" name="TextBox 32"/>
+          <p:cNvSpPr txBox="1"/>
+          <p:nvPr/>
+        </p:nvSpPr>
+        <p:spPr>
+          <a:xfrm>
+            <a:off x="634322" y="3759360"/>
+            <a:ext cx="1628220" cy="646331"/>
+          </a:xfrm>
+          <a:prstGeom prst="rect">
+            <a:avLst/>
+          </a:prstGeom>
+          <a:noFill/>
+        </p:spPr>
+        <p:txBody>
+          <a:bodyPr wrap="square" rtlCol="0">
+            <a:spAutoFit/>
+          </a:bodyPr>
+          <a:lstStyle/>
+          <a:p>
+            <a:r>
+              <a:rPr lang="en-US" dirty="0" err="1" smtClean="0"/>
+              <a:t>YarnClusterResourceManager</a:t>
+            </a:r>
+            <a:endParaRPr lang="en-US" dirty="0"/>
+          </a:p>
+        </p:txBody>
+      </p:sp>
+      <p:sp>
+        <p:nvSpPr>
+          <p:cNvPr id="34" name="TextBox 33"/>
+          <p:cNvSpPr txBox="1"/>
+          <p:nvPr/>
+        </p:nvSpPr>
+        <p:spPr>
+          <a:xfrm>
+            <a:off x="4369465" y="2508225"/>
+            <a:ext cx="2149741" cy="1236554"/>
+          </a:xfrm>
+          <a:prstGeom prst="rect">
+            <a:avLst/>
+          </a:prstGeom>
+          <a:noFill/>
+        </p:spPr>
+        <p:txBody>
+          <a:bodyPr wrap="square" rtlCol="0">
+            <a:spAutoFit/>
+          </a:bodyPr>
+          <a:lstStyle/>
+          <a:p>
+            <a:r>
+              <a:rPr lang="en-US" dirty="0" smtClean="0"/>
+              <a:t>Make requests for physical resources,</a:t>
+            </a:r>
+          </a:p>
+          <a:p>
+            <a:r>
+              <a:rPr lang="en-US" dirty="0" smtClean="0"/>
+              <a:t>run a container on resources</a:t>
+            </a:r>
+            <a:endParaRPr lang="en-US" dirty="0"/>
+          </a:p>
+        </p:txBody>
+      </p:sp>
+      <p:sp>
+        <p:nvSpPr>
+          <p:cNvPr id="35" name="Rectangle 34"/>
+          <p:cNvSpPr/>
+          <p:nvPr/>
+        </p:nvSpPr>
+        <p:spPr>
+          <a:xfrm>
+            <a:off x="4318926" y="3637777"/>
+            <a:ext cx="1839795" cy="914828"/>
+          </a:xfrm>
+          <a:prstGeom prst="rect">
+            <a:avLst/>
+          </a:prstGeom>
+        </p:spPr>
+        <p:style>
+          <a:lnRef idx="2">
+            <a:schemeClr val="accent1"/>
+          </a:lnRef>
+          <a:fillRef idx="1">
+            <a:schemeClr val="lt1"/>
+          </a:fillRef>
+          <a:effectRef idx="0">
+            <a:schemeClr val="accent1"/>
+          </a:effectRef>
+          <a:fontRef idx="minor">
+            <a:schemeClr val="dk1"/>
+          </a:fontRef>
+        </p:style>
+        <p:txBody>
+          <a:bodyPr rtlCol="0" anchor="ctr"/>
+          <a:lstStyle/>
+          <a:p>
+            <a:pPr algn="ctr"/>
+            <a:endParaRPr lang="en-US"/>
+          </a:p>
+        </p:txBody>
+      </p:sp>
+      <p:sp>
+        <p:nvSpPr>
+          <p:cNvPr id="36" name="TextBox 35"/>
+          <p:cNvSpPr txBox="1"/>
+          <p:nvPr/>
+        </p:nvSpPr>
+        <p:spPr>
+          <a:xfrm>
+            <a:off x="4527389" y="3772026"/>
+            <a:ext cx="1162051" cy="646331"/>
+          </a:xfrm>
+          <a:prstGeom prst="rect">
+            <a:avLst/>
+          </a:prstGeom>
+          <a:noFill/>
+        </p:spPr>
+        <p:txBody>
+          <a:bodyPr wrap="square" rtlCol="0">
+            <a:spAutoFit/>
+          </a:bodyPr>
+          <a:lstStyle/>
+          <a:p>
+            <a:r>
+              <a:rPr lang="en-US" dirty="0" err="1" smtClean="0"/>
+              <a:t>ContainerAllocator</a:t>
+            </a:r>
+            <a:endParaRPr lang="en-US" dirty="0"/>
+          </a:p>
+        </p:txBody>
+      </p:sp>
+      <p:cxnSp>
+        <p:nvCxnSpPr>
+          <p:cNvPr id="37" name="Straight Arrow Connector 36"/>
+          <p:cNvCxnSpPr/>
+          <p:nvPr/>
+        </p:nvCxnSpPr>
+        <p:spPr>
+          <a:xfrm flipV="1">
+            <a:off x="2368049" y="3777768"/>
+            <a:ext cx="1950876" cy="4309"/>
+          </a:xfrm>
+          <a:prstGeom prst="straightConnector1">
+            <a:avLst/>
+          </a:prstGeom>
+          <a:ln>
+            <a:headEnd type="triangle"/>
+            <a:tailEnd type="triangle"/>
+          </a:ln>
+        </p:spPr>
+        <p:style>
+          <a:lnRef idx="1">
+            <a:schemeClr val="accent1"/>
+          </a:lnRef>
+          <a:fillRef idx="0">
+            <a:schemeClr val="accent1"/>
+          </a:fillRef>
+          <a:effectRef idx="0">
+            <a:schemeClr val="accent1"/>
+          </a:effectRef>
+          <a:fontRef idx="minor">
+            <a:schemeClr val="tx1"/>
+          </a:fontRef>
+        </p:style>
+      </p:cxnSp>
+      <p:sp>
+        <p:nvSpPr>
+          <p:cNvPr id="38" name="TextBox 37"/>
+          <p:cNvSpPr txBox="1"/>
+          <p:nvPr/>
+        </p:nvSpPr>
+        <p:spPr>
+          <a:xfrm>
+            <a:off x="213123" y="2976843"/>
+            <a:ext cx="2417885" cy="646331"/>
+          </a:xfrm>
+          <a:prstGeom prst="rect">
+            <a:avLst/>
+          </a:prstGeom>
+          <a:noFill/>
+        </p:spPr>
+        <p:txBody>
+          <a:bodyPr wrap="square" rtlCol="0">
+            <a:spAutoFit/>
+          </a:bodyPr>
+          <a:lstStyle/>
+          <a:p>
+            <a:r>
+              <a:rPr lang="en-US" altLang="zh-CN" dirty="0" smtClean="0"/>
+              <a:t>Translate requests for Yarn Resource Manager</a:t>
+            </a:r>
+            <a:endParaRPr lang="en-US" dirty="0"/>
+          </a:p>
+        </p:txBody>
+      </p:sp>
+      <p:sp>
+        <p:nvSpPr>
+          <p:cNvPr id="39" name="TextBox 38"/>
+          <p:cNvSpPr txBox="1"/>
+          <p:nvPr/>
+        </p:nvSpPr>
+        <p:spPr>
+          <a:xfrm>
+            <a:off x="6130629" y="4035214"/>
+            <a:ext cx="885821" cy="369332"/>
+          </a:xfrm>
+          <a:prstGeom prst="rect">
+            <a:avLst/>
+          </a:prstGeom>
+          <a:noFill/>
+        </p:spPr>
+        <p:txBody>
+          <a:bodyPr wrap="square" rtlCol="0">
+            <a:spAutoFit/>
+          </a:bodyPr>
+          <a:lstStyle/>
+          <a:p>
+            <a:r>
+              <a:rPr lang="en-US" dirty="0" smtClean="0"/>
+              <a:t>contain</a:t>
+            </a:r>
+            <a:endParaRPr lang="en-US" dirty="0"/>
+          </a:p>
+        </p:txBody>
+      </p:sp>
+      <p:sp>
+        <p:nvSpPr>
+          <p:cNvPr id="40" name="TextBox 39"/>
+          <p:cNvSpPr txBox="1"/>
+          <p:nvPr/>
+        </p:nvSpPr>
+        <p:spPr>
+          <a:xfrm>
+            <a:off x="2792913" y="3434444"/>
+            <a:ext cx="902681" cy="369332"/>
+          </a:xfrm>
+          <a:prstGeom prst="rect">
+            <a:avLst/>
+          </a:prstGeom>
+          <a:noFill/>
+        </p:spPr>
+        <p:txBody>
+          <a:bodyPr wrap="square" rtlCol="0">
+            <a:spAutoFit/>
+          </a:bodyPr>
+          <a:lstStyle/>
+          <a:p>
+            <a:r>
+              <a:rPr lang="en-US" dirty="0" smtClean="0"/>
+              <a:t>request</a:t>
+            </a:r>
+            <a:endParaRPr lang="en-US" dirty="0"/>
+          </a:p>
+        </p:txBody>
+      </p:sp>
+      <p:cxnSp>
+        <p:nvCxnSpPr>
+          <p:cNvPr id="41" name="Straight Arrow Connector 40"/>
+          <p:cNvCxnSpPr>
+            <a:stCxn id="29" idx="2"/>
+            <a:endCxn id="43" idx="0"/>
+          </p:cNvCxnSpPr>
+          <p:nvPr/>
+        </p:nvCxnSpPr>
+        <p:spPr>
+          <a:xfrm>
+            <a:off x="1448713" y="4547944"/>
+            <a:ext cx="1016641" cy="1311794"/>
+          </a:xfrm>
+          <a:prstGeom prst="straightConnector1">
+            <a:avLst/>
+          </a:prstGeom>
+          <a:ln>
+            <a:tailEnd type="triangle"/>
+          </a:ln>
+        </p:spPr>
+        <p:style>
+          <a:lnRef idx="1">
+            <a:schemeClr val="accent1"/>
+          </a:lnRef>
+          <a:fillRef idx="0">
+            <a:schemeClr val="accent1"/>
+          </a:fillRef>
+          <a:effectRef idx="0">
+            <a:schemeClr val="accent1"/>
+          </a:effectRef>
+          <a:fontRef idx="minor">
+            <a:schemeClr val="tx1"/>
+          </a:fontRef>
+        </p:style>
+      </p:cxnSp>
+      <p:sp>
+        <p:nvSpPr>
+          <p:cNvPr id="42" name="TextBox 41"/>
+          <p:cNvSpPr txBox="1"/>
+          <p:nvPr/>
+        </p:nvSpPr>
+        <p:spPr>
+          <a:xfrm rot="3055379">
+            <a:off x="877584" y="4932271"/>
+            <a:ext cx="1553837" cy="651105"/>
+          </a:xfrm>
+          <a:prstGeom prst="rect">
+            <a:avLst/>
+          </a:prstGeom>
+          <a:noFill/>
+        </p:spPr>
+        <p:txBody>
+          <a:bodyPr wrap="square" rtlCol="0">
+            <a:spAutoFit/>
+          </a:bodyPr>
+          <a:lstStyle/>
+          <a:p>
+            <a:r>
+              <a:rPr lang="en-US" dirty="0" err="1" smtClean="0"/>
+              <a:t>launchStreamProcessor</a:t>
+            </a:r>
+            <a:endParaRPr lang="en-US" dirty="0"/>
+          </a:p>
+        </p:txBody>
+      </p:sp>
+      <p:sp>
+        <p:nvSpPr>
+          <p:cNvPr id="43" name="Rectangle 42"/>
+          <p:cNvSpPr/>
+          <p:nvPr/>
+        </p:nvSpPr>
+        <p:spPr>
+          <a:xfrm>
+            <a:off x="1143511" y="5859738"/>
+            <a:ext cx="2643686" cy="664578"/>
+          </a:xfrm>
+          <a:prstGeom prst="rect">
+            <a:avLst/>
+          </a:prstGeom>
+        </p:spPr>
+        <p:style>
+          <a:lnRef idx="2">
+            <a:schemeClr val="accent1"/>
+          </a:lnRef>
+          <a:fillRef idx="1">
+            <a:schemeClr val="lt1"/>
+          </a:fillRef>
+          <a:effectRef idx="0">
+            <a:schemeClr val="accent1"/>
+          </a:effectRef>
+          <a:fontRef idx="minor">
+            <a:schemeClr val="dk1"/>
+          </a:fontRef>
+        </p:style>
+        <p:txBody>
+          <a:bodyPr rtlCol="0" anchor="ctr"/>
+          <a:lstStyle/>
+          <a:p>
+            <a:pPr algn="ctr"/>
+            <a:endParaRPr lang="en-US"/>
+          </a:p>
+        </p:txBody>
+      </p:sp>
+      <p:sp>
+        <p:nvSpPr>
+          <p:cNvPr id="44" name="TextBox 43"/>
+          <p:cNvSpPr txBox="1"/>
+          <p:nvPr/>
+        </p:nvSpPr>
+        <p:spPr>
+          <a:xfrm>
+            <a:off x="1309655" y="6007361"/>
+            <a:ext cx="2312377" cy="369332"/>
+          </a:xfrm>
+          <a:prstGeom prst="rect">
+            <a:avLst/>
+          </a:prstGeom>
+          <a:noFill/>
+        </p:spPr>
+        <p:txBody>
+          <a:bodyPr wrap="square" rtlCol="0">
+            <a:spAutoFit/>
+          </a:bodyPr>
+          <a:lstStyle/>
+          <a:p>
+            <a:r>
+              <a:rPr lang="en-US" dirty="0" err="1" smtClean="0"/>
+              <a:t>YarnContainerRunner</a:t>
+            </a:r>
+            <a:endParaRPr lang="en-US" dirty="0"/>
+          </a:p>
+        </p:txBody>
+      </p:sp>
+      <p:sp>
+        <p:nvSpPr>
+          <p:cNvPr id="45" name="Rectangle 44"/>
+          <p:cNvSpPr/>
+          <p:nvPr/>
+        </p:nvSpPr>
+        <p:spPr>
+          <a:xfrm>
+            <a:off x="2731432" y="4172608"/>
+            <a:ext cx="1217511" cy="551097"/>
+          </a:xfrm>
+          <a:prstGeom prst="rect">
+            <a:avLst/>
+          </a:prstGeom>
+        </p:spPr>
+        <p:style>
+          <a:lnRef idx="2">
+            <a:schemeClr val="accent1"/>
+          </a:lnRef>
+          <a:fillRef idx="1">
+            <a:schemeClr val="lt1"/>
+          </a:fillRef>
+          <a:effectRef idx="0">
+            <a:schemeClr val="accent1"/>
+          </a:effectRef>
+          <a:fontRef idx="minor">
+            <a:schemeClr val="dk1"/>
+          </a:fontRef>
+        </p:style>
+        <p:txBody>
+          <a:bodyPr rtlCol="0" anchor="ctr"/>
+          <a:lstStyle/>
+          <a:p>
+            <a:pPr algn="ctr"/>
+            <a:r>
+              <a:rPr lang="en-US" dirty="0" err="1" smtClean="0"/>
+              <a:t>commandBuilder</a:t>
+            </a:r>
+            <a:endParaRPr lang="en-US" dirty="0"/>
+          </a:p>
+        </p:txBody>
+      </p:sp>
+      <p:cxnSp>
+        <p:nvCxnSpPr>
+          <p:cNvPr id="46" name="Straight Arrow Connector 45"/>
+          <p:cNvCxnSpPr/>
+          <p:nvPr/>
+        </p:nvCxnSpPr>
+        <p:spPr>
+          <a:xfrm flipH="1" flipV="1">
+            <a:off x="2368609" y="4179718"/>
+            <a:ext cx="1950316" cy="4661"/>
+          </a:xfrm>
+          <a:prstGeom prst="straightConnector1">
+            <a:avLst/>
+          </a:prstGeom>
+          <a:ln>
+            <a:tailEnd type="triangle"/>
+          </a:ln>
+        </p:spPr>
+        <p:style>
+          <a:lnRef idx="1">
+            <a:schemeClr val="accent1"/>
+          </a:lnRef>
+          <a:fillRef idx="0">
+            <a:schemeClr val="accent1"/>
+          </a:fillRef>
+          <a:effectRef idx="0">
+            <a:schemeClr val="accent1"/>
+          </a:effectRef>
+          <a:fontRef idx="minor">
+            <a:schemeClr val="tx1"/>
+          </a:fontRef>
+        </p:style>
+      </p:cxnSp>
+      <p:sp>
+        <p:nvSpPr>
+          <p:cNvPr id="47" name="Rectangle 46"/>
+          <p:cNvSpPr/>
+          <p:nvPr/>
+        </p:nvSpPr>
+        <p:spPr>
+          <a:xfrm rot="3102295">
+            <a:off x="1753622" y="4852514"/>
+            <a:ext cx="1226377" cy="555110"/>
+          </a:xfrm>
+          <a:prstGeom prst="rect">
+            <a:avLst/>
+          </a:prstGeom>
+        </p:spPr>
+        <p:style>
+          <a:lnRef idx="2">
+            <a:schemeClr val="accent1"/>
+          </a:lnRef>
+          <a:fillRef idx="1">
+            <a:schemeClr val="lt1"/>
+          </a:fillRef>
+          <a:effectRef idx="0">
+            <a:schemeClr val="accent1"/>
+          </a:effectRef>
+          <a:fontRef idx="minor">
+            <a:schemeClr val="dk1"/>
+          </a:fontRef>
+        </p:style>
+        <p:txBody>
+          <a:bodyPr rtlCol="0" anchor="ctr"/>
+          <a:lstStyle/>
+          <a:p>
+            <a:pPr algn="ctr"/>
+            <a:r>
+              <a:rPr lang="en-US" dirty="0" err="1" smtClean="0"/>
+              <a:t>commandBuilder</a:t>
+            </a:r>
+            <a:endParaRPr lang="en-US" dirty="0"/>
+          </a:p>
+        </p:txBody>
+      </p:sp>
+      <p:cxnSp>
+        <p:nvCxnSpPr>
+          <p:cNvPr id="48" name="Straight Arrow Connector 47"/>
+          <p:cNvCxnSpPr>
+            <a:stCxn id="43" idx="3"/>
+            <a:endCxn id="49" idx="1"/>
+          </p:cNvCxnSpPr>
+          <p:nvPr/>
+        </p:nvCxnSpPr>
+        <p:spPr>
+          <a:xfrm>
+            <a:off x="3787197" y="6192027"/>
+            <a:ext cx="1399589" cy="0"/>
+          </a:xfrm>
+          <a:prstGeom prst="straightConnector1">
+            <a:avLst/>
+          </a:prstGeom>
+          <a:ln>
+            <a:tailEnd type="triangle"/>
+          </a:ln>
+        </p:spPr>
+        <p:style>
+          <a:lnRef idx="1">
+            <a:schemeClr val="accent1"/>
+          </a:lnRef>
+          <a:fillRef idx="0">
+            <a:schemeClr val="accent1"/>
+          </a:fillRef>
+          <a:effectRef idx="0">
+            <a:schemeClr val="accent1"/>
+          </a:effectRef>
+          <a:fontRef idx="minor">
+            <a:schemeClr val="tx1"/>
+          </a:fontRef>
+        </p:style>
+      </p:cxnSp>
+      <p:sp>
+        <p:nvSpPr>
+          <p:cNvPr id="49" name="Rectangle 48"/>
+          <p:cNvSpPr/>
+          <p:nvPr/>
+        </p:nvSpPr>
+        <p:spPr>
+          <a:xfrm>
+            <a:off x="5186786" y="5821530"/>
+            <a:ext cx="2285917" cy="740994"/>
+          </a:xfrm>
+          <a:prstGeom prst="rect">
+            <a:avLst/>
+          </a:prstGeom>
+          <a:ln>
+            <a:solidFill>
+              <a:srgbClr val="FF0000"/>
+            </a:solidFill>
+          </a:ln>
+        </p:spPr>
+        <p:style>
+          <a:lnRef idx="2">
+            <a:schemeClr val="accent1"/>
+          </a:lnRef>
+          <a:fillRef idx="1">
+            <a:schemeClr val="lt1"/>
+          </a:fillRef>
+          <a:effectRef idx="0">
+            <a:schemeClr val="accent1"/>
+          </a:effectRef>
+          <a:fontRef idx="minor">
+            <a:schemeClr val="dk1"/>
+          </a:fontRef>
+        </p:style>
+        <p:txBody>
+          <a:bodyPr rtlCol="0" anchor="ctr"/>
+          <a:lstStyle/>
+          <a:p>
+            <a:pPr algn="ctr"/>
+            <a:endParaRPr lang="en-US">
+              <a:solidFill>
+                <a:srgbClr val="FF0000"/>
+              </a:solidFill>
+            </a:endParaRPr>
+          </a:p>
+        </p:txBody>
+      </p:sp>
+      <p:sp>
+        <p:nvSpPr>
+          <p:cNvPr id="50" name="TextBox 49"/>
+          <p:cNvSpPr txBox="1"/>
+          <p:nvPr/>
+        </p:nvSpPr>
+        <p:spPr>
+          <a:xfrm>
+            <a:off x="5295526" y="6007361"/>
+            <a:ext cx="2290012" cy="369332"/>
+          </a:xfrm>
+          <a:prstGeom prst="rect">
+            <a:avLst/>
+          </a:prstGeom>
+          <a:noFill/>
+        </p:spPr>
+        <p:txBody>
+          <a:bodyPr wrap="square" rtlCol="0">
+            <a:spAutoFit/>
+          </a:bodyPr>
+          <a:lstStyle/>
+          <a:p>
+            <a:r>
+              <a:rPr lang="en-US" dirty="0" smtClean="0"/>
+              <a:t>YARN Node Manager</a:t>
+            </a:r>
+            <a:endParaRPr lang="en-US" dirty="0"/>
+          </a:p>
+        </p:txBody>
+      </p:sp>
+      <p:sp>
+        <p:nvSpPr>
+          <p:cNvPr id="51" name="Rectangle 50"/>
+          <p:cNvSpPr/>
+          <p:nvPr/>
+        </p:nvSpPr>
+        <p:spPr>
+          <a:xfrm>
+            <a:off x="8050768" y="1547055"/>
+            <a:ext cx="1490083" cy="451780"/>
+          </a:xfrm>
+          <a:prstGeom prst="rect">
+            <a:avLst/>
+          </a:prstGeom>
+        </p:spPr>
+        <p:style>
+          <a:lnRef idx="2">
+            <a:schemeClr val="accent1"/>
+          </a:lnRef>
+          <a:fillRef idx="1">
+            <a:schemeClr val="lt1"/>
+          </a:fillRef>
+          <a:effectRef idx="0">
+            <a:schemeClr val="accent1"/>
+          </a:effectRef>
+          <a:fontRef idx="minor">
+            <a:schemeClr val="dk1"/>
+          </a:fontRef>
+        </p:style>
+        <p:txBody>
+          <a:bodyPr rtlCol="0" anchor="ctr"/>
+          <a:lstStyle/>
+          <a:p>
+            <a:pPr algn="ctr"/>
+            <a:endParaRPr lang="en-US"/>
+          </a:p>
+        </p:txBody>
+      </p:sp>
+      <p:sp>
+        <p:nvSpPr>
+          <p:cNvPr id="52" name="TextBox 51"/>
+          <p:cNvSpPr txBox="1"/>
+          <p:nvPr/>
+        </p:nvSpPr>
+        <p:spPr>
+          <a:xfrm>
+            <a:off x="8131444" y="1588279"/>
+            <a:ext cx="1419524" cy="369332"/>
+          </a:xfrm>
+          <a:prstGeom prst="rect">
+            <a:avLst/>
+          </a:prstGeom>
+          <a:noFill/>
+        </p:spPr>
+        <p:txBody>
+          <a:bodyPr wrap="square" rtlCol="0">
+            <a:spAutoFit/>
+          </a:bodyPr>
+          <a:lstStyle/>
+          <a:p>
+            <a:r>
+              <a:rPr lang="en-US" dirty="0" err="1" smtClean="0"/>
+              <a:t>ClientHelper</a:t>
+            </a:r>
+            <a:endParaRPr lang="en-US" dirty="0"/>
+          </a:p>
+        </p:txBody>
+      </p:sp>
+      <p:cxnSp>
+        <p:nvCxnSpPr>
+          <p:cNvPr id="53" name="Straight Arrow Connector 52"/>
+          <p:cNvCxnSpPr>
+            <a:stCxn id="52" idx="3"/>
+            <a:endCxn id="15" idx="1"/>
+          </p:cNvCxnSpPr>
+          <p:nvPr/>
+        </p:nvCxnSpPr>
+        <p:spPr>
+          <a:xfrm flipV="1">
+            <a:off x="9550968" y="1759376"/>
+            <a:ext cx="538206" cy="13569"/>
+          </a:xfrm>
+          <a:prstGeom prst="straightConnector1">
+            <a:avLst/>
+          </a:prstGeom>
+          <a:ln>
+            <a:tailEnd type="triangle"/>
+          </a:ln>
+        </p:spPr>
+        <p:style>
+          <a:lnRef idx="1">
+            <a:schemeClr val="accent1"/>
+          </a:lnRef>
+          <a:fillRef idx="0">
+            <a:schemeClr val="accent1"/>
+          </a:fillRef>
+          <a:effectRef idx="0">
+            <a:schemeClr val="accent1"/>
+          </a:effectRef>
+          <a:fontRef idx="minor">
+            <a:schemeClr val="tx1"/>
+          </a:fontRef>
+        </p:style>
+      </p:cxnSp>
+      <p:sp>
+        <p:nvSpPr>
+          <p:cNvPr id="54" name="TextBox 53"/>
+          <p:cNvSpPr txBox="1"/>
+          <p:nvPr/>
+        </p:nvSpPr>
+        <p:spPr>
+          <a:xfrm>
+            <a:off x="7782663" y="757535"/>
+            <a:ext cx="2117086" cy="646331"/>
+          </a:xfrm>
+          <a:prstGeom prst="rect">
+            <a:avLst/>
+          </a:prstGeom>
+          <a:noFill/>
+        </p:spPr>
+        <p:txBody>
+          <a:bodyPr wrap="square" rtlCol="0">
+            <a:spAutoFit/>
+          </a:bodyPr>
+          <a:lstStyle/>
+          <a:p>
+            <a:r>
+              <a:rPr lang="en-US" dirty="0" smtClean="0"/>
+              <a:t>Wrap everything and submit to YARN</a:t>
+            </a:r>
+            <a:endParaRPr lang="en-US" dirty="0"/>
+          </a:p>
+        </p:txBody>
+      </p:sp>
+      <p:sp>
+        <p:nvSpPr>
+          <p:cNvPr id="55" name="TextBox 54"/>
+          <p:cNvSpPr txBox="1"/>
+          <p:nvPr/>
+        </p:nvSpPr>
+        <p:spPr>
+          <a:xfrm>
+            <a:off x="9331375" y="1958051"/>
+            <a:ext cx="1102739" cy="646331"/>
+          </a:xfrm>
+          <a:prstGeom prst="rect">
+            <a:avLst/>
+          </a:prstGeom>
+          <a:noFill/>
+        </p:spPr>
+        <p:txBody>
+          <a:bodyPr wrap="square" rtlCol="0">
+            <a:spAutoFit/>
+          </a:bodyPr>
+          <a:lstStyle/>
+          <a:p>
+            <a:r>
+              <a:rPr lang="en-US" dirty="0" smtClean="0"/>
+              <a:t>submit in context</a:t>
+            </a:r>
+            <a:endParaRPr lang="en-US" dirty="0"/>
+          </a:p>
+        </p:txBody>
+      </p:sp>
+      <p:sp>
+        <p:nvSpPr>
+          <p:cNvPr id="56" name="TextBox 55"/>
+          <p:cNvSpPr txBox="1"/>
+          <p:nvPr/>
+        </p:nvSpPr>
+        <p:spPr>
+          <a:xfrm>
+            <a:off x="2964644" y="4791808"/>
+            <a:ext cx="2222142" cy="923330"/>
+          </a:xfrm>
+          <a:prstGeom prst="rect">
+            <a:avLst/>
+          </a:prstGeom>
+          <a:noFill/>
+        </p:spPr>
+        <p:txBody>
+          <a:bodyPr wrap="square" rtlCol="0">
+            <a:spAutoFit/>
+          </a:bodyPr>
+          <a:lstStyle/>
+          <a:p>
+            <a:r>
+              <a:rPr lang="en-US" dirty="0" smtClean="0"/>
+              <a:t>tell which and how to run the </a:t>
+            </a:r>
+            <a:r>
+              <a:rPr lang="en-US" dirty="0" err="1" smtClean="0"/>
+              <a:t>samza</a:t>
+            </a:r>
+            <a:r>
+              <a:rPr lang="en-US" dirty="0" smtClean="0"/>
+              <a:t> container</a:t>
+            </a:r>
+            <a:endParaRPr lang="en-US" dirty="0"/>
+          </a:p>
+        </p:txBody>
+      </p:sp>
+    </p:spTree>
+    <p:extLst>
+      <p:ext uri="{BB962C8B-B14F-4D97-AF65-F5344CB8AC3E}">
+        <p14:creationId xmlns:p14="http://schemas.microsoft.com/office/powerpoint/2010/main" val="3595600313"/>
+      </p:ext>
+    </p:extLst>
+  </p:cSld>
+  <p:clrMapOvr>
+    <a:masterClrMapping/>
+  </p:clrMapOvr>
+</p:sld>
+</file>
+
+<file path=ppt/slides/slide7.xml><?xml version="1.0" encoding="utf-8"?>
+<p:sld xmlns:a="http://schemas.openxmlformats.org/drawingml/2006/main" xmlns:r="http://schemas.openxmlformats.org/officeDocument/2006/relationships" xmlns:p="http://schemas.openxmlformats.org/presentationml/2006/main">
+  <p:cSld>
+    <p:spTree>
+      <p:nvGrpSpPr>
+        <p:cNvPr id="1" name=""/>
+        <p:cNvGrpSpPr/>
+        <p:nvPr/>
+      </p:nvGrpSpPr>
+      <p:grpSpPr>
+        <a:xfrm>
+          <a:off x="0" y="0"/>
+          <a:ext cx="0" cy="0"/>
+          <a:chOff x="0" y="0"/>
+          <a:chExt cx="0" cy="0"/>
+        </a:xfrm>
+      </p:grpSpPr>
+      <p:sp>
+        <p:nvSpPr>
           <p:cNvPr id="2" name="Rectangle 1"/>
           <p:cNvSpPr/>
           <p:nvPr/>
@@ -10750,7 +13105,7 @@
 </p:sld>
 </file>
 
-<file path=ppt/slides/slide7.xml><?xml version="1.0" encoding="utf-8"?>
+<file path=ppt/slides/slide8.xml><?xml version="1.0" encoding="utf-8"?>
 <p:sld xmlns:a="http://schemas.openxmlformats.org/drawingml/2006/main" xmlns:r="http://schemas.openxmlformats.org/officeDocument/2006/relationships" xmlns:p="http://schemas.openxmlformats.org/presentationml/2006/main">
   <p:cSld>
     <p:spTree>
@@ -11546,7 +13901,7 @@
 </p:sld>
 </file>
 
-<file path=ppt/slides/slide8.xml><?xml version="1.0" encoding="utf-8"?>
+<file path=ppt/slides/slide9.xml><?xml version="1.0" encoding="utf-8"?>
 <p:sld xmlns:a="http://schemas.openxmlformats.org/drawingml/2006/main" xmlns:r="http://schemas.openxmlformats.org/officeDocument/2006/relationships" xmlns:p="http://schemas.openxmlformats.org/presentationml/2006/main">
   <p:cSld>
     <p:spTree>
@@ -12103,414 +14458,6 @@
     <p:extLst>
       <p:ext uri="{BB962C8B-B14F-4D97-AF65-F5344CB8AC3E}">
         <p14:creationId xmlns:p14="http://schemas.microsoft.com/office/powerpoint/2010/main" val="2821675269"/>
-      </p:ext>
-    </p:extLst>
-  </p:cSld>
-  <p:clrMapOvr>
-    <a:masterClrMapping/>
-  </p:clrMapOvr>
-</p:sld>
-</file>
-
-<file path=ppt/slides/slide9.xml><?xml version="1.0" encoding="utf-8"?>
-<p:sld xmlns:a="http://schemas.openxmlformats.org/drawingml/2006/main" xmlns:r="http://schemas.openxmlformats.org/officeDocument/2006/relationships" xmlns:p="http://schemas.openxmlformats.org/presentationml/2006/main">
-  <p:cSld>
-    <p:spTree>
-      <p:nvGrpSpPr>
-        <p:cNvPr id="1" name=""/>
-        <p:cNvGrpSpPr/>
-        <p:nvPr/>
-      </p:nvGrpSpPr>
-      <p:grpSpPr>
-        <a:xfrm>
-          <a:off x="0" y="0"/>
-          <a:ext cx="0" cy="0"/>
-          <a:chOff x="0" y="0"/>
-          <a:chExt cx="0" cy="0"/>
-        </a:xfrm>
-      </p:grpSpPr>
-      <p:sp>
-        <p:nvSpPr>
-          <p:cNvPr id="5" name="Rectangle 4"/>
-          <p:cNvSpPr/>
-          <p:nvPr/>
-        </p:nvSpPr>
-        <p:spPr>
-          <a:xfrm>
-            <a:off x="3540034" y="2508069"/>
-            <a:ext cx="4310743" cy="3213462"/>
-          </a:xfrm>
-          <a:prstGeom prst="rect">
-            <a:avLst/>
-          </a:prstGeom>
-        </p:spPr>
-        <p:style>
-          <a:lnRef idx="2">
-            <a:schemeClr val="accent1"/>
-          </a:lnRef>
-          <a:fillRef idx="1">
-            <a:schemeClr val="lt1"/>
-          </a:fillRef>
-          <a:effectRef idx="0">
-            <a:schemeClr val="accent1"/>
-          </a:effectRef>
-          <a:fontRef idx="minor">
-            <a:schemeClr val="dk1"/>
-          </a:fontRef>
-        </p:style>
-        <p:txBody>
-          <a:bodyPr rtlCol="0" anchor="ctr"/>
-          <a:lstStyle/>
-          <a:p>
-            <a:pPr algn="ctr"/>
-            <a:endParaRPr lang="en-US"/>
-          </a:p>
-        </p:txBody>
-      </p:sp>
-      <p:sp>
-        <p:nvSpPr>
-          <p:cNvPr id="2" name="Title 1"/>
-          <p:cNvSpPr>
-            <a:spLocks noGrp="1"/>
-          </p:cNvSpPr>
-          <p:nvPr>
-            <p:ph type="title"/>
-          </p:nvPr>
-        </p:nvSpPr>
-        <p:spPr/>
-        <p:txBody>
-          <a:bodyPr/>
-          <a:lstStyle/>
-          <a:p>
-            <a:r>
-              <a:rPr lang="en-US" altLang="zh-CN" dirty="0" smtClean="0"/>
-              <a:t>Task</a:t>
-            </a:r>
-            <a:endParaRPr lang="en-US" dirty="0"/>
-          </a:p>
-        </p:txBody>
-      </p:sp>
-      <p:sp>
-        <p:nvSpPr>
-          <p:cNvPr id="4" name="Rectangle 3"/>
-          <p:cNvSpPr/>
-          <p:nvPr/>
-        </p:nvSpPr>
-        <p:spPr>
-          <a:xfrm>
-            <a:off x="4180114" y="3435531"/>
-            <a:ext cx="3030582" cy="1258094"/>
-          </a:xfrm>
-          <a:prstGeom prst="rect">
-            <a:avLst/>
-          </a:prstGeom>
-        </p:spPr>
-        <p:style>
-          <a:lnRef idx="2">
-            <a:schemeClr val="accent1"/>
-          </a:lnRef>
-          <a:fillRef idx="1">
-            <a:schemeClr val="lt1"/>
-          </a:fillRef>
-          <a:effectRef idx="0">
-            <a:schemeClr val="accent1"/>
-          </a:effectRef>
-          <a:fontRef idx="minor">
-            <a:schemeClr val="dk1"/>
-          </a:fontRef>
-        </p:style>
-        <p:txBody>
-          <a:bodyPr rtlCol="0" anchor="ctr"/>
-          <a:lstStyle/>
-          <a:p>
-            <a:pPr algn="ctr"/>
-            <a:endParaRPr lang="en-US" dirty="0"/>
-          </a:p>
-        </p:txBody>
-      </p:sp>
-      <p:cxnSp>
-        <p:nvCxnSpPr>
-          <p:cNvPr id="7" name="Straight Arrow Connector 6"/>
-          <p:cNvCxnSpPr>
-            <a:endCxn id="4" idx="1"/>
-          </p:cNvCxnSpPr>
-          <p:nvPr/>
-        </p:nvCxnSpPr>
-        <p:spPr>
-          <a:xfrm>
-            <a:off x="1149531" y="4064578"/>
-            <a:ext cx="3030583" cy="0"/>
-          </a:xfrm>
-          <a:prstGeom prst="straightConnector1">
-            <a:avLst/>
-          </a:prstGeom>
-          <a:ln>
-            <a:tailEnd type="triangle"/>
-          </a:ln>
-        </p:spPr>
-        <p:style>
-          <a:lnRef idx="1">
-            <a:schemeClr val="accent1"/>
-          </a:lnRef>
-          <a:fillRef idx="0">
-            <a:schemeClr val="accent1"/>
-          </a:fillRef>
-          <a:effectRef idx="0">
-            <a:schemeClr val="accent1"/>
-          </a:effectRef>
-          <a:fontRef idx="minor">
-            <a:schemeClr val="tx1"/>
-          </a:fontRef>
-        </p:style>
-      </p:cxnSp>
-      <p:sp>
-        <p:nvSpPr>
-          <p:cNvPr id="8" name="Rectangle 7"/>
-          <p:cNvSpPr/>
-          <p:nvPr/>
-        </p:nvSpPr>
-        <p:spPr>
-          <a:xfrm>
-            <a:off x="1443445" y="3488797"/>
-            <a:ext cx="1776549" cy="496390"/>
-          </a:xfrm>
-          <a:prstGeom prst="rect">
-            <a:avLst/>
-          </a:prstGeom>
-        </p:spPr>
-        <p:style>
-          <a:lnRef idx="2">
-            <a:schemeClr val="accent1"/>
-          </a:lnRef>
-          <a:fillRef idx="1">
-            <a:schemeClr val="lt1"/>
-          </a:fillRef>
-          <a:effectRef idx="0">
-            <a:schemeClr val="accent1"/>
-          </a:effectRef>
-          <a:fontRef idx="minor">
-            <a:schemeClr val="dk1"/>
-          </a:fontRef>
-        </p:style>
-        <p:txBody>
-          <a:bodyPr rtlCol="0" anchor="ctr"/>
-          <a:lstStyle/>
-          <a:p>
-            <a:pPr algn="ctr"/>
-            <a:r>
-              <a:rPr lang="en-US" altLang="zh-CN" dirty="0" err="1" smtClean="0"/>
-              <a:t>Envolope</a:t>
-            </a:r>
-            <a:endParaRPr lang="en-US" dirty="0"/>
-          </a:p>
-        </p:txBody>
-      </p:sp>
-      <p:cxnSp>
-        <p:nvCxnSpPr>
-          <p:cNvPr id="10" name="Straight Arrow Connector 9"/>
-          <p:cNvCxnSpPr/>
-          <p:nvPr/>
-        </p:nvCxnSpPr>
-        <p:spPr>
-          <a:xfrm>
-            <a:off x="7057208" y="4064578"/>
-            <a:ext cx="2739935" cy="8643"/>
-          </a:xfrm>
-          <a:prstGeom prst="straightConnector1">
-            <a:avLst/>
-          </a:prstGeom>
-          <a:ln>
-            <a:tailEnd type="triangle"/>
-          </a:ln>
-        </p:spPr>
-        <p:style>
-          <a:lnRef idx="1">
-            <a:schemeClr val="accent1"/>
-          </a:lnRef>
-          <a:fillRef idx="0">
-            <a:schemeClr val="accent1"/>
-          </a:fillRef>
-          <a:effectRef idx="0">
-            <a:schemeClr val="accent1"/>
-          </a:effectRef>
-          <a:fontRef idx="minor">
-            <a:schemeClr val="tx1"/>
-          </a:fontRef>
-        </p:style>
-      </p:cxnSp>
-      <p:sp>
-        <p:nvSpPr>
-          <p:cNvPr id="11" name="Rectangle 10"/>
-          <p:cNvSpPr/>
-          <p:nvPr/>
-        </p:nvSpPr>
-        <p:spPr>
-          <a:xfrm>
-            <a:off x="5796640" y="3666668"/>
-            <a:ext cx="1260568" cy="795819"/>
-          </a:xfrm>
-          <a:prstGeom prst="rect">
-            <a:avLst/>
-          </a:prstGeom>
-        </p:spPr>
-        <p:style>
-          <a:lnRef idx="2">
-            <a:schemeClr val="accent1"/>
-          </a:lnRef>
-          <a:fillRef idx="1">
-            <a:schemeClr val="lt1"/>
-          </a:fillRef>
-          <a:effectRef idx="0">
-            <a:schemeClr val="accent1"/>
-          </a:effectRef>
-          <a:fontRef idx="minor">
-            <a:schemeClr val="dk1"/>
-          </a:fontRef>
-        </p:style>
-        <p:txBody>
-          <a:bodyPr rtlCol="0" anchor="ctr"/>
-          <a:lstStyle/>
-          <a:p>
-            <a:pPr algn="ctr"/>
-            <a:endParaRPr lang="en-US"/>
-          </a:p>
-        </p:txBody>
-      </p:sp>
-      <p:sp>
-        <p:nvSpPr>
-          <p:cNvPr id="12" name="TextBox 11"/>
-          <p:cNvSpPr txBox="1"/>
-          <p:nvPr/>
-        </p:nvSpPr>
-        <p:spPr>
-          <a:xfrm>
-            <a:off x="4232366" y="3853543"/>
-            <a:ext cx="1463039" cy="369332"/>
-          </a:xfrm>
-          <a:prstGeom prst="rect">
-            <a:avLst/>
-          </a:prstGeom>
-          <a:noFill/>
-        </p:spPr>
-        <p:txBody>
-          <a:bodyPr wrap="square" rtlCol="0">
-            <a:spAutoFit/>
-          </a:bodyPr>
-          <a:lstStyle/>
-          <a:p>
-            <a:r>
-              <a:rPr lang="en-US" altLang="zh-CN" dirty="0" err="1" smtClean="0"/>
-              <a:t>StreamTask</a:t>
-            </a:r>
-            <a:endParaRPr lang="en-US" dirty="0"/>
-          </a:p>
-        </p:txBody>
-      </p:sp>
-      <p:sp>
-        <p:nvSpPr>
-          <p:cNvPr id="13" name="TextBox 12"/>
-          <p:cNvSpPr txBox="1"/>
-          <p:nvPr/>
-        </p:nvSpPr>
-        <p:spPr>
-          <a:xfrm>
-            <a:off x="5901147" y="3750055"/>
-            <a:ext cx="1208314" cy="646331"/>
-          </a:xfrm>
-          <a:prstGeom prst="rect">
-            <a:avLst/>
-          </a:prstGeom>
-          <a:noFill/>
-        </p:spPr>
-        <p:txBody>
-          <a:bodyPr wrap="square" rtlCol="0">
-            <a:spAutoFit/>
-          </a:bodyPr>
-          <a:lstStyle/>
-          <a:p>
-            <a:r>
-              <a:rPr lang="en-US" dirty="0" smtClean="0"/>
-              <a:t>Output Collector</a:t>
-            </a:r>
-          </a:p>
-        </p:txBody>
-      </p:sp>
-      <p:sp>
-        <p:nvSpPr>
-          <p:cNvPr id="15" name="TextBox 14"/>
-          <p:cNvSpPr txBox="1"/>
-          <p:nvPr/>
-        </p:nvSpPr>
-        <p:spPr>
-          <a:xfrm>
-            <a:off x="4088674" y="2637682"/>
-            <a:ext cx="1606731" cy="369332"/>
-          </a:xfrm>
-          <a:prstGeom prst="rect">
-            <a:avLst/>
-          </a:prstGeom>
-          <a:noFill/>
-        </p:spPr>
-        <p:txBody>
-          <a:bodyPr wrap="square" rtlCol="0">
-            <a:spAutoFit/>
-          </a:bodyPr>
-          <a:lstStyle/>
-          <a:p>
-            <a:r>
-              <a:rPr lang="en-US" dirty="0" err="1" smtClean="0"/>
-              <a:t>SamzaJob</a:t>
-            </a:r>
-            <a:endParaRPr lang="en-US" dirty="0"/>
-          </a:p>
-        </p:txBody>
-      </p:sp>
-      <p:sp>
-        <p:nvSpPr>
-          <p:cNvPr id="16" name="Rectangle 15"/>
-          <p:cNvSpPr/>
-          <p:nvPr/>
-        </p:nvSpPr>
-        <p:spPr>
-          <a:xfrm>
-            <a:off x="7458889" y="3485816"/>
-            <a:ext cx="1776549" cy="496390"/>
-          </a:xfrm>
-          <a:prstGeom prst="rect">
-            <a:avLst/>
-          </a:prstGeom>
-        </p:spPr>
-        <p:style>
-          <a:lnRef idx="2">
-            <a:schemeClr val="accent1"/>
-          </a:lnRef>
-          <a:fillRef idx="1">
-            <a:schemeClr val="lt1"/>
-          </a:fillRef>
-          <a:effectRef idx="0">
-            <a:schemeClr val="accent1"/>
-          </a:effectRef>
-          <a:fontRef idx="minor">
-            <a:schemeClr val="dk1"/>
-          </a:fontRef>
-        </p:style>
-        <p:txBody>
-          <a:bodyPr rtlCol="0" anchor="ctr"/>
-          <a:lstStyle/>
-          <a:p>
-            <a:pPr algn="ctr"/>
-            <a:r>
-              <a:rPr lang="en-US" altLang="zh-CN" dirty="0" err="1" smtClean="0"/>
-              <a:t>Envolope</a:t>
-            </a:r>
-            <a:endParaRPr lang="en-US" dirty="0"/>
-          </a:p>
-        </p:txBody>
-      </p:sp>
-    </p:spTree>
-    <p:extLst>
-      <p:ext uri="{BB962C8B-B14F-4D97-AF65-F5344CB8AC3E}">
-        <p14:creationId xmlns:p14="http://schemas.microsoft.com/office/powerpoint/2010/main" val="2715910777"/>
       </p:ext>
     </p:extLst>
   </p:cSld>

--- a/Documentation/SamzaStructure.pptx
+++ b/Documentation/SamzaStructure.pptx
@@ -5,7 +5,7 @@
     <p:sldMasterId id="2147483648" r:id="rId1"/>
   </p:sldMasterIdLst>
   <p:notesMasterIdLst>
-    <p:notesMasterId r:id="rId17"/>
+    <p:notesMasterId r:id="rId18"/>
   </p:notesMasterIdLst>
   <p:sldIdLst>
     <p:sldId id="256" r:id="rId2"/>
@@ -16,13 +16,14 @@
     <p:sldId id="270" r:id="rId7"/>
     <p:sldId id="258" r:id="rId8"/>
     <p:sldId id="268" r:id="rId9"/>
-    <p:sldId id="269" r:id="rId10"/>
-    <p:sldId id="271" r:id="rId11"/>
-    <p:sldId id="263" r:id="rId12"/>
-    <p:sldId id="264" r:id="rId13"/>
-    <p:sldId id="265" r:id="rId14"/>
-    <p:sldId id="266" r:id="rId15"/>
-    <p:sldId id="267" r:id="rId16"/>
+    <p:sldId id="272" r:id="rId10"/>
+    <p:sldId id="269" r:id="rId11"/>
+    <p:sldId id="271" r:id="rId12"/>
+    <p:sldId id="263" r:id="rId13"/>
+    <p:sldId id="264" r:id="rId14"/>
+    <p:sldId id="265" r:id="rId15"/>
+    <p:sldId id="266" r:id="rId16"/>
+    <p:sldId id="267" r:id="rId17"/>
   </p:sldIdLst>
   <p:sldSz cx="12192000" cy="6858000"/>
   <p:notesSz cx="6858000" cy="9144000"/>
@@ -138,6 +139,7 @@
             <p14:sldId id="270"/>
             <p14:sldId id="258"/>
             <p14:sldId id="268"/>
+            <p14:sldId id="272"/>
           </p14:sldIdLst>
         </p14:section>
         <p14:section name="Stand alone job" id="{8995E547-06EC-4D59-8961-90CC66602883}">
@@ -250,7 +252,7 @@
           <a:p>
             <a:fld id="{B35ADF0B-9749-404D-9A56-8E2BD576143D}" type="datetimeFigureOut">
               <a:rPr lang="en-US" smtClean="0"/>
-              <a:t>11/28/2017</a:t>
+              <a:t>12/6/2017</a:t>
             </a:fld>
             <a:endParaRPr lang="en-US"/>
           </a:p>
@@ -667,7 +669,7 @@
           <a:p>
             <a:fld id="{339097E1-CCCB-4E56-BB56-9CF62DC970F1}" type="slidenum">
               <a:rPr lang="en-US" smtClean="0"/>
-              <a:t>12</a:t>
+              <a:t>13</a:t>
             </a:fld>
             <a:endParaRPr lang="en-US"/>
           </a:p>
@@ -817,7 +819,7 @@
           <a:p>
             <a:fld id="{7D2FF18F-DFC6-48DD-A8FE-22636A2E9C75}" type="datetimeFigureOut">
               <a:rPr lang="en-US" smtClean="0"/>
-              <a:t>11/28/2017</a:t>
+              <a:t>12/6/2017</a:t>
             </a:fld>
             <a:endParaRPr lang="en-US"/>
           </a:p>
@@ -987,7 +989,7 @@
           <a:p>
             <a:fld id="{7D2FF18F-DFC6-48DD-A8FE-22636A2E9C75}" type="datetimeFigureOut">
               <a:rPr lang="en-US" smtClean="0"/>
-              <a:t>11/28/2017</a:t>
+              <a:t>12/6/2017</a:t>
             </a:fld>
             <a:endParaRPr lang="en-US"/>
           </a:p>
@@ -1167,7 +1169,7 @@
           <a:p>
             <a:fld id="{7D2FF18F-DFC6-48DD-A8FE-22636A2E9C75}" type="datetimeFigureOut">
               <a:rPr lang="en-US" smtClean="0"/>
-              <a:t>11/28/2017</a:t>
+              <a:t>12/6/2017</a:t>
             </a:fld>
             <a:endParaRPr lang="en-US"/>
           </a:p>
@@ -1337,7 +1339,7 @@
           <a:p>
             <a:fld id="{7D2FF18F-DFC6-48DD-A8FE-22636A2E9C75}" type="datetimeFigureOut">
               <a:rPr lang="en-US" smtClean="0"/>
-              <a:t>11/28/2017</a:t>
+              <a:t>12/6/2017</a:t>
             </a:fld>
             <a:endParaRPr lang="en-US"/>
           </a:p>
@@ -1583,7 +1585,7 @@
           <a:p>
             <a:fld id="{7D2FF18F-DFC6-48DD-A8FE-22636A2E9C75}" type="datetimeFigureOut">
               <a:rPr lang="en-US" smtClean="0"/>
-              <a:t>11/28/2017</a:t>
+              <a:t>12/6/2017</a:t>
             </a:fld>
             <a:endParaRPr lang="en-US"/>
           </a:p>
@@ -1815,7 +1817,7 @@
           <a:p>
             <a:fld id="{7D2FF18F-DFC6-48DD-A8FE-22636A2E9C75}" type="datetimeFigureOut">
               <a:rPr lang="en-US" smtClean="0"/>
-              <a:t>11/28/2017</a:t>
+              <a:t>12/6/2017</a:t>
             </a:fld>
             <a:endParaRPr lang="en-US"/>
           </a:p>
@@ -2182,7 +2184,7 @@
           <a:p>
             <a:fld id="{7D2FF18F-DFC6-48DD-A8FE-22636A2E9C75}" type="datetimeFigureOut">
               <a:rPr lang="en-US" smtClean="0"/>
-              <a:t>11/28/2017</a:t>
+              <a:t>12/6/2017</a:t>
             </a:fld>
             <a:endParaRPr lang="en-US"/>
           </a:p>
@@ -2300,7 +2302,7 @@
           <a:p>
             <a:fld id="{7D2FF18F-DFC6-48DD-A8FE-22636A2E9C75}" type="datetimeFigureOut">
               <a:rPr lang="en-US" smtClean="0"/>
-              <a:t>11/28/2017</a:t>
+              <a:t>12/6/2017</a:t>
             </a:fld>
             <a:endParaRPr lang="en-US"/>
           </a:p>
@@ -2395,7 +2397,7 @@
           <a:p>
             <a:fld id="{7D2FF18F-DFC6-48DD-A8FE-22636A2E9C75}" type="datetimeFigureOut">
               <a:rPr lang="en-US" smtClean="0"/>
-              <a:t>11/28/2017</a:t>
+              <a:t>12/6/2017</a:t>
             </a:fld>
             <a:endParaRPr lang="en-US"/>
           </a:p>
@@ -2672,7 +2674,7 @@
           <a:p>
             <a:fld id="{7D2FF18F-DFC6-48DD-A8FE-22636A2E9C75}" type="datetimeFigureOut">
               <a:rPr lang="en-US" smtClean="0"/>
-              <a:t>11/28/2017</a:t>
+              <a:t>12/6/2017</a:t>
             </a:fld>
             <a:endParaRPr lang="en-US"/>
           </a:p>
@@ -2925,7 +2927,7 @@
           <a:p>
             <a:fld id="{7D2FF18F-DFC6-48DD-A8FE-22636A2E9C75}" type="datetimeFigureOut">
               <a:rPr lang="en-US" smtClean="0"/>
-              <a:t>11/28/2017</a:t>
+              <a:t>12/6/2017</a:t>
             </a:fld>
             <a:endParaRPr lang="en-US"/>
           </a:p>
@@ -3138,7 +3140,7 @@
           <a:p>
             <a:fld id="{7D2FF18F-DFC6-48DD-A8FE-22636A2E9C75}" type="datetimeFigureOut">
               <a:rPr lang="en-US" smtClean="0"/>
-              <a:t>11/28/2017</a:t>
+              <a:t>12/6/2017</a:t>
             </a:fld>
             <a:endParaRPr lang="en-US"/>
           </a:p>
@@ -3621,51 +3623,536 @@
             <p:ph type="title"/>
           </p:nvPr>
         </p:nvSpPr>
-        <p:spPr/>
+        <p:spPr>
+          <a:xfrm>
+            <a:off x="196361" y="277201"/>
+            <a:ext cx="10515600" cy="1325563"/>
+          </a:xfrm>
+        </p:spPr>
         <p:txBody>
           <a:bodyPr/>
           <a:lstStyle/>
           <a:p>
             <a:r>
-              <a:rPr lang="en-US" dirty="0" err="1" smtClean="0"/>
-              <a:t>Samza</a:t>
-            </a:r>
-            <a:r>
               <a:rPr lang="en-US" dirty="0" smtClean="0"/>
-              <a:t> Container</a:t>
-            </a:r>
-            <a:endParaRPr lang="en-US" dirty="0"/>
-          </a:p>
-        </p:txBody>
-      </p:sp>
-      <p:pic>
-        <p:nvPicPr>
-          <p:cNvPr id="3" name="Picture 2"/>
-          <p:cNvPicPr>
-            <a:picLocks noChangeAspect="1"/>
-          </p:cNvPicPr>
-          <p:nvPr/>
-        </p:nvPicPr>
-        <p:blipFill>
-          <a:blip r:embed="rId2"/>
-          <a:stretch>
-            <a:fillRect/>
-          </a:stretch>
-        </p:blipFill>
-        <p:spPr>
-          <a:xfrm>
-            <a:off x="1914891" y="1847850"/>
-            <a:ext cx="8010525" cy="4533900"/>
-          </a:xfrm>
-          <a:prstGeom prst="rect">
-            <a:avLst/>
-          </a:prstGeom>
-        </p:spPr>
-      </p:pic>
+              <a:t>Stand alone model with Zookeeper</a:t>
+            </a:r>
+            <a:endParaRPr lang="en-US" dirty="0"/>
+          </a:p>
+        </p:txBody>
+      </p:sp>
+      <p:sp>
+        <p:nvSpPr>
+          <p:cNvPr id="3" name="Rectangle 2"/>
+          <p:cNvSpPr/>
+          <p:nvPr/>
+        </p:nvSpPr>
+        <p:spPr>
+          <a:xfrm>
+            <a:off x="1354016" y="1602764"/>
+            <a:ext cx="2813536" cy="903044"/>
+          </a:xfrm>
+          <a:prstGeom prst="rect">
+            <a:avLst/>
+          </a:prstGeom>
+          <a:ln>
+            <a:solidFill>
+              <a:schemeClr val="tx1"/>
+            </a:solidFill>
+          </a:ln>
+        </p:spPr>
+        <p:style>
+          <a:lnRef idx="2">
+            <a:schemeClr val="accent1"/>
+          </a:lnRef>
+          <a:fillRef idx="1">
+            <a:schemeClr val="lt1"/>
+          </a:fillRef>
+          <a:effectRef idx="0">
+            <a:schemeClr val="accent1"/>
+          </a:effectRef>
+          <a:fontRef idx="minor">
+            <a:schemeClr val="dk1"/>
+          </a:fontRef>
+        </p:style>
+        <p:txBody>
+          <a:bodyPr rtlCol="0" anchor="ctr"/>
+          <a:lstStyle/>
+          <a:p>
+            <a:pPr algn="ctr"/>
+            <a:endParaRPr lang="en-US"/>
+          </a:p>
+        </p:txBody>
+      </p:sp>
+      <p:sp>
+        <p:nvSpPr>
+          <p:cNvPr id="4" name="TextBox 3"/>
+          <p:cNvSpPr txBox="1"/>
+          <p:nvPr/>
+        </p:nvSpPr>
+        <p:spPr>
+          <a:xfrm>
+            <a:off x="1329835" y="1602764"/>
+            <a:ext cx="2910253" cy="923330"/>
+          </a:xfrm>
+          <a:prstGeom prst="rect">
+            <a:avLst/>
+          </a:prstGeom>
+          <a:noFill/>
+        </p:spPr>
+        <p:txBody>
+          <a:bodyPr wrap="square" rtlCol="0">
+            <a:spAutoFit/>
+          </a:bodyPr>
+          <a:lstStyle/>
+          <a:p>
+            <a:pPr algn="ctr"/>
+            <a:r>
+              <a:rPr lang="en-US" dirty="0" err="1"/>
+              <a:t>ZkLocalApplication</a:t>
+            </a:r>
+            <a:endParaRPr lang="en-US" dirty="0"/>
+          </a:p>
+          <a:p>
+            <a:r>
+              <a:rPr lang="en-US" dirty="0"/>
+              <a:t>new </a:t>
+            </a:r>
+            <a:r>
+              <a:rPr lang="en-US" dirty="0" err="1"/>
+              <a:t>LocalApplicationRunner</a:t>
+            </a:r>
+            <a:endParaRPr lang="en-US" dirty="0"/>
+          </a:p>
+          <a:p>
+            <a:r>
+              <a:rPr lang="en-US" dirty="0"/>
+              <a:t>new </a:t>
+            </a:r>
+            <a:r>
+              <a:rPr lang="en-US" dirty="0" err="1"/>
+              <a:t>StreamApplication</a:t>
+            </a:r>
+            <a:endParaRPr lang="en-US" dirty="0"/>
+          </a:p>
+        </p:txBody>
+      </p:sp>
+      <p:cxnSp>
+        <p:nvCxnSpPr>
+          <p:cNvPr id="6" name="Straight Arrow Connector 5"/>
+          <p:cNvCxnSpPr>
+            <a:stCxn id="3" idx="2"/>
+            <a:endCxn id="7" idx="0"/>
+          </p:cNvCxnSpPr>
+          <p:nvPr/>
+        </p:nvCxnSpPr>
+        <p:spPr>
+          <a:xfrm>
+            <a:off x="2760784" y="2505808"/>
+            <a:ext cx="0" cy="695287"/>
+          </a:xfrm>
+          <a:prstGeom prst="straightConnector1">
+            <a:avLst/>
+          </a:prstGeom>
+          <a:ln>
+            <a:tailEnd type="triangle"/>
+          </a:ln>
+        </p:spPr>
+        <p:style>
+          <a:lnRef idx="1">
+            <a:schemeClr val="accent1"/>
+          </a:lnRef>
+          <a:fillRef idx="0">
+            <a:schemeClr val="accent1"/>
+          </a:fillRef>
+          <a:effectRef idx="0">
+            <a:schemeClr val="accent1"/>
+          </a:effectRef>
+          <a:fontRef idx="minor">
+            <a:schemeClr val="tx1"/>
+          </a:fontRef>
+        </p:style>
+      </p:cxnSp>
+      <p:grpSp>
+        <p:nvGrpSpPr>
+          <p:cNvPr id="28" name="Group 27"/>
+          <p:cNvGrpSpPr/>
+          <p:nvPr/>
+        </p:nvGrpSpPr>
+        <p:grpSpPr>
+          <a:xfrm>
+            <a:off x="1222679" y="3201095"/>
+            <a:ext cx="3076209" cy="825417"/>
+            <a:chOff x="1354016" y="3329090"/>
+            <a:chExt cx="2861893" cy="369332"/>
+          </a:xfrm>
+        </p:grpSpPr>
+        <p:sp>
+          <p:nvSpPr>
+            <p:cNvPr id="7" name="Rectangle 6"/>
+            <p:cNvSpPr/>
+            <p:nvPr/>
+          </p:nvSpPr>
+          <p:spPr>
+            <a:xfrm>
+              <a:off x="1354016" y="3329090"/>
+              <a:ext cx="2861893" cy="369332"/>
+            </a:xfrm>
+            <a:prstGeom prst="rect">
+              <a:avLst/>
+            </a:prstGeom>
+          </p:spPr>
+          <p:style>
+            <a:lnRef idx="2">
+              <a:schemeClr val="accent1"/>
+            </a:lnRef>
+            <a:fillRef idx="1">
+              <a:schemeClr val="lt1"/>
+            </a:fillRef>
+            <a:effectRef idx="0">
+              <a:schemeClr val="accent1"/>
+            </a:effectRef>
+            <a:fontRef idx="minor">
+              <a:schemeClr val="dk1"/>
+            </a:fontRef>
+          </p:style>
+          <p:txBody>
+            <a:bodyPr rtlCol="0" anchor="ctr"/>
+            <a:lstStyle/>
+            <a:p>
+              <a:pPr algn="ctr"/>
+              <a:endParaRPr lang="en-US"/>
+            </a:p>
+          </p:txBody>
+        </p:sp>
+        <p:sp>
+          <p:nvSpPr>
+            <p:cNvPr id="10" name="TextBox 9"/>
+            <p:cNvSpPr txBox="1"/>
+            <p:nvPr/>
+          </p:nvSpPr>
+          <p:spPr>
+            <a:xfrm>
+              <a:off x="1354016" y="3329090"/>
+              <a:ext cx="2826728" cy="263901"/>
+            </a:xfrm>
+            <a:prstGeom prst="rect">
+              <a:avLst/>
+            </a:prstGeom>
+            <a:noFill/>
+          </p:spPr>
+          <p:txBody>
+            <a:bodyPr wrap="square" rtlCol="0">
+              <a:spAutoFit/>
+            </a:bodyPr>
+            <a:lstStyle/>
+            <a:p>
+              <a:r>
+                <a:rPr lang="en-US" dirty="0" smtClean="0"/>
+                <a:t>LocalApplicationRunner.java</a:t>
+              </a:r>
+            </a:p>
+            <a:p>
+              <a:r>
+                <a:rPr lang="en-US" dirty="0" smtClean="0"/>
+                <a:t>run(</a:t>
+              </a:r>
+              <a:r>
+                <a:rPr lang="en-US" dirty="0" err="1" smtClean="0"/>
+                <a:t>StreamApplication</a:t>
+              </a:r>
+              <a:r>
+                <a:rPr lang="en-US" dirty="0" smtClean="0"/>
+                <a:t>)</a:t>
+              </a:r>
+              <a:endParaRPr lang="en-US" dirty="0"/>
+            </a:p>
+          </p:txBody>
+        </p:sp>
+      </p:grpSp>
+      <p:sp>
+        <p:nvSpPr>
+          <p:cNvPr id="29" name="TextBox 28"/>
+          <p:cNvSpPr txBox="1"/>
+          <p:nvPr/>
+        </p:nvSpPr>
+        <p:spPr>
+          <a:xfrm>
+            <a:off x="3429000" y="3429138"/>
+            <a:ext cx="184731" cy="369332"/>
+          </a:xfrm>
+          <a:prstGeom prst="rect">
+            <a:avLst/>
+          </a:prstGeom>
+          <a:noFill/>
+        </p:spPr>
+        <p:txBody>
+          <a:bodyPr wrap="none" rtlCol="0">
+            <a:spAutoFit/>
+          </a:bodyPr>
+          <a:lstStyle/>
+          <a:p>
+            <a:endParaRPr lang="en-US" dirty="0"/>
+          </a:p>
+        </p:txBody>
+      </p:sp>
+      <p:cxnSp>
+        <p:nvCxnSpPr>
+          <p:cNvPr id="31" name="Straight Arrow Connector 30"/>
+          <p:cNvCxnSpPr>
+            <a:stCxn id="36" idx="2"/>
+            <a:endCxn id="32" idx="0"/>
+          </p:cNvCxnSpPr>
+          <p:nvPr/>
+        </p:nvCxnSpPr>
+        <p:spPr>
+          <a:xfrm flipH="1">
+            <a:off x="1267557" y="4701513"/>
+            <a:ext cx="1474327" cy="496903"/>
+          </a:xfrm>
+          <a:prstGeom prst="straightConnector1">
+            <a:avLst/>
+          </a:prstGeom>
+          <a:ln>
+            <a:tailEnd type="triangle"/>
+          </a:ln>
+        </p:spPr>
+        <p:style>
+          <a:lnRef idx="1">
+            <a:schemeClr val="accent1"/>
+          </a:lnRef>
+          <a:fillRef idx="0">
+            <a:schemeClr val="accent1"/>
+          </a:fillRef>
+          <a:effectRef idx="0">
+            <a:schemeClr val="accent1"/>
+          </a:effectRef>
+          <a:fontRef idx="minor">
+            <a:schemeClr val="tx1"/>
+          </a:fontRef>
+        </p:style>
+      </p:cxnSp>
+      <p:sp>
+        <p:nvSpPr>
+          <p:cNvPr id="32" name="Rectangle 31"/>
+          <p:cNvSpPr/>
+          <p:nvPr/>
+        </p:nvSpPr>
+        <p:spPr>
+          <a:xfrm>
+            <a:off x="196360" y="5198416"/>
+            <a:ext cx="2142393" cy="657261"/>
+          </a:xfrm>
+          <a:prstGeom prst="rect">
+            <a:avLst/>
+          </a:prstGeom>
+        </p:spPr>
+        <p:style>
+          <a:lnRef idx="2">
+            <a:schemeClr val="accent1"/>
+          </a:lnRef>
+          <a:fillRef idx="1">
+            <a:schemeClr val="lt1"/>
+          </a:fillRef>
+          <a:effectRef idx="0">
+            <a:schemeClr val="accent1"/>
+          </a:effectRef>
+          <a:fontRef idx="minor">
+            <a:schemeClr val="dk1"/>
+          </a:fontRef>
+        </p:style>
+        <p:txBody>
+          <a:bodyPr rtlCol="0" anchor="ctr"/>
+          <a:lstStyle/>
+          <a:p>
+            <a:pPr algn="ctr"/>
+            <a:endParaRPr lang="en-US" dirty="0"/>
+          </a:p>
+        </p:txBody>
+      </p:sp>
+      <p:sp>
+        <p:nvSpPr>
+          <p:cNvPr id="36" name="Rectangle 35"/>
+          <p:cNvSpPr/>
+          <p:nvPr/>
+        </p:nvSpPr>
+        <p:spPr>
+          <a:xfrm>
+            <a:off x="1150750" y="4026512"/>
+            <a:ext cx="3182267" cy="675001"/>
+          </a:xfrm>
+          <a:prstGeom prst="rect">
+            <a:avLst/>
+          </a:prstGeom>
+          <a:ln>
+            <a:prstDash val="dash"/>
+          </a:ln>
+        </p:spPr>
+        <p:style>
+          <a:lnRef idx="2">
+            <a:schemeClr val="accent1"/>
+          </a:lnRef>
+          <a:fillRef idx="1">
+            <a:schemeClr val="lt1"/>
+          </a:fillRef>
+          <a:effectRef idx="0">
+            <a:schemeClr val="accent1"/>
+          </a:effectRef>
+          <a:fontRef idx="minor">
+            <a:schemeClr val="dk1"/>
+          </a:fontRef>
+        </p:style>
+        <p:txBody>
+          <a:bodyPr rtlCol="0" anchor="ctr"/>
+          <a:lstStyle/>
+          <a:p>
+            <a:pPr algn="ctr"/>
+            <a:r>
+              <a:rPr lang="en-US" dirty="0" smtClean="0"/>
+              <a:t>AbstractApplicationRunner.java</a:t>
+            </a:r>
+            <a:endParaRPr lang="en-US" dirty="0"/>
+          </a:p>
+        </p:txBody>
+      </p:sp>
+      <p:sp>
+        <p:nvSpPr>
+          <p:cNvPr id="42" name="TextBox 41"/>
+          <p:cNvSpPr txBox="1"/>
+          <p:nvPr/>
+        </p:nvSpPr>
+        <p:spPr>
+          <a:xfrm>
+            <a:off x="231528" y="5342264"/>
+            <a:ext cx="2107225" cy="369332"/>
+          </a:xfrm>
+          <a:prstGeom prst="rect">
+            <a:avLst/>
+          </a:prstGeom>
+          <a:noFill/>
+        </p:spPr>
+        <p:txBody>
+          <a:bodyPr wrap="square" rtlCol="0">
+            <a:spAutoFit/>
+          </a:bodyPr>
+          <a:lstStyle/>
+          <a:p>
+            <a:r>
+              <a:rPr lang="en-US" dirty="0" smtClean="0"/>
+              <a:t>StreamManager.java</a:t>
+            </a:r>
+            <a:endParaRPr lang="en-US" dirty="0"/>
+          </a:p>
+        </p:txBody>
+      </p:sp>
+      <p:cxnSp>
+        <p:nvCxnSpPr>
+          <p:cNvPr id="44" name="Straight Arrow Connector 43"/>
+          <p:cNvCxnSpPr>
+            <a:stCxn id="36" idx="2"/>
+            <a:endCxn id="47" idx="0"/>
+          </p:cNvCxnSpPr>
+          <p:nvPr/>
+        </p:nvCxnSpPr>
+        <p:spPr>
+          <a:xfrm>
+            <a:off x="2741884" y="4701513"/>
+            <a:ext cx="871847" cy="496903"/>
+          </a:xfrm>
+          <a:prstGeom prst="straightConnector1">
+            <a:avLst/>
+          </a:prstGeom>
+          <a:ln>
+            <a:tailEnd type="triangle"/>
+          </a:ln>
+        </p:spPr>
+        <p:style>
+          <a:lnRef idx="1">
+            <a:schemeClr val="accent1"/>
+          </a:lnRef>
+          <a:fillRef idx="0">
+            <a:schemeClr val="accent1"/>
+          </a:fillRef>
+          <a:effectRef idx="0">
+            <a:schemeClr val="accent1"/>
+          </a:effectRef>
+          <a:fontRef idx="minor">
+            <a:schemeClr val="tx1"/>
+          </a:fontRef>
+        </p:style>
+      </p:cxnSp>
+      <p:sp>
+        <p:nvSpPr>
+          <p:cNvPr id="47" name="Rectangle 46"/>
+          <p:cNvSpPr/>
+          <p:nvPr/>
+        </p:nvSpPr>
+        <p:spPr>
+          <a:xfrm>
+            <a:off x="2542534" y="5198416"/>
+            <a:ext cx="2142393" cy="657261"/>
+          </a:xfrm>
+          <a:prstGeom prst="rect">
+            <a:avLst/>
+          </a:prstGeom>
+        </p:spPr>
+        <p:style>
+          <a:lnRef idx="2">
+            <a:schemeClr val="accent1"/>
+          </a:lnRef>
+          <a:fillRef idx="1">
+            <a:schemeClr val="lt1"/>
+          </a:fillRef>
+          <a:effectRef idx="0">
+            <a:schemeClr val="accent1"/>
+          </a:effectRef>
+          <a:fontRef idx="minor">
+            <a:schemeClr val="dk1"/>
+          </a:fontRef>
+        </p:style>
+        <p:txBody>
+          <a:bodyPr rtlCol="0" anchor="ctr"/>
+          <a:lstStyle/>
+          <a:p>
+            <a:pPr algn="ctr"/>
+            <a:endParaRPr lang="en-US" dirty="0"/>
+          </a:p>
+        </p:txBody>
+      </p:sp>
+      <p:sp>
+        <p:nvSpPr>
+          <p:cNvPr id="50" name="TextBox 49"/>
+          <p:cNvSpPr txBox="1"/>
+          <p:nvPr/>
+        </p:nvSpPr>
+        <p:spPr>
+          <a:xfrm>
+            <a:off x="2502281" y="5342264"/>
+            <a:ext cx="2222898" cy="369332"/>
+          </a:xfrm>
+          <a:prstGeom prst="rect">
+            <a:avLst/>
+          </a:prstGeom>
+          <a:noFill/>
+        </p:spPr>
+        <p:txBody>
+          <a:bodyPr wrap="square" rtlCol="0">
+            <a:spAutoFit/>
+          </a:bodyPr>
+          <a:lstStyle/>
+          <a:p>
+            <a:r>
+              <a:rPr lang="en-US" dirty="0" smtClean="0"/>
+              <a:t>ExecutionPlanner.java</a:t>
+            </a:r>
+            <a:endParaRPr lang="en-US" dirty="0"/>
+          </a:p>
+        </p:txBody>
+      </p:sp>
     </p:spTree>
     <p:extLst>
       <p:ext uri="{BB962C8B-B14F-4D97-AF65-F5344CB8AC3E}">
-        <p14:creationId xmlns:p14="http://schemas.microsoft.com/office/powerpoint/2010/main" val="3244104528"/>
+        <p14:creationId xmlns:p14="http://schemas.microsoft.com/office/powerpoint/2010/main" val="2821675269"/>
       </p:ext>
     </p:extLst>
   </p:cSld>
@@ -3694,6 +4181,87 @@
       </p:grpSpPr>
       <p:sp>
         <p:nvSpPr>
+          <p:cNvPr id="2" name="Title 1"/>
+          <p:cNvSpPr>
+            <a:spLocks noGrp="1"/>
+          </p:cNvSpPr>
+          <p:nvPr>
+            <p:ph type="title"/>
+          </p:nvPr>
+        </p:nvSpPr>
+        <p:spPr/>
+        <p:txBody>
+          <a:bodyPr/>
+          <a:lstStyle/>
+          <a:p>
+            <a:r>
+              <a:rPr lang="en-US" dirty="0" err="1" smtClean="0"/>
+              <a:t>Samza</a:t>
+            </a:r>
+            <a:r>
+              <a:rPr lang="en-US" dirty="0" smtClean="0"/>
+              <a:t> Container</a:t>
+            </a:r>
+            <a:endParaRPr lang="en-US" dirty="0"/>
+          </a:p>
+        </p:txBody>
+      </p:sp>
+      <p:pic>
+        <p:nvPicPr>
+          <p:cNvPr id="3" name="Picture 2"/>
+          <p:cNvPicPr>
+            <a:picLocks noChangeAspect="1"/>
+          </p:cNvPicPr>
+          <p:nvPr/>
+        </p:nvPicPr>
+        <p:blipFill>
+          <a:blip r:embed="rId2"/>
+          <a:stretch>
+            <a:fillRect/>
+          </a:stretch>
+        </p:blipFill>
+        <p:spPr>
+          <a:xfrm>
+            <a:off x="1914891" y="1847850"/>
+            <a:ext cx="8010525" cy="4533900"/>
+          </a:xfrm>
+          <a:prstGeom prst="rect">
+            <a:avLst/>
+          </a:prstGeom>
+        </p:spPr>
+      </p:pic>
+    </p:spTree>
+    <p:extLst>
+      <p:ext uri="{BB962C8B-B14F-4D97-AF65-F5344CB8AC3E}">
+        <p14:creationId xmlns:p14="http://schemas.microsoft.com/office/powerpoint/2010/main" val="3244104528"/>
+      </p:ext>
+    </p:extLst>
+  </p:cSld>
+  <p:clrMapOvr>
+    <a:masterClrMapping/>
+  </p:clrMapOvr>
+</p:sld>
+</file>
+
+<file path=ppt/slides/slide12.xml><?xml version="1.0" encoding="utf-8"?>
+<p:sld xmlns:a="http://schemas.openxmlformats.org/drawingml/2006/main" xmlns:r="http://schemas.openxmlformats.org/officeDocument/2006/relationships" xmlns:p="http://schemas.openxmlformats.org/presentationml/2006/main">
+  <p:cSld>
+    <p:spTree>
+      <p:nvGrpSpPr>
+        <p:cNvPr id="1" name=""/>
+        <p:cNvGrpSpPr/>
+        <p:nvPr/>
+      </p:nvGrpSpPr>
+      <p:grpSpPr>
+        <a:xfrm>
+          <a:off x="0" y="0"/>
+          <a:ext cx="0" cy="0"/>
+          <a:chOff x="0" y="0"/>
+          <a:chExt cx="0" cy="0"/>
+        </a:xfrm>
+      </p:grpSpPr>
+      <p:sp>
+        <p:nvSpPr>
           <p:cNvPr id="5" name="Rectangle 4"/>
           <p:cNvSpPr/>
           <p:nvPr/>
@@ -4083,7 +4651,7 @@
 </p:sld>
 </file>
 
-<file path=ppt/slides/slide12.xml><?xml version="1.0" encoding="utf-8"?>
+<file path=ppt/slides/slide13.xml><?xml version="1.0" encoding="utf-8"?>
 <p:sld xmlns:a="http://schemas.openxmlformats.org/drawingml/2006/main" xmlns:r="http://schemas.openxmlformats.org/officeDocument/2006/relationships" xmlns:p="http://schemas.openxmlformats.org/presentationml/2006/main">
   <p:cSld>
     <p:spTree>
@@ -5702,645 +6270,6 @@
 </p:sld>
 </file>
 
-<file path=ppt/slides/slide13.xml><?xml version="1.0" encoding="utf-8"?>
-<p:sld xmlns:a="http://schemas.openxmlformats.org/drawingml/2006/main" xmlns:r="http://schemas.openxmlformats.org/officeDocument/2006/relationships" xmlns:p="http://schemas.openxmlformats.org/presentationml/2006/main">
-  <p:cSld>
-    <p:spTree>
-      <p:nvGrpSpPr>
-        <p:cNvPr id="1" name=""/>
-        <p:cNvGrpSpPr/>
-        <p:nvPr/>
-      </p:nvGrpSpPr>
-      <p:grpSpPr>
-        <a:xfrm>
-          <a:off x="0" y="0"/>
-          <a:ext cx="0" cy="0"/>
-          <a:chOff x="0" y="0"/>
-          <a:chExt cx="0" cy="0"/>
-        </a:xfrm>
-      </p:grpSpPr>
-      <p:sp>
-        <p:nvSpPr>
-          <p:cNvPr id="31" name="Rectangle 30"/>
-          <p:cNvSpPr/>
-          <p:nvPr/>
-        </p:nvSpPr>
-        <p:spPr>
-          <a:xfrm>
-            <a:off x="1972491" y="1463039"/>
-            <a:ext cx="8007532" cy="4036423"/>
-          </a:xfrm>
-          <a:prstGeom prst="rect">
-            <a:avLst/>
-          </a:prstGeom>
-          <a:ln>
-            <a:prstDash val="dash"/>
-          </a:ln>
-        </p:spPr>
-        <p:style>
-          <a:lnRef idx="2">
-            <a:schemeClr val="accent1"/>
-          </a:lnRef>
-          <a:fillRef idx="1">
-            <a:schemeClr val="lt1"/>
-          </a:fillRef>
-          <a:effectRef idx="0">
-            <a:schemeClr val="accent1"/>
-          </a:effectRef>
-          <a:fontRef idx="minor">
-            <a:schemeClr val="dk1"/>
-          </a:fontRef>
-        </p:style>
-        <p:txBody>
-          <a:bodyPr rtlCol="0" anchor="ctr"/>
-          <a:lstStyle/>
-          <a:p>
-            <a:pPr algn="ctr"/>
-            <a:endParaRPr lang="en-US"/>
-          </a:p>
-        </p:txBody>
-      </p:sp>
-      <p:sp>
-        <p:nvSpPr>
-          <p:cNvPr id="6" name="Rectangle 5"/>
-          <p:cNvSpPr/>
-          <p:nvPr/>
-        </p:nvSpPr>
-        <p:spPr>
-          <a:xfrm>
-            <a:off x="2256608" y="2053655"/>
-            <a:ext cx="3086102" cy="3001671"/>
-          </a:xfrm>
-          <a:prstGeom prst="rect">
-            <a:avLst/>
-          </a:prstGeom>
-        </p:spPr>
-        <p:style>
-          <a:lnRef idx="2">
-            <a:schemeClr val="accent1"/>
-          </a:lnRef>
-          <a:fillRef idx="1">
-            <a:schemeClr val="lt1"/>
-          </a:fillRef>
-          <a:effectRef idx="0">
-            <a:schemeClr val="accent1"/>
-          </a:effectRef>
-          <a:fontRef idx="minor">
-            <a:schemeClr val="dk1"/>
-          </a:fontRef>
-        </p:style>
-        <p:txBody>
-          <a:bodyPr rtlCol="0" anchor="ctr"/>
-          <a:lstStyle/>
-          <a:p>
-            <a:pPr algn="ctr"/>
-            <a:endParaRPr lang="en-US"/>
-          </a:p>
-        </p:txBody>
-      </p:sp>
-      <p:sp>
-        <p:nvSpPr>
-          <p:cNvPr id="2" name="Title 1"/>
-          <p:cNvSpPr>
-            <a:spLocks noGrp="1"/>
-          </p:cNvSpPr>
-          <p:nvPr>
-            <p:ph type="title"/>
-          </p:nvPr>
-        </p:nvSpPr>
-        <p:spPr/>
-        <p:txBody>
-          <a:bodyPr/>
-          <a:lstStyle/>
-          <a:p>
-            <a:r>
-              <a:rPr lang="en-US" dirty="0" err="1" smtClean="0"/>
-              <a:t>WikipediaFeed</a:t>
-            </a:r>
-            <a:endParaRPr lang="en-US" dirty="0"/>
-          </a:p>
-        </p:txBody>
-      </p:sp>
-      <p:sp>
-        <p:nvSpPr>
-          <p:cNvPr id="5" name="TextBox 4"/>
-          <p:cNvSpPr txBox="1"/>
-          <p:nvPr/>
-        </p:nvSpPr>
-        <p:spPr>
-          <a:xfrm>
-            <a:off x="2787285" y="2157122"/>
-            <a:ext cx="2074817" cy="369332"/>
-          </a:xfrm>
-          <a:prstGeom prst="rect">
-            <a:avLst/>
-          </a:prstGeom>
-          <a:noFill/>
-        </p:spPr>
-        <p:txBody>
-          <a:bodyPr wrap="square" rtlCol="0">
-            <a:spAutoFit/>
-          </a:bodyPr>
-          <a:lstStyle/>
-          <a:p>
-            <a:r>
-              <a:rPr lang="en-US" dirty="0" err="1" smtClean="0"/>
-              <a:t>WikipediaFactory</a:t>
-            </a:r>
-            <a:endParaRPr lang="en-US" dirty="0"/>
-          </a:p>
-        </p:txBody>
-      </p:sp>
-      <p:sp>
-        <p:nvSpPr>
-          <p:cNvPr id="15" name="TextBox 14"/>
-          <p:cNvSpPr txBox="1"/>
-          <p:nvPr/>
-        </p:nvSpPr>
-        <p:spPr>
-          <a:xfrm rot="540974">
-            <a:off x="1544655" y="3164817"/>
-            <a:ext cx="781594" cy="369332"/>
-          </a:xfrm>
-          <a:prstGeom prst="rect">
-            <a:avLst/>
-          </a:prstGeom>
-          <a:noFill/>
-        </p:spPr>
-        <p:txBody>
-          <a:bodyPr wrap="square" rtlCol="0">
-            <a:spAutoFit/>
-          </a:bodyPr>
-          <a:lstStyle/>
-          <a:p>
-            <a:r>
-              <a:rPr lang="en-US" dirty="0" smtClean="0"/>
-              <a:t>Listen</a:t>
-            </a:r>
-            <a:endParaRPr lang="en-US" dirty="0"/>
-          </a:p>
-        </p:txBody>
-      </p:sp>
-      <p:sp>
-        <p:nvSpPr>
-          <p:cNvPr id="16" name="Rectangle 15"/>
-          <p:cNvSpPr/>
-          <p:nvPr/>
-        </p:nvSpPr>
-        <p:spPr>
-          <a:xfrm>
-            <a:off x="261257" y="1463040"/>
-            <a:ext cx="1018903" cy="3931920"/>
-          </a:xfrm>
-          <a:prstGeom prst="rect">
-            <a:avLst/>
-          </a:prstGeom>
-        </p:spPr>
-        <p:style>
-          <a:lnRef idx="2">
-            <a:schemeClr val="accent1"/>
-          </a:lnRef>
-          <a:fillRef idx="1">
-            <a:schemeClr val="lt1"/>
-          </a:fillRef>
-          <a:effectRef idx="0">
-            <a:schemeClr val="accent1"/>
-          </a:effectRef>
-          <a:fontRef idx="minor">
-            <a:schemeClr val="dk1"/>
-          </a:fontRef>
-        </p:style>
-        <p:txBody>
-          <a:bodyPr rtlCol="0" anchor="ctr"/>
-          <a:lstStyle/>
-          <a:p>
-            <a:pPr algn="ctr"/>
-            <a:endParaRPr lang="en-US"/>
-          </a:p>
-        </p:txBody>
-      </p:sp>
-      <p:sp>
-        <p:nvSpPr>
-          <p:cNvPr id="17" name="TextBox 16"/>
-          <p:cNvSpPr txBox="1"/>
-          <p:nvPr/>
-        </p:nvSpPr>
-        <p:spPr>
-          <a:xfrm>
-            <a:off x="539875" y="2788603"/>
-            <a:ext cx="461665" cy="3403826"/>
-          </a:xfrm>
-          <a:prstGeom prst="rect">
-            <a:avLst/>
-          </a:prstGeom>
-          <a:noFill/>
-        </p:spPr>
-        <p:txBody>
-          <a:bodyPr vert="eaVert" wrap="square" rtlCol="0">
-            <a:spAutoFit/>
-          </a:bodyPr>
-          <a:lstStyle/>
-          <a:p>
-            <a:r>
-              <a:rPr lang="en-US" dirty="0" err="1" smtClean="0"/>
-              <a:t>WikiPedia</a:t>
-            </a:r>
-            <a:endParaRPr lang="en-US" dirty="0"/>
-          </a:p>
-        </p:txBody>
-      </p:sp>
-      <p:sp>
-        <p:nvSpPr>
-          <p:cNvPr id="48" name="Rectangle 47"/>
-          <p:cNvSpPr/>
-          <p:nvPr/>
-        </p:nvSpPr>
-        <p:spPr>
-          <a:xfrm>
-            <a:off x="2641417" y="2621610"/>
-            <a:ext cx="2220685" cy="2076283"/>
-          </a:xfrm>
-          <a:prstGeom prst="rect">
-            <a:avLst/>
-          </a:prstGeom>
-          <a:ln>
-            <a:prstDash val="solid"/>
-          </a:ln>
-        </p:spPr>
-        <p:style>
-          <a:lnRef idx="2">
-            <a:schemeClr val="accent1"/>
-          </a:lnRef>
-          <a:fillRef idx="1">
-            <a:schemeClr val="lt1"/>
-          </a:fillRef>
-          <a:effectRef idx="0">
-            <a:schemeClr val="accent1"/>
-          </a:effectRef>
-          <a:fontRef idx="minor">
-            <a:schemeClr val="dk1"/>
-          </a:fontRef>
-        </p:style>
-        <p:txBody>
-          <a:bodyPr rtlCol="0" anchor="ctr"/>
-          <a:lstStyle/>
-          <a:p>
-            <a:pPr algn="ctr"/>
-            <a:endParaRPr lang="en-US"/>
-          </a:p>
-        </p:txBody>
-      </p:sp>
-      <p:sp>
-        <p:nvSpPr>
-          <p:cNvPr id="21" name="Rectangle 20"/>
-          <p:cNvSpPr/>
-          <p:nvPr/>
-        </p:nvSpPr>
-        <p:spPr>
-          <a:xfrm>
-            <a:off x="6073142" y="3090369"/>
-            <a:ext cx="2664822" cy="904909"/>
-          </a:xfrm>
-          <a:prstGeom prst="rect">
-            <a:avLst/>
-          </a:prstGeom>
-        </p:spPr>
-        <p:style>
-          <a:lnRef idx="2">
-            <a:schemeClr val="accent1"/>
-          </a:lnRef>
-          <a:fillRef idx="1">
-            <a:schemeClr val="lt1"/>
-          </a:fillRef>
-          <a:effectRef idx="0">
-            <a:schemeClr val="accent1"/>
-          </a:effectRef>
-          <a:fontRef idx="minor">
-            <a:schemeClr val="dk1"/>
-          </a:fontRef>
-        </p:style>
-        <p:txBody>
-          <a:bodyPr rtlCol="0" anchor="ctr"/>
-          <a:lstStyle/>
-          <a:p>
-            <a:pPr algn="ctr"/>
-            <a:endParaRPr lang="en-US" dirty="0"/>
-          </a:p>
-        </p:txBody>
-      </p:sp>
-      <p:sp>
-        <p:nvSpPr>
-          <p:cNvPr id="24" name="TextBox 23"/>
-          <p:cNvSpPr txBox="1"/>
-          <p:nvPr/>
-        </p:nvSpPr>
-        <p:spPr>
-          <a:xfrm>
-            <a:off x="6525090" y="3184680"/>
-            <a:ext cx="1593669" cy="646331"/>
-          </a:xfrm>
-          <a:prstGeom prst="rect">
-            <a:avLst/>
-          </a:prstGeom>
-          <a:noFill/>
-        </p:spPr>
-        <p:txBody>
-          <a:bodyPr wrap="square" rtlCol="0">
-            <a:spAutoFit/>
-          </a:bodyPr>
-          <a:lstStyle/>
-          <a:p>
-            <a:r>
-              <a:rPr lang="en-US" dirty="0" err="1" smtClean="0"/>
-              <a:t>WikipediaFeedStreamTask</a:t>
-            </a:r>
-            <a:endParaRPr lang="en-US" dirty="0"/>
-          </a:p>
-        </p:txBody>
-      </p:sp>
-      <p:cxnSp>
-        <p:nvCxnSpPr>
-          <p:cNvPr id="26" name="Straight Arrow Connector 25"/>
-          <p:cNvCxnSpPr>
-            <a:stCxn id="21" idx="3"/>
-          </p:cNvCxnSpPr>
-          <p:nvPr/>
-        </p:nvCxnSpPr>
-        <p:spPr>
-          <a:xfrm flipV="1">
-            <a:off x="8737964" y="3538078"/>
-            <a:ext cx="2289268" cy="4746"/>
-          </a:xfrm>
-          <a:prstGeom prst="straightConnector1">
-            <a:avLst/>
-          </a:prstGeom>
-          <a:ln>
-            <a:tailEnd type="triangle"/>
-          </a:ln>
-        </p:spPr>
-        <p:style>
-          <a:lnRef idx="1">
-            <a:schemeClr val="accent1"/>
-          </a:lnRef>
-          <a:fillRef idx="0">
-            <a:schemeClr val="accent1"/>
-          </a:fillRef>
-          <a:effectRef idx="0">
-            <a:schemeClr val="accent1"/>
-          </a:effectRef>
-          <a:fontRef idx="minor">
-            <a:schemeClr val="tx1"/>
-          </a:fontRef>
-        </p:style>
-      </p:cxnSp>
-      <p:sp>
-        <p:nvSpPr>
-          <p:cNvPr id="35" name="TextBox 34"/>
-          <p:cNvSpPr txBox="1"/>
-          <p:nvPr/>
-        </p:nvSpPr>
-        <p:spPr>
-          <a:xfrm>
-            <a:off x="8983524" y="3164817"/>
-            <a:ext cx="2314305" cy="369332"/>
-          </a:xfrm>
-          <a:prstGeom prst="rect">
-            <a:avLst/>
-          </a:prstGeom>
-          <a:noFill/>
-        </p:spPr>
-        <p:txBody>
-          <a:bodyPr wrap="square" rtlCol="0">
-            <a:spAutoFit/>
-          </a:bodyPr>
-          <a:lstStyle/>
-          <a:p>
-            <a:r>
-              <a:rPr lang="en-US" dirty="0" smtClean="0"/>
-              <a:t>Wikipedia-raw</a:t>
-            </a:r>
-            <a:endParaRPr lang="en-US" dirty="0"/>
-          </a:p>
-        </p:txBody>
-      </p:sp>
-      <p:sp>
-        <p:nvSpPr>
-          <p:cNvPr id="42" name="Rectangle 41"/>
-          <p:cNvSpPr/>
-          <p:nvPr/>
-        </p:nvSpPr>
-        <p:spPr>
-          <a:xfrm>
-            <a:off x="2921991" y="3265902"/>
-            <a:ext cx="1627070" cy="841056"/>
-          </a:xfrm>
-          <a:prstGeom prst="rect">
-            <a:avLst/>
-          </a:prstGeom>
-        </p:spPr>
-        <p:style>
-          <a:lnRef idx="2">
-            <a:schemeClr val="accent1"/>
-          </a:lnRef>
-          <a:fillRef idx="1">
-            <a:schemeClr val="lt1"/>
-          </a:fillRef>
-          <a:effectRef idx="0">
-            <a:schemeClr val="accent1"/>
-          </a:effectRef>
-          <a:fontRef idx="minor">
-            <a:schemeClr val="dk1"/>
-          </a:fontRef>
-        </p:style>
-        <p:txBody>
-          <a:bodyPr rtlCol="0" anchor="ctr"/>
-          <a:lstStyle/>
-          <a:p>
-            <a:pPr algn="ctr"/>
-            <a:endParaRPr lang="en-US" dirty="0"/>
-          </a:p>
-        </p:txBody>
-      </p:sp>
-      <p:sp>
-        <p:nvSpPr>
-          <p:cNvPr id="43" name="TextBox 42"/>
-          <p:cNvSpPr txBox="1"/>
-          <p:nvPr/>
-        </p:nvSpPr>
-        <p:spPr>
-          <a:xfrm>
-            <a:off x="2915562" y="3461679"/>
-            <a:ext cx="1703612" cy="369332"/>
-          </a:xfrm>
-          <a:prstGeom prst="rect">
-            <a:avLst/>
-          </a:prstGeom>
-          <a:noFill/>
-        </p:spPr>
-        <p:txBody>
-          <a:bodyPr wrap="square" rtlCol="0">
-            <a:spAutoFit/>
-          </a:bodyPr>
-          <a:lstStyle/>
-          <a:p>
-            <a:r>
-              <a:rPr lang="en-US" dirty="0" err="1" smtClean="0"/>
-              <a:t>WikipediaFeed</a:t>
-            </a:r>
-            <a:endParaRPr lang="en-US" dirty="0"/>
-          </a:p>
-        </p:txBody>
-      </p:sp>
-      <p:cxnSp>
-        <p:nvCxnSpPr>
-          <p:cNvPr id="14" name="Straight Arrow Connector 13"/>
-          <p:cNvCxnSpPr>
-            <a:stCxn id="16" idx="3"/>
-            <a:endCxn id="48" idx="1"/>
-          </p:cNvCxnSpPr>
-          <p:nvPr/>
-        </p:nvCxnSpPr>
-        <p:spPr>
-          <a:xfrm>
-            <a:off x="1280160" y="3429000"/>
-            <a:ext cx="1361257" cy="230752"/>
-          </a:xfrm>
-          <a:prstGeom prst="straightConnector1">
-            <a:avLst/>
-          </a:prstGeom>
-          <a:ln>
-            <a:headEnd type="triangle"/>
-            <a:tailEnd type="triangle"/>
-          </a:ln>
-        </p:spPr>
-        <p:style>
-          <a:lnRef idx="1">
-            <a:schemeClr val="accent1"/>
-          </a:lnRef>
-          <a:fillRef idx="0">
-            <a:schemeClr val="accent1"/>
-          </a:fillRef>
-          <a:effectRef idx="0">
-            <a:schemeClr val="accent1"/>
-          </a:effectRef>
-          <a:fontRef idx="minor">
-            <a:schemeClr val="tx1"/>
-          </a:fontRef>
-        </p:style>
-      </p:cxnSp>
-      <p:cxnSp>
-        <p:nvCxnSpPr>
-          <p:cNvPr id="20" name="Straight Arrow Connector 19"/>
-          <p:cNvCxnSpPr>
-            <a:stCxn id="48" idx="3"/>
-            <a:endCxn id="21" idx="1"/>
-          </p:cNvCxnSpPr>
-          <p:nvPr/>
-        </p:nvCxnSpPr>
-        <p:spPr>
-          <a:xfrm flipV="1">
-            <a:off x="4862102" y="3542824"/>
-            <a:ext cx="1211040" cy="116928"/>
-          </a:xfrm>
-          <a:prstGeom prst="straightConnector1">
-            <a:avLst/>
-          </a:prstGeom>
-          <a:ln>
-            <a:tailEnd type="triangle"/>
-          </a:ln>
-        </p:spPr>
-        <p:style>
-          <a:lnRef idx="1">
-            <a:schemeClr val="accent1"/>
-          </a:lnRef>
-          <a:fillRef idx="0">
-            <a:schemeClr val="accent1"/>
-          </a:fillRef>
-          <a:effectRef idx="0">
-            <a:schemeClr val="accent1"/>
-          </a:effectRef>
-          <a:fontRef idx="minor">
-            <a:schemeClr val="tx1"/>
-          </a:fontRef>
-        </p:style>
-      </p:cxnSp>
-      <p:sp>
-        <p:nvSpPr>
-          <p:cNvPr id="58" name="TextBox 57"/>
-          <p:cNvSpPr txBox="1"/>
-          <p:nvPr/>
-        </p:nvSpPr>
-        <p:spPr>
-          <a:xfrm>
-            <a:off x="2753144" y="2724287"/>
-            <a:ext cx="2108958" cy="369332"/>
-          </a:xfrm>
-          <a:prstGeom prst="rect">
-            <a:avLst/>
-          </a:prstGeom>
-          <a:noFill/>
-        </p:spPr>
-        <p:txBody>
-          <a:bodyPr wrap="square" rtlCol="0">
-            <a:spAutoFit/>
-          </a:bodyPr>
-          <a:lstStyle/>
-          <a:p>
-            <a:r>
-              <a:rPr lang="en-US" dirty="0" err="1" smtClean="0"/>
-              <a:t>WikipediaConsumer</a:t>
-            </a:r>
-            <a:endParaRPr lang="en-US" dirty="0"/>
-          </a:p>
-        </p:txBody>
-      </p:sp>
-      <p:sp>
-        <p:nvSpPr>
-          <p:cNvPr id="69" name="TextBox 68"/>
-          <p:cNvSpPr txBox="1"/>
-          <p:nvPr/>
-        </p:nvSpPr>
-        <p:spPr>
-          <a:xfrm>
-            <a:off x="4549061" y="1447924"/>
-            <a:ext cx="3535678" cy="369332"/>
-          </a:xfrm>
-          <a:prstGeom prst="rect">
-            <a:avLst/>
-          </a:prstGeom>
-          <a:noFill/>
-        </p:spPr>
-        <p:txBody>
-          <a:bodyPr wrap="square" rtlCol="0">
-            <a:spAutoFit/>
-          </a:bodyPr>
-          <a:lstStyle/>
-          <a:p>
-            <a:r>
-              <a:rPr lang="en-US" dirty="0" err="1" smtClean="0"/>
-              <a:t>WikipediaFeed</a:t>
-            </a:r>
-            <a:r>
-              <a:rPr lang="en-US" dirty="0" smtClean="0"/>
-              <a:t> Job</a:t>
-            </a:r>
-            <a:endParaRPr lang="en-US" dirty="0"/>
-          </a:p>
-        </p:txBody>
-      </p:sp>
-    </p:spTree>
-    <p:extLst>
-      <p:ext uri="{BB962C8B-B14F-4D97-AF65-F5344CB8AC3E}">
-        <p14:creationId xmlns:p14="http://schemas.microsoft.com/office/powerpoint/2010/main" val="544353580"/>
-      </p:ext>
-    </p:extLst>
-  </p:cSld>
-  <p:clrMapOvr>
-    <a:masterClrMapping/>
-  </p:clrMapOvr>
-</p:sld>
-</file>
-
 <file path=ppt/slides/slide14.xml><?xml version="1.0" encoding="utf-8"?>
 <p:sld xmlns:a="http://schemas.openxmlformats.org/drawingml/2006/main" xmlns:r="http://schemas.openxmlformats.org/officeDocument/2006/relationships" xmlns:p="http://schemas.openxmlformats.org/presentationml/2006/main">
   <p:cSld>
@@ -6360,6 +6289,645 @@
       </p:grpSpPr>
       <p:sp>
         <p:nvSpPr>
+          <p:cNvPr id="31" name="Rectangle 30"/>
+          <p:cNvSpPr/>
+          <p:nvPr/>
+        </p:nvSpPr>
+        <p:spPr>
+          <a:xfrm>
+            <a:off x="1972491" y="1463039"/>
+            <a:ext cx="8007532" cy="4036423"/>
+          </a:xfrm>
+          <a:prstGeom prst="rect">
+            <a:avLst/>
+          </a:prstGeom>
+          <a:ln>
+            <a:prstDash val="dash"/>
+          </a:ln>
+        </p:spPr>
+        <p:style>
+          <a:lnRef idx="2">
+            <a:schemeClr val="accent1"/>
+          </a:lnRef>
+          <a:fillRef idx="1">
+            <a:schemeClr val="lt1"/>
+          </a:fillRef>
+          <a:effectRef idx="0">
+            <a:schemeClr val="accent1"/>
+          </a:effectRef>
+          <a:fontRef idx="minor">
+            <a:schemeClr val="dk1"/>
+          </a:fontRef>
+        </p:style>
+        <p:txBody>
+          <a:bodyPr rtlCol="0" anchor="ctr"/>
+          <a:lstStyle/>
+          <a:p>
+            <a:pPr algn="ctr"/>
+            <a:endParaRPr lang="en-US"/>
+          </a:p>
+        </p:txBody>
+      </p:sp>
+      <p:sp>
+        <p:nvSpPr>
+          <p:cNvPr id="6" name="Rectangle 5"/>
+          <p:cNvSpPr/>
+          <p:nvPr/>
+        </p:nvSpPr>
+        <p:spPr>
+          <a:xfrm>
+            <a:off x="2256608" y="2053655"/>
+            <a:ext cx="3086102" cy="3001671"/>
+          </a:xfrm>
+          <a:prstGeom prst="rect">
+            <a:avLst/>
+          </a:prstGeom>
+        </p:spPr>
+        <p:style>
+          <a:lnRef idx="2">
+            <a:schemeClr val="accent1"/>
+          </a:lnRef>
+          <a:fillRef idx="1">
+            <a:schemeClr val="lt1"/>
+          </a:fillRef>
+          <a:effectRef idx="0">
+            <a:schemeClr val="accent1"/>
+          </a:effectRef>
+          <a:fontRef idx="minor">
+            <a:schemeClr val="dk1"/>
+          </a:fontRef>
+        </p:style>
+        <p:txBody>
+          <a:bodyPr rtlCol="0" anchor="ctr"/>
+          <a:lstStyle/>
+          <a:p>
+            <a:pPr algn="ctr"/>
+            <a:endParaRPr lang="en-US"/>
+          </a:p>
+        </p:txBody>
+      </p:sp>
+      <p:sp>
+        <p:nvSpPr>
+          <p:cNvPr id="2" name="Title 1"/>
+          <p:cNvSpPr>
+            <a:spLocks noGrp="1"/>
+          </p:cNvSpPr>
+          <p:nvPr>
+            <p:ph type="title"/>
+          </p:nvPr>
+        </p:nvSpPr>
+        <p:spPr/>
+        <p:txBody>
+          <a:bodyPr/>
+          <a:lstStyle/>
+          <a:p>
+            <a:r>
+              <a:rPr lang="en-US" dirty="0" err="1" smtClean="0"/>
+              <a:t>WikipediaFeed</a:t>
+            </a:r>
+            <a:endParaRPr lang="en-US" dirty="0"/>
+          </a:p>
+        </p:txBody>
+      </p:sp>
+      <p:sp>
+        <p:nvSpPr>
+          <p:cNvPr id="5" name="TextBox 4"/>
+          <p:cNvSpPr txBox="1"/>
+          <p:nvPr/>
+        </p:nvSpPr>
+        <p:spPr>
+          <a:xfrm>
+            <a:off x="2787285" y="2157122"/>
+            <a:ext cx="2074817" cy="369332"/>
+          </a:xfrm>
+          <a:prstGeom prst="rect">
+            <a:avLst/>
+          </a:prstGeom>
+          <a:noFill/>
+        </p:spPr>
+        <p:txBody>
+          <a:bodyPr wrap="square" rtlCol="0">
+            <a:spAutoFit/>
+          </a:bodyPr>
+          <a:lstStyle/>
+          <a:p>
+            <a:r>
+              <a:rPr lang="en-US" dirty="0" err="1" smtClean="0"/>
+              <a:t>WikipediaFactory</a:t>
+            </a:r>
+            <a:endParaRPr lang="en-US" dirty="0"/>
+          </a:p>
+        </p:txBody>
+      </p:sp>
+      <p:sp>
+        <p:nvSpPr>
+          <p:cNvPr id="15" name="TextBox 14"/>
+          <p:cNvSpPr txBox="1"/>
+          <p:nvPr/>
+        </p:nvSpPr>
+        <p:spPr>
+          <a:xfrm rot="540974">
+            <a:off x="1544655" y="3164817"/>
+            <a:ext cx="781594" cy="369332"/>
+          </a:xfrm>
+          <a:prstGeom prst="rect">
+            <a:avLst/>
+          </a:prstGeom>
+          <a:noFill/>
+        </p:spPr>
+        <p:txBody>
+          <a:bodyPr wrap="square" rtlCol="0">
+            <a:spAutoFit/>
+          </a:bodyPr>
+          <a:lstStyle/>
+          <a:p>
+            <a:r>
+              <a:rPr lang="en-US" dirty="0" smtClean="0"/>
+              <a:t>Listen</a:t>
+            </a:r>
+            <a:endParaRPr lang="en-US" dirty="0"/>
+          </a:p>
+        </p:txBody>
+      </p:sp>
+      <p:sp>
+        <p:nvSpPr>
+          <p:cNvPr id="16" name="Rectangle 15"/>
+          <p:cNvSpPr/>
+          <p:nvPr/>
+        </p:nvSpPr>
+        <p:spPr>
+          <a:xfrm>
+            <a:off x="261257" y="1463040"/>
+            <a:ext cx="1018903" cy="3931920"/>
+          </a:xfrm>
+          <a:prstGeom prst="rect">
+            <a:avLst/>
+          </a:prstGeom>
+        </p:spPr>
+        <p:style>
+          <a:lnRef idx="2">
+            <a:schemeClr val="accent1"/>
+          </a:lnRef>
+          <a:fillRef idx="1">
+            <a:schemeClr val="lt1"/>
+          </a:fillRef>
+          <a:effectRef idx="0">
+            <a:schemeClr val="accent1"/>
+          </a:effectRef>
+          <a:fontRef idx="minor">
+            <a:schemeClr val="dk1"/>
+          </a:fontRef>
+        </p:style>
+        <p:txBody>
+          <a:bodyPr rtlCol="0" anchor="ctr"/>
+          <a:lstStyle/>
+          <a:p>
+            <a:pPr algn="ctr"/>
+            <a:endParaRPr lang="en-US"/>
+          </a:p>
+        </p:txBody>
+      </p:sp>
+      <p:sp>
+        <p:nvSpPr>
+          <p:cNvPr id="17" name="TextBox 16"/>
+          <p:cNvSpPr txBox="1"/>
+          <p:nvPr/>
+        </p:nvSpPr>
+        <p:spPr>
+          <a:xfrm>
+            <a:off x="539875" y="2788603"/>
+            <a:ext cx="461665" cy="3403826"/>
+          </a:xfrm>
+          <a:prstGeom prst="rect">
+            <a:avLst/>
+          </a:prstGeom>
+          <a:noFill/>
+        </p:spPr>
+        <p:txBody>
+          <a:bodyPr vert="eaVert" wrap="square" rtlCol="0">
+            <a:spAutoFit/>
+          </a:bodyPr>
+          <a:lstStyle/>
+          <a:p>
+            <a:r>
+              <a:rPr lang="en-US" dirty="0" err="1" smtClean="0"/>
+              <a:t>WikiPedia</a:t>
+            </a:r>
+            <a:endParaRPr lang="en-US" dirty="0"/>
+          </a:p>
+        </p:txBody>
+      </p:sp>
+      <p:sp>
+        <p:nvSpPr>
+          <p:cNvPr id="48" name="Rectangle 47"/>
+          <p:cNvSpPr/>
+          <p:nvPr/>
+        </p:nvSpPr>
+        <p:spPr>
+          <a:xfrm>
+            <a:off x="2641417" y="2621610"/>
+            <a:ext cx="2220685" cy="2076283"/>
+          </a:xfrm>
+          <a:prstGeom prst="rect">
+            <a:avLst/>
+          </a:prstGeom>
+          <a:ln>
+            <a:prstDash val="solid"/>
+          </a:ln>
+        </p:spPr>
+        <p:style>
+          <a:lnRef idx="2">
+            <a:schemeClr val="accent1"/>
+          </a:lnRef>
+          <a:fillRef idx="1">
+            <a:schemeClr val="lt1"/>
+          </a:fillRef>
+          <a:effectRef idx="0">
+            <a:schemeClr val="accent1"/>
+          </a:effectRef>
+          <a:fontRef idx="minor">
+            <a:schemeClr val="dk1"/>
+          </a:fontRef>
+        </p:style>
+        <p:txBody>
+          <a:bodyPr rtlCol="0" anchor="ctr"/>
+          <a:lstStyle/>
+          <a:p>
+            <a:pPr algn="ctr"/>
+            <a:endParaRPr lang="en-US"/>
+          </a:p>
+        </p:txBody>
+      </p:sp>
+      <p:sp>
+        <p:nvSpPr>
+          <p:cNvPr id="21" name="Rectangle 20"/>
+          <p:cNvSpPr/>
+          <p:nvPr/>
+        </p:nvSpPr>
+        <p:spPr>
+          <a:xfrm>
+            <a:off x="6073142" y="3090369"/>
+            <a:ext cx="2664822" cy="904909"/>
+          </a:xfrm>
+          <a:prstGeom prst="rect">
+            <a:avLst/>
+          </a:prstGeom>
+        </p:spPr>
+        <p:style>
+          <a:lnRef idx="2">
+            <a:schemeClr val="accent1"/>
+          </a:lnRef>
+          <a:fillRef idx="1">
+            <a:schemeClr val="lt1"/>
+          </a:fillRef>
+          <a:effectRef idx="0">
+            <a:schemeClr val="accent1"/>
+          </a:effectRef>
+          <a:fontRef idx="minor">
+            <a:schemeClr val="dk1"/>
+          </a:fontRef>
+        </p:style>
+        <p:txBody>
+          <a:bodyPr rtlCol="0" anchor="ctr"/>
+          <a:lstStyle/>
+          <a:p>
+            <a:pPr algn="ctr"/>
+            <a:endParaRPr lang="en-US" dirty="0"/>
+          </a:p>
+        </p:txBody>
+      </p:sp>
+      <p:sp>
+        <p:nvSpPr>
+          <p:cNvPr id="24" name="TextBox 23"/>
+          <p:cNvSpPr txBox="1"/>
+          <p:nvPr/>
+        </p:nvSpPr>
+        <p:spPr>
+          <a:xfrm>
+            <a:off x="6525090" y="3184680"/>
+            <a:ext cx="1593669" cy="646331"/>
+          </a:xfrm>
+          <a:prstGeom prst="rect">
+            <a:avLst/>
+          </a:prstGeom>
+          <a:noFill/>
+        </p:spPr>
+        <p:txBody>
+          <a:bodyPr wrap="square" rtlCol="0">
+            <a:spAutoFit/>
+          </a:bodyPr>
+          <a:lstStyle/>
+          <a:p>
+            <a:r>
+              <a:rPr lang="en-US" dirty="0" err="1" smtClean="0"/>
+              <a:t>WikipediaFeedStreamTask</a:t>
+            </a:r>
+            <a:endParaRPr lang="en-US" dirty="0"/>
+          </a:p>
+        </p:txBody>
+      </p:sp>
+      <p:cxnSp>
+        <p:nvCxnSpPr>
+          <p:cNvPr id="26" name="Straight Arrow Connector 25"/>
+          <p:cNvCxnSpPr>
+            <a:stCxn id="21" idx="3"/>
+          </p:cNvCxnSpPr>
+          <p:nvPr/>
+        </p:nvCxnSpPr>
+        <p:spPr>
+          <a:xfrm flipV="1">
+            <a:off x="8737964" y="3538078"/>
+            <a:ext cx="2289268" cy="4746"/>
+          </a:xfrm>
+          <a:prstGeom prst="straightConnector1">
+            <a:avLst/>
+          </a:prstGeom>
+          <a:ln>
+            <a:tailEnd type="triangle"/>
+          </a:ln>
+        </p:spPr>
+        <p:style>
+          <a:lnRef idx="1">
+            <a:schemeClr val="accent1"/>
+          </a:lnRef>
+          <a:fillRef idx="0">
+            <a:schemeClr val="accent1"/>
+          </a:fillRef>
+          <a:effectRef idx="0">
+            <a:schemeClr val="accent1"/>
+          </a:effectRef>
+          <a:fontRef idx="minor">
+            <a:schemeClr val="tx1"/>
+          </a:fontRef>
+        </p:style>
+      </p:cxnSp>
+      <p:sp>
+        <p:nvSpPr>
+          <p:cNvPr id="35" name="TextBox 34"/>
+          <p:cNvSpPr txBox="1"/>
+          <p:nvPr/>
+        </p:nvSpPr>
+        <p:spPr>
+          <a:xfrm>
+            <a:off x="8983524" y="3164817"/>
+            <a:ext cx="2314305" cy="369332"/>
+          </a:xfrm>
+          <a:prstGeom prst="rect">
+            <a:avLst/>
+          </a:prstGeom>
+          <a:noFill/>
+        </p:spPr>
+        <p:txBody>
+          <a:bodyPr wrap="square" rtlCol="0">
+            <a:spAutoFit/>
+          </a:bodyPr>
+          <a:lstStyle/>
+          <a:p>
+            <a:r>
+              <a:rPr lang="en-US" dirty="0" smtClean="0"/>
+              <a:t>Wikipedia-raw</a:t>
+            </a:r>
+            <a:endParaRPr lang="en-US" dirty="0"/>
+          </a:p>
+        </p:txBody>
+      </p:sp>
+      <p:sp>
+        <p:nvSpPr>
+          <p:cNvPr id="42" name="Rectangle 41"/>
+          <p:cNvSpPr/>
+          <p:nvPr/>
+        </p:nvSpPr>
+        <p:spPr>
+          <a:xfrm>
+            <a:off x="2921991" y="3265902"/>
+            <a:ext cx="1627070" cy="841056"/>
+          </a:xfrm>
+          <a:prstGeom prst="rect">
+            <a:avLst/>
+          </a:prstGeom>
+        </p:spPr>
+        <p:style>
+          <a:lnRef idx="2">
+            <a:schemeClr val="accent1"/>
+          </a:lnRef>
+          <a:fillRef idx="1">
+            <a:schemeClr val="lt1"/>
+          </a:fillRef>
+          <a:effectRef idx="0">
+            <a:schemeClr val="accent1"/>
+          </a:effectRef>
+          <a:fontRef idx="minor">
+            <a:schemeClr val="dk1"/>
+          </a:fontRef>
+        </p:style>
+        <p:txBody>
+          <a:bodyPr rtlCol="0" anchor="ctr"/>
+          <a:lstStyle/>
+          <a:p>
+            <a:pPr algn="ctr"/>
+            <a:endParaRPr lang="en-US" dirty="0"/>
+          </a:p>
+        </p:txBody>
+      </p:sp>
+      <p:sp>
+        <p:nvSpPr>
+          <p:cNvPr id="43" name="TextBox 42"/>
+          <p:cNvSpPr txBox="1"/>
+          <p:nvPr/>
+        </p:nvSpPr>
+        <p:spPr>
+          <a:xfrm>
+            <a:off x="2915562" y="3461679"/>
+            <a:ext cx="1703612" cy="369332"/>
+          </a:xfrm>
+          <a:prstGeom prst="rect">
+            <a:avLst/>
+          </a:prstGeom>
+          <a:noFill/>
+        </p:spPr>
+        <p:txBody>
+          <a:bodyPr wrap="square" rtlCol="0">
+            <a:spAutoFit/>
+          </a:bodyPr>
+          <a:lstStyle/>
+          <a:p>
+            <a:r>
+              <a:rPr lang="en-US" dirty="0" err="1" smtClean="0"/>
+              <a:t>WikipediaFeed</a:t>
+            </a:r>
+            <a:endParaRPr lang="en-US" dirty="0"/>
+          </a:p>
+        </p:txBody>
+      </p:sp>
+      <p:cxnSp>
+        <p:nvCxnSpPr>
+          <p:cNvPr id="14" name="Straight Arrow Connector 13"/>
+          <p:cNvCxnSpPr>
+            <a:stCxn id="16" idx="3"/>
+            <a:endCxn id="48" idx="1"/>
+          </p:cNvCxnSpPr>
+          <p:nvPr/>
+        </p:nvCxnSpPr>
+        <p:spPr>
+          <a:xfrm>
+            <a:off x="1280160" y="3429000"/>
+            <a:ext cx="1361257" cy="230752"/>
+          </a:xfrm>
+          <a:prstGeom prst="straightConnector1">
+            <a:avLst/>
+          </a:prstGeom>
+          <a:ln>
+            <a:headEnd type="triangle"/>
+            <a:tailEnd type="triangle"/>
+          </a:ln>
+        </p:spPr>
+        <p:style>
+          <a:lnRef idx="1">
+            <a:schemeClr val="accent1"/>
+          </a:lnRef>
+          <a:fillRef idx="0">
+            <a:schemeClr val="accent1"/>
+          </a:fillRef>
+          <a:effectRef idx="0">
+            <a:schemeClr val="accent1"/>
+          </a:effectRef>
+          <a:fontRef idx="minor">
+            <a:schemeClr val="tx1"/>
+          </a:fontRef>
+        </p:style>
+      </p:cxnSp>
+      <p:cxnSp>
+        <p:nvCxnSpPr>
+          <p:cNvPr id="20" name="Straight Arrow Connector 19"/>
+          <p:cNvCxnSpPr>
+            <a:stCxn id="48" idx="3"/>
+            <a:endCxn id="21" idx="1"/>
+          </p:cNvCxnSpPr>
+          <p:nvPr/>
+        </p:nvCxnSpPr>
+        <p:spPr>
+          <a:xfrm flipV="1">
+            <a:off x="4862102" y="3542824"/>
+            <a:ext cx="1211040" cy="116928"/>
+          </a:xfrm>
+          <a:prstGeom prst="straightConnector1">
+            <a:avLst/>
+          </a:prstGeom>
+          <a:ln>
+            <a:tailEnd type="triangle"/>
+          </a:ln>
+        </p:spPr>
+        <p:style>
+          <a:lnRef idx="1">
+            <a:schemeClr val="accent1"/>
+          </a:lnRef>
+          <a:fillRef idx="0">
+            <a:schemeClr val="accent1"/>
+          </a:fillRef>
+          <a:effectRef idx="0">
+            <a:schemeClr val="accent1"/>
+          </a:effectRef>
+          <a:fontRef idx="minor">
+            <a:schemeClr val="tx1"/>
+          </a:fontRef>
+        </p:style>
+      </p:cxnSp>
+      <p:sp>
+        <p:nvSpPr>
+          <p:cNvPr id="58" name="TextBox 57"/>
+          <p:cNvSpPr txBox="1"/>
+          <p:nvPr/>
+        </p:nvSpPr>
+        <p:spPr>
+          <a:xfrm>
+            <a:off x="2753144" y="2724287"/>
+            <a:ext cx="2108958" cy="369332"/>
+          </a:xfrm>
+          <a:prstGeom prst="rect">
+            <a:avLst/>
+          </a:prstGeom>
+          <a:noFill/>
+        </p:spPr>
+        <p:txBody>
+          <a:bodyPr wrap="square" rtlCol="0">
+            <a:spAutoFit/>
+          </a:bodyPr>
+          <a:lstStyle/>
+          <a:p>
+            <a:r>
+              <a:rPr lang="en-US" dirty="0" err="1" smtClean="0"/>
+              <a:t>WikipediaConsumer</a:t>
+            </a:r>
+            <a:endParaRPr lang="en-US" dirty="0"/>
+          </a:p>
+        </p:txBody>
+      </p:sp>
+      <p:sp>
+        <p:nvSpPr>
+          <p:cNvPr id="69" name="TextBox 68"/>
+          <p:cNvSpPr txBox="1"/>
+          <p:nvPr/>
+        </p:nvSpPr>
+        <p:spPr>
+          <a:xfrm>
+            <a:off x="4549061" y="1447924"/>
+            <a:ext cx="3535678" cy="369332"/>
+          </a:xfrm>
+          <a:prstGeom prst="rect">
+            <a:avLst/>
+          </a:prstGeom>
+          <a:noFill/>
+        </p:spPr>
+        <p:txBody>
+          <a:bodyPr wrap="square" rtlCol="0">
+            <a:spAutoFit/>
+          </a:bodyPr>
+          <a:lstStyle/>
+          <a:p>
+            <a:r>
+              <a:rPr lang="en-US" dirty="0" err="1" smtClean="0"/>
+              <a:t>WikipediaFeed</a:t>
+            </a:r>
+            <a:r>
+              <a:rPr lang="en-US" dirty="0" smtClean="0"/>
+              <a:t> Job</a:t>
+            </a:r>
+            <a:endParaRPr lang="en-US" dirty="0"/>
+          </a:p>
+        </p:txBody>
+      </p:sp>
+    </p:spTree>
+    <p:extLst>
+      <p:ext uri="{BB962C8B-B14F-4D97-AF65-F5344CB8AC3E}">
+        <p14:creationId xmlns:p14="http://schemas.microsoft.com/office/powerpoint/2010/main" val="544353580"/>
+      </p:ext>
+    </p:extLst>
+  </p:cSld>
+  <p:clrMapOvr>
+    <a:masterClrMapping/>
+  </p:clrMapOvr>
+</p:sld>
+</file>
+
+<file path=ppt/slides/slide15.xml><?xml version="1.0" encoding="utf-8"?>
+<p:sld xmlns:a="http://schemas.openxmlformats.org/drawingml/2006/main" xmlns:r="http://schemas.openxmlformats.org/officeDocument/2006/relationships" xmlns:p="http://schemas.openxmlformats.org/presentationml/2006/main">
+  <p:cSld>
+    <p:spTree>
+      <p:nvGrpSpPr>
+        <p:cNvPr id="1" name=""/>
+        <p:cNvGrpSpPr/>
+        <p:nvPr/>
+      </p:nvGrpSpPr>
+      <p:grpSpPr>
+        <a:xfrm>
+          <a:off x="0" y="0"/>
+          <a:ext cx="0" cy="0"/>
+          <a:chOff x="0" y="0"/>
+          <a:chExt cx="0" cy="0"/>
+        </a:xfrm>
+      </p:grpSpPr>
+      <p:sp>
+        <p:nvSpPr>
           <p:cNvPr id="2" name="Title 1"/>
           <p:cNvSpPr>
             <a:spLocks noGrp="1"/>
@@ -6556,7 +7124,7 @@
 </p:sld>
 </file>
 
-<file path=ppt/slides/slide15.xml><?xml version="1.0" encoding="utf-8"?>
+<file path=ppt/slides/slide16.xml><?xml version="1.0" encoding="utf-8"?>
 <p:sld xmlns:a="http://schemas.openxmlformats.org/drawingml/2006/main" xmlns:r="http://schemas.openxmlformats.org/officeDocument/2006/relationships" xmlns:p="http://schemas.openxmlformats.org/presentationml/2006/main">
   <p:cSld>
     <p:spTree>
@@ -13928,19 +14496,14 @@
             <p:ph type="title"/>
           </p:nvPr>
         </p:nvSpPr>
-        <p:spPr>
-          <a:xfrm>
-            <a:off x="196361" y="277201"/>
-            <a:ext cx="10515600" cy="1325563"/>
-          </a:xfrm>
-        </p:spPr>
+        <p:spPr/>
         <p:txBody>
           <a:bodyPr/>
           <a:lstStyle/>
           <a:p>
             <a:r>
-              <a:rPr lang="en-US" dirty="0" smtClean="0"/>
-              <a:t>Stand alone model with Zookeeper</a:t>
+              <a:rPr lang="en-US" altLang="zh-CN" dirty="0" err="1" smtClean="0"/>
+              <a:t>JobModelManager</a:t>
             </a:r>
             <a:endParaRPr lang="en-US" dirty="0"/>
           </a:p>
@@ -13954,17 +14517,12 @@
         </p:nvSpPr>
         <p:spPr>
           <a:xfrm>
-            <a:off x="1354016" y="1602764"/>
-            <a:ext cx="2813536" cy="903044"/>
-          </a:xfrm>
-          <a:prstGeom prst="rect">
-            <a:avLst/>
-          </a:prstGeom>
-          <a:ln>
-            <a:solidFill>
-              <a:schemeClr val="tx1"/>
-            </a:solidFill>
-          </a:ln>
+            <a:off x="5600701" y="2378112"/>
+            <a:ext cx="4140444" cy="2954215"/>
+          </a:xfrm>
+          <a:prstGeom prst="rect">
+            <a:avLst/>
+          </a:prstGeom>
         </p:spPr>
         <p:style>
           <a:lnRef idx="2">
@@ -13991,14 +14549,52 @@
       </p:sp>
       <p:sp>
         <p:nvSpPr>
-          <p:cNvPr id="4" name="TextBox 3"/>
+          <p:cNvPr id="4" name="Rectangle 3"/>
+          <p:cNvSpPr/>
+          <p:nvPr/>
+        </p:nvSpPr>
+        <p:spPr>
+          <a:xfrm>
+            <a:off x="6101861" y="2866182"/>
+            <a:ext cx="3141785" cy="2294902"/>
+          </a:xfrm>
+          <a:prstGeom prst="rect">
+            <a:avLst/>
+          </a:prstGeom>
+        </p:spPr>
+        <p:style>
+          <a:lnRef idx="2">
+            <a:schemeClr val="accent1"/>
+          </a:lnRef>
+          <a:fillRef idx="1">
+            <a:schemeClr val="lt1"/>
+          </a:fillRef>
+          <a:effectRef idx="0">
+            <a:schemeClr val="accent1"/>
+          </a:effectRef>
+          <a:fontRef idx="minor">
+            <a:schemeClr val="dk1"/>
+          </a:fontRef>
+        </p:style>
+        <p:txBody>
+          <a:bodyPr rtlCol="0" anchor="ctr"/>
+          <a:lstStyle/>
+          <a:p>
+            <a:pPr algn="ctr"/>
+            <a:endParaRPr lang="en-US"/>
+          </a:p>
+        </p:txBody>
+      </p:sp>
+      <p:sp>
+        <p:nvSpPr>
+          <p:cNvPr id="5" name="TextBox 4"/>
           <p:cNvSpPr txBox="1"/>
           <p:nvPr/>
         </p:nvSpPr>
         <p:spPr>
           <a:xfrm>
-            <a:off x="1329835" y="1602764"/>
-            <a:ext cx="2910253" cy="923330"/>
+            <a:off x="6646987" y="2958405"/>
+            <a:ext cx="2347546" cy="369332"/>
           </a:xfrm>
           <a:prstGeom prst="rect">
             <a:avLst/>
@@ -14011,32 +14607,243 @@
           </a:bodyPr>
           <a:lstStyle/>
           <a:p>
+            <a:r>
+              <a:rPr lang="en-US" dirty="0" err="1" smtClean="0"/>
+              <a:t>JobModelManager</a:t>
+            </a:r>
+            <a:endParaRPr lang="en-US" dirty="0"/>
+          </a:p>
+        </p:txBody>
+      </p:sp>
+      <p:sp>
+        <p:nvSpPr>
+          <p:cNvPr id="6" name="TextBox 5"/>
+          <p:cNvSpPr txBox="1"/>
+          <p:nvPr/>
+        </p:nvSpPr>
+        <p:spPr>
+          <a:xfrm>
+            <a:off x="6183924" y="2404627"/>
+            <a:ext cx="3059723" cy="369332"/>
+          </a:xfrm>
+          <a:prstGeom prst="rect">
+            <a:avLst/>
+          </a:prstGeom>
+          <a:noFill/>
+        </p:spPr>
+        <p:txBody>
+          <a:bodyPr wrap="square" rtlCol="0">
+            <a:spAutoFit/>
+          </a:bodyPr>
+          <a:lstStyle/>
+          <a:p>
+            <a:r>
+              <a:rPr lang="en-US" dirty="0" err="1" smtClean="0"/>
+              <a:t>ClusterBasedJobCoordinator</a:t>
+            </a:r>
+            <a:endParaRPr lang="en-US" dirty="0"/>
+          </a:p>
+        </p:txBody>
+      </p:sp>
+      <p:sp>
+        <p:nvSpPr>
+          <p:cNvPr id="7" name="Rectangle 6"/>
+          <p:cNvSpPr/>
+          <p:nvPr/>
+        </p:nvSpPr>
+        <p:spPr>
+          <a:xfrm>
+            <a:off x="6292361" y="3327737"/>
+            <a:ext cx="2760784" cy="527483"/>
+          </a:xfrm>
+          <a:prstGeom prst="rect">
+            <a:avLst/>
+          </a:prstGeom>
+        </p:spPr>
+        <p:style>
+          <a:lnRef idx="2">
+            <a:schemeClr val="accent1"/>
+          </a:lnRef>
+          <a:fillRef idx="1">
+            <a:schemeClr val="lt1"/>
+          </a:fillRef>
+          <a:effectRef idx="0">
+            <a:schemeClr val="accent1"/>
+          </a:effectRef>
+          <a:fontRef idx="minor">
+            <a:schemeClr val="dk1"/>
+          </a:fontRef>
+        </p:style>
+        <p:txBody>
+          <a:bodyPr rtlCol="0" anchor="ctr"/>
+          <a:lstStyle/>
+          <a:p>
             <a:pPr algn="ctr"/>
-            <a:r>
-              <a:rPr lang="en-US" dirty="0" err="1"/>
-              <a:t>ZkLocalApplication</a:t>
-            </a:r>
-            <a:endParaRPr lang="en-US" dirty="0"/>
-          </a:p>
-          <a:p>
-            <a:r>
-              <a:rPr lang="en-US" dirty="0"/>
-              <a:t>new </a:t>
-            </a:r>
-            <a:r>
-              <a:rPr lang="en-US" dirty="0" err="1"/>
-              <a:t>LocalApplicationRunner</a:t>
-            </a:r>
-            <a:endParaRPr lang="en-US" dirty="0"/>
-          </a:p>
-          <a:p>
-            <a:r>
-              <a:rPr lang="en-US" dirty="0"/>
-              <a:t>new </a:t>
-            </a:r>
-            <a:r>
-              <a:rPr lang="en-US" dirty="0" err="1"/>
-              <a:t>StreamApplication</a:t>
+            <a:endParaRPr lang="en-US"/>
+          </a:p>
+        </p:txBody>
+      </p:sp>
+      <p:sp>
+        <p:nvSpPr>
+          <p:cNvPr id="8" name="Rectangle 7"/>
+          <p:cNvSpPr/>
+          <p:nvPr/>
+        </p:nvSpPr>
+        <p:spPr>
+          <a:xfrm>
+            <a:off x="6292361" y="3914726"/>
+            <a:ext cx="2760784" cy="527483"/>
+          </a:xfrm>
+          <a:prstGeom prst="rect">
+            <a:avLst/>
+          </a:prstGeom>
+        </p:spPr>
+        <p:style>
+          <a:lnRef idx="2">
+            <a:schemeClr val="accent1"/>
+          </a:lnRef>
+          <a:fillRef idx="1">
+            <a:schemeClr val="lt1"/>
+          </a:fillRef>
+          <a:effectRef idx="0">
+            <a:schemeClr val="accent1"/>
+          </a:effectRef>
+          <a:fontRef idx="minor">
+            <a:schemeClr val="dk1"/>
+          </a:fontRef>
+        </p:style>
+        <p:txBody>
+          <a:bodyPr rtlCol="0" anchor="ctr"/>
+          <a:lstStyle/>
+          <a:p>
+            <a:pPr algn="ctr"/>
+            <a:endParaRPr lang="en-US"/>
+          </a:p>
+        </p:txBody>
+      </p:sp>
+      <p:sp>
+        <p:nvSpPr>
+          <p:cNvPr id="9" name="Rectangle 8"/>
+          <p:cNvSpPr/>
+          <p:nvPr/>
+        </p:nvSpPr>
+        <p:spPr>
+          <a:xfrm>
+            <a:off x="6292361" y="4505148"/>
+            <a:ext cx="2760784" cy="527483"/>
+          </a:xfrm>
+          <a:prstGeom prst="rect">
+            <a:avLst/>
+          </a:prstGeom>
+        </p:spPr>
+        <p:style>
+          <a:lnRef idx="2">
+            <a:schemeClr val="accent1"/>
+          </a:lnRef>
+          <a:fillRef idx="1">
+            <a:schemeClr val="lt1"/>
+          </a:fillRef>
+          <a:effectRef idx="0">
+            <a:schemeClr val="accent1"/>
+          </a:effectRef>
+          <a:fontRef idx="minor">
+            <a:schemeClr val="dk1"/>
+          </a:fontRef>
+        </p:style>
+        <p:txBody>
+          <a:bodyPr rtlCol="0" anchor="ctr"/>
+          <a:lstStyle/>
+          <a:p>
+            <a:pPr algn="ctr"/>
+            <a:endParaRPr lang="en-US"/>
+          </a:p>
+        </p:txBody>
+      </p:sp>
+      <p:sp>
+        <p:nvSpPr>
+          <p:cNvPr id="10" name="TextBox 9"/>
+          <p:cNvSpPr txBox="1"/>
+          <p:nvPr/>
+        </p:nvSpPr>
+        <p:spPr>
+          <a:xfrm>
+            <a:off x="7231674" y="3397773"/>
+            <a:ext cx="1916721" cy="369332"/>
+          </a:xfrm>
+          <a:prstGeom prst="rect">
+            <a:avLst/>
+          </a:prstGeom>
+          <a:noFill/>
+        </p:spPr>
+        <p:txBody>
+          <a:bodyPr wrap="square" rtlCol="0">
+            <a:spAutoFit/>
+          </a:bodyPr>
+          <a:lstStyle/>
+          <a:p>
+            <a:r>
+              <a:rPr lang="en-US" dirty="0" err="1" smtClean="0"/>
+              <a:t>Config</a:t>
+            </a:r>
+            <a:endParaRPr lang="en-US" dirty="0"/>
+          </a:p>
+        </p:txBody>
+      </p:sp>
+      <p:sp>
+        <p:nvSpPr>
+          <p:cNvPr id="11" name="TextBox 10"/>
+          <p:cNvSpPr txBox="1"/>
+          <p:nvPr/>
+        </p:nvSpPr>
+        <p:spPr>
+          <a:xfrm>
+            <a:off x="6289430" y="3947443"/>
+            <a:ext cx="2954216" cy="369332"/>
+          </a:xfrm>
+          <a:prstGeom prst="rect">
+            <a:avLst/>
+          </a:prstGeom>
+          <a:noFill/>
+        </p:spPr>
+        <p:txBody>
+          <a:bodyPr wrap="square" rtlCol="0">
+            <a:spAutoFit/>
+          </a:bodyPr>
+          <a:lstStyle/>
+          <a:p>
+            <a:r>
+              <a:rPr lang="en-US" dirty="0" err="1" smtClean="0"/>
+              <a:t>ChangelogPartitionManager</a:t>
+            </a:r>
+            <a:endParaRPr lang="en-US" dirty="0"/>
+          </a:p>
+        </p:txBody>
+      </p:sp>
+      <p:sp>
+        <p:nvSpPr>
+          <p:cNvPr id="12" name="TextBox 11"/>
+          <p:cNvSpPr txBox="1"/>
+          <p:nvPr/>
+        </p:nvSpPr>
+        <p:spPr>
+          <a:xfrm>
+            <a:off x="6786929" y="4567149"/>
+            <a:ext cx="2954216" cy="369332"/>
+          </a:xfrm>
+          <a:prstGeom prst="rect">
+            <a:avLst/>
+          </a:prstGeom>
+          <a:noFill/>
+        </p:spPr>
+        <p:txBody>
+          <a:bodyPr wrap="square" rtlCol="0">
+            <a:spAutoFit/>
+          </a:bodyPr>
+          <a:lstStyle/>
+          <a:p>
+            <a:r>
+              <a:rPr lang="en-US" dirty="0" err="1" smtClean="0"/>
+              <a:t>LocalityManager</a:t>
             </a:r>
             <a:endParaRPr lang="en-US" dirty="0"/>
           </a:p>
@@ -14044,17 +14851,17 @@
       </p:sp>
       <p:cxnSp>
         <p:nvCxnSpPr>
-          <p:cNvPr id="6" name="Straight Arrow Connector 5"/>
+          <p:cNvPr id="13" name="Straight Arrow Connector 12"/>
           <p:cNvCxnSpPr>
-            <a:stCxn id="3" idx="2"/>
-            <a:endCxn id="7" idx="0"/>
+            <a:stCxn id="15" idx="3"/>
+            <a:endCxn id="4" idx="1"/>
           </p:cNvCxnSpPr>
           <p:nvPr/>
         </p:nvCxnSpPr>
         <p:spPr>
           <a:xfrm>
-            <a:off x="2760784" y="2505808"/>
-            <a:ext cx="0" cy="695287"/>
+            <a:off x="3145094" y="4013633"/>
+            <a:ext cx="2956767" cy="0"/>
           </a:xfrm>
           <a:prstGeom prst="straightConnector1">
             <a:avLst/>
@@ -14078,258 +14885,16 @@
           </a:fontRef>
         </p:style>
       </p:cxnSp>
-      <p:grpSp>
-        <p:nvGrpSpPr>
-          <p:cNvPr id="28" name="Group 27"/>
-          <p:cNvGrpSpPr/>
-          <p:nvPr/>
-        </p:nvGrpSpPr>
-        <p:grpSpPr>
-          <a:xfrm>
-            <a:off x="1222679" y="3201095"/>
-            <a:ext cx="3076209" cy="825417"/>
-            <a:chOff x="1354016" y="3329090"/>
-            <a:chExt cx="2861893" cy="369332"/>
-          </a:xfrm>
-        </p:grpSpPr>
-        <p:sp>
-          <p:nvSpPr>
-            <p:cNvPr id="7" name="Rectangle 6"/>
-            <p:cNvSpPr/>
-            <p:nvPr/>
-          </p:nvSpPr>
-          <p:spPr>
-            <a:xfrm>
-              <a:off x="1354016" y="3329090"/>
-              <a:ext cx="2861893" cy="369332"/>
-            </a:xfrm>
-            <a:prstGeom prst="rect">
-              <a:avLst/>
-            </a:prstGeom>
-          </p:spPr>
-          <p:style>
-            <a:lnRef idx="2">
-              <a:schemeClr val="accent1"/>
-            </a:lnRef>
-            <a:fillRef idx="1">
-              <a:schemeClr val="lt1"/>
-            </a:fillRef>
-            <a:effectRef idx="0">
-              <a:schemeClr val="accent1"/>
-            </a:effectRef>
-            <a:fontRef idx="minor">
-              <a:schemeClr val="dk1"/>
-            </a:fontRef>
-          </p:style>
-          <p:txBody>
-            <a:bodyPr rtlCol="0" anchor="ctr"/>
-            <a:lstStyle/>
-            <a:p>
-              <a:pPr algn="ctr"/>
-              <a:endParaRPr lang="en-US"/>
-            </a:p>
-          </p:txBody>
-        </p:sp>
-        <p:sp>
-          <p:nvSpPr>
-            <p:cNvPr id="10" name="TextBox 9"/>
-            <p:cNvSpPr txBox="1"/>
-            <p:nvPr/>
-          </p:nvSpPr>
-          <p:spPr>
-            <a:xfrm>
-              <a:off x="1354016" y="3329090"/>
-              <a:ext cx="2826728" cy="263901"/>
-            </a:xfrm>
-            <a:prstGeom prst="rect">
-              <a:avLst/>
-            </a:prstGeom>
-            <a:noFill/>
-          </p:spPr>
-          <p:txBody>
-            <a:bodyPr wrap="square" rtlCol="0">
-              <a:spAutoFit/>
-            </a:bodyPr>
-            <a:lstStyle/>
-            <a:p>
-              <a:r>
-                <a:rPr lang="en-US" dirty="0" smtClean="0"/>
-                <a:t>LocalApplicationRunner.java</a:t>
-              </a:r>
-            </a:p>
-            <a:p>
-              <a:r>
-                <a:rPr lang="en-US" dirty="0" smtClean="0"/>
-                <a:t>run(</a:t>
-              </a:r>
-              <a:r>
-                <a:rPr lang="en-US" dirty="0" err="1" smtClean="0"/>
-                <a:t>StreamApplication</a:t>
-              </a:r>
-              <a:r>
-                <a:rPr lang="en-US" dirty="0" smtClean="0"/>
-                <a:t>)</a:t>
-              </a:r>
-              <a:endParaRPr lang="en-US" dirty="0"/>
-            </a:p>
-          </p:txBody>
-        </p:sp>
-      </p:grpSp>
-      <p:sp>
-        <p:nvSpPr>
-          <p:cNvPr id="29" name="TextBox 28"/>
+      <p:sp>
+        <p:nvSpPr>
+          <p:cNvPr id="14" name="TextBox 13"/>
           <p:cNvSpPr txBox="1"/>
           <p:nvPr/>
         </p:nvSpPr>
         <p:spPr>
           <a:xfrm>
-            <a:off x="3429000" y="3429138"/>
-            <a:ext cx="184731" cy="369332"/>
-          </a:xfrm>
-          <a:prstGeom prst="rect">
-            <a:avLst/>
-          </a:prstGeom>
-          <a:noFill/>
-        </p:spPr>
-        <p:txBody>
-          <a:bodyPr wrap="none" rtlCol="0">
-            <a:spAutoFit/>
-          </a:bodyPr>
-          <a:lstStyle/>
-          <a:p>
-            <a:endParaRPr lang="en-US" dirty="0"/>
-          </a:p>
-        </p:txBody>
-      </p:sp>
-      <p:cxnSp>
-        <p:nvCxnSpPr>
-          <p:cNvPr id="31" name="Straight Arrow Connector 30"/>
-          <p:cNvCxnSpPr>
-            <a:stCxn id="36" idx="2"/>
-            <a:endCxn id="32" idx="0"/>
-          </p:cNvCxnSpPr>
-          <p:nvPr/>
-        </p:nvCxnSpPr>
-        <p:spPr>
-          <a:xfrm flipH="1">
-            <a:off x="1267557" y="4701513"/>
-            <a:ext cx="1474327" cy="496903"/>
-          </a:xfrm>
-          <a:prstGeom prst="straightConnector1">
-            <a:avLst/>
-          </a:prstGeom>
-          <a:ln>
-            <a:tailEnd type="triangle"/>
-          </a:ln>
-        </p:spPr>
-        <p:style>
-          <a:lnRef idx="1">
-            <a:schemeClr val="accent1"/>
-          </a:lnRef>
-          <a:fillRef idx="0">
-            <a:schemeClr val="accent1"/>
-          </a:fillRef>
-          <a:effectRef idx="0">
-            <a:schemeClr val="accent1"/>
-          </a:effectRef>
-          <a:fontRef idx="minor">
-            <a:schemeClr val="tx1"/>
-          </a:fontRef>
-        </p:style>
-      </p:cxnSp>
-      <p:sp>
-        <p:nvSpPr>
-          <p:cNvPr id="32" name="Rectangle 31"/>
-          <p:cNvSpPr/>
-          <p:nvPr/>
-        </p:nvSpPr>
-        <p:spPr>
-          <a:xfrm>
-            <a:off x="196360" y="5198416"/>
-            <a:ext cx="2142393" cy="657261"/>
-          </a:xfrm>
-          <a:prstGeom prst="rect">
-            <a:avLst/>
-          </a:prstGeom>
-        </p:spPr>
-        <p:style>
-          <a:lnRef idx="2">
-            <a:schemeClr val="accent1"/>
-          </a:lnRef>
-          <a:fillRef idx="1">
-            <a:schemeClr val="lt1"/>
-          </a:fillRef>
-          <a:effectRef idx="0">
-            <a:schemeClr val="accent1"/>
-          </a:effectRef>
-          <a:fontRef idx="minor">
-            <a:schemeClr val="dk1"/>
-          </a:fontRef>
-        </p:style>
-        <p:txBody>
-          <a:bodyPr rtlCol="0" anchor="ctr"/>
-          <a:lstStyle/>
-          <a:p>
-            <a:pPr algn="ctr"/>
-            <a:endParaRPr lang="en-US" dirty="0"/>
-          </a:p>
-        </p:txBody>
-      </p:sp>
-      <p:sp>
-        <p:nvSpPr>
-          <p:cNvPr id="36" name="Rectangle 35"/>
-          <p:cNvSpPr/>
-          <p:nvPr/>
-        </p:nvSpPr>
-        <p:spPr>
-          <a:xfrm>
-            <a:off x="1150750" y="4026512"/>
-            <a:ext cx="3182267" cy="675001"/>
-          </a:xfrm>
-          <a:prstGeom prst="rect">
-            <a:avLst/>
-          </a:prstGeom>
-          <a:ln>
-            <a:prstDash val="dash"/>
-          </a:ln>
-        </p:spPr>
-        <p:style>
-          <a:lnRef idx="2">
-            <a:schemeClr val="accent1"/>
-          </a:lnRef>
-          <a:fillRef idx="1">
-            <a:schemeClr val="lt1"/>
-          </a:fillRef>
-          <a:effectRef idx="0">
-            <a:schemeClr val="accent1"/>
-          </a:effectRef>
-          <a:fontRef idx="minor">
-            <a:schemeClr val="dk1"/>
-          </a:fontRef>
-        </p:style>
-        <p:txBody>
-          <a:bodyPr rtlCol="0" anchor="ctr"/>
-          <a:lstStyle/>
-          <a:p>
-            <a:pPr algn="ctr"/>
-            <a:r>
-              <a:rPr lang="en-US" dirty="0" smtClean="0"/>
-              <a:t>AbstractApplicationRunner.java</a:t>
-            </a:r>
-            <a:endParaRPr lang="en-US" dirty="0"/>
-          </a:p>
-        </p:txBody>
-      </p:sp>
-      <p:sp>
-        <p:nvSpPr>
-          <p:cNvPr id="42" name="TextBox 41"/>
-          <p:cNvSpPr txBox="1"/>
-          <p:nvPr/>
-        </p:nvSpPr>
-        <p:spPr>
-          <a:xfrm>
-            <a:off x="231528" y="5342264"/>
-            <a:ext cx="2107225" cy="369332"/>
+            <a:off x="3844069" y="3367302"/>
+            <a:ext cx="1696915" cy="646331"/>
           </a:xfrm>
           <a:prstGeom prst="rect">
             <a:avLst/>
@@ -14344,58 +14909,22 @@
           <a:p>
             <a:r>
               <a:rPr lang="en-US" dirty="0" smtClean="0"/>
-              <a:t>StreamManager.java</a:t>
-            </a:r>
-            <a:endParaRPr lang="en-US" dirty="0"/>
-          </a:p>
-        </p:txBody>
-      </p:sp>
-      <p:cxnSp>
-        <p:nvCxnSpPr>
-          <p:cNvPr id="44" name="Straight Arrow Connector 43"/>
-          <p:cNvCxnSpPr>
-            <a:stCxn id="36" idx="2"/>
-            <a:endCxn id="47" idx="0"/>
-          </p:cNvCxnSpPr>
-          <p:nvPr/>
-        </p:nvCxnSpPr>
-        <p:spPr>
-          <a:xfrm>
-            <a:off x="2741884" y="4701513"/>
-            <a:ext cx="871847" cy="496903"/>
-          </a:xfrm>
-          <a:prstGeom prst="straightConnector1">
-            <a:avLst/>
-          </a:prstGeom>
-          <a:ln>
-            <a:tailEnd type="triangle"/>
-          </a:ln>
-        </p:spPr>
-        <p:style>
-          <a:lnRef idx="1">
-            <a:schemeClr val="accent1"/>
-          </a:lnRef>
-          <a:fillRef idx="0">
-            <a:schemeClr val="accent1"/>
-          </a:fillRef>
-          <a:effectRef idx="0">
-            <a:schemeClr val="accent1"/>
-          </a:effectRef>
-          <a:fontRef idx="minor">
-            <a:schemeClr val="tx1"/>
-          </a:fontRef>
-        </p:style>
-      </p:cxnSp>
-      <p:sp>
-        <p:nvSpPr>
-          <p:cNvPr id="47" name="Rectangle 46"/>
+              <a:t>Coordinator Stream</a:t>
+            </a:r>
+            <a:endParaRPr lang="en-US" dirty="0"/>
+          </a:p>
+        </p:txBody>
+      </p:sp>
+      <p:sp>
+        <p:nvSpPr>
+          <p:cNvPr id="15" name="Rectangle 14"/>
           <p:cNvSpPr/>
           <p:nvPr/>
         </p:nvSpPr>
         <p:spPr>
           <a:xfrm>
-            <a:off x="2542534" y="5198416"/>
-            <a:ext cx="2142393" cy="657261"/>
+            <a:off x="838200" y="3507603"/>
+            <a:ext cx="2306894" cy="1012059"/>
           </a:xfrm>
           <a:prstGeom prst="rect">
             <a:avLst/>
@@ -14420,20 +14949,20 @@
           <a:lstStyle/>
           <a:p>
             <a:pPr algn="ctr"/>
-            <a:endParaRPr lang="en-US" dirty="0"/>
-          </a:p>
-        </p:txBody>
-      </p:sp>
-      <p:sp>
-        <p:nvSpPr>
-          <p:cNvPr id="50" name="TextBox 49"/>
+            <a:endParaRPr lang="en-US"/>
+          </a:p>
+        </p:txBody>
+      </p:sp>
+      <p:sp>
+        <p:nvSpPr>
+          <p:cNvPr id="21" name="TextBox 20"/>
           <p:cNvSpPr txBox="1"/>
           <p:nvPr/>
         </p:nvSpPr>
         <p:spPr>
           <a:xfrm>
-            <a:off x="2502281" y="5342264"/>
-            <a:ext cx="2222898" cy="369332"/>
+            <a:off x="1358804" y="3815597"/>
+            <a:ext cx="1607703" cy="369332"/>
           </a:xfrm>
           <a:prstGeom prst="rect">
             <a:avLst/>
@@ -14447,8 +14976,8 @@
           <a:lstStyle/>
           <a:p>
             <a:r>
-              <a:rPr lang="en-US" dirty="0" smtClean="0"/>
-              <a:t>ExecutionPlanner.java</a:t>
+              <a:rPr lang="en-US" dirty="0" err="1" smtClean="0"/>
+              <a:t>JobRunner</a:t>
             </a:r>
             <a:endParaRPr lang="en-US" dirty="0"/>
           </a:p>
@@ -14457,7 +14986,7 @@
     </p:spTree>
     <p:extLst>
       <p:ext uri="{BB962C8B-B14F-4D97-AF65-F5344CB8AC3E}">
-        <p14:creationId xmlns:p14="http://schemas.microsoft.com/office/powerpoint/2010/main" val="2821675269"/>
+        <p14:creationId xmlns:p14="http://schemas.microsoft.com/office/powerpoint/2010/main" val="1693183173"/>
       </p:ext>
     </p:extLst>
   </p:cSld>

--- a/Documentation/SamzaStructure.pptx
+++ b/Documentation/SamzaStructure.pptx
@@ -5,7 +5,7 @@
     <p:sldMasterId id="2147483648" r:id="rId1"/>
   </p:sldMasterIdLst>
   <p:notesMasterIdLst>
-    <p:notesMasterId r:id="rId18"/>
+    <p:notesMasterId r:id="rId20"/>
   </p:notesMasterIdLst>
   <p:sldIdLst>
     <p:sldId id="256" r:id="rId2"/>
@@ -17,13 +17,15 @@
     <p:sldId id="258" r:id="rId8"/>
     <p:sldId id="268" r:id="rId9"/>
     <p:sldId id="272" r:id="rId10"/>
-    <p:sldId id="269" r:id="rId11"/>
-    <p:sldId id="271" r:id="rId12"/>
-    <p:sldId id="263" r:id="rId13"/>
-    <p:sldId id="264" r:id="rId14"/>
-    <p:sldId id="265" r:id="rId15"/>
-    <p:sldId id="266" r:id="rId16"/>
-    <p:sldId id="267" r:id="rId17"/>
+    <p:sldId id="273" r:id="rId11"/>
+    <p:sldId id="274" r:id="rId12"/>
+    <p:sldId id="269" r:id="rId13"/>
+    <p:sldId id="271" r:id="rId14"/>
+    <p:sldId id="263" r:id="rId15"/>
+    <p:sldId id="264" r:id="rId16"/>
+    <p:sldId id="265" r:id="rId17"/>
+    <p:sldId id="266" r:id="rId18"/>
+    <p:sldId id="267" r:id="rId19"/>
   </p:sldIdLst>
   <p:sldSz cx="12192000" cy="6858000"/>
   <p:notesSz cx="6858000" cy="9144000"/>
@@ -140,6 +142,8 @@
             <p14:sldId id="258"/>
             <p14:sldId id="268"/>
             <p14:sldId id="272"/>
+            <p14:sldId id="273"/>
+            <p14:sldId id="274"/>
           </p14:sldIdLst>
         </p14:section>
         <p14:section name="Stand alone job" id="{8995E547-06EC-4D59-8961-90CC66602883}">
@@ -252,7 +256,7 @@
           <a:p>
             <a:fld id="{B35ADF0B-9749-404D-9A56-8E2BD576143D}" type="datetimeFigureOut">
               <a:rPr lang="en-US" smtClean="0"/>
-              <a:t>12/6/2017</a:t>
+              <a:t>1/12/2018</a:t>
             </a:fld>
             <a:endParaRPr lang="en-US"/>
           </a:p>
@@ -669,7 +673,7 @@
           <a:p>
             <a:fld id="{339097E1-CCCB-4E56-BB56-9CF62DC970F1}" type="slidenum">
               <a:rPr lang="en-US" smtClean="0"/>
-              <a:t>13</a:t>
+              <a:t>15</a:t>
             </a:fld>
             <a:endParaRPr lang="en-US"/>
           </a:p>
@@ -819,7 +823,7 @@
           <a:p>
             <a:fld id="{7D2FF18F-DFC6-48DD-A8FE-22636A2E9C75}" type="datetimeFigureOut">
               <a:rPr lang="en-US" smtClean="0"/>
-              <a:t>12/6/2017</a:t>
+              <a:t>1/12/2018</a:t>
             </a:fld>
             <a:endParaRPr lang="en-US"/>
           </a:p>
@@ -989,7 +993,7 @@
           <a:p>
             <a:fld id="{7D2FF18F-DFC6-48DD-A8FE-22636A2E9C75}" type="datetimeFigureOut">
               <a:rPr lang="en-US" smtClean="0"/>
-              <a:t>12/6/2017</a:t>
+              <a:t>1/12/2018</a:t>
             </a:fld>
             <a:endParaRPr lang="en-US"/>
           </a:p>
@@ -1169,7 +1173,7 @@
           <a:p>
             <a:fld id="{7D2FF18F-DFC6-48DD-A8FE-22636A2E9C75}" type="datetimeFigureOut">
               <a:rPr lang="en-US" smtClean="0"/>
-              <a:t>12/6/2017</a:t>
+              <a:t>1/12/2018</a:t>
             </a:fld>
             <a:endParaRPr lang="en-US"/>
           </a:p>
@@ -1339,7 +1343,7 @@
           <a:p>
             <a:fld id="{7D2FF18F-DFC6-48DD-A8FE-22636A2E9C75}" type="datetimeFigureOut">
               <a:rPr lang="en-US" smtClean="0"/>
-              <a:t>12/6/2017</a:t>
+              <a:t>1/12/2018</a:t>
             </a:fld>
             <a:endParaRPr lang="en-US"/>
           </a:p>
@@ -1585,7 +1589,7 @@
           <a:p>
             <a:fld id="{7D2FF18F-DFC6-48DD-A8FE-22636A2E9C75}" type="datetimeFigureOut">
               <a:rPr lang="en-US" smtClean="0"/>
-              <a:t>12/6/2017</a:t>
+              <a:t>1/12/2018</a:t>
             </a:fld>
             <a:endParaRPr lang="en-US"/>
           </a:p>
@@ -1817,7 +1821,7 @@
           <a:p>
             <a:fld id="{7D2FF18F-DFC6-48DD-A8FE-22636A2E9C75}" type="datetimeFigureOut">
               <a:rPr lang="en-US" smtClean="0"/>
-              <a:t>12/6/2017</a:t>
+              <a:t>1/12/2018</a:t>
             </a:fld>
             <a:endParaRPr lang="en-US"/>
           </a:p>
@@ -2184,7 +2188,7 @@
           <a:p>
             <a:fld id="{7D2FF18F-DFC6-48DD-A8FE-22636A2E9C75}" type="datetimeFigureOut">
               <a:rPr lang="en-US" smtClean="0"/>
-              <a:t>12/6/2017</a:t>
+              <a:t>1/12/2018</a:t>
             </a:fld>
             <a:endParaRPr lang="en-US"/>
           </a:p>
@@ -2302,7 +2306,7 @@
           <a:p>
             <a:fld id="{7D2FF18F-DFC6-48DD-A8FE-22636A2E9C75}" type="datetimeFigureOut">
               <a:rPr lang="en-US" smtClean="0"/>
-              <a:t>12/6/2017</a:t>
+              <a:t>1/12/2018</a:t>
             </a:fld>
             <a:endParaRPr lang="en-US"/>
           </a:p>
@@ -2397,7 +2401,7 @@
           <a:p>
             <a:fld id="{7D2FF18F-DFC6-48DD-A8FE-22636A2E9C75}" type="datetimeFigureOut">
               <a:rPr lang="en-US" smtClean="0"/>
-              <a:t>12/6/2017</a:t>
+              <a:t>1/12/2018</a:t>
             </a:fld>
             <a:endParaRPr lang="en-US"/>
           </a:p>
@@ -2674,7 +2678,7 @@
           <a:p>
             <a:fld id="{7D2FF18F-DFC6-48DD-A8FE-22636A2E9C75}" type="datetimeFigureOut">
               <a:rPr lang="en-US" smtClean="0"/>
-              <a:t>12/6/2017</a:t>
+              <a:t>1/12/2018</a:t>
             </a:fld>
             <a:endParaRPr lang="en-US"/>
           </a:p>
@@ -2927,7 +2931,7 @@
           <a:p>
             <a:fld id="{7D2FF18F-DFC6-48DD-A8FE-22636A2E9C75}" type="datetimeFigureOut">
               <a:rPr lang="en-US" smtClean="0"/>
-              <a:t>12/6/2017</a:t>
+              <a:t>1/12/2018</a:t>
             </a:fld>
             <a:endParaRPr lang="en-US"/>
           </a:p>
@@ -3140,7 +3144,7 @@
           <a:p>
             <a:fld id="{7D2FF18F-DFC6-48DD-A8FE-22636A2E9C75}" type="datetimeFigureOut">
               <a:rPr lang="en-US" smtClean="0"/>
-              <a:t>12/6/2017</a:t>
+              <a:t>1/12/2018</a:t>
             </a:fld>
             <a:endParaRPr lang="en-US"/>
           </a:p>
@@ -3625,6 +3629,3395 @@
         </p:nvSpPr>
         <p:spPr>
           <a:xfrm>
+            <a:off x="149470" y="263769"/>
+            <a:ext cx="10515600" cy="175846"/>
+          </a:xfrm>
+        </p:spPr>
+        <p:txBody>
+          <a:bodyPr>
+            <a:normAutofit fontScale="90000"/>
+          </a:bodyPr>
+          <a:lstStyle/>
+          <a:p>
+            <a:r>
+              <a:rPr lang="en-US" dirty="0" smtClean="0"/>
+              <a:t>Complete Abstract</a:t>
+            </a:r>
+            <a:endParaRPr lang="en-US" dirty="0"/>
+          </a:p>
+        </p:txBody>
+      </p:sp>
+      <p:sp>
+        <p:nvSpPr>
+          <p:cNvPr id="4" name="Rectangle 3"/>
+          <p:cNvSpPr/>
+          <p:nvPr/>
+        </p:nvSpPr>
+        <p:spPr>
+          <a:xfrm>
+            <a:off x="2399567" y="958333"/>
+            <a:ext cx="1230923" cy="404446"/>
+          </a:xfrm>
+          <a:prstGeom prst="rect">
+            <a:avLst/>
+          </a:prstGeom>
+        </p:spPr>
+        <p:style>
+          <a:lnRef idx="2">
+            <a:schemeClr val="accent1"/>
+          </a:lnRef>
+          <a:fillRef idx="1">
+            <a:schemeClr val="lt1"/>
+          </a:fillRef>
+          <a:effectRef idx="0">
+            <a:schemeClr val="accent1"/>
+          </a:effectRef>
+          <a:fontRef idx="minor">
+            <a:schemeClr val="dk1"/>
+          </a:fontRef>
+        </p:style>
+        <p:txBody>
+          <a:bodyPr rtlCol="0" anchor="ctr"/>
+          <a:lstStyle/>
+          <a:p>
+            <a:pPr algn="ctr"/>
+            <a:r>
+              <a:rPr lang="en-US" dirty="0" smtClean="0"/>
+              <a:t>run-app.sh</a:t>
+            </a:r>
+            <a:endParaRPr lang="en-US" dirty="0"/>
+          </a:p>
+        </p:txBody>
+      </p:sp>
+      <p:sp>
+        <p:nvSpPr>
+          <p:cNvPr id="6" name="Rectangle 5"/>
+          <p:cNvSpPr/>
+          <p:nvPr/>
+        </p:nvSpPr>
+        <p:spPr>
+          <a:xfrm>
+            <a:off x="871171" y="958362"/>
+            <a:ext cx="1054345" cy="404446"/>
+          </a:xfrm>
+          <a:prstGeom prst="rect">
+            <a:avLst/>
+          </a:prstGeom>
+        </p:spPr>
+        <p:style>
+          <a:lnRef idx="2">
+            <a:schemeClr val="accent1"/>
+          </a:lnRef>
+          <a:fillRef idx="1">
+            <a:schemeClr val="lt1"/>
+          </a:fillRef>
+          <a:effectRef idx="0">
+            <a:schemeClr val="accent1"/>
+          </a:effectRef>
+          <a:fontRef idx="minor">
+            <a:schemeClr val="dk1"/>
+          </a:fontRef>
+        </p:style>
+        <p:txBody>
+          <a:bodyPr rtlCol="0" anchor="ctr"/>
+          <a:lstStyle/>
+          <a:p>
+            <a:pPr algn="ctr"/>
+            <a:endParaRPr lang="en-US" dirty="0"/>
+          </a:p>
+        </p:txBody>
+      </p:sp>
+      <p:sp>
+        <p:nvSpPr>
+          <p:cNvPr id="7" name="TextBox 6"/>
+          <p:cNvSpPr txBox="1"/>
+          <p:nvPr/>
+        </p:nvSpPr>
+        <p:spPr>
+          <a:xfrm>
+            <a:off x="851388" y="993476"/>
+            <a:ext cx="1230923" cy="369332"/>
+          </a:xfrm>
+          <a:prstGeom prst="rect">
+            <a:avLst/>
+          </a:prstGeom>
+          <a:noFill/>
+        </p:spPr>
+        <p:txBody>
+          <a:bodyPr wrap="square" rtlCol="0">
+            <a:spAutoFit/>
+          </a:bodyPr>
+          <a:lstStyle/>
+          <a:p>
+            <a:r>
+              <a:rPr lang="en-US" dirty="0" err="1" smtClean="0"/>
+              <a:t>config</a:t>
+            </a:r>
+            <a:r>
+              <a:rPr lang="en-US" dirty="0" smtClean="0"/>
+              <a:t> file</a:t>
+            </a:r>
+            <a:endParaRPr lang="en-US" dirty="0"/>
+          </a:p>
+        </p:txBody>
+      </p:sp>
+      <p:sp>
+        <p:nvSpPr>
+          <p:cNvPr id="8" name="Right Arrow 7"/>
+          <p:cNvSpPr/>
+          <p:nvPr/>
+        </p:nvSpPr>
+        <p:spPr>
+          <a:xfrm>
+            <a:off x="1925516" y="1037436"/>
+            <a:ext cx="483577" cy="246239"/>
+          </a:xfrm>
+          <a:prstGeom prst="rightArrow">
+            <a:avLst/>
+          </a:prstGeom>
+        </p:spPr>
+        <p:style>
+          <a:lnRef idx="2">
+            <a:schemeClr val="accent1"/>
+          </a:lnRef>
+          <a:fillRef idx="1">
+            <a:schemeClr val="lt1"/>
+          </a:fillRef>
+          <a:effectRef idx="0">
+            <a:schemeClr val="accent1"/>
+          </a:effectRef>
+          <a:fontRef idx="minor">
+            <a:schemeClr val="dk1"/>
+          </a:fontRef>
+        </p:style>
+        <p:txBody>
+          <a:bodyPr rtlCol="0" anchor="ctr"/>
+          <a:lstStyle/>
+          <a:p>
+            <a:pPr algn="ctr"/>
+            <a:endParaRPr lang="en-US"/>
+          </a:p>
+        </p:txBody>
+      </p:sp>
+      <p:cxnSp>
+        <p:nvCxnSpPr>
+          <p:cNvPr id="10" name="Straight Arrow Connector 9"/>
+          <p:cNvCxnSpPr>
+            <a:stCxn id="4" idx="3"/>
+            <a:endCxn id="11" idx="1"/>
+          </p:cNvCxnSpPr>
+          <p:nvPr/>
+        </p:nvCxnSpPr>
+        <p:spPr>
+          <a:xfrm>
+            <a:off x="3630490" y="1160556"/>
+            <a:ext cx="537064" cy="28"/>
+          </a:xfrm>
+          <a:prstGeom prst="straightConnector1">
+            <a:avLst/>
+          </a:prstGeom>
+          <a:ln>
+            <a:tailEnd type="triangle"/>
+          </a:ln>
+        </p:spPr>
+        <p:style>
+          <a:lnRef idx="1">
+            <a:schemeClr val="accent1"/>
+          </a:lnRef>
+          <a:fillRef idx="0">
+            <a:schemeClr val="accent1"/>
+          </a:fillRef>
+          <a:effectRef idx="0">
+            <a:schemeClr val="accent1"/>
+          </a:effectRef>
+          <a:fontRef idx="minor">
+            <a:schemeClr val="tx1"/>
+          </a:fontRef>
+        </p:style>
+      </p:cxnSp>
+      <p:sp>
+        <p:nvSpPr>
+          <p:cNvPr id="11" name="Rectangle 10"/>
+          <p:cNvSpPr/>
+          <p:nvPr/>
+        </p:nvSpPr>
+        <p:spPr>
+          <a:xfrm>
+            <a:off x="4167554" y="958361"/>
+            <a:ext cx="2417884" cy="404446"/>
+          </a:xfrm>
+          <a:prstGeom prst="rect">
+            <a:avLst/>
+          </a:prstGeom>
+        </p:spPr>
+        <p:style>
+          <a:lnRef idx="2">
+            <a:schemeClr val="accent1"/>
+          </a:lnRef>
+          <a:fillRef idx="1">
+            <a:schemeClr val="lt1"/>
+          </a:fillRef>
+          <a:effectRef idx="0">
+            <a:schemeClr val="accent1"/>
+          </a:effectRef>
+          <a:fontRef idx="minor">
+            <a:schemeClr val="dk1"/>
+          </a:fontRef>
+        </p:style>
+        <p:txBody>
+          <a:bodyPr rtlCol="0" anchor="ctr"/>
+          <a:lstStyle/>
+          <a:p>
+            <a:pPr algn="ctr"/>
+            <a:endParaRPr lang="en-US" dirty="0"/>
+          </a:p>
+        </p:txBody>
+      </p:sp>
+      <p:sp>
+        <p:nvSpPr>
+          <p:cNvPr id="13" name="TextBox 12"/>
+          <p:cNvSpPr txBox="1"/>
+          <p:nvPr/>
+        </p:nvSpPr>
+        <p:spPr>
+          <a:xfrm>
+            <a:off x="4167554" y="975918"/>
+            <a:ext cx="2417884" cy="369332"/>
+          </a:xfrm>
+          <a:prstGeom prst="rect">
+            <a:avLst/>
+          </a:prstGeom>
+          <a:noFill/>
+        </p:spPr>
+        <p:txBody>
+          <a:bodyPr wrap="square" rtlCol="0">
+            <a:spAutoFit/>
+          </a:bodyPr>
+          <a:lstStyle/>
+          <a:p>
+            <a:r>
+              <a:rPr lang="en-US" dirty="0" err="1" smtClean="0"/>
+              <a:t>ApplicationRunnerMain</a:t>
+            </a:r>
+            <a:endParaRPr lang="en-US" dirty="0"/>
+          </a:p>
+        </p:txBody>
+      </p:sp>
+      <p:sp>
+        <p:nvSpPr>
+          <p:cNvPr id="26" name="Rectangle 25"/>
+          <p:cNvSpPr/>
+          <p:nvPr/>
+        </p:nvSpPr>
+        <p:spPr>
+          <a:xfrm>
+            <a:off x="7903186" y="668175"/>
+            <a:ext cx="2686416" cy="984764"/>
+          </a:xfrm>
+          <a:prstGeom prst="rect">
+            <a:avLst/>
+          </a:prstGeom>
+        </p:spPr>
+        <p:style>
+          <a:lnRef idx="2">
+            <a:schemeClr val="accent1"/>
+          </a:lnRef>
+          <a:fillRef idx="1">
+            <a:schemeClr val="lt1"/>
+          </a:fillRef>
+          <a:effectRef idx="0">
+            <a:schemeClr val="accent1"/>
+          </a:effectRef>
+          <a:fontRef idx="minor">
+            <a:schemeClr val="dk1"/>
+          </a:fontRef>
+        </p:style>
+        <p:txBody>
+          <a:bodyPr rtlCol="0" anchor="ctr"/>
+          <a:lstStyle/>
+          <a:p>
+            <a:pPr algn="ctr"/>
+            <a:endParaRPr lang="en-US" dirty="0"/>
+          </a:p>
+        </p:txBody>
+      </p:sp>
+      <p:sp>
+        <p:nvSpPr>
+          <p:cNvPr id="27" name="TextBox 26"/>
+          <p:cNvSpPr txBox="1"/>
+          <p:nvPr/>
+        </p:nvSpPr>
+        <p:spPr>
+          <a:xfrm>
+            <a:off x="7903186" y="694568"/>
+            <a:ext cx="2663337" cy="369332"/>
+          </a:xfrm>
+          <a:prstGeom prst="rect">
+            <a:avLst/>
+          </a:prstGeom>
+          <a:noFill/>
+        </p:spPr>
+        <p:txBody>
+          <a:bodyPr wrap="square" rtlCol="0">
+            <a:spAutoFit/>
+          </a:bodyPr>
+          <a:lstStyle/>
+          <a:p>
+            <a:r>
+              <a:rPr lang="en-US" dirty="0" err="1" smtClean="0"/>
+              <a:t>RemoteApplicationRunner</a:t>
+            </a:r>
+            <a:endParaRPr lang="en-US" dirty="0"/>
+          </a:p>
+        </p:txBody>
+      </p:sp>
+      <p:cxnSp>
+        <p:nvCxnSpPr>
+          <p:cNvPr id="32" name="Straight Arrow Connector 31"/>
+          <p:cNvCxnSpPr>
+            <a:stCxn id="13" idx="3"/>
+            <a:endCxn id="26" idx="1"/>
+          </p:cNvCxnSpPr>
+          <p:nvPr/>
+        </p:nvCxnSpPr>
+        <p:spPr>
+          <a:xfrm flipV="1">
+            <a:off x="6585438" y="1160557"/>
+            <a:ext cx="1317748" cy="27"/>
+          </a:xfrm>
+          <a:prstGeom prst="straightConnector1">
+            <a:avLst/>
+          </a:prstGeom>
+          <a:ln>
+            <a:tailEnd type="triangle"/>
+          </a:ln>
+        </p:spPr>
+        <p:style>
+          <a:lnRef idx="1">
+            <a:schemeClr val="accent1"/>
+          </a:lnRef>
+          <a:fillRef idx="0">
+            <a:schemeClr val="accent1"/>
+          </a:fillRef>
+          <a:effectRef idx="0">
+            <a:schemeClr val="accent1"/>
+          </a:effectRef>
+          <a:fontRef idx="minor">
+            <a:schemeClr val="tx1"/>
+          </a:fontRef>
+        </p:style>
+      </p:cxnSp>
+      <p:sp>
+        <p:nvSpPr>
+          <p:cNvPr id="34" name="Rectangle 33"/>
+          <p:cNvSpPr/>
+          <p:nvPr/>
+        </p:nvSpPr>
+        <p:spPr>
+          <a:xfrm>
+            <a:off x="6692046" y="694568"/>
+            <a:ext cx="1054345" cy="404446"/>
+          </a:xfrm>
+          <a:prstGeom prst="rect">
+            <a:avLst/>
+          </a:prstGeom>
+        </p:spPr>
+        <p:style>
+          <a:lnRef idx="2">
+            <a:schemeClr val="accent1"/>
+          </a:lnRef>
+          <a:fillRef idx="1">
+            <a:schemeClr val="lt1"/>
+          </a:fillRef>
+          <a:effectRef idx="0">
+            <a:schemeClr val="accent1"/>
+          </a:effectRef>
+          <a:fontRef idx="minor">
+            <a:schemeClr val="dk1"/>
+          </a:fontRef>
+        </p:style>
+        <p:txBody>
+          <a:bodyPr rtlCol="0" anchor="ctr"/>
+          <a:lstStyle/>
+          <a:p>
+            <a:pPr algn="ctr"/>
+            <a:endParaRPr lang="en-US" dirty="0"/>
+          </a:p>
+        </p:txBody>
+      </p:sp>
+      <p:sp>
+        <p:nvSpPr>
+          <p:cNvPr id="35" name="TextBox 34"/>
+          <p:cNvSpPr txBox="1"/>
+          <p:nvPr/>
+        </p:nvSpPr>
+        <p:spPr>
+          <a:xfrm>
+            <a:off x="6696809" y="707652"/>
+            <a:ext cx="1230923" cy="369332"/>
+          </a:xfrm>
+          <a:prstGeom prst="rect">
+            <a:avLst/>
+          </a:prstGeom>
+          <a:noFill/>
+        </p:spPr>
+        <p:txBody>
+          <a:bodyPr wrap="square" rtlCol="0">
+            <a:spAutoFit/>
+          </a:bodyPr>
+          <a:lstStyle/>
+          <a:p>
+            <a:r>
+              <a:rPr lang="en-US" dirty="0" err="1" smtClean="0"/>
+              <a:t>config</a:t>
+            </a:r>
+            <a:r>
+              <a:rPr lang="en-US" dirty="0" smtClean="0"/>
+              <a:t> file</a:t>
+            </a:r>
+            <a:endParaRPr lang="en-US" dirty="0"/>
+          </a:p>
+        </p:txBody>
+      </p:sp>
+      <p:sp>
+        <p:nvSpPr>
+          <p:cNvPr id="57" name="Rectangle 56"/>
+          <p:cNvSpPr/>
+          <p:nvPr/>
+        </p:nvSpPr>
+        <p:spPr>
+          <a:xfrm>
+            <a:off x="8363316" y="1169394"/>
+            <a:ext cx="1823483" cy="404446"/>
+          </a:xfrm>
+          <a:prstGeom prst="rect">
+            <a:avLst/>
+          </a:prstGeom>
+        </p:spPr>
+        <p:style>
+          <a:lnRef idx="2">
+            <a:schemeClr val="accent1"/>
+          </a:lnRef>
+          <a:fillRef idx="1">
+            <a:schemeClr val="lt1"/>
+          </a:fillRef>
+          <a:effectRef idx="0">
+            <a:schemeClr val="accent1"/>
+          </a:effectRef>
+          <a:fontRef idx="minor">
+            <a:schemeClr val="dk1"/>
+          </a:fontRef>
+        </p:style>
+        <p:txBody>
+          <a:bodyPr rtlCol="0" anchor="ctr"/>
+          <a:lstStyle/>
+          <a:p>
+            <a:pPr algn="ctr"/>
+            <a:endParaRPr lang="en-US" dirty="0"/>
+          </a:p>
+        </p:txBody>
+      </p:sp>
+      <p:sp>
+        <p:nvSpPr>
+          <p:cNvPr id="58" name="TextBox 57"/>
+          <p:cNvSpPr txBox="1"/>
+          <p:nvPr/>
+        </p:nvSpPr>
+        <p:spPr>
+          <a:xfrm>
+            <a:off x="8363316" y="1186951"/>
+            <a:ext cx="1823483" cy="369332"/>
+          </a:xfrm>
+          <a:prstGeom prst="rect">
+            <a:avLst/>
+          </a:prstGeom>
+          <a:noFill/>
+        </p:spPr>
+        <p:txBody>
+          <a:bodyPr wrap="square" rtlCol="0">
+            <a:spAutoFit/>
+          </a:bodyPr>
+          <a:lstStyle/>
+          <a:p>
+            <a:r>
+              <a:rPr lang="en-US" dirty="0" err="1" smtClean="0"/>
+              <a:t>ExecutionPlanner</a:t>
+            </a:r>
+            <a:endParaRPr lang="en-US" dirty="0"/>
+          </a:p>
+        </p:txBody>
+      </p:sp>
+      <p:cxnSp>
+        <p:nvCxnSpPr>
+          <p:cNvPr id="64" name="Elbow Connector 63"/>
+          <p:cNvCxnSpPr>
+            <a:stCxn id="26" idx="2"/>
+            <a:endCxn id="71" idx="0"/>
+          </p:cNvCxnSpPr>
+          <p:nvPr/>
+        </p:nvCxnSpPr>
+        <p:spPr>
+          <a:xfrm rot="5400000">
+            <a:off x="6224246" y="-828531"/>
+            <a:ext cx="540678" cy="5503619"/>
+          </a:xfrm>
+          <a:prstGeom prst="bentConnector3">
+            <a:avLst>
+              <a:gd name="adj1" fmla="val 50000"/>
+            </a:avLst>
+          </a:prstGeom>
+          <a:ln>
+            <a:tailEnd type="triangle"/>
+          </a:ln>
+        </p:spPr>
+        <p:style>
+          <a:lnRef idx="1">
+            <a:schemeClr val="accent1"/>
+          </a:lnRef>
+          <a:fillRef idx="0">
+            <a:schemeClr val="accent1"/>
+          </a:fillRef>
+          <a:effectRef idx="0">
+            <a:schemeClr val="accent1"/>
+          </a:effectRef>
+          <a:fontRef idx="minor">
+            <a:schemeClr val="tx1"/>
+          </a:fontRef>
+        </p:style>
+      </p:cxnSp>
+      <p:sp>
+        <p:nvSpPr>
+          <p:cNvPr id="71" name="Rectangle 70"/>
+          <p:cNvSpPr/>
+          <p:nvPr/>
+        </p:nvSpPr>
+        <p:spPr>
+          <a:xfrm>
+            <a:off x="2399567" y="2193617"/>
+            <a:ext cx="2686416" cy="1683791"/>
+          </a:xfrm>
+          <a:prstGeom prst="rect">
+            <a:avLst/>
+          </a:prstGeom>
+        </p:spPr>
+        <p:style>
+          <a:lnRef idx="2">
+            <a:schemeClr val="accent1"/>
+          </a:lnRef>
+          <a:fillRef idx="1">
+            <a:schemeClr val="lt1"/>
+          </a:fillRef>
+          <a:effectRef idx="0">
+            <a:schemeClr val="accent1"/>
+          </a:effectRef>
+          <a:fontRef idx="minor">
+            <a:schemeClr val="dk1"/>
+          </a:fontRef>
+        </p:style>
+        <p:txBody>
+          <a:bodyPr rtlCol="0" anchor="ctr"/>
+          <a:lstStyle/>
+          <a:p>
+            <a:pPr algn="ctr"/>
+            <a:endParaRPr lang="en-US" dirty="0"/>
+          </a:p>
+        </p:txBody>
+      </p:sp>
+      <p:sp>
+        <p:nvSpPr>
+          <p:cNvPr id="72" name="TextBox 71"/>
+          <p:cNvSpPr txBox="1"/>
+          <p:nvPr/>
+        </p:nvSpPr>
+        <p:spPr>
+          <a:xfrm>
+            <a:off x="2399567" y="2131976"/>
+            <a:ext cx="2663337" cy="369332"/>
+          </a:xfrm>
+          <a:prstGeom prst="rect">
+            <a:avLst/>
+          </a:prstGeom>
+          <a:noFill/>
+        </p:spPr>
+        <p:txBody>
+          <a:bodyPr wrap="square" rtlCol="0">
+            <a:spAutoFit/>
+          </a:bodyPr>
+          <a:lstStyle/>
+          <a:p>
+            <a:pPr algn="ctr"/>
+            <a:r>
+              <a:rPr lang="en-US" altLang="zh-CN" dirty="0" err="1" smtClean="0"/>
+              <a:t>JobRunner</a:t>
+            </a:r>
+            <a:endParaRPr lang="en-US" dirty="0"/>
+          </a:p>
+        </p:txBody>
+      </p:sp>
+      <p:sp>
+        <p:nvSpPr>
+          <p:cNvPr id="77" name="Rounded Rectangle 76"/>
+          <p:cNvSpPr/>
+          <p:nvPr/>
+        </p:nvSpPr>
+        <p:spPr>
+          <a:xfrm>
+            <a:off x="0" y="2356239"/>
+            <a:ext cx="1090245" cy="1345323"/>
+          </a:xfrm>
+          <a:prstGeom prst="roundRect">
+            <a:avLst/>
+          </a:prstGeom>
+        </p:spPr>
+        <p:style>
+          <a:lnRef idx="2">
+            <a:schemeClr val="accent1"/>
+          </a:lnRef>
+          <a:fillRef idx="1">
+            <a:schemeClr val="lt1"/>
+          </a:fillRef>
+          <a:effectRef idx="0">
+            <a:schemeClr val="accent1"/>
+          </a:effectRef>
+          <a:fontRef idx="minor">
+            <a:schemeClr val="dk1"/>
+          </a:fontRef>
+        </p:style>
+        <p:txBody>
+          <a:bodyPr rtlCol="0" anchor="ctr"/>
+          <a:lstStyle/>
+          <a:p>
+            <a:pPr algn="ctr"/>
+            <a:endParaRPr lang="en-US"/>
+          </a:p>
+        </p:txBody>
+      </p:sp>
+      <p:sp>
+        <p:nvSpPr>
+          <p:cNvPr id="78" name="TextBox 77"/>
+          <p:cNvSpPr txBox="1"/>
+          <p:nvPr/>
+        </p:nvSpPr>
+        <p:spPr>
+          <a:xfrm>
+            <a:off x="43960" y="2571648"/>
+            <a:ext cx="1046285" cy="923330"/>
+          </a:xfrm>
+          <a:prstGeom prst="rect">
+            <a:avLst/>
+          </a:prstGeom>
+          <a:noFill/>
+        </p:spPr>
+        <p:txBody>
+          <a:bodyPr wrap="square" rtlCol="0">
+            <a:spAutoFit/>
+          </a:bodyPr>
+          <a:lstStyle/>
+          <a:p>
+            <a:r>
+              <a:rPr lang="en-US" dirty="0" err="1" smtClean="0"/>
+              <a:t>CoordinatorSystemStream</a:t>
+            </a:r>
+            <a:endParaRPr lang="en-US" dirty="0"/>
+          </a:p>
+        </p:txBody>
+      </p:sp>
+      <p:cxnSp>
+        <p:nvCxnSpPr>
+          <p:cNvPr id="85" name="Straight Arrow Connector 84"/>
+          <p:cNvCxnSpPr>
+            <a:stCxn id="71" idx="1"/>
+            <a:endCxn id="78" idx="3"/>
+          </p:cNvCxnSpPr>
+          <p:nvPr/>
+        </p:nvCxnSpPr>
+        <p:spPr>
+          <a:xfrm flipH="1" flipV="1">
+            <a:off x="1090245" y="3033313"/>
+            <a:ext cx="1309322" cy="2200"/>
+          </a:xfrm>
+          <a:prstGeom prst="straightConnector1">
+            <a:avLst/>
+          </a:prstGeom>
+          <a:ln>
+            <a:headEnd type="triangle"/>
+            <a:tailEnd type="triangle"/>
+          </a:ln>
+        </p:spPr>
+        <p:style>
+          <a:lnRef idx="1">
+            <a:schemeClr val="accent1"/>
+          </a:lnRef>
+          <a:fillRef idx="0">
+            <a:schemeClr val="accent1"/>
+          </a:fillRef>
+          <a:effectRef idx="0">
+            <a:schemeClr val="accent1"/>
+          </a:effectRef>
+          <a:fontRef idx="minor">
+            <a:schemeClr val="tx1"/>
+          </a:fontRef>
+        </p:style>
+      </p:cxnSp>
+      <p:sp>
+        <p:nvSpPr>
+          <p:cNvPr id="87" name="TextBox 86"/>
+          <p:cNvSpPr txBox="1"/>
+          <p:nvPr/>
+        </p:nvSpPr>
+        <p:spPr>
+          <a:xfrm>
+            <a:off x="1542683" y="566974"/>
+            <a:ext cx="1939071" cy="307777"/>
+          </a:xfrm>
+          <a:prstGeom prst="rect">
+            <a:avLst/>
+          </a:prstGeom>
+          <a:noFill/>
+        </p:spPr>
+        <p:txBody>
+          <a:bodyPr wrap="square" rtlCol="0">
+            <a:spAutoFit/>
+          </a:bodyPr>
+          <a:lstStyle/>
+          <a:p>
+            <a:r>
+              <a:rPr lang="en-US" sz="1400" dirty="0" smtClean="0"/>
+              <a:t>submit application</a:t>
+            </a:r>
+            <a:endParaRPr lang="en-US" sz="1400" dirty="0"/>
+          </a:p>
+        </p:txBody>
+      </p:sp>
+      <p:sp>
+        <p:nvSpPr>
+          <p:cNvPr id="88" name="TextBox 87"/>
+          <p:cNvSpPr txBox="1"/>
+          <p:nvPr/>
+        </p:nvSpPr>
+        <p:spPr>
+          <a:xfrm>
+            <a:off x="1059106" y="2149571"/>
+            <a:ext cx="1371600" cy="523220"/>
+          </a:xfrm>
+          <a:prstGeom prst="rect">
+            <a:avLst/>
+          </a:prstGeom>
+          <a:noFill/>
+        </p:spPr>
+        <p:txBody>
+          <a:bodyPr wrap="square" rtlCol="0">
+            <a:spAutoFit/>
+          </a:bodyPr>
+          <a:lstStyle/>
+          <a:p>
+            <a:r>
+              <a:rPr lang="en-US" sz="1400" dirty="0" smtClean="0"/>
+              <a:t>Read old </a:t>
+            </a:r>
+            <a:r>
+              <a:rPr lang="en-US" sz="1400" dirty="0" err="1" smtClean="0"/>
+              <a:t>configs</a:t>
+            </a:r>
+            <a:endParaRPr lang="en-US" sz="1400" dirty="0" smtClean="0"/>
+          </a:p>
+          <a:p>
+            <a:r>
+              <a:rPr lang="en-US" sz="1400" dirty="0" smtClean="0"/>
+              <a:t>Write  </a:t>
+            </a:r>
+            <a:r>
+              <a:rPr lang="en-US" sz="1400" dirty="0" err="1" smtClean="0"/>
+              <a:t>configs</a:t>
+            </a:r>
+            <a:endParaRPr lang="en-US" sz="1400" dirty="0"/>
+          </a:p>
+        </p:txBody>
+      </p:sp>
+      <p:sp>
+        <p:nvSpPr>
+          <p:cNvPr id="95" name="Rectangle 94"/>
+          <p:cNvSpPr/>
+          <p:nvPr/>
+        </p:nvSpPr>
+        <p:spPr>
+          <a:xfrm>
+            <a:off x="2451588" y="2454801"/>
+            <a:ext cx="2576879" cy="404446"/>
+          </a:xfrm>
+          <a:prstGeom prst="rect">
+            <a:avLst/>
+          </a:prstGeom>
+        </p:spPr>
+        <p:style>
+          <a:lnRef idx="2">
+            <a:schemeClr val="accent1"/>
+          </a:lnRef>
+          <a:fillRef idx="1">
+            <a:schemeClr val="lt1"/>
+          </a:fillRef>
+          <a:effectRef idx="0">
+            <a:schemeClr val="accent1"/>
+          </a:effectRef>
+          <a:fontRef idx="minor">
+            <a:schemeClr val="dk1"/>
+          </a:fontRef>
+        </p:style>
+        <p:txBody>
+          <a:bodyPr rtlCol="0" anchor="ctr"/>
+          <a:lstStyle/>
+          <a:p>
+            <a:pPr algn="ctr"/>
+            <a:endParaRPr lang="en-US" dirty="0"/>
+          </a:p>
+        </p:txBody>
+      </p:sp>
+      <p:sp>
+        <p:nvSpPr>
+          <p:cNvPr id="96" name="TextBox 95"/>
+          <p:cNvSpPr txBox="1"/>
+          <p:nvPr/>
+        </p:nvSpPr>
+        <p:spPr>
+          <a:xfrm>
+            <a:off x="2451588" y="2472358"/>
+            <a:ext cx="2576879" cy="338554"/>
+          </a:xfrm>
+          <a:prstGeom prst="rect">
+            <a:avLst/>
+          </a:prstGeom>
+          <a:noFill/>
+        </p:spPr>
+        <p:txBody>
+          <a:bodyPr wrap="square" rtlCol="0">
+            <a:spAutoFit/>
+          </a:bodyPr>
+          <a:lstStyle/>
+          <a:p>
+            <a:r>
+              <a:rPr lang="en-US" sz="1600" dirty="0" err="1" smtClean="0"/>
+              <a:t>coordinatorSystemProducer</a:t>
+            </a:r>
+            <a:endParaRPr lang="en-US" sz="1600" dirty="0"/>
+          </a:p>
+        </p:txBody>
+      </p:sp>
+      <p:sp>
+        <p:nvSpPr>
+          <p:cNvPr id="97" name="Rectangle 96"/>
+          <p:cNvSpPr/>
+          <p:nvPr/>
+        </p:nvSpPr>
+        <p:spPr>
+          <a:xfrm>
+            <a:off x="2451588" y="2918551"/>
+            <a:ext cx="2576879" cy="404446"/>
+          </a:xfrm>
+          <a:prstGeom prst="rect">
+            <a:avLst/>
+          </a:prstGeom>
+        </p:spPr>
+        <p:style>
+          <a:lnRef idx="2">
+            <a:schemeClr val="accent1"/>
+          </a:lnRef>
+          <a:fillRef idx="1">
+            <a:schemeClr val="lt1"/>
+          </a:fillRef>
+          <a:effectRef idx="0">
+            <a:schemeClr val="accent1"/>
+          </a:effectRef>
+          <a:fontRef idx="minor">
+            <a:schemeClr val="dk1"/>
+          </a:fontRef>
+        </p:style>
+        <p:txBody>
+          <a:bodyPr rtlCol="0" anchor="ctr"/>
+          <a:lstStyle/>
+          <a:p>
+            <a:pPr algn="ctr"/>
+            <a:endParaRPr lang="en-US" dirty="0"/>
+          </a:p>
+        </p:txBody>
+      </p:sp>
+      <p:sp>
+        <p:nvSpPr>
+          <p:cNvPr id="98" name="TextBox 97"/>
+          <p:cNvSpPr txBox="1"/>
+          <p:nvPr/>
+        </p:nvSpPr>
+        <p:spPr>
+          <a:xfrm>
+            <a:off x="2451588" y="2936108"/>
+            <a:ext cx="2611316" cy="338554"/>
+          </a:xfrm>
+          <a:prstGeom prst="rect">
+            <a:avLst/>
+          </a:prstGeom>
+          <a:noFill/>
+        </p:spPr>
+        <p:txBody>
+          <a:bodyPr wrap="square" rtlCol="0">
+            <a:spAutoFit/>
+          </a:bodyPr>
+          <a:lstStyle/>
+          <a:p>
+            <a:r>
+              <a:rPr lang="en-US" sz="1600" dirty="0" err="1" smtClean="0"/>
+              <a:t>coordinatorSystem</a:t>
+            </a:r>
+            <a:r>
+              <a:rPr lang="en-US" altLang="zh-CN" sz="1600" dirty="0" err="1" smtClean="0"/>
+              <a:t>Consumer</a:t>
+            </a:r>
+            <a:endParaRPr lang="en-US" sz="1600" dirty="0"/>
+          </a:p>
+        </p:txBody>
+      </p:sp>
+      <p:sp>
+        <p:nvSpPr>
+          <p:cNvPr id="105" name="Rectangle 104"/>
+          <p:cNvSpPr/>
+          <p:nvPr/>
+        </p:nvSpPr>
+        <p:spPr>
+          <a:xfrm>
+            <a:off x="2451588" y="3404590"/>
+            <a:ext cx="2576879" cy="404446"/>
+          </a:xfrm>
+          <a:prstGeom prst="rect">
+            <a:avLst/>
+          </a:prstGeom>
+        </p:spPr>
+        <p:style>
+          <a:lnRef idx="2">
+            <a:schemeClr val="accent1"/>
+          </a:lnRef>
+          <a:fillRef idx="1">
+            <a:schemeClr val="lt1"/>
+          </a:fillRef>
+          <a:effectRef idx="0">
+            <a:schemeClr val="accent1"/>
+          </a:effectRef>
+          <a:fontRef idx="minor">
+            <a:schemeClr val="dk1"/>
+          </a:fontRef>
+        </p:style>
+        <p:txBody>
+          <a:bodyPr rtlCol="0" anchor="ctr"/>
+          <a:lstStyle/>
+          <a:p>
+            <a:pPr algn="ctr"/>
+            <a:endParaRPr lang="en-US" dirty="0"/>
+          </a:p>
+        </p:txBody>
+      </p:sp>
+      <p:sp>
+        <p:nvSpPr>
+          <p:cNvPr id="106" name="TextBox 105"/>
+          <p:cNvSpPr txBox="1"/>
+          <p:nvPr/>
+        </p:nvSpPr>
+        <p:spPr>
+          <a:xfrm>
+            <a:off x="2451588" y="3422147"/>
+            <a:ext cx="2576879" cy="338554"/>
+          </a:xfrm>
+          <a:prstGeom prst="rect">
+            <a:avLst/>
+          </a:prstGeom>
+          <a:noFill/>
+        </p:spPr>
+        <p:txBody>
+          <a:bodyPr wrap="square" rtlCol="0">
+            <a:spAutoFit/>
+          </a:bodyPr>
+          <a:lstStyle/>
+          <a:p>
+            <a:pPr algn="ctr"/>
+            <a:r>
+              <a:rPr lang="en-US" sz="1600" dirty="0" err="1" smtClean="0"/>
+              <a:t>YarnJob</a:t>
+            </a:r>
+            <a:endParaRPr lang="en-US" sz="1600" dirty="0"/>
+          </a:p>
+        </p:txBody>
+      </p:sp>
+      <p:cxnSp>
+        <p:nvCxnSpPr>
+          <p:cNvPr id="108" name="Straight Arrow Connector 107"/>
+          <p:cNvCxnSpPr>
+            <a:stCxn id="106" idx="3"/>
+            <a:endCxn id="113" idx="1"/>
+          </p:cNvCxnSpPr>
+          <p:nvPr/>
+        </p:nvCxnSpPr>
+        <p:spPr>
+          <a:xfrm flipV="1">
+            <a:off x="5028467" y="3012306"/>
+            <a:ext cx="1556971" cy="579118"/>
+          </a:xfrm>
+          <a:prstGeom prst="straightConnector1">
+            <a:avLst/>
+          </a:prstGeom>
+          <a:ln>
+            <a:tailEnd type="triangle"/>
+          </a:ln>
+        </p:spPr>
+        <p:style>
+          <a:lnRef idx="1">
+            <a:schemeClr val="accent1"/>
+          </a:lnRef>
+          <a:fillRef idx="0">
+            <a:schemeClr val="accent1"/>
+          </a:fillRef>
+          <a:effectRef idx="0">
+            <a:schemeClr val="accent1"/>
+          </a:effectRef>
+          <a:fontRef idx="minor">
+            <a:schemeClr val="tx1"/>
+          </a:fontRef>
+        </p:style>
+      </p:cxnSp>
+      <p:sp>
+        <p:nvSpPr>
+          <p:cNvPr id="113" name="Rectangle 112"/>
+          <p:cNvSpPr/>
+          <p:nvPr/>
+        </p:nvSpPr>
+        <p:spPr>
+          <a:xfrm>
+            <a:off x="6585438" y="2410974"/>
+            <a:ext cx="2673962" cy="1202664"/>
+          </a:xfrm>
+          <a:prstGeom prst="rect">
+            <a:avLst/>
+          </a:prstGeom>
+        </p:spPr>
+        <p:style>
+          <a:lnRef idx="2">
+            <a:schemeClr val="accent1"/>
+          </a:lnRef>
+          <a:fillRef idx="1">
+            <a:schemeClr val="lt1"/>
+          </a:fillRef>
+          <a:effectRef idx="0">
+            <a:schemeClr val="accent1"/>
+          </a:effectRef>
+          <a:fontRef idx="minor">
+            <a:schemeClr val="dk1"/>
+          </a:fontRef>
+        </p:style>
+        <p:txBody>
+          <a:bodyPr rtlCol="0" anchor="ctr"/>
+          <a:lstStyle/>
+          <a:p>
+            <a:pPr algn="ctr"/>
+            <a:endParaRPr lang="en-US" dirty="0"/>
+          </a:p>
+        </p:txBody>
+      </p:sp>
+      <p:sp>
+        <p:nvSpPr>
+          <p:cNvPr id="114" name="TextBox 113"/>
+          <p:cNvSpPr txBox="1"/>
+          <p:nvPr/>
+        </p:nvSpPr>
+        <p:spPr>
+          <a:xfrm>
+            <a:off x="6596063" y="2367056"/>
+            <a:ext cx="2663337" cy="369332"/>
+          </a:xfrm>
+          <a:prstGeom prst="rect">
+            <a:avLst/>
+          </a:prstGeom>
+          <a:noFill/>
+        </p:spPr>
+        <p:txBody>
+          <a:bodyPr wrap="square" rtlCol="0">
+            <a:spAutoFit/>
+          </a:bodyPr>
+          <a:lstStyle/>
+          <a:p>
+            <a:pPr algn="ctr"/>
+            <a:r>
+              <a:rPr lang="en-US" altLang="zh-CN" dirty="0" err="1" smtClean="0"/>
+              <a:t>ClientHelper</a:t>
+            </a:r>
+            <a:endParaRPr lang="en-US" dirty="0"/>
+          </a:p>
+        </p:txBody>
+      </p:sp>
+      <p:sp>
+        <p:nvSpPr>
+          <p:cNvPr id="115" name="TextBox 114"/>
+          <p:cNvSpPr txBox="1"/>
+          <p:nvPr/>
+        </p:nvSpPr>
+        <p:spPr>
+          <a:xfrm>
+            <a:off x="5181325" y="2410974"/>
+            <a:ext cx="1308771" cy="954107"/>
+          </a:xfrm>
+          <a:prstGeom prst="rect">
+            <a:avLst/>
+          </a:prstGeom>
+          <a:noFill/>
+        </p:spPr>
+        <p:txBody>
+          <a:bodyPr wrap="square" rtlCol="0">
+            <a:spAutoFit/>
+          </a:bodyPr>
+          <a:lstStyle/>
+          <a:p>
+            <a:r>
+              <a:rPr lang="en-US" sz="1400" dirty="0" smtClean="0"/>
+              <a:t>submit </a:t>
+            </a:r>
+            <a:r>
+              <a:rPr lang="en-US" sz="1400" dirty="0" err="1" smtClean="0"/>
+              <a:t>JavaEnv</a:t>
+            </a:r>
+            <a:r>
+              <a:rPr lang="en-US" sz="1400" dirty="0" smtClean="0"/>
+              <a:t>, commands,</a:t>
+            </a:r>
+          </a:p>
+          <a:p>
+            <a:r>
+              <a:rPr lang="en-US" sz="1400" dirty="0" err="1" smtClean="0"/>
+              <a:t>configs</a:t>
+            </a:r>
+            <a:endParaRPr lang="en-US" sz="1400" dirty="0"/>
+          </a:p>
+        </p:txBody>
+      </p:sp>
+      <p:sp>
+        <p:nvSpPr>
+          <p:cNvPr id="117" name="Rectangle 116"/>
+          <p:cNvSpPr/>
+          <p:nvPr/>
+        </p:nvSpPr>
+        <p:spPr>
+          <a:xfrm>
+            <a:off x="6640206" y="2710101"/>
+            <a:ext cx="2576879" cy="404446"/>
+          </a:xfrm>
+          <a:prstGeom prst="rect">
+            <a:avLst/>
+          </a:prstGeom>
+        </p:spPr>
+        <p:style>
+          <a:lnRef idx="2">
+            <a:schemeClr val="accent1"/>
+          </a:lnRef>
+          <a:fillRef idx="1">
+            <a:schemeClr val="lt1"/>
+          </a:fillRef>
+          <a:effectRef idx="0">
+            <a:schemeClr val="accent1"/>
+          </a:effectRef>
+          <a:fontRef idx="minor">
+            <a:schemeClr val="dk1"/>
+          </a:fontRef>
+        </p:style>
+        <p:txBody>
+          <a:bodyPr rtlCol="0" anchor="ctr"/>
+          <a:lstStyle/>
+          <a:p>
+            <a:pPr algn="ctr"/>
+            <a:endParaRPr lang="en-US" dirty="0"/>
+          </a:p>
+        </p:txBody>
+      </p:sp>
+      <p:sp>
+        <p:nvSpPr>
+          <p:cNvPr id="118" name="TextBox 117"/>
+          <p:cNvSpPr txBox="1"/>
+          <p:nvPr/>
+        </p:nvSpPr>
+        <p:spPr>
+          <a:xfrm>
+            <a:off x="6640206" y="2727658"/>
+            <a:ext cx="2576879" cy="338554"/>
+          </a:xfrm>
+          <a:prstGeom prst="rect">
+            <a:avLst/>
+          </a:prstGeom>
+          <a:noFill/>
+        </p:spPr>
+        <p:txBody>
+          <a:bodyPr wrap="square" rtlCol="0">
+            <a:spAutoFit/>
+          </a:bodyPr>
+          <a:lstStyle/>
+          <a:p>
+            <a:pPr algn="ctr"/>
+            <a:r>
+              <a:rPr lang="en-US" sz="1600" dirty="0" err="1" smtClean="0"/>
+              <a:t>ApplicationContext</a:t>
+            </a:r>
+            <a:endParaRPr lang="en-US" sz="1600" dirty="0"/>
+          </a:p>
+        </p:txBody>
+      </p:sp>
+      <p:sp>
+        <p:nvSpPr>
+          <p:cNvPr id="119" name="Rectangle 118"/>
+          <p:cNvSpPr/>
+          <p:nvPr/>
+        </p:nvSpPr>
+        <p:spPr>
+          <a:xfrm>
+            <a:off x="6637459" y="3136055"/>
+            <a:ext cx="2576879" cy="404446"/>
+          </a:xfrm>
+          <a:prstGeom prst="rect">
+            <a:avLst/>
+          </a:prstGeom>
+        </p:spPr>
+        <p:style>
+          <a:lnRef idx="2">
+            <a:schemeClr val="accent1"/>
+          </a:lnRef>
+          <a:fillRef idx="1">
+            <a:schemeClr val="lt1"/>
+          </a:fillRef>
+          <a:effectRef idx="0">
+            <a:schemeClr val="accent1"/>
+          </a:effectRef>
+          <a:fontRef idx="minor">
+            <a:schemeClr val="dk1"/>
+          </a:fontRef>
+        </p:style>
+        <p:txBody>
+          <a:bodyPr rtlCol="0" anchor="ctr"/>
+          <a:lstStyle/>
+          <a:p>
+            <a:pPr algn="ctr"/>
+            <a:endParaRPr lang="en-US" dirty="0"/>
+          </a:p>
+        </p:txBody>
+      </p:sp>
+      <p:sp>
+        <p:nvSpPr>
+          <p:cNvPr id="120" name="TextBox 119"/>
+          <p:cNvSpPr txBox="1"/>
+          <p:nvPr/>
+        </p:nvSpPr>
+        <p:spPr>
+          <a:xfrm>
+            <a:off x="6637459" y="3153612"/>
+            <a:ext cx="2576879" cy="338554"/>
+          </a:xfrm>
+          <a:prstGeom prst="rect">
+            <a:avLst/>
+          </a:prstGeom>
+          <a:noFill/>
+        </p:spPr>
+        <p:txBody>
+          <a:bodyPr wrap="square" rtlCol="0">
+            <a:spAutoFit/>
+          </a:bodyPr>
+          <a:lstStyle/>
+          <a:p>
+            <a:pPr algn="ctr"/>
+            <a:r>
+              <a:rPr lang="en-US" sz="1600" dirty="0" err="1" smtClean="0"/>
+              <a:t>YarnClient</a:t>
+            </a:r>
+            <a:endParaRPr lang="en-US" sz="1600" dirty="0"/>
+          </a:p>
+        </p:txBody>
+      </p:sp>
+      <p:cxnSp>
+        <p:nvCxnSpPr>
+          <p:cNvPr id="123" name="Straight Arrow Connector 122"/>
+          <p:cNvCxnSpPr>
+            <a:stCxn id="120" idx="3"/>
+            <a:endCxn id="124" idx="1"/>
+          </p:cNvCxnSpPr>
+          <p:nvPr/>
+        </p:nvCxnSpPr>
+        <p:spPr>
+          <a:xfrm flipV="1">
+            <a:off x="9214338" y="2887846"/>
+            <a:ext cx="972461" cy="435043"/>
+          </a:xfrm>
+          <a:prstGeom prst="straightConnector1">
+            <a:avLst/>
+          </a:prstGeom>
+          <a:ln>
+            <a:tailEnd type="triangle"/>
+          </a:ln>
+        </p:spPr>
+        <p:style>
+          <a:lnRef idx="1">
+            <a:schemeClr val="accent1"/>
+          </a:lnRef>
+          <a:fillRef idx="0">
+            <a:schemeClr val="accent1"/>
+          </a:fillRef>
+          <a:effectRef idx="0">
+            <a:schemeClr val="accent1"/>
+          </a:effectRef>
+          <a:fontRef idx="minor">
+            <a:schemeClr val="tx1"/>
+          </a:fontRef>
+        </p:style>
+      </p:cxnSp>
+      <p:sp>
+        <p:nvSpPr>
+          <p:cNvPr id="124" name="Rectangle 123"/>
+          <p:cNvSpPr/>
+          <p:nvPr/>
+        </p:nvSpPr>
+        <p:spPr>
+          <a:xfrm>
+            <a:off x="10186799" y="2685623"/>
+            <a:ext cx="1230923" cy="404446"/>
+          </a:xfrm>
+          <a:prstGeom prst="rect">
+            <a:avLst/>
+          </a:prstGeom>
+        </p:spPr>
+        <p:style>
+          <a:lnRef idx="2">
+            <a:schemeClr val="accent1"/>
+          </a:lnRef>
+          <a:fillRef idx="1">
+            <a:schemeClr val="lt1"/>
+          </a:fillRef>
+          <a:effectRef idx="0">
+            <a:schemeClr val="accent1"/>
+          </a:effectRef>
+          <a:fontRef idx="minor">
+            <a:schemeClr val="dk1"/>
+          </a:fontRef>
+        </p:style>
+        <p:txBody>
+          <a:bodyPr rtlCol="0" anchor="ctr"/>
+          <a:lstStyle/>
+          <a:p>
+            <a:pPr algn="ctr"/>
+            <a:r>
+              <a:rPr lang="en-US" dirty="0" smtClean="0"/>
+              <a:t>run-jc.sh</a:t>
+            </a:r>
+            <a:endParaRPr lang="en-US" dirty="0"/>
+          </a:p>
+        </p:txBody>
+      </p:sp>
+      <p:cxnSp>
+        <p:nvCxnSpPr>
+          <p:cNvPr id="127" name="Elbow Connector 126"/>
+          <p:cNvCxnSpPr>
+            <a:stCxn id="124" idx="2"/>
+            <a:endCxn id="130" idx="0"/>
+          </p:cNvCxnSpPr>
+          <p:nvPr/>
+        </p:nvCxnSpPr>
+        <p:spPr>
+          <a:xfrm rot="5400000">
+            <a:off x="6437713" y="-217127"/>
+            <a:ext cx="1057352" cy="7671744"/>
+          </a:xfrm>
+          <a:prstGeom prst="bentConnector3">
+            <a:avLst>
+              <a:gd name="adj1" fmla="val 97398"/>
+            </a:avLst>
+          </a:prstGeom>
+          <a:ln>
+            <a:tailEnd type="triangle"/>
+          </a:ln>
+        </p:spPr>
+        <p:style>
+          <a:lnRef idx="1">
+            <a:schemeClr val="accent1"/>
+          </a:lnRef>
+          <a:fillRef idx="0">
+            <a:schemeClr val="accent1"/>
+          </a:fillRef>
+          <a:effectRef idx="0">
+            <a:schemeClr val="accent1"/>
+          </a:effectRef>
+          <a:fontRef idx="minor">
+            <a:schemeClr val="tx1"/>
+          </a:fontRef>
+        </p:style>
+      </p:cxnSp>
+      <p:sp>
+        <p:nvSpPr>
+          <p:cNvPr id="129" name="Rectangle 128"/>
+          <p:cNvSpPr/>
+          <p:nvPr/>
+        </p:nvSpPr>
+        <p:spPr>
+          <a:xfrm>
+            <a:off x="1751866" y="4165268"/>
+            <a:ext cx="2797692" cy="1875047"/>
+          </a:xfrm>
+          <a:prstGeom prst="rect">
+            <a:avLst/>
+          </a:prstGeom>
+        </p:spPr>
+        <p:style>
+          <a:lnRef idx="2">
+            <a:schemeClr val="accent1"/>
+          </a:lnRef>
+          <a:fillRef idx="1">
+            <a:schemeClr val="lt1"/>
+          </a:fillRef>
+          <a:effectRef idx="0">
+            <a:schemeClr val="accent1"/>
+          </a:effectRef>
+          <a:fontRef idx="minor">
+            <a:schemeClr val="dk1"/>
+          </a:fontRef>
+        </p:style>
+        <p:txBody>
+          <a:bodyPr rtlCol="0" anchor="ctr"/>
+          <a:lstStyle/>
+          <a:p>
+            <a:pPr algn="ctr"/>
+            <a:endParaRPr lang="en-US" dirty="0"/>
+          </a:p>
+        </p:txBody>
+      </p:sp>
+      <p:sp>
+        <p:nvSpPr>
+          <p:cNvPr id="130" name="TextBox 129"/>
+          <p:cNvSpPr txBox="1"/>
+          <p:nvPr/>
+        </p:nvSpPr>
+        <p:spPr>
+          <a:xfrm>
+            <a:off x="1711475" y="4147421"/>
+            <a:ext cx="2838083" cy="369332"/>
+          </a:xfrm>
+          <a:prstGeom prst="rect">
+            <a:avLst/>
+          </a:prstGeom>
+          <a:noFill/>
+        </p:spPr>
+        <p:txBody>
+          <a:bodyPr wrap="square" rtlCol="0">
+            <a:spAutoFit/>
+          </a:bodyPr>
+          <a:lstStyle/>
+          <a:p>
+            <a:pPr algn="ctr"/>
+            <a:r>
+              <a:rPr lang="en-US" altLang="zh-CN" dirty="0" err="1" smtClean="0"/>
+              <a:t>ClusterBasedJobCoordinator</a:t>
+            </a:r>
+            <a:endParaRPr lang="en-US" dirty="0"/>
+          </a:p>
+        </p:txBody>
+      </p:sp>
+      <p:sp>
+        <p:nvSpPr>
+          <p:cNvPr id="133" name="TextBox 132"/>
+          <p:cNvSpPr txBox="1"/>
+          <p:nvPr/>
+        </p:nvSpPr>
+        <p:spPr>
+          <a:xfrm rot="20382992">
+            <a:off x="9321801" y="2688381"/>
+            <a:ext cx="856970" cy="307777"/>
+          </a:xfrm>
+          <a:prstGeom prst="rect">
+            <a:avLst/>
+          </a:prstGeom>
+          <a:noFill/>
+        </p:spPr>
+        <p:txBody>
+          <a:bodyPr wrap="square" rtlCol="0">
+            <a:spAutoFit/>
+          </a:bodyPr>
+          <a:lstStyle/>
+          <a:p>
+            <a:r>
+              <a:rPr lang="en-US" sz="1400" dirty="0" smtClean="0"/>
+              <a:t>submit</a:t>
+            </a:r>
+            <a:endParaRPr lang="en-US" sz="1400" dirty="0"/>
+          </a:p>
+        </p:txBody>
+      </p:sp>
+      <p:cxnSp>
+        <p:nvCxnSpPr>
+          <p:cNvPr id="142" name="Elbow Connector 141"/>
+          <p:cNvCxnSpPr/>
+          <p:nvPr/>
+        </p:nvCxnSpPr>
+        <p:spPr>
+          <a:xfrm rot="10800000" flipV="1">
+            <a:off x="1711476" y="2356238"/>
+            <a:ext cx="7705087" cy="1598931"/>
+          </a:xfrm>
+          <a:prstGeom prst="bentConnector3">
+            <a:avLst>
+              <a:gd name="adj1" fmla="val 134"/>
+            </a:avLst>
+          </a:prstGeom>
+          <a:ln>
+            <a:solidFill>
+              <a:srgbClr val="FF0000"/>
+            </a:solidFill>
+            <a:prstDash val="dash"/>
+          </a:ln>
+        </p:spPr>
+        <p:style>
+          <a:lnRef idx="1">
+            <a:schemeClr val="accent1"/>
+          </a:lnRef>
+          <a:fillRef idx="0">
+            <a:schemeClr val="accent1"/>
+          </a:fillRef>
+          <a:effectRef idx="0">
+            <a:schemeClr val="accent1"/>
+          </a:effectRef>
+          <a:fontRef idx="minor">
+            <a:schemeClr val="tx1"/>
+          </a:fontRef>
+        </p:style>
+      </p:cxnSp>
+      <p:sp>
+        <p:nvSpPr>
+          <p:cNvPr id="149" name="TextBox 148"/>
+          <p:cNvSpPr txBox="1"/>
+          <p:nvPr/>
+        </p:nvSpPr>
+        <p:spPr>
+          <a:xfrm>
+            <a:off x="8685678" y="3653470"/>
+            <a:ext cx="744002" cy="307777"/>
+          </a:xfrm>
+          <a:prstGeom prst="rect">
+            <a:avLst/>
+          </a:prstGeom>
+          <a:noFill/>
+        </p:spPr>
+        <p:txBody>
+          <a:bodyPr wrap="square" rtlCol="0">
+            <a:spAutoFit/>
+          </a:bodyPr>
+          <a:lstStyle/>
+          <a:p>
+            <a:r>
+              <a:rPr lang="en-US" sz="1400" dirty="0" smtClean="0"/>
+              <a:t>Local</a:t>
+            </a:r>
+            <a:endParaRPr lang="en-US" sz="1400" dirty="0"/>
+          </a:p>
+        </p:txBody>
+      </p:sp>
+      <p:sp>
+        <p:nvSpPr>
+          <p:cNvPr id="150" name="TextBox 149"/>
+          <p:cNvSpPr txBox="1"/>
+          <p:nvPr/>
+        </p:nvSpPr>
+        <p:spPr>
+          <a:xfrm>
+            <a:off x="9416563" y="3671250"/>
+            <a:ext cx="1939071" cy="307777"/>
+          </a:xfrm>
+          <a:prstGeom prst="rect">
+            <a:avLst/>
+          </a:prstGeom>
+          <a:noFill/>
+        </p:spPr>
+        <p:txBody>
+          <a:bodyPr wrap="square" rtlCol="0">
+            <a:spAutoFit/>
+          </a:bodyPr>
+          <a:lstStyle/>
+          <a:p>
+            <a:r>
+              <a:rPr lang="en-US" sz="1400" dirty="0" smtClean="0"/>
+              <a:t>AM container</a:t>
+            </a:r>
+            <a:endParaRPr lang="en-US" sz="1400" dirty="0"/>
+          </a:p>
+        </p:txBody>
+      </p:sp>
+      <p:cxnSp>
+        <p:nvCxnSpPr>
+          <p:cNvPr id="153" name="Straight Connector 152"/>
+          <p:cNvCxnSpPr/>
+          <p:nvPr/>
+        </p:nvCxnSpPr>
+        <p:spPr>
+          <a:xfrm flipV="1">
+            <a:off x="9416563" y="2350161"/>
+            <a:ext cx="2497014" cy="6077"/>
+          </a:xfrm>
+          <a:prstGeom prst="line">
+            <a:avLst/>
+          </a:prstGeom>
+          <a:ln>
+            <a:solidFill>
+              <a:srgbClr val="FF0000"/>
+            </a:solidFill>
+            <a:prstDash val="dash"/>
+          </a:ln>
+        </p:spPr>
+        <p:style>
+          <a:lnRef idx="1">
+            <a:schemeClr val="accent1"/>
+          </a:lnRef>
+          <a:fillRef idx="0">
+            <a:schemeClr val="accent1"/>
+          </a:fillRef>
+          <a:effectRef idx="0">
+            <a:schemeClr val="accent1"/>
+          </a:effectRef>
+          <a:fontRef idx="minor">
+            <a:schemeClr val="tx1"/>
+          </a:fontRef>
+        </p:style>
+      </p:cxnSp>
+      <p:cxnSp>
+        <p:nvCxnSpPr>
+          <p:cNvPr id="159" name="Straight Arrow Connector 158"/>
+          <p:cNvCxnSpPr>
+            <a:stCxn id="129" idx="1"/>
+            <a:endCxn id="78" idx="3"/>
+          </p:cNvCxnSpPr>
+          <p:nvPr/>
+        </p:nvCxnSpPr>
+        <p:spPr>
+          <a:xfrm flipH="1" flipV="1">
+            <a:off x="1090245" y="3033313"/>
+            <a:ext cx="661621" cy="2069479"/>
+          </a:xfrm>
+          <a:prstGeom prst="straightConnector1">
+            <a:avLst/>
+          </a:prstGeom>
+          <a:ln>
+            <a:tailEnd type="triangle"/>
+          </a:ln>
+        </p:spPr>
+        <p:style>
+          <a:lnRef idx="1">
+            <a:schemeClr val="accent1"/>
+          </a:lnRef>
+          <a:fillRef idx="0">
+            <a:schemeClr val="accent1"/>
+          </a:fillRef>
+          <a:effectRef idx="0">
+            <a:schemeClr val="accent1"/>
+          </a:effectRef>
+          <a:fontRef idx="minor">
+            <a:schemeClr val="tx1"/>
+          </a:fontRef>
+        </p:style>
+      </p:cxnSp>
+      <p:sp>
+        <p:nvSpPr>
+          <p:cNvPr id="161" name="TextBox 160"/>
+          <p:cNvSpPr txBox="1"/>
+          <p:nvPr/>
+        </p:nvSpPr>
+        <p:spPr>
+          <a:xfrm rot="4179907">
+            <a:off x="617346" y="3995907"/>
+            <a:ext cx="1371600" cy="523220"/>
+          </a:xfrm>
+          <a:prstGeom prst="rect">
+            <a:avLst/>
+          </a:prstGeom>
+          <a:noFill/>
+        </p:spPr>
+        <p:txBody>
+          <a:bodyPr wrap="square" rtlCol="0">
+            <a:spAutoFit/>
+          </a:bodyPr>
+          <a:lstStyle/>
+          <a:p>
+            <a:r>
+              <a:rPr lang="en-US" sz="1400" dirty="0" smtClean="0"/>
+              <a:t>Read </a:t>
+            </a:r>
+            <a:r>
+              <a:rPr lang="en-US" sz="1400" dirty="0" err="1" smtClean="0"/>
+              <a:t>configs</a:t>
+            </a:r>
+            <a:r>
+              <a:rPr lang="en-US" sz="1400" dirty="0" smtClean="0"/>
+              <a:t> to get </a:t>
+            </a:r>
+            <a:r>
+              <a:rPr lang="en-US" sz="1400" dirty="0" err="1" smtClean="0"/>
+              <a:t>jobmodel</a:t>
+            </a:r>
+            <a:endParaRPr lang="en-US" sz="1400" dirty="0" smtClean="0"/>
+          </a:p>
+        </p:txBody>
+      </p:sp>
+      <p:sp>
+        <p:nvSpPr>
+          <p:cNvPr id="163" name="Rectangle 162"/>
+          <p:cNvSpPr/>
+          <p:nvPr/>
+        </p:nvSpPr>
+        <p:spPr>
+          <a:xfrm>
+            <a:off x="1860352" y="4522169"/>
+            <a:ext cx="2576879" cy="947101"/>
+          </a:xfrm>
+          <a:prstGeom prst="rect">
+            <a:avLst/>
+          </a:prstGeom>
+        </p:spPr>
+        <p:style>
+          <a:lnRef idx="2">
+            <a:schemeClr val="accent1"/>
+          </a:lnRef>
+          <a:fillRef idx="1">
+            <a:schemeClr val="lt1"/>
+          </a:fillRef>
+          <a:effectRef idx="0">
+            <a:schemeClr val="accent1"/>
+          </a:effectRef>
+          <a:fontRef idx="minor">
+            <a:schemeClr val="dk1"/>
+          </a:fontRef>
+        </p:style>
+        <p:txBody>
+          <a:bodyPr rtlCol="0" anchor="ctr"/>
+          <a:lstStyle/>
+          <a:p>
+            <a:pPr algn="ctr"/>
+            <a:endParaRPr lang="en-US" dirty="0"/>
+          </a:p>
+        </p:txBody>
+      </p:sp>
+      <p:sp>
+        <p:nvSpPr>
+          <p:cNvPr id="164" name="TextBox 163"/>
+          <p:cNvSpPr txBox="1"/>
+          <p:nvPr/>
+        </p:nvSpPr>
+        <p:spPr>
+          <a:xfrm>
+            <a:off x="1860352" y="4539727"/>
+            <a:ext cx="2576879" cy="338554"/>
+          </a:xfrm>
+          <a:prstGeom prst="rect">
+            <a:avLst/>
+          </a:prstGeom>
+          <a:noFill/>
+        </p:spPr>
+        <p:txBody>
+          <a:bodyPr wrap="square" rtlCol="0">
+            <a:spAutoFit/>
+          </a:bodyPr>
+          <a:lstStyle/>
+          <a:p>
+            <a:pPr algn="ctr"/>
+            <a:r>
+              <a:rPr lang="en-US" sz="1600" dirty="0" err="1" smtClean="0"/>
+              <a:t>JobModelManager</a:t>
+            </a:r>
+            <a:endParaRPr lang="en-US" sz="1600" dirty="0"/>
+          </a:p>
+        </p:txBody>
+      </p:sp>
+      <p:sp>
+        <p:nvSpPr>
+          <p:cNvPr id="165" name="Rectangle 164"/>
+          <p:cNvSpPr/>
+          <p:nvPr/>
+        </p:nvSpPr>
+        <p:spPr>
+          <a:xfrm>
+            <a:off x="1843134" y="5567943"/>
+            <a:ext cx="2576879" cy="404446"/>
+          </a:xfrm>
+          <a:prstGeom prst="rect">
+            <a:avLst/>
+          </a:prstGeom>
+        </p:spPr>
+        <p:style>
+          <a:lnRef idx="2">
+            <a:schemeClr val="accent1"/>
+          </a:lnRef>
+          <a:fillRef idx="1">
+            <a:schemeClr val="lt1"/>
+          </a:fillRef>
+          <a:effectRef idx="0">
+            <a:schemeClr val="accent1"/>
+          </a:effectRef>
+          <a:fontRef idx="minor">
+            <a:schemeClr val="dk1"/>
+          </a:fontRef>
+        </p:style>
+        <p:txBody>
+          <a:bodyPr rtlCol="0" anchor="ctr"/>
+          <a:lstStyle/>
+          <a:p>
+            <a:pPr algn="ctr"/>
+            <a:endParaRPr lang="en-US" dirty="0"/>
+          </a:p>
+        </p:txBody>
+      </p:sp>
+      <p:sp>
+        <p:nvSpPr>
+          <p:cNvPr id="166" name="TextBox 165"/>
+          <p:cNvSpPr txBox="1"/>
+          <p:nvPr/>
+        </p:nvSpPr>
+        <p:spPr>
+          <a:xfrm>
+            <a:off x="1825915" y="5603089"/>
+            <a:ext cx="2611316" cy="338554"/>
+          </a:xfrm>
+          <a:prstGeom prst="rect">
+            <a:avLst/>
+          </a:prstGeom>
+          <a:noFill/>
+        </p:spPr>
+        <p:txBody>
+          <a:bodyPr wrap="square" rtlCol="0">
+            <a:spAutoFit/>
+          </a:bodyPr>
+          <a:lstStyle/>
+          <a:p>
+            <a:pPr algn="ctr"/>
+            <a:r>
+              <a:rPr lang="en-US" sz="1600" dirty="0" err="1" smtClean="0"/>
+              <a:t>ContainerProcessManager</a:t>
+            </a:r>
+            <a:endParaRPr lang="en-US" sz="1600" dirty="0"/>
+          </a:p>
+        </p:txBody>
+      </p:sp>
+      <p:sp>
+        <p:nvSpPr>
+          <p:cNvPr id="169" name="TextBox 168"/>
+          <p:cNvSpPr txBox="1"/>
+          <p:nvPr/>
+        </p:nvSpPr>
+        <p:spPr>
+          <a:xfrm>
+            <a:off x="1985962" y="4953776"/>
+            <a:ext cx="2434051" cy="523220"/>
+          </a:xfrm>
+          <a:prstGeom prst="rect">
+            <a:avLst/>
+          </a:prstGeom>
+          <a:noFill/>
+        </p:spPr>
+        <p:txBody>
+          <a:bodyPr wrap="square" rtlCol="0">
+            <a:spAutoFit/>
+          </a:bodyPr>
+          <a:lstStyle/>
+          <a:p>
+            <a:r>
+              <a:rPr lang="en-US" sz="1400" dirty="0" smtClean="0"/>
+              <a:t>Store </a:t>
+            </a:r>
+            <a:r>
+              <a:rPr lang="en-US" sz="1400" dirty="0" err="1" smtClean="0"/>
+              <a:t>jobModel</a:t>
+            </a:r>
+            <a:r>
+              <a:rPr lang="en-US" sz="1400" dirty="0" smtClean="0"/>
+              <a:t>, start a HTTP server for others to read it</a:t>
+            </a:r>
+            <a:endParaRPr lang="en-US" sz="1400" dirty="0"/>
+          </a:p>
+        </p:txBody>
+      </p:sp>
+      <p:cxnSp>
+        <p:nvCxnSpPr>
+          <p:cNvPr id="171" name="Straight Connector 170"/>
+          <p:cNvCxnSpPr>
+            <a:stCxn id="166" idx="3"/>
+            <a:endCxn id="174" idx="1"/>
+          </p:cNvCxnSpPr>
+          <p:nvPr/>
+        </p:nvCxnSpPr>
+        <p:spPr>
+          <a:xfrm flipV="1">
+            <a:off x="4437231" y="5021726"/>
+            <a:ext cx="512471" cy="750640"/>
+          </a:xfrm>
+          <a:prstGeom prst="line">
+            <a:avLst/>
+          </a:prstGeom>
+        </p:spPr>
+        <p:style>
+          <a:lnRef idx="1">
+            <a:schemeClr val="accent1"/>
+          </a:lnRef>
+          <a:fillRef idx="0">
+            <a:schemeClr val="accent1"/>
+          </a:fillRef>
+          <a:effectRef idx="0">
+            <a:schemeClr val="accent1"/>
+          </a:effectRef>
+          <a:fontRef idx="minor">
+            <a:schemeClr val="tx1"/>
+          </a:fontRef>
+        </p:style>
+      </p:cxnSp>
+      <p:sp>
+        <p:nvSpPr>
+          <p:cNvPr id="174" name="Rectangle 173"/>
+          <p:cNvSpPr/>
+          <p:nvPr/>
+        </p:nvSpPr>
+        <p:spPr>
+          <a:xfrm>
+            <a:off x="4949702" y="4188244"/>
+            <a:ext cx="5952759" cy="1666963"/>
+          </a:xfrm>
+          <a:prstGeom prst="rect">
+            <a:avLst/>
+          </a:prstGeom>
+        </p:spPr>
+        <p:style>
+          <a:lnRef idx="2">
+            <a:schemeClr val="accent1"/>
+          </a:lnRef>
+          <a:fillRef idx="1">
+            <a:schemeClr val="lt1"/>
+          </a:fillRef>
+          <a:effectRef idx="0">
+            <a:schemeClr val="accent1"/>
+          </a:effectRef>
+          <a:fontRef idx="minor">
+            <a:schemeClr val="dk1"/>
+          </a:fontRef>
+        </p:style>
+        <p:txBody>
+          <a:bodyPr rtlCol="0" anchor="ctr"/>
+          <a:lstStyle/>
+          <a:p>
+            <a:pPr algn="ctr"/>
+            <a:endParaRPr lang="en-US" dirty="0"/>
+          </a:p>
+        </p:txBody>
+      </p:sp>
+      <p:sp>
+        <p:nvSpPr>
+          <p:cNvPr id="175" name="TextBox 174"/>
+          <p:cNvSpPr txBox="1"/>
+          <p:nvPr/>
+        </p:nvSpPr>
+        <p:spPr>
+          <a:xfrm>
+            <a:off x="4909312" y="4170397"/>
+            <a:ext cx="2838083" cy="369332"/>
+          </a:xfrm>
+          <a:prstGeom prst="rect">
+            <a:avLst/>
+          </a:prstGeom>
+          <a:noFill/>
+        </p:spPr>
+        <p:txBody>
+          <a:bodyPr wrap="square" rtlCol="0">
+            <a:spAutoFit/>
+          </a:bodyPr>
+          <a:lstStyle/>
+          <a:p>
+            <a:pPr algn="ctr"/>
+            <a:r>
+              <a:rPr lang="en-US" altLang="zh-CN" dirty="0" err="1" smtClean="0"/>
+              <a:t>ContainerProcessManager</a:t>
+            </a:r>
+            <a:endParaRPr lang="en-US" dirty="0"/>
+          </a:p>
+        </p:txBody>
+      </p:sp>
+      <p:sp>
+        <p:nvSpPr>
+          <p:cNvPr id="177" name="Rectangle 176"/>
+          <p:cNvSpPr/>
+          <p:nvPr/>
+        </p:nvSpPr>
+        <p:spPr>
+          <a:xfrm>
+            <a:off x="5078107" y="4538100"/>
+            <a:ext cx="2576879" cy="404446"/>
+          </a:xfrm>
+          <a:prstGeom prst="rect">
+            <a:avLst/>
+          </a:prstGeom>
+        </p:spPr>
+        <p:style>
+          <a:lnRef idx="2">
+            <a:schemeClr val="accent1"/>
+          </a:lnRef>
+          <a:fillRef idx="1">
+            <a:schemeClr val="lt1"/>
+          </a:fillRef>
+          <a:effectRef idx="0">
+            <a:schemeClr val="accent1"/>
+          </a:effectRef>
+          <a:fontRef idx="minor">
+            <a:schemeClr val="dk1"/>
+          </a:fontRef>
+        </p:style>
+        <p:txBody>
+          <a:bodyPr rtlCol="0" anchor="ctr"/>
+          <a:lstStyle/>
+          <a:p>
+            <a:pPr algn="ctr"/>
+            <a:endParaRPr lang="en-US" dirty="0"/>
+          </a:p>
+        </p:txBody>
+      </p:sp>
+      <p:sp>
+        <p:nvSpPr>
+          <p:cNvPr id="178" name="TextBox 177"/>
+          <p:cNvSpPr txBox="1"/>
+          <p:nvPr/>
+        </p:nvSpPr>
+        <p:spPr>
+          <a:xfrm>
+            <a:off x="5023794" y="4571860"/>
+            <a:ext cx="2685503" cy="338554"/>
+          </a:xfrm>
+          <a:prstGeom prst="rect">
+            <a:avLst/>
+          </a:prstGeom>
+          <a:noFill/>
+        </p:spPr>
+        <p:txBody>
+          <a:bodyPr wrap="square" rtlCol="0">
+            <a:spAutoFit/>
+          </a:bodyPr>
+          <a:lstStyle/>
+          <a:p>
+            <a:pPr algn="ctr"/>
+            <a:r>
+              <a:rPr lang="en-US" sz="1600" dirty="0" err="1" smtClean="0"/>
+              <a:t>YarnClusterResourceManager</a:t>
+            </a:r>
+            <a:endParaRPr lang="en-US" sz="1600" dirty="0"/>
+          </a:p>
+        </p:txBody>
+      </p:sp>
+      <p:sp>
+        <p:nvSpPr>
+          <p:cNvPr id="179" name="Rectangle 178"/>
+          <p:cNvSpPr/>
+          <p:nvPr/>
+        </p:nvSpPr>
+        <p:spPr>
+          <a:xfrm>
+            <a:off x="8685678" y="4387168"/>
+            <a:ext cx="1837592" cy="1326815"/>
+          </a:xfrm>
+          <a:prstGeom prst="rect">
+            <a:avLst/>
+          </a:prstGeom>
+        </p:spPr>
+        <p:style>
+          <a:lnRef idx="2">
+            <a:schemeClr val="accent1"/>
+          </a:lnRef>
+          <a:fillRef idx="1">
+            <a:schemeClr val="lt1"/>
+          </a:fillRef>
+          <a:effectRef idx="0">
+            <a:schemeClr val="accent1"/>
+          </a:effectRef>
+          <a:fontRef idx="minor">
+            <a:schemeClr val="dk1"/>
+          </a:fontRef>
+        </p:style>
+        <p:txBody>
+          <a:bodyPr rtlCol="0" anchor="ctr"/>
+          <a:lstStyle/>
+          <a:p>
+            <a:pPr algn="ctr"/>
+            <a:endParaRPr lang="en-US" dirty="0"/>
+          </a:p>
+        </p:txBody>
+      </p:sp>
+      <p:sp>
+        <p:nvSpPr>
+          <p:cNvPr id="180" name="TextBox 179"/>
+          <p:cNvSpPr txBox="1"/>
+          <p:nvPr/>
+        </p:nvSpPr>
+        <p:spPr>
+          <a:xfrm>
+            <a:off x="8756564" y="4411775"/>
+            <a:ext cx="1740511" cy="338554"/>
+          </a:xfrm>
+          <a:prstGeom prst="rect">
+            <a:avLst/>
+          </a:prstGeom>
+          <a:noFill/>
+        </p:spPr>
+        <p:txBody>
+          <a:bodyPr wrap="square" rtlCol="0">
+            <a:spAutoFit/>
+          </a:bodyPr>
+          <a:lstStyle/>
+          <a:p>
+            <a:pPr algn="ctr"/>
+            <a:r>
+              <a:rPr lang="en-US" sz="1600" dirty="0" err="1" smtClean="0"/>
+              <a:t>ContainerAllocator</a:t>
+            </a:r>
+            <a:endParaRPr lang="en-US" sz="1600" dirty="0"/>
+          </a:p>
+        </p:txBody>
+      </p:sp>
+      <p:sp>
+        <p:nvSpPr>
+          <p:cNvPr id="181" name="TextBox 180"/>
+          <p:cNvSpPr txBox="1"/>
+          <p:nvPr/>
+        </p:nvSpPr>
+        <p:spPr>
+          <a:xfrm>
+            <a:off x="8923419" y="4669143"/>
+            <a:ext cx="1521070" cy="307777"/>
+          </a:xfrm>
+          <a:prstGeom prst="rect">
+            <a:avLst/>
+          </a:prstGeom>
+          <a:noFill/>
+        </p:spPr>
+        <p:txBody>
+          <a:bodyPr wrap="square" rtlCol="0">
+            <a:spAutoFit/>
+          </a:bodyPr>
+          <a:lstStyle/>
+          <a:p>
+            <a:r>
+              <a:rPr lang="en-US" sz="1400" dirty="0" smtClean="0"/>
+              <a:t>On a new thread</a:t>
+            </a:r>
+            <a:endParaRPr lang="en-US" sz="1400" dirty="0"/>
+          </a:p>
+        </p:txBody>
+      </p:sp>
+      <p:cxnSp>
+        <p:nvCxnSpPr>
+          <p:cNvPr id="189" name="Straight Arrow Connector 188"/>
+          <p:cNvCxnSpPr/>
+          <p:nvPr/>
+        </p:nvCxnSpPr>
+        <p:spPr>
+          <a:xfrm flipH="1">
+            <a:off x="5636008" y="4942545"/>
+            <a:ext cx="916" cy="397222"/>
+          </a:xfrm>
+          <a:prstGeom prst="straightConnector1">
+            <a:avLst/>
+          </a:prstGeom>
+          <a:ln>
+            <a:tailEnd type="triangle"/>
+          </a:ln>
+        </p:spPr>
+        <p:style>
+          <a:lnRef idx="1">
+            <a:schemeClr val="accent1"/>
+          </a:lnRef>
+          <a:fillRef idx="0">
+            <a:schemeClr val="accent1"/>
+          </a:fillRef>
+          <a:effectRef idx="0">
+            <a:schemeClr val="accent1"/>
+          </a:effectRef>
+          <a:fontRef idx="minor">
+            <a:schemeClr val="tx1"/>
+          </a:fontRef>
+        </p:style>
+      </p:cxnSp>
+      <p:sp>
+        <p:nvSpPr>
+          <p:cNvPr id="191" name="TextBox 190"/>
+          <p:cNvSpPr txBox="1"/>
+          <p:nvPr/>
+        </p:nvSpPr>
+        <p:spPr>
+          <a:xfrm>
+            <a:off x="5592271" y="4948902"/>
+            <a:ext cx="1902045" cy="307777"/>
+          </a:xfrm>
+          <a:prstGeom prst="rect">
+            <a:avLst/>
+          </a:prstGeom>
+          <a:noFill/>
+        </p:spPr>
+        <p:txBody>
+          <a:bodyPr wrap="square" rtlCol="0">
+            <a:spAutoFit/>
+          </a:bodyPr>
+          <a:lstStyle/>
+          <a:p>
+            <a:r>
+              <a:rPr lang="en-US" sz="1400" dirty="0" err="1" smtClean="0"/>
+              <a:t>launchStreamProcessor</a:t>
+            </a:r>
+            <a:endParaRPr lang="en-US" sz="1400" dirty="0"/>
+          </a:p>
+        </p:txBody>
+      </p:sp>
+      <p:sp>
+        <p:nvSpPr>
+          <p:cNvPr id="192" name="TextBox 191"/>
+          <p:cNvSpPr txBox="1"/>
+          <p:nvPr/>
+        </p:nvSpPr>
+        <p:spPr>
+          <a:xfrm>
+            <a:off x="7947038" y="4795013"/>
+            <a:ext cx="653050" cy="307777"/>
+          </a:xfrm>
+          <a:prstGeom prst="rect">
+            <a:avLst/>
+          </a:prstGeom>
+          <a:noFill/>
+        </p:spPr>
+        <p:txBody>
+          <a:bodyPr wrap="square" rtlCol="0">
+            <a:spAutoFit/>
+          </a:bodyPr>
+          <a:lstStyle/>
+          <a:p>
+            <a:r>
+              <a:rPr lang="en-US" sz="1400" dirty="0" smtClean="0"/>
+              <a:t>call</a:t>
+            </a:r>
+            <a:endParaRPr lang="en-US" sz="1400" dirty="0"/>
+          </a:p>
+        </p:txBody>
+      </p:sp>
+      <p:sp>
+        <p:nvSpPr>
+          <p:cNvPr id="194" name="TextBox 193"/>
+          <p:cNvSpPr txBox="1"/>
+          <p:nvPr/>
+        </p:nvSpPr>
+        <p:spPr>
+          <a:xfrm>
+            <a:off x="8781832" y="4999926"/>
+            <a:ext cx="1645284" cy="738664"/>
+          </a:xfrm>
+          <a:prstGeom prst="rect">
+            <a:avLst/>
+          </a:prstGeom>
+          <a:noFill/>
+        </p:spPr>
+        <p:txBody>
+          <a:bodyPr wrap="square" rtlCol="0">
+            <a:spAutoFit/>
+          </a:bodyPr>
+          <a:lstStyle/>
+          <a:p>
+            <a:pPr algn="ctr"/>
+            <a:r>
+              <a:rPr lang="en-US" sz="1400" dirty="0" smtClean="0"/>
+              <a:t>Read commands and </a:t>
+            </a:r>
+            <a:r>
+              <a:rPr lang="en-US" sz="1400" dirty="0" err="1" smtClean="0"/>
+              <a:t>configs</a:t>
+            </a:r>
+            <a:r>
+              <a:rPr lang="en-US" sz="1400" dirty="0" smtClean="0"/>
+              <a:t> from </a:t>
+            </a:r>
+            <a:r>
+              <a:rPr lang="en-US" sz="1400" dirty="0" err="1" smtClean="0"/>
+              <a:t>jobModel</a:t>
+            </a:r>
+            <a:r>
+              <a:rPr lang="en-US" sz="1400" dirty="0" smtClean="0"/>
+              <a:t> </a:t>
+            </a:r>
+            <a:r>
+              <a:rPr lang="en-US" sz="1400" dirty="0" err="1" smtClean="0"/>
+              <a:t>url</a:t>
+            </a:r>
+            <a:endParaRPr lang="en-US" sz="1400" dirty="0"/>
+          </a:p>
+        </p:txBody>
+      </p:sp>
+      <p:sp>
+        <p:nvSpPr>
+          <p:cNvPr id="196" name="Rectangle 195"/>
+          <p:cNvSpPr/>
+          <p:nvPr/>
+        </p:nvSpPr>
+        <p:spPr>
+          <a:xfrm>
+            <a:off x="5100308" y="5341669"/>
+            <a:ext cx="2576879" cy="404446"/>
+          </a:xfrm>
+          <a:prstGeom prst="rect">
+            <a:avLst/>
+          </a:prstGeom>
+        </p:spPr>
+        <p:style>
+          <a:lnRef idx="2">
+            <a:schemeClr val="accent1"/>
+          </a:lnRef>
+          <a:fillRef idx="1">
+            <a:schemeClr val="lt1"/>
+          </a:fillRef>
+          <a:effectRef idx="0">
+            <a:schemeClr val="accent1"/>
+          </a:effectRef>
+          <a:fontRef idx="minor">
+            <a:schemeClr val="dk1"/>
+          </a:fontRef>
+        </p:style>
+        <p:txBody>
+          <a:bodyPr rtlCol="0" anchor="ctr"/>
+          <a:lstStyle/>
+          <a:p>
+            <a:pPr algn="ctr"/>
+            <a:endParaRPr lang="en-US" dirty="0"/>
+          </a:p>
+        </p:txBody>
+      </p:sp>
+      <p:sp>
+        <p:nvSpPr>
+          <p:cNvPr id="197" name="TextBox 196"/>
+          <p:cNvSpPr txBox="1"/>
+          <p:nvPr/>
+        </p:nvSpPr>
+        <p:spPr>
+          <a:xfrm>
+            <a:off x="5045995" y="5375429"/>
+            <a:ext cx="2685503" cy="338554"/>
+          </a:xfrm>
+          <a:prstGeom prst="rect">
+            <a:avLst/>
+          </a:prstGeom>
+          <a:noFill/>
+        </p:spPr>
+        <p:txBody>
+          <a:bodyPr wrap="square" rtlCol="0">
+            <a:spAutoFit/>
+          </a:bodyPr>
+          <a:lstStyle/>
+          <a:p>
+            <a:pPr algn="ctr"/>
+            <a:r>
+              <a:rPr lang="en-US" sz="1600" dirty="0" err="1" smtClean="0"/>
+              <a:t>YarnContainerRunner</a:t>
+            </a:r>
+            <a:endParaRPr lang="en-US" sz="1600" dirty="0"/>
+          </a:p>
+        </p:txBody>
+      </p:sp>
+      <p:cxnSp>
+        <p:nvCxnSpPr>
+          <p:cNvPr id="200" name="Straight Arrow Connector 199"/>
+          <p:cNvCxnSpPr>
+            <a:endCxn id="191" idx="3"/>
+          </p:cNvCxnSpPr>
+          <p:nvPr/>
+        </p:nvCxnSpPr>
+        <p:spPr>
+          <a:xfrm flipH="1">
+            <a:off x="7494316" y="5021726"/>
+            <a:ext cx="1191362" cy="81065"/>
+          </a:xfrm>
+          <a:prstGeom prst="straightConnector1">
+            <a:avLst/>
+          </a:prstGeom>
+          <a:ln>
+            <a:tailEnd type="triangle"/>
+          </a:ln>
+        </p:spPr>
+        <p:style>
+          <a:lnRef idx="1">
+            <a:schemeClr val="accent1"/>
+          </a:lnRef>
+          <a:fillRef idx="0">
+            <a:schemeClr val="accent1"/>
+          </a:fillRef>
+          <a:effectRef idx="0">
+            <a:schemeClr val="accent1"/>
+          </a:effectRef>
+          <a:fontRef idx="minor">
+            <a:schemeClr val="tx1"/>
+          </a:fontRef>
+        </p:style>
+      </p:cxnSp>
+      <p:sp>
+        <p:nvSpPr>
+          <p:cNvPr id="203" name="Rectangle 202"/>
+          <p:cNvSpPr/>
+          <p:nvPr/>
+        </p:nvSpPr>
+        <p:spPr>
+          <a:xfrm>
+            <a:off x="5117217" y="6408217"/>
+            <a:ext cx="2576879" cy="404446"/>
+          </a:xfrm>
+          <a:prstGeom prst="rect">
+            <a:avLst/>
+          </a:prstGeom>
+        </p:spPr>
+        <p:style>
+          <a:lnRef idx="2">
+            <a:schemeClr val="accent1"/>
+          </a:lnRef>
+          <a:fillRef idx="1">
+            <a:schemeClr val="lt1"/>
+          </a:fillRef>
+          <a:effectRef idx="0">
+            <a:schemeClr val="accent1"/>
+          </a:effectRef>
+          <a:fontRef idx="minor">
+            <a:schemeClr val="dk1"/>
+          </a:fontRef>
+        </p:style>
+        <p:txBody>
+          <a:bodyPr rtlCol="0" anchor="ctr"/>
+          <a:lstStyle/>
+          <a:p>
+            <a:pPr algn="ctr"/>
+            <a:endParaRPr lang="en-US" dirty="0"/>
+          </a:p>
+        </p:txBody>
+      </p:sp>
+      <p:sp>
+        <p:nvSpPr>
+          <p:cNvPr id="204" name="TextBox 203"/>
+          <p:cNvSpPr txBox="1"/>
+          <p:nvPr/>
+        </p:nvSpPr>
+        <p:spPr>
+          <a:xfrm>
+            <a:off x="5062904" y="6441977"/>
+            <a:ext cx="2685503" cy="338554"/>
+          </a:xfrm>
+          <a:prstGeom prst="rect">
+            <a:avLst/>
+          </a:prstGeom>
+          <a:noFill/>
+        </p:spPr>
+        <p:txBody>
+          <a:bodyPr wrap="square" rtlCol="0">
+            <a:spAutoFit/>
+          </a:bodyPr>
+          <a:lstStyle/>
+          <a:p>
+            <a:pPr algn="ctr"/>
+            <a:r>
+              <a:rPr lang="en-US" sz="1600" dirty="0" err="1" smtClean="0"/>
+              <a:t>NMClient</a:t>
+            </a:r>
+            <a:endParaRPr lang="en-US" sz="1600" dirty="0"/>
+          </a:p>
+        </p:txBody>
+      </p:sp>
+      <p:cxnSp>
+        <p:nvCxnSpPr>
+          <p:cNvPr id="206" name="Straight Arrow Connector 205"/>
+          <p:cNvCxnSpPr/>
+          <p:nvPr/>
+        </p:nvCxnSpPr>
+        <p:spPr>
+          <a:xfrm>
+            <a:off x="7677187" y="6604829"/>
+            <a:ext cx="1233262" cy="0"/>
+          </a:xfrm>
+          <a:prstGeom prst="straightConnector1">
+            <a:avLst/>
+          </a:prstGeom>
+          <a:ln>
+            <a:headEnd type="triangle"/>
+            <a:tailEnd type="triangle"/>
+          </a:ln>
+        </p:spPr>
+        <p:style>
+          <a:lnRef idx="1">
+            <a:schemeClr val="accent1"/>
+          </a:lnRef>
+          <a:fillRef idx="0">
+            <a:schemeClr val="accent1"/>
+          </a:fillRef>
+          <a:effectRef idx="0">
+            <a:schemeClr val="accent1"/>
+          </a:effectRef>
+          <a:fontRef idx="minor">
+            <a:schemeClr val="tx1"/>
+          </a:fontRef>
+        </p:style>
+      </p:cxnSp>
+      <p:sp>
+        <p:nvSpPr>
+          <p:cNvPr id="210" name="Rectangle 209"/>
+          <p:cNvSpPr/>
+          <p:nvPr/>
+        </p:nvSpPr>
+        <p:spPr>
+          <a:xfrm>
+            <a:off x="8923419" y="6408217"/>
+            <a:ext cx="2576879" cy="404446"/>
+          </a:xfrm>
+          <a:prstGeom prst="rect">
+            <a:avLst/>
+          </a:prstGeom>
+          <a:ln>
+            <a:solidFill>
+              <a:srgbClr val="FF0000"/>
+            </a:solidFill>
+          </a:ln>
+        </p:spPr>
+        <p:style>
+          <a:lnRef idx="2">
+            <a:schemeClr val="accent1"/>
+          </a:lnRef>
+          <a:fillRef idx="1">
+            <a:schemeClr val="lt1"/>
+          </a:fillRef>
+          <a:effectRef idx="0">
+            <a:schemeClr val="accent1"/>
+          </a:effectRef>
+          <a:fontRef idx="minor">
+            <a:schemeClr val="dk1"/>
+          </a:fontRef>
+        </p:style>
+        <p:txBody>
+          <a:bodyPr rtlCol="0" anchor="ctr"/>
+          <a:lstStyle/>
+          <a:p>
+            <a:pPr algn="ctr"/>
+            <a:endParaRPr lang="en-US" dirty="0"/>
+          </a:p>
+        </p:txBody>
+      </p:sp>
+      <p:sp>
+        <p:nvSpPr>
+          <p:cNvPr id="211" name="TextBox 210"/>
+          <p:cNvSpPr txBox="1"/>
+          <p:nvPr/>
+        </p:nvSpPr>
+        <p:spPr>
+          <a:xfrm>
+            <a:off x="8869106" y="6441977"/>
+            <a:ext cx="2685503" cy="338554"/>
+          </a:xfrm>
+          <a:prstGeom prst="rect">
+            <a:avLst/>
+          </a:prstGeom>
+          <a:noFill/>
+        </p:spPr>
+        <p:txBody>
+          <a:bodyPr wrap="square" rtlCol="0">
+            <a:spAutoFit/>
+          </a:bodyPr>
+          <a:lstStyle/>
+          <a:p>
+            <a:pPr algn="ctr"/>
+            <a:r>
+              <a:rPr lang="en-US" sz="1600" dirty="0" err="1" smtClean="0"/>
+              <a:t>NodeManager</a:t>
+            </a:r>
+            <a:endParaRPr lang="en-US" sz="1600" dirty="0"/>
+          </a:p>
+        </p:txBody>
+      </p:sp>
+      <p:cxnSp>
+        <p:nvCxnSpPr>
+          <p:cNvPr id="213" name="Straight Arrow Connector 212"/>
+          <p:cNvCxnSpPr>
+            <a:stCxn id="196" idx="2"/>
+            <a:endCxn id="203" idx="0"/>
+          </p:cNvCxnSpPr>
+          <p:nvPr/>
+        </p:nvCxnSpPr>
+        <p:spPr>
+          <a:xfrm>
+            <a:off x="6388748" y="5746115"/>
+            <a:ext cx="16909" cy="662102"/>
+          </a:xfrm>
+          <a:prstGeom prst="straightConnector1">
+            <a:avLst/>
+          </a:prstGeom>
+          <a:ln>
+            <a:tailEnd type="triangle"/>
+          </a:ln>
+        </p:spPr>
+        <p:style>
+          <a:lnRef idx="1">
+            <a:schemeClr val="accent1"/>
+          </a:lnRef>
+          <a:fillRef idx="0">
+            <a:schemeClr val="accent1"/>
+          </a:fillRef>
+          <a:effectRef idx="0">
+            <a:schemeClr val="accent1"/>
+          </a:effectRef>
+          <a:fontRef idx="minor">
+            <a:schemeClr val="tx1"/>
+          </a:fontRef>
+        </p:style>
+      </p:cxnSp>
+      <p:sp>
+        <p:nvSpPr>
+          <p:cNvPr id="215" name="TextBox 214"/>
+          <p:cNvSpPr txBox="1"/>
+          <p:nvPr/>
+        </p:nvSpPr>
+        <p:spPr>
+          <a:xfrm>
+            <a:off x="6457985" y="5886982"/>
+            <a:ext cx="2044177" cy="523220"/>
+          </a:xfrm>
+          <a:prstGeom prst="rect">
+            <a:avLst/>
+          </a:prstGeom>
+          <a:noFill/>
+        </p:spPr>
+        <p:txBody>
+          <a:bodyPr wrap="square" rtlCol="0">
+            <a:spAutoFit/>
+          </a:bodyPr>
+          <a:lstStyle/>
+          <a:p>
+            <a:r>
+              <a:rPr lang="en-US" sz="1400" dirty="0" smtClean="0"/>
+              <a:t>run-container.sh</a:t>
+            </a:r>
+          </a:p>
+          <a:p>
+            <a:r>
+              <a:rPr lang="en-US" sz="1400" dirty="0" err="1" smtClean="0"/>
+              <a:t>containerLaunchContext</a:t>
+            </a:r>
+            <a:endParaRPr lang="en-US" sz="1400" dirty="0"/>
+          </a:p>
+        </p:txBody>
+      </p:sp>
+    </p:spTree>
+    <p:extLst>
+      <p:ext uri="{BB962C8B-B14F-4D97-AF65-F5344CB8AC3E}">
+        <p14:creationId xmlns:p14="http://schemas.microsoft.com/office/powerpoint/2010/main" val="2033299295"/>
+      </p:ext>
+    </p:extLst>
+  </p:cSld>
+  <p:clrMapOvr>
+    <a:masterClrMapping/>
+  </p:clrMapOvr>
+</p:sld>
+</file>
+
+<file path=ppt/slides/slide11.xml><?xml version="1.0" encoding="utf-8"?>
+<p:sld xmlns:a="http://schemas.openxmlformats.org/drawingml/2006/main" xmlns:r="http://schemas.openxmlformats.org/officeDocument/2006/relationships" xmlns:p="http://schemas.openxmlformats.org/presentationml/2006/main">
+  <p:cSld>
+    <p:spTree>
+      <p:nvGrpSpPr>
+        <p:cNvPr id="1" name=""/>
+        <p:cNvGrpSpPr/>
+        <p:nvPr/>
+      </p:nvGrpSpPr>
+      <p:grpSpPr>
+        <a:xfrm>
+          <a:off x="0" y="0"/>
+          <a:ext cx="0" cy="0"/>
+          <a:chOff x="0" y="0"/>
+          <a:chExt cx="0" cy="0"/>
+        </a:xfrm>
+      </p:grpSpPr>
+      <p:sp>
+        <p:nvSpPr>
+          <p:cNvPr id="5" name="Title 1"/>
+          <p:cNvSpPr>
+            <a:spLocks noGrp="1"/>
+          </p:cNvSpPr>
+          <p:nvPr>
+            <p:ph type="title"/>
+          </p:nvPr>
+        </p:nvSpPr>
+        <p:spPr>
+          <a:xfrm>
+            <a:off x="149470" y="263769"/>
+            <a:ext cx="10515600" cy="175846"/>
+          </a:xfrm>
+        </p:spPr>
+        <p:txBody>
+          <a:bodyPr>
+            <a:normAutofit fontScale="90000"/>
+          </a:bodyPr>
+          <a:lstStyle/>
+          <a:p>
+            <a:r>
+              <a:rPr lang="en-US" dirty="0" smtClean="0"/>
+              <a:t>Complete Abstract</a:t>
+            </a:r>
+            <a:endParaRPr lang="en-US" dirty="0"/>
+          </a:p>
+        </p:txBody>
+      </p:sp>
+      <p:sp>
+        <p:nvSpPr>
+          <p:cNvPr id="6" name="TextBox 5"/>
+          <p:cNvSpPr txBox="1"/>
+          <p:nvPr/>
+        </p:nvSpPr>
+        <p:spPr>
+          <a:xfrm>
+            <a:off x="826477" y="1468315"/>
+            <a:ext cx="3050930" cy="369332"/>
+          </a:xfrm>
+          <a:prstGeom prst="rect">
+            <a:avLst/>
+          </a:prstGeom>
+          <a:noFill/>
+        </p:spPr>
+        <p:txBody>
+          <a:bodyPr wrap="square" rtlCol="0">
+            <a:spAutoFit/>
+          </a:bodyPr>
+          <a:lstStyle/>
+          <a:p>
+            <a:r>
+              <a:rPr lang="en-US" dirty="0" smtClean="0"/>
+              <a:t>In container</a:t>
+            </a:r>
+            <a:endParaRPr lang="en-US" dirty="0"/>
+          </a:p>
+        </p:txBody>
+      </p:sp>
+      <p:sp>
+        <p:nvSpPr>
+          <p:cNvPr id="8" name="Rectangle 7"/>
+          <p:cNvSpPr/>
+          <p:nvPr/>
+        </p:nvSpPr>
+        <p:spPr>
+          <a:xfrm>
+            <a:off x="880790" y="1852195"/>
+            <a:ext cx="2576879" cy="404446"/>
+          </a:xfrm>
+          <a:prstGeom prst="rect">
+            <a:avLst/>
+          </a:prstGeom>
+        </p:spPr>
+        <p:style>
+          <a:lnRef idx="2">
+            <a:schemeClr val="accent1"/>
+          </a:lnRef>
+          <a:fillRef idx="1">
+            <a:schemeClr val="lt1"/>
+          </a:fillRef>
+          <a:effectRef idx="0">
+            <a:schemeClr val="accent1"/>
+          </a:effectRef>
+          <a:fontRef idx="minor">
+            <a:schemeClr val="dk1"/>
+          </a:fontRef>
+        </p:style>
+        <p:txBody>
+          <a:bodyPr rtlCol="0" anchor="ctr"/>
+          <a:lstStyle/>
+          <a:p>
+            <a:pPr algn="ctr"/>
+            <a:endParaRPr lang="en-US" dirty="0"/>
+          </a:p>
+        </p:txBody>
+      </p:sp>
+      <p:sp>
+        <p:nvSpPr>
+          <p:cNvPr id="9" name="TextBox 8"/>
+          <p:cNvSpPr txBox="1"/>
+          <p:nvPr/>
+        </p:nvSpPr>
+        <p:spPr>
+          <a:xfrm>
+            <a:off x="826477" y="1885955"/>
+            <a:ext cx="2685503" cy="338554"/>
+          </a:xfrm>
+          <a:prstGeom prst="rect">
+            <a:avLst/>
+          </a:prstGeom>
+          <a:noFill/>
+        </p:spPr>
+        <p:txBody>
+          <a:bodyPr wrap="square" rtlCol="0">
+            <a:spAutoFit/>
+          </a:bodyPr>
+          <a:lstStyle/>
+          <a:p>
+            <a:pPr algn="ctr"/>
+            <a:r>
+              <a:rPr lang="en-US" sz="1600" dirty="0" smtClean="0"/>
+              <a:t>run-container.sh</a:t>
+            </a:r>
+            <a:endParaRPr lang="en-US" sz="1600" dirty="0"/>
+          </a:p>
+        </p:txBody>
+      </p:sp>
+      <p:sp>
+        <p:nvSpPr>
+          <p:cNvPr id="15" name="Rectangle 14"/>
+          <p:cNvSpPr/>
+          <p:nvPr/>
+        </p:nvSpPr>
+        <p:spPr>
+          <a:xfrm>
+            <a:off x="3935523" y="1468315"/>
+            <a:ext cx="5903069" cy="3332285"/>
+          </a:xfrm>
+          <a:prstGeom prst="rect">
+            <a:avLst/>
+          </a:prstGeom>
+        </p:spPr>
+        <p:style>
+          <a:lnRef idx="2">
+            <a:schemeClr val="accent1"/>
+          </a:lnRef>
+          <a:fillRef idx="1">
+            <a:schemeClr val="lt1"/>
+          </a:fillRef>
+          <a:effectRef idx="0">
+            <a:schemeClr val="accent1"/>
+          </a:effectRef>
+          <a:fontRef idx="minor">
+            <a:schemeClr val="dk1"/>
+          </a:fontRef>
+        </p:style>
+        <p:txBody>
+          <a:bodyPr rtlCol="0" anchor="ctr"/>
+          <a:lstStyle/>
+          <a:p>
+            <a:pPr algn="ctr"/>
+            <a:endParaRPr lang="en-US" dirty="0"/>
+          </a:p>
+        </p:txBody>
+      </p:sp>
+      <p:sp>
+        <p:nvSpPr>
+          <p:cNvPr id="16" name="TextBox 15"/>
+          <p:cNvSpPr txBox="1"/>
+          <p:nvPr/>
+        </p:nvSpPr>
+        <p:spPr>
+          <a:xfrm>
+            <a:off x="5459819" y="1450785"/>
+            <a:ext cx="2685503" cy="338554"/>
+          </a:xfrm>
+          <a:prstGeom prst="rect">
+            <a:avLst/>
+          </a:prstGeom>
+          <a:noFill/>
+        </p:spPr>
+        <p:txBody>
+          <a:bodyPr wrap="square" rtlCol="0">
+            <a:spAutoFit/>
+          </a:bodyPr>
+          <a:lstStyle/>
+          <a:p>
+            <a:pPr algn="ctr"/>
+            <a:r>
+              <a:rPr lang="en-US" sz="1600" dirty="0" smtClean="0"/>
+              <a:t>Container</a:t>
+            </a:r>
+            <a:endParaRPr lang="en-US" sz="1600" dirty="0"/>
+          </a:p>
+        </p:txBody>
+      </p:sp>
+      <p:cxnSp>
+        <p:nvCxnSpPr>
+          <p:cNvPr id="11" name="Straight Arrow Connector 10"/>
+          <p:cNvCxnSpPr/>
+          <p:nvPr/>
+        </p:nvCxnSpPr>
+        <p:spPr>
+          <a:xfrm flipV="1">
+            <a:off x="3457669" y="2048607"/>
+            <a:ext cx="780224" cy="5811"/>
+          </a:xfrm>
+          <a:prstGeom prst="straightConnector1">
+            <a:avLst/>
+          </a:prstGeom>
+          <a:ln>
+            <a:tailEnd type="triangle"/>
+          </a:ln>
+        </p:spPr>
+        <p:style>
+          <a:lnRef idx="1">
+            <a:schemeClr val="accent1"/>
+          </a:lnRef>
+          <a:fillRef idx="0">
+            <a:schemeClr val="accent1"/>
+          </a:fillRef>
+          <a:effectRef idx="0">
+            <a:schemeClr val="accent1"/>
+          </a:effectRef>
+          <a:fontRef idx="minor">
+            <a:schemeClr val="tx1"/>
+          </a:fontRef>
+        </p:style>
+      </p:cxnSp>
+      <p:sp>
+        <p:nvSpPr>
+          <p:cNvPr id="18" name="Rectangle 17"/>
+          <p:cNvSpPr/>
+          <p:nvPr/>
+        </p:nvSpPr>
+        <p:spPr>
+          <a:xfrm>
+            <a:off x="4225692" y="1837647"/>
+            <a:ext cx="2576879" cy="2611260"/>
+          </a:xfrm>
+          <a:prstGeom prst="rect">
+            <a:avLst/>
+          </a:prstGeom>
+        </p:spPr>
+        <p:style>
+          <a:lnRef idx="2">
+            <a:schemeClr val="accent1"/>
+          </a:lnRef>
+          <a:fillRef idx="1">
+            <a:schemeClr val="lt1"/>
+          </a:fillRef>
+          <a:effectRef idx="0">
+            <a:schemeClr val="accent1"/>
+          </a:effectRef>
+          <a:fontRef idx="minor">
+            <a:schemeClr val="dk1"/>
+          </a:fontRef>
+        </p:style>
+        <p:txBody>
+          <a:bodyPr rtlCol="0" anchor="ctr"/>
+          <a:lstStyle/>
+          <a:p>
+            <a:pPr algn="ctr"/>
+            <a:endParaRPr lang="en-US" dirty="0"/>
+          </a:p>
+        </p:txBody>
+      </p:sp>
+      <p:sp>
+        <p:nvSpPr>
+          <p:cNvPr id="19" name="TextBox 18"/>
+          <p:cNvSpPr txBox="1"/>
+          <p:nvPr/>
+        </p:nvSpPr>
+        <p:spPr>
+          <a:xfrm>
+            <a:off x="4171379" y="1871407"/>
+            <a:ext cx="2685503" cy="338554"/>
+          </a:xfrm>
+          <a:prstGeom prst="rect">
+            <a:avLst/>
+          </a:prstGeom>
+          <a:noFill/>
+        </p:spPr>
+        <p:txBody>
+          <a:bodyPr wrap="square" rtlCol="0">
+            <a:spAutoFit/>
+          </a:bodyPr>
+          <a:lstStyle/>
+          <a:p>
+            <a:pPr algn="ctr"/>
+            <a:r>
+              <a:rPr lang="en-US" sz="1600" dirty="0" err="1" smtClean="0"/>
+              <a:t>LocalContainerRunner</a:t>
+            </a:r>
+            <a:endParaRPr lang="en-US" sz="1600" dirty="0"/>
+          </a:p>
+        </p:txBody>
+      </p:sp>
+      <p:sp>
+        <p:nvSpPr>
+          <p:cNvPr id="20" name="Rectangle 19"/>
+          <p:cNvSpPr/>
+          <p:nvPr/>
+        </p:nvSpPr>
+        <p:spPr>
+          <a:xfrm>
+            <a:off x="7086454" y="1837647"/>
+            <a:ext cx="2576879" cy="2611260"/>
+          </a:xfrm>
+          <a:prstGeom prst="rect">
+            <a:avLst/>
+          </a:prstGeom>
+        </p:spPr>
+        <p:style>
+          <a:lnRef idx="2">
+            <a:schemeClr val="accent1"/>
+          </a:lnRef>
+          <a:fillRef idx="1">
+            <a:schemeClr val="lt1"/>
+          </a:fillRef>
+          <a:effectRef idx="0">
+            <a:schemeClr val="accent1"/>
+          </a:effectRef>
+          <a:fontRef idx="minor">
+            <a:schemeClr val="dk1"/>
+          </a:fontRef>
+        </p:style>
+        <p:txBody>
+          <a:bodyPr rtlCol="0" anchor="ctr"/>
+          <a:lstStyle/>
+          <a:p>
+            <a:pPr algn="ctr"/>
+            <a:endParaRPr lang="en-US" dirty="0"/>
+          </a:p>
+        </p:txBody>
+      </p:sp>
+      <p:sp>
+        <p:nvSpPr>
+          <p:cNvPr id="21" name="TextBox 20"/>
+          <p:cNvSpPr txBox="1"/>
+          <p:nvPr/>
+        </p:nvSpPr>
+        <p:spPr>
+          <a:xfrm>
+            <a:off x="7032141" y="1871407"/>
+            <a:ext cx="2685503" cy="338554"/>
+          </a:xfrm>
+          <a:prstGeom prst="rect">
+            <a:avLst/>
+          </a:prstGeom>
+          <a:noFill/>
+        </p:spPr>
+        <p:txBody>
+          <a:bodyPr wrap="square" rtlCol="0">
+            <a:spAutoFit/>
+          </a:bodyPr>
+          <a:lstStyle/>
+          <a:p>
+            <a:pPr algn="ctr"/>
+            <a:r>
+              <a:rPr lang="en-US" sz="1600" dirty="0" err="1" smtClean="0"/>
+              <a:t>SamzaContainer</a:t>
+            </a:r>
+            <a:endParaRPr lang="en-US" sz="1600" dirty="0"/>
+          </a:p>
+        </p:txBody>
+      </p:sp>
+      <p:cxnSp>
+        <p:nvCxnSpPr>
+          <p:cNvPr id="28" name="Straight Arrow Connector 27"/>
+          <p:cNvCxnSpPr>
+            <a:stCxn id="18" idx="3"/>
+            <a:endCxn id="20" idx="1"/>
+          </p:cNvCxnSpPr>
+          <p:nvPr/>
+        </p:nvCxnSpPr>
+        <p:spPr>
+          <a:xfrm>
+            <a:off x="6802571" y="3143277"/>
+            <a:ext cx="283883" cy="0"/>
+          </a:xfrm>
+          <a:prstGeom prst="straightConnector1">
+            <a:avLst/>
+          </a:prstGeom>
+          <a:ln>
+            <a:tailEnd type="triangle"/>
+          </a:ln>
+        </p:spPr>
+        <p:style>
+          <a:lnRef idx="1">
+            <a:schemeClr val="accent1"/>
+          </a:lnRef>
+          <a:fillRef idx="0">
+            <a:schemeClr val="accent1"/>
+          </a:fillRef>
+          <a:effectRef idx="0">
+            <a:schemeClr val="accent1"/>
+          </a:effectRef>
+          <a:fontRef idx="minor">
+            <a:schemeClr val="tx1"/>
+          </a:fontRef>
+        </p:style>
+      </p:cxnSp>
+      <p:sp>
+        <p:nvSpPr>
+          <p:cNvPr id="29" name="TextBox 28"/>
+          <p:cNvSpPr txBox="1"/>
+          <p:nvPr/>
+        </p:nvSpPr>
+        <p:spPr>
+          <a:xfrm>
+            <a:off x="4225692" y="2214953"/>
+            <a:ext cx="2576879" cy="523220"/>
+          </a:xfrm>
+          <a:prstGeom prst="rect">
+            <a:avLst/>
+          </a:prstGeom>
+          <a:noFill/>
+        </p:spPr>
+        <p:txBody>
+          <a:bodyPr wrap="square" rtlCol="0">
+            <a:spAutoFit/>
+          </a:bodyPr>
+          <a:lstStyle/>
+          <a:p>
+            <a:r>
+              <a:rPr lang="en-US" sz="1400" dirty="0" smtClean="0"/>
+              <a:t>Read </a:t>
+            </a:r>
+            <a:r>
+              <a:rPr lang="en-US" sz="1400" dirty="0" err="1" smtClean="0"/>
+              <a:t>jobModel</a:t>
+            </a:r>
+            <a:r>
+              <a:rPr lang="en-US" sz="1400" dirty="0" smtClean="0"/>
+              <a:t> from </a:t>
+            </a:r>
+            <a:r>
+              <a:rPr lang="en-US" sz="1400" dirty="0" err="1" smtClean="0"/>
+              <a:t>url</a:t>
+            </a:r>
+            <a:endParaRPr lang="en-US" sz="1400" dirty="0" smtClean="0"/>
+          </a:p>
+          <a:p>
+            <a:r>
+              <a:rPr lang="en-US" sz="1400" dirty="0" smtClean="0"/>
+              <a:t>Run </a:t>
+            </a:r>
+            <a:r>
+              <a:rPr lang="en-US" sz="1400" dirty="0" err="1" smtClean="0"/>
+              <a:t>ContainerHeartbeatMonitor</a:t>
+            </a:r>
+            <a:endParaRPr lang="en-US" sz="1400" dirty="0"/>
+          </a:p>
+        </p:txBody>
+      </p:sp>
+      <p:sp>
+        <p:nvSpPr>
+          <p:cNvPr id="30" name="Rectangle 29"/>
+          <p:cNvSpPr/>
+          <p:nvPr/>
+        </p:nvSpPr>
+        <p:spPr>
+          <a:xfrm>
+            <a:off x="4317022" y="3091274"/>
+            <a:ext cx="2400301" cy="1054424"/>
+          </a:xfrm>
+          <a:prstGeom prst="rect">
+            <a:avLst/>
+          </a:prstGeom>
+        </p:spPr>
+        <p:style>
+          <a:lnRef idx="2">
+            <a:schemeClr val="accent1"/>
+          </a:lnRef>
+          <a:fillRef idx="1">
+            <a:schemeClr val="lt1"/>
+          </a:fillRef>
+          <a:effectRef idx="0">
+            <a:schemeClr val="accent1"/>
+          </a:effectRef>
+          <a:fontRef idx="minor">
+            <a:schemeClr val="dk1"/>
+          </a:fontRef>
+        </p:style>
+        <p:txBody>
+          <a:bodyPr rtlCol="0" anchor="ctr"/>
+          <a:lstStyle/>
+          <a:p>
+            <a:pPr algn="ctr"/>
+            <a:endParaRPr lang="en-US" dirty="0"/>
+          </a:p>
+        </p:txBody>
+      </p:sp>
+      <p:sp>
+        <p:nvSpPr>
+          <p:cNvPr id="31" name="TextBox 30"/>
+          <p:cNvSpPr txBox="1"/>
+          <p:nvPr/>
+        </p:nvSpPr>
+        <p:spPr>
+          <a:xfrm>
+            <a:off x="4162024" y="3125035"/>
+            <a:ext cx="2685503" cy="338554"/>
+          </a:xfrm>
+          <a:prstGeom prst="rect">
+            <a:avLst/>
+          </a:prstGeom>
+          <a:noFill/>
+        </p:spPr>
+        <p:txBody>
+          <a:bodyPr wrap="square" rtlCol="0">
+            <a:spAutoFit/>
+          </a:bodyPr>
+          <a:lstStyle/>
+          <a:p>
+            <a:pPr algn="ctr"/>
+            <a:r>
+              <a:rPr lang="en-US" sz="1600" dirty="0" err="1" smtClean="0"/>
+              <a:t>ContainerHeartbeatMonitor</a:t>
+            </a:r>
+            <a:endParaRPr lang="en-US" sz="1600" dirty="0"/>
+          </a:p>
+        </p:txBody>
+      </p:sp>
+      <p:sp>
+        <p:nvSpPr>
+          <p:cNvPr id="32" name="TextBox 31"/>
+          <p:cNvSpPr txBox="1"/>
+          <p:nvPr/>
+        </p:nvSpPr>
+        <p:spPr>
+          <a:xfrm>
+            <a:off x="4264488" y="3488043"/>
+            <a:ext cx="2560561" cy="738664"/>
+          </a:xfrm>
+          <a:prstGeom prst="rect">
+            <a:avLst/>
+          </a:prstGeom>
+          <a:noFill/>
+        </p:spPr>
+        <p:txBody>
+          <a:bodyPr wrap="square" rtlCol="0">
+            <a:spAutoFit/>
+          </a:bodyPr>
+          <a:lstStyle/>
+          <a:p>
+            <a:r>
+              <a:rPr lang="en-US" sz="1400" dirty="0" smtClean="0"/>
+              <a:t>Listen to </a:t>
+            </a:r>
+            <a:r>
+              <a:rPr lang="en-US" sz="1400" dirty="0" err="1" smtClean="0"/>
+              <a:t>JobCoordinator</a:t>
+            </a:r>
+            <a:endParaRPr lang="en-US" sz="1400" dirty="0" smtClean="0"/>
+          </a:p>
+          <a:p>
+            <a:r>
+              <a:rPr lang="en-US" sz="1400" dirty="0" smtClean="0"/>
+              <a:t>Stop container if </a:t>
+            </a:r>
+            <a:r>
+              <a:rPr lang="en-US" sz="1400" dirty="0" err="1" smtClean="0"/>
+              <a:t>JobCoordinator</a:t>
+            </a:r>
+            <a:endParaRPr lang="en-US" sz="1400" dirty="0" smtClean="0"/>
+          </a:p>
+          <a:p>
+            <a:r>
+              <a:rPr lang="en-US" sz="1400" dirty="0" smtClean="0"/>
+              <a:t>given signal </a:t>
+            </a:r>
+            <a:endParaRPr lang="en-US" sz="1400" dirty="0"/>
+          </a:p>
+        </p:txBody>
+      </p:sp>
+      <p:sp>
+        <p:nvSpPr>
+          <p:cNvPr id="33" name="TextBox 32"/>
+          <p:cNvSpPr txBox="1"/>
+          <p:nvPr/>
+        </p:nvSpPr>
+        <p:spPr>
+          <a:xfrm>
+            <a:off x="7063976" y="2240739"/>
+            <a:ext cx="2524851" cy="2246769"/>
+          </a:xfrm>
+          <a:prstGeom prst="rect">
+            <a:avLst/>
+          </a:prstGeom>
+          <a:noFill/>
+        </p:spPr>
+        <p:txBody>
+          <a:bodyPr wrap="square" rtlCol="0">
+            <a:spAutoFit/>
+          </a:bodyPr>
+          <a:lstStyle/>
+          <a:p>
+            <a:r>
+              <a:rPr lang="en-US" sz="1400" dirty="0" smtClean="0"/>
+              <a:t>Read offset for each input partition</a:t>
+            </a:r>
+          </a:p>
+          <a:p>
+            <a:endParaRPr lang="en-US" sz="1400" dirty="0" smtClean="0"/>
+          </a:p>
+          <a:p>
+            <a:r>
+              <a:rPr lang="en-US" sz="1400" dirty="0" err="1" smtClean="0"/>
+              <a:t>Instantialize</a:t>
+            </a:r>
+            <a:r>
+              <a:rPr lang="en-US" sz="1400" dirty="0" smtClean="0"/>
+              <a:t> </a:t>
+            </a:r>
+            <a:r>
+              <a:rPr lang="en-US" sz="1400" dirty="0" err="1" smtClean="0"/>
+              <a:t>StreamTask</a:t>
+            </a:r>
+            <a:r>
+              <a:rPr lang="en-US" sz="1400" dirty="0" smtClean="0"/>
+              <a:t> for each input partition</a:t>
+            </a:r>
+          </a:p>
+          <a:p>
+            <a:endParaRPr lang="en-US" sz="1400" dirty="0" smtClean="0"/>
+          </a:p>
+          <a:p>
+            <a:r>
+              <a:rPr lang="en-US" sz="1400" dirty="0" smtClean="0"/>
+              <a:t>Continuously take messages from input stream to </a:t>
+            </a:r>
+            <a:r>
+              <a:rPr lang="en-US" sz="1400" dirty="0" err="1" smtClean="0"/>
+              <a:t>StreamTasks</a:t>
+            </a:r>
+            <a:endParaRPr lang="en-US" sz="1400" dirty="0" smtClean="0"/>
+          </a:p>
+          <a:p>
+            <a:endParaRPr lang="en-US" sz="1400" dirty="0"/>
+          </a:p>
+        </p:txBody>
+      </p:sp>
+    </p:spTree>
+    <p:extLst>
+      <p:ext uri="{BB962C8B-B14F-4D97-AF65-F5344CB8AC3E}">
+        <p14:creationId xmlns:p14="http://schemas.microsoft.com/office/powerpoint/2010/main" val="4107225779"/>
+      </p:ext>
+    </p:extLst>
+  </p:cSld>
+  <p:clrMapOvr>
+    <a:masterClrMapping/>
+  </p:clrMapOvr>
+</p:sld>
+</file>
+
+<file path=ppt/slides/slide12.xml><?xml version="1.0" encoding="utf-8"?>
+<p:sld xmlns:a="http://schemas.openxmlformats.org/drawingml/2006/main" xmlns:r="http://schemas.openxmlformats.org/officeDocument/2006/relationships" xmlns:p="http://schemas.openxmlformats.org/presentationml/2006/main">
+  <p:cSld>
+    <p:spTree>
+      <p:nvGrpSpPr>
+        <p:cNvPr id="1" name=""/>
+        <p:cNvGrpSpPr/>
+        <p:nvPr/>
+      </p:nvGrpSpPr>
+      <p:grpSpPr>
+        <a:xfrm>
+          <a:off x="0" y="0"/>
+          <a:ext cx="0" cy="0"/>
+          <a:chOff x="0" y="0"/>
+          <a:chExt cx="0" cy="0"/>
+        </a:xfrm>
+      </p:grpSpPr>
+      <p:sp>
+        <p:nvSpPr>
+          <p:cNvPr id="2" name="Title 1"/>
+          <p:cNvSpPr>
+            <a:spLocks noGrp="1"/>
+          </p:cNvSpPr>
+          <p:nvPr>
+            <p:ph type="title"/>
+          </p:nvPr>
+        </p:nvSpPr>
+        <p:spPr>
+          <a:xfrm>
             <a:off x="196361" y="277201"/>
             <a:ext cx="10515600" cy="1325563"/>
           </a:xfrm>
@@ -4162,7 +7555,7 @@
 </p:sld>
 </file>
 
-<file path=ppt/slides/slide11.xml><?xml version="1.0" encoding="utf-8"?>
+<file path=ppt/slides/slide13.xml><?xml version="1.0" encoding="utf-8"?>
 <p:sld xmlns:a="http://schemas.openxmlformats.org/drawingml/2006/main" xmlns:r="http://schemas.openxmlformats.org/officeDocument/2006/relationships" xmlns:p="http://schemas.openxmlformats.org/presentationml/2006/main">
   <p:cSld>
     <p:spTree>
@@ -4243,7 +7636,7 @@
 </p:sld>
 </file>
 
-<file path=ppt/slides/slide12.xml><?xml version="1.0" encoding="utf-8"?>
+<file path=ppt/slides/slide14.xml><?xml version="1.0" encoding="utf-8"?>
 <p:sld xmlns:a="http://schemas.openxmlformats.org/drawingml/2006/main" xmlns:r="http://schemas.openxmlformats.org/officeDocument/2006/relationships" xmlns:p="http://schemas.openxmlformats.org/presentationml/2006/main">
   <p:cSld>
     <p:spTree>
@@ -4651,7 +8044,7 @@
 </p:sld>
 </file>
 
-<file path=ppt/slides/slide13.xml><?xml version="1.0" encoding="utf-8"?>
+<file path=ppt/slides/slide15.xml><?xml version="1.0" encoding="utf-8"?>
 <p:sld xmlns:a="http://schemas.openxmlformats.org/drawingml/2006/main" xmlns:r="http://schemas.openxmlformats.org/officeDocument/2006/relationships" xmlns:p="http://schemas.openxmlformats.org/presentationml/2006/main">
   <p:cSld>
     <p:spTree>
@@ -6270,7 +9663,7 @@
 </p:sld>
 </file>
 
-<file path=ppt/slides/slide14.xml><?xml version="1.0" encoding="utf-8"?>
+<file path=ppt/slides/slide16.xml><?xml version="1.0" encoding="utf-8"?>
 <p:sld xmlns:a="http://schemas.openxmlformats.org/drawingml/2006/main" xmlns:r="http://schemas.openxmlformats.org/officeDocument/2006/relationships" xmlns:p="http://schemas.openxmlformats.org/presentationml/2006/main">
   <p:cSld>
     <p:spTree>
@@ -6909,7 +10302,7 @@
 </p:sld>
 </file>
 
-<file path=ppt/slides/slide15.xml><?xml version="1.0" encoding="utf-8"?>
+<file path=ppt/slides/slide17.xml><?xml version="1.0" encoding="utf-8"?>
 <p:sld xmlns:a="http://schemas.openxmlformats.org/drawingml/2006/main" xmlns:r="http://schemas.openxmlformats.org/officeDocument/2006/relationships" xmlns:p="http://schemas.openxmlformats.org/presentationml/2006/main">
   <p:cSld>
     <p:spTree>
@@ -7124,7 +10517,7 @@
 </p:sld>
 </file>
 
-<file path=ppt/slides/slide16.xml><?xml version="1.0" encoding="utf-8"?>
+<file path=ppt/slides/slide18.xml><?xml version="1.0" encoding="utf-8"?>
 <p:sld xmlns:a="http://schemas.openxmlformats.org/drawingml/2006/main" xmlns:r="http://schemas.openxmlformats.org/officeDocument/2006/relationships" xmlns:p="http://schemas.openxmlformats.org/presentationml/2006/main">
   <p:cSld>
     <p:spTree>

--- a/Documentation/SamzaStructure.pptx
+++ b/Documentation/SamzaStructure.pptx
@@ -5,7 +5,7 @@
     <p:sldMasterId id="2147483648" r:id="rId1"/>
   </p:sldMasterIdLst>
   <p:notesMasterIdLst>
-    <p:notesMasterId r:id="rId20"/>
+    <p:notesMasterId r:id="rId33"/>
   </p:notesMasterIdLst>
   <p:sldIdLst>
     <p:sldId id="256" r:id="rId2"/>
@@ -19,13 +19,26 @@
     <p:sldId id="272" r:id="rId10"/>
     <p:sldId id="273" r:id="rId11"/>
     <p:sldId id="274" r:id="rId12"/>
-    <p:sldId id="269" r:id="rId13"/>
-    <p:sldId id="271" r:id="rId14"/>
-    <p:sldId id="263" r:id="rId15"/>
-    <p:sldId id="264" r:id="rId16"/>
-    <p:sldId id="265" r:id="rId17"/>
-    <p:sldId id="266" r:id="rId18"/>
-    <p:sldId id="267" r:id="rId19"/>
+    <p:sldId id="275" r:id="rId13"/>
+    <p:sldId id="277" r:id="rId14"/>
+    <p:sldId id="278" r:id="rId15"/>
+    <p:sldId id="276" r:id="rId16"/>
+    <p:sldId id="279" r:id="rId17"/>
+    <p:sldId id="280" r:id="rId18"/>
+    <p:sldId id="281" r:id="rId19"/>
+    <p:sldId id="282" r:id="rId20"/>
+    <p:sldId id="283" r:id="rId21"/>
+    <p:sldId id="284" r:id="rId22"/>
+    <p:sldId id="285" r:id="rId23"/>
+    <p:sldId id="286" r:id="rId24"/>
+    <p:sldId id="287" r:id="rId25"/>
+    <p:sldId id="269" r:id="rId26"/>
+    <p:sldId id="271" r:id="rId27"/>
+    <p:sldId id="263" r:id="rId28"/>
+    <p:sldId id="264" r:id="rId29"/>
+    <p:sldId id="265" r:id="rId30"/>
+    <p:sldId id="266" r:id="rId31"/>
+    <p:sldId id="267" r:id="rId32"/>
   </p:sldIdLst>
   <p:sldSz cx="12192000" cy="6858000"/>
   <p:notesSz cx="6858000" cy="9144000"/>
@@ -146,6 +159,23 @@
             <p14:sldId id="274"/>
           </p14:sldIdLst>
         </p14:section>
+        <p14:section name="Detailed Abstract" id="{B1A348FB-F787-484B-A125-1217B7FF92DA}">
+          <p14:sldIdLst>
+            <p14:sldId id="275"/>
+            <p14:sldId id="277"/>
+            <p14:sldId id="278"/>
+            <p14:sldId id="276"/>
+            <p14:sldId id="279"/>
+            <p14:sldId id="280"/>
+            <p14:sldId id="281"/>
+            <p14:sldId id="282"/>
+            <p14:sldId id="283"/>
+            <p14:sldId id="284"/>
+            <p14:sldId id="285"/>
+            <p14:sldId id="286"/>
+            <p14:sldId id="287"/>
+          </p14:sldIdLst>
+        </p14:section>
         <p14:section name="Stand alone job" id="{8995E547-06EC-4D59-8961-90CC66602883}">
           <p14:sldIdLst>
             <p14:sldId id="269"/>
@@ -256,7 +286,7 @@
           <a:p>
             <a:fld id="{B35ADF0B-9749-404D-9A56-8E2BD576143D}" type="datetimeFigureOut">
               <a:rPr lang="en-US" smtClean="0"/>
-              <a:t>1/12/2018</a:t>
+              <a:t>1/16/2018</a:t>
             </a:fld>
             <a:endParaRPr lang="en-US"/>
           </a:p>
@@ -673,7 +703,7 @@
           <a:p>
             <a:fld id="{339097E1-CCCB-4E56-BB56-9CF62DC970F1}" type="slidenum">
               <a:rPr lang="en-US" smtClean="0"/>
-              <a:t>15</a:t>
+              <a:t>28</a:t>
             </a:fld>
             <a:endParaRPr lang="en-US"/>
           </a:p>
@@ -823,7 +853,7 @@
           <a:p>
             <a:fld id="{7D2FF18F-DFC6-48DD-A8FE-22636A2E9C75}" type="datetimeFigureOut">
               <a:rPr lang="en-US" smtClean="0"/>
-              <a:t>1/12/2018</a:t>
+              <a:t>1/16/2018</a:t>
             </a:fld>
             <a:endParaRPr lang="en-US"/>
           </a:p>
@@ -993,7 +1023,7 @@
           <a:p>
             <a:fld id="{7D2FF18F-DFC6-48DD-A8FE-22636A2E9C75}" type="datetimeFigureOut">
               <a:rPr lang="en-US" smtClean="0"/>
-              <a:t>1/12/2018</a:t>
+              <a:t>1/16/2018</a:t>
             </a:fld>
             <a:endParaRPr lang="en-US"/>
           </a:p>
@@ -1173,7 +1203,7 @@
           <a:p>
             <a:fld id="{7D2FF18F-DFC6-48DD-A8FE-22636A2E9C75}" type="datetimeFigureOut">
               <a:rPr lang="en-US" smtClean="0"/>
-              <a:t>1/12/2018</a:t>
+              <a:t>1/16/2018</a:t>
             </a:fld>
             <a:endParaRPr lang="en-US"/>
           </a:p>
@@ -1343,7 +1373,7 @@
           <a:p>
             <a:fld id="{7D2FF18F-DFC6-48DD-A8FE-22636A2E9C75}" type="datetimeFigureOut">
               <a:rPr lang="en-US" smtClean="0"/>
-              <a:t>1/12/2018</a:t>
+              <a:t>1/16/2018</a:t>
             </a:fld>
             <a:endParaRPr lang="en-US"/>
           </a:p>
@@ -1589,7 +1619,7 @@
           <a:p>
             <a:fld id="{7D2FF18F-DFC6-48DD-A8FE-22636A2E9C75}" type="datetimeFigureOut">
               <a:rPr lang="en-US" smtClean="0"/>
-              <a:t>1/12/2018</a:t>
+              <a:t>1/16/2018</a:t>
             </a:fld>
             <a:endParaRPr lang="en-US"/>
           </a:p>
@@ -1821,7 +1851,7 @@
           <a:p>
             <a:fld id="{7D2FF18F-DFC6-48DD-A8FE-22636A2E9C75}" type="datetimeFigureOut">
               <a:rPr lang="en-US" smtClean="0"/>
-              <a:t>1/12/2018</a:t>
+              <a:t>1/16/2018</a:t>
             </a:fld>
             <a:endParaRPr lang="en-US"/>
           </a:p>
@@ -2188,7 +2218,7 @@
           <a:p>
             <a:fld id="{7D2FF18F-DFC6-48DD-A8FE-22636A2E9C75}" type="datetimeFigureOut">
               <a:rPr lang="en-US" smtClean="0"/>
-              <a:t>1/12/2018</a:t>
+              <a:t>1/16/2018</a:t>
             </a:fld>
             <a:endParaRPr lang="en-US"/>
           </a:p>
@@ -2306,7 +2336,7 @@
           <a:p>
             <a:fld id="{7D2FF18F-DFC6-48DD-A8FE-22636A2E9C75}" type="datetimeFigureOut">
               <a:rPr lang="en-US" smtClean="0"/>
-              <a:t>1/12/2018</a:t>
+              <a:t>1/16/2018</a:t>
             </a:fld>
             <a:endParaRPr lang="en-US"/>
           </a:p>
@@ -2401,7 +2431,7 @@
           <a:p>
             <a:fld id="{7D2FF18F-DFC6-48DD-A8FE-22636A2E9C75}" type="datetimeFigureOut">
               <a:rPr lang="en-US" smtClean="0"/>
-              <a:t>1/12/2018</a:t>
+              <a:t>1/16/2018</a:t>
             </a:fld>
             <a:endParaRPr lang="en-US"/>
           </a:p>
@@ -2678,7 +2708,7 @@
           <a:p>
             <a:fld id="{7D2FF18F-DFC6-48DD-A8FE-22636A2E9C75}" type="datetimeFigureOut">
               <a:rPr lang="en-US" smtClean="0"/>
-              <a:t>1/12/2018</a:t>
+              <a:t>1/16/2018</a:t>
             </a:fld>
             <a:endParaRPr lang="en-US"/>
           </a:p>
@@ -2931,7 +2961,7 @@
           <a:p>
             <a:fld id="{7D2FF18F-DFC6-48DD-A8FE-22636A2E9C75}" type="datetimeFigureOut">
               <a:rPr lang="en-US" smtClean="0"/>
-              <a:t>1/12/2018</a:t>
+              <a:t>1/16/2018</a:t>
             </a:fld>
             <a:endParaRPr lang="en-US"/>
           </a:p>
@@ -3144,7 +3174,7 @@
           <a:p>
             <a:fld id="{7D2FF18F-DFC6-48DD-A8FE-22636A2E9C75}" type="datetimeFigureOut">
               <a:rPr lang="en-US" smtClean="0"/>
-              <a:t>1/12/2018</a:t>
+              <a:t>1/16/2018</a:t>
             </a:fld>
             <a:endParaRPr lang="en-US"/>
           </a:p>
@@ -6796,8 +6826,8 @@
         </p:nvSpPr>
         <p:spPr>
           <a:xfrm>
-            <a:off x="4317022" y="3091274"/>
-            <a:ext cx="2400301" cy="1054424"/>
+            <a:off x="4317022" y="3091273"/>
+            <a:ext cx="2411043" cy="1287295"/>
           </a:xfrm>
           <a:prstGeom prst="rect">
             <a:avLst/>
@@ -6866,7 +6896,7 @@
         <p:spPr>
           <a:xfrm>
             <a:off x="4264488" y="3488043"/>
-            <a:ext cx="2560561" cy="738664"/>
+            <a:ext cx="2560561" cy="954107"/>
           </a:xfrm>
           <a:prstGeom prst="rect">
             <a:avLst/>
@@ -6887,7 +6917,34 @@
               <a:rPr lang="en-US" sz="1400" dirty="0" err="1" smtClean="0"/>
               <a:t>JobCoordinator</a:t>
             </a:r>
-            <a:endParaRPr lang="en-US" sz="1400" dirty="0" smtClean="0"/>
+            <a:r>
+              <a:rPr lang="en-US" sz="1400" dirty="0" smtClean="0"/>
+              <a:t>(</a:t>
+            </a:r>
+            <a:r>
+              <a:rPr lang="en-US" sz="1400" dirty="0" err="1" smtClean="0"/>
+              <a:t>sam</a:t>
+            </a:r>
+            <a:r>
+              <a:rPr lang="en-US" sz="1400" dirty="0" smtClean="0"/>
+              <a:t> </a:t>
+            </a:r>
+            <a:r>
+              <a:rPr lang="en-US" sz="1400" dirty="0" err="1" smtClean="0"/>
+              <a:t>url</a:t>
+            </a:r>
+            <a:r>
+              <a:rPr lang="en-US" sz="1400" dirty="0" smtClean="0"/>
+              <a:t> as </a:t>
+            </a:r>
+            <a:r>
+              <a:rPr lang="en-US" sz="1400" dirty="0" err="1" smtClean="0"/>
+              <a:t>jobModel</a:t>
+            </a:r>
+            <a:r>
+              <a:rPr lang="en-US" sz="1400" dirty="0" smtClean="0"/>
+              <a:t>)</a:t>
+            </a:r>
           </a:p>
           <a:p>
             <a:r>
@@ -6990,6 +7047,4325 @@
 </file>
 
 <file path=ppt/slides/slide12.xml><?xml version="1.0" encoding="utf-8"?>
+<p:sld xmlns:a="http://schemas.openxmlformats.org/drawingml/2006/main" xmlns:r="http://schemas.openxmlformats.org/officeDocument/2006/relationships" xmlns:p="http://schemas.openxmlformats.org/presentationml/2006/main">
+  <p:cSld>
+    <p:spTree>
+      <p:nvGrpSpPr>
+        <p:cNvPr id="1" name=""/>
+        <p:cNvGrpSpPr/>
+        <p:nvPr/>
+      </p:nvGrpSpPr>
+      <p:grpSpPr>
+        <a:xfrm>
+          <a:off x="0" y="0"/>
+          <a:ext cx="0" cy="0"/>
+          <a:chOff x="0" y="0"/>
+          <a:chExt cx="0" cy="0"/>
+        </a:xfrm>
+      </p:grpSpPr>
+      <p:sp>
+        <p:nvSpPr>
+          <p:cNvPr id="2" name="Title 1"/>
+          <p:cNvSpPr>
+            <a:spLocks noGrp="1"/>
+          </p:cNvSpPr>
+          <p:nvPr>
+            <p:ph type="title"/>
+          </p:nvPr>
+        </p:nvSpPr>
+        <p:spPr/>
+        <p:txBody>
+          <a:bodyPr/>
+          <a:lstStyle/>
+          <a:p>
+            <a:r>
+              <a:rPr lang="en-US" dirty="0" smtClean="0"/>
+              <a:t>Application example</a:t>
+            </a:r>
+            <a:endParaRPr lang="en-US" dirty="0"/>
+          </a:p>
+        </p:txBody>
+      </p:sp>
+      <p:sp>
+        <p:nvSpPr>
+          <p:cNvPr id="3" name="TextBox 2"/>
+          <p:cNvSpPr txBox="1"/>
+          <p:nvPr/>
+        </p:nvSpPr>
+        <p:spPr>
+          <a:xfrm>
+            <a:off x="334108" y="1690688"/>
+            <a:ext cx="5143500" cy="369332"/>
+          </a:xfrm>
+          <a:prstGeom prst="rect">
+            <a:avLst/>
+          </a:prstGeom>
+          <a:noFill/>
+        </p:spPr>
+        <p:txBody>
+          <a:bodyPr wrap="square" rtlCol="0">
+            <a:spAutoFit/>
+          </a:bodyPr>
+          <a:lstStyle/>
+          <a:p>
+            <a:r>
+              <a:rPr lang="en-US" dirty="0" smtClean="0"/>
+              <a:t>Wikipedia application:</a:t>
+            </a:r>
+          </a:p>
+        </p:txBody>
+      </p:sp>
+      <p:pic>
+        <p:nvPicPr>
+          <p:cNvPr id="4" name="Picture 3"/>
+          <p:cNvPicPr>
+            <a:picLocks noChangeAspect="1"/>
+          </p:cNvPicPr>
+          <p:nvPr/>
+        </p:nvPicPr>
+        <p:blipFill>
+          <a:blip r:embed="rId2"/>
+          <a:stretch>
+            <a:fillRect/>
+          </a:stretch>
+        </p:blipFill>
+        <p:spPr>
+          <a:xfrm>
+            <a:off x="219075" y="2060020"/>
+            <a:ext cx="5876925" cy="1371600"/>
+          </a:xfrm>
+          <a:prstGeom prst="rect">
+            <a:avLst/>
+          </a:prstGeom>
+        </p:spPr>
+      </p:pic>
+      <p:pic>
+        <p:nvPicPr>
+          <p:cNvPr id="5" name="Picture 4"/>
+          <p:cNvPicPr>
+            <a:picLocks noChangeAspect="1"/>
+          </p:cNvPicPr>
+          <p:nvPr/>
+        </p:nvPicPr>
+        <p:blipFill>
+          <a:blip r:embed="rId3"/>
+          <a:stretch>
+            <a:fillRect/>
+          </a:stretch>
+        </p:blipFill>
+        <p:spPr>
+          <a:xfrm>
+            <a:off x="5396645" y="2868335"/>
+            <a:ext cx="6753225" cy="419100"/>
+          </a:xfrm>
+          <a:prstGeom prst="rect">
+            <a:avLst/>
+          </a:prstGeom>
+        </p:spPr>
+      </p:pic>
+      <p:pic>
+        <p:nvPicPr>
+          <p:cNvPr id="6" name="Picture 5"/>
+          <p:cNvPicPr>
+            <a:picLocks noChangeAspect="1"/>
+          </p:cNvPicPr>
+          <p:nvPr/>
+        </p:nvPicPr>
+        <p:blipFill>
+          <a:blip r:embed="rId4"/>
+          <a:stretch>
+            <a:fillRect/>
+          </a:stretch>
+        </p:blipFill>
+        <p:spPr>
+          <a:xfrm>
+            <a:off x="334108" y="3562350"/>
+            <a:ext cx="10125075" cy="3295650"/>
+          </a:xfrm>
+          <a:prstGeom prst="rect">
+            <a:avLst/>
+          </a:prstGeom>
+        </p:spPr>
+      </p:pic>
+    </p:spTree>
+    <p:extLst>
+      <p:ext uri="{BB962C8B-B14F-4D97-AF65-F5344CB8AC3E}">
+        <p14:creationId xmlns:p14="http://schemas.microsoft.com/office/powerpoint/2010/main" val="1388133427"/>
+      </p:ext>
+    </p:extLst>
+  </p:cSld>
+  <p:clrMapOvr>
+    <a:masterClrMapping/>
+  </p:clrMapOvr>
+</p:sld>
+</file>
+
+<file path=ppt/slides/slide13.xml><?xml version="1.0" encoding="utf-8"?>
+<p:sld xmlns:a="http://schemas.openxmlformats.org/drawingml/2006/main" xmlns:r="http://schemas.openxmlformats.org/officeDocument/2006/relationships" xmlns:p="http://schemas.openxmlformats.org/presentationml/2006/main">
+  <p:cSld>
+    <p:spTree>
+      <p:nvGrpSpPr>
+        <p:cNvPr id="1" name=""/>
+        <p:cNvGrpSpPr/>
+        <p:nvPr/>
+      </p:nvGrpSpPr>
+      <p:grpSpPr>
+        <a:xfrm>
+          <a:off x="0" y="0"/>
+          <a:ext cx="0" cy="0"/>
+          <a:chOff x="0" y="0"/>
+          <a:chExt cx="0" cy="0"/>
+        </a:xfrm>
+      </p:grpSpPr>
+      <p:sp>
+        <p:nvSpPr>
+          <p:cNvPr id="2" name="Title 1"/>
+          <p:cNvSpPr>
+            <a:spLocks noGrp="1"/>
+          </p:cNvSpPr>
+          <p:nvPr>
+            <p:ph type="title"/>
+          </p:nvPr>
+        </p:nvSpPr>
+        <p:spPr/>
+        <p:txBody>
+          <a:bodyPr/>
+          <a:lstStyle/>
+          <a:p>
+            <a:r>
+              <a:rPr lang="en-US" dirty="0" smtClean="0"/>
+              <a:t>Application example</a:t>
+            </a:r>
+            <a:endParaRPr lang="en-US" dirty="0"/>
+          </a:p>
+        </p:txBody>
+      </p:sp>
+      <p:pic>
+        <p:nvPicPr>
+          <p:cNvPr id="3" name="Picture 2"/>
+          <p:cNvPicPr>
+            <a:picLocks noChangeAspect="1"/>
+          </p:cNvPicPr>
+          <p:nvPr/>
+        </p:nvPicPr>
+        <p:blipFill>
+          <a:blip r:embed="rId2"/>
+          <a:stretch>
+            <a:fillRect/>
+          </a:stretch>
+        </p:blipFill>
+        <p:spPr>
+          <a:xfrm>
+            <a:off x="624254" y="1762980"/>
+            <a:ext cx="7181850" cy="1057275"/>
+          </a:xfrm>
+          <a:prstGeom prst="rect">
+            <a:avLst/>
+          </a:prstGeom>
+        </p:spPr>
+      </p:pic>
+      <p:sp>
+        <p:nvSpPr>
+          <p:cNvPr id="4" name="TextBox 3"/>
+          <p:cNvSpPr txBox="1"/>
+          <p:nvPr/>
+        </p:nvSpPr>
+        <p:spPr>
+          <a:xfrm>
+            <a:off x="624254" y="1494692"/>
+            <a:ext cx="5029200" cy="369332"/>
+          </a:xfrm>
+          <a:prstGeom prst="rect">
+            <a:avLst/>
+          </a:prstGeom>
+          <a:noFill/>
+        </p:spPr>
+        <p:txBody>
+          <a:bodyPr wrap="square" rtlCol="0">
+            <a:spAutoFit/>
+          </a:bodyPr>
+          <a:lstStyle/>
+          <a:p>
+            <a:r>
+              <a:rPr lang="en-US" dirty="0" smtClean="0"/>
+              <a:t>The </a:t>
+            </a:r>
+            <a:r>
+              <a:rPr lang="en-US" dirty="0" err="1" smtClean="0"/>
+              <a:t>WikipediaStatsAggregator</a:t>
+            </a:r>
+            <a:r>
+              <a:rPr lang="en-US" dirty="0" smtClean="0"/>
+              <a:t> class used in window</a:t>
+            </a:r>
+            <a:endParaRPr lang="en-US" dirty="0"/>
+          </a:p>
+        </p:txBody>
+      </p:sp>
+      <p:pic>
+        <p:nvPicPr>
+          <p:cNvPr id="8" name="Picture 7"/>
+          <p:cNvPicPr>
+            <a:picLocks noChangeAspect="1"/>
+          </p:cNvPicPr>
+          <p:nvPr/>
+        </p:nvPicPr>
+        <p:blipFill>
+          <a:blip r:embed="rId3"/>
+          <a:stretch>
+            <a:fillRect/>
+          </a:stretch>
+        </p:blipFill>
+        <p:spPr>
+          <a:xfrm>
+            <a:off x="838200" y="2722318"/>
+            <a:ext cx="6029325" cy="2257425"/>
+          </a:xfrm>
+          <a:prstGeom prst="rect">
+            <a:avLst/>
+          </a:prstGeom>
+        </p:spPr>
+      </p:pic>
+      <p:pic>
+        <p:nvPicPr>
+          <p:cNvPr id="9" name="Picture 8"/>
+          <p:cNvPicPr>
+            <a:picLocks noChangeAspect="1"/>
+          </p:cNvPicPr>
+          <p:nvPr/>
+        </p:nvPicPr>
+        <p:blipFill>
+          <a:blip r:embed="rId4"/>
+          <a:stretch>
+            <a:fillRect/>
+          </a:stretch>
+        </p:blipFill>
+        <p:spPr>
+          <a:xfrm>
+            <a:off x="838200" y="5038969"/>
+            <a:ext cx="5705475" cy="371475"/>
+          </a:xfrm>
+          <a:prstGeom prst="rect">
+            <a:avLst/>
+          </a:prstGeom>
+        </p:spPr>
+      </p:pic>
+      <p:pic>
+        <p:nvPicPr>
+          <p:cNvPr id="6" name="Picture 5"/>
+          <p:cNvPicPr>
+            <a:picLocks noChangeAspect="1"/>
+          </p:cNvPicPr>
+          <p:nvPr/>
+        </p:nvPicPr>
+        <p:blipFill>
+          <a:blip r:embed="rId5"/>
+          <a:stretch>
+            <a:fillRect/>
+          </a:stretch>
+        </p:blipFill>
+        <p:spPr>
+          <a:xfrm>
+            <a:off x="5902569" y="4105518"/>
+            <a:ext cx="5905500" cy="2238375"/>
+          </a:xfrm>
+          <a:prstGeom prst="rect">
+            <a:avLst/>
+          </a:prstGeom>
+        </p:spPr>
+      </p:pic>
+      <p:sp>
+        <p:nvSpPr>
+          <p:cNvPr id="11" name="TextBox 10"/>
+          <p:cNvSpPr txBox="1"/>
+          <p:nvPr/>
+        </p:nvSpPr>
+        <p:spPr>
+          <a:xfrm>
+            <a:off x="5810250" y="3485822"/>
+            <a:ext cx="5717198" cy="646331"/>
+          </a:xfrm>
+          <a:prstGeom prst="rect">
+            <a:avLst/>
+          </a:prstGeom>
+          <a:noFill/>
+        </p:spPr>
+        <p:txBody>
+          <a:bodyPr wrap="square" rtlCol="0">
+            <a:spAutoFit/>
+          </a:bodyPr>
+          <a:lstStyle/>
+          <a:p>
+            <a:r>
+              <a:rPr lang="en-US" dirty="0" err="1" smtClean="0"/>
+              <a:t>FoldLeftFunction</a:t>
+            </a:r>
+            <a:r>
+              <a:rPr lang="en-US" dirty="0" smtClean="0"/>
+              <a:t> are used to increment values like number of visits </a:t>
+            </a:r>
+            <a:endParaRPr lang="en-US" dirty="0"/>
+          </a:p>
+        </p:txBody>
+      </p:sp>
+    </p:spTree>
+    <p:extLst>
+      <p:ext uri="{BB962C8B-B14F-4D97-AF65-F5344CB8AC3E}">
+        <p14:creationId xmlns:p14="http://schemas.microsoft.com/office/powerpoint/2010/main" val="11447537"/>
+      </p:ext>
+    </p:extLst>
+  </p:cSld>
+  <p:clrMapOvr>
+    <a:masterClrMapping/>
+  </p:clrMapOvr>
+</p:sld>
+</file>
+
+<file path=ppt/slides/slide14.xml><?xml version="1.0" encoding="utf-8"?>
+<p:sld xmlns:a="http://schemas.openxmlformats.org/drawingml/2006/main" xmlns:r="http://schemas.openxmlformats.org/officeDocument/2006/relationships" xmlns:p="http://schemas.openxmlformats.org/presentationml/2006/main">
+  <p:cSld>
+    <p:spTree>
+      <p:nvGrpSpPr>
+        <p:cNvPr id="1" name=""/>
+        <p:cNvGrpSpPr/>
+        <p:nvPr/>
+      </p:nvGrpSpPr>
+      <p:grpSpPr>
+        <a:xfrm>
+          <a:off x="0" y="0"/>
+          <a:ext cx="0" cy="0"/>
+          <a:chOff x="0" y="0"/>
+          <a:chExt cx="0" cy="0"/>
+        </a:xfrm>
+      </p:grpSpPr>
+      <p:sp>
+        <p:nvSpPr>
+          <p:cNvPr id="2" name="Title 1"/>
+          <p:cNvSpPr>
+            <a:spLocks noGrp="1"/>
+          </p:cNvSpPr>
+          <p:nvPr>
+            <p:ph type="title"/>
+          </p:nvPr>
+        </p:nvSpPr>
+        <p:spPr>
+          <a:xfrm>
+            <a:off x="117231" y="0"/>
+            <a:ext cx="10515600" cy="1325563"/>
+          </a:xfrm>
+        </p:spPr>
+        <p:txBody>
+          <a:bodyPr/>
+          <a:lstStyle/>
+          <a:p>
+            <a:r>
+              <a:rPr lang="en-US" dirty="0" smtClean="0"/>
+              <a:t>Application example</a:t>
+            </a:r>
+            <a:endParaRPr lang="en-US" dirty="0"/>
+          </a:p>
+        </p:txBody>
+      </p:sp>
+      <p:pic>
+        <p:nvPicPr>
+          <p:cNvPr id="3" name="Picture 2"/>
+          <p:cNvPicPr>
+            <a:picLocks noChangeAspect="1"/>
+          </p:cNvPicPr>
+          <p:nvPr/>
+        </p:nvPicPr>
+        <p:blipFill>
+          <a:blip r:embed="rId2"/>
+          <a:stretch>
+            <a:fillRect/>
+          </a:stretch>
+        </p:blipFill>
+        <p:spPr>
+          <a:xfrm>
+            <a:off x="439614" y="1158694"/>
+            <a:ext cx="4728063" cy="5699306"/>
+          </a:xfrm>
+          <a:prstGeom prst="rect">
+            <a:avLst/>
+          </a:prstGeom>
+        </p:spPr>
+      </p:pic>
+      <p:sp>
+        <p:nvSpPr>
+          <p:cNvPr id="4" name="TextBox 3"/>
+          <p:cNvSpPr txBox="1"/>
+          <p:nvPr/>
+        </p:nvSpPr>
+        <p:spPr>
+          <a:xfrm>
+            <a:off x="6594596" y="1158694"/>
+            <a:ext cx="3964966" cy="646331"/>
+          </a:xfrm>
+          <a:prstGeom prst="rect">
+            <a:avLst/>
+          </a:prstGeom>
+          <a:noFill/>
+        </p:spPr>
+        <p:txBody>
+          <a:bodyPr wrap="square" rtlCol="0">
+            <a:spAutoFit/>
+          </a:bodyPr>
+          <a:lstStyle/>
+          <a:p>
+            <a:r>
+              <a:rPr lang="en-US" dirty="0" smtClean="0"/>
+              <a:t>configuration file: </a:t>
+            </a:r>
+            <a:r>
+              <a:rPr lang="en-US" dirty="0" err="1" smtClean="0"/>
+              <a:t>wikipediaApplication.properties</a:t>
+            </a:r>
+            <a:endParaRPr lang="en-US" dirty="0"/>
+          </a:p>
+        </p:txBody>
+      </p:sp>
+      <p:sp>
+        <p:nvSpPr>
+          <p:cNvPr id="5" name="TextBox 4"/>
+          <p:cNvSpPr txBox="1"/>
+          <p:nvPr/>
+        </p:nvSpPr>
+        <p:spPr>
+          <a:xfrm>
+            <a:off x="6682154" y="2171700"/>
+            <a:ext cx="2980592" cy="1477328"/>
+          </a:xfrm>
+          <a:prstGeom prst="rect">
+            <a:avLst/>
+          </a:prstGeom>
+          <a:noFill/>
+        </p:spPr>
+        <p:txBody>
+          <a:bodyPr wrap="square" rtlCol="0">
+            <a:spAutoFit/>
+          </a:bodyPr>
+          <a:lstStyle/>
+          <a:p>
+            <a:r>
+              <a:rPr lang="en-US" dirty="0" smtClean="0"/>
+              <a:t>Defines which class will be sent to YARN clusters as application, which cluster client are using, which stream system are using, etc.</a:t>
+            </a:r>
+            <a:endParaRPr lang="en-US" dirty="0"/>
+          </a:p>
+        </p:txBody>
+      </p:sp>
+    </p:spTree>
+    <p:extLst>
+      <p:ext uri="{BB962C8B-B14F-4D97-AF65-F5344CB8AC3E}">
+        <p14:creationId xmlns:p14="http://schemas.microsoft.com/office/powerpoint/2010/main" val="3971765818"/>
+      </p:ext>
+    </p:extLst>
+  </p:cSld>
+  <p:clrMapOvr>
+    <a:masterClrMapping/>
+  </p:clrMapOvr>
+</p:sld>
+</file>
+
+<file path=ppt/slides/slide15.xml><?xml version="1.0" encoding="utf-8"?>
+<p:sld xmlns:a="http://schemas.openxmlformats.org/drawingml/2006/main" xmlns:r="http://schemas.openxmlformats.org/officeDocument/2006/relationships" xmlns:p="http://schemas.openxmlformats.org/presentationml/2006/main">
+  <p:cSld>
+    <p:spTree>
+      <p:nvGrpSpPr>
+        <p:cNvPr id="1" name=""/>
+        <p:cNvGrpSpPr/>
+        <p:nvPr/>
+      </p:nvGrpSpPr>
+      <p:grpSpPr>
+        <a:xfrm>
+          <a:off x="0" y="0"/>
+          <a:ext cx="0" cy="0"/>
+          <a:chOff x="0" y="0"/>
+          <a:chExt cx="0" cy="0"/>
+        </a:xfrm>
+      </p:grpSpPr>
+      <p:sp>
+        <p:nvSpPr>
+          <p:cNvPr id="2" name="Title 1"/>
+          <p:cNvSpPr>
+            <a:spLocks noGrp="1"/>
+          </p:cNvSpPr>
+          <p:nvPr>
+            <p:ph type="title"/>
+          </p:nvPr>
+        </p:nvSpPr>
+        <p:spPr>
+          <a:xfrm>
+            <a:off x="90854" y="0"/>
+            <a:ext cx="10515600" cy="1325563"/>
+          </a:xfrm>
+        </p:spPr>
+        <p:txBody>
+          <a:bodyPr/>
+          <a:lstStyle/>
+          <a:p>
+            <a:r>
+              <a:rPr lang="en-US" altLang="zh-CN" dirty="0" smtClean="0"/>
+              <a:t>Run-app.sh</a:t>
+            </a:r>
+            <a:endParaRPr lang="en-US" dirty="0"/>
+          </a:p>
+        </p:txBody>
+      </p:sp>
+      <p:pic>
+        <p:nvPicPr>
+          <p:cNvPr id="3" name="Picture 2"/>
+          <p:cNvPicPr>
+            <a:picLocks noChangeAspect="1"/>
+          </p:cNvPicPr>
+          <p:nvPr/>
+        </p:nvPicPr>
+        <p:blipFill>
+          <a:blip r:embed="rId2"/>
+          <a:stretch>
+            <a:fillRect/>
+          </a:stretch>
+        </p:blipFill>
+        <p:spPr>
+          <a:xfrm>
+            <a:off x="137746" y="943341"/>
+            <a:ext cx="5819775" cy="276225"/>
+          </a:xfrm>
+          <a:prstGeom prst="rect">
+            <a:avLst/>
+          </a:prstGeom>
+        </p:spPr>
+      </p:pic>
+      <p:sp>
+        <p:nvSpPr>
+          <p:cNvPr id="4" name="TextBox 3"/>
+          <p:cNvSpPr txBox="1"/>
+          <p:nvPr/>
+        </p:nvSpPr>
+        <p:spPr>
+          <a:xfrm>
+            <a:off x="137746" y="1219566"/>
+            <a:ext cx="10914185" cy="646331"/>
+          </a:xfrm>
+          <a:prstGeom prst="rect">
+            <a:avLst/>
+          </a:prstGeom>
+          <a:noFill/>
+        </p:spPr>
+        <p:txBody>
+          <a:bodyPr wrap="square" rtlCol="0">
+            <a:spAutoFit/>
+          </a:bodyPr>
+          <a:lstStyle/>
+          <a:p>
+            <a:r>
+              <a:rPr lang="en-US" dirty="0" smtClean="0"/>
+              <a:t>./run-app.sh </a:t>
+            </a:r>
+            <a:r>
+              <a:rPr lang="en-US" dirty="0" err="1" smtClean="0"/>
+              <a:t>wikipedia.application.WikipediaApplication</a:t>
+            </a:r>
+            <a:r>
+              <a:rPr lang="en-US" dirty="0"/>
+              <a:t> </a:t>
+            </a:r>
+            <a:r>
+              <a:rPr lang="en-US" dirty="0" smtClean="0"/>
+              <a:t>--</a:t>
+            </a:r>
+            <a:r>
+              <a:rPr lang="en-US" dirty="0" err="1" smtClean="0"/>
+              <a:t>config</a:t>
+            </a:r>
+            <a:r>
+              <a:rPr lang="en-US" dirty="0" smtClean="0"/>
+              <a:t>-factory=</a:t>
+            </a:r>
+            <a:r>
+              <a:rPr lang="en-US" dirty="0" err="1" smtClean="0"/>
+              <a:t>org.apache.samza.config.factories.PropertiesConfigFactory</a:t>
+            </a:r>
+            <a:r>
+              <a:rPr lang="en-US" dirty="0" smtClean="0"/>
+              <a:t> --</a:t>
+            </a:r>
+            <a:r>
+              <a:rPr lang="en-US" dirty="0" err="1" smtClean="0"/>
+              <a:t>config</a:t>
+            </a:r>
+            <a:r>
+              <a:rPr lang="en-US" dirty="0" smtClean="0"/>
+              <a:t>-path=</a:t>
+            </a:r>
+            <a:r>
+              <a:rPr lang="en-US" dirty="0" err="1" smtClean="0"/>
+              <a:t>wikipediaApplication.properties</a:t>
+            </a:r>
+            <a:endParaRPr lang="en-US" dirty="0"/>
+          </a:p>
+        </p:txBody>
+      </p:sp>
+      <p:sp>
+        <p:nvSpPr>
+          <p:cNvPr id="5" name="TextBox 4"/>
+          <p:cNvSpPr txBox="1"/>
+          <p:nvPr/>
+        </p:nvSpPr>
+        <p:spPr>
+          <a:xfrm>
+            <a:off x="90854" y="1978269"/>
+            <a:ext cx="5737713" cy="769441"/>
+          </a:xfrm>
+          <a:prstGeom prst="rect">
+            <a:avLst/>
+          </a:prstGeom>
+          <a:noFill/>
+        </p:spPr>
+        <p:txBody>
+          <a:bodyPr wrap="square" rtlCol="0">
+            <a:spAutoFit/>
+          </a:bodyPr>
+          <a:lstStyle/>
+          <a:p>
+            <a:r>
+              <a:rPr lang="en-US" sz="4400" dirty="0" err="1" smtClean="0">
+                <a:latin typeface="+mj-lt"/>
+              </a:rPr>
+              <a:t>ApplicationRunnerMain</a:t>
+            </a:r>
+            <a:endParaRPr lang="en-US" sz="4400" dirty="0">
+              <a:latin typeface="+mj-lt"/>
+            </a:endParaRPr>
+          </a:p>
+        </p:txBody>
+      </p:sp>
+      <p:pic>
+        <p:nvPicPr>
+          <p:cNvPr id="6" name="Picture 5"/>
+          <p:cNvPicPr>
+            <a:picLocks noChangeAspect="1"/>
+          </p:cNvPicPr>
+          <p:nvPr/>
+        </p:nvPicPr>
+        <p:blipFill>
+          <a:blip r:embed="rId3"/>
+          <a:stretch>
+            <a:fillRect/>
+          </a:stretch>
+        </p:blipFill>
+        <p:spPr>
+          <a:xfrm>
+            <a:off x="90854" y="4305779"/>
+            <a:ext cx="6819900" cy="1133475"/>
+          </a:xfrm>
+          <a:prstGeom prst="rect">
+            <a:avLst/>
+          </a:prstGeom>
+        </p:spPr>
+      </p:pic>
+      <p:sp>
+        <p:nvSpPr>
+          <p:cNvPr id="7" name="TextBox 6"/>
+          <p:cNvSpPr txBox="1"/>
+          <p:nvPr/>
+        </p:nvSpPr>
+        <p:spPr>
+          <a:xfrm>
+            <a:off x="137746" y="2672862"/>
+            <a:ext cx="4460631" cy="369332"/>
+          </a:xfrm>
+          <a:prstGeom prst="rect">
+            <a:avLst/>
+          </a:prstGeom>
+          <a:noFill/>
+        </p:spPr>
+        <p:txBody>
+          <a:bodyPr wrap="square" rtlCol="0">
+            <a:spAutoFit/>
+          </a:bodyPr>
+          <a:lstStyle/>
+          <a:p>
+            <a:r>
+              <a:rPr lang="en-US" altLang="zh-CN" dirty="0" smtClean="0"/>
+              <a:t>Read configuration from </a:t>
+            </a:r>
+            <a:r>
+              <a:rPr lang="en-US" altLang="zh-CN" dirty="0" err="1" smtClean="0"/>
+              <a:t>commandline</a:t>
+            </a:r>
+            <a:endParaRPr lang="en-US" dirty="0"/>
+          </a:p>
+        </p:txBody>
+      </p:sp>
+      <p:pic>
+        <p:nvPicPr>
+          <p:cNvPr id="8" name="Picture 7"/>
+          <p:cNvPicPr>
+            <a:picLocks noChangeAspect="1"/>
+          </p:cNvPicPr>
+          <p:nvPr/>
+        </p:nvPicPr>
+        <p:blipFill>
+          <a:blip r:embed="rId4"/>
+          <a:stretch>
+            <a:fillRect/>
+          </a:stretch>
+        </p:blipFill>
+        <p:spPr>
+          <a:xfrm>
+            <a:off x="137746" y="3028679"/>
+            <a:ext cx="8086725" cy="342900"/>
+          </a:xfrm>
+          <a:prstGeom prst="rect">
+            <a:avLst/>
+          </a:prstGeom>
+        </p:spPr>
+      </p:pic>
+      <p:pic>
+        <p:nvPicPr>
+          <p:cNvPr id="9" name="Picture 8"/>
+          <p:cNvPicPr>
+            <a:picLocks noChangeAspect="1"/>
+          </p:cNvPicPr>
+          <p:nvPr/>
+        </p:nvPicPr>
+        <p:blipFill>
+          <a:blip r:embed="rId5"/>
+          <a:stretch>
+            <a:fillRect/>
+          </a:stretch>
+        </p:blipFill>
+        <p:spPr>
+          <a:xfrm>
+            <a:off x="160460" y="5468091"/>
+            <a:ext cx="2457450" cy="533400"/>
+          </a:xfrm>
+          <a:prstGeom prst="rect">
+            <a:avLst/>
+          </a:prstGeom>
+        </p:spPr>
+      </p:pic>
+      <p:pic>
+        <p:nvPicPr>
+          <p:cNvPr id="10" name="Picture 9"/>
+          <p:cNvPicPr>
+            <a:picLocks noChangeAspect="1"/>
+          </p:cNvPicPr>
+          <p:nvPr/>
+        </p:nvPicPr>
+        <p:blipFill>
+          <a:blip r:embed="rId6"/>
+          <a:stretch>
+            <a:fillRect/>
+          </a:stretch>
+        </p:blipFill>
+        <p:spPr>
+          <a:xfrm>
+            <a:off x="102943" y="3515204"/>
+            <a:ext cx="5305425" cy="790575"/>
+          </a:xfrm>
+          <a:prstGeom prst="rect">
+            <a:avLst/>
+          </a:prstGeom>
+        </p:spPr>
+      </p:pic>
+      <p:pic>
+        <p:nvPicPr>
+          <p:cNvPr id="11" name="Picture 10"/>
+          <p:cNvPicPr>
+            <a:picLocks noChangeAspect="1"/>
+          </p:cNvPicPr>
+          <p:nvPr/>
+        </p:nvPicPr>
+        <p:blipFill rotWithShape="1">
+          <a:blip r:embed="rId7"/>
+          <a:srcRect t="29988" b="20309"/>
+          <a:stretch/>
+        </p:blipFill>
+        <p:spPr>
+          <a:xfrm>
+            <a:off x="-125290" y="3370348"/>
+            <a:ext cx="5486400" cy="123092"/>
+          </a:xfrm>
+          <a:prstGeom prst="rect">
+            <a:avLst/>
+          </a:prstGeom>
+        </p:spPr>
+      </p:pic>
+      <p:sp>
+        <p:nvSpPr>
+          <p:cNvPr id="12" name="TextBox 11"/>
+          <p:cNvSpPr txBox="1"/>
+          <p:nvPr/>
+        </p:nvSpPr>
+        <p:spPr>
+          <a:xfrm>
+            <a:off x="7757745" y="4428954"/>
+            <a:ext cx="3622431" cy="1200329"/>
+          </a:xfrm>
+          <a:prstGeom prst="rect">
+            <a:avLst/>
+          </a:prstGeom>
+          <a:noFill/>
+        </p:spPr>
+        <p:txBody>
+          <a:bodyPr wrap="square" rtlCol="0">
+            <a:spAutoFit/>
+          </a:bodyPr>
+          <a:lstStyle/>
+          <a:p>
+            <a:r>
+              <a:rPr lang="en-US" altLang="zh-CN" dirty="0" smtClean="0"/>
+              <a:t>Generate the instance of </a:t>
+            </a:r>
+            <a:r>
+              <a:rPr lang="en-US" altLang="zh-CN" dirty="0" err="1" smtClean="0"/>
+              <a:t>StreamAppplication</a:t>
+            </a:r>
+            <a:r>
+              <a:rPr lang="en-US" altLang="zh-CN" dirty="0" smtClean="0"/>
+              <a:t> class, ‘wikipediaApplication.java’ for example </a:t>
+            </a:r>
+            <a:endParaRPr lang="en-US" dirty="0"/>
+          </a:p>
+        </p:txBody>
+      </p:sp>
+      <p:cxnSp>
+        <p:nvCxnSpPr>
+          <p:cNvPr id="14" name="Straight Arrow Connector 13"/>
+          <p:cNvCxnSpPr>
+            <a:stCxn id="12" idx="1"/>
+            <a:endCxn id="6" idx="3"/>
+          </p:cNvCxnSpPr>
+          <p:nvPr/>
+        </p:nvCxnSpPr>
+        <p:spPr>
+          <a:xfrm flipH="1" flipV="1">
+            <a:off x="6910754" y="4872517"/>
+            <a:ext cx="846991" cy="156602"/>
+          </a:xfrm>
+          <a:prstGeom prst="straightConnector1">
+            <a:avLst/>
+          </a:prstGeom>
+          <a:ln>
+            <a:tailEnd type="triangle"/>
+          </a:ln>
+        </p:spPr>
+        <p:style>
+          <a:lnRef idx="1">
+            <a:schemeClr val="accent1"/>
+          </a:lnRef>
+          <a:fillRef idx="0">
+            <a:schemeClr val="accent1"/>
+          </a:fillRef>
+          <a:effectRef idx="0">
+            <a:schemeClr val="accent1"/>
+          </a:effectRef>
+          <a:fontRef idx="minor">
+            <a:schemeClr val="tx1"/>
+          </a:fontRef>
+        </p:style>
+      </p:cxnSp>
+    </p:spTree>
+    <p:extLst>
+      <p:ext uri="{BB962C8B-B14F-4D97-AF65-F5344CB8AC3E}">
+        <p14:creationId xmlns:p14="http://schemas.microsoft.com/office/powerpoint/2010/main" val="3465086327"/>
+      </p:ext>
+    </p:extLst>
+  </p:cSld>
+  <p:clrMapOvr>
+    <a:masterClrMapping/>
+  </p:clrMapOvr>
+</p:sld>
+</file>
+
+<file path=ppt/slides/slide16.xml><?xml version="1.0" encoding="utf-8"?>
+<p:sld xmlns:a="http://schemas.openxmlformats.org/drawingml/2006/main" xmlns:r="http://schemas.openxmlformats.org/officeDocument/2006/relationships" xmlns:p="http://schemas.openxmlformats.org/presentationml/2006/main">
+  <p:cSld>
+    <p:spTree>
+      <p:nvGrpSpPr>
+        <p:cNvPr id="1" name=""/>
+        <p:cNvGrpSpPr/>
+        <p:nvPr/>
+      </p:nvGrpSpPr>
+      <p:grpSpPr>
+        <a:xfrm>
+          <a:off x="0" y="0"/>
+          <a:ext cx="0" cy="0"/>
+          <a:chOff x="0" y="0"/>
+          <a:chExt cx="0" cy="0"/>
+        </a:xfrm>
+      </p:grpSpPr>
+      <p:sp>
+        <p:nvSpPr>
+          <p:cNvPr id="2" name="Title 1"/>
+          <p:cNvSpPr>
+            <a:spLocks noGrp="1"/>
+          </p:cNvSpPr>
+          <p:nvPr>
+            <p:ph type="title"/>
+          </p:nvPr>
+        </p:nvSpPr>
+        <p:spPr>
+          <a:xfrm>
+            <a:off x="231531" y="101356"/>
+            <a:ext cx="10515600" cy="1325563"/>
+          </a:xfrm>
+        </p:spPr>
+        <p:txBody>
+          <a:bodyPr/>
+          <a:lstStyle/>
+          <a:p>
+            <a:r>
+              <a:rPr lang="en-US" dirty="0" err="1" smtClean="0"/>
+              <a:t>ApplicationRunner</a:t>
+            </a:r>
+            <a:endParaRPr lang="en-US" dirty="0"/>
+          </a:p>
+        </p:txBody>
+      </p:sp>
+      <p:pic>
+        <p:nvPicPr>
+          <p:cNvPr id="3" name="Picture 2"/>
+          <p:cNvPicPr>
+            <a:picLocks noChangeAspect="1"/>
+          </p:cNvPicPr>
+          <p:nvPr/>
+        </p:nvPicPr>
+        <p:blipFill>
+          <a:blip r:embed="rId2"/>
+          <a:stretch>
+            <a:fillRect/>
+          </a:stretch>
+        </p:blipFill>
+        <p:spPr>
+          <a:xfrm>
+            <a:off x="122358" y="2285024"/>
+            <a:ext cx="7248525" cy="2152650"/>
+          </a:xfrm>
+          <a:prstGeom prst="rect">
+            <a:avLst/>
+          </a:prstGeom>
+        </p:spPr>
+      </p:pic>
+      <p:pic>
+        <p:nvPicPr>
+          <p:cNvPr id="4" name="Picture 3"/>
+          <p:cNvPicPr>
+            <a:picLocks noChangeAspect="1"/>
+          </p:cNvPicPr>
+          <p:nvPr/>
+        </p:nvPicPr>
+        <p:blipFill>
+          <a:blip r:embed="rId3"/>
+          <a:stretch>
+            <a:fillRect/>
+          </a:stretch>
+        </p:blipFill>
+        <p:spPr>
+          <a:xfrm>
+            <a:off x="13920" y="2035786"/>
+            <a:ext cx="7019925" cy="314325"/>
+          </a:xfrm>
+          <a:prstGeom prst="rect">
+            <a:avLst/>
+          </a:prstGeom>
+        </p:spPr>
+      </p:pic>
+      <p:sp>
+        <p:nvSpPr>
+          <p:cNvPr id="7" name="TextBox 6"/>
+          <p:cNvSpPr txBox="1"/>
+          <p:nvPr/>
+        </p:nvSpPr>
+        <p:spPr>
+          <a:xfrm>
+            <a:off x="7033845" y="3744247"/>
+            <a:ext cx="4879731" cy="369332"/>
+          </a:xfrm>
+          <a:prstGeom prst="rect">
+            <a:avLst/>
+          </a:prstGeom>
+          <a:noFill/>
+        </p:spPr>
+        <p:txBody>
+          <a:bodyPr wrap="square" rtlCol="0">
+            <a:spAutoFit/>
+          </a:bodyPr>
+          <a:lstStyle/>
+          <a:p>
+            <a:r>
+              <a:rPr lang="en-US" altLang="zh-CN" dirty="0" smtClean="0"/>
+              <a:t>Here</a:t>
+            </a:r>
+            <a:r>
+              <a:rPr lang="en-US" dirty="0" smtClean="0"/>
+              <a:t> we use </a:t>
+            </a:r>
+            <a:r>
+              <a:rPr lang="en-US" dirty="0" err="1" smtClean="0"/>
+              <a:t>RemoteApplicationRunner</a:t>
+            </a:r>
+            <a:r>
+              <a:rPr lang="en-US" dirty="0" smtClean="0"/>
+              <a:t> class</a:t>
+            </a:r>
+            <a:endParaRPr lang="en-US" dirty="0"/>
+          </a:p>
+        </p:txBody>
+      </p:sp>
+    </p:spTree>
+    <p:extLst>
+      <p:ext uri="{BB962C8B-B14F-4D97-AF65-F5344CB8AC3E}">
+        <p14:creationId xmlns:p14="http://schemas.microsoft.com/office/powerpoint/2010/main" val="3463953639"/>
+      </p:ext>
+    </p:extLst>
+  </p:cSld>
+  <p:clrMapOvr>
+    <a:masterClrMapping/>
+  </p:clrMapOvr>
+</p:sld>
+</file>
+
+<file path=ppt/slides/slide17.xml><?xml version="1.0" encoding="utf-8"?>
+<p:sld xmlns:a="http://schemas.openxmlformats.org/drawingml/2006/main" xmlns:r="http://schemas.openxmlformats.org/officeDocument/2006/relationships" xmlns:p="http://schemas.openxmlformats.org/presentationml/2006/main">
+  <p:cSld>
+    <p:spTree>
+      <p:nvGrpSpPr>
+        <p:cNvPr id="1" name=""/>
+        <p:cNvGrpSpPr/>
+        <p:nvPr/>
+      </p:nvGrpSpPr>
+      <p:grpSpPr>
+        <a:xfrm>
+          <a:off x="0" y="0"/>
+          <a:ext cx="0" cy="0"/>
+          <a:chOff x="0" y="0"/>
+          <a:chExt cx="0" cy="0"/>
+        </a:xfrm>
+      </p:grpSpPr>
+      <p:sp>
+        <p:nvSpPr>
+          <p:cNvPr id="3" name="Title 1"/>
+          <p:cNvSpPr txBox="1">
+            <a:spLocks/>
+          </p:cNvSpPr>
+          <p:nvPr/>
+        </p:nvSpPr>
+        <p:spPr>
+          <a:xfrm>
+            <a:off x="66308" y="-298939"/>
+            <a:ext cx="10515600" cy="1325563"/>
+          </a:xfrm>
+          <a:prstGeom prst="rect">
+            <a:avLst/>
+          </a:prstGeom>
+        </p:spPr>
+        <p:txBody>
+          <a:bodyPr vert="horz" lIns="91440" tIns="45720" rIns="91440" bIns="45720" rtlCol="0" anchor="ctr">
+            <a:normAutofit/>
+          </a:bodyPr>
+          <a:lstStyle>
+            <a:lvl1pPr algn="l" defTabSz="914400" rtl="0" eaLnBrk="1" latinLnBrk="0" hangingPunct="1">
+              <a:lnSpc>
+                <a:spcPct val="90000"/>
+              </a:lnSpc>
+              <a:spcBef>
+                <a:spcPct val="0"/>
+              </a:spcBef>
+              <a:buNone/>
+              <a:defRPr sz="4400" kern="1200">
+                <a:solidFill>
+                  <a:schemeClr val="tx1"/>
+                </a:solidFill>
+                <a:latin typeface="+mj-lt"/>
+                <a:ea typeface="+mj-ea"/>
+                <a:cs typeface="+mj-cs"/>
+              </a:defRPr>
+            </a:lvl1pPr>
+          </a:lstStyle>
+          <a:p>
+            <a:r>
+              <a:rPr lang="en-US" dirty="0" err="1" smtClean="0"/>
+              <a:t>RemoteApplicationRunner</a:t>
+            </a:r>
+            <a:endParaRPr lang="en-US" dirty="0"/>
+          </a:p>
+        </p:txBody>
+      </p:sp>
+      <p:pic>
+        <p:nvPicPr>
+          <p:cNvPr id="4" name="Picture 3"/>
+          <p:cNvPicPr>
+            <a:picLocks noChangeAspect="1"/>
+          </p:cNvPicPr>
+          <p:nvPr/>
+        </p:nvPicPr>
+        <p:blipFill>
+          <a:blip r:embed="rId2"/>
+          <a:stretch>
+            <a:fillRect/>
+          </a:stretch>
+        </p:blipFill>
+        <p:spPr>
+          <a:xfrm>
+            <a:off x="154597" y="687999"/>
+            <a:ext cx="6962775" cy="628650"/>
+          </a:xfrm>
+          <a:prstGeom prst="rect">
+            <a:avLst/>
+          </a:prstGeom>
+        </p:spPr>
+      </p:pic>
+      <p:pic>
+        <p:nvPicPr>
+          <p:cNvPr id="5" name="Picture 4"/>
+          <p:cNvPicPr>
+            <a:picLocks noChangeAspect="1"/>
+          </p:cNvPicPr>
+          <p:nvPr/>
+        </p:nvPicPr>
+        <p:blipFill>
+          <a:blip r:embed="rId3"/>
+          <a:stretch>
+            <a:fillRect/>
+          </a:stretch>
+        </p:blipFill>
+        <p:spPr>
+          <a:xfrm>
+            <a:off x="253512" y="1325809"/>
+            <a:ext cx="4457700" cy="180975"/>
+          </a:xfrm>
+          <a:prstGeom prst="rect">
+            <a:avLst/>
+          </a:prstGeom>
+        </p:spPr>
+      </p:pic>
+      <p:pic>
+        <p:nvPicPr>
+          <p:cNvPr id="6" name="Picture 5"/>
+          <p:cNvPicPr>
+            <a:picLocks noChangeAspect="1"/>
+          </p:cNvPicPr>
+          <p:nvPr/>
+        </p:nvPicPr>
+        <p:blipFill>
+          <a:blip r:embed="rId4"/>
+          <a:stretch>
+            <a:fillRect/>
+          </a:stretch>
+        </p:blipFill>
+        <p:spPr>
+          <a:xfrm>
+            <a:off x="319454" y="1515944"/>
+            <a:ext cx="5519386" cy="3829779"/>
+          </a:xfrm>
+          <a:prstGeom prst="rect">
+            <a:avLst/>
+          </a:prstGeom>
+        </p:spPr>
+      </p:pic>
+      <p:pic>
+        <p:nvPicPr>
+          <p:cNvPr id="7" name="Picture 6"/>
+          <p:cNvPicPr>
+            <a:picLocks noChangeAspect="1"/>
+          </p:cNvPicPr>
+          <p:nvPr/>
+        </p:nvPicPr>
+        <p:blipFill>
+          <a:blip r:embed="rId5"/>
+          <a:stretch>
+            <a:fillRect/>
+          </a:stretch>
+        </p:blipFill>
+        <p:spPr>
+          <a:xfrm>
+            <a:off x="5943600" y="2442920"/>
+            <a:ext cx="6248400" cy="819150"/>
+          </a:xfrm>
+          <a:prstGeom prst="rect">
+            <a:avLst/>
+          </a:prstGeom>
+        </p:spPr>
+      </p:pic>
+      <p:pic>
+        <p:nvPicPr>
+          <p:cNvPr id="8" name="Picture 7"/>
+          <p:cNvPicPr>
+            <a:picLocks noChangeAspect="1"/>
+          </p:cNvPicPr>
+          <p:nvPr/>
+        </p:nvPicPr>
+        <p:blipFill>
+          <a:blip r:embed="rId6"/>
+          <a:stretch>
+            <a:fillRect/>
+          </a:stretch>
+        </p:blipFill>
+        <p:spPr>
+          <a:xfrm>
+            <a:off x="6109186" y="3270865"/>
+            <a:ext cx="6057900" cy="819150"/>
+          </a:xfrm>
+          <a:prstGeom prst="rect">
+            <a:avLst/>
+          </a:prstGeom>
+        </p:spPr>
+      </p:pic>
+      <p:sp>
+        <p:nvSpPr>
+          <p:cNvPr id="9" name="TextBox 8"/>
+          <p:cNvSpPr txBox="1"/>
+          <p:nvPr/>
+        </p:nvSpPr>
+        <p:spPr>
+          <a:xfrm>
+            <a:off x="5943600" y="2064793"/>
+            <a:ext cx="3006969" cy="369332"/>
+          </a:xfrm>
+          <a:prstGeom prst="rect">
+            <a:avLst/>
+          </a:prstGeom>
+          <a:noFill/>
+        </p:spPr>
+        <p:txBody>
+          <a:bodyPr wrap="square" rtlCol="0">
+            <a:spAutoFit/>
+          </a:bodyPr>
+          <a:lstStyle/>
+          <a:p>
+            <a:r>
+              <a:rPr lang="en-US" dirty="0" smtClean="0"/>
+              <a:t>In </a:t>
+            </a:r>
+            <a:r>
+              <a:rPr lang="en-US" dirty="0" err="1" smtClean="0"/>
+              <a:t>AbstractApplicationRunner</a:t>
+            </a:r>
+            <a:endParaRPr lang="en-US" dirty="0"/>
+          </a:p>
+        </p:txBody>
+      </p:sp>
+      <p:sp>
+        <p:nvSpPr>
+          <p:cNvPr id="10" name="TextBox 9"/>
+          <p:cNvSpPr txBox="1"/>
+          <p:nvPr/>
+        </p:nvSpPr>
+        <p:spPr>
+          <a:xfrm>
+            <a:off x="5943600" y="4098810"/>
+            <a:ext cx="2533652" cy="376475"/>
+          </a:xfrm>
+          <a:prstGeom prst="rect">
+            <a:avLst/>
+          </a:prstGeom>
+          <a:noFill/>
+        </p:spPr>
+        <p:txBody>
+          <a:bodyPr wrap="square" rtlCol="0">
+            <a:spAutoFit/>
+          </a:bodyPr>
+          <a:lstStyle/>
+          <a:p>
+            <a:r>
+              <a:rPr lang="en-US" dirty="0" smtClean="0"/>
+              <a:t>In </a:t>
+            </a:r>
+            <a:r>
+              <a:rPr lang="en-US" dirty="0" err="1" smtClean="0"/>
+              <a:t>Application</a:t>
+            </a:r>
+            <a:r>
+              <a:rPr lang="en-US" altLang="zh-CN" dirty="0" err="1" smtClean="0"/>
+              <a:t>Runner</a:t>
+            </a:r>
+            <a:endParaRPr lang="en-US" dirty="0"/>
+          </a:p>
+        </p:txBody>
+      </p:sp>
+      <p:pic>
+        <p:nvPicPr>
+          <p:cNvPr id="11" name="Picture 10"/>
+          <p:cNvPicPr>
+            <a:picLocks noChangeAspect="1"/>
+          </p:cNvPicPr>
+          <p:nvPr/>
+        </p:nvPicPr>
+        <p:blipFill>
+          <a:blip r:embed="rId7"/>
+          <a:stretch>
+            <a:fillRect/>
+          </a:stretch>
+        </p:blipFill>
+        <p:spPr>
+          <a:xfrm>
+            <a:off x="6012473" y="4475285"/>
+            <a:ext cx="5600700" cy="1181100"/>
+          </a:xfrm>
+          <a:prstGeom prst="rect">
+            <a:avLst/>
+          </a:prstGeom>
+        </p:spPr>
+      </p:pic>
+      <p:pic>
+        <p:nvPicPr>
+          <p:cNvPr id="12" name="Picture 11"/>
+          <p:cNvPicPr>
+            <a:picLocks noChangeAspect="1"/>
+          </p:cNvPicPr>
+          <p:nvPr/>
+        </p:nvPicPr>
+        <p:blipFill>
+          <a:blip r:embed="rId8"/>
+          <a:stretch>
+            <a:fillRect/>
+          </a:stretch>
+        </p:blipFill>
+        <p:spPr>
+          <a:xfrm>
+            <a:off x="319454" y="5354883"/>
+            <a:ext cx="5295900" cy="1304925"/>
+          </a:xfrm>
+          <a:prstGeom prst="rect">
+            <a:avLst/>
+          </a:prstGeom>
+        </p:spPr>
+      </p:pic>
+      <p:cxnSp>
+        <p:nvCxnSpPr>
+          <p:cNvPr id="16" name="Straight Arrow Connector 15"/>
+          <p:cNvCxnSpPr>
+            <a:stCxn id="8" idx="1"/>
+            <a:endCxn id="5" idx="3"/>
+          </p:cNvCxnSpPr>
+          <p:nvPr/>
+        </p:nvCxnSpPr>
+        <p:spPr>
+          <a:xfrm flipH="1" flipV="1">
+            <a:off x="4711212" y="1416297"/>
+            <a:ext cx="1397974" cy="2264143"/>
+          </a:xfrm>
+          <a:prstGeom prst="straightConnector1">
+            <a:avLst/>
+          </a:prstGeom>
+          <a:ln>
+            <a:tailEnd type="triangle"/>
+          </a:ln>
+        </p:spPr>
+        <p:style>
+          <a:lnRef idx="1">
+            <a:schemeClr val="accent1"/>
+          </a:lnRef>
+          <a:fillRef idx="0">
+            <a:schemeClr val="accent1"/>
+          </a:fillRef>
+          <a:effectRef idx="0">
+            <a:schemeClr val="accent1"/>
+          </a:effectRef>
+          <a:fontRef idx="minor">
+            <a:schemeClr val="tx1"/>
+          </a:fontRef>
+        </p:style>
+      </p:cxnSp>
+    </p:spTree>
+    <p:extLst>
+      <p:ext uri="{BB962C8B-B14F-4D97-AF65-F5344CB8AC3E}">
+        <p14:creationId xmlns:p14="http://schemas.microsoft.com/office/powerpoint/2010/main" val="2556668898"/>
+      </p:ext>
+    </p:extLst>
+  </p:cSld>
+  <p:clrMapOvr>
+    <a:masterClrMapping/>
+  </p:clrMapOvr>
+</p:sld>
+</file>
+
+<file path=ppt/slides/slide18.xml><?xml version="1.0" encoding="utf-8"?>
+<p:sld xmlns:a="http://schemas.openxmlformats.org/drawingml/2006/main" xmlns:r="http://schemas.openxmlformats.org/officeDocument/2006/relationships" xmlns:p="http://schemas.openxmlformats.org/presentationml/2006/main">
+  <p:cSld>
+    <p:spTree>
+      <p:nvGrpSpPr>
+        <p:cNvPr id="1" name=""/>
+        <p:cNvGrpSpPr/>
+        <p:nvPr/>
+      </p:nvGrpSpPr>
+      <p:grpSpPr>
+        <a:xfrm>
+          <a:off x="0" y="0"/>
+          <a:ext cx="0" cy="0"/>
+          <a:chOff x="0" y="0"/>
+          <a:chExt cx="0" cy="0"/>
+        </a:xfrm>
+      </p:grpSpPr>
+      <p:sp>
+        <p:nvSpPr>
+          <p:cNvPr id="2" name="Title 1"/>
+          <p:cNvSpPr>
+            <a:spLocks noGrp="1"/>
+          </p:cNvSpPr>
+          <p:nvPr>
+            <p:ph type="title"/>
+          </p:nvPr>
+        </p:nvSpPr>
+        <p:spPr>
+          <a:xfrm>
+            <a:off x="82062" y="-96437"/>
+            <a:ext cx="10515600" cy="1325563"/>
+          </a:xfrm>
+        </p:spPr>
+        <p:txBody>
+          <a:bodyPr/>
+          <a:lstStyle/>
+          <a:p>
+            <a:r>
+              <a:rPr lang="en-US" dirty="0" err="1" smtClean="0"/>
+              <a:t>AbstractApplicationRunner</a:t>
+            </a:r>
+            <a:endParaRPr lang="en-US" dirty="0"/>
+          </a:p>
+        </p:txBody>
+      </p:sp>
+      <p:pic>
+        <p:nvPicPr>
+          <p:cNvPr id="3" name="Picture 2"/>
+          <p:cNvPicPr>
+            <a:picLocks noChangeAspect="1"/>
+          </p:cNvPicPr>
+          <p:nvPr/>
+        </p:nvPicPr>
+        <p:blipFill>
+          <a:blip r:embed="rId2"/>
+          <a:stretch>
+            <a:fillRect/>
+          </a:stretch>
+        </p:blipFill>
+        <p:spPr>
+          <a:xfrm>
+            <a:off x="82062" y="817684"/>
+            <a:ext cx="5362575" cy="1371600"/>
+          </a:xfrm>
+          <a:prstGeom prst="rect">
+            <a:avLst/>
+          </a:prstGeom>
+        </p:spPr>
+      </p:pic>
+      <p:pic>
+        <p:nvPicPr>
+          <p:cNvPr id="4" name="Picture 3"/>
+          <p:cNvPicPr>
+            <a:picLocks noChangeAspect="1"/>
+          </p:cNvPicPr>
+          <p:nvPr/>
+        </p:nvPicPr>
+        <p:blipFill>
+          <a:blip r:embed="rId3"/>
+          <a:stretch>
+            <a:fillRect/>
+          </a:stretch>
+        </p:blipFill>
+        <p:spPr>
+          <a:xfrm>
+            <a:off x="164123" y="2189284"/>
+            <a:ext cx="4495800" cy="981075"/>
+          </a:xfrm>
+          <a:prstGeom prst="rect">
+            <a:avLst/>
+          </a:prstGeom>
+        </p:spPr>
+      </p:pic>
+      <p:cxnSp>
+        <p:nvCxnSpPr>
+          <p:cNvPr id="6" name="Straight Arrow Connector 5"/>
+          <p:cNvCxnSpPr/>
+          <p:nvPr/>
+        </p:nvCxnSpPr>
+        <p:spPr>
+          <a:xfrm flipH="1" flipV="1">
+            <a:off x="2763350" y="1424355"/>
+            <a:ext cx="3215420" cy="8791"/>
+          </a:xfrm>
+          <a:prstGeom prst="straightConnector1">
+            <a:avLst/>
+          </a:prstGeom>
+          <a:ln>
+            <a:tailEnd type="triangle"/>
+          </a:ln>
+        </p:spPr>
+        <p:style>
+          <a:lnRef idx="1">
+            <a:schemeClr val="accent1"/>
+          </a:lnRef>
+          <a:fillRef idx="0">
+            <a:schemeClr val="accent1"/>
+          </a:fillRef>
+          <a:effectRef idx="0">
+            <a:schemeClr val="accent1"/>
+          </a:effectRef>
+          <a:fontRef idx="minor">
+            <a:schemeClr val="tx1"/>
+          </a:fontRef>
+        </p:style>
+      </p:cxnSp>
+      <p:sp>
+        <p:nvSpPr>
+          <p:cNvPr id="8" name="TextBox 7"/>
+          <p:cNvSpPr txBox="1"/>
+          <p:nvPr/>
+        </p:nvSpPr>
+        <p:spPr>
+          <a:xfrm>
+            <a:off x="6049108" y="1239689"/>
+            <a:ext cx="2919046" cy="369332"/>
+          </a:xfrm>
+          <a:prstGeom prst="rect">
+            <a:avLst/>
+          </a:prstGeom>
+          <a:noFill/>
+        </p:spPr>
+        <p:txBody>
+          <a:bodyPr wrap="square" rtlCol="0">
+            <a:spAutoFit/>
+          </a:bodyPr>
+          <a:lstStyle/>
+          <a:p>
+            <a:r>
+              <a:rPr lang="en-US" dirty="0" smtClean="0"/>
+              <a:t>Runs the code in application</a:t>
+            </a:r>
+            <a:endParaRPr lang="en-US" dirty="0"/>
+          </a:p>
+        </p:txBody>
+      </p:sp>
+      <p:sp>
+        <p:nvSpPr>
+          <p:cNvPr id="9" name="Title 1"/>
+          <p:cNvSpPr txBox="1">
+            <a:spLocks/>
+          </p:cNvSpPr>
+          <p:nvPr/>
+        </p:nvSpPr>
+        <p:spPr>
+          <a:xfrm>
+            <a:off x="82062" y="2849029"/>
+            <a:ext cx="10515600" cy="1325563"/>
+          </a:xfrm>
+          <a:prstGeom prst="rect">
+            <a:avLst/>
+          </a:prstGeom>
+        </p:spPr>
+        <p:txBody>
+          <a:bodyPr vert="horz" lIns="91440" tIns="45720" rIns="91440" bIns="45720" rtlCol="0" anchor="ctr">
+            <a:normAutofit/>
+          </a:bodyPr>
+          <a:lstStyle>
+            <a:lvl1pPr algn="l" defTabSz="914400" rtl="0" eaLnBrk="1" latinLnBrk="0" hangingPunct="1">
+              <a:lnSpc>
+                <a:spcPct val="90000"/>
+              </a:lnSpc>
+              <a:spcBef>
+                <a:spcPct val="0"/>
+              </a:spcBef>
+              <a:buNone/>
+              <a:defRPr sz="4400" kern="1200">
+                <a:solidFill>
+                  <a:schemeClr val="tx1"/>
+                </a:solidFill>
+                <a:latin typeface="+mj-lt"/>
+                <a:ea typeface="+mj-ea"/>
+                <a:cs typeface="+mj-cs"/>
+              </a:defRPr>
+            </a:lvl1pPr>
+          </a:lstStyle>
+          <a:p>
+            <a:r>
+              <a:rPr lang="en-US" altLang="zh-CN" dirty="0" err="1" smtClean="0"/>
+              <a:t>ExecutionPlanner</a:t>
+            </a:r>
+            <a:endParaRPr lang="en-US" dirty="0"/>
+          </a:p>
+        </p:txBody>
+      </p:sp>
+      <p:pic>
+        <p:nvPicPr>
+          <p:cNvPr id="10" name="Picture 9"/>
+          <p:cNvPicPr>
+            <a:picLocks noChangeAspect="1"/>
+          </p:cNvPicPr>
+          <p:nvPr/>
+        </p:nvPicPr>
+        <p:blipFill>
+          <a:blip r:embed="rId4"/>
+          <a:stretch>
+            <a:fillRect/>
+          </a:stretch>
+        </p:blipFill>
+        <p:spPr>
+          <a:xfrm>
+            <a:off x="164123" y="3740759"/>
+            <a:ext cx="5686425" cy="371475"/>
+          </a:xfrm>
+          <a:prstGeom prst="rect">
+            <a:avLst/>
+          </a:prstGeom>
+        </p:spPr>
+      </p:pic>
+      <p:pic>
+        <p:nvPicPr>
+          <p:cNvPr id="11" name="Picture 10"/>
+          <p:cNvPicPr>
+            <a:picLocks noChangeAspect="1"/>
+          </p:cNvPicPr>
+          <p:nvPr/>
+        </p:nvPicPr>
+        <p:blipFill>
+          <a:blip r:embed="rId5"/>
+          <a:stretch>
+            <a:fillRect/>
+          </a:stretch>
+        </p:blipFill>
+        <p:spPr>
+          <a:xfrm>
+            <a:off x="168153" y="4107470"/>
+            <a:ext cx="4962525" cy="2286000"/>
+          </a:xfrm>
+          <a:prstGeom prst="rect">
+            <a:avLst/>
+          </a:prstGeom>
+        </p:spPr>
+      </p:pic>
+      <p:pic>
+        <p:nvPicPr>
+          <p:cNvPr id="13" name="Picture 12"/>
+          <p:cNvPicPr>
+            <a:picLocks noChangeAspect="1"/>
+          </p:cNvPicPr>
+          <p:nvPr/>
+        </p:nvPicPr>
+        <p:blipFill>
+          <a:blip r:embed="rId6"/>
+          <a:stretch>
+            <a:fillRect/>
+          </a:stretch>
+        </p:blipFill>
+        <p:spPr>
+          <a:xfrm>
+            <a:off x="5967779" y="2047875"/>
+            <a:ext cx="6000750" cy="4810125"/>
+          </a:xfrm>
+          <a:prstGeom prst="rect">
+            <a:avLst/>
+          </a:prstGeom>
+        </p:spPr>
+      </p:pic>
+    </p:spTree>
+    <p:extLst>
+      <p:ext uri="{BB962C8B-B14F-4D97-AF65-F5344CB8AC3E}">
+        <p14:creationId xmlns:p14="http://schemas.microsoft.com/office/powerpoint/2010/main" val="1350166551"/>
+      </p:ext>
+    </p:extLst>
+  </p:cSld>
+  <p:clrMapOvr>
+    <a:masterClrMapping/>
+  </p:clrMapOvr>
+</p:sld>
+</file>
+
+<file path=ppt/slides/slide19.xml><?xml version="1.0" encoding="utf-8"?>
+<p:sld xmlns:a="http://schemas.openxmlformats.org/drawingml/2006/main" xmlns:r="http://schemas.openxmlformats.org/officeDocument/2006/relationships" xmlns:p="http://schemas.openxmlformats.org/presentationml/2006/main">
+  <p:cSld>
+    <p:spTree>
+      <p:nvGrpSpPr>
+        <p:cNvPr id="1" name=""/>
+        <p:cNvGrpSpPr/>
+        <p:nvPr/>
+      </p:nvGrpSpPr>
+      <p:grpSpPr>
+        <a:xfrm>
+          <a:off x="0" y="0"/>
+          <a:ext cx="0" cy="0"/>
+          <a:chOff x="0" y="0"/>
+          <a:chExt cx="0" cy="0"/>
+        </a:xfrm>
+      </p:grpSpPr>
+      <p:sp>
+        <p:nvSpPr>
+          <p:cNvPr id="2" name="Title 1"/>
+          <p:cNvSpPr>
+            <a:spLocks noGrp="1"/>
+          </p:cNvSpPr>
+          <p:nvPr>
+            <p:ph type="title"/>
+          </p:nvPr>
+        </p:nvSpPr>
+        <p:spPr>
+          <a:xfrm>
+            <a:off x="0" y="-327332"/>
+            <a:ext cx="10515600" cy="1325563"/>
+          </a:xfrm>
+        </p:spPr>
+        <p:txBody>
+          <a:bodyPr/>
+          <a:lstStyle/>
+          <a:p>
+            <a:r>
+              <a:rPr lang="en-US" dirty="0" err="1" smtClean="0"/>
+              <a:t>ExecutionPlanner</a:t>
+            </a:r>
+            <a:endParaRPr lang="en-US" dirty="0"/>
+          </a:p>
+        </p:txBody>
+      </p:sp>
+      <p:pic>
+        <p:nvPicPr>
+          <p:cNvPr id="4" name="Picture 3"/>
+          <p:cNvPicPr>
+            <a:picLocks noChangeAspect="1"/>
+          </p:cNvPicPr>
+          <p:nvPr/>
+        </p:nvPicPr>
+        <p:blipFill>
+          <a:blip r:embed="rId2"/>
+          <a:stretch>
+            <a:fillRect/>
+          </a:stretch>
+        </p:blipFill>
+        <p:spPr>
+          <a:xfrm>
+            <a:off x="0" y="621947"/>
+            <a:ext cx="7391400" cy="981075"/>
+          </a:xfrm>
+          <a:prstGeom prst="rect">
+            <a:avLst/>
+          </a:prstGeom>
+        </p:spPr>
+      </p:pic>
+      <p:pic>
+        <p:nvPicPr>
+          <p:cNvPr id="5" name="Picture 4"/>
+          <p:cNvPicPr>
+            <a:picLocks noChangeAspect="1"/>
+          </p:cNvPicPr>
+          <p:nvPr/>
+        </p:nvPicPr>
+        <p:blipFill>
+          <a:blip r:embed="rId3"/>
+          <a:stretch>
+            <a:fillRect/>
+          </a:stretch>
+        </p:blipFill>
+        <p:spPr>
+          <a:xfrm>
+            <a:off x="222739" y="1603022"/>
+            <a:ext cx="3390900" cy="504825"/>
+          </a:xfrm>
+          <a:prstGeom prst="rect">
+            <a:avLst/>
+          </a:prstGeom>
+        </p:spPr>
+      </p:pic>
+      <p:pic>
+        <p:nvPicPr>
+          <p:cNvPr id="6" name="Picture 5"/>
+          <p:cNvPicPr>
+            <a:picLocks noChangeAspect="1"/>
+          </p:cNvPicPr>
+          <p:nvPr/>
+        </p:nvPicPr>
+        <p:blipFill>
+          <a:blip r:embed="rId4"/>
+          <a:stretch>
+            <a:fillRect/>
+          </a:stretch>
+        </p:blipFill>
+        <p:spPr>
+          <a:xfrm>
+            <a:off x="222739" y="2107847"/>
+            <a:ext cx="8610600" cy="2238375"/>
+          </a:xfrm>
+          <a:prstGeom prst="rect">
+            <a:avLst/>
+          </a:prstGeom>
+        </p:spPr>
+      </p:pic>
+      <p:pic>
+        <p:nvPicPr>
+          <p:cNvPr id="7" name="Picture 6"/>
+          <p:cNvPicPr>
+            <a:picLocks noChangeAspect="1"/>
+          </p:cNvPicPr>
+          <p:nvPr/>
+        </p:nvPicPr>
+        <p:blipFill>
+          <a:blip r:embed="rId5"/>
+          <a:stretch>
+            <a:fillRect/>
+          </a:stretch>
+        </p:blipFill>
+        <p:spPr>
+          <a:xfrm>
+            <a:off x="222739" y="4346222"/>
+            <a:ext cx="6438900" cy="2133600"/>
+          </a:xfrm>
+          <a:prstGeom prst="rect">
+            <a:avLst/>
+          </a:prstGeom>
+        </p:spPr>
+      </p:pic>
+      <p:pic>
+        <p:nvPicPr>
+          <p:cNvPr id="8" name="Picture 7"/>
+          <p:cNvPicPr>
+            <a:picLocks noChangeAspect="1"/>
+          </p:cNvPicPr>
+          <p:nvPr/>
+        </p:nvPicPr>
+        <p:blipFill>
+          <a:blip r:embed="rId6"/>
+          <a:stretch>
+            <a:fillRect/>
+          </a:stretch>
+        </p:blipFill>
+        <p:spPr>
+          <a:xfrm>
+            <a:off x="6802316" y="5288937"/>
+            <a:ext cx="6591300" cy="1809750"/>
+          </a:xfrm>
+          <a:prstGeom prst="rect">
+            <a:avLst/>
+          </a:prstGeom>
+        </p:spPr>
+      </p:pic>
+      <p:pic>
+        <p:nvPicPr>
+          <p:cNvPr id="10" name="Picture 9"/>
+          <p:cNvPicPr>
+            <a:picLocks noChangeAspect="1"/>
+          </p:cNvPicPr>
+          <p:nvPr/>
+        </p:nvPicPr>
+        <p:blipFill>
+          <a:blip r:embed="rId7"/>
+          <a:stretch>
+            <a:fillRect/>
+          </a:stretch>
+        </p:blipFill>
+        <p:spPr>
+          <a:xfrm>
+            <a:off x="6802316" y="4041162"/>
+            <a:ext cx="7038975" cy="1247775"/>
+          </a:xfrm>
+          <a:prstGeom prst="rect">
+            <a:avLst/>
+          </a:prstGeom>
+        </p:spPr>
+      </p:pic>
+      <p:sp>
+        <p:nvSpPr>
+          <p:cNvPr id="11" name="Title 1"/>
+          <p:cNvSpPr txBox="1">
+            <a:spLocks/>
+          </p:cNvSpPr>
+          <p:nvPr/>
+        </p:nvSpPr>
+        <p:spPr>
+          <a:xfrm>
+            <a:off x="6802316" y="3104690"/>
+            <a:ext cx="10515600" cy="1325563"/>
+          </a:xfrm>
+          <a:prstGeom prst="rect">
+            <a:avLst/>
+          </a:prstGeom>
+        </p:spPr>
+        <p:txBody>
+          <a:bodyPr vert="horz" lIns="91440" tIns="45720" rIns="91440" bIns="45720" rtlCol="0" anchor="ctr">
+            <a:normAutofit/>
+          </a:bodyPr>
+          <a:lstStyle>
+            <a:lvl1pPr algn="l" defTabSz="914400" rtl="0" eaLnBrk="1" latinLnBrk="0" hangingPunct="1">
+              <a:lnSpc>
+                <a:spcPct val="90000"/>
+              </a:lnSpc>
+              <a:spcBef>
+                <a:spcPct val="0"/>
+              </a:spcBef>
+              <a:buNone/>
+              <a:defRPr sz="4400" kern="1200">
+                <a:solidFill>
+                  <a:schemeClr val="tx1"/>
+                </a:solidFill>
+                <a:latin typeface="+mj-lt"/>
+                <a:ea typeface="+mj-ea"/>
+                <a:cs typeface="+mj-cs"/>
+              </a:defRPr>
+            </a:lvl1pPr>
+          </a:lstStyle>
+          <a:p>
+            <a:r>
+              <a:rPr lang="en-US" altLang="zh-CN" dirty="0" err="1" smtClean="0"/>
+              <a:t>JobGraph</a:t>
+            </a:r>
+            <a:endParaRPr lang="en-US" dirty="0"/>
+          </a:p>
+        </p:txBody>
+      </p:sp>
+    </p:spTree>
+    <p:extLst>
+      <p:ext uri="{BB962C8B-B14F-4D97-AF65-F5344CB8AC3E}">
+        <p14:creationId xmlns:p14="http://schemas.microsoft.com/office/powerpoint/2010/main" val="3972026418"/>
+      </p:ext>
+    </p:extLst>
+  </p:cSld>
+  <p:clrMapOvr>
+    <a:masterClrMapping/>
+  </p:clrMapOvr>
+</p:sld>
+</file>
+
+<file path=ppt/slides/slide2.xml><?xml version="1.0" encoding="utf-8"?>
+<p:sld xmlns:a="http://schemas.openxmlformats.org/drawingml/2006/main" xmlns:r="http://schemas.openxmlformats.org/officeDocument/2006/relationships" xmlns:p="http://schemas.openxmlformats.org/presentationml/2006/main">
+  <p:cSld>
+    <p:spTree>
+      <p:nvGrpSpPr>
+        <p:cNvPr id="1" name=""/>
+        <p:cNvGrpSpPr/>
+        <p:nvPr/>
+      </p:nvGrpSpPr>
+      <p:grpSpPr>
+        <a:xfrm>
+          <a:off x="0" y="0"/>
+          <a:ext cx="0" cy="0"/>
+          <a:chOff x="0" y="0"/>
+          <a:chExt cx="0" cy="0"/>
+        </a:xfrm>
+      </p:grpSpPr>
+      <p:sp>
+        <p:nvSpPr>
+          <p:cNvPr id="2" name="Title 1"/>
+          <p:cNvSpPr>
+            <a:spLocks noGrp="1"/>
+          </p:cNvSpPr>
+          <p:nvPr>
+            <p:ph type="title"/>
+          </p:nvPr>
+        </p:nvSpPr>
+        <p:spPr/>
+        <p:txBody>
+          <a:bodyPr/>
+          <a:lstStyle/>
+          <a:p>
+            <a:r>
+              <a:rPr lang="en-US" dirty="0" smtClean="0"/>
+              <a:t>Definition</a:t>
+            </a:r>
+            <a:endParaRPr lang="en-US" dirty="0"/>
+          </a:p>
+        </p:txBody>
+      </p:sp>
+      <p:sp>
+        <p:nvSpPr>
+          <p:cNvPr id="3" name="Content Placeholder 2"/>
+          <p:cNvSpPr>
+            <a:spLocks noGrp="1"/>
+          </p:cNvSpPr>
+          <p:nvPr>
+            <p:ph idx="1"/>
+          </p:nvPr>
+        </p:nvSpPr>
+        <p:spPr/>
+        <p:txBody>
+          <a:bodyPr/>
+          <a:lstStyle/>
+          <a:p>
+            <a:endParaRPr lang="en-US" dirty="0"/>
+          </a:p>
+        </p:txBody>
+      </p:sp>
+      <p:sp>
+        <p:nvSpPr>
+          <p:cNvPr id="4" name="Rectangle 3"/>
+          <p:cNvSpPr/>
+          <p:nvPr/>
+        </p:nvSpPr>
+        <p:spPr>
+          <a:xfrm>
+            <a:off x="1045028" y="1690688"/>
+            <a:ext cx="1625601" cy="1142071"/>
+          </a:xfrm>
+          <a:prstGeom prst="rect">
+            <a:avLst/>
+          </a:prstGeom>
+        </p:spPr>
+        <p:style>
+          <a:lnRef idx="2">
+            <a:schemeClr val="accent1"/>
+          </a:lnRef>
+          <a:fillRef idx="1">
+            <a:schemeClr val="lt1"/>
+          </a:fillRef>
+          <a:effectRef idx="0">
+            <a:schemeClr val="accent1"/>
+          </a:effectRef>
+          <a:fontRef idx="minor">
+            <a:schemeClr val="dk1"/>
+          </a:fontRef>
+        </p:style>
+        <p:txBody>
+          <a:bodyPr rtlCol="0" anchor="ctr"/>
+          <a:lstStyle/>
+          <a:p>
+            <a:pPr algn="ctr"/>
+            <a:r>
+              <a:rPr lang="en-US" dirty="0" err="1" smtClean="0"/>
+              <a:t>Samza</a:t>
+            </a:r>
+            <a:r>
+              <a:rPr lang="en-US" dirty="0" smtClean="0"/>
+              <a:t> class</a:t>
+            </a:r>
+            <a:endParaRPr lang="en-US" dirty="0"/>
+          </a:p>
+        </p:txBody>
+      </p:sp>
+      <p:sp>
+        <p:nvSpPr>
+          <p:cNvPr id="5" name="Rectangle 4"/>
+          <p:cNvSpPr/>
+          <p:nvPr/>
+        </p:nvSpPr>
+        <p:spPr>
+          <a:xfrm>
+            <a:off x="3381829" y="1690688"/>
+            <a:ext cx="1669142" cy="1096055"/>
+          </a:xfrm>
+          <a:prstGeom prst="rect">
+            <a:avLst/>
+          </a:prstGeom>
+          <a:ln>
+            <a:solidFill>
+              <a:srgbClr val="FF0000"/>
+            </a:solidFill>
+          </a:ln>
+        </p:spPr>
+        <p:style>
+          <a:lnRef idx="2">
+            <a:schemeClr val="accent1"/>
+          </a:lnRef>
+          <a:fillRef idx="1">
+            <a:schemeClr val="lt1"/>
+          </a:fillRef>
+          <a:effectRef idx="0">
+            <a:schemeClr val="accent1"/>
+          </a:effectRef>
+          <a:fontRef idx="minor">
+            <a:schemeClr val="dk1"/>
+          </a:fontRef>
+        </p:style>
+        <p:txBody>
+          <a:bodyPr rtlCol="0" anchor="ctr"/>
+          <a:lstStyle/>
+          <a:p>
+            <a:pPr algn="ctr"/>
+            <a:r>
+              <a:rPr lang="en-US" dirty="0" smtClean="0"/>
+              <a:t>Hadoop class</a:t>
+            </a:r>
+            <a:endParaRPr lang="en-US" dirty="0"/>
+          </a:p>
+        </p:txBody>
+      </p:sp>
+      <p:sp>
+        <p:nvSpPr>
+          <p:cNvPr id="6" name="Rectangle 5"/>
+          <p:cNvSpPr/>
+          <p:nvPr/>
+        </p:nvSpPr>
+        <p:spPr>
+          <a:xfrm>
+            <a:off x="3381829" y="3192916"/>
+            <a:ext cx="1669142" cy="1096055"/>
+          </a:xfrm>
+          <a:prstGeom prst="rect">
+            <a:avLst/>
+          </a:prstGeom>
+          <a:ln>
+            <a:solidFill>
+              <a:srgbClr val="FF0000"/>
+            </a:solidFill>
+            <a:prstDash val="dash"/>
+          </a:ln>
+        </p:spPr>
+        <p:style>
+          <a:lnRef idx="2">
+            <a:schemeClr val="accent1"/>
+          </a:lnRef>
+          <a:fillRef idx="1">
+            <a:schemeClr val="lt1"/>
+          </a:fillRef>
+          <a:effectRef idx="0">
+            <a:schemeClr val="accent1"/>
+          </a:effectRef>
+          <a:fontRef idx="minor">
+            <a:schemeClr val="dk1"/>
+          </a:fontRef>
+        </p:style>
+        <p:txBody>
+          <a:bodyPr rtlCol="0" anchor="ctr"/>
+          <a:lstStyle/>
+          <a:p>
+            <a:pPr algn="ctr"/>
+            <a:r>
+              <a:rPr lang="en-US" dirty="0" smtClean="0"/>
+              <a:t>abstract Hadoop class</a:t>
+            </a:r>
+            <a:endParaRPr lang="en-US" dirty="0"/>
+          </a:p>
+        </p:txBody>
+      </p:sp>
+      <p:sp>
+        <p:nvSpPr>
+          <p:cNvPr id="7" name="Rectangle 6"/>
+          <p:cNvSpPr/>
+          <p:nvPr/>
+        </p:nvSpPr>
+        <p:spPr>
+          <a:xfrm>
+            <a:off x="1045028" y="3192916"/>
+            <a:ext cx="1625601" cy="1096055"/>
+          </a:xfrm>
+          <a:prstGeom prst="rect">
+            <a:avLst/>
+          </a:prstGeom>
+          <a:ln>
+            <a:prstDash val="dash"/>
+          </a:ln>
+        </p:spPr>
+        <p:style>
+          <a:lnRef idx="2">
+            <a:schemeClr val="accent1"/>
+          </a:lnRef>
+          <a:fillRef idx="1">
+            <a:schemeClr val="lt1"/>
+          </a:fillRef>
+          <a:effectRef idx="0">
+            <a:schemeClr val="accent1"/>
+          </a:effectRef>
+          <a:fontRef idx="minor">
+            <a:schemeClr val="dk1"/>
+          </a:fontRef>
+        </p:style>
+        <p:txBody>
+          <a:bodyPr rtlCol="0" anchor="ctr"/>
+          <a:lstStyle/>
+          <a:p>
+            <a:pPr algn="ctr"/>
+            <a:r>
+              <a:rPr lang="en-US" dirty="0" smtClean="0"/>
+              <a:t>abstract </a:t>
+            </a:r>
+            <a:r>
+              <a:rPr lang="en-US" dirty="0" err="1" smtClean="0"/>
+              <a:t>Samza</a:t>
+            </a:r>
+            <a:r>
+              <a:rPr lang="en-US" dirty="0" smtClean="0"/>
+              <a:t> class</a:t>
+            </a:r>
+            <a:endParaRPr lang="en-US" dirty="0"/>
+          </a:p>
+        </p:txBody>
+      </p:sp>
+      <p:sp>
+        <p:nvSpPr>
+          <p:cNvPr id="8" name="Rounded Rectangle 7"/>
+          <p:cNvSpPr/>
+          <p:nvPr/>
+        </p:nvSpPr>
+        <p:spPr>
+          <a:xfrm>
+            <a:off x="754742" y="4649128"/>
+            <a:ext cx="2206172" cy="1016000"/>
+          </a:xfrm>
+          <a:prstGeom prst="roundRect">
+            <a:avLst/>
+          </a:prstGeom>
+        </p:spPr>
+        <p:style>
+          <a:lnRef idx="2">
+            <a:schemeClr val="accent1"/>
+          </a:lnRef>
+          <a:fillRef idx="1">
+            <a:schemeClr val="lt1"/>
+          </a:fillRef>
+          <a:effectRef idx="0">
+            <a:schemeClr val="accent1"/>
+          </a:effectRef>
+          <a:fontRef idx="minor">
+            <a:schemeClr val="dk1"/>
+          </a:fontRef>
+        </p:style>
+        <p:txBody>
+          <a:bodyPr rtlCol="0" anchor="ctr"/>
+          <a:lstStyle/>
+          <a:p>
+            <a:pPr algn="ctr"/>
+            <a:r>
+              <a:rPr lang="en-US" dirty="0" err="1" smtClean="0"/>
+              <a:t>Samza</a:t>
+            </a:r>
+            <a:r>
+              <a:rPr lang="en-US" dirty="0" smtClean="0"/>
+              <a:t> </a:t>
+            </a:r>
+          </a:p>
+          <a:p>
+            <a:pPr algn="ctr"/>
+            <a:r>
+              <a:rPr lang="en-US" dirty="0" smtClean="0"/>
+              <a:t>Things actually done</a:t>
+            </a:r>
+          </a:p>
+        </p:txBody>
+      </p:sp>
+      <p:sp>
+        <p:nvSpPr>
+          <p:cNvPr id="9" name="Rounded Rectangle 8"/>
+          <p:cNvSpPr/>
+          <p:nvPr/>
+        </p:nvSpPr>
+        <p:spPr>
+          <a:xfrm>
+            <a:off x="3113314" y="4649128"/>
+            <a:ext cx="2206172" cy="1016000"/>
+          </a:xfrm>
+          <a:prstGeom prst="roundRect">
+            <a:avLst/>
+          </a:prstGeom>
+          <a:ln>
+            <a:solidFill>
+              <a:srgbClr val="FF0000"/>
+            </a:solidFill>
+          </a:ln>
+        </p:spPr>
+        <p:style>
+          <a:lnRef idx="2">
+            <a:schemeClr val="accent1"/>
+          </a:lnRef>
+          <a:fillRef idx="1">
+            <a:schemeClr val="lt1"/>
+          </a:fillRef>
+          <a:effectRef idx="0">
+            <a:schemeClr val="accent1"/>
+          </a:effectRef>
+          <a:fontRef idx="minor">
+            <a:schemeClr val="dk1"/>
+          </a:fontRef>
+        </p:style>
+        <p:txBody>
+          <a:bodyPr rtlCol="0" anchor="ctr"/>
+          <a:lstStyle/>
+          <a:p>
+            <a:pPr algn="ctr"/>
+            <a:r>
+              <a:rPr lang="en-US" dirty="0" smtClean="0"/>
+              <a:t>Hadoop</a:t>
+            </a:r>
+          </a:p>
+          <a:p>
+            <a:pPr algn="ctr"/>
+            <a:r>
+              <a:rPr lang="en-US" dirty="0" smtClean="0"/>
+              <a:t>Things actually done</a:t>
+            </a:r>
+          </a:p>
+        </p:txBody>
+      </p:sp>
+      <p:sp>
+        <p:nvSpPr>
+          <p:cNvPr id="10" name="Rectangle 9"/>
+          <p:cNvSpPr/>
+          <p:nvPr/>
+        </p:nvSpPr>
+        <p:spPr>
+          <a:xfrm>
+            <a:off x="4147179" y="346405"/>
+            <a:ext cx="2757714" cy="1096055"/>
+          </a:xfrm>
+          <a:prstGeom prst="rect">
+            <a:avLst/>
+          </a:prstGeom>
+          <a:ln>
+            <a:solidFill>
+              <a:schemeClr val="tx1"/>
+            </a:solidFill>
+          </a:ln>
+        </p:spPr>
+        <p:style>
+          <a:lnRef idx="2">
+            <a:schemeClr val="accent1"/>
+          </a:lnRef>
+          <a:fillRef idx="1">
+            <a:schemeClr val="lt1"/>
+          </a:fillRef>
+          <a:effectRef idx="0">
+            <a:schemeClr val="accent1"/>
+          </a:effectRef>
+          <a:fontRef idx="minor">
+            <a:schemeClr val="dk1"/>
+          </a:fontRef>
+        </p:style>
+        <p:txBody>
+          <a:bodyPr rtlCol="0" anchor="ctr"/>
+          <a:lstStyle/>
+          <a:p>
+            <a:pPr algn="ctr"/>
+            <a:r>
+              <a:rPr lang="en-US" dirty="0" smtClean="0"/>
+              <a:t>Class names end with ???</a:t>
+            </a:r>
+          </a:p>
+          <a:p>
+            <a:pPr algn="ctr"/>
+            <a:r>
+              <a:rPr lang="en-US" dirty="0" smtClean="0"/>
+              <a:t>Classes need to be analyze</a:t>
+            </a:r>
+            <a:endParaRPr lang="en-US" dirty="0"/>
+          </a:p>
+        </p:txBody>
+      </p:sp>
+      <p:sp>
+        <p:nvSpPr>
+          <p:cNvPr id="11" name="Rectangle 10"/>
+          <p:cNvSpPr/>
+          <p:nvPr/>
+        </p:nvSpPr>
+        <p:spPr>
+          <a:xfrm>
+            <a:off x="5688344" y="1690687"/>
+            <a:ext cx="1669142" cy="1096055"/>
+          </a:xfrm>
+          <a:prstGeom prst="rect">
+            <a:avLst/>
+          </a:prstGeom>
+          <a:ln>
+            <a:solidFill>
+              <a:srgbClr val="00B050"/>
+            </a:solidFill>
+          </a:ln>
+        </p:spPr>
+        <p:style>
+          <a:lnRef idx="2">
+            <a:schemeClr val="accent1"/>
+          </a:lnRef>
+          <a:fillRef idx="1">
+            <a:schemeClr val="lt1"/>
+          </a:fillRef>
+          <a:effectRef idx="0">
+            <a:schemeClr val="accent1"/>
+          </a:effectRef>
+          <a:fontRef idx="minor">
+            <a:schemeClr val="dk1"/>
+          </a:fontRef>
+        </p:style>
+        <p:txBody>
+          <a:bodyPr rtlCol="0" anchor="ctr"/>
+          <a:lstStyle/>
+          <a:p>
+            <a:pPr algn="ctr"/>
+            <a:r>
+              <a:rPr lang="en-US" dirty="0" smtClean="0"/>
+              <a:t>Zookeeper class</a:t>
+            </a:r>
+            <a:endParaRPr lang="en-US" dirty="0"/>
+          </a:p>
+        </p:txBody>
+      </p:sp>
+      <p:sp>
+        <p:nvSpPr>
+          <p:cNvPr id="12" name="Rectangle 11"/>
+          <p:cNvSpPr/>
+          <p:nvPr/>
+        </p:nvSpPr>
+        <p:spPr>
+          <a:xfrm>
+            <a:off x="7924521" y="1690686"/>
+            <a:ext cx="1669142" cy="1096055"/>
+          </a:xfrm>
+          <a:prstGeom prst="rect">
+            <a:avLst/>
+          </a:prstGeom>
+          <a:ln>
+            <a:solidFill>
+              <a:schemeClr val="tx1"/>
+            </a:solidFill>
+          </a:ln>
+        </p:spPr>
+        <p:style>
+          <a:lnRef idx="2">
+            <a:schemeClr val="accent1"/>
+          </a:lnRef>
+          <a:fillRef idx="1">
+            <a:schemeClr val="lt1"/>
+          </a:fillRef>
+          <a:effectRef idx="0">
+            <a:schemeClr val="accent1"/>
+          </a:effectRef>
+          <a:fontRef idx="minor">
+            <a:schemeClr val="dk1"/>
+          </a:fontRef>
+        </p:style>
+        <p:txBody>
+          <a:bodyPr rtlCol="0" anchor="ctr"/>
+          <a:lstStyle/>
+          <a:p>
+            <a:pPr algn="ctr"/>
+            <a:r>
+              <a:rPr lang="en-US" dirty="0" smtClean="0"/>
+              <a:t>Your own code</a:t>
+            </a:r>
+            <a:endParaRPr lang="en-US" dirty="0"/>
+          </a:p>
+        </p:txBody>
+      </p:sp>
+    </p:spTree>
+    <p:extLst>
+      <p:ext uri="{BB962C8B-B14F-4D97-AF65-F5344CB8AC3E}">
+        <p14:creationId xmlns:p14="http://schemas.microsoft.com/office/powerpoint/2010/main" val="2687862610"/>
+      </p:ext>
+    </p:extLst>
+  </p:cSld>
+  <p:clrMapOvr>
+    <a:masterClrMapping/>
+  </p:clrMapOvr>
+</p:sld>
+</file>
+
+<file path=ppt/slides/slide20.xml><?xml version="1.0" encoding="utf-8"?>
+<p:sld xmlns:a="http://schemas.openxmlformats.org/drawingml/2006/main" xmlns:r="http://schemas.openxmlformats.org/officeDocument/2006/relationships" xmlns:p="http://schemas.openxmlformats.org/presentationml/2006/main">
+  <p:cSld>
+    <p:spTree>
+      <p:nvGrpSpPr>
+        <p:cNvPr id="1" name=""/>
+        <p:cNvGrpSpPr/>
+        <p:nvPr/>
+      </p:nvGrpSpPr>
+      <p:grpSpPr>
+        <a:xfrm>
+          <a:off x="0" y="0"/>
+          <a:ext cx="0" cy="0"/>
+          <a:chOff x="0" y="0"/>
+          <a:chExt cx="0" cy="0"/>
+        </a:xfrm>
+      </p:grpSpPr>
+      <p:sp>
+        <p:nvSpPr>
+          <p:cNvPr id="2" name="Title 1"/>
+          <p:cNvSpPr>
+            <a:spLocks noGrp="1"/>
+          </p:cNvSpPr>
+          <p:nvPr>
+            <p:ph type="title"/>
+          </p:nvPr>
+        </p:nvSpPr>
+        <p:spPr>
+          <a:xfrm>
+            <a:off x="161192" y="-228600"/>
+            <a:ext cx="10515600" cy="1325563"/>
+          </a:xfrm>
+        </p:spPr>
+        <p:txBody>
+          <a:bodyPr/>
+          <a:lstStyle/>
+          <a:p>
+            <a:r>
+              <a:rPr lang="en-US" dirty="0" err="1" smtClean="0"/>
+              <a:t>JobRunner</a:t>
+            </a:r>
+            <a:endParaRPr lang="en-US" dirty="0"/>
+          </a:p>
+        </p:txBody>
+      </p:sp>
+      <p:sp>
+        <p:nvSpPr>
+          <p:cNvPr id="4" name="TextBox 3"/>
+          <p:cNvSpPr txBox="1"/>
+          <p:nvPr/>
+        </p:nvSpPr>
+        <p:spPr>
+          <a:xfrm>
+            <a:off x="360484" y="727631"/>
+            <a:ext cx="3015761" cy="369332"/>
+          </a:xfrm>
+          <a:prstGeom prst="rect">
+            <a:avLst/>
+          </a:prstGeom>
+          <a:noFill/>
+        </p:spPr>
+        <p:txBody>
+          <a:bodyPr wrap="square" rtlCol="0">
+            <a:spAutoFit/>
+          </a:bodyPr>
+          <a:lstStyle/>
+          <a:p>
+            <a:r>
+              <a:rPr lang="en-US" dirty="0" smtClean="0"/>
+              <a:t>Scala’s syntax</a:t>
+            </a:r>
+            <a:endParaRPr lang="en-US" dirty="0"/>
+          </a:p>
+        </p:txBody>
+      </p:sp>
+      <p:pic>
+        <p:nvPicPr>
+          <p:cNvPr id="5" name="Picture 4"/>
+          <p:cNvPicPr>
+            <a:picLocks noChangeAspect="1"/>
+          </p:cNvPicPr>
+          <p:nvPr/>
+        </p:nvPicPr>
+        <p:blipFill>
+          <a:blip r:embed="rId2"/>
+          <a:stretch>
+            <a:fillRect/>
+          </a:stretch>
+        </p:blipFill>
+        <p:spPr>
+          <a:xfrm>
+            <a:off x="472219" y="1096963"/>
+            <a:ext cx="5286375" cy="990600"/>
+          </a:xfrm>
+          <a:prstGeom prst="rect">
+            <a:avLst/>
+          </a:prstGeom>
+        </p:spPr>
+      </p:pic>
+      <p:pic>
+        <p:nvPicPr>
+          <p:cNvPr id="6" name="Picture 5"/>
+          <p:cNvPicPr>
+            <a:picLocks noChangeAspect="1"/>
+          </p:cNvPicPr>
+          <p:nvPr/>
+        </p:nvPicPr>
+        <p:blipFill>
+          <a:blip r:embed="rId3"/>
+          <a:stretch>
+            <a:fillRect/>
+          </a:stretch>
+        </p:blipFill>
+        <p:spPr>
+          <a:xfrm>
+            <a:off x="472219" y="2053194"/>
+            <a:ext cx="7810500" cy="1590675"/>
+          </a:xfrm>
+          <a:prstGeom prst="rect">
+            <a:avLst/>
+          </a:prstGeom>
+        </p:spPr>
+      </p:pic>
+      <p:pic>
+        <p:nvPicPr>
+          <p:cNvPr id="7" name="Picture 6"/>
+          <p:cNvPicPr>
+            <a:picLocks noChangeAspect="1"/>
+          </p:cNvPicPr>
+          <p:nvPr/>
+        </p:nvPicPr>
+        <p:blipFill>
+          <a:blip r:embed="rId4"/>
+          <a:stretch>
+            <a:fillRect/>
+          </a:stretch>
+        </p:blipFill>
+        <p:spPr>
+          <a:xfrm>
+            <a:off x="498228" y="3643869"/>
+            <a:ext cx="7277100" cy="723900"/>
+          </a:xfrm>
+          <a:prstGeom prst="rect">
+            <a:avLst/>
+          </a:prstGeom>
+        </p:spPr>
+      </p:pic>
+      <p:pic>
+        <p:nvPicPr>
+          <p:cNvPr id="8" name="Picture 7"/>
+          <p:cNvPicPr>
+            <a:picLocks noChangeAspect="1"/>
+          </p:cNvPicPr>
+          <p:nvPr/>
+        </p:nvPicPr>
+        <p:blipFill>
+          <a:blip r:embed="rId5"/>
+          <a:stretch>
+            <a:fillRect/>
+          </a:stretch>
+        </p:blipFill>
+        <p:spPr>
+          <a:xfrm>
+            <a:off x="498228" y="4281121"/>
+            <a:ext cx="6486525" cy="476250"/>
+          </a:xfrm>
+          <a:prstGeom prst="rect">
+            <a:avLst/>
+          </a:prstGeom>
+        </p:spPr>
+      </p:pic>
+      <p:cxnSp>
+        <p:nvCxnSpPr>
+          <p:cNvPr id="10" name="Straight Arrow Connector 9"/>
+          <p:cNvCxnSpPr/>
+          <p:nvPr/>
+        </p:nvCxnSpPr>
+        <p:spPr>
+          <a:xfrm flipH="1">
+            <a:off x="7095393" y="4367769"/>
+            <a:ext cx="705944" cy="0"/>
+          </a:xfrm>
+          <a:prstGeom prst="straightConnector1">
+            <a:avLst/>
+          </a:prstGeom>
+          <a:ln>
+            <a:tailEnd type="triangle"/>
+          </a:ln>
+        </p:spPr>
+        <p:style>
+          <a:lnRef idx="1">
+            <a:schemeClr val="accent1"/>
+          </a:lnRef>
+          <a:fillRef idx="0">
+            <a:schemeClr val="accent1"/>
+          </a:fillRef>
+          <a:effectRef idx="0">
+            <a:schemeClr val="accent1"/>
+          </a:effectRef>
+          <a:fontRef idx="minor">
+            <a:schemeClr val="tx1"/>
+          </a:fontRef>
+        </p:style>
+      </p:cxnSp>
+      <p:sp>
+        <p:nvSpPr>
+          <p:cNvPr id="12" name="TextBox 11"/>
+          <p:cNvSpPr txBox="1"/>
+          <p:nvPr/>
+        </p:nvSpPr>
+        <p:spPr>
+          <a:xfrm>
+            <a:off x="7801337" y="4005819"/>
+            <a:ext cx="3452449" cy="923330"/>
+          </a:xfrm>
+          <a:prstGeom prst="rect">
+            <a:avLst/>
+          </a:prstGeom>
+          <a:noFill/>
+        </p:spPr>
+        <p:txBody>
+          <a:bodyPr wrap="square" rtlCol="0">
+            <a:spAutoFit/>
+          </a:bodyPr>
+          <a:lstStyle/>
+          <a:p>
+            <a:r>
+              <a:rPr lang="en-US" altLang="zh-CN" dirty="0" smtClean="0"/>
+              <a:t>Read </a:t>
+            </a:r>
+            <a:r>
+              <a:rPr lang="en-US" altLang="zh-CN" dirty="0" err="1" smtClean="0"/>
+              <a:t>CoordinatorStream</a:t>
+            </a:r>
+            <a:r>
+              <a:rPr lang="en-US" altLang="zh-CN" dirty="0" smtClean="0"/>
+              <a:t> Information from </a:t>
+            </a:r>
+            <a:r>
+              <a:rPr lang="en-US" altLang="zh-CN" dirty="0" err="1" smtClean="0"/>
+              <a:t>configs</a:t>
+            </a:r>
+            <a:endParaRPr lang="en-US" altLang="zh-CN" dirty="0" smtClean="0"/>
+          </a:p>
+          <a:p>
+            <a:r>
+              <a:rPr lang="en-US" dirty="0" smtClean="0"/>
+              <a:t>Using </a:t>
+            </a:r>
+            <a:r>
+              <a:rPr lang="en-US" dirty="0" err="1" smtClean="0"/>
+              <a:t>KafkaSystemFactory</a:t>
+            </a:r>
+            <a:r>
+              <a:rPr lang="en-US" dirty="0" smtClean="0"/>
+              <a:t> here</a:t>
+            </a:r>
+            <a:endParaRPr lang="en-US" dirty="0"/>
+          </a:p>
+        </p:txBody>
+      </p:sp>
+      <p:pic>
+        <p:nvPicPr>
+          <p:cNvPr id="13" name="Picture 12"/>
+          <p:cNvPicPr>
+            <a:picLocks noChangeAspect="1"/>
+          </p:cNvPicPr>
+          <p:nvPr/>
+        </p:nvPicPr>
+        <p:blipFill>
+          <a:blip r:embed="rId6"/>
+          <a:stretch>
+            <a:fillRect/>
+          </a:stretch>
+        </p:blipFill>
+        <p:spPr>
+          <a:xfrm>
+            <a:off x="360484" y="4797479"/>
+            <a:ext cx="4629150" cy="1762125"/>
+          </a:xfrm>
+          <a:prstGeom prst="rect">
+            <a:avLst/>
+          </a:prstGeom>
+        </p:spPr>
+      </p:pic>
+      <p:cxnSp>
+        <p:nvCxnSpPr>
+          <p:cNvPr id="15" name="Straight Arrow Connector 14"/>
+          <p:cNvCxnSpPr/>
+          <p:nvPr/>
+        </p:nvCxnSpPr>
+        <p:spPr>
+          <a:xfrm flipH="1" flipV="1">
+            <a:off x="4897315" y="5200175"/>
+            <a:ext cx="1415562" cy="22456"/>
+          </a:xfrm>
+          <a:prstGeom prst="straightConnector1">
+            <a:avLst/>
+          </a:prstGeom>
+          <a:ln>
+            <a:tailEnd type="triangle"/>
+          </a:ln>
+        </p:spPr>
+        <p:style>
+          <a:lnRef idx="1">
+            <a:schemeClr val="accent1"/>
+          </a:lnRef>
+          <a:fillRef idx="0">
+            <a:schemeClr val="accent1"/>
+          </a:fillRef>
+          <a:effectRef idx="0">
+            <a:schemeClr val="accent1"/>
+          </a:effectRef>
+          <a:fontRef idx="minor">
+            <a:schemeClr val="tx1"/>
+          </a:fontRef>
+        </p:style>
+      </p:cxnSp>
+      <p:sp>
+        <p:nvSpPr>
+          <p:cNvPr id="17" name="TextBox 16"/>
+          <p:cNvSpPr txBox="1"/>
+          <p:nvPr/>
+        </p:nvSpPr>
+        <p:spPr>
+          <a:xfrm>
+            <a:off x="6312876" y="5037965"/>
+            <a:ext cx="2628901" cy="646331"/>
+          </a:xfrm>
+          <a:prstGeom prst="rect">
+            <a:avLst/>
+          </a:prstGeom>
+          <a:noFill/>
+        </p:spPr>
+        <p:txBody>
+          <a:bodyPr wrap="square" rtlCol="0">
+            <a:spAutoFit/>
+          </a:bodyPr>
+          <a:lstStyle/>
+          <a:p>
+            <a:r>
+              <a:rPr lang="en-US" dirty="0" smtClean="0"/>
+              <a:t>Write new </a:t>
+            </a:r>
+            <a:r>
+              <a:rPr lang="en-US" dirty="0" err="1" smtClean="0"/>
+              <a:t>configs</a:t>
+            </a:r>
+            <a:r>
+              <a:rPr lang="en-US" dirty="0" smtClean="0"/>
+              <a:t> </a:t>
+            </a:r>
+            <a:r>
+              <a:rPr lang="en-US" dirty="0" err="1" smtClean="0"/>
+              <a:t>coordinatorSystemStream</a:t>
+            </a:r>
+            <a:endParaRPr lang="en-US" dirty="0"/>
+          </a:p>
+        </p:txBody>
+      </p:sp>
+      <p:pic>
+        <p:nvPicPr>
+          <p:cNvPr id="18" name="Picture 17"/>
+          <p:cNvPicPr>
+            <a:picLocks noChangeAspect="1"/>
+          </p:cNvPicPr>
+          <p:nvPr/>
+        </p:nvPicPr>
+        <p:blipFill>
+          <a:blip r:embed="rId7"/>
+          <a:stretch>
+            <a:fillRect/>
+          </a:stretch>
+        </p:blipFill>
+        <p:spPr>
+          <a:xfrm>
+            <a:off x="4747846" y="6068673"/>
+            <a:ext cx="5019675" cy="771525"/>
+          </a:xfrm>
+          <a:prstGeom prst="rect">
+            <a:avLst/>
+          </a:prstGeom>
+        </p:spPr>
+      </p:pic>
+      <p:cxnSp>
+        <p:nvCxnSpPr>
+          <p:cNvPr id="20" name="Straight Arrow Connector 19"/>
+          <p:cNvCxnSpPr/>
+          <p:nvPr/>
+        </p:nvCxnSpPr>
+        <p:spPr>
+          <a:xfrm flipH="1" flipV="1">
+            <a:off x="3141418" y="6266175"/>
+            <a:ext cx="1606428" cy="213756"/>
+          </a:xfrm>
+          <a:prstGeom prst="straightConnector1">
+            <a:avLst/>
+          </a:prstGeom>
+          <a:ln>
+            <a:tailEnd type="triangle"/>
+          </a:ln>
+        </p:spPr>
+        <p:style>
+          <a:lnRef idx="1">
+            <a:schemeClr val="accent1"/>
+          </a:lnRef>
+          <a:fillRef idx="0">
+            <a:schemeClr val="accent1"/>
+          </a:fillRef>
+          <a:effectRef idx="0">
+            <a:schemeClr val="accent1"/>
+          </a:effectRef>
+          <a:fontRef idx="minor">
+            <a:schemeClr val="tx1"/>
+          </a:fontRef>
+        </p:style>
+      </p:cxnSp>
+    </p:spTree>
+    <p:extLst>
+      <p:ext uri="{BB962C8B-B14F-4D97-AF65-F5344CB8AC3E}">
+        <p14:creationId xmlns:p14="http://schemas.microsoft.com/office/powerpoint/2010/main" val="3694649197"/>
+      </p:ext>
+    </p:extLst>
+  </p:cSld>
+  <p:clrMapOvr>
+    <a:masterClrMapping/>
+  </p:clrMapOvr>
+</p:sld>
+</file>
+
+<file path=ppt/slides/slide21.xml><?xml version="1.0" encoding="utf-8"?>
+<p:sld xmlns:a="http://schemas.openxmlformats.org/drawingml/2006/main" xmlns:r="http://schemas.openxmlformats.org/officeDocument/2006/relationships" xmlns:p="http://schemas.openxmlformats.org/presentationml/2006/main">
+  <p:cSld>
+    <p:spTree>
+      <p:nvGrpSpPr>
+        <p:cNvPr id="1" name=""/>
+        <p:cNvGrpSpPr/>
+        <p:nvPr/>
+      </p:nvGrpSpPr>
+      <p:grpSpPr>
+        <a:xfrm>
+          <a:off x="0" y="0"/>
+          <a:ext cx="0" cy="0"/>
+          <a:chOff x="0" y="0"/>
+          <a:chExt cx="0" cy="0"/>
+        </a:xfrm>
+      </p:grpSpPr>
+      <p:sp>
+        <p:nvSpPr>
+          <p:cNvPr id="2" name="Title 1"/>
+          <p:cNvSpPr>
+            <a:spLocks noGrp="1"/>
+          </p:cNvSpPr>
+          <p:nvPr>
+            <p:ph type="title"/>
+          </p:nvPr>
+        </p:nvSpPr>
+        <p:spPr>
+          <a:xfrm>
+            <a:off x="0" y="-92075"/>
+            <a:ext cx="10515600" cy="1325563"/>
+          </a:xfrm>
+        </p:spPr>
+        <p:txBody>
+          <a:bodyPr/>
+          <a:lstStyle/>
+          <a:p>
+            <a:r>
+              <a:rPr lang="en-US" dirty="0" err="1" smtClean="0"/>
+              <a:t>JobRunner</a:t>
+            </a:r>
+            <a:endParaRPr lang="en-US" dirty="0"/>
+          </a:p>
+        </p:txBody>
+      </p:sp>
+      <p:pic>
+        <p:nvPicPr>
+          <p:cNvPr id="3" name="Picture 2"/>
+          <p:cNvPicPr>
+            <a:picLocks noChangeAspect="1"/>
+          </p:cNvPicPr>
+          <p:nvPr/>
+        </p:nvPicPr>
+        <p:blipFill>
+          <a:blip r:embed="rId2"/>
+          <a:stretch>
+            <a:fillRect/>
+          </a:stretch>
+        </p:blipFill>
+        <p:spPr>
+          <a:xfrm>
+            <a:off x="121993" y="819150"/>
+            <a:ext cx="7762875" cy="1104900"/>
+          </a:xfrm>
+          <a:prstGeom prst="rect">
+            <a:avLst/>
+          </a:prstGeom>
+        </p:spPr>
+      </p:pic>
+      <p:sp>
+        <p:nvSpPr>
+          <p:cNvPr id="4" name="TextBox 3"/>
+          <p:cNvSpPr txBox="1"/>
+          <p:nvPr/>
+        </p:nvSpPr>
+        <p:spPr>
+          <a:xfrm>
+            <a:off x="8853854" y="1233488"/>
+            <a:ext cx="2329961" cy="369332"/>
+          </a:xfrm>
+          <a:prstGeom prst="rect">
+            <a:avLst/>
+          </a:prstGeom>
+          <a:noFill/>
+        </p:spPr>
+        <p:txBody>
+          <a:bodyPr wrap="square" rtlCol="0">
+            <a:spAutoFit/>
+          </a:bodyPr>
+          <a:lstStyle/>
+          <a:p>
+            <a:r>
+              <a:rPr lang="en-US" dirty="0" smtClean="0"/>
+              <a:t>Delete old </a:t>
+            </a:r>
+            <a:r>
+              <a:rPr lang="en-US" dirty="0" err="1" smtClean="0"/>
+              <a:t>configs</a:t>
+            </a:r>
+            <a:endParaRPr lang="en-US" dirty="0"/>
+          </a:p>
+        </p:txBody>
+      </p:sp>
+      <p:cxnSp>
+        <p:nvCxnSpPr>
+          <p:cNvPr id="6" name="Straight Arrow Connector 5"/>
+          <p:cNvCxnSpPr>
+            <a:stCxn id="4" idx="1"/>
+          </p:cNvCxnSpPr>
+          <p:nvPr/>
+        </p:nvCxnSpPr>
+        <p:spPr>
+          <a:xfrm flipH="1" flipV="1">
+            <a:off x="7992208" y="1406769"/>
+            <a:ext cx="861646" cy="11385"/>
+          </a:xfrm>
+          <a:prstGeom prst="straightConnector1">
+            <a:avLst/>
+          </a:prstGeom>
+          <a:ln>
+            <a:tailEnd type="triangle"/>
+          </a:ln>
+        </p:spPr>
+        <p:style>
+          <a:lnRef idx="1">
+            <a:schemeClr val="accent1"/>
+          </a:lnRef>
+          <a:fillRef idx="0">
+            <a:schemeClr val="accent1"/>
+          </a:fillRef>
+          <a:effectRef idx="0">
+            <a:schemeClr val="accent1"/>
+          </a:effectRef>
+          <a:fontRef idx="minor">
+            <a:schemeClr val="tx1"/>
+          </a:fontRef>
+        </p:style>
+      </p:cxnSp>
+      <p:pic>
+        <p:nvPicPr>
+          <p:cNvPr id="7" name="Picture 6"/>
+          <p:cNvPicPr>
+            <a:picLocks noChangeAspect="1"/>
+          </p:cNvPicPr>
+          <p:nvPr/>
+        </p:nvPicPr>
+        <p:blipFill>
+          <a:blip r:embed="rId3"/>
+          <a:stretch>
+            <a:fillRect/>
+          </a:stretch>
+        </p:blipFill>
+        <p:spPr>
+          <a:xfrm>
+            <a:off x="121993" y="1949450"/>
+            <a:ext cx="2971800" cy="390525"/>
+          </a:xfrm>
+          <a:prstGeom prst="rect">
+            <a:avLst/>
+          </a:prstGeom>
+        </p:spPr>
+      </p:pic>
+      <p:cxnSp>
+        <p:nvCxnSpPr>
+          <p:cNvPr id="10" name="Straight Arrow Connector 9"/>
+          <p:cNvCxnSpPr/>
+          <p:nvPr/>
+        </p:nvCxnSpPr>
+        <p:spPr>
+          <a:xfrm flipH="1">
+            <a:off x="3215788" y="2132013"/>
+            <a:ext cx="2551856" cy="110025"/>
+          </a:xfrm>
+          <a:prstGeom prst="straightConnector1">
+            <a:avLst/>
+          </a:prstGeom>
+          <a:ln>
+            <a:tailEnd type="triangle"/>
+          </a:ln>
+        </p:spPr>
+        <p:style>
+          <a:lnRef idx="1">
+            <a:schemeClr val="accent1"/>
+          </a:lnRef>
+          <a:fillRef idx="0">
+            <a:schemeClr val="accent1"/>
+          </a:fillRef>
+          <a:effectRef idx="0">
+            <a:schemeClr val="accent1"/>
+          </a:effectRef>
+          <a:fontRef idx="minor">
+            <a:schemeClr val="tx1"/>
+          </a:fontRef>
+        </p:style>
+      </p:cxnSp>
+      <p:sp>
+        <p:nvSpPr>
+          <p:cNvPr id="11" name="TextBox 10"/>
+          <p:cNvSpPr txBox="1"/>
+          <p:nvPr/>
+        </p:nvSpPr>
+        <p:spPr>
+          <a:xfrm>
+            <a:off x="5767644" y="1949450"/>
+            <a:ext cx="2760894" cy="369332"/>
+          </a:xfrm>
+          <a:prstGeom prst="rect">
+            <a:avLst/>
+          </a:prstGeom>
+          <a:noFill/>
+        </p:spPr>
+        <p:txBody>
+          <a:bodyPr wrap="square" rtlCol="0">
+            <a:spAutoFit/>
+          </a:bodyPr>
+          <a:lstStyle/>
+          <a:p>
+            <a:r>
+              <a:rPr lang="en-US" dirty="0" smtClean="0"/>
+              <a:t>Using </a:t>
+            </a:r>
+            <a:r>
+              <a:rPr lang="en-US" dirty="0" err="1" smtClean="0"/>
+              <a:t>YARNJobFactory</a:t>
+            </a:r>
+            <a:r>
+              <a:rPr lang="en-US" dirty="0" smtClean="0"/>
+              <a:t> here</a:t>
+            </a:r>
+            <a:endParaRPr lang="en-US" dirty="0"/>
+          </a:p>
+        </p:txBody>
+      </p:sp>
+      <p:pic>
+        <p:nvPicPr>
+          <p:cNvPr id="13" name="Picture 12"/>
+          <p:cNvPicPr>
+            <a:picLocks noChangeAspect="1"/>
+          </p:cNvPicPr>
+          <p:nvPr/>
+        </p:nvPicPr>
+        <p:blipFill>
+          <a:blip r:embed="rId4"/>
+          <a:stretch>
+            <a:fillRect/>
+          </a:stretch>
+        </p:blipFill>
+        <p:spPr>
+          <a:xfrm>
+            <a:off x="5863370" y="3034744"/>
+            <a:ext cx="6438900" cy="1466850"/>
+          </a:xfrm>
+          <a:prstGeom prst="rect">
+            <a:avLst/>
+          </a:prstGeom>
+        </p:spPr>
+      </p:pic>
+      <p:pic>
+        <p:nvPicPr>
+          <p:cNvPr id="14" name="Picture 13"/>
+          <p:cNvPicPr>
+            <a:picLocks noChangeAspect="1"/>
+          </p:cNvPicPr>
+          <p:nvPr/>
+        </p:nvPicPr>
+        <p:blipFill>
+          <a:blip r:embed="rId5"/>
+          <a:stretch>
+            <a:fillRect/>
+          </a:stretch>
+        </p:blipFill>
+        <p:spPr>
+          <a:xfrm>
+            <a:off x="5863370" y="4449995"/>
+            <a:ext cx="1952625" cy="200025"/>
+          </a:xfrm>
+          <a:prstGeom prst="rect">
+            <a:avLst/>
+          </a:prstGeom>
+        </p:spPr>
+      </p:pic>
+      <p:pic>
+        <p:nvPicPr>
+          <p:cNvPr id="15" name="Picture 14"/>
+          <p:cNvPicPr>
+            <a:picLocks noChangeAspect="1"/>
+          </p:cNvPicPr>
+          <p:nvPr/>
+        </p:nvPicPr>
+        <p:blipFill>
+          <a:blip r:embed="rId6"/>
+          <a:stretch>
+            <a:fillRect/>
+          </a:stretch>
+        </p:blipFill>
+        <p:spPr>
+          <a:xfrm>
+            <a:off x="5863370" y="2574546"/>
+            <a:ext cx="4572000" cy="514350"/>
+          </a:xfrm>
+          <a:prstGeom prst="rect">
+            <a:avLst/>
+          </a:prstGeom>
+        </p:spPr>
+      </p:pic>
+      <p:pic>
+        <p:nvPicPr>
+          <p:cNvPr id="16" name="Picture 15"/>
+          <p:cNvPicPr>
+            <a:picLocks noChangeAspect="1"/>
+          </p:cNvPicPr>
+          <p:nvPr/>
+        </p:nvPicPr>
+        <p:blipFill>
+          <a:blip r:embed="rId7"/>
+          <a:stretch>
+            <a:fillRect/>
+          </a:stretch>
+        </p:blipFill>
+        <p:spPr>
+          <a:xfrm>
+            <a:off x="110489" y="5067465"/>
+            <a:ext cx="5248275" cy="1047750"/>
+          </a:xfrm>
+          <a:prstGeom prst="rect">
+            <a:avLst/>
+          </a:prstGeom>
+        </p:spPr>
+      </p:pic>
+      <p:sp>
+        <p:nvSpPr>
+          <p:cNvPr id="17" name="TextBox 16"/>
+          <p:cNvSpPr txBox="1"/>
+          <p:nvPr/>
+        </p:nvSpPr>
+        <p:spPr>
+          <a:xfrm>
+            <a:off x="2238886" y="4622666"/>
+            <a:ext cx="3948845" cy="461665"/>
+          </a:xfrm>
+          <a:prstGeom prst="rect">
+            <a:avLst/>
+          </a:prstGeom>
+          <a:noFill/>
+        </p:spPr>
+        <p:txBody>
+          <a:bodyPr wrap="square" rtlCol="0">
+            <a:spAutoFit/>
+          </a:bodyPr>
+          <a:lstStyle/>
+          <a:p>
+            <a:r>
+              <a:rPr lang="en-US" sz="2400" dirty="0" err="1" smtClean="0"/>
+              <a:t>YarnJob</a:t>
+            </a:r>
+            <a:endParaRPr lang="en-US" sz="2400" dirty="0"/>
+          </a:p>
+        </p:txBody>
+      </p:sp>
+      <p:sp>
+        <p:nvSpPr>
+          <p:cNvPr id="19" name="TextBox 18"/>
+          <p:cNvSpPr txBox="1"/>
+          <p:nvPr/>
+        </p:nvSpPr>
+        <p:spPr>
+          <a:xfrm>
+            <a:off x="9258300" y="6481928"/>
+            <a:ext cx="2760785" cy="369332"/>
+          </a:xfrm>
+          <a:prstGeom prst="rect">
+            <a:avLst/>
+          </a:prstGeom>
+          <a:noFill/>
+        </p:spPr>
+        <p:txBody>
+          <a:bodyPr wrap="square" rtlCol="0">
+            <a:spAutoFit/>
+          </a:bodyPr>
+          <a:lstStyle/>
+          <a:p>
+            <a:r>
+              <a:rPr lang="en-US" dirty="0" smtClean="0"/>
+              <a:t>more in next page</a:t>
+            </a:r>
+            <a:endParaRPr lang="en-US" dirty="0"/>
+          </a:p>
+        </p:txBody>
+      </p:sp>
+      <p:pic>
+        <p:nvPicPr>
+          <p:cNvPr id="20" name="Picture 19"/>
+          <p:cNvPicPr>
+            <a:picLocks noChangeAspect="1"/>
+          </p:cNvPicPr>
+          <p:nvPr/>
+        </p:nvPicPr>
+        <p:blipFill>
+          <a:blip r:embed="rId8"/>
+          <a:stretch>
+            <a:fillRect/>
+          </a:stretch>
+        </p:blipFill>
+        <p:spPr>
+          <a:xfrm>
+            <a:off x="129082" y="2339975"/>
+            <a:ext cx="5686425" cy="1781175"/>
+          </a:xfrm>
+          <a:prstGeom prst="rect">
+            <a:avLst/>
+          </a:prstGeom>
+        </p:spPr>
+      </p:pic>
+      <p:pic>
+        <p:nvPicPr>
+          <p:cNvPr id="12" name="Picture 11"/>
+          <p:cNvPicPr>
+            <a:picLocks noChangeAspect="1"/>
+          </p:cNvPicPr>
+          <p:nvPr/>
+        </p:nvPicPr>
+        <p:blipFill>
+          <a:blip r:embed="rId9"/>
+          <a:stretch>
+            <a:fillRect/>
+          </a:stretch>
+        </p:blipFill>
+        <p:spPr>
+          <a:xfrm>
+            <a:off x="5767644" y="2233145"/>
+            <a:ext cx="4257675" cy="381000"/>
+          </a:xfrm>
+          <a:prstGeom prst="rect">
+            <a:avLst/>
+          </a:prstGeom>
+        </p:spPr>
+      </p:pic>
+      <p:pic>
+        <p:nvPicPr>
+          <p:cNvPr id="23" name="Picture 22"/>
+          <p:cNvPicPr>
+            <a:picLocks noChangeAspect="1"/>
+          </p:cNvPicPr>
+          <p:nvPr/>
+        </p:nvPicPr>
+        <p:blipFill>
+          <a:blip r:embed="rId10"/>
+          <a:stretch>
+            <a:fillRect/>
+          </a:stretch>
+        </p:blipFill>
+        <p:spPr>
+          <a:xfrm>
+            <a:off x="5452732" y="4961792"/>
+            <a:ext cx="5676900" cy="1781175"/>
+          </a:xfrm>
+          <a:prstGeom prst="rect">
+            <a:avLst/>
+          </a:prstGeom>
+        </p:spPr>
+      </p:pic>
+      <p:cxnSp>
+        <p:nvCxnSpPr>
+          <p:cNvPr id="25" name="Straight Arrow Connector 24"/>
+          <p:cNvCxnSpPr/>
+          <p:nvPr/>
+        </p:nvCxnSpPr>
+        <p:spPr>
+          <a:xfrm flipH="1" flipV="1">
+            <a:off x="2799541" y="2632563"/>
+            <a:ext cx="2827536" cy="2329229"/>
+          </a:xfrm>
+          <a:prstGeom prst="straightConnector1">
+            <a:avLst/>
+          </a:prstGeom>
+          <a:ln>
+            <a:tailEnd type="triangle"/>
+          </a:ln>
+        </p:spPr>
+        <p:style>
+          <a:lnRef idx="1">
+            <a:schemeClr val="accent1"/>
+          </a:lnRef>
+          <a:fillRef idx="0">
+            <a:schemeClr val="accent1"/>
+          </a:fillRef>
+          <a:effectRef idx="0">
+            <a:schemeClr val="accent1"/>
+          </a:effectRef>
+          <a:fontRef idx="minor">
+            <a:schemeClr val="tx1"/>
+          </a:fontRef>
+        </p:style>
+      </p:cxnSp>
+      <p:sp>
+        <p:nvSpPr>
+          <p:cNvPr id="29" name="TextBox 28"/>
+          <p:cNvSpPr txBox="1"/>
+          <p:nvPr/>
+        </p:nvSpPr>
+        <p:spPr>
+          <a:xfrm>
+            <a:off x="10207869" y="5266592"/>
+            <a:ext cx="1907931" cy="923330"/>
+          </a:xfrm>
+          <a:prstGeom prst="rect">
+            <a:avLst/>
+          </a:prstGeom>
+          <a:noFill/>
+        </p:spPr>
+        <p:txBody>
+          <a:bodyPr wrap="square" rtlCol="0">
+            <a:spAutoFit/>
+          </a:bodyPr>
+          <a:lstStyle/>
+          <a:p>
+            <a:r>
+              <a:rPr lang="en-US" dirty="0" smtClean="0"/>
+              <a:t>Check the </a:t>
+            </a:r>
+            <a:r>
+              <a:rPr lang="en-US" dirty="0" err="1" smtClean="0"/>
+              <a:t>applicationStatus</a:t>
+            </a:r>
+            <a:r>
+              <a:rPr lang="en-US" dirty="0" smtClean="0"/>
+              <a:t> every second</a:t>
+            </a:r>
+            <a:endParaRPr lang="en-US" dirty="0"/>
+          </a:p>
+        </p:txBody>
+      </p:sp>
+      <p:pic>
+        <p:nvPicPr>
+          <p:cNvPr id="30" name="Picture 29"/>
+          <p:cNvPicPr>
+            <a:picLocks noChangeAspect="1"/>
+          </p:cNvPicPr>
+          <p:nvPr/>
+        </p:nvPicPr>
+        <p:blipFill>
+          <a:blip r:embed="rId11"/>
+          <a:stretch>
+            <a:fillRect/>
+          </a:stretch>
+        </p:blipFill>
+        <p:spPr>
+          <a:xfrm>
+            <a:off x="81219" y="4121150"/>
+            <a:ext cx="1514475" cy="485775"/>
+          </a:xfrm>
+          <a:prstGeom prst="rect">
+            <a:avLst/>
+          </a:prstGeom>
+        </p:spPr>
+      </p:pic>
+    </p:spTree>
+    <p:extLst>
+      <p:ext uri="{BB962C8B-B14F-4D97-AF65-F5344CB8AC3E}">
+        <p14:creationId xmlns:p14="http://schemas.microsoft.com/office/powerpoint/2010/main" val="428844004"/>
+      </p:ext>
+    </p:extLst>
+  </p:cSld>
+  <p:clrMapOvr>
+    <a:masterClrMapping/>
+  </p:clrMapOvr>
+</p:sld>
+</file>
+
+<file path=ppt/slides/slide22.xml><?xml version="1.0" encoding="utf-8"?>
+<p:sld xmlns:a="http://schemas.openxmlformats.org/drawingml/2006/main" xmlns:r="http://schemas.openxmlformats.org/officeDocument/2006/relationships" xmlns:p="http://schemas.openxmlformats.org/presentationml/2006/main">
+  <p:cSld>
+    <p:spTree>
+      <p:nvGrpSpPr>
+        <p:cNvPr id="1" name=""/>
+        <p:cNvGrpSpPr/>
+        <p:nvPr/>
+      </p:nvGrpSpPr>
+      <p:grpSpPr>
+        <a:xfrm>
+          <a:off x="0" y="0"/>
+          <a:ext cx="0" cy="0"/>
+          <a:chOff x="0" y="0"/>
+          <a:chExt cx="0" cy="0"/>
+        </a:xfrm>
+      </p:grpSpPr>
+      <p:sp>
+        <p:nvSpPr>
+          <p:cNvPr id="2" name="Title 1"/>
+          <p:cNvSpPr>
+            <a:spLocks noGrp="1"/>
+          </p:cNvSpPr>
+          <p:nvPr>
+            <p:ph type="title"/>
+          </p:nvPr>
+        </p:nvSpPr>
+        <p:spPr>
+          <a:xfrm>
+            <a:off x="0" y="-144828"/>
+            <a:ext cx="10515600" cy="1325563"/>
+          </a:xfrm>
+        </p:spPr>
+        <p:txBody>
+          <a:bodyPr/>
+          <a:lstStyle/>
+          <a:p>
+            <a:r>
+              <a:rPr lang="en-US" dirty="0" err="1" smtClean="0"/>
+              <a:t>YarnJob</a:t>
+            </a:r>
+            <a:endParaRPr lang="en-US" dirty="0"/>
+          </a:p>
+        </p:txBody>
+      </p:sp>
+      <p:pic>
+        <p:nvPicPr>
+          <p:cNvPr id="3" name="Picture 2"/>
+          <p:cNvPicPr>
+            <a:picLocks noChangeAspect="1"/>
+          </p:cNvPicPr>
+          <p:nvPr/>
+        </p:nvPicPr>
+        <p:blipFill>
+          <a:blip r:embed="rId2"/>
+          <a:stretch>
+            <a:fillRect/>
+          </a:stretch>
+        </p:blipFill>
+        <p:spPr>
+          <a:xfrm>
+            <a:off x="0" y="730860"/>
+            <a:ext cx="2066925" cy="466725"/>
+          </a:xfrm>
+          <a:prstGeom prst="rect">
+            <a:avLst/>
+          </a:prstGeom>
+        </p:spPr>
+      </p:pic>
+      <p:pic>
+        <p:nvPicPr>
+          <p:cNvPr id="5" name="Picture 4"/>
+          <p:cNvPicPr>
+            <a:picLocks noChangeAspect="1"/>
+          </p:cNvPicPr>
+          <p:nvPr/>
+        </p:nvPicPr>
+        <p:blipFill>
+          <a:blip r:embed="rId3"/>
+          <a:stretch>
+            <a:fillRect/>
+          </a:stretch>
+        </p:blipFill>
+        <p:spPr>
+          <a:xfrm>
+            <a:off x="7258050" y="1560453"/>
+            <a:ext cx="4143375" cy="171450"/>
+          </a:xfrm>
+          <a:prstGeom prst="rect">
+            <a:avLst/>
+          </a:prstGeom>
+        </p:spPr>
+      </p:pic>
+      <p:pic>
+        <p:nvPicPr>
+          <p:cNvPr id="10" name="Picture 9"/>
+          <p:cNvPicPr>
+            <a:picLocks noChangeAspect="1"/>
+          </p:cNvPicPr>
+          <p:nvPr/>
+        </p:nvPicPr>
+        <p:blipFill>
+          <a:blip r:embed="rId4"/>
+          <a:stretch>
+            <a:fillRect/>
+          </a:stretch>
+        </p:blipFill>
+        <p:spPr>
+          <a:xfrm>
+            <a:off x="201124" y="1223780"/>
+            <a:ext cx="7010400" cy="819150"/>
+          </a:xfrm>
+          <a:prstGeom prst="rect">
+            <a:avLst/>
+          </a:prstGeom>
+        </p:spPr>
+      </p:pic>
+      <p:pic>
+        <p:nvPicPr>
+          <p:cNvPr id="11" name="Picture 10"/>
+          <p:cNvPicPr>
+            <a:picLocks noChangeAspect="1"/>
+          </p:cNvPicPr>
+          <p:nvPr/>
+        </p:nvPicPr>
+        <p:blipFill>
+          <a:blip r:embed="rId5"/>
+          <a:stretch>
+            <a:fillRect/>
+          </a:stretch>
+        </p:blipFill>
+        <p:spPr>
+          <a:xfrm>
+            <a:off x="409574" y="2042930"/>
+            <a:ext cx="8505825" cy="2905125"/>
+          </a:xfrm>
+          <a:prstGeom prst="rect">
+            <a:avLst/>
+          </a:prstGeom>
+        </p:spPr>
+      </p:pic>
+      <p:pic>
+        <p:nvPicPr>
+          <p:cNvPr id="4" name="Picture 3"/>
+          <p:cNvPicPr>
+            <a:picLocks noChangeAspect="1"/>
+          </p:cNvPicPr>
+          <p:nvPr/>
+        </p:nvPicPr>
+        <p:blipFill>
+          <a:blip r:embed="rId6"/>
+          <a:stretch>
+            <a:fillRect/>
+          </a:stretch>
+        </p:blipFill>
+        <p:spPr>
+          <a:xfrm>
+            <a:off x="7258050" y="436503"/>
+            <a:ext cx="4933950" cy="1123950"/>
+          </a:xfrm>
+          <a:prstGeom prst="rect">
+            <a:avLst/>
+          </a:prstGeom>
+        </p:spPr>
+      </p:pic>
+      <p:pic>
+        <p:nvPicPr>
+          <p:cNvPr id="7" name="Picture 6"/>
+          <p:cNvPicPr>
+            <a:picLocks noChangeAspect="1"/>
+          </p:cNvPicPr>
+          <p:nvPr/>
+        </p:nvPicPr>
+        <p:blipFill>
+          <a:blip r:embed="rId7"/>
+          <a:stretch>
+            <a:fillRect/>
+          </a:stretch>
+        </p:blipFill>
+        <p:spPr>
+          <a:xfrm>
+            <a:off x="7258050" y="1731903"/>
+            <a:ext cx="4591050" cy="504825"/>
+          </a:xfrm>
+          <a:prstGeom prst="rect">
+            <a:avLst/>
+          </a:prstGeom>
+        </p:spPr>
+      </p:pic>
+      <p:cxnSp>
+        <p:nvCxnSpPr>
+          <p:cNvPr id="13" name="Straight Arrow Connector 12"/>
+          <p:cNvCxnSpPr/>
+          <p:nvPr/>
+        </p:nvCxnSpPr>
+        <p:spPr>
+          <a:xfrm flipH="1">
+            <a:off x="2066925" y="517953"/>
+            <a:ext cx="5191125" cy="589878"/>
+          </a:xfrm>
+          <a:prstGeom prst="straightConnector1">
+            <a:avLst/>
+          </a:prstGeom>
+          <a:ln>
+            <a:tailEnd type="triangle"/>
+          </a:ln>
+        </p:spPr>
+        <p:style>
+          <a:lnRef idx="1">
+            <a:schemeClr val="accent1"/>
+          </a:lnRef>
+          <a:fillRef idx="0">
+            <a:schemeClr val="accent1"/>
+          </a:fillRef>
+          <a:effectRef idx="0">
+            <a:schemeClr val="accent1"/>
+          </a:effectRef>
+          <a:fontRef idx="minor">
+            <a:schemeClr val="tx1"/>
+          </a:fontRef>
+        </p:style>
+      </p:cxnSp>
+      <p:sp>
+        <p:nvSpPr>
+          <p:cNvPr id="14" name="TextBox 13"/>
+          <p:cNvSpPr txBox="1"/>
+          <p:nvPr/>
+        </p:nvSpPr>
+        <p:spPr>
+          <a:xfrm>
+            <a:off x="9553575" y="2221893"/>
+            <a:ext cx="2382716" cy="369332"/>
+          </a:xfrm>
+          <a:prstGeom prst="rect">
+            <a:avLst/>
+          </a:prstGeom>
+          <a:noFill/>
+        </p:spPr>
+        <p:txBody>
+          <a:bodyPr wrap="square" rtlCol="0">
+            <a:spAutoFit/>
+          </a:bodyPr>
+          <a:lstStyle/>
+          <a:p>
+            <a:r>
+              <a:rPr lang="en-US" altLang="zh-CN" dirty="0" smtClean="0"/>
+              <a:t>run-jc.sh is from here</a:t>
+            </a:r>
+            <a:endParaRPr lang="en-US" dirty="0"/>
+          </a:p>
+        </p:txBody>
+      </p:sp>
+      <p:pic>
+        <p:nvPicPr>
+          <p:cNvPr id="9" name="Picture 8"/>
+          <p:cNvPicPr>
+            <a:picLocks noChangeAspect="1"/>
+          </p:cNvPicPr>
+          <p:nvPr/>
+        </p:nvPicPr>
+        <p:blipFill>
+          <a:blip r:embed="rId8"/>
+          <a:stretch>
+            <a:fillRect/>
+          </a:stretch>
+        </p:blipFill>
+        <p:spPr>
+          <a:xfrm>
+            <a:off x="7302010" y="2212182"/>
+            <a:ext cx="638175" cy="409575"/>
+          </a:xfrm>
+          <a:prstGeom prst="rect">
+            <a:avLst/>
+          </a:prstGeom>
+        </p:spPr>
+      </p:pic>
+      <p:cxnSp>
+        <p:nvCxnSpPr>
+          <p:cNvPr id="16" name="Straight Connector 15"/>
+          <p:cNvCxnSpPr/>
+          <p:nvPr/>
+        </p:nvCxnSpPr>
+        <p:spPr>
+          <a:xfrm>
+            <a:off x="694593" y="2488223"/>
+            <a:ext cx="536330" cy="8792"/>
+          </a:xfrm>
+          <a:prstGeom prst="line">
+            <a:avLst/>
+          </a:prstGeom>
+          <a:ln w="19050">
+            <a:solidFill>
+              <a:srgbClr val="FF0000"/>
+            </a:solidFill>
+          </a:ln>
+        </p:spPr>
+        <p:style>
+          <a:lnRef idx="1">
+            <a:schemeClr val="accent1"/>
+          </a:lnRef>
+          <a:fillRef idx="0">
+            <a:schemeClr val="accent1"/>
+          </a:fillRef>
+          <a:effectRef idx="0">
+            <a:schemeClr val="accent1"/>
+          </a:effectRef>
+          <a:fontRef idx="minor">
+            <a:schemeClr val="tx1"/>
+          </a:fontRef>
+        </p:style>
+      </p:cxnSp>
+      <p:pic>
+        <p:nvPicPr>
+          <p:cNvPr id="19" name="Picture 18"/>
+          <p:cNvPicPr>
+            <a:picLocks noChangeAspect="1"/>
+          </p:cNvPicPr>
+          <p:nvPr/>
+        </p:nvPicPr>
+        <p:blipFill>
+          <a:blip r:embed="rId9"/>
+          <a:stretch>
+            <a:fillRect/>
+          </a:stretch>
+        </p:blipFill>
+        <p:spPr>
+          <a:xfrm>
+            <a:off x="77297" y="4948055"/>
+            <a:ext cx="4514850" cy="1504950"/>
+          </a:xfrm>
+          <a:prstGeom prst="rect">
+            <a:avLst/>
+          </a:prstGeom>
+        </p:spPr>
+      </p:pic>
+    </p:spTree>
+    <p:extLst>
+      <p:ext uri="{BB962C8B-B14F-4D97-AF65-F5344CB8AC3E}">
+        <p14:creationId xmlns:p14="http://schemas.microsoft.com/office/powerpoint/2010/main" val="275279839"/>
+      </p:ext>
+    </p:extLst>
+  </p:cSld>
+  <p:clrMapOvr>
+    <a:masterClrMapping/>
+  </p:clrMapOvr>
+</p:sld>
+</file>
+
+<file path=ppt/slides/slide23.xml><?xml version="1.0" encoding="utf-8"?>
+<p:sld xmlns:a="http://schemas.openxmlformats.org/drawingml/2006/main" xmlns:r="http://schemas.openxmlformats.org/officeDocument/2006/relationships" xmlns:p="http://schemas.openxmlformats.org/presentationml/2006/main">
+  <p:cSld>
+    <p:spTree>
+      <p:nvGrpSpPr>
+        <p:cNvPr id="1" name=""/>
+        <p:cNvGrpSpPr/>
+        <p:nvPr/>
+      </p:nvGrpSpPr>
+      <p:grpSpPr>
+        <a:xfrm>
+          <a:off x="0" y="0"/>
+          <a:ext cx="0" cy="0"/>
+          <a:chOff x="0" y="0"/>
+          <a:chExt cx="0" cy="0"/>
+        </a:xfrm>
+      </p:grpSpPr>
+      <p:sp>
+        <p:nvSpPr>
+          <p:cNvPr id="2" name="Title 1"/>
+          <p:cNvSpPr>
+            <a:spLocks noGrp="1"/>
+          </p:cNvSpPr>
+          <p:nvPr>
+            <p:ph type="title"/>
+          </p:nvPr>
+        </p:nvSpPr>
+        <p:spPr>
+          <a:xfrm>
+            <a:off x="0" y="-409484"/>
+            <a:ext cx="10515600" cy="1325563"/>
+          </a:xfrm>
+        </p:spPr>
+        <p:txBody>
+          <a:bodyPr/>
+          <a:lstStyle/>
+          <a:p>
+            <a:r>
+              <a:rPr lang="en-US" dirty="0" err="1" smtClean="0"/>
+              <a:t>ClientHelper</a:t>
+            </a:r>
+            <a:endParaRPr lang="en-US" dirty="0"/>
+          </a:p>
+        </p:txBody>
+      </p:sp>
+      <p:pic>
+        <p:nvPicPr>
+          <p:cNvPr id="3" name="Picture 2"/>
+          <p:cNvPicPr>
+            <a:picLocks noChangeAspect="1"/>
+          </p:cNvPicPr>
+          <p:nvPr/>
+        </p:nvPicPr>
+        <p:blipFill>
+          <a:blip r:embed="rId2"/>
+          <a:stretch>
+            <a:fillRect/>
+          </a:stretch>
+        </p:blipFill>
+        <p:spPr>
+          <a:xfrm>
+            <a:off x="0" y="435280"/>
+            <a:ext cx="8248650" cy="1628775"/>
+          </a:xfrm>
+          <a:prstGeom prst="rect">
+            <a:avLst/>
+          </a:prstGeom>
+        </p:spPr>
+      </p:pic>
+      <p:pic>
+        <p:nvPicPr>
+          <p:cNvPr id="4" name="Picture 3"/>
+          <p:cNvPicPr>
+            <a:picLocks noChangeAspect="1"/>
+          </p:cNvPicPr>
+          <p:nvPr/>
+        </p:nvPicPr>
+        <p:blipFill rotWithShape="1">
+          <a:blip r:embed="rId3"/>
+          <a:srcRect t="33023"/>
+          <a:stretch/>
+        </p:blipFill>
+        <p:spPr>
+          <a:xfrm>
+            <a:off x="162292" y="2051049"/>
+            <a:ext cx="2314575" cy="185005"/>
+          </a:xfrm>
+          <a:prstGeom prst="rect">
+            <a:avLst/>
+          </a:prstGeom>
+        </p:spPr>
+      </p:pic>
+      <p:pic>
+        <p:nvPicPr>
+          <p:cNvPr id="5" name="Picture 4"/>
+          <p:cNvPicPr>
+            <a:picLocks noChangeAspect="1"/>
+          </p:cNvPicPr>
+          <p:nvPr/>
+        </p:nvPicPr>
+        <p:blipFill>
+          <a:blip r:embed="rId4"/>
+          <a:stretch>
+            <a:fillRect/>
+          </a:stretch>
+        </p:blipFill>
+        <p:spPr>
+          <a:xfrm>
+            <a:off x="80229" y="2236054"/>
+            <a:ext cx="9477375" cy="933450"/>
+          </a:xfrm>
+          <a:prstGeom prst="rect">
+            <a:avLst/>
+          </a:prstGeom>
+        </p:spPr>
+      </p:pic>
+      <p:pic>
+        <p:nvPicPr>
+          <p:cNvPr id="6" name="Picture 5"/>
+          <p:cNvPicPr>
+            <a:picLocks noChangeAspect="1"/>
+          </p:cNvPicPr>
+          <p:nvPr/>
+        </p:nvPicPr>
+        <p:blipFill>
+          <a:blip r:embed="rId5"/>
+          <a:stretch>
+            <a:fillRect/>
+          </a:stretch>
+        </p:blipFill>
+        <p:spPr>
+          <a:xfrm>
+            <a:off x="244352" y="3160528"/>
+            <a:ext cx="2695575" cy="180975"/>
+          </a:xfrm>
+          <a:prstGeom prst="rect">
+            <a:avLst/>
+          </a:prstGeom>
+        </p:spPr>
+      </p:pic>
+      <p:pic>
+        <p:nvPicPr>
+          <p:cNvPr id="7" name="Picture 6"/>
+          <p:cNvPicPr>
+            <a:picLocks noChangeAspect="1"/>
+          </p:cNvPicPr>
+          <p:nvPr/>
+        </p:nvPicPr>
+        <p:blipFill>
+          <a:blip r:embed="rId6"/>
+          <a:stretch>
+            <a:fillRect/>
+          </a:stretch>
+        </p:blipFill>
+        <p:spPr>
+          <a:xfrm>
+            <a:off x="348028" y="3333503"/>
+            <a:ext cx="3933825" cy="857250"/>
+          </a:xfrm>
+          <a:prstGeom prst="rect">
+            <a:avLst/>
+          </a:prstGeom>
+        </p:spPr>
+      </p:pic>
+      <p:pic>
+        <p:nvPicPr>
+          <p:cNvPr id="8" name="Picture 7"/>
+          <p:cNvPicPr>
+            <a:picLocks noChangeAspect="1"/>
+          </p:cNvPicPr>
+          <p:nvPr/>
+        </p:nvPicPr>
+        <p:blipFill>
+          <a:blip r:embed="rId7"/>
+          <a:stretch>
+            <a:fillRect/>
+          </a:stretch>
+        </p:blipFill>
+        <p:spPr>
+          <a:xfrm>
+            <a:off x="8176932" y="3226654"/>
+            <a:ext cx="3933825" cy="1647825"/>
+          </a:xfrm>
+          <a:prstGeom prst="rect">
+            <a:avLst/>
+          </a:prstGeom>
+        </p:spPr>
+      </p:pic>
+      <p:pic>
+        <p:nvPicPr>
+          <p:cNvPr id="9" name="Picture 8"/>
+          <p:cNvPicPr>
+            <a:picLocks noChangeAspect="1"/>
+          </p:cNvPicPr>
+          <p:nvPr/>
+        </p:nvPicPr>
+        <p:blipFill>
+          <a:blip r:embed="rId8"/>
+          <a:stretch>
+            <a:fillRect/>
+          </a:stretch>
+        </p:blipFill>
+        <p:spPr>
+          <a:xfrm>
+            <a:off x="8248650" y="4686300"/>
+            <a:ext cx="5324475" cy="2171700"/>
+          </a:xfrm>
+          <a:prstGeom prst="rect">
+            <a:avLst/>
+          </a:prstGeom>
+        </p:spPr>
+      </p:pic>
+      <p:sp>
+        <p:nvSpPr>
+          <p:cNvPr id="10" name="TextBox 9"/>
+          <p:cNvSpPr txBox="1"/>
+          <p:nvPr/>
+        </p:nvSpPr>
+        <p:spPr>
+          <a:xfrm>
+            <a:off x="8176932" y="2908819"/>
+            <a:ext cx="3933825" cy="369332"/>
+          </a:xfrm>
+          <a:prstGeom prst="rect">
+            <a:avLst/>
+          </a:prstGeom>
+          <a:noFill/>
+        </p:spPr>
+        <p:txBody>
+          <a:bodyPr wrap="square" rtlCol="0">
+            <a:spAutoFit/>
+          </a:bodyPr>
+          <a:lstStyle/>
+          <a:p>
+            <a:r>
+              <a:rPr lang="en-US" altLang="zh-CN" dirty="0" err="1" smtClean="0"/>
+              <a:t>YarnClient</a:t>
+            </a:r>
+            <a:r>
+              <a:rPr lang="en-US" altLang="zh-CN" dirty="0" smtClean="0"/>
+              <a:t> class for interact with YARN</a:t>
+            </a:r>
+            <a:endParaRPr lang="en-US" dirty="0"/>
+          </a:p>
+        </p:txBody>
+      </p:sp>
+      <p:pic>
+        <p:nvPicPr>
+          <p:cNvPr id="13" name="Picture 12"/>
+          <p:cNvPicPr>
+            <a:picLocks noChangeAspect="1"/>
+          </p:cNvPicPr>
+          <p:nvPr/>
+        </p:nvPicPr>
+        <p:blipFill>
+          <a:blip r:embed="rId9"/>
+          <a:stretch>
+            <a:fillRect/>
+          </a:stretch>
+        </p:blipFill>
+        <p:spPr>
+          <a:xfrm>
+            <a:off x="244352" y="4171982"/>
+            <a:ext cx="6724650" cy="800100"/>
+          </a:xfrm>
+          <a:prstGeom prst="rect">
+            <a:avLst/>
+          </a:prstGeom>
+        </p:spPr>
+      </p:pic>
+      <p:pic>
+        <p:nvPicPr>
+          <p:cNvPr id="14" name="Picture 13"/>
+          <p:cNvPicPr>
+            <a:picLocks noChangeAspect="1"/>
+          </p:cNvPicPr>
+          <p:nvPr/>
+        </p:nvPicPr>
+        <p:blipFill>
+          <a:blip r:embed="rId10"/>
+          <a:stretch>
+            <a:fillRect/>
+          </a:stretch>
+        </p:blipFill>
+        <p:spPr>
+          <a:xfrm>
+            <a:off x="348028" y="4972082"/>
+            <a:ext cx="6419850" cy="876300"/>
+          </a:xfrm>
+          <a:prstGeom prst="rect">
+            <a:avLst/>
+          </a:prstGeom>
+        </p:spPr>
+      </p:pic>
+      <p:cxnSp>
+        <p:nvCxnSpPr>
+          <p:cNvPr id="12" name="Straight Arrow Connector 11"/>
+          <p:cNvCxnSpPr/>
+          <p:nvPr/>
+        </p:nvCxnSpPr>
+        <p:spPr>
+          <a:xfrm flipH="1" flipV="1">
+            <a:off x="3693459" y="2908819"/>
+            <a:ext cx="4555191" cy="3742993"/>
+          </a:xfrm>
+          <a:prstGeom prst="straightConnector1">
+            <a:avLst/>
+          </a:prstGeom>
+          <a:ln>
+            <a:tailEnd type="triangle"/>
+          </a:ln>
+        </p:spPr>
+        <p:style>
+          <a:lnRef idx="1">
+            <a:schemeClr val="accent1"/>
+          </a:lnRef>
+          <a:fillRef idx="0">
+            <a:schemeClr val="accent1"/>
+          </a:fillRef>
+          <a:effectRef idx="0">
+            <a:schemeClr val="accent1"/>
+          </a:effectRef>
+          <a:fontRef idx="minor">
+            <a:schemeClr val="tx1"/>
+          </a:fontRef>
+        </p:style>
+      </p:cxnSp>
+      <p:pic>
+        <p:nvPicPr>
+          <p:cNvPr id="15" name="Picture 14"/>
+          <p:cNvPicPr>
+            <a:picLocks noChangeAspect="1"/>
+          </p:cNvPicPr>
+          <p:nvPr/>
+        </p:nvPicPr>
+        <p:blipFill>
+          <a:blip r:embed="rId11"/>
+          <a:stretch>
+            <a:fillRect/>
+          </a:stretch>
+        </p:blipFill>
+        <p:spPr>
+          <a:xfrm>
+            <a:off x="348028" y="5772150"/>
+            <a:ext cx="3676650" cy="590550"/>
+          </a:xfrm>
+          <a:prstGeom prst="rect">
+            <a:avLst/>
+          </a:prstGeom>
+        </p:spPr>
+      </p:pic>
+      <p:pic>
+        <p:nvPicPr>
+          <p:cNvPr id="16" name="Picture 15"/>
+          <p:cNvPicPr>
+            <a:picLocks noChangeAspect="1"/>
+          </p:cNvPicPr>
+          <p:nvPr/>
+        </p:nvPicPr>
+        <p:blipFill>
+          <a:blip r:embed="rId12"/>
+          <a:stretch>
+            <a:fillRect/>
+          </a:stretch>
+        </p:blipFill>
+        <p:spPr>
+          <a:xfrm>
+            <a:off x="4281853" y="6872979"/>
+            <a:ext cx="6972300" cy="1276350"/>
+          </a:xfrm>
+          <a:prstGeom prst="rect">
+            <a:avLst/>
+          </a:prstGeom>
+        </p:spPr>
+      </p:pic>
+      <p:cxnSp>
+        <p:nvCxnSpPr>
+          <p:cNvPr id="18" name="Straight Arrow Connector 17"/>
+          <p:cNvCxnSpPr/>
+          <p:nvPr/>
+        </p:nvCxnSpPr>
+        <p:spPr>
+          <a:xfrm flipH="1" flipV="1">
+            <a:off x="2314940" y="5876957"/>
+            <a:ext cx="1966913" cy="1447620"/>
+          </a:xfrm>
+          <a:prstGeom prst="straightConnector1">
+            <a:avLst/>
+          </a:prstGeom>
+          <a:ln>
+            <a:tailEnd type="triangle"/>
+          </a:ln>
+        </p:spPr>
+        <p:style>
+          <a:lnRef idx="1">
+            <a:schemeClr val="accent1"/>
+          </a:lnRef>
+          <a:fillRef idx="0">
+            <a:schemeClr val="accent1"/>
+          </a:fillRef>
+          <a:effectRef idx="0">
+            <a:schemeClr val="accent1"/>
+          </a:effectRef>
+          <a:fontRef idx="minor">
+            <a:schemeClr val="tx1"/>
+          </a:fontRef>
+        </p:style>
+      </p:cxnSp>
+    </p:spTree>
+    <p:extLst>
+      <p:ext uri="{BB962C8B-B14F-4D97-AF65-F5344CB8AC3E}">
+        <p14:creationId xmlns:p14="http://schemas.microsoft.com/office/powerpoint/2010/main" val="76494904"/>
+      </p:ext>
+    </p:extLst>
+  </p:cSld>
+  <p:clrMapOvr>
+    <a:masterClrMapping/>
+  </p:clrMapOvr>
+</p:sld>
+</file>
+
+<file path=ppt/slides/slide24.xml><?xml version="1.0" encoding="utf-8"?>
+<p:sld xmlns:a="http://schemas.openxmlformats.org/drawingml/2006/main" xmlns:r="http://schemas.openxmlformats.org/officeDocument/2006/relationships" xmlns:p="http://schemas.openxmlformats.org/presentationml/2006/main">
+  <p:cSld>
+    <p:spTree>
+      <p:nvGrpSpPr>
+        <p:cNvPr id="1" name=""/>
+        <p:cNvGrpSpPr/>
+        <p:nvPr/>
+      </p:nvGrpSpPr>
+      <p:grpSpPr>
+        <a:xfrm>
+          <a:off x="0" y="0"/>
+          <a:ext cx="0" cy="0"/>
+          <a:chOff x="0" y="0"/>
+          <a:chExt cx="0" cy="0"/>
+        </a:xfrm>
+      </p:grpSpPr>
+      <p:sp>
+        <p:nvSpPr>
+          <p:cNvPr id="2" name="Title 1"/>
+          <p:cNvSpPr>
+            <a:spLocks noGrp="1"/>
+          </p:cNvSpPr>
+          <p:nvPr>
+            <p:ph type="title"/>
+          </p:nvPr>
+        </p:nvSpPr>
+        <p:spPr>
+          <a:xfrm>
+            <a:off x="0" y="-188790"/>
+            <a:ext cx="10515600" cy="1325563"/>
+          </a:xfrm>
+        </p:spPr>
+        <p:txBody>
+          <a:bodyPr/>
+          <a:lstStyle/>
+          <a:p>
+            <a:endParaRPr lang="en-US" dirty="0"/>
+          </a:p>
+        </p:txBody>
+      </p:sp>
+    </p:spTree>
+    <p:extLst>
+      <p:ext uri="{BB962C8B-B14F-4D97-AF65-F5344CB8AC3E}">
+        <p14:creationId xmlns:p14="http://schemas.microsoft.com/office/powerpoint/2010/main" val="840293509"/>
+      </p:ext>
+    </p:extLst>
+  </p:cSld>
+  <p:clrMapOvr>
+    <a:masterClrMapping/>
+  </p:clrMapOvr>
+</p:sld>
+</file>
+
+<file path=ppt/slides/slide25.xml><?xml version="1.0" encoding="utf-8"?>
 <p:sld xmlns:a="http://schemas.openxmlformats.org/drawingml/2006/main" xmlns:r="http://schemas.openxmlformats.org/officeDocument/2006/relationships" xmlns:p="http://schemas.openxmlformats.org/presentationml/2006/main">
   <p:cSld>
     <p:spTree>
@@ -7555,7 +11931,7 @@
 </p:sld>
 </file>
 
-<file path=ppt/slides/slide13.xml><?xml version="1.0" encoding="utf-8"?>
+<file path=ppt/slides/slide26.xml><?xml version="1.0" encoding="utf-8"?>
 <p:sld xmlns:a="http://schemas.openxmlformats.org/drawingml/2006/main" xmlns:r="http://schemas.openxmlformats.org/officeDocument/2006/relationships" xmlns:p="http://schemas.openxmlformats.org/presentationml/2006/main">
   <p:cSld>
     <p:spTree>
@@ -7636,7 +12012,7 @@
 </p:sld>
 </file>
 
-<file path=ppt/slides/slide14.xml><?xml version="1.0" encoding="utf-8"?>
+<file path=ppt/slides/slide27.xml><?xml version="1.0" encoding="utf-8"?>
 <p:sld xmlns:a="http://schemas.openxmlformats.org/drawingml/2006/main" xmlns:r="http://schemas.openxmlformats.org/officeDocument/2006/relationships" xmlns:p="http://schemas.openxmlformats.org/presentationml/2006/main">
   <p:cSld>
     <p:spTree>
@@ -8044,7 +12420,7 @@
 </p:sld>
 </file>
 
-<file path=ppt/slides/slide15.xml><?xml version="1.0" encoding="utf-8"?>
+<file path=ppt/slides/slide28.xml><?xml version="1.0" encoding="utf-8"?>
 <p:sld xmlns:a="http://schemas.openxmlformats.org/drawingml/2006/main" xmlns:r="http://schemas.openxmlformats.org/officeDocument/2006/relationships" xmlns:p="http://schemas.openxmlformats.org/presentationml/2006/main">
   <p:cSld>
     <p:spTree>
@@ -9663,7 +14039,7 @@
 </p:sld>
 </file>
 
-<file path=ppt/slides/slide16.xml><?xml version="1.0" encoding="utf-8"?>
+<file path=ppt/slides/slide29.xml><?xml version="1.0" encoding="utf-8"?>
 <p:sld xmlns:a="http://schemas.openxmlformats.org/drawingml/2006/main" xmlns:r="http://schemas.openxmlformats.org/officeDocument/2006/relationships" xmlns:p="http://schemas.openxmlformats.org/presentationml/2006/main">
   <p:cSld>
     <p:spTree>
@@ -10293,1107 +14669,6 @@
     <p:extLst>
       <p:ext uri="{BB962C8B-B14F-4D97-AF65-F5344CB8AC3E}">
         <p14:creationId xmlns:p14="http://schemas.microsoft.com/office/powerpoint/2010/main" val="544353580"/>
-      </p:ext>
-    </p:extLst>
-  </p:cSld>
-  <p:clrMapOvr>
-    <a:masterClrMapping/>
-  </p:clrMapOvr>
-</p:sld>
-</file>
-
-<file path=ppt/slides/slide17.xml><?xml version="1.0" encoding="utf-8"?>
-<p:sld xmlns:a="http://schemas.openxmlformats.org/drawingml/2006/main" xmlns:r="http://schemas.openxmlformats.org/officeDocument/2006/relationships" xmlns:p="http://schemas.openxmlformats.org/presentationml/2006/main">
-  <p:cSld>
-    <p:spTree>
-      <p:nvGrpSpPr>
-        <p:cNvPr id="1" name=""/>
-        <p:cNvGrpSpPr/>
-        <p:nvPr/>
-      </p:nvGrpSpPr>
-      <p:grpSpPr>
-        <a:xfrm>
-          <a:off x="0" y="0"/>
-          <a:ext cx="0" cy="0"/>
-          <a:chOff x="0" y="0"/>
-          <a:chExt cx="0" cy="0"/>
-        </a:xfrm>
-      </p:grpSpPr>
-      <p:sp>
-        <p:nvSpPr>
-          <p:cNvPr id="2" name="Title 1"/>
-          <p:cNvSpPr>
-            <a:spLocks noGrp="1"/>
-          </p:cNvSpPr>
-          <p:nvPr>
-            <p:ph type="title"/>
-          </p:nvPr>
-        </p:nvSpPr>
-        <p:spPr/>
-        <p:txBody>
-          <a:bodyPr/>
-          <a:lstStyle/>
-          <a:p>
-            <a:r>
-              <a:rPr lang="en-US" altLang="zh-CN" dirty="0" smtClean="0"/>
-              <a:t>Factory</a:t>
-            </a:r>
-            <a:endParaRPr lang="en-US" dirty="0"/>
-          </a:p>
-        </p:txBody>
-      </p:sp>
-      <p:sp>
-        <p:nvSpPr>
-          <p:cNvPr id="4" name="Content Placeholder 3"/>
-          <p:cNvSpPr>
-            <a:spLocks noGrp="1"/>
-          </p:cNvSpPr>
-          <p:nvPr>
-            <p:ph idx="1"/>
-          </p:nvPr>
-        </p:nvSpPr>
-        <p:spPr/>
-        <p:txBody>
-          <a:bodyPr/>
-          <a:lstStyle/>
-          <a:p>
-            <a:r>
-              <a:rPr lang="en-US" sz="2400" dirty="0" smtClean="0"/>
-              <a:t>Factory implement both consumer and producer</a:t>
-            </a:r>
-          </a:p>
-          <a:p>
-            <a:endParaRPr lang="en-US" dirty="0"/>
-          </a:p>
-          <a:p>
-            <a:endParaRPr lang="en-US" dirty="0" smtClean="0"/>
-          </a:p>
-          <a:p>
-            <a:r>
-              <a:rPr lang="en-US" sz="2400" dirty="0" smtClean="0"/>
-              <a:t>Container use Consumer to read message and pass them to </a:t>
-            </a:r>
-            <a:r>
-              <a:rPr lang="en-US" altLang="zh-CN" sz="2400" dirty="0" err="1" smtClean="0"/>
-              <a:t>StreamTask</a:t>
-            </a:r>
-            <a:endParaRPr lang="en-US" altLang="zh-CN" sz="2400" dirty="0"/>
-          </a:p>
-          <a:p>
-            <a:endParaRPr lang="en-US" sz="2400" dirty="0" smtClean="0"/>
-          </a:p>
-          <a:p>
-            <a:endParaRPr lang="en-US" sz="2400" dirty="0" smtClean="0"/>
-          </a:p>
-          <a:p>
-            <a:r>
-              <a:rPr lang="en-US" sz="2400" dirty="0" smtClean="0"/>
-              <a:t>Producer </a:t>
-            </a:r>
-            <a:r>
-              <a:rPr lang="en-US" altLang="zh-CN" sz="2400" dirty="0" smtClean="0"/>
-              <a:t>writes messages from </a:t>
-            </a:r>
-            <a:r>
-              <a:rPr lang="en-US" altLang="zh-CN" sz="2400" dirty="0" err="1" smtClean="0"/>
-              <a:t>StreamTask</a:t>
-            </a:r>
-            <a:r>
-              <a:rPr lang="en-US" altLang="zh-CN" sz="2400" dirty="0" smtClean="0"/>
-              <a:t> to outside systems</a:t>
-            </a:r>
-          </a:p>
-          <a:p>
-            <a:endParaRPr lang="en-US" sz="2400" dirty="0"/>
-          </a:p>
-        </p:txBody>
-      </p:sp>
-      <p:pic>
-        <p:nvPicPr>
-          <p:cNvPr id="5" name="Picture 4"/>
-          <p:cNvPicPr>
-            <a:picLocks noChangeAspect="1"/>
-          </p:cNvPicPr>
-          <p:nvPr/>
-        </p:nvPicPr>
-        <p:blipFill>
-          <a:blip r:embed="rId2"/>
-          <a:stretch>
-            <a:fillRect/>
-          </a:stretch>
-        </p:blipFill>
-        <p:spPr>
-          <a:xfrm>
-            <a:off x="1123406" y="2229513"/>
-            <a:ext cx="10136337" cy="1060286"/>
-          </a:xfrm>
-          <a:prstGeom prst="rect">
-            <a:avLst/>
-          </a:prstGeom>
-        </p:spPr>
-      </p:pic>
-      <p:pic>
-        <p:nvPicPr>
-          <p:cNvPr id="6" name="Picture 5"/>
-          <p:cNvPicPr>
-            <a:picLocks noChangeAspect="1"/>
-          </p:cNvPicPr>
-          <p:nvPr/>
-        </p:nvPicPr>
-        <p:blipFill>
-          <a:blip r:embed="rId3"/>
-          <a:stretch>
-            <a:fillRect/>
-          </a:stretch>
-        </p:blipFill>
-        <p:spPr>
-          <a:xfrm>
-            <a:off x="1123406" y="5091113"/>
-            <a:ext cx="7343775" cy="1085850"/>
-          </a:xfrm>
-          <a:prstGeom prst="rect">
-            <a:avLst/>
-          </a:prstGeom>
-        </p:spPr>
-      </p:pic>
-      <p:pic>
-        <p:nvPicPr>
-          <p:cNvPr id="8" name="Picture 7"/>
-          <p:cNvPicPr>
-            <a:picLocks noChangeAspect="1"/>
-          </p:cNvPicPr>
-          <p:nvPr/>
-        </p:nvPicPr>
-        <p:blipFill>
-          <a:blip r:embed="rId4"/>
-          <a:stretch>
-            <a:fillRect/>
-          </a:stretch>
-        </p:blipFill>
-        <p:spPr>
-          <a:xfrm>
-            <a:off x="1123406" y="4269490"/>
-            <a:ext cx="10075140" cy="237195"/>
-          </a:xfrm>
-          <a:prstGeom prst="rect">
-            <a:avLst/>
-          </a:prstGeom>
-        </p:spPr>
-      </p:pic>
-      <p:pic>
-        <p:nvPicPr>
-          <p:cNvPr id="9" name="Picture 8"/>
-          <p:cNvPicPr>
-            <a:picLocks noChangeAspect="1"/>
-          </p:cNvPicPr>
-          <p:nvPr/>
-        </p:nvPicPr>
-        <p:blipFill>
-          <a:blip r:embed="rId5"/>
-          <a:stretch>
-            <a:fillRect/>
-          </a:stretch>
-        </p:blipFill>
-        <p:spPr>
-          <a:xfrm>
-            <a:off x="1123406" y="3905862"/>
-            <a:ext cx="6657975" cy="219075"/>
-          </a:xfrm>
-          <a:prstGeom prst="rect">
-            <a:avLst/>
-          </a:prstGeom>
-        </p:spPr>
-      </p:pic>
-    </p:spTree>
-    <p:extLst>
-      <p:ext uri="{BB962C8B-B14F-4D97-AF65-F5344CB8AC3E}">
-        <p14:creationId xmlns:p14="http://schemas.microsoft.com/office/powerpoint/2010/main" val="3338733228"/>
-      </p:ext>
-    </p:extLst>
-  </p:cSld>
-  <p:clrMapOvr>
-    <a:masterClrMapping/>
-  </p:clrMapOvr>
-</p:sld>
-</file>
-
-<file path=ppt/slides/slide18.xml><?xml version="1.0" encoding="utf-8"?>
-<p:sld xmlns:a="http://schemas.openxmlformats.org/drawingml/2006/main" xmlns:r="http://schemas.openxmlformats.org/officeDocument/2006/relationships" xmlns:p="http://schemas.openxmlformats.org/presentationml/2006/main">
-  <p:cSld>
-    <p:spTree>
-      <p:nvGrpSpPr>
-        <p:cNvPr id="1" name=""/>
-        <p:cNvGrpSpPr/>
-        <p:nvPr/>
-      </p:nvGrpSpPr>
-      <p:grpSpPr>
-        <a:xfrm>
-          <a:off x="0" y="0"/>
-          <a:ext cx="0" cy="0"/>
-          <a:chOff x="0" y="0"/>
-          <a:chExt cx="0" cy="0"/>
-        </a:xfrm>
-      </p:grpSpPr>
-      <p:sp>
-        <p:nvSpPr>
-          <p:cNvPr id="2" name="Title 1"/>
-          <p:cNvSpPr>
-            <a:spLocks noGrp="1"/>
-          </p:cNvSpPr>
-          <p:nvPr>
-            <p:ph type="title"/>
-          </p:nvPr>
-        </p:nvSpPr>
-        <p:spPr/>
-        <p:txBody>
-          <a:bodyPr/>
-          <a:lstStyle/>
-          <a:p>
-            <a:r>
-              <a:rPr lang="en-US" dirty="0" err="1" smtClean="0"/>
-              <a:t>ProcessJob</a:t>
-            </a:r>
-            <a:endParaRPr lang="en-US" dirty="0"/>
-          </a:p>
-        </p:txBody>
-      </p:sp>
-      <p:sp>
-        <p:nvSpPr>
-          <p:cNvPr id="4" name="Rectangle 3"/>
-          <p:cNvSpPr/>
-          <p:nvPr/>
-        </p:nvSpPr>
-        <p:spPr>
-          <a:xfrm>
-            <a:off x="1318846" y="2726408"/>
-            <a:ext cx="3982916" cy="2698445"/>
-          </a:xfrm>
-          <a:prstGeom prst="rect">
-            <a:avLst/>
-          </a:prstGeom>
-        </p:spPr>
-        <p:style>
-          <a:lnRef idx="2">
-            <a:schemeClr val="accent1"/>
-          </a:lnRef>
-          <a:fillRef idx="1">
-            <a:schemeClr val="lt1"/>
-          </a:fillRef>
-          <a:effectRef idx="0">
-            <a:schemeClr val="accent1"/>
-          </a:effectRef>
-          <a:fontRef idx="minor">
-            <a:schemeClr val="dk1"/>
-          </a:fontRef>
-        </p:style>
-        <p:txBody>
-          <a:bodyPr rtlCol="0" anchor="ctr"/>
-          <a:lstStyle/>
-          <a:p>
-            <a:pPr algn="ctr"/>
-            <a:endParaRPr lang="en-US" dirty="0"/>
-          </a:p>
-        </p:txBody>
-      </p:sp>
-      <p:sp>
-        <p:nvSpPr>
-          <p:cNvPr id="7" name="TextBox 6"/>
-          <p:cNvSpPr txBox="1"/>
-          <p:nvPr/>
-        </p:nvSpPr>
-        <p:spPr>
-          <a:xfrm>
-            <a:off x="1424354" y="2848707"/>
-            <a:ext cx="2839916" cy="646331"/>
-          </a:xfrm>
-          <a:prstGeom prst="rect">
-            <a:avLst/>
-          </a:prstGeom>
-          <a:noFill/>
-        </p:spPr>
-        <p:txBody>
-          <a:bodyPr wrap="square" rtlCol="0">
-            <a:spAutoFit/>
-          </a:bodyPr>
-          <a:lstStyle/>
-          <a:p>
-            <a:r>
-              <a:rPr lang="en-US" dirty="0" err="1" smtClean="0"/>
-              <a:t>ProcessJobFactory</a:t>
-            </a:r>
-            <a:endParaRPr lang="en-US" dirty="0"/>
-          </a:p>
-          <a:p>
-            <a:endParaRPr lang="en-US" dirty="0"/>
-          </a:p>
-        </p:txBody>
-      </p:sp>
-      <p:sp>
-        <p:nvSpPr>
-          <p:cNvPr id="8" name="Rectangle 7"/>
-          <p:cNvSpPr/>
-          <p:nvPr/>
-        </p:nvSpPr>
-        <p:spPr>
-          <a:xfrm>
-            <a:off x="2690446" y="3798278"/>
-            <a:ext cx="2031023" cy="597544"/>
-          </a:xfrm>
-          <a:prstGeom prst="rect">
-            <a:avLst/>
-          </a:prstGeom>
-        </p:spPr>
-        <p:style>
-          <a:lnRef idx="2">
-            <a:schemeClr val="accent1"/>
-          </a:lnRef>
-          <a:fillRef idx="1">
-            <a:schemeClr val="lt1"/>
-          </a:fillRef>
-          <a:effectRef idx="0">
-            <a:schemeClr val="accent1"/>
-          </a:effectRef>
-          <a:fontRef idx="minor">
-            <a:schemeClr val="dk1"/>
-          </a:fontRef>
-        </p:style>
-        <p:txBody>
-          <a:bodyPr rtlCol="0" anchor="ctr"/>
-          <a:lstStyle/>
-          <a:p>
-            <a:pPr algn="ctr"/>
-            <a:endParaRPr lang="en-US"/>
-          </a:p>
-        </p:txBody>
-      </p:sp>
-      <p:sp>
-        <p:nvSpPr>
-          <p:cNvPr id="9" name="TextBox 8"/>
-          <p:cNvSpPr txBox="1"/>
-          <p:nvPr/>
-        </p:nvSpPr>
-        <p:spPr>
-          <a:xfrm>
-            <a:off x="2756389" y="3890964"/>
-            <a:ext cx="1965080" cy="369332"/>
-          </a:xfrm>
-          <a:prstGeom prst="rect">
-            <a:avLst/>
-          </a:prstGeom>
-          <a:noFill/>
-        </p:spPr>
-        <p:txBody>
-          <a:bodyPr wrap="square" rtlCol="0">
-            <a:spAutoFit/>
-          </a:bodyPr>
-          <a:lstStyle/>
-          <a:p>
-            <a:r>
-              <a:rPr lang="en-US" dirty="0" err="1" smtClean="0"/>
-              <a:t>JobModelManager</a:t>
-            </a:r>
-            <a:endParaRPr lang="en-US" dirty="0"/>
-          </a:p>
-        </p:txBody>
-      </p:sp>
-      <p:sp>
-        <p:nvSpPr>
-          <p:cNvPr id="11" name="Rectangle 10"/>
-          <p:cNvSpPr/>
-          <p:nvPr/>
-        </p:nvSpPr>
-        <p:spPr>
-          <a:xfrm>
-            <a:off x="2690445" y="4581436"/>
-            <a:ext cx="2031023" cy="597544"/>
-          </a:xfrm>
-          <a:prstGeom prst="rect">
-            <a:avLst/>
-          </a:prstGeom>
-        </p:spPr>
-        <p:style>
-          <a:lnRef idx="2">
-            <a:schemeClr val="accent1"/>
-          </a:lnRef>
-          <a:fillRef idx="1">
-            <a:schemeClr val="lt1"/>
-          </a:fillRef>
-          <a:effectRef idx="0">
-            <a:schemeClr val="accent1"/>
-          </a:effectRef>
-          <a:fontRef idx="minor">
-            <a:schemeClr val="dk1"/>
-          </a:fontRef>
-        </p:style>
-        <p:txBody>
-          <a:bodyPr rtlCol="0" anchor="ctr"/>
-          <a:lstStyle/>
-          <a:p>
-            <a:pPr algn="ctr"/>
-            <a:endParaRPr lang="en-US"/>
-          </a:p>
-        </p:txBody>
-      </p:sp>
-      <p:sp>
-        <p:nvSpPr>
-          <p:cNvPr id="12" name="TextBox 11"/>
-          <p:cNvSpPr txBox="1"/>
-          <p:nvPr/>
-        </p:nvSpPr>
-        <p:spPr>
-          <a:xfrm>
-            <a:off x="2844312" y="4611565"/>
-            <a:ext cx="1613388" cy="646331"/>
-          </a:xfrm>
-          <a:prstGeom prst="rect">
-            <a:avLst/>
-          </a:prstGeom>
-          <a:noFill/>
-        </p:spPr>
-        <p:txBody>
-          <a:bodyPr wrap="square" rtlCol="0">
-            <a:spAutoFit/>
-          </a:bodyPr>
-          <a:lstStyle/>
-          <a:p>
-            <a:r>
-              <a:rPr lang="en-US" dirty="0" err="1" smtClean="0"/>
-              <a:t>JobCoordinator</a:t>
-            </a:r>
-            <a:r>
-              <a:rPr lang="en-US" dirty="0" smtClean="0"/>
-              <a:t>???</a:t>
-            </a:r>
-            <a:endParaRPr lang="en-US" dirty="0"/>
-          </a:p>
-        </p:txBody>
-      </p:sp>
-      <p:cxnSp>
-        <p:nvCxnSpPr>
-          <p:cNvPr id="14" name="Straight Arrow Connector 13"/>
-          <p:cNvCxnSpPr>
-            <a:stCxn id="4" idx="3"/>
-          </p:cNvCxnSpPr>
-          <p:nvPr/>
-        </p:nvCxnSpPr>
-        <p:spPr>
-          <a:xfrm flipV="1">
-            <a:off x="5301762" y="4075630"/>
-            <a:ext cx="694592" cy="1"/>
-          </a:xfrm>
-          <a:prstGeom prst="straightConnector1">
-            <a:avLst/>
-          </a:prstGeom>
-          <a:ln>
-            <a:tailEnd type="triangle"/>
-          </a:ln>
-        </p:spPr>
-        <p:style>
-          <a:lnRef idx="1">
-            <a:schemeClr val="accent1"/>
-          </a:lnRef>
-          <a:fillRef idx="0">
-            <a:schemeClr val="accent1"/>
-          </a:fillRef>
-          <a:effectRef idx="0">
-            <a:schemeClr val="accent1"/>
-          </a:effectRef>
-          <a:fontRef idx="minor">
-            <a:schemeClr val="tx1"/>
-          </a:fontRef>
-        </p:style>
-      </p:cxnSp>
-      <p:sp>
-        <p:nvSpPr>
-          <p:cNvPr id="15" name="Rectangle 14"/>
-          <p:cNvSpPr/>
-          <p:nvPr/>
-        </p:nvSpPr>
-        <p:spPr>
-          <a:xfrm>
-            <a:off x="5952392" y="3015762"/>
-            <a:ext cx="2523393" cy="2022230"/>
-          </a:xfrm>
-          <a:prstGeom prst="rect">
-            <a:avLst/>
-          </a:prstGeom>
-        </p:spPr>
-        <p:style>
-          <a:lnRef idx="2">
-            <a:schemeClr val="accent1"/>
-          </a:lnRef>
-          <a:fillRef idx="1">
-            <a:schemeClr val="lt1"/>
-          </a:fillRef>
-          <a:effectRef idx="0">
-            <a:schemeClr val="accent1"/>
-          </a:effectRef>
-          <a:fontRef idx="minor">
-            <a:schemeClr val="dk1"/>
-          </a:fontRef>
-        </p:style>
-        <p:txBody>
-          <a:bodyPr rtlCol="0" anchor="ctr"/>
-          <a:lstStyle/>
-          <a:p>
-            <a:pPr algn="ctr"/>
-            <a:endParaRPr lang="en-US"/>
-          </a:p>
-        </p:txBody>
-      </p:sp>
-      <p:sp>
-        <p:nvSpPr>
-          <p:cNvPr id="16" name="TextBox 15"/>
-          <p:cNvSpPr txBox="1"/>
-          <p:nvPr/>
-        </p:nvSpPr>
-        <p:spPr>
-          <a:xfrm>
-            <a:off x="6093067" y="3171872"/>
-            <a:ext cx="1573825" cy="369332"/>
-          </a:xfrm>
-          <a:prstGeom prst="rect">
-            <a:avLst/>
-          </a:prstGeom>
-          <a:noFill/>
-        </p:spPr>
-        <p:txBody>
-          <a:bodyPr wrap="square" rtlCol="0">
-            <a:spAutoFit/>
-          </a:bodyPr>
-          <a:lstStyle/>
-          <a:p>
-            <a:r>
-              <a:rPr lang="en-US" dirty="0" err="1" smtClean="0"/>
-              <a:t>ProcessJob</a:t>
-            </a:r>
-            <a:endParaRPr lang="en-US" dirty="0"/>
-          </a:p>
-        </p:txBody>
-      </p:sp>
-    </p:spTree>
-    <p:extLst>
-      <p:ext uri="{BB962C8B-B14F-4D97-AF65-F5344CB8AC3E}">
-        <p14:creationId xmlns:p14="http://schemas.microsoft.com/office/powerpoint/2010/main" val="143873955"/>
-      </p:ext>
-    </p:extLst>
-  </p:cSld>
-  <p:clrMapOvr>
-    <a:masterClrMapping/>
-  </p:clrMapOvr>
-</p:sld>
-</file>
-
-<file path=ppt/slides/slide2.xml><?xml version="1.0" encoding="utf-8"?>
-<p:sld xmlns:a="http://schemas.openxmlformats.org/drawingml/2006/main" xmlns:r="http://schemas.openxmlformats.org/officeDocument/2006/relationships" xmlns:p="http://schemas.openxmlformats.org/presentationml/2006/main">
-  <p:cSld>
-    <p:spTree>
-      <p:nvGrpSpPr>
-        <p:cNvPr id="1" name=""/>
-        <p:cNvGrpSpPr/>
-        <p:nvPr/>
-      </p:nvGrpSpPr>
-      <p:grpSpPr>
-        <a:xfrm>
-          <a:off x="0" y="0"/>
-          <a:ext cx="0" cy="0"/>
-          <a:chOff x="0" y="0"/>
-          <a:chExt cx="0" cy="0"/>
-        </a:xfrm>
-      </p:grpSpPr>
-      <p:sp>
-        <p:nvSpPr>
-          <p:cNvPr id="2" name="Title 1"/>
-          <p:cNvSpPr>
-            <a:spLocks noGrp="1"/>
-          </p:cNvSpPr>
-          <p:nvPr>
-            <p:ph type="title"/>
-          </p:nvPr>
-        </p:nvSpPr>
-        <p:spPr/>
-        <p:txBody>
-          <a:bodyPr/>
-          <a:lstStyle/>
-          <a:p>
-            <a:r>
-              <a:rPr lang="en-US" dirty="0" smtClean="0"/>
-              <a:t>Definition</a:t>
-            </a:r>
-            <a:endParaRPr lang="en-US" dirty="0"/>
-          </a:p>
-        </p:txBody>
-      </p:sp>
-      <p:sp>
-        <p:nvSpPr>
-          <p:cNvPr id="3" name="Content Placeholder 2"/>
-          <p:cNvSpPr>
-            <a:spLocks noGrp="1"/>
-          </p:cNvSpPr>
-          <p:nvPr>
-            <p:ph idx="1"/>
-          </p:nvPr>
-        </p:nvSpPr>
-        <p:spPr/>
-        <p:txBody>
-          <a:bodyPr/>
-          <a:lstStyle/>
-          <a:p>
-            <a:endParaRPr lang="en-US" dirty="0"/>
-          </a:p>
-        </p:txBody>
-      </p:sp>
-      <p:sp>
-        <p:nvSpPr>
-          <p:cNvPr id="4" name="Rectangle 3"/>
-          <p:cNvSpPr/>
-          <p:nvPr/>
-        </p:nvSpPr>
-        <p:spPr>
-          <a:xfrm>
-            <a:off x="1045028" y="1690688"/>
-            <a:ext cx="1625601" cy="1142071"/>
-          </a:xfrm>
-          <a:prstGeom prst="rect">
-            <a:avLst/>
-          </a:prstGeom>
-        </p:spPr>
-        <p:style>
-          <a:lnRef idx="2">
-            <a:schemeClr val="accent1"/>
-          </a:lnRef>
-          <a:fillRef idx="1">
-            <a:schemeClr val="lt1"/>
-          </a:fillRef>
-          <a:effectRef idx="0">
-            <a:schemeClr val="accent1"/>
-          </a:effectRef>
-          <a:fontRef idx="minor">
-            <a:schemeClr val="dk1"/>
-          </a:fontRef>
-        </p:style>
-        <p:txBody>
-          <a:bodyPr rtlCol="0" anchor="ctr"/>
-          <a:lstStyle/>
-          <a:p>
-            <a:pPr algn="ctr"/>
-            <a:r>
-              <a:rPr lang="en-US" dirty="0" err="1" smtClean="0"/>
-              <a:t>Samza</a:t>
-            </a:r>
-            <a:r>
-              <a:rPr lang="en-US" dirty="0" smtClean="0"/>
-              <a:t> class</a:t>
-            </a:r>
-            <a:endParaRPr lang="en-US" dirty="0"/>
-          </a:p>
-        </p:txBody>
-      </p:sp>
-      <p:sp>
-        <p:nvSpPr>
-          <p:cNvPr id="5" name="Rectangle 4"/>
-          <p:cNvSpPr/>
-          <p:nvPr/>
-        </p:nvSpPr>
-        <p:spPr>
-          <a:xfrm>
-            <a:off x="3381829" y="1690688"/>
-            <a:ext cx="1669142" cy="1096055"/>
-          </a:xfrm>
-          <a:prstGeom prst="rect">
-            <a:avLst/>
-          </a:prstGeom>
-          <a:ln>
-            <a:solidFill>
-              <a:srgbClr val="FF0000"/>
-            </a:solidFill>
-          </a:ln>
-        </p:spPr>
-        <p:style>
-          <a:lnRef idx="2">
-            <a:schemeClr val="accent1"/>
-          </a:lnRef>
-          <a:fillRef idx="1">
-            <a:schemeClr val="lt1"/>
-          </a:fillRef>
-          <a:effectRef idx="0">
-            <a:schemeClr val="accent1"/>
-          </a:effectRef>
-          <a:fontRef idx="minor">
-            <a:schemeClr val="dk1"/>
-          </a:fontRef>
-        </p:style>
-        <p:txBody>
-          <a:bodyPr rtlCol="0" anchor="ctr"/>
-          <a:lstStyle/>
-          <a:p>
-            <a:pPr algn="ctr"/>
-            <a:r>
-              <a:rPr lang="en-US" dirty="0" smtClean="0"/>
-              <a:t>Hadoop class</a:t>
-            </a:r>
-            <a:endParaRPr lang="en-US" dirty="0"/>
-          </a:p>
-        </p:txBody>
-      </p:sp>
-      <p:sp>
-        <p:nvSpPr>
-          <p:cNvPr id="6" name="Rectangle 5"/>
-          <p:cNvSpPr/>
-          <p:nvPr/>
-        </p:nvSpPr>
-        <p:spPr>
-          <a:xfrm>
-            <a:off x="3381829" y="3192916"/>
-            <a:ext cx="1669142" cy="1096055"/>
-          </a:xfrm>
-          <a:prstGeom prst="rect">
-            <a:avLst/>
-          </a:prstGeom>
-          <a:ln>
-            <a:solidFill>
-              <a:srgbClr val="FF0000"/>
-            </a:solidFill>
-            <a:prstDash val="dash"/>
-          </a:ln>
-        </p:spPr>
-        <p:style>
-          <a:lnRef idx="2">
-            <a:schemeClr val="accent1"/>
-          </a:lnRef>
-          <a:fillRef idx="1">
-            <a:schemeClr val="lt1"/>
-          </a:fillRef>
-          <a:effectRef idx="0">
-            <a:schemeClr val="accent1"/>
-          </a:effectRef>
-          <a:fontRef idx="minor">
-            <a:schemeClr val="dk1"/>
-          </a:fontRef>
-        </p:style>
-        <p:txBody>
-          <a:bodyPr rtlCol="0" anchor="ctr"/>
-          <a:lstStyle/>
-          <a:p>
-            <a:pPr algn="ctr"/>
-            <a:r>
-              <a:rPr lang="en-US" dirty="0" smtClean="0"/>
-              <a:t>abstract Hadoop class</a:t>
-            </a:r>
-            <a:endParaRPr lang="en-US" dirty="0"/>
-          </a:p>
-        </p:txBody>
-      </p:sp>
-      <p:sp>
-        <p:nvSpPr>
-          <p:cNvPr id="7" name="Rectangle 6"/>
-          <p:cNvSpPr/>
-          <p:nvPr/>
-        </p:nvSpPr>
-        <p:spPr>
-          <a:xfrm>
-            <a:off x="1045028" y="3192916"/>
-            <a:ext cx="1625601" cy="1096055"/>
-          </a:xfrm>
-          <a:prstGeom prst="rect">
-            <a:avLst/>
-          </a:prstGeom>
-          <a:ln>
-            <a:prstDash val="dash"/>
-          </a:ln>
-        </p:spPr>
-        <p:style>
-          <a:lnRef idx="2">
-            <a:schemeClr val="accent1"/>
-          </a:lnRef>
-          <a:fillRef idx="1">
-            <a:schemeClr val="lt1"/>
-          </a:fillRef>
-          <a:effectRef idx="0">
-            <a:schemeClr val="accent1"/>
-          </a:effectRef>
-          <a:fontRef idx="minor">
-            <a:schemeClr val="dk1"/>
-          </a:fontRef>
-        </p:style>
-        <p:txBody>
-          <a:bodyPr rtlCol="0" anchor="ctr"/>
-          <a:lstStyle/>
-          <a:p>
-            <a:pPr algn="ctr"/>
-            <a:r>
-              <a:rPr lang="en-US" dirty="0" smtClean="0"/>
-              <a:t>abstract </a:t>
-            </a:r>
-            <a:r>
-              <a:rPr lang="en-US" dirty="0" err="1" smtClean="0"/>
-              <a:t>Samza</a:t>
-            </a:r>
-            <a:r>
-              <a:rPr lang="en-US" dirty="0" smtClean="0"/>
-              <a:t> class</a:t>
-            </a:r>
-            <a:endParaRPr lang="en-US" dirty="0"/>
-          </a:p>
-        </p:txBody>
-      </p:sp>
-      <p:sp>
-        <p:nvSpPr>
-          <p:cNvPr id="8" name="Rounded Rectangle 7"/>
-          <p:cNvSpPr/>
-          <p:nvPr/>
-        </p:nvSpPr>
-        <p:spPr>
-          <a:xfrm>
-            <a:off x="754742" y="4649128"/>
-            <a:ext cx="2206172" cy="1016000"/>
-          </a:xfrm>
-          <a:prstGeom prst="roundRect">
-            <a:avLst/>
-          </a:prstGeom>
-        </p:spPr>
-        <p:style>
-          <a:lnRef idx="2">
-            <a:schemeClr val="accent1"/>
-          </a:lnRef>
-          <a:fillRef idx="1">
-            <a:schemeClr val="lt1"/>
-          </a:fillRef>
-          <a:effectRef idx="0">
-            <a:schemeClr val="accent1"/>
-          </a:effectRef>
-          <a:fontRef idx="minor">
-            <a:schemeClr val="dk1"/>
-          </a:fontRef>
-        </p:style>
-        <p:txBody>
-          <a:bodyPr rtlCol="0" anchor="ctr"/>
-          <a:lstStyle/>
-          <a:p>
-            <a:pPr algn="ctr"/>
-            <a:r>
-              <a:rPr lang="en-US" dirty="0" err="1" smtClean="0"/>
-              <a:t>Samza</a:t>
-            </a:r>
-            <a:r>
-              <a:rPr lang="en-US" dirty="0" smtClean="0"/>
-              <a:t> </a:t>
-            </a:r>
-          </a:p>
-          <a:p>
-            <a:pPr algn="ctr"/>
-            <a:r>
-              <a:rPr lang="en-US" dirty="0" smtClean="0"/>
-              <a:t>Things actually done</a:t>
-            </a:r>
-          </a:p>
-        </p:txBody>
-      </p:sp>
-      <p:sp>
-        <p:nvSpPr>
-          <p:cNvPr id="9" name="Rounded Rectangle 8"/>
-          <p:cNvSpPr/>
-          <p:nvPr/>
-        </p:nvSpPr>
-        <p:spPr>
-          <a:xfrm>
-            <a:off x="3113314" y="4649128"/>
-            <a:ext cx="2206172" cy="1016000"/>
-          </a:xfrm>
-          <a:prstGeom prst="roundRect">
-            <a:avLst/>
-          </a:prstGeom>
-          <a:ln>
-            <a:solidFill>
-              <a:srgbClr val="FF0000"/>
-            </a:solidFill>
-          </a:ln>
-        </p:spPr>
-        <p:style>
-          <a:lnRef idx="2">
-            <a:schemeClr val="accent1"/>
-          </a:lnRef>
-          <a:fillRef idx="1">
-            <a:schemeClr val="lt1"/>
-          </a:fillRef>
-          <a:effectRef idx="0">
-            <a:schemeClr val="accent1"/>
-          </a:effectRef>
-          <a:fontRef idx="minor">
-            <a:schemeClr val="dk1"/>
-          </a:fontRef>
-        </p:style>
-        <p:txBody>
-          <a:bodyPr rtlCol="0" anchor="ctr"/>
-          <a:lstStyle/>
-          <a:p>
-            <a:pPr algn="ctr"/>
-            <a:r>
-              <a:rPr lang="en-US" dirty="0" smtClean="0"/>
-              <a:t>Hadoop</a:t>
-            </a:r>
-          </a:p>
-          <a:p>
-            <a:pPr algn="ctr"/>
-            <a:r>
-              <a:rPr lang="en-US" dirty="0" smtClean="0"/>
-              <a:t>Things actually done</a:t>
-            </a:r>
-          </a:p>
-        </p:txBody>
-      </p:sp>
-      <p:sp>
-        <p:nvSpPr>
-          <p:cNvPr id="10" name="Rectangle 9"/>
-          <p:cNvSpPr/>
-          <p:nvPr/>
-        </p:nvSpPr>
-        <p:spPr>
-          <a:xfrm>
-            <a:off x="4147179" y="346405"/>
-            <a:ext cx="2757714" cy="1096055"/>
-          </a:xfrm>
-          <a:prstGeom prst="rect">
-            <a:avLst/>
-          </a:prstGeom>
-          <a:ln>
-            <a:solidFill>
-              <a:schemeClr val="tx1"/>
-            </a:solidFill>
-          </a:ln>
-        </p:spPr>
-        <p:style>
-          <a:lnRef idx="2">
-            <a:schemeClr val="accent1"/>
-          </a:lnRef>
-          <a:fillRef idx="1">
-            <a:schemeClr val="lt1"/>
-          </a:fillRef>
-          <a:effectRef idx="0">
-            <a:schemeClr val="accent1"/>
-          </a:effectRef>
-          <a:fontRef idx="minor">
-            <a:schemeClr val="dk1"/>
-          </a:fontRef>
-        </p:style>
-        <p:txBody>
-          <a:bodyPr rtlCol="0" anchor="ctr"/>
-          <a:lstStyle/>
-          <a:p>
-            <a:pPr algn="ctr"/>
-            <a:r>
-              <a:rPr lang="en-US" dirty="0" smtClean="0"/>
-              <a:t>Class names end with ???</a:t>
-            </a:r>
-          </a:p>
-          <a:p>
-            <a:pPr algn="ctr"/>
-            <a:r>
-              <a:rPr lang="en-US" dirty="0" smtClean="0"/>
-              <a:t>Classes need to be analyze</a:t>
-            </a:r>
-            <a:endParaRPr lang="en-US" dirty="0"/>
-          </a:p>
-        </p:txBody>
-      </p:sp>
-      <p:sp>
-        <p:nvSpPr>
-          <p:cNvPr id="11" name="Rectangle 10"/>
-          <p:cNvSpPr/>
-          <p:nvPr/>
-        </p:nvSpPr>
-        <p:spPr>
-          <a:xfrm>
-            <a:off x="5688344" y="1690687"/>
-            <a:ext cx="1669142" cy="1096055"/>
-          </a:xfrm>
-          <a:prstGeom prst="rect">
-            <a:avLst/>
-          </a:prstGeom>
-          <a:ln>
-            <a:solidFill>
-              <a:srgbClr val="00B050"/>
-            </a:solidFill>
-          </a:ln>
-        </p:spPr>
-        <p:style>
-          <a:lnRef idx="2">
-            <a:schemeClr val="accent1"/>
-          </a:lnRef>
-          <a:fillRef idx="1">
-            <a:schemeClr val="lt1"/>
-          </a:fillRef>
-          <a:effectRef idx="0">
-            <a:schemeClr val="accent1"/>
-          </a:effectRef>
-          <a:fontRef idx="minor">
-            <a:schemeClr val="dk1"/>
-          </a:fontRef>
-        </p:style>
-        <p:txBody>
-          <a:bodyPr rtlCol="0" anchor="ctr"/>
-          <a:lstStyle/>
-          <a:p>
-            <a:pPr algn="ctr"/>
-            <a:r>
-              <a:rPr lang="en-US" dirty="0" smtClean="0"/>
-              <a:t>Zookeeper class</a:t>
-            </a:r>
-            <a:endParaRPr lang="en-US" dirty="0"/>
-          </a:p>
-        </p:txBody>
-      </p:sp>
-      <p:sp>
-        <p:nvSpPr>
-          <p:cNvPr id="12" name="Rectangle 11"/>
-          <p:cNvSpPr/>
-          <p:nvPr/>
-        </p:nvSpPr>
-        <p:spPr>
-          <a:xfrm>
-            <a:off x="7924521" y="1690686"/>
-            <a:ext cx="1669142" cy="1096055"/>
-          </a:xfrm>
-          <a:prstGeom prst="rect">
-            <a:avLst/>
-          </a:prstGeom>
-          <a:ln>
-            <a:solidFill>
-              <a:schemeClr val="tx1"/>
-            </a:solidFill>
-          </a:ln>
-        </p:spPr>
-        <p:style>
-          <a:lnRef idx="2">
-            <a:schemeClr val="accent1"/>
-          </a:lnRef>
-          <a:fillRef idx="1">
-            <a:schemeClr val="lt1"/>
-          </a:fillRef>
-          <a:effectRef idx="0">
-            <a:schemeClr val="accent1"/>
-          </a:effectRef>
-          <a:fontRef idx="minor">
-            <a:schemeClr val="dk1"/>
-          </a:fontRef>
-        </p:style>
-        <p:txBody>
-          <a:bodyPr rtlCol="0" anchor="ctr"/>
-          <a:lstStyle/>
-          <a:p>
-            <a:pPr algn="ctr"/>
-            <a:r>
-              <a:rPr lang="en-US" dirty="0" smtClean="0"/>
-              <a:t>Your own code</a:t>
-            </a:r>
-            <a:endParaRPr lang="en-US" dirty="0"/>
-          </a:p>
-        </p:txBody>
-      </p:sp>
-    </p:spTree>
-    <p:extLst>
-      <p:ext uri="{BB962C8B-B14F-4D97-AF65-F5344CB8AC3E}">
-        <p14:creationId xmlns:p14="http://schemas.microsoft.com/office/powerpoint/2010/main" val="2687862610"/>
       </p:ext>
     </p:extLst>
   </p:cSld>
@@ -11488,6 +14763,588 @@
       </p:par>
     </p:tnLst>
   </p:timing>
+</p:sld>
+</file>
+
+<file path=ppt/slides/slide30.xml><?xml version="1.0" encoding="utf-8"?>
+<p:sld xmlns:a="http://schemas.openxmlformats.org/drawingml/2006/main" xmlns:r="http://schemas.openxmlformats.org/officeDocument/2006/relationships" xmlns:p="http://schemas.openxmlformats.org/presentationml/2006/main">
+  <p:cSld>
+    <p:spTree>
+      <p:nvGrpSpPr>
+        <p:cNvPr id="1" name=""/>
+        <p:cNvGrpSpPr/>
+        <p:nvPr/>
+      </p:nvGrpSpPr>
+      <p:grpSpPr>
+        <a:xfrm>
+          <a:off x="0" y="0"/>
+          <a:ext cx="0" cy="0"/>
+          <a:chOff x="0" y="0"/>
+          <a:chExt cx="0" cy="0"/>
+        </a:xfrm>
+      </p:grpSpPr>
+      <p:sp>
+        <p:nvSpPr>
+          <p:cNvPr id="2" name="Title 1"/>
+          <p:cNvSpPr>
+            <a:spLocks noGrp="1"/>
+          </p:cNvSpPr>
+          <p:nvPr>
+            <p:ph type="title"/>
+          </p:nvPr>
+        </p:nvSpPr>
+        <p:spPr/>
+        <p:txBody>
+          <a:bodyPr/>
+          <a:lstStyle/>
+          <a:p>
+            <a:r>
+              <a:rPr lang="en-US" altLang="zh-CN" dirty="0" smtClean="0"/>
+              <a:t>Factory</a:t>
+            </a:r>
+            <a:endParaRPr lang="en-US" dirty="0"/>
+          </a:p>
+        </p:txBody>
+      </p:sp>
+      <p:sp>
+        <p:nvSpPr>
+          <p:cNvPr id="4" name="Content Placeholder 3"/>
+          <p:cNvSpPr>
+            <a:spLocks noGrp="1"/>
+          </p:cNvSpPr>
+          <p:nvPr>
+            <p:ph idx="1"/>
+          </p:nvPr>
+        </p:nvSpPr>
+        <p:spPr/>
+        <p:txBody>
+          <a:bodyPr/>
+          <a:lstStyle/>
+          <a:p>
+            <a:r>
+              <a:rPr lang="en-US" sz="2400" dirty="0" smtClean="0"/>
+              <a:t>Factory implement both consumer and producer</a:t>
+            </a:r>
+          </a:p>
+          <a:p>
+            <a:endParaRPr lang="en-US" dirty="0"/>
+          </a:p>
+          <a:p>
+            <a:endParaRPr lang="en-US" dirty="0" smtClean="0"/>
+          </a:p>
+          <a:p>
+            <a:r>
+              <a:rPr lang="en-US" sz="2400" dirty="0" smtClean="0"/>
+              <a:t>Container use Consumer to read message and pass them to </a:t>
+            </a:r>
+            <a:r>
+              <a:rPr lang="en-US" altLang="zh-CN" sz="2400" dirty="0" err="1" smtClean="0"/>
+              <a:t>StreamTask</a:t>
+            </a:r>
+            <a:endParaRPr lang="en-US" altLang="zh-CN" sz="2400" dirty="0"/>
+          </a:p>
+          <a:p>
+            <a:endParaRPr lang="en-US" sz="2400" dirty="0" smtClean="0"/>
+          </a:p>
+          <a:p>
+            <a:endParaRPr lang="en-US" sz="2400" dirty="0" smtClean="0"/>
+          </a:p>
+          <a:p>
+            <a:r>
+              <a:rPr lang="en-US" sz="2400" dirty="0" smtClean="0"/>
+              <a:t>Producer </a:t>
+            </a:r>
+            <a:r>
+              <a:rPr lang="en-US" altLang="zh-CN" sz="2400" dirty="0" smtClean="0"/>
+              <a:t>writes messages from </a:t>
+            </a:r>
+            <a:r>
+              <a:rPr lang="en-US" altLang="zh-CN" sz="2400" dirty="0" err="1" smtClean="0"/>
+              <a:t>StreamTask</a:t>
+            </a:r>
+            <a:r>
+              <a:rPr lang="en-US" altLang="zh-CN" sz="2400" dirty="0" smtClean="0"/>
+              <a:t> to outside systems</a:t>
+            </a:r>
+          </a:p>
+          <a:p>
+            <a:endParaRPr lang="en-US" sz="2400" dirty="0"/>
+          </a:p>
+        </p:txBody>
+      </p:sp>
+      <p:pic>
+        <p:nvPicPr>
+          <p:cNvPr id="5" name="Picture 4"/>
+          <p:cNvPicPr>
+            <a:picLocks noChangeAspect="1"/>
+          </p:cNvPicPr>
+          <p:nvPr/>
+        </p:nvPicPr>
+        <p:blipFill>
+          <a:blip r:embed="rId2"/>
+          <a:stretch>
+            <a:fillRect/>
+          </a:stretch>
+        </p:blipFill>
+        <p:spPr>
+          <a:xfrm>
+            <a:off x="1123406" y="2229513"/>
+            <a:ext cx="10136337" cy="1060286"/>
+          </a:xfrm>
+          <a:prstGeom prst="rect">
+            <a:avLst/>
+          </a:prstGeom>
+        </p:spPr>
+      </p:pic>
+      <p:pic>
+        <p:nvPicPr>
+          <p:cNvPr id="6" name="Picture 5"/>
+          <p:cNvPicPr>
+            <a:picLocks noChangeAspect="1"/>
+          </p:cNvPicPr>
+          <p:nvPr/>
+        </p:nvPicPr>
+        <p:blipFill>
+          <a:blip r:embed="rId3"/>
+          <a:stretch>
+            <a:fillRect/>
+          </a:stretch>
+        </p:blipFill>
+        <p:spPr>
+          <a:xfrm>
+            <a:off x="1123406" y="5091113"/>
+            <a:ext cx="7343775" cy="1085850"/>
+          </a:xfrm>
+          <a:prstGeom prst="rect">
+            <a:avLst/>
+          </a:prstGeom>
+        </p:spPr>
+      </p:pic>
+      <p:pic>
+        <p:nvPicPr>
+          <p:cNvPr id="8" name="Picture 7"/>
+          <p:cNvPicPr>
+            <a:picLocks noChangeAspect="1"/>
+          </p:cNvPicPr>
+          <p:nvPr/>
+        </p:nvPicPr>
+        <p:blipFill>
+          <a:blip r:embed="rId4"/>
+          <a:stretch>
+            <a:fillRect/>
+          </a:stretch>
+        </p:blipFill>
+        <p:spPr>
+          <a:xfrm>
+            <a:off x="1123406" y="4269490"/>
+            <a:ext cx="10075140" cy="237195"/>
+          </a:xfrm>
+          <a:prstGeom prst="rect">
+            <a:avLst/>
+          </a:prstGeom>
+        </p:spPr>
+      </p:pic>
+      <p:pic>
+        <p:nvPicPr>
+          <p:cNvPr id="9" name="Picture 8"/>
+          <p:cNvPicPr>
+            <a:picLocks noChangeAspect="1"/>
+          </p:cNvPicPr>
+          <p:nvPr/>
+        </p:nvPicPr>
+        <p:blipFill>
+          <a:blip r:embed="rId5"/>
+          <a:stretch>
+            <a:fillRect/>
+          </a:stretch>
+        </p:blipFill>
+        <p:spPr>
+          <a:xfrm>
+            <a:off x="1123406" y="3905862"/>
+            <a:ext cx="6657975" cy="219075"/>
+          </a:xfrm>
+          <a:prstGeom prst="rect">
+            <a:avLst/>
+          </a:prstGeom>
+        </p:spPr>
+      </p:pic>
+    </p:spTree>
+    <p:extLst>
+      <p:ext uri="{BB962C8B-B14F-4D97-AF65-F5344CB8AC3E}">
+        <p14:creationId xmlns:p14="http://schemas.microsoft.com/office/powerpoint/2010/main" val="3338733228"/>
+      </p:ext>
+    </p:extLst>
+  </p:cSld>
+  <p:clrMapOvr>
+    <a:masterClrMapping/>
+  </p:clrMapOvr>
+</p:sld>
+</file>
+
+<file path=ppt/slides/slide31.xml><?xml version="1.0" encoding="utf-8"?>
+<p:sld xmlns:a="http://schemas.openxmlformats.org/drawingml/2006/main" xmlns:r="http://schemas.openxmlformats.org/officeDocument/2006/relationships" xmlns:p="http://schemas.openxmlformats.org/presentationml/2006/main">
+  <p:cSld>
+    <p:spTree>
+      <p:nvGrpSpPr>
+        <p:cNvPr id="1" name=""/>
+        <p:cNvGrpSpPr/>
+        <p:nvPr/>
+      </p:nvGrpSpPr>
+      <p:grpSpPr>
+        <a:xfrm>
+          <a:off x="0" y="0"/>
+          <a:ext cx="0" cy="0"/>
+          <a:chOff x="0" y="0"/>
+          <a:chExt cx="0" cy="0"/>
+        </a:xfrm>
+      </p:grpSpPr>
+      <p:sp>
+        <p:nvSpPr>
+          <p:cNvPr id="2" name="Title 1"/>
+          <p:cNvSpPr>
+            <a:spLocks noGrp="1"/>
+          </p:cNvSpPr>
+          <p:nvPr>
+            <p:ph type="title"/>
+          </p:nvPr>
+        </p:nvSpPr>
+        <p:spPr/>
+        <p:txBody>
+          <a:bodyPr/>
+          <a:lstStyle/>
+          <a:p>
+            <a:r>
+              <a:rPr lang="en-US" dirty="0" err="1" smtClean="0"/>
+              <a:t>ProcessJob</a:t>
+            </a:r>
+            <a:endParaRPr lang="en-US" dirty="0"/>
+          </a:p>
+        </p:txBody>
+      </p:sp>
+      <p:sp>
+        <p:nvSpPr>
+          <p:cNvPr id="4" name="Rectangle 3"/>
+          <p:cNvSpPr/>
+          <p:nvPr/>
+        </p:nvSpPr>
+        <p:spPr>
+          <a:xfrm>
+            <a:off x="1318846" y="2726408"/>
+            <a:ext cx="3982916" cy="2698445"/>
+          </a:xfrm>
+          <a:prstGeom prst="rect">
+            <a:avLst/>
+          </a:prstGeom>
+        </p:spPr>
+        <p:style>
+          <a:lnRef idx="2">
+            <a:schemeClr val="accent1"/>
+          </a:lnRef>
+          <a:fillRef idx="1">
+            <a:schemeClr val="lt1"/>
+          </a:fillRef>
+          <a:effectRef idx="0">
+            <a:schemeClr val="accent1"/>
+          </a:effectRef>
+          <a:fontRef idx="minor">
+            <a:schemeClr val="dk1"/>
+          </a:fontRef>
+        </p:style>
+        <p:txBody>
+          <a:bodyPr rtlCol="0" anchor="ctr"/>
+          <a:lstStyle/>
+          <a:p>
+            <a:pPr algn="ctr"/>
+            <a:endParaRPr lang="en-US" dirty="0"/>
+          </a:p>
+        </p:txBody>
+      </p:sp>
+      <p:sp>
+        <p:nvSpPr>
+          <p:cNvPr id="7" name="TextBox 6"/>
+          <p:cNvSpPr txBox="1"/>
+          <p:nvPr/>
+        </p:nvSpPr>
+        <p:spPr>
+          <a:xfrm>
+            <a:off x="1424354" y="2848707"/>
+            <a:ext cx="2839916" cy="646331"/>
+          </a:xfrm>
+          <a:prstGeom prst="rect">
+            <a:avLst/>
+          </a:prstGeom>
+          <a:noFill/>
+        </p:spPr>
+        <p:txBody>
+          <a:bodyPr wrap="square" rtlCol="0">
+            <a:spAutoFit/>
+          </a:bodyPr>
+          <a:lstStyle/>
+          <a:p>
+            <a:r>
+              <a:rPr lang="en-US" dirty="0" err="1" smtClean="0"/>
+              <a:t>ProcessJobFactory</a:t>
+            </a:r>
+            <a:endParaRPr lang="en-US" dirty="0"/>
+          </a:p>
+          <a:p>
+            <a:endParaRPr lang="en-US" dirty="0"/>
+          </a:p>
+        </p:txBody>
+      </p:sp>
+      <p:sp>
+        <p:nvSpPr>
+          <p:cNvPr id="8" name="Rectangle 7"/>
+          <p:cNvSpPr/>
+          <p:nvPr/>
+        </p:nvSpPr>
+        <p:spPr>
+          <a:xfrm>
+            <a:off x="2690446" y="3798278"/>
+            <a:ext cx="2031023" cy="597544"/>
+          </a:xfrm>
+          <a:prstGeom prst="rect">
+            <a:avLst/>
+          </a:prstGeom>
+        </p:spPr>
+        <p:style>
+          <a:lnRef idx="2">
+            <a:schemeClr val="accent1"/>
+          </a:lnRef>
+          <a:fillRef idx="1">
+            <a:schemeClr val="lt1"/>
+          </a:fillRef>
+          <a:effectRef idx="0">
+            <a:schemeClr val="accent1"/>
+          </a:effectRef>
+          <a:fontRef idx="minor">
+            <a:schemeClr val="dk1"/>
+          </a:fontRef>
+        </p:style>
+        <p:txBody>
+          <a:bodyPr rtlCol="0" anchor="ctr"/>
+          <a:lstStyle/>
+          <a:p>
+            <a:pPr algn="ctr"/>
+            <a:endParaRPr lang="en-US"/>
+          </a:p>
+        </p:txBody>
+      </p:sp>
+      <p:sp>
+        <p:nvSpPr>
+          <p:cNvPr id="9" name="TextBox 8"/>
+          <p:cNvSpPr txBox="1"/>
+          <p:nvPr/>
+        </p:nvSpPr>
+        <p:spPr>
+          <a:xfrm>
+            <a:off x="2756389" y="3890964"/>
+            <a:ext cx="1965080" cy="369332"/>
+          </a:xfrm>
+          <a:prstGeom prst="rect">
+            <a:avLst/>
+          </a:prstGeom>
+          <a:noFill/>
+        </p:spPr>
+        <p:txBody>
+          <a:bodyPr wrap="square" rtlCol="0">
+            <a:spAutoFit/>
+          </a:bodyPr>
+          <a:lstStyle/>
+          <a:p>
+            <a:r>
+              <a:rPr lang="en-US" dirty="0" err="1" smtClean="0"/>
+              <a:t>JobModelManager</a:t>
+            </a:r>
+            <a:endParaRPr lang="en-US" dirty="0"/>
+          </a:p>
+        </p:txBody>
+      </p:sp>
+      <p:sp>
+        <p:nvSpPr>
+          <p:cNvPr id="11" name="Rectangle 10"/>
+          <p:cNvSpPr/>
+          <p:nvPr/>
+        </p:nvSpPr>
+        <p:spPr>
+          <a:xfrm>
+            <a:off x="2690445" y="4581436"/>
+            <a:ext cx="2031023" cy="597544"/>
+          </a:xfrm>
+          <a:prstGeom prst="rect">
+            <a:avLst/>
+          </a:prstGeom>
+        </p:spPr>
+        <p:style>
+          <a:lnRef idx="2">
+            <a:schemeClr val="accent1"/>
+          </a:lnRef>
+          <a:fillRef idx="1">
+            <a:schemeClr val="lt1"/>
+          </a:fillRef>
+          <a:effectRef idx="0">
+            <a:schemeClr val="accent1"/>
+          </a:effectRef>
+          <a:fontRef idx="minor">
+            <a:schemeClr val="dk1"/>
+          </a:fontRef>
+        </p:style>
+        <p:txBody>
+          <a:bodyPr rtlCol="0" anchor="ctr"/>
+          <a:lstStyle/>
+          <a:p>
+            <a:pPr algn="ctr"/>
+            <a:endParaRPr lang="en-US"/>
+          </a:p>
+        </p:txBody>
+      </p:sp>
+      <p:sp>
+        <p:nvSpPr>
+          <p:cNvPr id="12" name="TextBox 11"/>
+          <p:cNvSpPr txBox="1"/>
+          <p:nvPr/>
+        </p:nvSpPr>
+        <p:spPr>
+          <a:xfrm>
+            <a:off x="2844312" y="4611565"/>
+            <a:ext cx="1613388" cy="646331"/>
+          </a:xfrm>
+          <a:prstGeom prst="rect">
+            <a:avLst/>
+          </a:prstGeom>
+          <a:noFill/>
+        </p:spPr>
+        <p:txBody>
+          <a:bodyPr wrap="square" rtlCol="0">
+            <a:spAutoFit/>
+          </a:bodyPr>
+          <a:lstStyle/>
+          <a:p>
+            <a:r>
+              <a:rPr lang="en-US" dirty="0" err="1" smtClean="0"/>
+              <a:t>JobCoordinator</a:t>
+            </a:r>
+            <a:r>
+              <a:rPr lang="en-US" dirty="0" smtClean="0"/>
+              <a:t>???</a:t>
+            </a:r>
+            <a:endParaRPr lang="en-US" dirty="0"/>
+          </a:p>
+        </p:txBody>
+      </p:sp>
+      <p:cxnSp>
+        <p:nvCxnSpPr>
+          <p:cNvPr id="14" name="Straight Arrow Connector 13"/>
+          <p:cNvCxnSpPr>
+            <a:stCxn id="4" idx="3"/>
+          </p:cNvCxnSpPr>
+          <p:nvPr/>
+        </p:nvCxnSpPr>
+        <p:spPr>
+          <a:xfrm flipV="1">
+            <a:off x="5301762" y="4075630"/>
+            <a:ext cx="694592" cy="1"/>
+          </a:xfrm>
+          <a:prstGeom prst="straightConnector1">
+            <a:avLst/>
+          </a:prstGeom>
+          <a:ln>
+            <a:tailEnd type="triangle"/>
+          </a:ln>
+        </p:spPr>
+        <p:style>
+          <a:lnRef idx="1">
+            <a:schemeClr val="accent1"/>
+          </a:lnRef>
+          <a:fillRef idx="0">
+            <a:schemeClr val="accent1"/>
+          </a:fillRef>
+          <a:effectRef idx="0">
+            <a:schemeClr val="accent1"/>
+          </a:effectRef>
+          <a:fontRef idx="minor">
+            <a:schemeClr val="tx1"/>
+          </a:fontRef>
+        </p:style>
+      </p:cxnSp>
+      <p:sp>
+        <p:nvSpPr>
+          <p:cNvPr id="15" name="Rectangle 14"/>
+          <p:cNvSpPr/>
+          <p:nvPr/>
+        </p:nvSpPr>
+        <p:spPr>
+          <a:xfrm>
+            <a:off x="5952392" y="3015762"/>
+            <a:ext cx="2523393" cy="2022230"/>
+          </a:xfrm>
+          <a:prstGeom prst="rect">
+            <a:avLst/>
+          </a:prstGeom>
+        </p:spPr>
+        <p:style>
+          <a:lnRef idx="2">
+            <a:schemeClr val="accent1"/>
+          </a:lnRef>
+          <a:fillRef idx="1">
+            <a:schemeClr val="lt1"/>
+          </a:fillRef>
+          <a:effectRef idx="0">
+            <a:schemeClr val="accent1"/>
+          </a:effectRef>
+          <a:fontRef idx="minor">
+            <a:schemeClr val="dk1"/>
+          </a:fontRef>
+        </p:style>
+        <p:txBody>
+          <a:bodyPr rtlCol="0" anchor="ctr"/>
+          <a:lstStyle/>
+          <a:p>
+            <a:pPr algn="ctr"/>
+            <a:endParaRPr lang="en-US"/>
+          </a:p>
+        </p:txBody>
+      </p:sp>
+      <p:sp>
+        <p:nvSpPr>
+          <p:cNvPr id="16" name="TextBox 15"/>
+          <p:cNvSpPr txBox="1"/>
+          <p:nvPr/>
+        </p:nvSpPr>
+        <p:spPr>
+          <a:xfrm>
+            <a:off x="6093067" y="3171872"/>
+            <a:ext cx="1573825" cy="369332"/>
+          </a:xfrm>
+          <a:prstGeom prst="rect">
+            <a:avLst/>
+          </a:prstGeom>
+          <a:noFill/>
+        </p:spPr>
+        <p:txBody>
+          <a:bodyPr wrap="square" rtlCol="0">
+            <a:spAutoFit/>
+          </a:bodyPr>
+          <a:lstStyle/>
+          <a:p>
+            <a:r>
+              <a:rPr lang="en-US" dirty="0" err="1" smtClean="0"/>
+              <a:t>ProcessJob</a:t>
+            </a:r>
+            <a:endParaRPr lang="en-US" dirty="0"/>
+          </a:p>
+        </p:txBody>
+      </p:sp>
+    </p:spTree>
+    <p:extLst>
+      <p:ext uri="{BB962C8B-B14F-4D97-AF65-F5344CB8AC3E}">
+        <p14:creationId xmlns:p14="http://schemas.microsoft.com/office/powerpoint/2010/main" val="143873955"/>
+      </p:ext>
+    </p:extLst>
+  </p:cSld>
+  <p:clrMapOvr>
+    <a:masterClrMapping/>
+  </p:clrMapOvr>
 </p:sld>
 </file>
 

--- a/Documentation/SamzaStructure.pptx
+++ b/Documentation/SamzaStructure.pptx
@@ -5,7 +5,7 @@
     <p:sldMasterId id="2147483648" r:id="rId1"/>
   </p:sldMasterIdLst>
   <p:notesMasterIdLst>
-    <p:notesMasterId r:id="rId33"/>
+    <p:notesMasterId r:id="rId38"/>
   </p:notesMasterIdLst>
   <p:sldIdLst>
     <p:sldId id="256" r:id="rId2"/>
@@ -32,13 +32,18 @@
     <p:sldId id="285" r:id="rId23"/>
     <p:sldId id="286" r:id="rId24"/>
     <p:sldId id="287" r:id="rId25"/>
-    <p:sldId id="269" r:id="rId26"/>
-    <p:sldId id="271" r:id="rId27"/>
-    <p:sldId id="263" r:id="rId28"/>
-    <p:sldId id="264" r:id="rId29"/>
-    <p:sldId id="265" r:id="rId30"/>
-    <p:sldId id="266" r:id="rId31"/>
-    <p:sldId id="267" r:id="rId32"/>
+    <p:sldId id="288" r:id="rId26"/>
+    <p:sldId id="289" r:id="rId27"/>
+    <p:sldId id="290" r:id="rId28"/>
+    <p:sldId id="291" r:id="rId29"/>
+    <p:sldId id="292" r:id="rId30"/>
+    <p:sldId id="269" r:id="rId31"/>
+    <p:sldId id="271" r:id="rId32"/>
+    <p:sldId id="263" r:id="rId33"/>
+    <p:sldId id="264" r:id="rId34"/>
+    <p:sldId id="265" r:id="rId35"/>
+    <p:sldId id="266" r:id="rId36"/>
+    <p:sldId id="267" r:id="rId37"/>
   </p:sldIdLst>
   <p:sldSz cx="12192000" cy="6858000"/>
   <p:notesSz cx="6858000" cy="9144000"/>
@@ -174,6 +179,11 @@
             <p14:sldId id="285"/>
             <p14:sldId id="286"/>
             <p14:sldId id="287"/>
+            <p14:sldId id="288"/>
+            <p14:sldId id="289"/>
+            <p14:sldId id="290"/>
+            <p14:sldId id="291"/>
+            <p14:sldId id="292"/>
           </p14:sldIdLst>
         </p14:section>
         <p14:section name="Stand alone job" id="{8995E547-06EC-4D59-8961-90CC66602883}">
@@ -286,7 +296,7 @@
           <a:p>
             <a:fld id="{B35ADF0B-9749-404D-9A56-8E2BD576143D}" type="datetimeFigureOut">
               <a:rPr lang="en-US" smtClean="0"/>
-              <a:t>1/16/2018</a:t>
+              <a:t>1/22/2018</a:t>
             </a:fld>
             <a:endParaRPr lang="en-US"/>
           </a:p>
@@ -703,7 +713,7 @@
           <a:p>
             <a:fld id="{339097E1-CCCB-4E56-BB56-9CF62DC970F1}" type="slidenum">
               <a:rPr lang="en-US" smtClean="0"/>
-              <a:t>28</a:t>
+              <a:t>33</a:t>
             </a:fld>
             <a:endParaRPr lang="en-US"/>
           </a:p>
@@ -853,7 +863,7 @@
           <a:p>
             <a:fld id="{7D2FF18F-DFC6-48DD-A8FE-22636A2E9C75}" type="datetimeFigureOut">
               <a:rPr lang="en-US" smtClean="0"/>
-              <a:t>1/16/2018</a:t>
+              <a:t>1/22/2018</a:t>
             </a:fld>
             <a:endParaRPr lang="en-US"/>
           </a:p>
@@ -1023,7 +1033,7 @@
           <a:p>
             <a:fld id="{7D2FF18F-DFC6-48DD-A8FE-22636A2E9C75}" type="datetimeFigureOut">
               <a:rPr lang="en-US" smtClean="0"/>
-              <a:t>1/16/2018</a:t>
+              <a:t>1/22/2018</a:t>
             </a:fld>
             <a:endParaRPr lang="en-US"/>
           </a:p>
@@ -1203,7 +1213,7 @@
           <a:p>
             <a:fld id="{7D2FF18F-DFC6-48DD-A8FE-22636A2E9C75}" type="datetimeFigureOut">
               <a:rPr lang="en-US" smtClean="0"/>
-              <a:t>1/16/2018</a:t>
+              <a:t>1/22/2018</a:t>
             </a:fld>
             <a:endParaRPr lang="en-US"/>
           </a:p>
@@ -1373,7 +1383,7 @@
           <a:p>
             <a:fld id="{7D2FF18F-DFC6-48DD-A8FE-22636A2E9C75}" type="datetimeFigureOut">
               <a:rPr lang="en-US" smtClean="0"/>
-              <a:t>1/16/2018</a:t>
+              <a:t>1/22/2018</a:t>
             </a:fld>
             <a:endParaRPr lang="en-US"/>
           </a:p>
@@ -1619,7 +1629,7 @@
           <a:p>
             <a:fld id="{7D2FF18F-DFC6-48DD-A8FE-22636A2E9C75}" type="datetimeFigureOut">
               <a:rPr lang="en-US" smtClean="0"/>
-              <a:t>1/16/2018</a:t>
+              <a:t>1/22/2018</a:t>
             </a:fld>
             <a:endParaRPr lang="en-US"/>
           </a:p>
@@ -1851,7 +1861,7 @@
           <a:p>
             <a:fld id="{7D2FF18F-DFC6-48DD-A8FE-22636A2E9C75}" type="datetimeFigureOut">
               <a:rPr lang="en-US" smtClean="0"/>
-              <a:t>1/16/2018</a:t>
+              <a:t>1/22/2018</a:t>
             </a:fld>
             <a:endParaRPr lang="en-US"/>
           </a:p>
@@ -2218,7 +2228,7 @@
           <a:p>
             <a:fld id="{7D2FF18F-DFC6-48DD-A8FE-22636A2E9C75}" type="datetimeFigureOut">
               <a:rPr lang="en-US" smtClean="0"/>
-              <a:t>1/16/2018</a:t>
+              <a:t>1/22/2018</a:t>
             </a:fld>
             <a:endParaRPr lang="en-US"/>
           </a:p>
@@ -2336,7 +2346,7 @@
           <a:p>
             <a:fld id="{7D2FF18F-DFC6-48DD-A8FE-22636A2E9C75}" type="datetimeFigureOut">
               <a:rPr lang="en-US" smtClean="0"/>
-              <a:t>1/16/2018</a:t>
+              <a:t>1/22/2018</a:t>
             </a:fld>
             <a:endParaRPr lang="en-US"/>
           </a:p>
@@ -2431,7 +2441,7 @@
           <a:p>
             <a:fld id="{7D2FF18F-DFC6-48DD-A8FE-22636A2E9C75}" type="datetimeFigureOut">
               <a:rPr lang="en-US" smtClean="0"/>
-              <a:t>1/16/2018</a:t>
+              <a:t>1/22/2018</a:t>
             </a:fld>
             <a:endParaRPr lang="en-US"/>
           </a:p>
@@ -2708,7 +2718,7 @@
           <a:p>
             <a:fld id="{7D2FF18F-DFC6-48DD-A8FE-22636A2E9C75}" type="datetimeFigureOut">
               <a:rPr lang="en-US" smtClean="0"/>
-              <a:t>1/16/2018</a:t>
+              <a:t>1/22/2018</a:t>
             </a:fld>
             <a:endParaRPr lang="en-US"/>
           </a:p>
@@ -2961,7 +2971,7 @@
           <a:p>
             <a:fld id="{7D2FF18F-DFC6-48DD-A8FE-22636A2E9C75}" type="datetimeFigureOut">
               <a:rPr lang="en-US" smtClean="0"/>
-              <a:t>1/16/2018</a:t>
+              <a:t>1/22/2018</a:t>
             </a:fld>
             <a:endParaRPr lang="en-US"/>
           </a:p>
@@ -3174,7 +3184,7 @@
           <a:p>
             <a:fld id="{7D2FF18F-DFC6-48DD-A8FE-22636A2E9C75}" type="datetimeFigureOut">
               <a:rPr lang="en-US" smtClean="0"/>
-              <a:t>1/16/2018</a:t>
+              <a:t>1/22/2018</a:t>
             </a:fld>
             <a:endParaRPr lang="en-US"/>
           </a:p>
@@ -11348,10 +11358,295 @@
           <a:bodyPr/>
           <a:lstStyle/>
           <a:p>
+            <a:r>
+              <a:rPr lang="en-US" altLang="zh-CN" dirty="0" err="1" smtClean="0"/>
+              <a:t>ClientHelper</a:t>
+            </a:r>
             <a:endParaRPr lang="en-US" dirty="0"/>
           </a:p>
         </p:txBody>
       </p:sp>
+      <p:pic>
+        <p:nvPicPr>
+          <p:cNvPr id="3" name="Picture 2"/>
+          <p:cNvPicPr>
+            <a:picLocks noChangeAspect="1"/>
+          </p:cNvPicPr>
+          <p:nvPr/>
+        </p:nvPicPr>
+        <p:blipFill>
+          <a:blip r:embed="rId2"/>
+          <a:stretch>
+            <a:fillRect/>
+          </a:stretch>
+        </p:blipFill>
+        <p:spPr>
+          <a:xfrm>
+            <a:off x="199292" y="763098"/>
+            <a:ext cx="4724400" cy="619125"/>
+          </a:xfrm>
+          <a:prstGeom prst="rect">
+            <a:avLst/>
+          </a:prstGeom>
+        </p:spPr>
+      </p:pic>
+      <p:pic>
+        <p:nvPicPr>
+          <p:cNvPr id="4" name="Picture 3"/>
+          <p:cNvPicPr>
+            <a:picLocks noChangeAspect="1"/>
+          </p:cNvPicPr>
+          <p:nvPr/>
+        </p:nvPicPr>
+        <p:blipFill>
+          <a:blip r:embed="rId3"/>
+          <a:stretch>
+            <a:fillRect/>
+          </a:stretch>
+        </p:blipFill>
+        <p:spPr>
+          <a:xfrm>
+            <a:off x="6804146" y="380634"/>
+            <a:ext cx="4791075" cy="504825"/>
+          </a:xfrm>
+          <a:prstGeom prst="rect">
+            <a:avLst/>
+          </a:prstGeom>
+        </p:spPr>
+      </p:pic>
+      <p:cxnSp>
+        <p:nvCxnSpPr>
+          <p:cNvPr id="6" name="Straight Arrow Connector 5"/>
+          <p:cNvCxnSpPr>
+            <a:stCxn id="4" idx="1"/>
+          </p:cNvCxnSpPr>
+          <p:nvPr/>
+        </p:nvCxnSpPr>
+        <p:spPr>
+          <a:xfrm flipH="1">
+            <a:off x="3464169" y="633047"/>
+            <a:ext cx="3339977" cy="193430"/>
+          </a:xfrm>
+          <a:prstGeom prst="straightConnector1">
+            <a:avLst/>
+          </a:prstGeom>
+          <a:ln>
+            <a:tailEnd type="triangle"/>
+          </a:ln>
+        </p:spPr>
+        <p:style>
+          <a:lnRef idx="1">
+            <a:schemeClr val="accent1"/>
+          </a:lnRef>
+          <a:fillRef idx="0">
+            <a:schemeClr val="accent1"/>
+          </a:fillRef>
+          <a:effectRef idx="0">
+            <a:schemeClr val="accent1"/>
+          </a:effectRef>
+          <a:fontRef idx="minor">
+            <a:schemeClr val="tx1"/>
+          </a:fontRef>
+        </p:style>
+      </p:cxnSp>
+      <p:sp>
+        <p:nvSpPr>
+          <p:cNvPr id="7" name="TextBox 6"/>
+          <p:cNvSpPr txBox="1"/>
+          <p:nvPr/>
+        </p:nvSpPr>
+        <p:spPr>
+          <a:xfrm>
+            <a:off x="6646984" y="0"/>
+            <a:ext cx="2233246" cy="369332"/>
+          </a:xfrm>
+          <a:prstGeom prst="rect">
+            <a:avLst/>
+          </a:prstGeom>
+          <a:noFill/>
+        </p:spPr>
+        <p:txBody>
+          <a:bodyPr wrap="square" rtlCol="0">
+            <a:spAutoFit/>
+          </a:bodyPr>
+          <a:lstStyle/>
+          <a:p>
+            <a:r>
+              <a:rPr lang="en-US" altLang="zh-CN" dirty="0" err="1" smtClean="0"/>
+              <a:t>YarnClientApplication</a:t>
+            </a:r>
+            <a:endParaRPr lang="en-US" dirty="0"/>
+          </a:p>
+        </p:txBody>
+      </p:sp>
+      <p:pic>
+        <p:nvPicPr>
+          <p:cNvPr id="8" name="Picture 7"/>
+          <p:cNvPicPr>
+            <a:picLocks noChangeAspect="1"/>
+          </p:cNvPicPr>
+          <p:nvPr/>
+        </p:nvPicPr>
+        <p:blipFill>
+          <a:blip r:embed="rId4"/>
+          <a:stretch>
+            <a:fillRect/>
+          </a:stretch>
+        </p:blipFill>
+        <p:spPr>
+          <a:xfrm>
+            <a:off x="6804146" y="1290177"/>
+            <a:ext cx="8020050" cy="4733925"/>
+          </a:xfrm>
+          <a:prstGeom prst="rect">
+            <a:avLst/>
+          </a:prstGeom>
+        </p:spPr>
+      </p:pic>
+      <p:sp>
+        <p:nvSpPr>
+          <p:cNvPr id="9" name="TextBox 8"/>
+          <p:cNvSpPr txBox="1"/>
+          <p:nvPr/>
+        </p:nvSpPr>
+        <p:spPr>
+          <a:xfrm>
+            <a:off x="6646984" y="920845"/>
+            <a:ext cx="3039101" cy="369332"/>
+          </a:xfrm>
+          <a:prstGeom prst="rect">
+            <a:avLst/>
+          </a:prstGeom>
+          <a:noFill/>
+        </p:spPr>
+        <p:txBody>
+          <a:bodyPr wrap="square" rtlCol="0">
+            <a:spAutoFit/>
+          </a:bodyPr>
+          <a:lstStyle/>
+          <a:p>
+            <a:r>
+              <a:rPr lang="en-US" dirty="0" err="1" smtClean="0"/>
+              <a:t>ApplicationSubmission</a:t>
+            </a:r>
+            <a:r>
+              <a:rPr lang="en-US" altLang="zh-CN" dirty="0" err="1" smtClean="0"/>
+              <a:t>Context</a:t>
+            </a:r>
+            <a:endParaRPr lang="en-US" dirty="0"/>
+          </a:p>
+        </p:txBody>
+      </p:sp>
+      <p:cxnSp>
+        <p:nvCxnSpPr>
+          <p:cNvPr id="11" name="Straight Arrow Connector 10"/>
+          <p:cNvCxnSpPr/>
+          <p:nvPr/>
+        </p:nvCxnSpPr>
+        <p:spPr>
+          <a:xfrm flipV="1">
+            <a:off x="2994212" y="1030942"/>
+            <a:ext cx="1174376" cy="860611"/>
+          </a:xfrm>
+          <a:prstGeom prst="straightConnector1">
+            <a:avLst/>
+          </a:prstGeom>
+          <a:ln>
+            <a:tailEnd type="triangle"/>
+          </a:ln>
+        </p:spPr>
+        <p:style>
+          <a:lnRef idx="1">
+            <a:schemeClr val="accent1"/>
+          </a:lnRef>
+          <a:fillRef idx="0">
+            <a:schemeClr val="accent1"/>
+          </a:fillRef>
+          <a:effectRef idx="0">
+            <a:schemeClr val="accent1"/>
+          </a:effectRef>
+          <a:fontRef idx="minor">
+            <a:schemeClr val="tx1"/>
+          </a:fontRef>
+        </p:style>
+      </p:cxnSp>
+      <p:pic>
+        <p:nvPicPr>
+          <p:cNvPr id="15" name="Picture 14"/>
+          <p:cNvPicPr>
+            <a:picLocks noChangeAspect="1"/>
+          </p:cNvPicPr>
+          <p:nvPr/>
+        </p:nvPicPr>
+        <p:blipFill rotWithShape="1">
+          <a:blip r:embed="rId5"/>
+          <a:srcRect t="1633" r="23203" b="6413"/>
+          <a:stretch/>
+        </p:blipFill>
+        <p:spPr>
+          <a:xfrm>
+            <a:off x="202912" y="2283768"/>
+            <a:ext cx="6290811" cy="3048000"/>
+          </a:xfrm>
+          <a:prstGeom prst="rect">
+            <a:avLst/>
+          </a:prstGeom>
+        </p:spPr>
+      </p:pic>
+      <p:sp>
+        <p:nvSpPr>
+          <p:cNvPr id="16" name="TextBox 15"/>
+          <p:cNvSpPr txBox="1"/>
+          <p:nvPr/>
+        </p:nvSpPr>
+        <p:spPr>
+          <a:xfrm>
+            <a:off x="365139" y="1908267"/>
+            <a:ext cx="2983179" cy="375501"/>
+          </a:xfrm>
+          <a:prstGeom prst="rect">
+            <a:avLst/>
+          </a:prstGeom>
+          <a:noFill/>
+        </p:spPr>
+        <p:txBody>
+          <a:bodyPr wrap="square" rtlCol="0">
+            <a:spAutoFit/>
+          </a:bodyPr>
+          <a:lstStyle/>
+          <a:p>
+            <a:r>
+              <a:rPr lang="en-US" altLang="zh-CN" dirty="0" err="1" smtClean="0"/>
+              <a:t>ContainerLaunchContext</a:t>
+            </a:r>
+            <a:endParaRPr lang="en-US" dirty="0"/>
+          </a:p>
+        </p:txBody>
+      </p:sp>
+      <p:pic>
+        <p:nvPicPr>
+          <p:cNvPr id="17" name="Picture 16"/>
+          <p:cNvPicPr>
+            <a:picLocks noChangeAspect="1"/>
+          </p:cNvPicPr>
+          <p:nvPr/>
+        </p:nvPicPr>
+        <p:blipFill>
+          <a:blip r:embed="rId6"/>
+          <a:stretch>
+            <a:fillRect/>
+          </a:stretch>
+        </p:blipFill>
+        <p:spPr>
+          <a:xfrm>
+            <a:off x="365139" y="5211938"/>
+            <a:ext cx="4057650" cy="2533650"/>
+          </a:xfrm>
+          <a:prstGeom prst="rect">
+            <a:avLst/>
+          </a:prstGeom>
+        </p:spPr>
+      </p:pic>
     </p:spTree>
     <p:extLst>
       <p:ext uri="{BB962C8B-B14F-4D97-AF65-F5344CB8AC3E}">
@@ -11366,6 +11661,2111 @@
 </file>
 
 <file path=ppt/slides/slide25.xml><?xml version="1.0" encoding="utf-8"?>
+<p:sld xmlns:a="http://schemas.openxmlformats.org/drawingml/2006/main" xmlns:r="http://schemas.openxmlformats.org/officeDocument/2006/relationships" xmlns:p="http://schemas.openxmlformats.org/presentationml/2006/main">
+  <p:cSld>
+    <p:spTree>
+      <p:nvGrpSpPr>
+        <p:cNvPr id="1" name=""/>
+        <p:cNvGrpSpPr/>
+        <p:nvPr/>
+      </p:nvGrpSpPr>
+      <p:grpSpPr>
+        <a:xfrm>
+          <a:off x="0" y="0"/>
+          <a:ext cx="0" cy="0"/>
+          <a:chOff x="0" y="0"/>
+          <a:chExt cx="0" cy="0"/>
+        </a:xfrm>
+      </p:grpSpPr>
+      <p:sp>
+        <p:nvSpPr>
+          <p:cNvPr id="2" name="Title 1"/>
+          <p:cNvSpPr>
+            <a:spLocks noGrp="1"/>
+          </p:cNvSpPr>
+          <p:nvPr>
+            <p:ph type="title"/>
+          </p:nvPr>
+        </p:nvSpPr>
+        <p:spPr>
+          <a:xfrm>
+            <a:off x="0" y="-215167"/>
+            <a:ext cx="10515600" cy="1325563"/>
+          </a:xfrm>
+        </p:spPr>
+        <p:txBody>
+          <a:bodyPr/>
+          <a:lstStyle/>
+          <a:p>
+            <a:r>
+              <a:rPr lang="en-US" dirty="0" err="1" smtClean="0"/>
+              <a:t>ClientHelper</a:t>
+            </a:r>
+            <a:endParaRPr lang="en-US" dirty="0"/>
+          </a:p>
+        </p:txBody>
+      </p:sp>
+      <p:pic>
+        <p:nvPicPr>
+          <p:cNvPr id="3" name="Picture 2"/>
+          <p:cNvPicPr>
+            <a:picLocks noChangeAspect="1"/>
+          </p:cNvPicPr>
+          <p:nvPr/>
+        </p:nvPicPr>
+        <p:blipFill>
+          <a:blip r:embed="rId2"/>
+          <a:stretch>
+            <a:fillRect/>
+          </a:stretch>
+        </p:blipFill>
+        <p:spPr>
+          <a:xfrm>
+            <a:off x="199292" y="763098"/>
+            <a:ext cx="4724400" cy="619125"/>
+          </a:xfrm>
+          <a:prstGeom prst="rect">
+            <a:avLst/>
+          </a:prstGeom>
+        </p:spPr>
+      </p:pic>
+      <p:cxnSp>
+        <p:nvCxnSpPr>
+          <p:cNvPr id="5" name="Straight Arrow Connector 4"/>
+          <p:cNvCxnSpPr/>
+          <p:nvPr/>
+        </p:nvCxnSpPr>
+        <p:spPr>
+          <a:xfrm flipH="1" flipV="1">
+            <a:off x="3578469" y="1178169"/>
+            <a:ext cx="2286000" cy="204055"/>
+          </a:xfrm>
+          <a:prstGeom prst="straightConnector1">
+            <a:avLst/>
+          </a:prstGeom>
+          <a:ln>
+            <a:tailEnd type="triangle"/>
+          </a:ln>
+        </p:spPr>
+        <p:style>
+          <a:lnRef idx="1">
+            <a:schemeClr val="accent1"/>
+          </a:lnRef>
+          <a:fillRef idx="0">
+            <a:schemeClr val="accent1"/>
+          </a:fillRef>
+          <a:effectRef idx="0">
+            <a:schemeClr val="accent1"/>
+          </a:effectRef>
+          <a:fontRef idx="minor">
+            <a:schemeClr val="tx1"/>
+          </a:fontRef>
+        </p:style>
+      </p:cxnSp>
+      <p:pic>
+        <p:nvPicPr>
+          <p:cNvPr id="6" name="Picture 5"/>
+          <p:cNvPicPr>
+            <a:picLocks noChangeAspect="1"/>
+          </p:cNvPicPr>
+          <p:nvPr/>
+        </p:nvPicPr>
+        <p:blipFill>
+          <a:blip r:embed="rId3"/>
+          <a:stretch>
+            <a:fillRect/>
+          </a:stretch>
+        </p:blipFill>
+        <p:spPr>
+          <a:xfrm>
+            <a:off x="5864469" y="271768"/>
+            <a:ext cx="5695950" cy="3152775"/>
+          </a:xfrm>
+          <a:prstGeom prst="rect">
+            <a:avLst/>
+          </a:prstGeom>
+        </p:spPr>
+      </p:pic>
+      <p:sp>
+        <p:nvSpPr>
+          <p:cNvPr id="9" name="TextBox 8"/>
+          <p:cNvSpPr txBox="1"/>
+          <p:nvPr/>
+        </p:nvSpPr>
+        <p:spPr>
+          <a:xfrm>
+            <a:off x="5864469" y="0"/>
+            <a:ext cx="1951893" cy="369332"/>
+          </a:xfrm>
+          <a:prstGeom prst="rect">
+            <a:avLst/>
+          </a:prstGeom>
+          <a:noFill/>
+        </p:spPr>
+        <p:txBody>
+          <a:bodyPr wrap="square" rtlCol="0">
+            <a:spAutoFit/>
+          </a:bodyPr>
+          <a:lstStyle/>
+          <a:p>
+            <a:r>
+              <a:rPr lang="en-US" dirty="0" smtClean="0"/>
+              <a:t>Resource</a:t>
+            </a:r>
+            <a:endParaRPr lang="en-US" dirty="0"/>
+          </a:p>
+        </p:txBody>
+      </p:sp>
+      <p:pic>
+        <p:nvPicPr>
+          <p:cNvPr id="10" name="Picture 9"/>
+          <p:cNvPicPr>
+            <a:picLocks noChangeAspect="1"/>
+          </p:cNvPicPr>
+          <p:nvPr/>
+        </p:nvPicPr>
+        <p:blipFill>
+          <a:blip r:embed="rId4"/>
+          <a:stretch>
+            <a:fillRect/>
+          </a:stretch>
+        </p:blipFill>
+        <p:spPr>
+          <a:xfrm>
+            <a:off x="5864469" y="3420940"/>
+            <a:ext cx="4143375" cy="981075"/>
+          </a:xfrm>
+          <a:prstGeom prst="rect">
+            <a:avLst/>
+          </a:prstGeom>
+        </p:spPr>
+      </p:pic>
+      <p:cxnSp>
+        <p:nvCxnSpPr>
+          <p:cNvPr id="12" name="Straight Arrow Connector 11"/>
+          <p:cNvCxnSpPr>
+            <a:stCxn id="4" idx="0"/>
+          </p:cNvCxnSpPr>
+          <p:nvPr/>
+        </p:nvCxnSpPr>
+        <p:spPr>
+          <a:xfrm flipV="1">
+            <a:off x="2932235" y="1382223"/>
+            <a:ext cx="730861" cy="602328"/>
+          </a:xfrm>
+          <a:prstGeom prst="straightConnector1">
+            <a:avLst/>
+          </a:prstGeom>
+          <a:ln>
+            <a:tailEnd type="triangle"/>
+          </a:ln>
+        </p:spPr>
+        <p:style>
+          <a:lnRef idx="1">
+            <a:schemeClr val="accent1"/>
+          </a:lnRef>
+          <a:fillRef idx="0">
+            <a:schemeClr val="accent1"/>
+          </a:fillRef>
+          <a:effectRef idx="0">
+            <a:schemeClr val="accent1"/>
+          </a:effectRef>
+          <a:fontRef idx="minor">
+            <a:schemeClr val="tx1"/>
+          </a:fontRef>
+        </p:style>
+      </p:cxnSp>
+      <p:pic>
+        <p:nvPicPr>
+          <p:cNvPr id="4" name="Picture 3"/>
+          <p:cNvPicPr>
+            <a:picLocks noChangeAspect="1"/>
+          </p:cNvPicPr>
+          <p:nvPr/>
+        </p:nvPicPr>
+        <p:blipFill>
+          <a:blip r:embed="rId5"/>
+          <a:stretch>
+            <a:fillRect/>
+          </a:stretch>
+        </p:blipFill>
+        <p:spPr>
+          <a:xfrm>
+            <a:off x="346197" y="1984551"/>
+            <a:ext cx="5172075" cy="1390650"/>
+          </a:xfrm>
+          <a:prstGeom prst="rect">
+            <a:avLst/>
+          </a:prstGeom>
+        </p:spPr>
+      </p:pic>
+      <p:sp>
+        <p:nvSpPr>
+          <p:cNvPr id="8" name="TextBox 7"/>
+          <p:cNvSpPr txBox="1"/>
+          <p:nvPr/>
+        </p:nvSpPr>
+        <p:spPr>
+          <a:xfrm>
+            <a:off x="346197" y="1570343"/>
+            <a:ext cx="2546632" cy="369332"/>
+          </a:xfrm>
+          <a:prstGeom prst="rect">
+            <a:avLst/>
+          </a:prstGeom>
+          <a:noFill/>
+        </p:spPr>
+        <p:txBody>
+          <a:bodyPr wrap="square" rtlCol="0">
+            <a:spAutoFit/>
+          </a:bodyPr>
+          <a:lstStyle/>
+          <a:p>
+            <a:r>
+              <a:rPr lang="en-US" dirty="0" err="1" smtClean="0"/>
+              <a:t>LocalResource</a:t>
+            </a:r>
+            <a:endParaRPr lang="en-US" dirty="0"/>
+          </a:p>
+        </p:txBody>
+      </p:sp>
+      <p:pic>
+        <p:nvPicPr>
+          <p:cNvPr id="11" name="Picture 10"/>
+          <p:cNvPicPr>
+            <a:picLocks noChangeAspect="1"/>
+          </p:cNvPicPr>
+          <p:nvPr/>
+        </p:nvPicPr>
+        <p:blipFill>
+          <a:blip r:embed="rId6"/>
+          <a:stretch>
+            <a:fillRect/>
+          </a:stretch>
+        </p:blipFill>
+        <p:spPr>
+          <a:xfrm>
+            <a:off x="273294" y="3375201"/>
+            <a:ext cx="5591175" cy="1962150"/>
+          </a:xfrm>
+          <a:prstGeom prst="rect">
+            <a:avLst/>
+          </a:prstGeom>
+        </p:spPr>
+      </p:pic>
+    </p:spTree>
+    <p:extLst>
+      <p:ext uri="{BB962C8B-B14F-4D97-AF65-F5344CB8AC3E}">
+        <p14:creationId xmlns:p14="http://schemas.microsoft.com/office/powerpoint/2010/main" val="643879444"/>
+      </p:ext>
+    </p:extLst>
+  </p:cSld>
+  <p:clrMapOvr>
+    <a:masterClrMapping/>
+  </p:clrMapOvr>
+</p:sld>
+</file>
+
+<file path=ppt/slides/slide26.xml><?xml version="1.0" encoding="utf-8"?>
+<p:sld xmlns:a="http://schemas.openxmlformats.org/drawingml/2006/main" xmlns:r="http://schemas.openxmlformats.org/officeDocument/2006/relationships" xmlns:p="http://schemas.openxmlformats.org/presentationml/2006/main">
+  <p:cSld>
+    <p:spTree>
+      <p:nvGrpSpPr>
+        <p:cNvPr id="1" name=""/>
+        <p:cNvGrpSpPr/>
+        <p:nvPr/>
+      </p:nvGrpSpPr>
+      <p:grpSpPr>
+        <a:xfrm>
+          <a:off x="0" y="0"/>
+          <a:ext cx="0" cy="0"/>
+          <a:chOff x="0" y="0"/>
+          <a:chExt cx="0" cy="0"/>
+        </a:xfrm>
+      </p:grpSpPr>
+      <p:sp>
+        <p:nvSpPr>
+          <p:cNvPr id="2" name="Title 1"/>
+          <p:cNvSpPr>
+            <a:spLocks noGrp="1"/>
+          </p:cNvSpPr>
+          <p:nvPr>
+            <p:ph type="title"/>
+          </p:nvPr>
+        </p:nvSpPr>
+        <p:spPr>
+          <a:xfrm>
+            <a:off x="0" y="-216131"/>
+            <a:ext cx="10515600" cy="1325563"/>
+          </a:xfrm>
+        </p:spPr>
+        <p:txBody>
+          <a:bodyPr/>
+          <a:lstStyle/>
+          <a:p>
+            <a:r>
+              <a:rPr lang="en-US" dirty="0" err="1" smtClean="0"/>
+              <a:t>ClientHelper</a:t>
+            </a:r>
+            <a:endParaRPr lang="en-US" dirty="0"/>
+          </a:p>
+        </p:txBody>
+      </p:sp>
+      <p:pic>
+        <p:nvPicPr>
+          <p:cNvPr id="3" name="Picture 2"/>
+          <p:cNvPicPr>
+            <a:picLocks noChangeAspect="1"/>
+          </p:cNvPicPr>
+          <p:nvPr/>
+        </p:nvPicPr>
+        <p:blipFill>
+          <a:blip r:embed="rId2"/>
+          <a:stretch>
+            <a:fillRect/>
+          </a:stretch>
+        </p:blipFill>
+        <p:spPr>
+          <a:xfrm>
+            <a:off x="103822" y="781829"/>
+            <a:ext cx="4486275" cy="1952625"/>
+          </a:xfrm>
+          <a:prstGeom prst="rect">
+            <a:avLst/>
+          </a:prstGeom>
+        </p:spPr>
+      </p:pic>
+      <p:cxnSp>
+        <p:nvCxnSpPr>
+          <p:cNvPr id="5" name="Straight Arrow Connector 4"/>
+          <p:cNvCxnSpPr>
+            <a:stCxn id="6" idx="1"/>
+          </p:cNvCxnSpPr>
+          <p:nvPr/>
+        </p:nvCxnSpPr>
+        <p:spPr>
+          <a:xfrm flipH="1">
+            <a:off x="2851265" y="1435979"/>
+            <a:ext cx="2441346" cy="553821"/>
+          </a:xfrm>
+          <a:prstGeom prst="straightConnector1">
+            <a:avLst/>
+          </a:prstGeom>
+          <a:ln>
+            <a:tailEnd type="triangle"/>
+          </a:ln>
+        </p:spPr>
+        <p:style>
+          <a:lnRef idx="1">
+            <a:schemeClr val="accent1"/>
+          </a:lnRef>
+          <a:fillRef idx="0">
+            <a:schemeClr val="accent1"/>
+          </a:fillRef>
+          <a:effectRef idx="0">
+            <a:schemeClr val="accent1"/>
+          </a:effectRef>
+          <a:fontRef idx="minor">
+            <a:schemeClr val="tx1"/>
+          </a:fontRef>
+        </p:style>
+      </p:cxnSp>
+      <p:pic>
+        <p:nvPicPr>
+          <p:cNvPr id="6" name="Picture 5"/>
+          <p:cNvPicPr>
+            <a:picLocks noChangeAspect="1"/>
+          </p:cNvPicPr>
+          <p:nvPr/>
+        </p:nvPicPr>
+        <p:blipFill>
+          <a:blip r:embed="rId3"/>
+          <a:stretch>
+            <a:fillRect/>
+          </a:stretch>
+        </p:blipFill>
+        <p:spPr>
+          <a:xfrm>
+            <a:off x="5292611" y="831141"/>
+            <a:ext cx="4895850" cy="1209675"/>
+          </a:xfrm>
+          <a:prstGeom prst="rect">
+            <a:avLst/>
+          </a:prstGeom>
+        </p:spPr>
+      </p:pic>
+      <p:sp>
+        <p:nvSpPr>
+          <p:cNvPr id="9" name="TextBox 8"/>
+          <p:cNvSpPr txBox="1"/>
+          <p:nvPr/>
+        </p:nvSpPr>
+        <p:spPr>
+          <a:xfrm>
+            <a:off x="5443623" y="469618"/>
+            <a:ext cx="3209925" cy="369332"/>
+          </a:xfrm>
+          <a:prstGeom prst="rect">
+            <a:avLst/>
+          </a:prstGeom>
+          <a:noFill/>
+        </p:spPr>
+        <p:txBody>
+          <a:bodyPr wrap="square" rtlCol="0">
+            <a:spAutoFit/>
+          </a:bodyPr>
+          <a:lstStyle/>
+          <a:p>
+            <a:r>
+              <a:rPr lang="en-US" dirty="0" err="1" smtClean="0"/>
+              <a:t>ApplicationSubmissionContext</a:t>
+            </a:r>
+            <a:endParaRPr lang="en-US" dirty="0"/>
+          </a:p>
+        </p:txBody>
+      </p:sp>
+      <p:cxnSp>
+        <p:nvCxnSpPr>
+          <p:cNvPr id="13" name="Straight Arrow Connector 12"/>
+          <p:cNvCxnSpPr/>
+          <p:nvPr/>
+        </p:nvCxnSpPr>
+        <p:spPr>
+          <a:xfrm flipH="1">
+            <a:off x="806336" y="838950"/>
+            <a:ext cx="964275" cy="0"/>
+          </a:xfrm>
+          <a:prstGeom prst="straightConnector1">
+            <a:avLst/>
+          </a:prstGeom>
+          <a:ln>
+            <a:tailEnd type="triangle"/>
+          </a:ln>
+        </p:spPr>
+        <p:style>
+          <a:lnRef idx="1">
+            <a:schemeClr val="accent1"/>
+          </a:lnRef>
+          <a:fillRef idx="0">
+            <a:schemeClr val="accent1"/>
+          </a:fillRef>
+          <a:effectRef idx="0">
+            <a:schemeClr val="accent1"/>
+          </a:effectRef>
+          <a:fontRef idx="minor">
+            <a:schemeClr val="tx1"/>
+          </a:fontRef>
+        </p:style>
+      </p:cxnSp>
+      <p:sp>
+        <p:nvSpPr>
+          <p:cNvPr id="15" name="TextBox 14"/>
+          <p:cNvSpPr txBox="1"/>
+          <p:nvPr/>
+        </p:nvSpPr>
+        <p:spPr>
+          <a:xfrm>
+            <a:off x="1826114" y="664237"/>
+            <a:ext cx="2546381" cy="307777"/>
+          </a:xfrm>
+          <a:prstGeom prst="rect">
+            <a:avLst/>
+          </a:prstGeom>
+          <a:noFill/>
+        </p:spPr>
+        <p:txBody>
+          <a:bodyPr wrap="square" rtlCol="0">
+            <a:spAutoFit/>
+          </a:bodyPr>
+          <a:lstStyle/>
+          <a:p>
+            <a:r>
+              <a:rPr lang="en-US" sz="1400" dirty="0" smtClean="0"/>
+              <a:t>same as ‘switch’ in C++ and Java</a:t>
+            </a:r>
+            <a:endParaRPr lang="en-US" sz="1400" dirty="0"/>
+          </a:p>
+        </p:txBody>
+      </p:sp>
+      <p:sp>
+        <p:nvSpPr>
+          <p:cNvPr id="16" name="TextBox 15"/>
+          <p:cNvSpPr txBox="1"/>
+          <p:nvPr/>
+        </p:nvSpPr>
+        <p:spPr>
+          <a:xfrm>
+            <a:off x="8953151" y="373146"/>
+            <a:ext cx="3284741" cy="1384995"/>
+          </a:xfrm>
+          <a:prstGeom prst="rect">
+            <a:avLst/>
+          </a:prstGeom>
+          <a:noFill/>
+        </p:spPr>
+        <p:txBody>
+          <a:bodyPr wrap="square" rtlCol="0">
+            <a:spAutoFit/>
+          </a:bodyPr>
+          <a:lstStyle/>
+          <a:p>
+            <a:r>
+              <a:rPr lang="en-US" sz="1400" dirty="0"/>
+              <a:t>Node label is a way to group nodes with similar characteristics and applications can specify where to run</a:t>
+            </a:r>
+            <a:r>
+              <a:rPr lang="en-US" sz="1400" dirty="0" smtClean="0"/>
+              <a:t>.</a:t>
+            </a:r>
+          </a:p>
+          <a:p>
+            <a:r>
+              <a:rPr lang="en-US" sz="1400" dirty="0">
+                <a:hlinkClick r:id="rId4"/>
+              </a:rPr>
+              <a:t>https://hadoop.apache.org/docs/r2.7.3/hadoop-yarn/hadoop-yarn-site/NodeLabel.html</a:t>
+            </a:r>
+            <a:endParaRPr lang="en-US" sz="1400" dirty="0"/>
+          </a:p>
+        </p:txBody>
+      </p:sp>
+      <p:pic>
+        <p:nvPicPr>
+          <p:cNvPr id="18" name="Picture 17"/>
+          <p:cNvPicPr>
+            <a:picLocks noChangeAspect="1"/>
+          </p:cNvPicPr>
+          <p:nvPr/>
+        </p:nvPicPr>
+        <p:blipFill>
+          <a:blip r:embed="rId5"/>
+          <a:stretch>
+            <a:fillRect/>
+          </a:stretch>
+        </p:blipFill>
+        <p:spPr>
+          <a:xfrm>
+            <a:off x="103822" y="2734454"/>
+            <a:ext cx="3886200" cy="1219200"/>
+          </a:xfrm>
+          <a:prstGeom prst="rect">
+            <a:avLst/>
+          </a:prstGeom>
+        </p:spPr>
+      </p:pic>
+      <p:pic>
+        <p:nvPicPr>
+          <p:cNvPr id="19" name="Picture 18"/>
+          <p:cNvPicPr>
+            <a:picLocks noChangeAspect="1"/>
+          </p:cNvPicPr>
+          <p:nvPr/>
+        </p:nvPicPr>
+        <p:blipFill>
+          <a:blip r:embed="rId6"/>
+          <a:stretch>
+            <a:fillRect/>
+          </a:stretch>
+        </p:blipFill>
+        <p:spPr>
+          <a:xfrm>
+            <a:off x="5292611" y="2172479"/>
+            <a:ext cx="5105400" cy="1123950"/>
+          </a:xfrm>
+          <a:prstGeom prst="rect">
+            <a:avLst/>
+          </a:prstGeom>
+        </p:spPr>
+      </p:pic>
+      <p:cxnSp>
+        <p:nvCxnSpPr>
+          <p:cNvPr id="21" name="Straight Arrow Connector 20"/>
+          <p:cNvCxnSpPr>
+            <a:stCxn id="19" idx="1"/>
+          </p:cNvCxnSpPr>
+          <p:nvPr/>
+        </p:nvCxnSpPr>
+        <p:spPr>
+          <a:xfrm flipH="1">
+            <a:off x="2186247" y="2734454"/>
+            <a:ext cx="3106364" cy="414338"/>
+          </a:xfrm>
+          <a:prstGeom prst="straightConnector1">
+            <a:avLst/>
+          </a:prstGeom>
+          <a:ln>
+            <a:tailEnd type="triangle"/>
+          </a:ln>
+        </p:spPr>
+        <p:style>
+          <a:lnRef idx="1">
+            <a:schemeClr val="accent1"/>
+          </a:lnRef>
+          <a:fillRef idx="0">
+            <a:schemeClr val="accent1"/>
+          </a:fillRef>
+          <a:effectRef idx="0">
+            <a:schemeClr val="accent1"/>
+          </a:effectRef>
+          <a:fontRef idx="minor">
+            <a:schemeClr val="tx1"/>
+          </a:fontRef>
+        </p:style>
+      </p:cxnSp>
+      <p:pic>
+        <p:nvPicPr>
+          <p:cNvPr id="23" name="Picture 22"/>
+          <p:cNvPicPr>
+            <a:picLocks noChangeAspect="1"/>
+          </p:cNvPicPr>
+          <p:nvPr/>
+        </p:nvPicPr>
+        <p:blipFill>
+          <a:blip r:embed="rId7"/>
+          <a:stretch>
+            <a:fillRect/>
+          </a:stretch>
+        </p:blipFill>
+        <p:spPr>
+          <a:xfrm>
+            <a:off x="168161" y="3893446"/>
+            <a:ext cx="5124450" cy="1838325"/>
+          </a:xfrm>
+          <a:prstGeom prst="rect">
+            <a:avLst/>
+          </a:prstGeom>
+        </p:spPr>
+      </p:pic>
+      <p:pic>
+        <p:nvPicPr>
+          <p:cNvPr id="24" name="Picture 23"/>
+          <p:cNvPicPr>
+            <a:picLocks noChangeAspect="1"/>
+          </p:cNvPicPr>
+          <p:nvPr/>
+        </p:nvPicPr>
+        <p:blipFill>
+          <a:blip r:embed="rId8"/>
+          <a:stretch>
+            <a:fillRect/>
+          </a:stretch>
+        </p:blipFill>
+        <p:spPr>
+          <a:xfrm>
+            <a:off x="5476874" y="3902564"/>
+            <a:ext cx="4733925" cy="1304925"/>
+          </a:xfrm>
+          <a:prstGeom prst="rect">
+            <a:avLst/>
+          </a:prstGeom>
+        </p:spPr>
+      </p:pic>
+      <p:cxnSp>
+        <p:nvCxnSpPr>
+          <p:cNvPr id="26" name="Straight Arrow Connector 25"/>
+          <p:cNvCxnSpPr>
+            <a:stCxn id="24" idx="1"/>
+          </p:cNvCxnSpPr>
+          <p:nvPr/>
+        </p:nvCxnSpPr>
+        <p:spPr>
+          <a:xfrm flipH="1" flipV="1">
+            <a:off x="3300153" y="4314305"/>
+            <a:ext cx="2176721" cy="240722"/>
+          </a:xfrm>
+          <a:prstGeom prst="straightConnector1">
+            <a:avLst/>
+          </a:prstGeom>
+          <a:ln>
+            <a:tailEnd type="triangle"/>
+          </a:ln>
+        </p:spPr>
+        <p:style>
+          <a:lnRef idx="1">
+            <a:schemeClr val="accent1"/>
+          </a:lnRef>
+          <a:fillRef idx="0">
+            <a:schemeClr val="accent1"/>
+          </a:fillRef>
+          <a:effectRef idx="0">
+            <a:schemeClr val="accent1"/>
+          </a:effectRef>
+          <a:fontRef idx="minor">
+            <a:schemeClr val="tx1"/>
+          </a:fontRef>
+        </p:style>
+      </p:cxnSp>
+      <p:sp>
+        <p:nvSpPr>
+          <p:cNvPr id="27" name="TextBox 26"/>
+          <p:cNvSpPr txBox="1"/>
+          <p:nvPr/>
+        </p:nvSpPr>
+        <p:spPr>
+          <a:xfrm>
+            <a:off x="5476874" y="3507710"/>
+            <a:ext cx="1489192" cy="368850"/>
+          </a:xfrm>
+          <a:prstGeom prst="rect">
+            <a:avLst/>
+          </a:prstGeom>
+          <a:noFill/>
+        </p:spPr>
+        <p:txBody>
+          <a:bodyPr wrap="square" rtlCol="0">
+            <a:spAutoFit/>
+          </a:bodyPr>
+          <a:lstStyle/>
+          <a:p>
+            <a:r>
+              <a:rPr lang="en-US" dirty="0" err="1" smtClean="0"/>
+              <a:t>FileSystem</a:t>
+            </a:r>
+            <a:endParaRPr lang="en-US" dirty="0"/>
+          </a:p>
+        </p:txBody>
+      </p:sp>
+      <p:pic>
+        <p:nvPicPr>
+          <p:cNvPr id="29" name="Picture 28"/>
+          <p:cNvPicPr>
+            <a:picLocks noChangeAspect="1"/>
+          </p:cNvPicPr>
+          <p:nvPr/>
+        </p:nvPicPr>
+        <p:blipFill>
+          <a:blip r:embed="rId9"/>
+          <a:stretch>
+            <a:fillRect/>
+          </a:stretch>
+        </p:blipFill>
+        <p:spPr>
+          <a:xfrm>
+            <a:off x="5591174" y="5495837"/>
+            <a:ext cx="4619625" cy="3248025"/>
+          </a:xfrm>
+          <a:prstGeom prst="rect">
+            <a:avLst/>
+          </a:prstGeom>
+        </p:spPr>
+      </p:pic>
+      <p:sp>
+        <p:nvSpPr>
+          <p:cNvPr id="30" name="TextBox 29"/>
+          <p:cNvSpPr txBox="1"/>
+          <p:nvPr/>
+        </p:nvSpPr>
+        <p:spPr>
+          <a:xfrm>
+            <a:off x="5476874" y="5198808"/>
+            <a:ext cx="2618509" cy="369332"/>
+          </a:xfrm>
+          <a:prstGeom prst="rect">
+            <a:avLst/>
+          </a:prstGeom>
+          <a:noFill/>
+        </p:spPr>
+        <p:txBody>
+          <a:bodyPr wrap="square" rtlCol="0">
+            <a:spAutoFit/>
+          </a:bodyPr>
+          <a:lstStyle/>
+          <a:p>
+            <a:r>
+              <a:rPr lang="en-US" dirty="0" err="1" smtClean="0"/>
+              <a:t>DistributedFileSystem</a:t>
+            </a:r>
+            <a:endParaRPr lang="en-US" dirty="0"/>
+          </a:p>
+        </p:txBody>
+      </p:sp>
+      <p:pic>
+        <p:nvPicPr>
+          <p:cNvPr id="32" name="Picture 31"/>
+          <p:cNvPicPr>
+            <a:picLocks noChangeAspect="1"/>
+          </p:cNvPicPr>
+          <p:nvPr/>
+        </p:nvPicPr>
+        <p:blipFill>
+          <a:blip r:embed="rId10"/>
+          <a:stretch>
+            <a:fillRect/>
+          </a:stretch>
+        </p:blipFill>
+        <p:spPr>
+          <a:xfrm>
+            <a:off x="10188461" y="5478951"/>
+            <a:ext cx="4686300" cy="4181475"/>
+          </a:xfrm>
+          <a:prstGeom prst="rect">
+            <a:avLst/>
+          </a:prstGeom>
+        </p:spPr>
+      </p:pic>
+      <p:cxnSp>
+        <p:nvCxnSpPr>
+          <p:cNvPr id="34" name="Straight Arrow Connector 33"/>
+          <p:cNvCxnSpPr>
+            <a:stCxn id="32" idx="0"/>
+          </p:cNvCxnSpPr>
+          <p:nvPr/>
+        </p:nvCxnSpPr>
+        <p:spPr>
+          <a:xfrm flipH="1" flipV="1">
+            <a:off x="8095383" y="5198808"/>
+            <a:ext cx="4436228" cy="280143"/>
+          </a:xfrm>
+          <a:prstGeom prst="straightConnector1">
+            <a:avLst/>
+          </a:prstGeom>
+          <a:ln>
+            <a:tailEnd type="triangle"/>
+          </a:ln>
+        </p:spPr>
+        <p:style>
+          <a:lnRef idx="1">
+            <a:schemeClr val="accent1"/>
+          </a:lnRef>
+          <a:fillRef idx="0">
+            <a:schemeClr val="accent1"/>
+          </a:fillRef>
+          <a:effectRef idx="0">
+            <a:schemeClr val="accent1"/>
+          </a:effectRef>
+          <a:fontRef idx="minor">
+            <a:schemeClr val="tx1"/>
+          </a:fontRef>
+        </p:style>
+      </p:cxnSp>
+      <p:pic>
+        <p:nvPicPr>
+          <p:cNvPr id="35" name="Picture 34"/>
+          <p:cNvPicPr>
+            <a:picLocks noChangeAspect="1"/>
+          </p:cNvPicPr>
+          <p:nvPr/>
+        </p:nvPicPr>
+        <p:blipFill>
+          <a:blip r:embed="rId11"/>
+          <a:stretch>
+            <a:fillRect/>
+          </a:stretch>
+        </p:blipFill>
+        <p:spPr>
+          <a:xfrm>
+            <a:off x="-2100773" y="6004811"/>
+            <a:ext cx="4695825" cy="1181100"/>
+          </a:xfrm>
+          <a:prstGeom prst="rect">
+            <a:avLst/>
+          </a:prstGeom>
+        </p:spPr>
+      </p:pic>
+      <p:cxnSp>
+        <p:nvCxnSpPr>
+          <p:cNvPr id="37" name="Straight Arrow Connector 36"/>
+          <p:cNvCxnSpPr>
+            <a:stCxn id="35" idx="0"/>
+          </p:cNvCxnSpPr>
+          <p:nvPr/>
+        </p:nvCxnSpPr>
+        <p:spPr>
+          <a:xfrm flipV="1">
+            <a:off x="247140" y="4647292"/>
+            <a:ext cx="1875780" cy="1357519"/>
+          </a:xfrm>
+          <a:prstGeom prst="straightConnector1">
+            <a:avLst/>
+          </a:prstGeom>
+          <a:ln>
+            <a:tailEnd type="triangle"/>
+          </a:ln>
+        </p:spPr>
+        <p:style>
+          <a:lnRef idx="1">
+            <a:schemeClr val="accent1"/>
+          </a:lnRef>
+          <a:fillRef idx="0">
+            <a:schemeClr val="accent1"/>
+          </a:fillRef>
+          <a:effectRef idx="0">
+            <a:schemeClr val="accent1"/>
+          </a:effectRef>
+          <a:fontRef idx="minor">
+            <a:schemeClr val="tx1"/>
+          </a:fontRef>
+        </p:style>
+      </p:cxnSp>
+    </p:spTree>
+    <p:extLst>
+      <p:ext uri="{BB962C8B-B14F-4D97-AF65-F5344CB8AC3E}">
+        <p14:creationId xmlns:p14="http://schemas.microsoft.com/office/powerpoint/2010/main" val="1695740341"/>
+      </p:ext>
+    </p:extLst>
+  </p:cSld>
+  <p:clrMapOvr>
+    <a:masterClrMapping/>
+  </p:clrMapOvr>
+</p:sld>
+</file>
+
+<file path=ppt/slides/slide27.xml><?xml version="1.0" encoding="utf-8"?>
+<p:sld xmlns:a="http://schemas.openxmlformats.org/drawingml/2006/main" xmlns:r="http://schemas.openxmlformats.org/officeDocument/2006/relationships" xmlns:p="http://schemas.openxmlformats.org/presentationml/2006/main">
+  <p:cSld>
+    <p:spTree>
+      <p:nvGrpSpPr>
+        <p:cNvPr id="1" name=""/>
+        <p:cNvGrpSpPr/>
+        <p:nvPr/>
+      </p:nvGrpSpPr>
+      <p:grpSpPr>
+        <a:xfrm>
+          <a:off x="0" y="0"/>
+          <a:ext cx="0" cy="0"/>
+          <a:chOff x="0" y="0"/>
+          <a:chExt cx="0" cy="0"/>
+        </a:xfrm>
+      </p:grpSpPr>
+      <p:sp>
+        <p:nvSpPr>
+          <p:cNvPr id="2" name="Title 1"/>
+          <p:cNvSpPr>
+            <a:spLocks noGrp="1"/>
+          </p:cNvSpPr>
+          <p:nvPr>
+            <p:ph type="title"/>
+          </p:nvPr>
+        </p:nvSpPr>
+        <p:spPr>
+          <a:xfrm>
+            <a:off x="-84826" y="0"/>
+            <a:ext cx="10515600" cy="1325563"/>
+          </a:xfrm>
+        </p:spPr>
+        <p:txBody>
+          <a:bodyPr/>
+          <a:lstStyle/>
+          <a:p>
+            <a:r>
+              <a:rPr lang="en-US" altLang="zh-CN" dirty="0" err="1" smtClean="0"/>
+              <a:t>ClientHelper</a:t>
+            </a:r>
+            <a:endParaRPr lang="en-US" dirty="0"/>
+          </a:p>
+        </p:txBody>
+      </p:sp>
+      <p:pic>
+        <p:nvPicPr>
+          <p:cNvPr id="3" name="Picture 2"/>
+          <p:cNvPicPr>
+            <a:picLocks noChangeAspect="1"/>
+          </p:cNvPicPr>
+          <p:nvPr/>
+        </p:nvPicPr>
+        <p:blipFill>
+          <a:blip r:embed="rId2"/>
+          <a:stretch>
+            <a:fillRect/>
+          </a:stretch>
+        </p:blipFill>
+        <p:spPr>
+          <a:xfrm>
+            <a:off x="129486" y="934079"/>
+            <a:ext cx="4600575" cy="1228725"/>
+          </a:xfrm>
+          <a:prstGeom prst="rect">
+            <a:avLst/>
+          </a:prstGeom>
+        </p:spPr>
+      </p:pic>
+      <p:pic>
+        <p:nvPicPr>
+          <p:cNvPr id="4" name="Picture 3"/>
+          <p:cNvPicPr>
+            <a:picLocks noChangeAspect="1"/>
+          </p:cNvPicPr>
+          <p:nvPr/>
+        </p:nvPicPr>
+        <p:blipFill>
+          <a:blip r:embed="rId3"/>
+          <a:stretch>
+            <a:fillRect/>
+          </a:stretch>
+        </p:blipFill>
+        <p:spPr>
+          <a:xfrm>
+            <a:off x="6262777" y="619754"/>
+            <a:ext cx="5486400" cy="1543050"/>
+          </a:xfrm>
+          <a:prstGeom prst="rect">
+            <a:avLst/>
+          </a:prstGeom>
+        </p:spPr>
+      </p:pic>
+      <p:sp>
+        <p:nvSpPr>
+          <p:cNvPr id="5" name="TextBox 4"/>
+          <p:cNvSpPr txBox="1"/>
+          <p:nvPr/>
+        </p:nvSpPr>
+        <p:spPr>
+          <a:xfrm>
+            <a:off x="6262777" y="258792"/>
+            <a:ext cx="3157268" cy="369332"/>
+          </a:xfrm>
+          <a:prstGeom prst="rect">
+            <a:avLst/>
+          </a:prstGeom>
+          <a:noFill/>
+        </p:spPr>
+        <p:txBody>
+          <a:bodyPr wrap="square" rtlCol="0">
+            <a:spAutoFit/>
+          </a:bodyPr>
+          <a:lstStyle/>
+          <a:p>
+            <a:r>
+              <a:rPr lang="en-US" dirty="0" err="1" smtClean="0"/>
+              <a:t>ApplicationSubmissionContext</a:t>
+            </a:r>
+            <a:endParaRPr lang="en-US" dirty="0"/>
+          </a:p>
+        </p:txBody>
+      </p:sp>
+      <p:cxnSp>
+        <p:nvCxnSpPr>
+          <p:cNvPr id="7" name="Straight Arrow Connector 6"/>
+          <p:cNvCxnSpPr>
+            <a:stCxn id="4" idx="1"/>
+          </p:cNvCxnSpPr>
+          <p:nvPr/>
+        </p:nvCxnSpPr>
+        <p:spPr>
+          <a:xfrm flipH="1">
+            <a:off x="2122098" y="1391279"/>
+            <a:ext cx="4140679" cy="256366"/>
+          </a:xfrm>
+          <a:prstGeom prst="straightConnector1">
+            <a:avLst/>
+          </a:prstGeom>
+          <a:ln>
+            <a:tailEnd type="triangle"/>
+          </a:ln>
+        </p:spPr>
+        <p:style>
+          <a:lnRef idx="1">
+            <a:schemeClr val="accent1"/>
+          </a:lnRef>
+          <a:fillRef idx="0">
+            <a:schemeClr val="accent1"/>
+          </a:fillRef>
+          <a:effectRef idx="0">
+            <a:schemeClr val="accent1"/>
+          </a:effectRef>
+          <a:fontRef idx="minor">
+            <a:schemeClr val="tx1"/>
+          </a:fontRef>
+        </p:style>
+      </p:cxnSp>
+      <p:pic>
+        <p:nvPicPr>
+          <p:cNvPr id="8" name="Picture 7"/>
+          <p:cNvPicPr>
+            <a:picLocks noChangeAspect="1"/>
+          </p:cNvPicPr>
+          <p:nvPr/>
+        </p:nvPicPr>
+        <p:blipFill>
+          <a:blip r:embed="rId4"/>
+          <a:stretch>
+            <a:fillRect/>
+          </a:stretch>
+        </p:blipFill>
+        <p:spPr>
+          <a:xfrm>
+            <a:off x="6434227" y="2418458"/>
+            <a:ext cx="5314950" cy="1285875"/>
+          </a:xfrm>
+          <a:prstGeom prst="rect">
+            <a:avLst/>
+          </a:prstGeom>
+        </p:spPr>
+      </p:pic>
+      <p:sp>
+        <p:nvSpPr>
+          <p:cNvPr id="9" name="TextBox 8"/>
+          <p:cNvSpPr txBox="1"/>
+          <p:nvPr/>
+        </p:nvSpPr>
+        <p:spPr>
+          <a:xfrm>
+            <a:off x="6434227" y="2029797"/>
+            <a:ext cx="2596551" cy="369332"/>
+          </a:xfrm>
+          <a:prstGeom prst="rect">
+            <a:avLst/>
+          </a:prstGeom>
+          <a:noFill/>
+        </p:spPr>
+        <p:txBody>
+          <a:bodyPr wrap="square" rtlCol="0">
+            <a:spAutoFit/>
+          </a:bodyPr>
+          <a:lstStyle/>
+          <a:p>
+            <a:r>
+              <a:rPr lang="en-US" dirty="0" err="1" smtClean="0"/>
+              <a:t>ContainerLaunchContext</a:t>
+            </a:r>
+            <a:endParaRPr lang="en-US" dirty="0"/>
+          </a:p>
+        </p:txBody>
+      </p:sp>
+      <p:pic>
+        <p:nvPicPr>
+          <p:cNvPr id="13" name="Picture 12"/>
+          <p:cNvPicPr>
+            <a:picLocks noChangeAspect="1"/>
+          </p:cNvPicPr>
+          <p:nvPr/>
+        </p:nvPicPr>
+        <p:blipFill>
+          <a:blip r:embed="rId5"/>
+          <a:stretch>
+            <a:fillRect/>
+          </a:stretch>
+        </p:blipFill>
+        <p:spPr>
+          <a:xfrm>
+            <a:off x="204699" y="2140436"/>
+            <a:ext cx="5734050" cy="314325"/>
+          </a:xfrm>
+          <a:prstGeom prst="rect">
+            <a:avLst/>
+          </a:prstGeom>
+        </p:spPr>
+      </p:pic>
+      <p:pic>
+        <p:nvPicPr>
+          <p:cNvPr id="14" name="Picture 13"/>
+          <p:cNvPicPr>
+            <a:picLocks noChangeAspect="1"/>
+          </p:cNvPicPr>
+          <p:nvPr/>
+        </p:nvPicPr>
+        <p:blipFill>
+          <a:blip r:embed="rId6"/>
+          <a:stretch>
+            <a:fillRect/>
+          </a:stretch>
+        </p:blipFill>
+        <p:spPr>
+          <a:xfrm>
+            <a:off x="129486" y="4181968"/>
+            <a:ext cx="7772400" cy="1485900"/>
+          </a:xfrm>
+          <a:prstGeom prst="rect">
+            <a:avLst/>
+          </a:prstGeom>
+        </p:spPr>
+      </p:pic>
+      <p:cxnSp>
+        <p:nvCxnSpPr>
+          <p:cNvPr id="11" name="Straight Arrow Connector 10"/>
+          <p:cNvCxnSpPr>
+            <a:stCxn id="8" idx="1"/>
+          </p:cNvCxnSpPr>
+          <p:nvPr/>
+        </p:nvCxnSpPr>
+        <p:spPr>
+          <a:xfrm flipH="1" flipV="1">
+            <a:off x="2674189" y="1811824"/>
+            <a:ext cx="3760038" cy="1249572"/>
+          </a:xfrm>
+          <a:prstGeom prst="straightConnector1">
+            <a:avLst/>
+          </a:prstGeom>
+          <a:ln>
+            <a:tailEnd type="triangle"/>
+          </a:ln>
+        </p:spPr>
+        <p:style>
+          <a:lnRef idx="1">
+            <a:schemeClr val="accent1"/>
+          </a:lnRef>
+          <a:fillRef idx="0">
+            <a:schemeClr val="accent1"/>
+          </a:fillRef>
+          <a:effectRef idx="0">
+            <a:schemeClr val="accent1"/>
+          </a:effectRef>
+          <a:fontRef idx="minor">
+            <a:schemeClr val="tx1"/>
+          </a:fontRef>
+        </p:style>
+      </p:cxnSp>
+      <p:pic>
+        <p:nvPicPr>
+          <p:cNvPr id="17" name="Picture 16"/>
+          <p:cNvPicPr>
+            <a:picLocks noChangeAspect="1"/>
+          </p:cNvPicPr>
+          <p:nvPr/>
+        </p:nvPicPr>
+        <p:blipFill>
+          <a:blip r:embed="rId7"/>
+          <a:stretch>
+            <a:fillRect/>
+          </a:stretch>
+        </p:blipFill>
+        <p:spPr>
+          <a:xfrm>
+            <a:off x="8240652" y="3767377"/>
+            <a:ext cx="7477125" cy="2486025"/>
+          </a:xfrm>
+          <a:prstGeom prst="rect">
+            <a:avLst/>
+          </a:prstGeom>
+        </p:spPr>
+      </p:pic>
+      <p:cxnSp>
+        <p:nvCxnSpPr>
+          <p:cNvPr id="19" name="Straight Arrow Connector 18"/>
+          <p:cNvCxnSpPr>
+            <a:stCxn id="17" idx="1"/>
+          </p:cNvCxnSpPr>
+          <p:nvPr/>
+        </p:nvCxnSpPr>
+        <p:spPr>
+          <a:xfrm flipH="1" flipV="1">
+            <a:off x="7901886" y="4642338"/>
+            <a:ext cx="338766" cy="368052"/>
+          </a:xfrm>
+          <a:prstGeom prst="straightConnector1">
+            <a:avLst/>
+          </a:prstGeom>
+          <a:ln>
+            <a:tailEnd type="triangle"/>
+          </a:ln>
+        </p:spPr>
+        <p:style>
+          <a:lnRef idx="1">
+            <a:schemeClr val="accent1"/>
+          </a:lnRef>
+          <a:fillRef idx="0">
+            <a:schemeClr val="accent1"/>
+          </a:fillRef>
+          <a:effectRef idx="0">
+            <a:schemeClr val="accent1"/>
+          </a:effectRef>
+          <a:fontRef idx="minor">
+            <a:schemeClr val="tx1"/>
+          </a:fontRef>
+        </p:style>
+      </p:cxnSp>
+      <p:pic>
+        <p:nvPicPr>
+          <p:cNvPr id="21" name="Picture 20"/>
+          <p:cNvPicPr>
+            <a:picLocks noChangeAspect="1"/>
+          </p:cNvPicPr>
+          <p:nvPr/>
+        </p:nvPicPr>
+        <p:blipFill>
+          <a:blip r:embed="rId8"/>
+          <a:stretch>
+            <a:fillRect/>
+          </a:stretch>
+        </p:blipFill>
+        <p:spPr>
+          <a:xfrm>
+            <a:off x="8312089" y="6257925"/>
+            <a:ext cx="3667125" cy="600075"/>
+          </a:xfrm>
+          <a:prstGeom prst="rect">
+            <a:avLst/>
+          </a:prstGeom>
+        </p:spPr>
+      </p:pic>
+      <p:cxnSp>
+        <p:nvCxnSpPr>
+          <p:cNvPr id="23" name="Straight Arrow Connector 22"/>
+          <p:cNvCxnSpPr>
+            <a:stCxn id="21" idx="1"/>
+          </p:cNvCxnSpPr>
+          <p:nvPr/>
+        </p:nvCxnSpPr>
+        <p:spPr>
+          <a:xfrm flipH="1" flipV="1">
+            <a:off x="3455377" y="4826364"/>
+            <a:ext cx="4856712" cy="1731599"/>
+          </a:xfrm>
+          <a:prstGeom prst="straightConnector1">
+            <a:avLst/>
+          </a:prstGeom>
+          <a:ln>
+            <a:tailEnd type="triangle"/>
+          </a:ln>
+        </p:spPr>
+        <p:style>
+          <a:lnRef idx="1">
+            <a:schemeClr val="accent1"/>
+          </a:lnRef>
+          <a:fillRef idx="0">
+            <a:schemeClr val="accent1"/>
+          </a:fillRef>
+          <a:effectRef idx="0">
+            <a:schemeClr val="accent1"/>
+          </a:effectRef>
+          <a:fontRef idx="minor">
+            <a:schemeClr val="tx1"/>
+          </a:fontRef>
+        </p:style>
+      </p:cxnSp>
+    </p:spTree>
+    <p:extLst>
+      <p:ext uri="{BB962C8B-B14F-4D97-AF65-F5344CB8AC3E}">
+        <p14:creationId xmlns:p14="http://schemas.microsoft.com/office/powerpoint/2010/main" val="1435152880"/>
+      </p:ext>
+    </p:extLst>
+  </p:cSld>
+  <p:clrMapOvr>
+    <a:masterClrMapping/>
+  </p:clrMapOvr>
+</p:sld>
+</file>
+
+<file path=ppt/slides/slide28.xml><?xml version="1.0" encoding="utf-8"?>
+<p:sld xmlns:a="http://schemas.openxmlformats.org/drawingml/2006/main" xmlns:r="http://schemas.openxmlformats.org/officeDocument/2006/relationships" xmlns:p="http://schemas.openxmlformats.org/presentationml/2006/main">
+  <p:cSld>
+    <p:spTree>
+      <p:nvGrpSpPr>
+        <p:cNvPr id="1" name=""/>
+        <p:cNvGrpSpPr/>
+        <p:nvPr/>
+      </p:nvGrpSpPr>
+      <p:grpSpPr>
+        <a:xfrm>
+          <a:off x="0" y="0"/>
+          <a:ext cx="0" cy="0"/>
+          <a:chOff x="0" y="0"/>
+          <a:chExt cx="0" cy="0"/>
+        </a:xfrm>
+      </p:grpSpPr>
+      <p:sp>
+        <p:nvSpPr>
+          <p:cNvPr id="3" name="Title 1"/>
+          <p:cNvSpPr txBox="1">
+            <a:spLocks/>
+          </p:cNvSpPr>
+          <p:nvPr/>
+        </p:nvSpPr>
+        <p:spPr>
+          <a:xfrm>
+            <a:off x="-76200" y="-138023"/>
+            <a:ext cx="10515600" cy="1325563"/>
+          </a:xfrm>
+          <a:prstGeom prst="rect">
+            <a:avLst/>
+          </a:prstGeom>
+        </p:spPr>
+        <p:txBody>
+          <a:bodyPr vert="horz" lIns="91440" tIns="45720" rIns="91440" bIns="45720" rtlCol="0" anchor="ctr">
+            <a:normAutofit/>
+          </a:bodyPr>
+          <a:lstStyle>
+            <a:lvl1pPr algn="l" defTabSz="914400" rtl="0" eaLnBrk="1" latinLnBrk="0" hangingPunct="1">
+              <a:lnSpc>
+                <a:spcPct val="90000"/>
+              </a:lnSpc>
+              <a:spcBef>
+                <a:spcPct val="0"/>
+              </a:spcBef>
+              <a:buNone/>
+              <a:defRPr sz="4400" kern="1200">
+                <a:solidFill>
+                  <a:schemeClr val="tx1"/>
+                </a:solidFill>
+                <a:latin typeface="+mj-lt"/>
+                <a:ea typeface="+mj-ea"/>
+                <a:cs typeface="+mj-cs"/>
+              </a:defRPr>
+            </a:lvl1pPr>
+          </a:lstStyle>
+          <a:p>
+            <a:r>
+              <a:rPr lang="en-US" altLang="zh-CN" dirty="0" err="1" smtClean="0"/>
+              <a:t>ClientHelper</a:t>
+            </a:r>
+            <a:endParaRPr lang="en-US" dirty="0"/>
+          </a:p>
+        </p:txBody>
+      </p:sp>
+      <p:sp>
+        <p:nvSpPr>
+          <p:cNvPr id="4" name="TextBox 3"/>
+          <p:cNvSpPr txBox="1"/>
+          <p:nvPr/>
+        </p:nvSpPr>
+        <p:spPr>
+          <a:xfrm>
+            <a:off x="198408" y="818208"/>
+            <a:ext cx="2398143" cy="369332"/>
+          </a:xfrm>
+          <a:prstGeom prst="rect">
+            <a:avLst/>
+          </a:prstGeom>
+          <a:noFill/>
+        </p:spPr>
+        <p:txBody>
+          <a:bodyPr wrap="square" rtlCol="0">
+            <a:spAutoFit/>
+          </a:bodyPr>
+          <a:lstStyle/>
+          <a:p>
+            <a:r>
+              <a:rPr lang="en-US" dirty="0" smtClean="0"/>
+              <a:t>Skip the security part</a:t>
+            </a:r>
+            <a:endParaRPr lang="en-US" dirty="0"/>
+          </a:p>
+        </p:txBody>
+      </p:sp>
+      <p:pic>
+        <p:nvPicPr>
+          <p:cNvPr id="5" name="Picture 4"/>
+          <p:cNvPicPr>
+            <a:picLocks noChangeAspect="1"/>
+          </p:cNvPicPr>
+          <p:nvPr/>
+        </p:nvPicPr>
+        <p:blipFill>
+          <a:blip r:embed="rId2"/>
+          <a:stretch>
+            <a:fillRect/>
+          </a:stretch>
+        </p:blipFill>
+        <p:spPr>
+          <a:xfrm>
+            <a:off x="260589" y="1187540"/>
+            <a:ext cx="3009900" cy="171450"/>
+          </a:xfrm>
+          <a:prstGeom prst="rect">
+            <a:avLst/>
+          </a:prstGeom>
+        </p:spPr>
+      </p:pic>
+      <p:pic>
+        <p:nvPicPr>
+          <p:cNvPr id="6" name="Picture 5"/>
+          <p:cNvPicPr>
+            <a:picLocks noChangeAspect="1"/>
+          </p:cNvPicPr>
+          <p:nvPr/>
+        </p:nvPicPr>
+        <p:blipFill rotWithShape="1">
+          <a:blip r:embed="rId3"/>
+          <a:srcRect t="24733"/>
+          <a:stretch/>
+        </p:blipFill>
+        <p:spPr>
+          <a:xfrm>
+            <a:off x="260589" y="1358990"/>
+            <a:ext cx="3562350" cy="143384"/>
+          </a:xfrm>
+          <a:prstGeom prst="rect">
+            <a:avLst/>
+          </a:prstGeom>
+        </p:spPr>
+      </p:pic>
+      <p:pic>
+        <p:nvPicPr>
+          <p:cNvPr id="7" name="Picture 6"/>
+          <p:cNvPicPr>
+            <a:picLocks noChangeAspect="1"/>
+          </p:cNvPicPr>
+          <p:nvPr/>
+        </p:nvPicPr>
+        <p:blipFill>
+          <a:blip r:embed="rId4"/>
+          <a:stretch>
+            <a:fillRect/>
+          </a:stretch>
+        </p:blipFill>
+        <p:spPr>
+          <a:xfrm>
+            <a:off x="260589" y="1502374"/>
+            <a:ext cx="4981575" cy="1152525"/>
+          </a:xfrm>
+          <a:prstGeom prst="rect">
+            <a:avLst/>
+          </a:prstGeom>
+        </p:spPr>
+      </p:pic>
+      <p:pic>
+        <p:nvPicPr>
+          <p:cNvPr id="8" name="Picture 7"/>
+          <p:cNvPicPr>
+            <a:picLocks noChangeAspect="1"/>
+          </p:cNvPicPr>
+          <p:nvPr/>
+        </p:nvPicPr>
+        <p:blipFill>
+          <a:blip r:embed="rId5"/>
+          <a:stretch>
+            <a:fillRect/>
+          </a:stretch>
+        </p:blipFill>
+        <p:spPr>
+          <a:xfrm>
+            <a:off x="6091955" y="355174"/>
+            <a:ext cx="5591175" cy="1295400"/>
+          </a:xfrm>
+          <a:prstGeom prst="rect">
+            <a:avLst/>
+          </a:prstGeom>
+        </p:spPr>
+      </p:pic>
+      <p:cxnSp>
+        <p:nvCxnSpPr>
+          <p:cNvPr id="10" name="Straight Arrow Connector 9"/>
+          <p:cNvCxnSpPr>
+            <a:stCxn id="8" idx="1"/>
+            <a:endCxn id="6" idx="3"/>
+          </p:cNvCxnSpPr>
+          <p:nvPr/>
+        </p:nvCxnSpPr>
+        <p:spPr>
+          <a:xfrm flipH="1">
+            <a:off x="3822939" y="1002874"/>
+            <a:ext cx="2269016" cy="427808"/>
+          </a:xfrm>
+          <a:prstGeom prst="straightConnector1">
+            <a:avLst/>
+          </a:prstGeom>
+          <a:ln>
+            <a:tailEnd type="triangle"/>
+          </a:ln>
+        </p:spPr>
+        <p:style>
+          <a:lnRef idx="1">
+            <a:schemeClr val="accent1"/>
+          </a:lnRef>
+          <a:fillRef idx="0">
+            <a:schemeClr val="accent1"/>
+          </a:fillRef>
+          <a:effectRef idx="0">
+            <a:schemeClr val="accent1"/>
+          </a:effectRef>
+          <a:fontRef idx="minor">
+            <a:schemeClr val="tx1"/>
+          </a:fontRef>
+        </p:style>
+      </p:cxnSp>
+      <p:sp>
+        <p:nvSpPr>
+          <p:cNvPr id="12" name="TextBox 11"/>
+          <p:cNvSpPr txBox="1"/>
+          <p:nvPr/>
+        </p:nvSpPr>
+        <p:spPr>
+          <a:xfrm>
+            <a:off x="6090249" y="0"/>
+            <a:ext cx="2527540" cy="369332"/>
+          </a:xfrm>
+          <a:prstGeom prst="rect">
+            <a:avLst/>
+          </a:prstGeom>
+          <a:noFill/>
+        </p:spPr>
+        <p:txBody>
+          <a:bodyPr wrap="square" rtlCol="0">
+            <a:spAutoFit/>
+          </a:bodyPr>
+          <a:lstStyle/>
+          <a:p>
+            <a:r>
+              <a:rPr lang="en-US" dirty="0" err="1" smtClean="0"/>
+              <a:t>ContainerLaunchContext</a:t>
+            </a:r>
+            <a:endParaRPr lang="en-US" dirty="0"/>
+          </a:p>
+        </p:txBody>
+      </p:sp>
+      <p:pic>
+        <p:nvPicPr>
+          <p:cNvPr id="14" name="Picture 13"/>
+          <p:cNvPicPr>
+            <a:picLocks noChangeAspect="1"/>
+          </p:cNvPicPr>
+          <p:nvPr/>
+        </p:nvPicPr>
+        <p:blipFill>
+          <a:blip r:embed="rId6"/>
+          <a:stretch>
+            <a:fillRect/>
+          </a:stretch>
+        </p:blipFill>
+        <p:spPr>
+          <a:xfrm>
+            <a:off x="163904" y="2654899"/>
+            <a:ext cx="4314825" cy="1009650"/>
+          </a:xfrm>
+          <a:prstGeom prst="rect">
+            <a:avLst/>
+          </a:prstGeom>
+        </p:spPr>
+      </p:pic>
+      <p:cxnSp>
+        <p:nvCxnSpPr>
+          <p:cNvPr id="16" name="Straight Arrow Connector 15"/>
+          <p:cNvCxnSpPr>
+            <a:stCxn id="18" idx="1"/>
+          </p:cNvCxnSpPr>
+          <p:nvPr/>
+        </p:nvCxnSpPr>
+        <p:spPr>
+          <a:xfrm flipH="1" flipV="1">
+            <a:off x="3165895" y="1923692"/>
+            <a:ext cx="2924354" cy="360424"/>
+          </a:xfrm>
+          <a:prstGeom prst="straightConnector1">
+            <a:avLst/>
+          </a:prstGeom>
+          <a:ln>
+            <a:tailEnd type="triangle"/>
+          </a:ln>
+        </p:spPr>
+        <p:style>
+          <a:lnRef idx="1">
+            <a:schemeClr val="accent1"/>
+          </a:lnRef>
+          <a:fillRef idx="0">
+            <a:schemeClr val="accent1"/>
+          </a:fillRef>
+          <a:effectRef idx="0">
+            <a:schemeClr val="accent1"/>
+          </a:effectRef>
+          <a:fontRef idx="minor">
+            <a:schemeClr val="tx1"/>
+          </a:fontRef>
+        </p:style>
+      </p:cxnSp>
+      <p:pic>
+        <p:nvPicPr>
+          <p:cNvPr id="18" name="Picture 17"/>
+          <p:cNvPicPr>
+            <a:picLocks noChangeAspect="1"/>
+          </p:cNvPicPr>
+          <p:nvPr/>
+        </p:nvPicPr>
+        <p:blipFill>
+          <a:blip r:embed="rId7"/>
+          <a:stretch>
+            <a:fillRect/>
+          </a:stretch>
+        </p:blipFill>
+        <p:spPr>
+          <a:xfrm>
+            <a:off x="6090249" y="1603078"/>
+            <a:ext cx="5191125" cy="1362075"/>
+          </a:xfrm>
+          <a:prstGeom prst="rect">
+            <a:avLst/>
+          </a:prstGeom>
+        </p:spPr>
+      </p:pic>
+      <p:pic>
+        <p:nvPicPr>
+          <p:cNvPr id="20" name="Picture 19"/>
+          <p:cNvPicPr>
+            <a:picLocks noChangeAspect="1"/>
+          </p:cNvPicPr>
+          <p:nvPr/>
+        </p:nvPicPr>
+        <p:blipFill>
+          <a:blip r:embed="rId8"/>
+          <a:stretch>
+            <a:fillRect/>
+          </a:stretch>
+        </p:blipFill>
+        <p:spPr>
+          <a:xfrm>
+            <a:off x="6090249" y="3238271"/>
+            <a:ext cx="5105400" cy="1495425"/>
+          </a:xfrm>
+          <a:prstGeom prst="rect">
+            <a:avLst/>
+          </a:prstGeom>
+        </p:spPr>
+      </p:pic>
+      <p:cxnSp>
+        <p:nvCxnSpPr>
+          <p:cNvPr id="22" name="Straight Arrow Connector 21"/>
+          <p:cNvCxnSpPr>
+            <a:stCxn id="20" idx="1"/>
+          </p:cNvCxnSpPr>
+          <p:nvPr/>
+        </p:nvCxnSpPr>
+        <p:spPr>
+          <a:xfrm flipH="1" flipV="1">
+            <a:off x="2898475" y="2777126"/>
+            <a:ext cx="3191774" cy="1208858"/>
+          </a:xfrm>
+          <a:prstGeom prst="straightConnector1">
+            <a:avLst/>
+          </a:prstGeom>
+          <a:ln>
+            <a:tailEnd type="triangle"/>
+          </a:ln>
+        </p:spPr>
+        <p:style>
+          <a:lnRef idx="1">
+            <a:schemeClr val="accent1"/>
+          </a:lnRef>
+          <a:fillRef idx="0">
+            <a:schemeClr val="accent1"/>
+          </a:fillRef>
+          <a:effectRef idx="0">
+            <a:schemeClr val="accent1"/>
+          </a:effectRef>
+          <a:fontRef idx="minor">
+            <a:schemeClr val="tx1"/>
+          </a:fontRef>
+        </p:style>
+      </p:cxnSp>
+      <p:sp>
+        <p:nvSpPr>
+          <p:cNvPr id="23" name="TextBox 22"/>
+          <p:cNvSpPr txBox="1"/>
+          <p:nvPr/>
+        </p:nvSpPr>
+        <p:spPr>
+          <a:xfrm>
+            <a:off x="6090249" y="2902714"/>
+            <a:ext cx="3062377" cy="369332"/>
+          </a:xfrm>
+          <a:prstGeom prst="rect">
+            <a:avLst/>
+          </a:prstGeom>
+          <a:noFill/>
+        </p:spPr>
+        <p:txBody>
+          <a:bodyPr wrap="square" rtlCol="0">
+            <a:spAutoFit/>
+          </a:bodyPr>
+          <a:lstStyle/>
+          <a:p>
+            <a:r>
+              <a:rPr lang="en-US" dirty="0" err="1" smtClean="0"/>
+              <a:t>ApplicationSubmissionContext</a:t>
+            </a:r>
+            <a:endParaRPr lang="en-US" dirty="0"/>
+          </a:p>
+        </p:txBody>
+      </p:sp>
+      <p:cxnSp>
+        <p:nvCxnSpPr>
+          <p:cNvPr id="25" name="Straight Arrow Connector 24"/>
+          <p:cNvCxnSpPr/>
+          <p:nvPr/>
+        </p:nvCxnSpPr>
+        <p:spPr>
+          <a:xfrm flipH="1">
+            <a:off x="3817190" y="2744363"/>
+            <a:ext cx="905774" cy="125588"/>
+          </a:xfrm>
+          <a:prstGeom prst="straightConnector1">
+            <a:avLst/>
+          </a:prstGeom>
+          <a:ln>
+            <a:tailEnd type="triangle"/>
+          </a:ln>
+        </p:spPr>
+        <p:style>
+          <a:lnRef idx="1">
+            <a:schemeClr val="accent1"/>
+          </a:lnRef>
+          <a:fillRef idx="0">
+            <a:schemeClr val="accent1"/>
+          </a:fillRef>
+          <a:effectRef idx="0">
+            <a:schemeClr val="accent1"/>
+          </a:effectRef>
+          <a:fontRef idx="minor">
+            <a:schemeClr val="tx1"/>
+          </a:fontRef>
+        </p:style>
+      </p:cxnSp>
+      <p:sp>
+        <p:nvSpPr>
+          <p:cNvPr id="26" name="TextBox 25"/>
+          <p:cNvSpPr txBox="1"/>
+          <p:nvPr/>
+        </p:nvSpPr>
+        <p:spPr>
+          <a:xfrm>
+            <a:off x="4659836" y="2582423"/>
+            <a:ext cx="847007" cy="307777"/>
+          </a:xfrm>
+          <a:prstGeom prst="rect">
+            <a:avLst/>
+          </a:prstGeom>
+          <a:noFill/>
+        </p:spPr>
+        <p:txBody>
+          <a:bodyPr wrap="square" rtlCol="0">
+            <a:spAutoFit/>
+          </a:bodyPr>
+          <a:lstStyle/>
+          <a:p>
+            <a:r>
+              <a:rPr lang="en-US" sz="1400" dirty="0" err="1" smtClean="0"/>
+              <a:t>Samza</a:t>
+            </a:r>
+            <a:endParaRPr lang="en-US" sz="1400" dirty="0"/>
+          </a:p>
+        </p:txBody>
+      </p:sp>
+      <p:cxnSp>
+        <p:nvCxnSpPr>
+          <p:cNvPr id="28" name="Straight Arrow Connector 27"/>
+          <p:cNvCxnSpPr/>
+          <p:nvPr/>
+        </p:nvCxnSpPr>
+        <p:spPr>
+          <a:xfrm flipV="1">
+            <a:off x="1854679" y="3272049"/>
+            <a:ext cx="112145" cy="678759"/>
+          </a:xfrm>
+          <a:prstGeom prst="straightConnector1">
+            <a:avLst/>
+          </a:prstGeom>
+          <a:ln>
+            <a:tailEnd type="triangle"/>
+          </a:ln>
+        </p:spPr>
+        <p:style>
+          <a:lnRef idx="1">
+            <a:schemeClr val="accent1"/>
+          </a:lnRef>
+          <a:fillRef idx="0">
+            <a:schemeClr val="accent1"/>
+          </a:fillRef>
+          <a:effectRef idx="0">
+            <a:schemeClr val="accent1"/>
+          </a:effectRef>
+          <a:fontRef idx="minor">
+            <a:schemeClr val="tx1"/>
+          </a:fontRef>
+        </p:style>
+      </p:cxnSp>
+      <p:pic>
+        <p:nvPicPr>
+          <p:cNvPr id="30" name="Picture 29"/>
+          <p:cNvPicPr>
+            <a:picLocks noChangeAspect="1"/>
+          </p:cNvPicPr>
+          <p:nvPr/>
+        </p:nvPicPr>
+        <p:blipFill>
+          <a:blip r:embed="rId9"/>
+          <a:stretch>
+            <a:fillRect/>
+          </a:stretch>
+        </p:blipFill>
+        <p:spPr>
+          <a:xfrm>
+            <a:off x="40436" y="3914775"/>
+            <a:ext cx="5353050" cy="5886450"/>
+          </a:xfrm>
+          <a:prstGeom prst="rect">
+            <a:avLst/>
+          </a:prstGeom>
+        </p:spPr>
+      </p:pic>
+      <p:sp>
+        <p:nvSpPr>
+          <p:cNvPr id="32" name="TextBox 31"/>
+          <p:cNvSpPr txBox="1"/>
+          <p:nvPr/>
+        </p:nvSpPr>
+        <p:spPr>
+          <a:xfrm>
+            <a:off x="40436" y="3669175"/>
+            <a:ext cx="2858039" cy="369332"/>
+          </a:xfrm>
+          <a:prstGeom prst="rect">
+            <a:avLst/>
+          </a:prstGeom>
+          <a:noFill/>
+        </p:spPr>
+        <p:txBody>
+          <a:bodyPr wrap="square" rtlCol="0">
+            <a:spAutoFit/>
+          </a:bodyPr>
+          <a:lstStyle/>
+          <a:p>
+            <a:r>
+              <a:rPr lang="en-US" dirty="0" err="1" smtClean="0"/>
+              <a:t>YarnClient</a:t>
+            </a:r>
+            <a:endParaRPr lang="en-US" dirty="0"/>
+          </a:p>
+        </p:txBody>
+      </p:sp>
+    </p:spTree>
+    <p:extLst>
+      <p:ext uri="{BB962C8B-B14F-4D97-AF65-F5344CB8AC3E}">
+        <p14:creationId xmlns:p14="http://schemas.microsoft.com/office/powerpoint/2010/main" val="180381513"/>
+      </p:ext>
+    </p:extLst>
+  </p:cSld>
+  <p:clrMapOvr>
+    <a:masterClrMapping/>
+  </p:clrMapOvr>
+</p:sld>
+</file>
+
+<file path=ppt/slides/slide29.xml><?xml version="1.0" encoding="utf-8"?>
+<p:sld xmlns:a="http://schemas.openxmlformats.org/drawingml/2006/main" xmlns:r="http://schemas.openxmlformats.org/officeDocument/2006/relationships" xmlns:p="http://schemas.openxmlformats.org/presentationml/2006/main">
+  <p:cSld>
+    <p:spTree>
+      <p:nvGrpSpPr>
+        <p:cNvPr id="1" name=""/>
+        <p:cNvGrpSpPr/>
+        <p:nvPr/>
+      </p:nvGrpSpPr>
+      <p:grpSpPr>
+        <a:xfrm>
+          <a:off x="0" y="0"/>
+          <a:ext cx="0" cy="0"/>
+          <a:chOff x="0" y="0"/>
+          <a:chExt cx="0" cy="0"/>
+        </a:xfrm>
+      </p:grpSpPr>
+      <p:sp>
+        <p:nvSpPr>
+          <p:cNvPr id="2" name="Title 1"/>
+          <p:cNvSpPr>
+            <a:spLocks noGrp="1"/>
+          </p:cNvSpPr>
+          <p:nvPr>
+            <p:ph type="title"/>
+          </p:nvPr>
+        </p:nvSpPr>
+        <p:spPr/>
+        <p:txBody>
+          <a:bodyPr/>
+          <a:lstStyle/>
+          <a:p>
+            <a:endParaRPr lang="en-US"/>
+          </a:p>
+        </p:txBody>
+      </p:sp>
+    </p:spTree>
+    <p:extLst>
+      <p:ext uri="{BB962C8B-B14F-4D97-AF65-F5344CB8AC3E}">
+        <p14:creationId xmlns:p14="http://schemas.microsoft.com/office/powerpoint/2010/main" val="3889400343"/>
+      </p:ext>
+    </p:extLst>
+  </p:cSld>
+  <p:clrMapOvr>
+    <a:masterClrMapping/>
+  </p:clrMapOvr>
+</p:sld>
+</file>
+
+<file path=ppt/slides/slide3.xml><?xml version="1.0" encoding="utf-8"?>
+<p:sld xmlns:a="http://schemas.openxmlformats.org/drawingml/2006/main" xmlns:r="http://schemas.openxmlformats.org/officeDocument/2006/relationships" xmlns:p="http://schemas.openxmlformats.org/presentationml/2006/main">
+  <p:cSld>
+    <p:spTree>
+      <p:nvGrpSpPr>
+        <p:cNvPr id="1" name=""/>
+        <p:cNvGrpSpPr/>
+        <p:nvPr/>
+      </p:nvGrpSpPr>
+      <p:grpSpPr>
+        <a:xfrm>
+          <a:off x="0" y="0"/>
+          <a:ext cx="0" cy="0"/>
+          <a:chOff x="0" y="0"/>
+          <a:chExt cx="0" cy="0"/>
+        </a:xfrm>
+      </p:grpSpPr>
+      <p:sp>
+        <p:nvSpPr>
+          <p:cNvPr id="2" name="Title 1"/>
+          <p:cNvSpPr>
+            <a:spLocks noGrp="1"/>
+          </p:cNvSpPr>
+          <p:nvPr>
+            <p:ph type="title"/>
+          </p:nvPr>
+        </p:nvSpPr>
+        <p:spPr/>
+        <p:txBody>
+          <a:bodyPr/>
+          <a:lstStyle/>
+          <a:p>
+            <a:r>
+              <a:rPr lang="en-US" dirty="0" smtClean="0"/>
+              <a:t>Category</a:t>
+            </a:r>
+            <a:endParaRPr lang="en-US" dirty="0"/>
+          </a:p>
+        </p:txBody>
+      </p:sp>
+      <p:sp>
+        <p:nvSpPr>
+          <p:cNvPr id="3" name="Content Placeholder 2"/>
+          <p:cNvSpPr>
+            <a:spLocks noGrp="1"/>
+          </p:cNvSpPr>
+          <p:nvPr>
+            <p:ph idx="1"/>
+          </p:nvPr>
+        </p:nvSpPr>
+        <p:spPr/>
+        <p:txBody>
+          <a:bodyPr/>
+          <a:lstStyle/>
+          <a:p>
+            <a:r>
+              <a:rPr lang="en-US" dirty="0" smtClean="0">
+                <a:hlinkClick r:id="rId2" action="ppaction://hlinksldjump"/>
+              </a:rPr>
+              <a:t>Run a job</a:t>
+            </a:r>
+            <a:endParaRPr lang="en-US" dirty="0" smtClean="0"/>
+          </a:p>
+          <a:p>
+            <a:endParaRPr lang="en-US" dirty="0"/>
+          </a:p>
+        </p:txBody>
+      </p:sp>
+    </p:spTree>
+    <p:extLst>
+      <p:ext uri="{BB962C8B-B14F-4D97-AF65-F5344CB8AC3E}">
+        <p14:creationId xmlns:p14="http://schemas.microsoft.com/office/powerpoint/2010/main" val="2783696352"/>
+      </p:ext>
+    </p:extLst>
+  </p:cSld>
+  <p:clrMapOvr>
+    <a:masterClrMapping/>
+  </p:clrMapOvr>
+  <p:timing>
+    <p:tnLst>
+      <p:par>
+        <p:cTn id="1" dur="indefinite" restart="never" nodeType="tmRoot"/>
+      </p:par>
+    </p:tnLst>
+  </p:timing>
+</p:sld>
+</file>
+
+<file path=ppt/slides/slide30.xml><?xml version="1.0" encoding="utf-8"?>
 <p:sld xmlns:a="http://schemas.openxmlformats.org/drawingml/2006/main" xmlns:r="http://schemas.openxmlformats.org/officeDocument/2006/relationships" xmlns:p="http://schemas.openxmlformats.org/presentationml/2006/main">
   <p:cSld>
     <p:spTree>
@@ -11931,7 +14331,7 @@
 </p:sld>
 </file>
 
-<file path=ppt/slides/slide26.xml><?xml version="1.0" encoding="utf-8"?>
+<file path=ppt/slides/slide31.xml><?xml version="1.0" encoding="utf-8"?>
 <p:sld xmlns:a="http://schemas.openxmlformats.org/drawingml/2006/main" xmlns:r="http://schemas.openxmlformats.org/officeDocument/2006/relationships" xmlns:p="http://schemas.openxmlformats.org/presentationml/2006/main">
   <p:cSld>
     <p:spTree>
@@ -12012,7 +14412,7 @@
 </p:sld>
 </file>
 
-<file path=ppt/slides/slide27.xml><?xml version="1.0" encoding="utf-8"?>
+<file path=ppt/slides/slide32.xml><?xml version="1.0" encoding="utf-8"?>
 <p:sld xmlns:a="http://schemas.openxmlformats.org/drawingml/2006/main" xmlns:r="http://schemas.openxmlformats.org/officeDocument/2006/relationships" xmlns:p="http://schemas.openxmlformats.org/presentationml/2006/main">
   <p:cSld>
     <p:spTree>
@@ -12420,7 +14820,7 @@
 </p:sld>
 </file>
 
-<file path=ppt/slides/slide28.xml><?xml version="1.0" encoding="utf-8"?>
+<file path=ppt/slides/slide33.xml><?xml version="1.0" encoding="utf-8"?>
 <p:sld xmlns:a="http://schemas.openxmlformats.org/drawingml/2006/main" xmlns:r="http://schemas.openxmlformats.org/officeDocument/2006/relationships" xmlns:p="http://schemas.openxmlformats.org/presentationml/2006/main">
   <p:cSld>
     <p:spTree>
@@ -14039,7 +16439,7 @@
 </p:sld>
 </file>
 
-<file path=ppt/slides/slide29.xml><?xml version="1.0" encoding="utf-8"?>
+<file path=ppt/slides/slide34.xml><?xml version="1.0" encoding="utf-8"?>
 <p:sld xmlns:a="http://schemas.openxmlformats.org/drawingml/2006/main" xmlns:r="http://schemas.openxmlformats.org/officeDocument/2006/relationships" xmlns:p="http://schemas.openxmlformats.org/presentationml/2006/main">
   <p:cSld>
     <p:spTree>
@@ -14678,7 +17078,7 @@
 </p:sld>
 </file>
 
-<file path=ppt/slides/slide3.xml><?xml version="1.0" encoding="utf-8"?>
+<file path=ppt/slides/slide35.xml><?xml version="1.0" encoding="utf-8"?>
 <p:sld xmlns:a="http://schemas.openxmlformats.org/drawingml/2006/main" xmlns:r="http://schemas.openxmlformats.org/officeDocument/2006/relationships" xmlns:p="http://schemas.openxmlformats.org/presentationml/2006/main">
   <p:cSld>
     <p:spTree>
@@ -14711,94 +17111,6 @@
           <a:lstStyle/>
           <a:p>
             <a:r>
-              <a:rPr lang="en-US" dirty="0" smtClean="0"/>
-              <a:t>Category</a:t>
-            </a:r>
-            <a:endParaRPr lang="en-US" dirty="0"/>
-          </a:p>
-        </p:txBody>
-      </p:sp>
-      <p:sp>
-        <p:nvSpPr>
-          <p:cNvPr id="3" name="Content Placeholder 2"/>
-          <p:cNvSpPr>
-            <a:spLocks noGrp="1"/>
-          </p:cNvSpPr>
-          <p:nvPr>
-            <p:ph idx="1"/>
-          </p:nvPr>
-        </p:nvSpPr>
-        <p:spPr/>
-        <p:txBody>
-          <a:bodyPr/>
-          <a:lstStyle/>
-          <a:p>
-            <a:r>
-              <a:rPr lang="en-US" dirty="0" smtClean="0">
-                <a:hlinkClick r:id="rId2" action="ppaction://hlinksldjump"/>
-              </a:rPr>
-              <a:t>Run a job</a:t>
-            </a:r>
-            <a:endParaRPr lang="en-US" dirty="0" smtClean="0"/>
-          </a:p>
-          <a:p>
-            <a:endParaRPr lang="en-US" dirty="0"/>
-          </a:p>
-        </p:txBody>
-      </p:sp>
-    </p:spTree>
-    <p:extLst>
-      <p:ext uri="{BB962C8B-B14F-4D97-AF65-F5344CB8AC3E}">
-        <p14:creationId xmlns:p14="http://schemas.microsoft.com/office/powerpoint/2010/main" val="2783696352"/>
-      </p:ext>
-    </p:extLst>
-  </p:cSld>
-  <p:clrMapOvr>
-    <a:masterClrMapping/>
-  </p:clrMapOvr>
-  <p:timing>
-    <p:tnLst>
-      <p:par>
-        <p:cTn id="1" dur="indefinite" restart="never" nodeType="tmRoot"/>
-      </p:par>
-    </p:tnLst>
-  </p:timing>
-</p:sld>
-</file>
-
-<file path=ppt/slides/slide30.xml><?xml version="1.0" encoding="utf-8"?>
-<p:sld xmlns:a="http://schemas.openxmlformats.org/drawingml/2006/main" xmlns:r="http://schemas.openxmlformats.org/officeDocument/2006/relationships" xmlns:p="http://schemas.openxmlformats.org/presentationml/2006/main">
-  <p:cSld>
-    <p:spTree>
-      <p:nvGrpSpPr>
-        <p:cNvPr id="1" name=""/>
-        <p:cNvGrpSpPr/>
-        <p:nvPr/>
-      </p:nvGrpSpPr>
-      <p:grpSpPr>
-        <a:xfrm>
-          <a:off x="0" y="0"/>
-          <a:ext cx="0" cy="0"/>
-          <a:chOff x="0" y="0"/>
-          <a:chExt cx="0" cy="0"/>
-        </a:xfrm>
-      </p:grpSpPr>
-      <p:sp>
-        <p:nvSpPr>
-          <p:cNvPr id="2" name="Title 1"/>
-          <p:cNvSpPr>
-            <a:spLocks noGrp="1"/>
-          </p:cNvSpPr>
-          <p:nvPr>
-            <p:ph type="title"/>
-          </p:nvPr>
-        </p:nvSpPr>
-        <p:spPr/>
-        <p:txBody>
-          <a:bodyPr/>
-          <a:lstStyle/>
-          <a:p>
-            <a:r>
               <a:rPr lang="en-US" altLang="zh-CN" dirty="0" smtClean="0"/>
               <a:t>Factory</a:t>
             </a:r>
@@ -14981,7 +17293,7 @@
 </p:sld>
 </file>
 
-<file path=ppt/slides/slide31.xml><?xml version="1.0" encoding="utf-8"?>
+<file path=ppt/slides/slide36.xml><?xml version="1.0" encoding="utf-8"?>
 <p:sld xmlns:a="http://schemas.openxmlformats.org/drawingml/2006/main" xmlns:r="http://schemas.openxmlformats.org/officeDocument/2006/relationships" xmlns:p="http://schemas.openxmlformats.org/presentationml/2006/main">
   <p:cSld>
     <p:spTree>

--- a/Documentation/SamzaStructure.pptx
+++ b/Documentation/SamzaStructure.pptx
@@ -362,7 +362,7 @@
           <a:p>
             <a:fld id="{B35ADF0B-9749-404D-9A56-8E2BD576143D}" type="datetimeFigureOut">
               <a:rPr lang="en-US" smtClean="0"/>
-              <a:t>1/30/2018</a:t>
+              <a:t>1/31/2018</a:t>
             </a:fld>
             <a:endParaRPr lang="en-US"/>
           </a:p>
@@ -929,7 +929,7 @@
           <a:p>
             <a:fld id="{7D2FF18F-DFC6-48DD-A8FE-22636A2E9C75}" type="datetimeFigureOut">
               <a:rPr lang="en-US" smtClean="0"/>
-              <a:t>1/30/2018</a:t>
+              <a:t>1/31/2018</a:t>
             </a:fld>
             <a:endParaRPr lang="en-US"/>
           </a:p>
@@ -1099,7 +1099,7 @@
           <a:p>
             <a:fld id="{7D2FF18F-DFC6-48DD-A8FE-22636A2E9C75}" type="datetimeFigureOut">
               <a:rPr lang="en-US" smtClean="0"/>
-              <a:t>1/30/2018</a:t>
+              <a:t>1/31/2018</a:t>
             </a:fld>
             <a:endParaRPr lang="en-US"/>
           </a:p>
@@ -1279,7 +1279,7 @@
           <a:p>
             <a:fld id="{7D2FF18F-DFC6-48DD-A8FE-22636A2E9C75}" type="datetimeFigureOut">
               <a:rPr lang="en-US" smtClean="0"/>
-              <a:t>1/30/2018</a:t>
+              <a:t>1/31/2018</a:t>
             </a:fld>
             <a:endParaRPr lang="en-US"/>
           </a:p>
@@ -1449,7 +1449,7 @@
           <a:p>
             <a:fld id="{7D2FF18F-DFC6-48DD-A8FE-22636A2E9C75}" type="datetimeFigureOut">
               <a:rPr lang="en-US" smtClean="0"/>
-              <a:t>1/30/2018</a:t>
+              <a:t>1/31/2018</a:t>
             </a:fld>
             <a:endParaRPr lang="en-US"/>
           </a:p>
@@ -1695,7 +1695,7 @@
           <a:p>
             <a:fld id="{7D2FF18F-DFC6-48DD-A8FE-22636A2E9C75}" type="datetimeFigureOut">
               <a:rPr lang="en-US" smtClean="0"/>
-              <a:t>1/30/2018</a:t>
+              <a:t>1/31/2018</a:t>
             </a:fld>
             <a:endParaRPr lang="en-US"/>
           </a:p>
@@ -1927,7 +1927,7 @@
           <a:p>
             <a:fld id="{7D2FF18F-DFC6-48DD-A8FE-22636A2E9C75}" type="datetimeFigureOut">
               <a:rPr lang="en-US" smtClean="0"/>
-              <a:t>1/30/2018</a:t>
+              <a:t>1/31/2018</a:t>
             </a:fld>
             <a:endParaRPr lang="en-US"/>
           </a:p>
@@ -2294,7 +2294,7 @@
           <a:p>
             <a:fld id="{7D2FF18F-DFC6-48DD-A8FE-22636A2E9C75}" type="datetimeFigureOut">
               <a:rPr lang="en-US" smtClean="0"/>
-              <a:t>1/30/2018</a:t>
+              <a:t>1/31/2018</a:t>
             </a:fld>
             <a:endParaRPr lang="en-US"/>
           </a:p>
@@ -2412,7 +2412,7 @@
           <a:p>
             <a:fld id="{7D2FF18F-DFC6-48DD-A8FE-22636A2E9C75}" type="datetimeFigureOut">
               <a:rPr lang="en-US" smtClean="0"/>
-              <a:t>1/30/2018</a:t>
+              <a:t>1/31/2018</a:t>
             </a:fld>
             <a:endParaRPr lang="en-US"/>
           </a:p>
@@ -2507,7 +2507,7 @@
           <a:p>
             <a:fld id="{7D2FF18F-DFC6-48DD-A8FE-22636A2E9C75}" type="datetimeFigureOut">
               <a:rPr lang="en-US" smtClean="0"/>
-              <a:t>1/30/2018</a:t>
+              <a:t>1/31/2018</a:t>
             </a:fld>
             <a:endParaRPr lang="en-US"/>
           </a:p>
@@ -2784,7 +2784,7 @@
           <a:p>
             <a:fld id="{7D2FF18F-DFC6-48DD-A8FE-22636A2E9C75}" type="datetimeFigureOut">
               <a:rPr lang="en-US" smtClean="0"/>
-              <a:t>1/30/2018</a:t>
+              <a:t>1/31/2018</a:t>
             </a:fld>
             <a:endParaRPr lang="en-US"/>
           </a:p>
@@ -3037,7 +3037,7 @@
           <a:p>
             <a:fld id="{7D2FF18F-DFC6-48DD-A8FE-22636A2E9C75}" type="datetimeFigureOut">
               <a:rPr lang="en-US" smtClean="0"/>
-              <a:t>1/30/2018</a:t>
+              <a:t>1/31/2018</a:t>
             </a:fld>
             <a:endParaRPr lang="en-US"/>
           </a:p>
@@ -3250,7 +3250,7 @@
           <a:p>
             <a:fld id="{7D2FF18F-DFC6-48DD-A8FE-22636A2E9C75}" type="datetimeFigureOut">
               <a:rPr lang="en-US" smtClean="0"/>
-              <a:t>1/30/2018</a:t>
+              <a:t>1/31/2018</a:t>
             </a:fld>
             <a:endParaRPr lang="en-US"/>
           </a:p>
@@ -6983,15 +6983,7 @@
           <a:p>
             <a:r>
               <a:rPr lang="en-US" dirty="0" smtClean="0"/>
-              <a:t>1. </a:t>
-            </a:r>
-            <a:r>
-              <a:rPr lang="en-US" dirty="0" smtClean="0"/>
-              <a:t>Clients </a:t>
-            </a:r>
-            <a:r>
-              <a:rPr lang="en-US" dirty="0" smtClean="0"/>
-              <a:t>submit application package to </a:t>
+              <a:t>1. Clients submit application package to </a:t>
             </a:r>
             <a:r>
               <a:rPr lang="en-US" dirty="0" err="1" smtClean="0"/>
@@ -6999,11 +6991,7 @@
             </a:r>
             <a:r>
               <a:rPr lang="en-US" dirty="0" smtClean="0"/>
-              <a:t>(HDFS for now</a:t>
-            </a:r>
-            <a:r>
-              <a:rPr lang="en-US" dirty="0" smtClean="0"/>
-              <a:t>)</a:t>
+              <a:t>(HDFS for now)</a:t>
             </a:r>
           </a:p>
           <a:p>
@@ -11741,11 +11729,7 @@
           <a:p>
             <a:r>
               <a:rPr lang="en-US" dirty="0" smtClean="0"/>
-              <a:t>b)Pass </a:t>
-            </a:r>
-            <a:r>
-              <a:rPr lang="en-US" dirty="0" smtClean="0"/>
-              <a:t>the </a:t>
+              <a:t>b)Pass the </a:t>
             </a:r>
             <a:r>
               <a:rPr lang="en-US" dirty="0" err="1" smtClean="0"/>
@@ -11795,7 +11779,6 @@
               <a:rPr lang="en-US" dirty="0" smtClean="0"/>
               <a:t> with its application logic.</a:t>
             </a:r>
-            <a:endParaRPr lang="en-US" dirty="0" smtClean="0"/>
           </a:p>
         </p:txBody>
       </p:sp>
@@ -13191,12 +13174,2049 @@
             <p:ph type="title"/>
           </p:nvPr>
         </p:nvSpPr>
-        <p:spPr/>
+        <p:spPr>
+          <a:xfrm>
+            <a:off x="-76200" y="-83762"/>
+            <a:ext cx="10515600" cy="1325563"/>
+          </a:xfrm>
+        </p:spPr>
         <p:txBody>
           <a:bodyPr/>
           <a:lstStyle/>
           <a:p>
+            <a:r>
+              <a:rPr lang="en-US" dirty="0" err="1" smtClean="0"/>
+              <a:t>RemoteApplicationRunner</a:t>
+            </a:r>
+            <a:endParaRPr lang="en-US" dirty="0"/>
+          </a:p>
+        </p:txBody>
+      </p:sp>
+      <p:sp>
+        <p:nvSpPr>
+          <p:cNvPr id="3" name="TextBox 2"/>
+          <p:cNvSpPr txBox="1"/>
+          <p:nvPr/>
+        </p:nvSpPr>
+        <p:spPr>
+          <a:xfrm>
+            <a:off x="10180319" y="6375861"/>
+            <a:ext cx="2726575" cy="369332"/>
+          </a:xfrm>
+          <a:prstGeom prst="rect">
+            <a:avLst/>
+          </a:prstGeom>
+          <a:noFill/>
+        </p:spPr>
+        <p:txBody>
+          <a:bodyPr wrap="square" rtlCol="0">
+            <a:spAutoFit/>
+          </a:bodyPr>
+          <a:lstStyle/>
+          <a:p>
+            <a:r>
+              <a:rPr lang="en-US" dirty="0" smtClean="0">
+                <a:solidFill>
+                  <a:srgbClr val="FF0000"/>
+                </a:solidFill>
+              </a:rPr>
+              <a:t>work in progress</a:t>
+            </a:r>
+            <a:endParaRPr lang="en-US" dirty="0">
+              <a:solidFill>
+                <a:srgbClr val="FF0000"/>
+              </a:solidFill>
+            </a:endParaRPr>
+          </a:p>
+        </p:txBody>
+      </p:sp>
+      <p:sp>
+        <p:nvSpPr>
+          <p:cNvPr id="4" name="TextBox 3"/>
+          <p:cNvSpPr txBox="1"/>
+          <p:nvPr/>
+        </p:nvSpPr>
+        <p:spPr>
+          <a:xfrm>
+            <a:off x="153236" y="972910"/>
+            <a:ext cx="4161070" cy="646331"/>
+          </a:xfrm>
+          <a:prstGeom prst="rect">
+            <a:avLst/>
+          </a:prstGeom>
+          <a:noFill/>
+        </p:spPr>
+        <p:txBody>
+          <a:bodyPr wrap="square" rtlCol="0">
+            <a:spAutoFit/>
+          </a:bodyPr>
+          <a:lstStyle/>
+          <a:p>
+            <a:r>
+              <a:rPr lang="en-US" dirty="0" smtClean="0"/>
+              <a:t>6.RemoteApplicationRunner runs </a:t>
+            </a:r>
+            <a:r>
+              <a:rPr lang="en-US" dirty="0" err="1" smtClean="0"/>
+              <a:t>StreamAppplication</a:t>
+            </a:r>
+            <a:r>
+              <a:rPr lang="en-US" dirty="0" smtClean="0"/>
+              <a:t> </a:t>
+            </a:r>
+            <a:endParaRPr lang="en-US" dirty="0"/>
+          </a:p>
+        </p:txBody>
+      </p:sp>
+      <p:sp>
+        <p:nvSpPr>
+          <p:cNvPr id="5" name="TextBox 4"/>
+          <p:cNvSpPr txBox="1"/>
+          <p:nvPr/>
+        </p:nvSpPr>
+        <p:spPr>
+          <a:xfrm>
+            <a:off x="153235" y="1619241"/>
+            <a:ext cx="3421237" cy="646331"/>
+          </a:xfrm>
+          <a:prstGeom prst="rect">
+            <a:avLst/>
+          </a:prstGeom>
+          <a:noFill/>
+        </p:spPr>
+        <p:txBody>
+          <a:bodyPr wrap="square" rtlCol="0">
+            <a:spAutoFit/>
+          </a:bodyPr>
+          <a:lstStyle/>
+          <a:p>
+            <a:r>
+              <a:rPr lang="en-US" dirty="0" smtClean="0"/>
+              <a:t>(1)Build </a:t>
+            </a:r>
+            <a:r>
+              <a:rPr lang="en-US" dirty="0" err="1" smtClean="0"/>
+              <a:t>ExecutionPlan</a:t>
+            </a:r>
+            <a:r>
+              <a:rPr lang="en-US" dirty="0" smtClean="0"/>
+              <a:t> from the </a:t>
+            </a:r>
+            <a:r>
+              <a:rPr lang="en-US" dirty="0" err="1" smtClean="0"/>
+              <a:t>StreamApplication</a:t>
+            </a:r>
+            <a:r>
+              <a:rPr lang="en-US" dirty="0" smtClean="0"/>
+              <a:t>:</a:t>
+            </a:r>
+          </a:p>
+        </p:txBody>
+      </p:sp>
+      <p:sp>
+        <p:nvSpPr>
+          <p:cNvPr id="6" name="TextBox 5"/>
+          <p:cNvSpPr txBox="1"/>
+          <p:nvPr/>
+        </p:nvSpPr>
+        <p:spPr>
+          <a:xfrm>
+            <a:off x="473876" y="2178935"/>
+            <a:ext cx="4172938" cy="646331"/>
+          </a:xfrm>
+          <a:prstGeom prst="rect">
+            <a:avLst/>
+          </a:prstGeom>
+          <a:noFill/>
+        </p:spPr>
+        <p:txBody>
+          <a:bodyPr wrap="square" rtlCol="0">
+            <a:spAutoFit/>
+          </a:bodyPr>
+          <a:lstStyle/>
+          <a:p>
+            <a:r>
+              <a:rPr lang="en-US" dirty="0" smtClean="0"/>
+              <a:t>b)Pass the </a:t>
+            </a:r>
+            <a:r>
+              <a:rPr lang="en-US" dirty="0" err="1" smtClean="0"/>
+              <a:t>StreamGraph</a:t>
+            </a:r>
+            <a:r>
+              <a:rPr lang="en-US" dirty="0" smtClean="0"/>
+              <a:t> and </a:t>
+            </a:r>
+            <a:r>
+              <a:rPr lang="en-US" dirty="0" err="1" smtClean="0"/>
+              <a:t>Configs</a:t>
+            </a:r>
+            <a:r>
+              <a:rPr lang="en-US" dirty="0" smtClean="0"/>
+              <a:t> to </a:t>
+            </a:r>
+            <a:r>
+              <a:rPr lang="en-US" dirty="0" err="1" smtClean="0"/>
+              <a:t>StreamApplication</a:t>
+            </a:r>
+            <a:r>
+              <a:rPr lang="en-US" dirty="0" smtClean="0"/>
+              <a:t>(</a:t>
+            </a:r>
+            <a:r>
+              <a:rPr lang="en-US" dirty="0" err="1" smtClean="0"/>
+              <a:t>wikipediaApplication</a:t>
+            </a:r>
+            <a:r>
+              <a:rPr lang="en-US" dirty="0" smtClean="0"/>
+              <a:t>)</a:t>
+            </a:r>
+          </a:p>
+        </p:txBody>
+      </p:sp>
+      <p:sp>
+        <p:nvSpPr>
+          <p:cNvPr id="7" name="TextBox 6"/>
+          <p:cNvSpPr txBox="1"/>
+          <p:nvPr/>
+        </p:nvSpPr>
+        <p:spPr>
+          <a:xfrm>
+            <a:off x="473876" y="3325420"/>
+            <a:ext cx="4186968" cy="1477328"/>
+          </a:xfrm>
+          <a:prstGeom prst="rect">
+            <a:avLst/>
+          </a:prstGeom>
+          <a:noFill/>
+        </p:spPr>
+        <p:txBody>
+          <a:bodyPr wrap="square" rtlCol="0">
+            <a:spAutoFit/>
+          </a:bodyPr>
+          <a:lstStyle/>
+          <a:p>
+            <a:r>
+              <a:rPr lang="en-US" dirty="0" smtClean="0"/>
+              <a:t>c)</a:t>
+            </a:r>
+            <a:r>
+              <a:rPr lang="en-US" altLang="zh-CN" dirty="0" smtClean="0"/>
+              <a:t>In </a:t>
+            </a:r>
+            <a:r>
+              <a:rPr lang="en-US" dirty="0" err="1" smtClean="0"/>
+              <a:t>StreamApplication</a:t>
+            </a:r>
+            <a:r>
+              <a:rPr lang="en-US" dirty="0" smtClean="0"/>
+              <a:t>, set up the application logic in </a:t>
+            </a:r>
+            <a:r>
+              <a:rPr lang="en-US" dirty="0" err="1" smtClean="0"/>
+              <a:t>StreamGraph</a:t>
+            </a:r>
+            <a:r>
+              <a:rPr lang="en-US" dirty="0"/>
+              <a:t> </a:t>
+            </a:r>
+            <a:r>
+              <a:rPr lang="en-US" dirty="0" smtClean="0"/>
+              <a:t>(</a:t>
+            </a:r>
+            <a:r>
+              <a:rPr lang="en-US" dirty="0" err="1" smtClean="0"/>
+              <a:t>InputStream</a:t>
+            </a:r>
+            <a:r>
+              <a:rPr lang="en-US" dirty="0" smtClean="0"/>
+              <a:t>, </a:t>
+            </a:r>
+            <a:r>
+              <a:rPr lang="en-US" dirty="0" err="1" smtClean="0"/>
+              <a:t>OutputStream</a:t>
+            </a:r>
+            <a:r>
+              <a:rPr lang="en-US" dirty="0" smtClean="0"/>
+              <a:t>, the intermediate operations of </a:t>
+            </a:r>
+            <a:r>
+              <a:rPr lang="en-US" dirty="0" err="1" smtClean="0"/>
+              <a:t>MessageStreams</a:t>
+            </a:r>
+            <a:r>
+              <a:rPr lang="en-US" dirty="0" smtClean="0"/>
+              <a:t>)</a:t>
+            </a:r>
+            <a:endParaRPr lang="en-US" dirty="0"/>
+          </a:p>
+        </p:txBody>
+      </p:sp>
+      <p:sp>
+        <p:nvSpPr>
+          <p:cNvPr id="8" name="Rectangle 7"/>
+          <p:cNvSpPr/>
+          <p:nvPr/>
+        </p:nvSpPr>
+        <p:spPr>
+          <a:xfrm>
+            <a:off x="7111539" y="1366909"/>
+            <a:ext cx="2967642" cy="504663"/>
+          </a:xfrm>
+          <a:prstGeom prst="rect">
+            <a:avLst/>
+          </a:prstGeom>
+        </p:spPr>
+        <p:style>
+          <a:lnRef idx="2">
+            <a:schemeClr val="accent1"/>
+          </a:lnRef>
+          <a:fillRef idx="1">
+            <a:schemeClr val="lt1"/>
+          </a:fillRef>
+          <a:effectRef idx="0">
+            <a:schemeClr val="accent1"/>
+          </a:effectRef>
+          <a:fontRef idx="minor">
+            <a:schemeClr val="dk1"/>
+          </a:fontRef>
+        </p:style>
+        <p:txBody>
+          <a:bodyPr rtlCol="0" anchor="ctr"/>
+          <a:lstStyle/>
+          <a:p>
+            <a:pPr algn="ctr"/>
             <a:endParaRPr lang="en-US"/>
+          </a:p>
+        </p:txBody>
+      </p:sp>
+      <p:sp>
+        <p:nvSpPr>
+          <p:cNvPr id="9" name="TextBox 8"/>
+          <p:cNvSpPr txBox="1"/>
+          <p:nvPr/>
+        </p:nvSpPr>
+        <p:spPr>
+          <a:xfrm>
+            <a:off x="7257010" y="1409434"/>
+            <a:ext cx="2938549" cy="369332"/>
+          </a:xfrm>
+          <a:prstGeom prst="rect">
+            <a:avLst/>
+          </a:prstGeom>
+          <a:noFill/>
+        </p:spPr>
+        <p:txBody>
+          <a:bodyPr wrap="square" rtlCol="0">
+            <a:spAutoFit/>
+          </a:bodyPr>
+          <a:lstStyle/>
+          <a:p>
+            <a:r>
+              <a:rPr lang="en-US" dirty="0" err="1" smtClean="0"/>
+              <a:t>RemoteApplicationRunner</a:t>
+            </a:r>
+            <a:endParaRPr lang="en-US" dirty="0"/>
+          </a:p>
+        </p:txBody>
+      </p:sp>
+      <p:sp>
+        <p:nvSpPr>
+          <p:cNvPr id="10" name="Rectangle 9"/>
+          <p:cNvSpPr/>
+          <p:nvPr/>
+        </p:nvSpPr>
+        <p:spPr>
+          <a:xfrm>
+            <a:off x="8760439" y="676144"/>
+            <a:ext cx="2364369" cy="596248"/>
+          </a:xfrm>
+          <a:prstGeom prst="rect">
+            <a:avLst/>
+          </a:prstGeom>
+        </p:spPr>
+        <p:style>
+          <a:lnRef idx="2">
+            <a:schemeClr val="accent1"/>
+          </a:lnRef>
+          <a:fillRef idx="1">
+            <a:schemeClr val="lt1"/>
+          </a:fillRef>
+          <a:effectRef idx="0">
+            <a:schemeClr val="accent1"/>
+          </a:effectRef>
+          <a:fontRef idx="minor">
+            <a:schemeClr val="dk1"/>
+          </a:fontRef>
+        </p:style>
+        <p:txBody>
+          <a:bodyPr rtlCol="0" anchor="ctr"/>
+          <a:lstStyle/>
+          <a:p>
+            <a:pPr algn="ctr"/>
+            <a:endParaRPr lang="en-US" dirty="0"/>
+          </a:p>
+        </p:txBody>
+      </p:sp>
+      <p:sp>
+        <p:nvSpPr>
+          <p:cNvPr id="11" name="TextBox 10"/>
+          <p:cNvSpPr txBox="1"/>
+          <p:nvPr/>
+        </p:nvSpPr>
+        <p:spPr>
+          <a:xfrm>
+            <a:off x="8797245" y="638987"/>
+            <a:ext cx="2327563" cy="646331"/>
+          </a:xfrm>
+          <a:prstGeom prst="rect">
+            <a:avLst/>
+          </a:prstGeom>
+          <a:noFill/>
+        </p:spPr>
+        <p:txBody>
+          <a:bodyPr wrap="square" rtlCol="0">
+            <a:spAutoFit/>
+          </a:bodyPr>
+          <a:lstStyle/>
+          <a:p>
+            <a:pPr algn="ctr"/>
+            <a:r>
+              <a:rPr lang="en-US" altLang="zh-CN" dirty="0" err="1" smtClean="0"/>
+              <a:t>StreamApplication</a:t>
+            </a:r>
+            <a:endParaRPr lang="en-US" altLang="zh-CN" dirty="0" smtClean="0"/>
+          </a:p>
+          <a:p>
+            <a:pPr algn="ctr"/>
+            <a:r>
+              <a:rPr lang="en-US" altLang="zh-CN" dirty="0" smtClean="0"/>
+              <a:t>(</a:t>
+            </a:r>
+            <a:r>
+              <a:rPr lang="en-US" altLang="zh-CN" dirty="0" err="1" smtClean="0"/>
+              <a:t>WikipediaApplication</a:t>
+            </a:r>
+            <a:r>
+              <a:rPr lang="en-US" altLang="zh-CN" dirty="0"/>
+              <a:t>)</a:t>
+            </a:r>
+            <a:endParaRPr lang="en-US" altLang="zh-CN" dirty="0" smtClean="0"/>
+          </a:p>
+        </p:txBody>
+      </p:sp>
+      <p:cxnSp>
+        <p:nvCxnSpPr>
+          <p:cNvPr id="12" name="Straight Arrow Connector 11"/>
+          <p:cNvCxnSpPr>
+            <a:endCxn id="8" idx="0"/>
+          </p:cNvCxnSpPr>
+          <p:nvPr/>
+        </p:nvCxnSpPr>
+        <p:spPr>
+          <a:xfrm>
+            <a:off x="8595360" y="638987"/>
+            <a:ext cx="0" cy="727922"/>
+          </a:xfrm>
+          <a:prstGeom prst="straightConnector1">
+            <a:avLst/>
+          </a:prstGeom>
+          <a:ln>
+            <a:tailEnd type="triangle"/>
+          </a:ln>
+        </p:spPr>
+        <p:style>
+          <a:lnRef idx="1">
+            <a:schemeClr val="accent1"/>
+          </a:lnRef>
+          <a:fillRef idx="0">
+            <a:schemeClr val="accent1"/>
+          </a:fillRef>
+          <a:effectRef idx="0">
+            <a:schemeClr val="accent1"/>
+          </a:effectRef>
+          <a:fontRef idx="minor">
+            <a:schemeClr val="tx1"/>
+          </a:fontRef>
+        </p:style>
+      </p:cxnSp>
+      <p:cxnSp>
+        <p:nvCxnSpPr>
+          <p:cNvPr id="13" name="Straight Arrow Connector 12"/>
+          <p:cNvCxnSpPr>
+            <a:stCxn id="8" idx="2"/>
+            <a:endCxn id="16" idx="0"/>
+          </p:cNvCxnSpPr>
+          <p:nvPr/>
+        </p:nvCxnSpPr>
+        <p:spPr>
+          <a:xfrm>
+            <a:off x="8595360" y="1871572"/>
+            <a:ext cx="4759" cy="509832"/>
+          </a:xfrm>
+          <a:prstGeom prst="straightConnector1">
+            <a:avLst/>
+          </a:prstGeom>
+          <a:ln>
+            <a:tailEnd type="triangle"/>
+          </a:ln>
+        </p:spPr>
+        <p:style>
+          <a:lnRef idx="1">
+            <a:schemeClr val="accent1"/>
+          </a:lnRef>
+          <a:fillRef idx="0">
+            <a:schemeClr val="accent1"/>
+          </a:fillRef>
+          <a:effectRef idx="0">
+            <a:schemeClr val="accent1"/>
+          </a:effectRef>
+          <a:fontRef idx="minor">
+            <a:schemeClr val="tx1"/>
+          </a:fontRef>
+        </p:style>
+      </p:cxnSp>
+      <p:sp>
+        <p:nvSpPr>
+          <p:cNvPr id="14" name="Rectangle 13"/>
+          <p:cNvSpPr/>
+          <p:nvPr/>
+        </p:nvSpPr>
+        <p:spPr>
+          <a:xfrm>
+            <a:off x="7511151" y="2803199"/>
+            <a:ext cx="2177935" cy="409202"/>
+          </a:xfrm>
+          <a:prstGeom prst="rect">
+            <a:avLst/>
+          </a:prstGeom>
+        </p:spPr>
+        <p:style>
+          <a:lnRef idx="2">
+            <a:schemeClr val="accent1"/>
+          </a:lnRef>
+          <a:fillRef idx="1">
+            <a:schemeClr val="lt1"/>
+          </a:fillRef>
+          <a:effectRef idx="0">
+            <a:schemeClr val="accent1"/>
+          </a:effectRef>
+          <a:fontRef idx="minor">
+            <a:schemeClr val="dk1"/>
+          </a:fontRef>
+        </p:style>
+        <p:txBody>
+          <a:bodyPr rtlCol="0" anchor="ctr"/>
+          <a:lstStyle/>
+          <a:p>
+            <a:pPr algn="ctr"/>
+            <a:endParaRPr lang="en-US"/>
+          </a:p>
+        </p:txBody>
+      </p:sp>
+      <p:sp>
+        <p:nvSpPr>
+          <p:cNvPr id="15" name="TextBox 14"/>
+          <p:cNvSpPr txBox="1"/>
+          <p:nvPr/>
+        </p:nvSpPr>
+        <p:spPr>
+          <a:xfrm>
+            <a:off x="7654545" y="2843069"/>
+            <a:ext cx="1891145" cy="369332"/>
+          </a:xfrm>
+          <a:prstGeom prst="rect">
+            <a:avLst/>
+          </a:prstGeom>
+          <a:noFill/>
+        </p:spPr>
+        <p:txBody>
+          <a:bodyPr wrap="square" rtlCol="0">
+            <a:spAutoFit/>
+          </a:bodyPr>
+          <a:lstStyle/>
+          <a:p>
+            <a:r>
+              <a:rPr lang="en-US" dirty="0" err="1" smtClean="0"/>
+              <a:t>StreamGraphImpl</a:t>
+            </a:r>
+            <a:endParaRPr lang="en-US" dirty="0"/>
+          </a:p>
+        </p:txBody>
+      </p:sp>
+      <p:sp>
+        <p:nvSpPr>
+          <p:cNvPr id="16" name="Rectangle 15"/>
+          <p:cNvSpPr/>
+          <p:nvPr/>
+        </p:nvSpPr>
+        <p:spPr>
+          <a:xfrm>
+            <a:off x="7511151" y="2381404"/>
+            <a:ext cx="2177935" cy="421794"/>
+          </a:xfrm>
+          <a:prstGeom prst="rect">
+            <a:avLst/>
+          </a:prstGeom>
+          <a:ln>
+            <a:prstDash val="dash"/>
+          </a:ln>
+        </p:spPr>
+        <p:style>
+          <a:lnRef idx="2">
+            <a:schemeClr val="accent1"/>
+          </a:lnRef>
+          <a:fillRef idx="1">
+            <a:schemeClr val="lt1"/>
+          </a:fillRef>
+          <a:effectRef idx="0">
+            <a:schemeClr val="accent1"/>
+          </a:effectRef>
+          <a:fontRef idx="minor">
+            <a:schemeClr val="dk1"/>
+          </a:fontRef>
+        </p:style>
+        <p:txBody>
+          <a:bodyPr rtlCol="0" anchor="ctr"/>
+          <a:lstStyle/>
+          <a:p>
+            <a:pPr algn="ctr"/>
+            <a:endParaRPr lang="en-US"/>
+          </a:p>
+        </p:txBody>
+      </p:sp>
+      <p:sp>
+        <p:nvSpPr>
+          <p:cNvPr id="17" name="TextBox 16"/>
+          <p:cNvSpPr txBox="1"/>
+          <p:nvPr/>
+        </p:nvSpPr>
+        <p:spPr>
+          <a:xfrm>
+            <a:off x="7858207" y="2433866"/>
+            <a:ext cx="1830879" cy="369332"/>
+          </a:xfrm>
+          <a:prstGeom prst="rect">
+            <a:avLst/>
+          </a:prstGeom>
+          <a:noFill/>
+        </p:spPr>
+        <p:txBody>
+          <a:bodyPr wrap="square" rtlCol="0">
+            <a:spAutoFit/>
+          </a:bodyPr>
+          <a:lstStyle/>
+          <a:p>
+            <a:r>
+              <a:rPr lang="en-US" dirty="0" err="1" smtClean="0"/>
+              <a:t>StreamGraph</a:t>
+            </a:r>
+            <a:endParaRPr lang="en-US" dirty="0"/>
+          </a:p>
+        </p:txBody>
+      </p:sp>
+      <p:sp>
+        <p:nvSpPr>
+          <p:cNvPr id="18" name="TextBox 17"/>
+          <p:cNvSpPr txBox="1"/>
+          <p:nvPr/>
+        </p:nvSpPr>
+        <p:spPr>
+          <a:xfrm>
+            <a:off x="8515431" y="1919266"/>
+            <a:ext cx="516429" cy="369332"/>
+          </a:xfrm>
+          <a:prstGeom prst="rect">
+            <a:avLst/>
+          </a:prstGeom>
+          <a:noFill/>
+        </p:spPr>
+        <p:txBody>
+          <a:bodyPr wrap="square" rtlCol="0">
+            <a:spAutoFit/>
+          </a:bodyPr>
+          <a:lstStyle/>
+          <a:p>
+            <a:r>
+              <a:rPr lang="en-US" dirty="0" smtClean="0"/>
+              <a:t>1a)</a:t>
+            </a:r>
+            <a:endParaRPr lang="en-US" dirty="0"/>
+          </a:p>
+        </p:txBody>
+      </p:sp>
+      <p:cxnSp>
+        <p:nvCxnSpPr>
+          <p:cNvPr id="19" name="Straight Arrow Connector 18"/>
+          <p:cNvCxnSpPr>
+            <a:stCxn id="15" idx="2"/>
+            <a:endCxn id="24" idx="0"/>
+          </p:cNvCxnSpPr>
+          <p:nvPr/>
+        </p:nvCxnSpPr>
+        <p:spPr>
+          <a:xfrm>
+            <a:off x="8600118" y="3212401"/>
+            <a:ext cx="13645" cy="340253"/>
+          </a:xfrm>
+          <a:prstGeom prst="straightConnector1">
+            <a:avLst/>
+          </a:prstGeom>
+          <a:ln>
+            <a:tailEnd type="triangle"/>
+          </a:ln>
+        </p:spPr>
+        <p:style>
+          <a:lnRef idx="1">
+            <a:schemeClr val="accent1"/>
+          </a:lnRef>
+          <a:fillRef idx="0">
+            <a:schemeClr val="accent1"/>
+          </a:fillRef>
+          <a:effectRef idx="0">
+            <a:schemeClr val="accent1"/>
+          </a:effectRef>
+          <a:fontRef idx="minor">
+            <a:schemeClr val="tx1"/>
+          </a:fontRef>
+        </p:style>
+      </p:cxnSp>
+      <p:sp>
+        <p:nvSpPr>
+          <p:cNvPr id="20" name="Rectangle 19"/>
+          <p:cNvSpPr/>
+          <p:nvPr/>
+        </p:nvSpPr>
+        <p:spPr>
+          <a:xfrm>
+            <a:off x="7099071" y="130685"/>
+            <a:ext cx="2967642" cy="504663"/>
+          </a:xfrm>
+          <a:prstGeom prst="rect">
+            <a:avLst/>
+          </a:prstGeom>
+        </p:spPr>
+        <p:style>
+          <a:lnRef idx="2">
+            <a:schemeClr val="accent1"/>
+          </a:lnRef>
+          <a:fillRef idx="1">
+            <a:schemeClr val="lt1"/>
+          </a:fillRef>
+          <a:effectRef idx="0">
+            <a:schemeClr val="accent1"/>
+          </a:effectRef>
+          <a:fontRef idx="minor">
+            <a:schemeClr val="dk1"/>
+          </a:fontRef>
+        </p:style>
+        <p:txBody>
+          <a:bodyPr rtlCol="0" anchor="ctr"/>
+          <a:lstStyle/>
+          <a:p>
+            <a:pPr algn="ctr"/>
+            <a:endParaRPr lang="en-US"/>
+          </a:p>
+        </p:txBody>
+      </p:sp>
+      <p:sp>
+        <p:nvSpPr>
+          <p:cNvPr id="21" name="TextBox 20"/>
+          <p:cNvSpPr txBox="1"/>
+          <p:nvPr/>
+        </p:nvSpPr>
+        <p:spPr>
+          <a:xfrm>
+            <a:off x="7244542" y="173210"/>
+            <a:ext cx="2938549" cy="369332"/>
+          </a:xfrm>
+          <a:prstGeom prst="rect">
+            <a:avLst/>
+          </a:prstGeom>
+          <a:noFill/>
+        </p:spPr>
+        <p:txBody>
+          <a:bodyPr wrap="square" rtlCol="0">
+            <a:spAutoFit/>
+          </a:bodyPr>
+          <a:lstStyle/>
+          <a:p>
+            <a:r>
+              <a:rPr lang="en-US" altLang="zh-CN" dirty="0" err="1" smtClean="0"/>
+              <a:t>ApplicationRunnerMain</a:t>
+            </a:r>
+            <a:endParaRPr lang="en-US" dirty="0"/>
+          </a:p>
+        </p:txBody>
+      </p:sp>
+      <p:sp>
+        <p:nvSpPr>
+          <p:cNvPr id="22" name="TextBox 21"/>
+          <p:cNvSpPr txBox="1"/>
+          <p:nvPr/>
+        </p:nvSpPr>
+        <p:spPr>
+          <a:xfrm>
+            <a:off x="8252173" y="816462"/>
+            <a:ext cx="407324" cy="369332"/>
+          </a:xfrm>
+          <a:prstGeom prst="rect">
+            <a:avLst/>
+          </a:prstGeom>
+          <a:noFill/>
+        </p:spPr>
+        <p:txBody>
+          <a:bodyPr wrap="square" rtlCol="0">
+            <a:spAutoFit/>
+          </a:bodyPr>
+          <a:lstStyle/>
+          <a:p>
+            <a:r>
+              <a:rPr lang="en-US" dirty="0" smtClean="0"/>
+              <a:t>6.</a:t>
+            </a:r>
+            <a:endParaRPr lang="en-US" dirty="0"/>
+          </a:p>
+        </p:txBody>
+      </p:sp>
+      <p:sp>
+        <p:nvSpPr>
+          <p:cNvPr id="23" name="Rectangle 22"/>
+          <p:cNvSpPr/>
+          <p:nvPr/>
+        </p:nvSpPr>
+        <p:spPr>
+          <a:xfrm>
+            <a:off x="7413175" y="3589811"/>
+            <a:ext cx="2364369" cy="596248"/>
+          </a:xfrm>
+          <a:prstGeom prst="rect">
+            <a:avLst/>
+          </a:prstGeom>
+        </p:spPr>
+        <p:style>
+          <a:lnRef idx="2">
+            <a:schemeClr val="accent1"/>
+          </a:lnRef>
+          <a:fillRef idx="1">
+            <a:schemeClr val="lt1"/>
+          </a:fillRef>
+          <a:effectRef idx="0">
+            <a:schemeClr val="accent1"/>
+          </a:effectRef>
+          <a:fontRef idx="minor">
+            <a:schemeClr val="dk1"/>
+          </a:fontRef>
+        </p:style>
+        <p:txBody>
+          <a:bodyPr rtlCol="0" anchor="ctr"/>
+          <a:lstStyle/>
+          <a:p>
+            <a:pPr algn="ctr"/>
+            <a:endParaRPr lang="en-US" dirty="0"/>
+          </a:p>
+        </p:txBody>
+      </p:sp>
+      <p:sp>
+        <p:nvSpPr>
+          <p:cNvPr id="24" name="TextBox 23"/>
+          <p:cNvSpPr txBox="1"/>
+          <p:nvPr/>
+        </p:nvSpPr>
+        <p:spPr>
+          <a:xfrm>
+            <a:off x="7449981" y="3552654"/>
+            <a:ext cx="2327563" cy="646331"/>
+          </a:xfrm>
+          <a:prstGeom prst="rect">
+            <a:avLst/>
+          </a:prstGeom>
+          <a:noFill/>
+        </p:spPr>
+        <p:txBody>
+          <a:bodyPr wrap="square" rtlCol="0">
+            <a:spAutoFit/>
+          </a:bodyPr>
+          <a:lstStyle/>
+          <a:p>
+            <a:pPr algn="ctr"/>
+            <a:r>
+              <a:rPr lang="en-US" altLang="zh-CN" dirty="0" err="1" smtClean="0"/>
+              <a:t>StreamApplication</a:t>
+            </a:r>
+            <a:endParaRPr lang="en-US" altLang="zh-CN" dirty="0" smtClean="0"/>
+          </a:p>
+          <a:p>
+            <a:pPr algn="ctr"/>
+            <a:r>
+              <a:rPr lang="en-US" altLang="zh-CN" dirty="0" smtClean="0"/>
+              <a:t>(</a:t>
+            </a:r>
+            <a:r>
+              <a:rPr lang="en-US" altLang="zh-CN" dirty="0" err="1" smtClean="0"/>
+              <a:t>WikipediaApplication</a:t>
+            </a:r>
+            <a:r>
+              <a:rPr lang="en-US" altLang="zh-CN" dirty="0"/>
+              <a:t>)</a:t>
+            </a:r>
+            <a:endParaRPr lang="en-US" altLang="zh-CN" dirty="0" smtClean="0"/>
+          </a:p>
+        </p:txBody>
+      </p:sp>
+      <p:sp>
+        <p:nvSpPr>
+          <p:cNvPr id="25" name="TextBox 24"/>
+          <p:cNvSpPr txBox="1"/>
+          <p:nvPr/>
+        </p:nvSpPr>
+        <p:spPr>
+          <a:xfrm>
+            <a:off x="8576533" y="3183322"/>
+            <a:ext cx="492816" cy="369332"/>
+          </a:xfrm>
+          <a:prstGeom prst="rect">
+            <a:avLst/>
+          </a:prstGeom>
+          <a:noFill/>
+        </p:spPr>
+        <p:txBody>
+          <a:bodyPr wrap="square" rtlCol="0">
+            <a:spAutoFit/>
+          </a:bodyPr>
+          <a:lstStyle/>
+          <a:p>
+            <a:r>
+              <a:rPr lang="en-US" dirty="0" smtClean="0"/>
+              <a:t>1b)</a:t>
+            </a:r>
+            <a:endParaRPr lang="en-US" dirty="0"/>
+          </a:p>
+        </p:txBody>
+      </p:sp>
+      <p:cxnSp>
+        <p:nvCxnSpPr>
+          <p:cNvPr id="26" name="Elbow Connector 25"/>
+          <p:cNvCxnSpPr>
+            <a:stCxn id="8" idx="1"/>
+            <a:endCxn id="23" idx="1"/>
+          </p:cNvCxnSpPr>
+          <p:nvPr/>
+        </p:nvCxnSpPr>
+        <p:spPr>
+          <a:xfrm rot="10800000" flipH="1" flipV="1">
+            <a:off x="7111539" y="1619241"/>
+            <a:ext cx="301636" cy="2268694"/>
+          </a:xfrm>
+          <a:prstGeom prst="bentConnector3">
+            <a:avLst>
+              <a:gd name="adj1" fmla="val -75787"/>
+            </a:avLst>
+          </a:prstGeom>
+          <a:ln>
+            <a:tailEnd type="triangle"/>
+          </a:ln>
+        </p:spPr>
+        <p:style>
+          <a:lnRef idx="1">
+            <a:schemeClr val="accent1"/>
+          </a:lnRef>
+          <a:fillRef idx="0">
+            <a:schemeClr val="accent1"/>
+          </a:fillRef>
+          <a:effectRef idx="0">
+            <a:schemeClr val="accent1"/>
+          </a:effectRef>
+          <a:fontRef idx="minor">
+            <a:schemeClr val="tx1"/>
+          </a:fontRef>
+        </p:style>
+      </p:cxnSp>
+      <p:sp>
+        <p:nvSpPr>
+          <p:cNvPr id="27" name="TextBox 26"/>
+          <p:cNvSpPr txBox="1"/>
+          <p:nvPr/>
+        </p:nvSpPr>
+        <p:spPr>
+          <a:xfrm>
+            <a:off x="6812753" y="2670799"/>
+            <a:ext cx="492816" cy="369332"/>
+          </a:xfrm>
+          <a:prstGeom prst="rect">
+            <a:avLst/>
+          </a:prstGeom>
+          <a:noFill/>
+        </p:spPr>
+        <p:txBody>
+          <a:bodyPr wrap="square" rtlCol="0">
+            <a:spAutoFit/>
+          </a:bodyPr>
+          <a:lstStyle/>
+          <a:p>
+            <a:r>
+              <a:rPr lang="en-US" dirty="0" smtClean="0"/>
+              <a:t>1b)</a:t>
+            </a:r>
+            <a:endParaRPr lang="en-US" dirty="0"/>
+          </a:p>
+        </p:txBody>
+      </p:sp>
+      <p:sp>
+        <p:nvSpPr>
+          <p:cNvPr id="28" name="Rectangle 27"/>
+          <p:cNvSpPr/>
+          <p:nvPr/>
+        </p:nvSpPr>
+        <p:spPr>
+          <a:xfrm>
+            <a:off x="5868786" y="2592301"/>
+            <a:ext cx="943967" cy="360188"/>
+          </a:xfrm>
+          <a:prstGeom prst="rect">
+            <a:avLst/>
+          </a:prstGeom>
+        </p:spPr>
+        <p:style>
+          <a:lnRef idx="2">
+            <a:schemeClr val="accent1"/>
+          </a:lnRef>
+          <a:fillRef idx="1">
+            <a:schemeClr val="lt1"/>
+          </a:fillRef>
+          <a:effectRef idx="0">
+            <a:schemeClr val="accent1"/>
+          </a:effectRef>
+          <a:fontRef idx="minor">
+            <a:schemeClr val="dk1"/>
+          </a:fontRef>
+        </p:style>
+        <p:txBody>
+          <a:bodyPr rtlCol="0" anchor="ctr"/>
+          <a:lstStyle/>
+          <a:p>
+            <a:pPr algn="ctr"/>
+            <a:endParaRPr lang="en-US" dirty="0"/>
+          </a:p>
+        </p:txBody>
+      </p:sp>
+      <p:sp>
+        <p:nvSpPr>
+          <p:cNvPr id="29" name="TextBox 28"/>
+          <p:cNvSpPr txBox="1"/>
+          <p:nvPr/>
+        </p:nvSpPr>
+        <p:spPr>
+          <a:xfrm>
+            <a:off x="5929354" y="2587729"/>
+            <a:ext cx="883400" cy="369332"/>
+          </a:xfrm>
+          <a:prstGeom prst="rect">
+            <a:avLst/>
+          </a:prstGeom>
+          <a:noFill/>
+        </p:spPr>
+        <p:txBody>
+          <a:bodyPr wrap="square" rtlCol="0">
+            <a:spAutoFit/>
+          </a:bodyPr>
+          <a:lstStyle/>
+          <a:p>
+            <a:r>
+              <a:rPr lang="en-US" dirty="0" err="1" smtClean="0"/>
+              <a:t>configs</a:t>
+            </a:r>
+            <a:endParaRPr lang="en-US" dirty="0"/>
+          </a:p>
+        </p:txBody>
+      </p:sp>
+      <p:cxnSp>
+        <p:nvCxnSpPr>
+          <p:cNvPr id="31" name="Straight Arrow Connector 30"/>
+          <p:cNvCxnSpPr>
+            <a:stCxn id="24" idx="2"/>
+            <a:endCxn id="32" idx="0"/>
+          </p:cNvCxnSpPr>
+          <p:nvPr/>
+        </p:nvCxnSpPr>
+        <p:spPr>
+          <a:xfrm flipH="1">
+            <a:off x="8611985" y="4198985"/>
+            <a:ext cx="1778" cy="340767"/>
+          </a:xfrm>
+          <a:prstGeom prst="straightConnector1">
+            <a:avLst/>
+          </a:prstGeom>
+          <a:ln>
+            <a:tailEnd type="triangle"/>
+          </a:ln>
+        </p:spPr>
+        <p:style>
+          <a:lnRef idx="1">
+            <a:schemeClr val="accent1"/>
+          </a:lnRef>
+          <a:fillRef idx="0">
+            <a:schemeClr val="accent1"/>
+          </a:fillRef>
+          <a:effectRef idx="0">
+            <a:schemeClr val="accent1"/>
+          </a:effectRef>
+          <a:fontRef idx="minor">
+            <a:schemeClr val="tx1"/>
+          </a:fontRef>
+        </p:style>
+      </p:cxnSp>
+      <p:sp>
+        <p:nvSpPr>
+          <p:cNvPr id="32" name="Rectangle 31"/>
+          <p:cNvSpPr/>
+          <p:nvPr/>
+        </p:nvSpPr>
+        <p:spPr>
+          <a:xfrm>
+            <a:off x="5187141" y="4539752"/>
+            <a:ext cx="6849687" cy="1504115"/>
+          </a:xfrm>
+          <a:prstGeom prst="rect">
+            <a:avLst/>
+          </a:prstGeom>
+        </p:spPr>
+        <p:style>
+          <a:lnRef idx="2">
+            <a:schemeClr val="accent1"/>
+          </a:lnRef>
+          <a:fillRef idx="1">
+            <a:schemeClr val="lt1"/>
+          </a:fillRef>
+          <a:effectRef idx="0">
+            <a:schemeClr val="accent1"/>
+          </a:effectRef>
+          <a:fontRef idx="minor">
+            <a:schemeClr val="dk1"/>
+          </a:fontRef>
+        </p:style>
+        <p:txBody>
+          <a:bodyPr rtlCol="0" anchor="ctr"/>
+          <a:lstStyle/>
+          <a:p>
+            <a:pPr algn="ctr"/>
+            <a:endParaRPr lang="en-US"/>
+          </a:p>
+        </p:txBody>
+      </p:sp>
+      <p:sp>
+        <p:nvSpPr>
+          <p:cNvPr id="35" name="TextBox 34"/>
+          <p:cNvSpPr txBox="1"/>
+          <p:nvPr/>
+        </p:nvSpPr>
+        <p:spPr>
+          <a:xfrm>
+            <a:off x="7870912" y="4453240"/>
+            <a:ext cx="2032461" cy="369332"/>
+          </a:xfrm>
+          <a:prstGeom prst="rect">
+            <a:avLst/>
+          </a:prstGeom>
+          <a:noFill/>
+        </p:spPr>
+        <p:txBody>
+          <a:bodyPr wrap="square" rtlCol="0">
+            <a:spAutoFit/>
+          </a:bodyPr>
+          <a:lstStyle/>
+          <a:p>
+            <a:r>
+              <a:rPr lang="en-US" altLang="zh-CN" dirty="0" err="1" smtClean="0"/>
+              <a:t>StreamGraph</a:t>
+            </a:r>
+            <a:endParaRPr lang="en-US" dirty="0"/>
+          </a:p>
+        </p:txBody>
+      </p:sp>
+      <p:sp>
+        <p:nvSpPr>
+          <p:cNvPr id="37" name="Oval 36"/>
+          <p:cNvSpPr/>
+          <p:nvPr/>
+        </p:nvSpPr>
+        <p:spPr>
+          <a:xfrm>
+            <a:off x="7090210" y="5118165"/>
+            <a:ext cx="397535" cy="397535"/>
+          </a:xfrm>
+          <a:prstGeom prst="ellipse">
+            <a:avLst/>
+          </a:prstGeom>
+        </p:spPr>
+        <p:style>
+          <a:lnRef idx="2">
+            <a:schemeClr val="accent1"/>
+          </a:lnRef>
+          <a:fillRef idx="1">
+            <a:schemeClr val="lt1"/>
+          </a:fillRef>
+          <a:effectRef idx="0">
+            <a:schemeClr val="accent1"/>
+          </a:effectRef>
+          <a:fontRef idx="minor">
+            <a:schemeClr val="dk1"/>
+          </a:fontRef>
+        </p:style>
+        <p:txBody>
+          <a:bodyPr rtlCol="0" anchor="ctr"/>
+          <a:lstStyle/>
+          <a:p>
+            <a:pPr algn="ctr"/>
+            <a:r>
+              <a:rPr lang="en-US" dirty="0" smtClean="0"/>
+              <a:t> 	</a:t>
+            </a:r>
+            <a:endParaRPr lang="en-US" dirty="0"/>
+          </a:p>
+        </p:txBody>
+      </p:sp>
+      <p:cxnSp>
+        <p:nvCxnSpPr>
+          <p:cNvPr id="39" name="Straight Arrow Connector 38"/>
+          <p:cNvCxnSpPr>
+            <a:endCxn id="37" idx="1"/>
+          </p:cNvCxnSpPr>
+          <p:nvPr/>
+        </p:nvCxnSpPr>
+        <p:spPr>
+          <a:xfrm>
+            <a:off x="6751767" y="4842128"/>
+            <a:ext cx="396661" cy="334255"/>
+          </a:xfrm>
+          <a:prstGeom prst="straightConnector1">
+            <a:avLst/>
+          </a:prstGeom>
+          <a:ln>
+            <a:tailEnd type="triangle"/>
+          </a:ln>
+        </p:spPr>
+        <p:style>
+          <a:lnRef idx="1">
+            <a:schemeClr val="accent1"/>
+          </a:lnRef>
+          <a:fillRef idx="0">
+            <a:schemeClr val="accent1"/>
+          </a:fillRef>
+          <a:effectRef idx="0">
+            <a:schemeClr val="accent1"/>
+          </a:effectRef>
+          <a:fontRef idx="minor">
+            <a:schemeClr val="tx1"/>
+          </a:fontRef>
+        </p:style>
+      </p:cxnSp>
+      <p:cxnSp>
+        <p:nvCxnSpPr>
+          <p:cNvPr id="49" name="Straight Arrow Connector 48"/>
+          <p:cNvCxnSpPr>
+            <a:endCxn id="37" idx="2"/>
+          </p:cNvCxnSpPr>
+          <p:nvPr/>
+        </p:nvCxnSpPr>
+        <p:spPr>
+          <a:xfrm>
+            <a:off x="6658495" y="5307068"/>
+            <a:ext cx="431715" cy="9865"/>
+          </a:xfrm>
+          <a:prstGeom prst="straightConnector1">
+            <a:avLst/>
+          </a:prstGeom>
+          <a:ln>
+            <a:tailEnd type="triangle"/>
+          </a:ln>
+        </p:spPr>
+        <p:style>
+          <a:lnRef idx="1">
+            <a:schemeClr val="accent1"/>
+          </a:lnRef>
+          <a:fillRef idx="0">
+            <a:schemeClr val="accent1"/>
+          </a:fillRef>
+          <a:effectRef idx="0">
+            <a:schemeClr val="accent1"/>
+          </a:effectRef>
+          <a:fontRef idx="minor">
+            <a:schemeClr val="tx1"/>
+          </a:fontRef>
+        </p:style>
+      </p:cxnSp>
+      <p:cxnSp>
+        <p:nvCxnSpPr>
+          <p:cNvPr id="54" name="Straight Arrow Connector 53"/>
+          <p:cNvCxnSpPr>
+            <a:endCxn id="37" idx="3"/>
+          </p:cNvCxnSpPr>
+          <p:nvPr/>
+        </p:nvCxnSpPr>
+        <p:spPr>
+          <a:xfrm flipV="1">
+            <a:off x="6744643" y="5457482"/>
+            <a:ext cx="403785" cy="244947"/>
+          </a:xfrm>
+          <a:prstGeom prst="straightConnector1">
+            <a:avLst/>
+          </a:prstGeom>
+          <a:ln>
+            <a:tailEnd type="triangle"/>
+          </a:ln>
+        </p:spPr>
+        <p:style>
+          <a:lnRef idx="1">
+            <a:schemeClr val="accent1"/>
+          </a:lnRef>
+          <a:fillRef idx="0">
+            <a:schemeClr val="accent1"/>
+          </a:fillRef>
+          <a:effectRef idx="0">
+            <a:schemeClr val="accent1"/>
+          </a:effectRef>
+          <a:fontRef idx="minor">
+            <a:schemeClr val="tx1"/>
+          </a:fontRef>
+        </p:style>
+      </p:cxnSp>
+      <p:sp>
+        <p:nvSpPr>
+          <p:cNvPr id="74" name="Rectangle 73"/>
+          <p:cNvSpPr/>
+          <p:nvPr/>
+        </p:nvSpPr>
+        <p:spPr>
+          <a:xfrm>
+            <a:off x="5370623" y="4639923"/>
+            <a:ext cx="1374020" cy="369332"/>
+          </a:xfrm>
+          <a:prstGeom prst="rect">
+            <a:avLst/>
+          </a:prstGeom>
+        </p:spPr>
+        <p:style>
+          <a:lnRef idx="2">
+            <a:schemeClr val="accent1"/>
+          </a:lnRef>
+          <a:fillRef idx="1">
+            <a:schemeClr val="lt1"/>
+          </a:fillRef>
+          <a:effectRef idx="0">
+            <a:schemeClr val="accent1"/>
+          </a:effectRef>
+          <a:fontRef idx="minor">
+            <a:schemeClr val="dk1"/>
+          </a:fontRef>
+        </p:style>
+        <p:txBody>
+          <a:bodyPr rtlCol="0" anchor="ctr"/>
+          <a:lstStyle/>
+          <a:p>
+            <a:pPr algn="ctr"/>
+            <a:endParaRPr lang="en-US"/>
+          </a:p>
+        </p:txBody>
+      </p:sp>
+      <p:sp>
+        <p:nvSpPr>
+          <p:cNvPr id="57" name="TextBox 56"/>
+          <p:cNvSpPr txBox="1"/>
+          <p:nvPr/>
+        </p:nvSpPr>
+        <p:spPr>
+          <a:xfrm>
+            <a:off x="5370623" y="4639923"/>
+            <a:ext cx="1442130" cy="369332"/>
+          </a:xfrm>
+          <a:prstGeom prst="rect">
+            <a:avLst/>
+          </a:prstGeom>
+          <a:noFill/>
+        </p:spPr>
+        <p:txBody>
+          <a:bodyPr wrap="square" rtlCol="0">
+            <a:spAutoFit/>
+          </a:bodyPr>
+          <a:lstStyle/>
+          <a:p>
+            <a:r>
+              <a:rPr lang="en-US" dirty="0" err="1" smtClean="0"/>
+              <a:t>en-wikipedia</a:t>
+            </a:r>
+            <a:endParaRPr lang="en-US" dirty="0"/>
+          </a:p>
+        </p:txBody>
+      </p:sp>
+      <p:cxnSp>
+        <p:nvCxnSpPr>
+          <p:cNvPr id="63" name="Straight Arrow Connector 62"/>
+          <p:cNvCxnSpPr>
+            <a:stCxn id="37" idx="6"/>
+            <a:endCxn id="102" idx="2"/>
+          </p:cNvCxnSpPr>
+          <p:nvPr/>
+        </p:nvCxnSpPr>
+        <p:spPr>
+          <a:xfrm flipV="1">
+            <a:off x="7487745" y="5304532"/>
+            <a:ext cx="953454" cy="12401"/>
+          </a:xfrm>
+          <a:prstGeom prst="straightConnector1">
+            <a:avLst/>
+          </a:prstGeom>
+          <a:ln>
+            <a:tailEnd type="triangle"/>
+          </a:ln>
+        </p:spPr>
+        <p:style>
+          <a:lnRef idx="1">
+            <a:schemeClr val="accent1"/>
+          </a:lnRef>
+          <a:fillRef idx="0">
+            <a:schemeClr val="accent1"/>
+          </a:fillRef>
+          <a:effectRef idx="0">
+            <a:schemeClr val="accent1"/>
+          </a:effectRef>
+          <a:fontRef idx="minor">
+            <a:schemeClr val="tx1"/>
+          </a:fontRef>
+        </p:style>
+      </p:cxnSp>
+      <p:sp>
+        <p:nvSpPr>
+          <p:cNvPr id="69" name="TextBox 68"/>
+          <p:cNvSpPr txBox="1"/>
+          <p:nvPr/>
+        </p:nvSpPr>
+        <p:spPr>
+          <a:xfrm>
+            <a:off x="6843202" y="4793958"/>
+            <a:ext cx="1089241" cy="369332"/>
+          </a:xfrm>
+          <a:prstGeom prst="rect">
+            <a:avLst/>
+          </a:prstGeom>
+          <a:noFill/>
+        </p:spPr>
+        <p:txBody>
+          <a:bodyPr wrap="square" rtlCol="0">
+            <a:spAutoFit/>
+          </a:bodyPr>
+          <a:lstStyle/>
+          <a:p>
+            <a:r>
+              <a:rPr lang="en-US" dirty="0" err="1" smtClean="0"/>
+              <a:t>mergeAll</a:t>
+            </a:r>
+            <a:endParaRPr lang="en-US" dirty="0"/>
+          </a:p>
+        </p:txBody>
+      </p:sp>
+      <p:sp>
+        <p:nvSpPr>
+          <p:cNvPr id="76" name="Rectangle 75"/>
+          <p:cNvSpPr/>
+          <p:nvPr/>
+        </p:nvSpPr>
+        <p:spPr>
+          <a:xfrm>
+            <a:off x="5347298" y="5072605"/>
+            <a:ext cx="1374020" cy="369332"/>
+          </a:xfrm>
+          <a:prstGeom prst="rect">
+            <a:avLst/>
+          </a:prstGeom>
+        </p:spPr>
+        <p:style>
+          <a:lnRef idx="2">
+            <a:schemeClr val="accent1"/>
+          </a:lnRef>
+          <a:fillRef idx="1">
+            <a:schemeClr val="lt1"/>
+          </a:fillRef>
+          <a:effectRef idx="0">
+            <a:schemeClr val="accent1"/>
+          </a:effectRef>
+          <a:fontRef idx="minor">
+            <a:schemeClr val="dk1"/>
+          </a:fontRef>
+        </p:style>
+        <p:txBody>
+          <a:bodyPr rtlCol="0" anchor="ctr"/>
+          <a:lstStyle/>
+          <a:p>
+            <a:pPr algn="ctr"/>
+            <a:endParaRPr lang="en-US"/>
+          </a:p>
+        </p:txBody>
+      </p:sp>
+      <p:sp>
+        <p:nvSpPr>
+          <p:cNvPr id="58" name="TextBox 57"/>
+          <p:cNvSpPr txBox="1"/>
+          <p:nvPr/>
+        </p:nvSpPr>
+        <p:spPr>
+          <a:xfrm>
+            <a:off x="5278582" y="5057060"/>
+            <a:ext cx="1517155" cy="369332"/>
+          </a:xfrm>
+          <a:prstGeom prst="rect">
+            <a:avLst/>
+          </a:prstGeom>
+          <a:noFill/>
+        </p:spPr>
+        <p:txBody>
+          <a:bodyPr wrap="square" rtlCol="0">
+            <a:spAutoFit/>
+          </a:bodyPr>
+          <a:lstStyle/>
+          <a:p>
+            <a:r>
+              <a:rPr lang="en-US" dirty="0" err="1" smtClean="0"/>
+              <a:t>en-wiktionary</a:t>
+            </a:r>
+            <a:endParaRPr lang="en-US" dirty="0"/>
+          </a:p>
+        </p:txBody>
+      </p:sp>
+      <p:sp>
+        <p:nvSpPr>
+          <p:cNvPr id="77" name="Rectangle 76"/>
+          <p:cNvSpPr/>
+          <p:nvPr/>
+        </p:nvSpPr>
+        <p:spPr>
+          <a:xfrm>
+            <a:off x="5359870" y="5522824"/>
+            <a:ext cx="1374020" cy="369332"/>
+          </a:xfrm>
+          <a:prstGeom prst="rect">
+            <a:avLst/>
+          </a:prstGeom>
+        </p:spPr>
+        <p:style>
+          <a:lnRef idx="2">
+            <a:schemeClr val="accent1"/>
+          </a:lnRef>
+          <a:fillRef idx="1">
+            <a:schemeClr val="lt1"/>
+          </a:fillRef>
+          <a:effectRef idx="0">
+            <a:schemeClr val="accent1"/>
+          </a:effectRef>
+          <a:fontRef idx="minor">
+            <a:schemeClr val="dk1"/>
+          </a:fontRef>
+        </p:style>
+        <p:txBody>
+          <a:bodyPr rtlCol="0" anchor="ctr"/>
+          <a:lstStyle/>
+          <a:p>
+            <a:pPr algn="ctr"/>
+            <a:endParaRPr lang="en-US"/>
+          </a:p>
+        </p:txBody>
+      </p:sp>
+      <p:sp>
+        <p:nvSpPr>
+          <p:cNvPr id="59" name="TextBox 58"/>
+          <p:cNvSpPr txBox="1"/>
+          <p:nvPr/>
+        </p:nvSpPr>
+        <p:spPr>
+          <a:xfrm>
+            <a:off x="5393654" y="5507279"/>
+            <a:ext cx="1517155" cy="369332"/>
+          </a:xfrm>
+          <a:prstGeom prst="rect">
+            <a:avLst/>
+          </a:prstGeom>
+          <a:noFill/>
+        </p:spPr>
+        <p:txBody>
+          <a:bodyPr wrap="square" rtlCol="0">
+            <a:spAutoFit/>
+          </a:bodyPr>
+          <a:lstStyle/>
+          <a:p>
+            <a:r>
+              <a:rPr lang="en-US" dirty="0" err="1" smtClean="0"/>
+              <a:t>en-wikinews</a:t>
+            </a:r>
+            <a:endParaRPr lang="en-US" dirty="0"/>
+          </a:p>
+        </p:txBody>
+      </p:sp>
+      <p:cxnSp>
+        <p:nvCxnSpPr>
+          <p:cNvPr id="79" name="Straight Arrow Connector 78"/>
+          <p:cNvCxnSpPr/>
+          <p:nvPr/>
+        </p:nvCxnSpPr>
+        <p:spPr>
+          <a:xfrm flipV="1">
+            <a:off x="5393654" y="5869393"/>
+            <a:ext cx="535700" cy="381047"/>
+          </a:xfrm>
+          <a:prstGeom prst="straightConnector1">
+            <a:avLst/>
+          </a:prstGeom>
+          <a:ln>
+            <a:solidFill>
+              <a:schemeClr val="tx1"/>
+            </a:solidFill>
+            <a:tailEnd type="triangle"/>
+          </a:ln>
+        </p:spPr>
+        <p:style>
+          <a:lnRef idx="1">
+            <a:schemeClr val="accent1"/>
+          </a:lnRef>
+          <a:fillRef idx="0">
+            <a:schemeClr val="accent1"/>
+          </a:fillRef>
+          <a:effectRef idx="0">
+            <a:schemeClr val="accent1"/>
+          </a:effectRef>
+          <a:fontRef idx="minor">
+            <a:schemeClr val="tx1"/>
+          </a:fontRef>
+        </p:style>
+      </p:cxnSp>
+      <p:sp>
+        <p:nvSpPr>
+          <p:cNvPr id="80" name="TextBox 79"/>
+          <p:cNvSpPr txBox="1"/>
+          <p:nvPr/>
+        </p:nvSpPr>
+        <p:spPr>
+          <a:xfrm>
+            <a:off x="4558733" y="6227677"/>
+            <a:ext cx="1723668" cy="369332"/>
+          </a:xfrm>
+          <a:prstGeom prst="rect">
+            <a:avLst/>
+          </a:prstGeom>
+          <a:noFill/>
+        </p:spPr>
+        <p:txBody>
+          <a:bodyPr wrap="square" rtlCol="0">
+            <a:spAutoFit/>
+          </a:bodyPr>
+          <a:lstStyle/>
+          <a:p>
+            <a:r>
+              <a:rPr lang="en-US" dirty="0" smtClean="0"/>
+              <a:t>Input operator</a:t>
+            </a:r>
+            <a:endParaRPr lang="en-US" dirty="0"/>
+          </a:p>
+        </p:txBody>
+      </p:sp>
+      <p:cxnSp>
+        <p:nvCxnSpPr>
+          <p:cNvPr id="84" name="Straight Arrow Connector 83"/>
+          <p:cNvCxnSpPr/>
+          <p:nvPr/>
+        </p:nvCxnSpPr>
+        <p:spPr>
+          <a:xfrm flipH="1" flipV="1">
+            <a:off x="6921563" y="5646385"/>
+            <a:ext cx="133268" cy="599687"/>
+          </a:xfrm>
+          <a:prstGeom prst="straightConnector1">
+            <a:avLst/>
+          </a:prstGeom>
+          <a:ln>
+            <a:solidFill>
+              <a:schemeClr val="tx1"/>
+            </a:solidFill>
+            <a:tailEnd type="triangle"/>
+          </a:ln>
+        </p:spPr>
+        <p:style>
+          <a:lnRef idx="1">
+            <a:schemeClr val="accent1"/>
+          </a:lnRef>
+          <a:fillRef idx="0">
+            <a:schemeClr val="accent1"/>
+          </a:fillRef>
+          <a:effectRef idx="0">
+            <a:schemeClr val="accent1"/>
+          </a:effectRef>
+          <a:fontRef idx="minor">
+            <a:schemeClr val="tx1"/>
+          </a:fontRef>
+        </p:style>
+      </p:cxnSp>
+      <p:sp>
+        <p:nvSpPr>
+          <p:cNvPr id="90" name="TextBox 89"/>
+          <p:cNvSpPr txBox="1"/>
+          <p:nvPr/>
+        </p:nvSpPr>
+        <p:spPr>
+          <a:xfrm>
+            <a:off x="6227794" y="6234073"/>
+            <a:ext cx="1767487" cy="369332"/>
+          </a:xfrm>
+          <a:prstGeom prst="rect">
+            <a:avLst/>
+          </a:prstGeom>
+          <a:noFill/>
+        </p:spPr>
+        <p:txBody>
+          <a:bodyPr wrap="square" rtlCol="0">
+            <a:spAutoFit/>
+          </a:bodyPr>
+          <a:lstStyle/>
+          <a:p>
+            <a:r>
+              <a:rPr lang="en-US" altLang="zh-CN" dirty="0" err="1" smtClean="0"/>
+              <a:t>MessageStream</a:t>
+            </a:r>
+            <a:endParaRPr lang="en-US" dirty="0"/>
+          </a:p>
+        </p:txBody>
+      </p:sp>
+      <p:sp>
+        <p:nvSpPr>
+          <p:cNvPr id="92" name="TextBox 91"/>
+          <p:cNvSpPr txBox="1"/>
+          <p:nvPr/>
+        </p:nvSpPr>
+        <p:spPr>
+          <a:xfrm>
+            <a:off x="33656" y="4886601"/>
+            <a:ext cx="4542199" cy="1754326"/>
+          </a:xfrm>
+          <a:prstGeom prst="rect">
+            <a:avLst/>
+          </a:prstGeom>
+          <a:noFill/>
+        </p:spPr>
+        <p:txBody>
+          <a:bodyPr wrap="square" rtlCol="0">
+            <a:spAutoFit/>
+          </a:bodyPr>
+          <a:lstStyle/>
+          <a:p>
+            <a:r>
+              <a:rPr lang="en-US" dirty="0" smtClean="0"/>
+              <a:t>In </a:t>
+            </a:r>
+            <a:r>
+              <a:rPr lang="en-US" dirty="0" err="1" smtClean="0"/>
+              <a:t>StreamGraph</a:t>
+            </a:r>
+            <a:r>
+              <a:rPr lang="en-US" dirty="0" smtClean="0"/>
+              <a:t>, there are </a:t>
+            </a:r>
+            <a:r>
+              <a:rPr lang="en-US" dirty="0" err="1" smtClean="0"/>
+              <a:t>OperatorSpec</a:t>
+            </a:r>
+            <a:r>
+              <a:rPr lang="en-US" dirty="0" smtClean="0"/>
+              <a:t> and </a:t>
+            </a:r>
+            <a:r>
+              <a:rPr lang="en-US" dirty="0" err="1" smtClean="0"/>
+              <a:t>MessageStreams</a:t>
+            </a:r>
+            <a:r>
+              <a:rPr lang="en-US" dirty="0" smtClean="0"/>
+              <a:t>(implemented by </a:t>
+            </a:r>
+            <a:r>
+              <a:rPr lang="en-US" dirty="0" err="1" smtClean="0"/>
+              <a:t>MessageStreamImpl</a:t>
+            </a:r>
+            <a:r>
+              <a:rPr lang="en-US" dirty="0" smtClean="0"/>
+              <a:t>):</a:t>
+            </a:r>
+          </a:p>
+          <a:p>
+            <a:r>
+              <a:rPr lang="en-US" dirty="0" err="1" smtClean="0"/>
+              <a:t>OperatorSpecs</a:t>
+            </a:r>
+            <a:r>
+              <a:rPr lang="en-US" dirty="0" smtClean="0"/>
+              <a:t> </a:t>
+            </a:r>
+            <a:r>
+              <a:rPr lang="en-US" dirty="0"/>
+              <a:t>transform </a:t>
+            </a:r>
+            <a:r>
+              <a:rPr lang="en-US" dirty="0" smtClean="0"/>
+              <a:t>messages read from input </a:t>
+            </a:r>
+            <a:r>
+              <a:rPr lang="en-US" dirty="0" err="1" smtClean="0"/>
+              <a:t>MessageStreams</a:t>
+            </a:r>
+            <a:r>
+              <a:rPr lang="en-US" dirty="0"/>
+              <a:t> </a:t>
+            </a:r>
+            <a:r>
+              <a:rPr lang="en-US" dirty="0" smtClean="0"/>
+              <a:t>and produce the output </a:t>
+            </a:r>
+            <a:r>
+              <a:rPr lang="en-US" dirty="0" err="1" smtClean="0"/>
+              <a:t>MessageStreams</a:t>
+            </a:r>
+            <a:endParaRPr lang="en-US" dirty="0"/>
+          </a:p>
+        </p:txBody>
+      </p:sp>
+      <p:cxnSp>
+        <p:nvCxnSpPr>
+          <p:cNvPr id="94" name="Straight Arrow Connector 93"/>
+          <p:cNvCxnSpPr/>
+          <p:nvPr/>
+        </p:nvCxnSpPr>
+        <p:spPr>
+          <a:xfrm flipH="1" flipV="1">
+            <a:off x="7472313" y="5457482"/>
+            <a:ext cx="1238722" cy="899576"/>
+          </a:xfrm>
+          <a:prstGeom prst="straightConnector1">
+            <a:avLst/>
+          </a:prstGeom>
+          <a:ln>
+            <a:solidFill>
+              <a:schemeClr val="tx1"/>
+            </a:solidFill>
+            <a:tailEnd type="triangle"/>
+          </a:ln>
+        </p:spPr>
+        <p:style>
+          <a:lnRef idx="1">
+            <a:schemeClr val="accent1"/>
+          </a:lnRef>
+          <a:fillRef idx="0">
+            <a:schemeClr val="accent1"/>
+          </a:fillRef>
+          <a:effectRef idx="0">
+            <a:schemeClr val="accent1"/>
+          </a:effectRef>
+          <a:fontRef idx="minor">
+            <a:schemeClr val="tx1"/>
+          </a:fontRef>
+        </p:style>
+      </p:cxnSp>
+      <p:sp>
+        <p:nvSpPr>
+          <p:cNvPr id="96" name="TextBox 95"/>
+          <p:cNvSpPr txBox="1"/>
+          <p:nvPr/>
+        </p:nvSpPr>
+        <p:spPr>
+          <a:xfrm>
+            <a:off x="7968249" y="6242458"/>
+            <a:ext cx="1782263" cy="369332"/>
+          </a:xfrm>
+          <a:prstGeom prst="rect">
+            <a:avLst/>
+          </a:prstGeom>
+          <a:noFill/>
+        </p:spPr>
+        <p:txBody>
+          <a:bodyPr wrap="square" rtlCol="0">
+            <a:spAutoFit/>
+          </a:bodyPr>
+          <a:lstStyle/>
+          <a:p>
+            <a:r>
+              <a:rPr lang="en-US" dirty="0" smtClean="0"/>
+              <a:t>Merge operator</a:t>
+            </a:r>
+            <a:endParaRPr lang="en-US" dirty="0"/>
+          </a:p>
+        </p:txBody>
+      </p:sp>
+      <p:cxnSp>
+        <p:nvCxnSpPr>
+          <p:cNvPr id="99" name="Straight Arrow Connector 98"/>
+          <p:cNvCxnSpPr>
+            <a:stCxn id="90" idx="0"/>
+          </p:cNvCxnSpPr>
+          <p:nvPr/>
+        </p:nvCxnSpPr>
+        <p:spPr>
+          <a:xfrm flipV="1">
+            <a:off x="7111538" y="5361881"/>
+            <a:ext cx="874111" cy="872192"/>
+          </a:xfrm>
+          <a:prstGeom prst="straightConnector1">
+            <a:avLst/>
+          </a:prstGeom>
+          <a:ln>
+            <a:solidFill>
+              <a:schemeClr val="tx1"/>
+            </a:solidFill>
+            <a:tailEnd type="triangle"/>
+          </a:ln>
+        </p:spPr>
+        <p:style>
+          <a:lnRef idx="1">
+            <a:schemeClr val="accent1"/>
+          </a:lnRef>
+          <a:fillRef idx="0">
+            <a:schemeClr val="accent1"/>
+          </a:fillRef>
+          <a:effectRef idx="0">
+            <a:schemeClr val="accent1"/>
+          </a:effectRef>
+          <a:fontRef idx="minor">
+            <a:schemeClr val="tx1"/>
+          </a:fontRef>
+        </p:style>
+      </p:cxnSp>
+      <p:sp>
+        <p:nvSpPr>
+          <p:cNvPr id="102" name="Oval 101"/>
+          <p:cNvSpPr/>
+          <p:nvPr/>
+        </p:nvSpPr>
+        <p:spPr>
+          <a:xfrm>
+            <a:off x="8441199" y="5105764"/>
+            <a:ext cx="397535" cy="397535"/>
+          </a:xfrm>
+          <a:prstGeom prst="ellipse">
+            <a:avLst/>
+          </a:prstGeom>
+        </p:spPr>
+        <p:style>
+          <a:lnRef idx="2">
+            <a:schemeClr val="accent1"/>
+          </a:lnRef>
+          <a:fillRef idx="1">
+            <a:schemeClr val="lt1"/>
+          </a:fillRef>
+          <a:effectRef idx="0">
+            <a:schemeClr val="accent1"/>
+          </a:effectRef>
+          <a:fontRef idx="minor">
+            <a:schemeClr val="dk1"/>
+          </a:fontRef>
+        </p:style>
+        <p:txBody>
+          <a:bodyPr rtlCol="0" anchor="ctr"/>
+          <a:lstStyle/>
+          <a:p>
+            <a:pPr algn="ctr"/>
+            <a:r>
+              <a:rPr lang="en-US" dirty="0" smtClean="0"/>
+              <a:t> 	</a:t>
+            </a:r>
+            <a:endParaRPr lang="en-US" dirty="0"/>
+          </a:p>
+        </p:txBody>
+      </p:sp>
+      <p:sp>
+        <p:nvSpPr>
+          <p:cNvPr id="107" name="TextBox 106"/>
+          <p:cNvSpPr txBox="1"/>
+          <p:nvPr/>
+        </p:nvSpPr>
+        <p:spPr>
+          <a:xfrm>
+            <a:off x="8576533" y="4183346"/>
+            <a:ext cx="834655" cy="369332"/>
+          </a:xfrm>
+          <a:prstGeom prst="rect">
+            <a:avLst/>
+          </a:prstGeom>
+          <a:noFill/>
+        </p:spPr>
+        <p:txBody>
+          <a:bodyPr wrap="square" rtlCol="0">
+            <a:spAutoFit/>
+          </a:bodyPr>
+          <a:lstStyle/>
+          <a:p>
+            <a:r>
+              <a:rPr lang="en-US" dirty="0" smtClean="0"/>
+              <a:t>1c)</a:t>
+            </a:r>
+            <a:endParaRPr lang="en-US" dirty="0"/>
+          </a:p>
+        </p:txBody>
+      </p:sp>
+      <p:cxnSp>
+        <p:nvCxnSpPr>
+          <p:cNvPr id="112" name="Straight Arrow Connector 111"/>
+          <p:cNvCxnSpPr>
+            <a:stCxn id="102" idx="6"/>
+          </p:cNvCxnSpPr>
+          <p:nvPr/>
+        </p:nvCxnSpPr>
+        <p:spPr>
+          <a:xfrm>
+            <a:off x="8838734" y="5304532"/>
+            <a:ext cx="938810" cy="0"/>
+          </a:xfrm>
+          <a:prstGeom prst="straightConnector1">
+            <a:avLst/>
+          </a:prstGeom>
+          <a:ln>
+            <a:tailEnd type="triangle"/>
+          </a:ln>
+        </p:spPr>
+        <p:style>
+          <a:lnRef idx="1">
+            <a:schemeClr val="accent1"/>
+          </a:lnRef>
+          <a:fillRef idx="0">
+            <a:schemeClr val="accent1"/>
+          </a:fillRef>
+          <a:effectRef idx="0">
+            <a:schemeClr val="accent1"/>
+          </a:effectRef>
+          <a:fontRef idx="minor">
+            <a:schemeClr val="tx1"/>
+          </a:fontRef>
+        </p:style>
+      </p:cxnSp>
+      <p:sp>
+        <p:nvSpPr>
+          <p:cNvPr id="30" name="TextBox 29"/>
+          <p:cNvSpPr txBox="1"/>
+          <p:nvPr/>
+        </p:nvSpPr>
+        <p:spPr>
+          <a:xfrm>
+            <a:off x="8265375" y="4796292"/>
+            <a:ext cx="891319" cy="369332"/>
+          </a:xfrm>
+          <a:prstGeom prst="rect">
+            <a:avLst/>
+          </a:prstGeom>
+          <a:noFill/>
+        </p:spPr>
+        <p:txBody>
+          <a:bodyPr wrap="square" rtlCol="0">
+            <a:spAutoFit/>
+          </a:bodyPr>
+          <a:lstStyle/>
+          <a:p>
+            <a:r>
+              <a:rPr lang="en-US" dirty="0" smtClean="0"/>
+              <a:t>parser</a:t>
+            </a:r>
+            <a:endParaRPr lang="en-US" dirty="0"/>
           </a:p>
         </p:txBody>
       </p:sp>
@@ -13766,6 +15786,72 @@
           <a:xfrm flipV="1">
             <a:off x="4013200" y="3593260"/>
             <a:ext cx="1159933" cy="72807"/>
+          </a:xfrm>
+          <a:prstGeom prst="straightConnector1">
+            <a:avLst/>
+          </a:prstGeom>
+          <a:ln>
+            <a:tailEnd type="triangle"/>
+          </a:ln>
+        </p:spPr>
+        <p:style>
+          <a:lnRef idx="1">
+            <a:schemeClr val="accent1"/>
+          </a:lnRef>
+          <a:fillRef idx="0">
+            <a:schemeClr val="accent1"/>
+          </a:fillRef>
+          <a:effectRef idx="0">
+            <a:schemeClr val="accent1"/>
+          </a:effectRef>
+          <a:fontRef idx="minor">
+            <a:schemeClr val="tx1"/>
+          </a:fontRef>
+        </p:style>
+      </p:cxnSp>
+      <p:cxnSp>
+        <p:nvCxnSpPr>
+          <p:cNvPr id="9" name="Straight Arrow Connector 8"/>
+          <p:cNvCxnSpPr/>
+          <p:nvPr/>
+        </p:nvCxnSpPr>
+        <p:spPr>
+          <a:xfrm flipH="1">
+            <a:off x="3857105" y="2227811"/>
+            <a:ext cx="4239491" cy="3059084"/>
+          </a:xfrm>
+          <a:prstGeom prst="straightConnector1">
+            <a:avLst/>
+          </a:prstGeom>
+          <a:ln>
+            <a:tailEnd type="triangle"/>
+          </a:ln>
+        </p:spPr>
+        <p:style>
+          <a:lnRef idx="1">
+            <a:schemeClr val="accent1"/>
+          </a:lnRef>
+          <a:fillRef idx="0">
+            <a:schemeClr val="accent1"/>
+          </a:fillRef>
+          <a:effectRef idx="0">
+            <a:schemeClr val="accent1"/>
+          </a:effectRef>
+          <a:fontRef idx="minor">
+            <a:schemeClr val="tx1"/>
+          </a:fontRef>
+        </p:style>
+      </p:cxnSp>
+      <p:cxnSp>
+        <p:nvCxnSpPr>
+          <p:cNvPr id="12" name="Straight Arrow Connector 11"/>
+          <p:cNvCxnSpPr/>
+          <p:nvPr/>
+        </p:nvCxnSpPr>
+        <p:spPr>
+          <a:xfrm flipH="1">
+            <a:off x="7290262" y="2884516"/>
+            <a:ext cx="2269374" cy="2543695"/>
           </a:xfrm>
           <a:prstGeom prst="straightConnector1">
             <a:avLst/>

--- a/Documentation/SamzaStructure.pptx
+++ b/Documentation/SamzaStructure.pptx
@@ -32,9 +32,9 @@
     <p:sldId id="318" r:id="rId23"/>
     <p:sldId id="310" r:id="rId24"/>
     <p:sldId id="319" r:id="rId25"/>
-    <p:sldId id="312" r:id="rId26"/>
-    <p:sldId id="323" r:id="rId27"/>
-    <p:sldId id="324" r:id="rId28"/>
+    <p:sldId id="323" r:id="rId26"/>
+    <p:sldId id="324" r:id="rId27"/>
+    <p:sldId id="312" r:id="rId28"/>
     <p:sldId id="325" r:id="rId29"/>
     <p:sldId id="313" r:id="rId30"/>
     <p:sldId id="326" r:id="rId31"/>
@@ -225,9 +225,9 @@
             <p14:sldId id="318"/>
             <p14:sldId id="310"/>
             <p14:sldId id="319"/>
-            <p14:sldId id="312"/>
             <p14:sldId id="323"/>
             <p14:sldId id="324"/>
+            <p14:sldId id="312"/>
             <p14:sldId id="325"/>
             <p14:sldId id="313"/>
             <p14:sldId id="326"/>
@@ -380,7 +380,7 @@
           <a:p>
             <a:fld id="{B35ADF0B-9749-404D-9A56-8E2BD576143D}" type="datetimeFigureOut">
               <a:rPr lang="en-US" smtClean="0"/>
-              <a:t>2/5/2018</a:t>
+              <a:t>2/6/2018</a:t>
             </a:fld>
             <a:endParaRPr lang="en-US"/>
           </a:p>
@@ -947,7 +947,7 @@
           <a:p>
             <a:fld id="{7D2FF18F-DFC6-48DD-A8FE-22636A2E9C75}" type="datetimeFigureOut">
               <a:rPr lang="en-US" smtClean="0"/>
-              <a:t>2/5/2018</a:t>
+              <a:t>2/6/2018</a:t>
             </a:fld>
             <a:endParaRPr lang="en-US"/>
           </a:p>
@@ -1117,7 +1117,7 @@
           <a:p>
             <a:fld id="{7D2FF18F-DFC6-48DD-A8FE-22636A2E9C75}" type="datetimeFigureOut">
               <a:rPr lang="en-US" smtClean="0"/>
-              <a:t>2/5/2018</a:t>
+              <a:t>2/6/2018</a:t>
             </a:fld>
             <a:endParaRPr lang="en-US"/>
           </a:p>
@@ -1297,7 +1297,7 @@
           <a:p>
             <a:fld id="{7D2FF18F-DFC6-48DD-A8FE-22636A2E9C75}" type="datetimeFigureOut">
               <a:rPr lang="en-US" smtClean="0"/>
-              <a:t>2/5/2018</a:t>
+              <a:t>2/6/2018</a:t>
             </a:fld>
             <a:endParaRPr lang="en-US"/>
           </a:p>
@@ -1467,7 +1467,7 @@
           <a:p>
             <a:fld id="{7D2FF18F-DFC6-48DD-A8FE-22636A2E9C75}" type="datetimeFigureOut">
               <a:rPr lang="en-US" smtClean="0"/>
-              <a:t>2/5/2018</a:t>
+              <a:t>2/6/2018</a:t>
             </a:fld>
             <a:endParaRPr lang="en-US"/>
           </a:p>
@@ -1713,7 +1713,7 @@
           <a:p>
             <a:fld id="{7D2FF18F-DFC6-48DD-A8FE-22636A2E9C75}" type="datetimeFigureOut">
               <a:rPr lang="en-US" smtClean="0"/>
-              <a:t>2/5/2018</a:t>
+              <a:t>2/6/2018</a:t>
             </a:fld>
             <a:endParaRPr lang="en-US"/>
           </a:p>
@@ -1945,7 +1945,7 @@
           <a:p>
             <a:fld id="{7D2FF18F-DFC6-48DD-A8FE-22636A2E9C75}" type="datetimeFigureOut">
               <a:rPr lang="en-US" smtClean="0"/>
-              <a:t>2/5/2018</a:t>
+              <a:t>2/6/2018</a:t>
             </a:fld>
             <a:endParaRPr lang="en-US"/>
           </a:p>
@@ -2312,7 +2312,7 @@
           <a:p>
             <a:fld id="{7D2FF18F-DFC6-48DD-A8FE-22636A2E9C75}" type="datetimeFigureOut">
               <a:rPr lang="en-US" smtClean="0"/>
-              <a:t>2/5/2018</a:t>
+              <a:t>2/6/2018</a:t>
             </a:fld>
             <a:endParaRPr lang="en-US"/>
           </a:p>
@@ -2430,7 +2430,7 @@
           <a:p>
             <a:fld id="{7D2FF18F-DFC6-48DD-A8FE-22636A2E9C75}" type="datetimeFigureOut">
               <a:rPr lang="en-US" smtClean="0"/>
-              <a:t>2/5/2018</a:t>
+              <a:t>2/6/2018</a:t>
             </a:fld>
             <a:endParaRPr lang="en-US"/>
           </a:p>
@@ -2525,7 +2525,7 @@
           <a:p>
             <a:fld id="{7D2FF18F-DFC6-48DD-A8FE-22636A2E9C75}" type="datetimeFigureOut">
               <a:rPr lang="en-US" smtClean="0"/>
-              <a:t>2/5/2018</a:t>
+              <a:t>2/6/2018</a:t>
             </a:fld>
             <a:endParaRPr lang="en-US"/>
           </a:p>
@@ -2802,7 +2802,7 @@
           <a:p>
             <a:fld id="{7D2FF18F-DFC6-48DD-A8FE-22636A2E9C75}" type="datetimeFigureOut">
               <a:rPr lang="en-US" smtClean="0"/>
-              <a:t>2/5/2018</a:t>
+              <a:t>2/6/2018</a:t>
             </a:fld>
             <a:endParaRPr lang="en-US"/>
           </a:p>
@@ -3055,7 +3055,7 @@
           <a:p>
             <a:fld id="{7D2FF18F-DFC6-48DD-A8FE-22636A2E9C75}" type="datetimeFigureOut">
               <a:rPr lang="en-US" smtClean="0"/>
-              <a:t>2/5/2018</a:t>
+              <a:t>2/6/2018</a:t>
             </a:fld>
             <a:endParaRPr lang="en-US"/>
           </a:p>
@@ -3268,7 +3268,7 @@
           <a:p>
             <a:fld id="{7D2FF18F-DFC6-48DD-A8FE-22636A2E9C75}" type="datetimeFigureOut">
               <a:rPr lang="en-US" smtClean="0"/>
-              <a:t>2/5/2018</a:t>
+              <a:t>2/6/2018</a:t>
             </a:fld>
             <a:endParaRPr lang="en-US"/>
           </a:p>
@@ -17740,11 +17740,7 @@
             </a:r>
             <a:r>
               <a:rPr lang="en-US" dirty="0" smtClean="0"/>
-              <a:t>(</a:t>
-            </a:r>
-            <a:r>
-              <a:rPr lang="en-US" dirty="0" smtClean="0"/>
-              <a:t>build by </a:t>
+              <a:t>(build by </a:t>
             </a:r>
             <a:r>
               <a:rPr lang="en-US" dirty="0" err="1" smtClean="0"/>
@@ -17752,15 +17748,7 @@
             </a:r>
             <a:r>
               <a:rPr lang="en-US" dirty="0" smtClean="0"/>
-              <a:t>)</a:t>
-            </a:r>
-            <a:r>
-              <a:rPr lang="en-US" dirty="0" smtClean="0"/>
-              <a:t> </a:t>
-            </a:r>
-            <a:r>
-              <a:rPr lang="en-US" dirty="0" smtClean="0"/>
-              <a:t>and </a:t>
+              <a:t>) and </a:t>
             </a:r>
             <a:r>
               <a:rPr lang="en-US" dirty="0" err="1" smtClean="0"/>
@@ -17778,7 +17766,6 @@
               <a:rPr lang="en-US" dirty="0" smtClean="0"/>
               <a:t>):</a:t>
             </a:r>
-            <a:endParaRPr lang="en-US" dirty="0" smtClean="0"/>
           </a:p>
         </p:txBody>
       </p:sp>
@@ -18530,7 +18517,7 @@
         </p:nvSpPr>
         <p:spPr>
           <a:xfrm>
-            <a:off x="139931" y="135003"/>
+            <a:off x="0" y="-109008"/>
             <a:ext cx="10515600" cy="1325563"/>
           </a:xfrm>
         </p:spPr>
@@ -18539,23 +18526,69 @@
           <a:lstStyle/>
           <a:p>
             <a:r>
-              <a:rPr lang="en-US" dirty="0" err="1"/>
-              <a:t>RemoteApplicationRunner</a:t>
-            </a:r>
-            <a:endParaRPr lang="en-US" dirty="0"/>
-          </a:p>
-        </p:txBody>
-      </p:sp>
-      <p:sp>
-        <p:nvSpPr>
-          <p:cNvPr id="3" name="TextBox 2"/>
+              <a:rPr lang="en-US" altLang="zh-CN" dirty="0" err="1" smtClean="0"/>
+              <a:t>MessageStream</a:t>
+            </a:r>
+            <a:r>
+              <a:rPr lang="en-US" altLang="zh-CN" dirty="0" smtClean="0"/>
+              <a:t> and </a:t>
+            </a:r>
+            <a:r>
+              <a:rPr lang="en-US" altLang="zh-CN" dirty="0" err="1" smtClean="0"/>
+              <a:t>OperatorSpec</a:t>
+            </a:r>
+            <a:endParaRPr lang="en-US" dirty="0"/>
+          </a:p>
+        </p:txBody>
+      </p:sp>
+      <p:sp>
+        <p:nvSpPr>
+          <p:cNvPr id="3" name="Rectangle 2"/>
+          <p:cNvSpPr/>
+          <p:nvPr/>
+        </p:nvSpPr>
+        <p:spPr>
+          <a:xfrm>
+            <a:off x="5242988" y="2816171"/>
+            <a:ext cx="6849687" cy="1504115"/>
+          </a:xfrm>
+          <a:prstGeom prst="rect">
+            <a:avLst/>
+          </a:prstGeom>
+        </p:spPr>
+        <p:style>
+          <a:lnRef idx="2">
+            <a:schemeClr val="accent1"/>
+          </a:lnRef>
+          <a:fillRef idx="1">
+            <a:schemeClr val="lt1"/>
+          </a:fillRef>
+          <a:effectRef idx="0">
+            <a:schemeClr val="accent1"/>
+          </a:effectRef>
+          <a:fontRef idx="minor">
+            <a:schemeClr val="dk1"/>
+          </a:fontRef>
+        </p:style>
+        <p:txBody>
+          <a:bodyPr rtlCol="0" anchor="ctr"/>
+          <a:lstStyle/>
+          <a:p>
+            <a:pPr algn="ctr"/>
+            <a:endParaRPr lang="en-US"/>
+          </a:p>
+        </p:txBody>
+      </p:sp>
+      <p:sp>
+        <p:nvSpPr>
+          <p:cNvPr id="4" name="TextBox 3"/>
           <p:cNvSpPr txBox="1"/>
           <p:nvPr/>
         </p:nvSpPr>
         <p:spPr>
           <a:xfrm>
-            <a:off x="327803" y="1247230"/>
-            <a:ext cx="4161070" cy="646331"/>
+            <a:off x="7931804" y="2729705"/>
+            <a:ext cx="2032461" cy="369332"/>
           </a:xfrm>
           <a:prstGeom prst="rect">
             <a:avLst/>
@@ -18569,31 +18602,208 @@
           <a:lstStyle/>
           <a:p>
             <a:r>
+              <a:rPr lang="en-US" altLang="zh-CN" dirty="0" err="1" smtClean="0"/>
+              <a:t>StreamGraph</a:t>
+            </a:r>
+            <a:endParaRPr lang="en-US" dirty="0"/>
+          </a:p>
+        </p:txBody>
+      </p:sp>
+      <p:sp>
+        <p:nvSpPr>
+          <p:cNvPr id="5" name="Oval 4"/>
+          <p:cNvSpPr/>
+          <p:nvPr/>
+        </p:nvSpPr>
+        <p:spPr>
+          <a:xfrm>
+            <a:off x="7151102" y="3394630"/>
+            <a:ext cx="397535" cy="397535"/>
+          </a:xfrm>
+          <a:prstGeom prst="ellipse">
+            <a:avLst/>
+          </a:prstGeom>
+        </p:spPr>
+        <p:style>
+          <a:lnRef idx="2">
+            <a:schemeClr val="accent1"/>
+          </a:lnRef>
+          <a:fillRef idx="1">
+            <a:schemeClr val="lt1"/>
+          </a:fillRef>
+          <a:effectRef idx="0">
+            <a:schemeClr val="accent1"/>
+          </a:effectRef>
+          <a:fontRef idx="minor">
+            <a:schemeClr val="dk1"/>
+          </a:fontRef>
+        </p:style>
+        <p:txBody>
+          <a:bodyPr rtlCol="0" anchor="ctr"/>
+          <a:lstStyle/>
+          <a:p>
+            <a:pPr algn="ctr"/>
+            <a:r>
               <a:rPr lang="en-US" dirty="0" smtClean="0"/>
-              <a:t>6.RemoteApplicationRunner runs </a:t>
-            </a:r>
-            <a:r>
-              <a:rPr lang="en-US" dirty="0" err="1" smtClean="0"/>
-              <a:t>StreamAppplication</a:t>
-            </a:r>
-            <a:r>
-              <a:rPr lang="en-US" dirty="0" smtClean="0"/>
-              <a:t> </a:t>
-            </a:r>
-            <a:endParaRPr lang="en-US" dirty="0"/>
-          </a:p>
-        </p:txBody>
-      </p:sp>
-      <p:sp>
-        <p:nvSpPr>
-          <p:cNvPr id="4" name="TextBox 3"/>
+              <a:t> 	</a:t>
+            </a:r>
+            <a:endParaRPr lang="en-US" dirty="0"/>
+          </a:p>
+        </p:txBody>
+      </p:sp>
+      <p:cxnSp>
+        <p:nvCxnSpPr>
+          <p:cNvPr id="6" name="Straight Arrow Connector 5"/>
+          <p:cNvCxnSpPr>
+            <a:endCxn id="5" idx="1"/>
+          </p:cNvCxnSpPr>
+          <p:nvPr/>
+        </p:nvCxnSpPr>
+        <p:spPr>
+          <a:xfrm>
+            <a:off x="6812659" y="3118593"/>
+            <a:ext cx="396661" cy="334255"/>
+          </a:xfrm>
+          <a:prstGeom prst="straightConnector1">
+            <a:avLst/>
+          </a:prstGeom>
+          <a:ln>
+            <a:tailEnd type="triangle"/>
+          </a:ln>
+        </p:spPr>
+        <p:style>
+          <a:lnRef idx="1">
+            <a:schemeClr val="accent1"/>
+          </a:lnRef>
+          <a:fillRef idx="0">
+            <a:schemeClr val="accent1"/>
+          </a:fillRef>
+          <a:effectRef idx="0">
+            <a:schemeClr val="accent1"/>
+          </a:effectRef>
+          <a:fontRef idx="minor">
+            <a:schemeClr val="tx1"/>
+          </a:fontRef>
+        </p:style>
+      </p:cxnSp>
+      <p:cxnSp>
+        <p:nvCxnSpPr>
+          <p:cNvPr id="7" name="Straight Arrow Connector 6"/>
+          <p:cNvCxnSpPr>
+            <a:endCxn id="5" idx="2"/>
+          </p:cNvCxnSpPr>
+          <p:nvPr/>
+        </p:nvCxnSpPr>
+        <p:spPr>
+          <a:xfrm>
+            <a:off x="6719387" y="3583533"/>
+            <a:ext cx="431715" cy="9865"/>
+          </a:xfrm>
+          <a:prstGeom prst="straightConnector1">
+            <a:avLst/>
+          </a:prstGeom>
+          <a:ln>
+            <a:tailEnd type="triangle"/>
+          </a:ln>
+        </p:spPr>
+        <p:style>
+          <a:lnRef idx="1">
+            <a:schemeClr val="accent1"/>
+          </a:lnRef>
+          <a:fillRef idx="0">
+            <a:schemeClr val="accent1"/>
+          </a:fillRef>
+          <a:effectRef idx="0">
+            <a:schemeClr val="accent1"/>
+          </a:effectRef>
+          <a:fontRef idx="minor">
+            <a:schemeClr val="tx1"/>
+          </a:fontRef>
+        </p:style>
+      </p:cxnSp>
+      <p:cxnSp>
+        <p:nvCxnSpPr>
+          <p:cNvPr id="8" name="Straight Arrow Connector 7"/>
+          <p:cNvCxnSpPr>
+            <a:endCxn id="5" idx="3"/>
+          </p:cNvCxnSpPr>
+          <p:nvPr/>
+        </p:nvCxnSpPr>
+        <p:spPr>
+          <a:xfrm flipV="1">
+            <a:off x="6805535" y="3733947"/>
+            <a:ext cx="403785" cy="244947"/>
+          </a:xfrm>
+          <a:prstGeom prst="straightConnector1">
+            <a:avLst/>
+          </a:prstGeom>
+          <a:ln>
+            <a:tailEnd type="triangle"/>
+          </a:ln>
+        </p:spPr>
+        <p:style>
+          <a:lnRef idx="1">
+            <a:schemeClr val="accent1"/>
+          </a:lnRef>
+          <a:fillRef idx="0">
+            <a:schemeClr val="accent1"/>
+          </a:fillRef>
+          <a:effectRef idx="0">
+            <a:schemeClr val="accent1"/>
+          </a:effectRef>
+          <a:fontRef idx="minor">
+            <a:schemeClr val="tx1"/>
+          </a:fontRef>
+        </p:style>
+      </p:cxnSp>
+      <p:sp>
+        <p:nvSpPr>
+          <p:cNvPr id="9" name="Rectangle 8"/>
+          <p:cNvSpPr/>
+          <p:nvPr/>
+        </p:nvSpPr>
+        <p:spPr>
+          <a:xfrm>
+            <a:off x="5431515" y="2916388"/>
+            <a:ext cx="1374020" cy="369332"/>
+          </a:xfrm>
+          <a:prstGeom prst="rect">
+            <a:avLst/>
+          </a:prstGeom>
+        </p:spPr>
+        <p:style>
+          <a:lnRef idx="2">
+            <a:schemeClr val="accent1"/>
+          </a:lnRef>
+          <a:fillRef idx="1">
+            <a:schemeClr val="lt1"/>
+          </a:fillRef>
+          <a:effectRef idx="0">
+            <a:schemeClr val="accent1"/>
+          </a:effectRef>
+          <a:fontRef idx="minor">
+            <a:schemeClr val="dk1"/>
+          </a:fontRef>
+        </p:style>
+        <p:txBody>
+          <a:bodyPr rtlCol="0" anchor="ctr"/>
+          <a:lstStyle/>
+          <a:p>
+            <a:pPr algn="ctr"/>
+            <a:endParaRPr lang="en-US"/>
+          </a:p>
+        </p:txBody>
+      </p:sp>
+      <p:sp>
+        <p:nvSpPr>
+          <p:cNvPr id="10" name="TextBox 9"/>
           <p:cNvSpPr txBox="1"/>
           <p:nvPr/>
         </p:nvSpPr>
         <p:spPr>
           <a:xfrm>
-            <a:off x="327802" y="1893561"/>
-            <a:ext cx="3421237" cy="646331"/>
+            <a:off x="5431515" y="2916388"/>
+            <a:ext cx="1442130" cy="369332"/>
           </a:xfrm>
           <a:prstGeom prst="rect">
             <a:avLst/>
@@ -18607,38 +18817,59 @@
           <a:lstStyle/>
           <a:p>
             <a:r>
-              <a:rPr lang="en-US" dirty="0" smtClean="0"/>
-              <a:t>(1)Build </a:t>
-            </a:r>
-            <a:r>
               <a:rPr lang="en-US" dirty="0" err="1" smtClean="0"/>
-              <a:t>ExecutionPlan</a:t>
-            </a:r>
-            <a:r>
-              <a:rPr lang="en-US" dirty="0" smtClean="0"/>
-              <a:t> from the </a:t>
-            </a:r>
-            <a:r>
-              <a:rPr lang="en-US" dirty="0" err="1" smtClean="0"/>
-              <a:t>StreamApplication</a:t>
-            </a:r>
-            <a:r>
-              <a:rPr lang="en-US" dirty="0" smtClean="0"/>
-              <a:t>:</a:t>
-            </a:r>
-          </a:p>
-        </p:txBody>
-      </p:sp>
-      <p:sp>
-        <p:nvSpPr>
-          <p:cNvPr id="6" name="TextBox 5"/>
+              <a:t>en-wikipedia</a:t>
+            </a:r>
+            <a:endParaRPr lang="en-US" dirty="0"/>
+          </a:p>
+        </p:txBody>
+      </p:sp>
+      <p:cxnSp>
+        <p:nvCxnSpPr>
+          <p:cNvPr id="11" name="Straight Arrow Connector 10"/>
+          <p:cNvCxnSpPr>
+            <a:stCxn id="5" idx="6"/>
+            <a:endCxn id="24" idx="2"/>
+          </p:cNvCxnSpPr>
+          <p:nvPr/>
+        </p:nvCxnSpPr>
+        <p:spPr>
+          <a:xfrm flipV="1">
+            <a:off x="7548637" y="3588465"/>
+            <a:ext cx="590155" cy="4933"/>
+          </a:xfrm>
+          <a:prstGeom prst="straightConnector1">
+            <a:avLst/>
+          </a:prstGeom>
+          <a:ln>
+            <a:tailEnd type="triangle"/>
+          </a:ln>
+        </p:spPr>
+        <p:style>
+          <a:lnRef idx="1">
+            <a:schemeClr val="accent1"/>
+          </a:lnRef>
+          <a:fillRef idx="0">
+            <a:schemeClr val="accent1"/>
+          </a:fillRef>
+          <a:effectRef idx="0">
+            <a:schemeClr val="accent1"/>
+          </a:effectRef>
+          <a:fontRef idx="minor">
+            <a:schemeClr val="tx1"/>
+          </a:fontRef>
+        </p:style>
+      </p:cxnSp>
+      <p:sp>
+        <p:nvSpPr>
+          <p:cNvPr id="12" name="TextBox 11"/>
           <p:cNvSpPr txBox="1"/>
           <p:nvPr/>
         </p:nvSpPr>
         <p:spPr>
           <a:xfrm>
-            <a:off x="648443" y="2453255"/>
-            <a:ext cx="4172938" cy="646331"/>
+            <a:off x="6904094" y="3070423"/>
+            <a:ext cx="1089241" cy="369332"/>
           </a:xfrm>
           <a:prstGeom prst="rect">
             <a:avLst/>
@@ -18652,47 +18883,960 @@
           <a:lstStyle/>
           <a:p>
             <a:r>
+              <a:rPr lang="en-US" dirty="0" err="1" smtClean="0"/>
+              <a:t>mergeAll</a:t>
+            </a:r>
+            <a:endParaRPr lang="en-US" dirty="0"/>
+          </a:p>
+        </p:txBody>
+      </p:sp>
+      <p:sp>
+        <p:nvSpPr>
+          <p:cNvPr id="13" name="Rectangle 12"/>
+          <p:cNvSpPr/>
+          <p:nvPr/>
+        </p:nvSpPr>
+        <p:spPr>
+          <a:xfrm>
+            <a:off x="5408190" y="3349070"/>
+            <a:ext cx="1374020" cy="369332"/>
+          </a:xfrm>
+          <a:prstGeom prst="rect">
+            <a:avLst/>
+          </a:prstGeom>
+        </p:spPr>
+        <p:style>
+          <a:lnRef idx="2">
+            <a:schemeClr val="accent1"/>
+          </a:lnRef>
+          <a:fillRef idx="1">
+            <a:schemeClr val="lt1"/>
+          </a:fillRef>
+          <a:effectRef idx="0">
+            <a:schemeClr val="accent1"/>
+          </a:effectRef>
+          <a:fontRef idx="minor">
+            <a:schemeClr val="dk1"/>
+          </a:fontRef>
+        </p:style>
+        <p:txBody>
+          <a:bodyPr rtlCol="0" anchor="ctr"/>
+          <a:lstStyle/>
+          <a:p>
+            <a:pPr algn="ctr"/>
+            <a:endParaRPr lang="en-US"/>
+          </a:p>
+        </p:txBody>
+      </p:sp>
+      <p:sp>
+        <p:nvSpPr>
+          <p:cNvPr id="14" name="TextBox 13"/>
+          <p:cNvSpPr txBox="1"/>
+          <p:nvPr/>
+        </p:nvSpPr>
+        <p:spPr>
+          <a:xfrm>
+            <a:off x="5339474" y="3333525"/>
+            <a:ext cx="1517155" cy="369332"/>
+          </a:xfrm>
+          <a:prstGeom prst="rect">
+            <a:avLst/>
+          </a:prstGeom>
+          <a:noFill/>
+        </p:spPr>
+        <p:txBody>
+          <a:bodyPr wrap="square" rtlCol="0">
+            <a:spAutoFit/>
+          </a:bodyPr>
+          <a:lstStyle/>
+          <a:p>
+            <a:r>
+              <a:rPr lang="en-US" dirty="0" err="1" smtClean="0"/>
+              <a:t>en-wiktionary</a:t>
+            </a:r>
+            <a:endParaRPr lang="en-US" dirty="0"/>
+          </a:p>
+        </p:txBody>
+      </p:sp>
+      <p:sp>
+        <p:nvSpPr>
+          <p:cNvPr id="15" name="Rectangle 14"/>
+          <p:cNvSpPr/>
+          <p:nvPr/>
+        </p:nvSpPr>
+        <p:spPr>
+          <a:xfrm>
+            <a:off x="5420762" y="3799289"/>
+            <a:ext cx="1374020" cy="369332"/>
+          </a:xfrm>
+          <a:prstGeom prst="rect">
+            <a:avLst/>
+          </a:prstGeom>
+        </p:spPr>
+        <p:style>
+          <a:lnRef idx="2">
+            <a:schemeClr val="accent1"/>
+          </a:lnRef>
+          <a:fillRef idx="1">
+            <a:schemeClr val="lt1"/>
+          </a:fillRef>
+          <a:effectRef idx="0">
+            <a:schemeClr val="accent1"/>
+          </a:effectRef>
+          <a:fontRef idx="minor">
+            <a:schemeClr val="dk1"/>
+          </a:fontRef>
+        </p:style>
+        <p:txBody>
+          <a:bodyPr rtlCol="0" anchor="ctr"/>
+          <a:lstStyle/>
+          <a:p>
+            <a:pPr algn="ctr"/>
+            <a:endParaRPr lang="en-US"/>
+          </a:p>
+        </p:txBody>
+      </p:sp>
+      <p:sp>
+        <p:nvSpPr>
+          <p:cNvPr id="16" name="TextBox 15"/>
+          <p:cNvSpPr txBox="1"/>
+          <p:nvPr/>
+        </p:nvSpPr>
+        <p:spPr>
+          <a:xfrm>
+            <a:off x="5454546" y="3783744"/>
+            <a:ext cx="1517155" cy="369332"/>
+          </a:xfrm>
+          <a:prstGeom prst="rect">
+            <a:avLst/>
+          </a:prstGeom>
+          <a:noFill/>
+        </p:spPr>
+        <p:txBody>
+          <a:bodyPr wrap="square" rtlCol="0">
+            <a:spAutoFit/>
+          </a:bodyPr>
+          <a:lstStyle/>
+          <a:p>
+            <a:r>
+              <a:rPr lang="en-US" dirty="0" err="1" smtClean="0"/>
+              <a:t>en-wikinews</a:t>
+            </a:r>
+            <a:endParaRPr lang="en-US" dirty="0"/>
+          </a:p>
+        </p:txBody>
+      </p:sp>
+      <p:cxnSp>
+        <p:nvCxnSpPr>
+          <p:cNvPr id="17" name="Straight Arrow Connector 16"/>
+          <p:cNvCxnSpPr/>
+          <p:nvPr/>
+        </p:nvCxnSpPr>
+        <p:spPr>
+          <a:xfrm flipV="1">
+            <a:off x="5454546" y="4145858"/>
+            <a:ext cx="535700" cy="381047"/>
+          </a:xfrm>
+          <a:prstGeom prst="straightConnector1">
+            <a:avLst/>
+          </a:prstGeom>
+          <a:ln>
+            <a:solidFill>
+              <a:schemeClr val="tx1"/>
+            </a:solidFill>
+            <a:tailEnd type="triangle"/>
+          </a:ln>
+        </p:spPr>
+        <p:style>
+          <a:lnRef idx="1">
+            <a:schemeClr val="accent1"/>
+          </a:lnRef>
+          <a:fillRef idx="0">
+            <a:schemeClr val="accent1"/>
+          </a:fillRef>
+          <a:effectRef idx="0">
+            <a:schemeClr val="accent1"/>
+          </a:effectRef>
+          <a:fontRef idx="minor">
+            <a:schemeClr val="tx1"/>
+          </a:fontRef>
+        </p:style>
+      </p:cxnSp>
+      <p:sp>
+        <p:nvSpPr>
+          <p:cNvPr id="18" name="TextBox 17"/>
+          <p:cNvSpPr txBox="1"/>
+          <p:nvPr/>
+        </p:nvSpPr>
+        <p:spPr>
+          <a:xfrm>
+            <a:off x="4619625" y="4504142"/>
+            <a:ext cx="1723668" cy="369332"/>
+          </a:xfrm>
+          <a:prstGeom prst="rect">
+            <a:avLst/>
+          </a:prstGeom>
+          <a:noFill/>
+        </p:spPr>
+        <p:txBody>
+          <a:bodyPr wrap="square" rtlCol="0">
+            <a:spAutoFit/>
+          </a:bodyPr>
+          <a:lstStyle/>
+          <a:p>
+            <a:r>
               <a:rPr lang="en-US" dirty="0" smtClean="0"/>
-              <a:t>b)Pass the </a:t>
+              <a:t>Input operator</a:t>
+            </a:r>
+            <a:endParaRPr lang="en-US" dirty="0"/>
+          </a:p>
+        </p:txBody>
+      </p:sp>
+      <p:cxnSp>
+        <p:nvCxnSpPr>
+          <p:cNvPr id="19" name="Straight Arrow Connector 18"/>
+          <p:cNvCxnSpPr/>
+          <p:nvPr/>
+        </p:nvCxnSpPr>
+        <p:spPr>
+          <a:xfrm flipH="1" flipV="1">
+            <a:off x="6982455" y="3922850"/>
+            <a:ext cx="133268" cy="599687"/>
+          </a:xfrm>
+          <a:prstGeom prst="straightConnector1">
+            <a:avLst/>
+          </a:prstGeom>
+          <a:ln>
+            <a:solidFill>
+              <a:schemeClr val="tx1"/>
+            </a:solidFill>
+            <a:tailEnd type="triangle"/>
+          </a:ln>
+        </p:spPr>
+        <p:style>
+          <a:lnRef idx="1">
+            <a:schemeClr val="accent1"/>
+          </a:lnRef>
+          <a:fillRef idx="0">
+            <a:schemeClr val="accent1"/>
+          </a:fillRef>
+          <a:effectRef idx="0">
+            <a:schemeClr val="accent1"/>
+          </a:effectRef>
+          <a:fontRef idx="minor">
+            <a:schemeClr val="tx1"/>
+          </a:fontRef>
+        </p:style>
+      </p:cxnSp>
+      <p:sp>
+        <p:nvSpPr>
+          <p:cNvPr id="20" name="TextBox 19"/>
+          <p:cNvSpPr txBox="1"/>
+          <p:nvPr/>
+        </p:nvSpPr>
+        <p:spPr>
+          <a:xfrm>
+            <a:off x="6288686" y="4510538"/>
+            <a:ext cx="1767487" cy="369332"/>
+          </a:xfrm>
+          <a:prstGeom prst="rect">
+            <a:avLst/>
+          </a:prstGeom>
+          <a:noFill/>
+        </p:spPr>
+        <p:txBody>
+          <a:bodyPr wrap="square" rtlCol="0">
+            <a:spAutoFit/>
+          </a:bodyPr>
+          <a:lstStyle/>
+          <a:p>
+            <a:r>
+              <a:rPr lang="en-US" altLang="zh-CN" dirty="0" err="1" smtClean="0"/>
+              <a:t>MessageStream</a:t>
+            </a:r>
+            <a:endParaRPr lang="en-US" dirty="0"/>
+          </a:p>
+        </p:txBody>
+      </p:sp>
+      <p:cxnSp>
+        <p:nvCxnSpPr>
+          <p:cNvPr id="21" name="Straight Arrow Connector 20"/>
+          <p:cNvCxnSpPr>
+            <a:stCxn id="22" idx="0"/>
+            <a:endCxn id="5" idx="5"/>
+          </p:cNvCxnSpPr>
+          <p:nvPr/>
+        </p:nvCxnSpPr>
+        <p:spPr>
+          <a:xfrm flipH="1" flipV="1">
+            <a:off x="7490419" y="3733947"/>
+            <a:ext cx="977821" cy="1178630"/>
+          </a:xfrm>
+          <a:prstGeom prst="straightConnector1">
+            <a:avLst/>
+          </a:prstGeom>
+          <a:ln>
+            <a:solidFill>
+              <a:schemeClr val="tx1"/>
+            </a:solidFill>
+            <a:tailEnd type="triangle"/>
+          </a:ln>
+        </p:spPr>
+        <p:style>
+          <a:lnRef idx="1">
+            <a:schemeClr val="accent1"/>
+          </a:lnRef>
+          <a:fillRef idx="0">
+            <a:schemeClr val="accent1"/>
+          </a:fillRef>
+          <a:effectRef idx="0">
+            <a:schemeClr val="accent1"/>
+          </a:effectRef>
+          <a:fontRef idx="minor">
+            <a:schemeClr val="tx1"/>
+          </a:fontRef>
+        </p:style>
+      </p:cxnSp>
+      <p:sp>
+        <p:nvSpPr>
+          <p:cNvPr id="22" name="TextBox 21"/>
+          <p:cNvSpPr txBox="1"/>
+          <p:nvPr/>
+        </p:nvSpPr>
+        <p:spPr>
+          <a:xfrm>
+            <a:off x="7577108" y="4912577"/>
+            <a:ext cx="1782263" cy="369332"/>
+          </a:xfrm>
+          <a:prstGeom prst="rect">
+            <a:avLst/>
+          </a:prstGeom>
+          <a:noFill/>
+        </p:spPr>
+        <p:txBody>
+          <a:bodyPr wrap="square" rtlCol="0">
+            <a:spAutoFit/>
+          </a:bodyPr>
+          <a:lstStyle/>
+          <a:p>
+            <a:r>
+              <a:rPr lang="en-US" dirty="0" smtClean="0"/>
+              <a:t>Merge operator</a:t>
+            </a:r>
+            <a:endParaRPr lang="en-US" dirty="0"/>
+          </a:p>
+        </p:txBody>
+      </p:sp>
+      <p:cxnSp>
+        <p:nvCxnSpPr>
+          <p:cNvPr id="23" name="Straight Arrow Connector 22"/>
+          <p:cNvCxnSpPr>
+            <a:stCxn id="20" idx="0"/>
+          </p:cNvCxnSpPr>
+          <p:nvPr/>
+        </p:nvCxnSpPr>
+        <p:spPr>
+          <a:xfrm flipV="1">
+            <a:off x="7172430" y="3638346"/>
+            <a:ext cx="655429" cy="872192"/>
+          </a:xfrm>
+          <a:prstGeom prst="straightConnector1">
+            <a:avLst/>
+          </a:prstGeom>
+          <a:ln>
+            <a:solidFill>
+              <a:schemeClr val="tx1"/>
+            </a:solidFill>
+            <a:tailEnd type="triangle"/>
+          </a:ln>
+        </p:spPr>
+        <p:style>
+          <a:lnRef idx="1">
+            <a:schemeClr val="accent1"/>
+          </a:lnRef>
+          <a:fillRef idx="0">
+            <a:schemeClr val="accent1"/>
+          </a:fillRef>
+          <a:effectRef idx="0">
+            <a:schemeClr val="accent1"/>
+          </a:effectRef>
+          <a:fontRef idx="minor">
+            <a:schemeClr val="tx1"/>
+          </a:fontRef>
+        </p:style>
+      </p:cxnSp>
+      <p:sp>
+        <p:nvSpPr>
+          <p:cNvPr id="24" name="Oval 23"/>
+          <p:cNvSpPr/>
+          <p:nvPr/>
+        </p:nvSpPr>
+        <p:spPr>
+          <a:xfrm>
+            <a:off x="8138792" y="3389697"/>
+            <a:ext cx="397535" cy="397535"/>
+          </a:xfrm>
+          <a:prstGeom prst="ellipse">
+            <a:avLst/>
+          </a:prstGeom>
+        </p:spPr>
+        <p:style>
+          <a:lnRef idx="2">
+            <a:schemeClr val="accent1"/>
+          </a:lnRef>
+          <a:fillRef idx="1">
+            <a:schemeClr val="lt1"/>
+          </a:fillRef>
+          <a:effectRef idx="0">
+            <a:schemeClr val="accent1"/>
+          </a:effectRef>
+          <a:fontRef idx="minor">
+            <a:schemeClr val="dk1"/>
+          </a:fontRef>
+        </p:style>
+        <p:txBody>
+          <a:bodyPr rtlCol="0" anchor="ctr"/>
+          <a:lstStyle/>
+          <a:p>
+            <a:pPr algn="ctr"/>
+            <a:r>
+              <a:rPr lang="en-US" dirty="0" smtClean="0"/>
+              <a:t> 	</a:t>
+            </a:r>
+            <a:endParaRPr lang="en-US" dirty="0"/>
+          </a:p>
+        </p:txBody>
+      </p:sp>
+      <p:cxnSp>
+        <p:nvCxnSpPr>
+          <p:cNvPr id="25" name="Straight Arrow Connector 24"/>
+          <p:cNvCxnSpPr>
+            <a:stCxn id="24" idx="6"/>
+            <a:endCxn id="27" idx="2"/>
+          </p:cNvCxnSpPr>
+          <p:nvPr/>
+        </p:nvCxnSpPr>
+        <p:spPr>
+          <a:xfrm>
+            <a:off x="8536327" y="3588465"/>
+            <a:ext cx="661225" cy="4788"/>
+          </a:xfrm>
+          <a:prstGeom prst="straightConnector1">
+            <a:avLst/>
+          </a:prstGeom>
+          <a:ln>
+            <a:tailEnd type="triangle"/>
+          </a:ln>
+        </p:spPr>
+        <p:style>
+          <a:lnRef idx="1">
+            <a:schemeClr val="accent1"/>
+          </a:lnRef>
+          <a:fillRef idx="0">
+            <a:schemeClr val="accent1"/>
+          </a:fillRef>
+          <a:effectRef idx="0">
+            <a:schemeClr val="accent1"/>
+          </a:effectRef>
+          <a:fontRef idx="minor">
+            <a:schemeClr val="tx1"/>
+          </a:fontRef>
+        </p:style>
+      </p:cxnSp>
+      <p:sp>
+        <p:nvSpPr>
+          <p:cNvPr id="26" name="TextBox 25"/>
+          <p:cNvSpPr txBox="1"/>
+          <p:nvPr/>
+        </p:nvSpPr>
+        <p:spPr>
+          <a:xfrm>
+            <a:off x="7826628" y="3067296"/>
+            <a:ext cx="1250900" cy="369332"/>
+          </a:xfrm>
+          <a:prstGeom prst="rect">
+            <a:avLst/>
+          </a:prstGeom>
+          <a:noFill/>
+        </p:spPr>
+        <p:txBody>
+          <a:bodyPr wrap="square" rtlCol="0">
+            <a:spAutoFit/>
+          </a:bodyPr>
+          <a:lstStyle/>
+          <a:p>
+            <a:r>
+              <a:rPr lang="en-US" altLang="zh-CN" dirty="0" err="1" smtClean="0"/>
+              <a:t>Wiki</a:t>
             </a:r>
             <a:r>
               <a:rPr lang="en-US" dirty="0" err="1" smtClean="0"/>
-              <a:t>StreamGraph</a:t>
-            </a:r>
+              <a:t>Parser</a:t>
+            </a:r>
+            <a:endParaRPr lang="en-US" dirty="0"/>
+          </a:p>
+        </p:txBody>
+      </p:sp>
+      <p:sp>
+        <p:nvSpPr>
+          <p:cNvPr id="27" name="Oval 26"/>
+          <p:cNvSpPr/>
+          <p:nvPr/>
+        </p:nvSpPr>
+        <p:spPr>
+          <a:xfrm>
+            <a:off x="9197552" y="3391865"/>
+            <a:ext cx="402775" cy="402775"/>
+          </a:xfrm>
+          <a:prstGeom prst="ellipse">
+            <a:avLst/>
+          </a:prstGeom>
+        </p:spPr>
+        <p:style>
+          <a:lnRef idx="2">
+            <a:schemeClr val="accent1"/>
+          </a:lnRef>
+          <a:fillRef idx="1">
+            <a:schemeClr val="lt1"/>
+          </a:fillRef>
+          <a:effectRef idx="0">
+            <a:schemeClr val="accent1"/>
+          </a:effectRef>
+          <a:fontRef idx="minor">
+            <a:schemeClr val="dk1"/>
+          </a:fontRef>
+        </p:style>
+        <p:txBody>
+          <a:bodyPr rtlCol="0" anchor="ctr"/>
+          <a:lstStyle/>
+          <a:p>
+            <a:pPr algn="ctr"/>
+            <a:endParaRPr lang="en-US"/>
+          </a:p>
+        </p:txBody>
+      </p:sp>
+      <p:sp>
+        <p:nvSpPr>
+          <p:cNvPr id="28" name="TextBox 27"/>
+          <p:cNvSpPr txBox="1"/>
+          <p:nvPr/>
+        </p:nvSpPr>
+        <p:spPr>
+          <a:xfrm>
+            <a:off x="8960957" y="3108994"/>
+            <a:ext cx="1039105" cy="369332"/>
+          </a:xfrm>
+          <a:prstGeom prst="rect">
+            <a:avLst/>
+          </a:prstGeom>
+          <a:noFill/>
+        </p:spPr>
+        <p:txBody>
+          <a:bodyPr wrap="square" rtlCol="0">
+            <a:spAutoFit/>
+          </a:bodyPr>
+          <a:lstStyle/>
+          <a:p>
             <a:r>
               <a:rPr lang="en-US" dirty="0" smtClean="0"/>
-              <a:t> and </a:t>
-            </a:r>
+              <a:t>window</a:t>
+            </a:r>
+            <a:endParaRPr lang="en-US" dirty="0"/>
+          </a:p>
+        </p:txBody>
+      </p:sp>
+      <p:sp>
+        <p:nvSpPr>
+          <p:cNvPr id="29" name="Oval 28"/>
+          <p:cNvSpPr/>
+          <p:nvPr/>
+        </p:nvSpPr>
+        <p:spPr>
+          <a:xfrm>
+            <a:off x="10255178" y="3400373"/>
+            <a:ext cx="402775" cy="402775"/>
+          </a:xfrm>
+          <a:prstGeom prst="ellipse">
+            <a:avLst/>
+          </a:prstGeom>
+        </p:spPr>
+        <p:style>
+          <a:lnRef idx="2">
+            <a:schemeClr val="accent1"/>
+          </a:lnRef>
+          <a:fillRef idx="1">
+            <a:schemeClr val="lt1"/>
+          </a:fillRef>
+          <a:effectRef idx="0">
+            <a:schemeClr val="accent1"/>
+          </a:effectRef>
+          <a:fontRef idx="minor">
+            <a:schemeClr val="dk1"/>
+          </a:fontRef>
+        </p:style>
+        <p:txBody>
+          <a:bodyPr rtlCol="0" anchor="ctr"/>
+          <a:lstStyle/>
+          <a:p>
+            <a:pPr algn="ctr"/>
+            <a:endParaRPr lang="en-US"/>
+          </a:p>
+        </p:txBody>
+      </p:sp>
+      <p:cxnSp>
+        <p:nvCxnSpPr>
+          <p:cNvPr id="30" name="Straight Arrow Connector 29"/>
+          <p:cNvCxnSpPr>
+            <a:stCxn id="27" idx="6"/>
+            <a:endCxn id="29" idx="2"/>
+          </p:cNvCxnSpPr>
+          <p:nvPr/>
+        </p:nvCxnSpPr>
+        <p:spPr>
+          <a:xfrm>
+            <a:off x="9600327" y="3593253"/>
+            <a:ext cx="654851" cy="8508"/>
+          </a:xfrm>
+          <a:prstGeom prst="straightConnector1">
+            <a:avLst/>
+          </a:prstGeom>
+          <a:ln>
+            <a:tailEnd type="triangle"/>
+          </a:ln>
+        </p:spPr>
+        <p:style>
+          <a:lnRef idx="1">
+            <a:schemeClr val="accent1"/>
+          </a:lnRef>
+          <a:fillRef idx="0">
+            <a:schemeClr val="accent1"/>
+          </a:fillRef>
+          <a:effectRef idx="0">
+            <a:schemeClr val="accent1"/>
+          </a:effectRef>
+          <a:fontRef idx="minor">
+            <a:schemeClr val="tx1"/>
+          </a:fontRef>
+        </p:style>
+      </p:cxnSp>
+      <p:sp>
+        <p:nvSpPr>
+          <p:cNvPr id="31" name="TextBox 30"/>
+          <p:cNvSpPr txBox="1"/>
+          <p:nvPr/>
+        </p:nvSpPr>
+        <p:spPr>
+          <a:xfrm>
+            <a:off x="10076658" y="2829097"/>
+            <a:ext cx="872067" cy="646331"/>
+          </a:xfrm>
+          <a:prstGeom prst="rect">
+            <a:avLst/>
+          </a:prstGeom>
+          <a:noFill/>
+        </p:spPr>
+        <p:txBody>
+          <a:bodyPr wrap="square" rtlCol="0">
+            <a:spAutoFit/>
+          </a:bodyPr>
+          <a:lstStyle/>
+          <a:p>
             <a:r>
               <a:rPr lang="en-US" dirty="0" err="1" smtClean="0"/>
-              <a:t>Configs</a:t>
+              <a:t>formatOutput</a:t>
+            </a:r>
+            <a:endParaRPr lang="en-US" dirty="0"/>
+          </a:p>
+        </p:txBody>
+      </p:sp>
+      <p:sp>
+        <p:nvSpPr>
+          <p:cNvPr id="32" name="Rectangle 31"/>
+          <p:cNvSpPr/>
+          <p:nvPr/>
+        </p:nvSpPr>
+        <p:spPr>
+          <a:xfrm>
+            <a:off x="11184364" y="3256767"/>
+            <a:ext cx="871609" cy="679157"/>
+          </a:xfrm>
+          <a:prstGeom prst="rect">
+            <a:avLst/>
+          </a:prstGeom>
+        </p:spPr>
+        <p:style>
+          <a:lnRef idx="2">
+            <a:schemeClr val="accent1"/>
+          </a:lnRef>
+          <a:fillRef idx="1">
+            <a:schemeClr val="lt1"/>
+          </a:fillRef>
+          <a:effectRef idx="0">
+            <a:schemeClr val="accent1"/>
+          </a:effectRef>
+          <a:fontRef idx="minor">
+            <a:schemeClr val="dk1"/>
+          </a:fontRef>
+        </p:style>
+        <p:txBody>
+          <a:bodyPr rtlCol="0" anchor="ctr"/>
+          <a:lstStyle/>
+          <a:p>
+            <a:pPr algn="ctr"/>
+            <a:endParaRPr lang="en-US"/>
+          </a:p>
+        </p:txBody>
+      </p:sp>
+      <p:sp>
+        <p:nvSpPr>
+          <p:cNvPr id="33" name="TextBox 32"/>
+          <p:cNvSpPr txBox="1"/>
+          <p:nvPr/>
+        </p:nvSpPr>
+        <p:spPr>
+          <a:xfrm>
+            <a:off x="11158901" y="3281879"/>
+            <a:ext cx="922534" cy="646331"/>
+          </a:xfrm>
+          <a:prstGeom prst="rect">
+            <a:avLst/>
+          </a:prstGeom>
+          <a:noFill/>
+        </p:spPr>
+        <p:txBody>
+          <a:bodyPr wrap="square" rtlCol="0">
+            <a:spAutoFit/>
+          </a:bodyPr>
+          <a:lstStyle/>
+          <a:p>
+            <a:r>
+              <a:rPr lang="en-US" dirty="0" err="1" smtClean="0"/>
+              <a:t>wikipedia</a:t>
             </a:r>
             <a:r>
               <a:rPr lang="en-US" dirty="0" smtClean="0"/>
-              <a:t> to </a:t>
-            </a:r>
-            <a:r>
-              <a:rPr lang="en-US" dirty="0" err="1" smtClean="0"/>
-              <a:t>StreamApplication</a:t>
-            </a:r>
+              <a:t>-stats</a:t>
+            </a:r>
+            <a:endParaRPr lang="en-US" dirty="0"/>
+          </a:p>
+        </p:txBody>
+      </p:sp>
+      <p:cxnSp>
+        <p:nvCxnSpPr>
+          <p:cNvPr id="34" name="Straight Arrow Connector 33"/>
+          <p:cNvCxnSpPr>
+            <a:stCxn id="29" idx="6"/>
+            <a:endCxn id="33" idx="1"/>
+          </p:cNvCxnSpPr>
+          <p:nvPr/>
+        </p:nvCxnSpPr>
+        <p:spPr>
+          <a:xfrm>
+            <a:off x="10657953" y="3601761"/>
+            <a:ext cx="500948" cy="3284"/>
+          </a:xfrm>
+          <a:prstGeom prst="straightConnector1">
+            <a:avLst/>
+          </a:prstGeom>
+          <a:ln>
+            <a:tailEnd type="triangle"/>
+          </a:ln>
+        </p:spPr>
+        <p:style>
+          <a:lnRef idx="1">
+            <a:schemeClr val="accent1"/>
+          </a:lnRef>
+          <a:fillRef idx="0">
+            <a:schemeClr val="accent1"/>
+          </a:fillRef>
+          <a:effectRef idx="0">
+            <a:schemeClr val="accent1"/>
+          </a:effectRef>
+          <a:fontRef idx="minor">
+            <a:schemeClr val="tx1"/>
+          </a:fontRef>
+        </p:style>
+      </p:cxnSp>
+      <p:sp>
+        <p:nvSpPr>
+          <p:cNvPr id="35" name="TextBox 34"/>
+          <p:cNvSpPr txBox="1"/>
+          <p:nvPr/>
+        </p:nvSpPr>
+        <p:spPr>
+          <a:xfrm>
+            <a:off x="8768472" y="4585610"/>
+            <a:ext cx="1486706" cy="369332"/>
+          </a:xfrm>
+          <a:prstGeom prst="rect">
+            <a:avLst/>
+          </a:prstGeom>
+          <a:noFill/>
+        </p:spPr>
+        <p:txBody>
+          <a:bodyPr wrap="square" rtlCol="0">
+            <a:spAutoFit/>
+          </a:bodyPr>
+          <a:lstStyle/>
+          <a:p>
             <a:r>
               <a:rPr lang="en-US" dirty="0" smtClean="0"/>
-              <a:t>(</a:t>
-            </a:r>
-            <a:r>
-              <a:rPr lang="en-US" dirty="0" err="1" smtClean="0"/>
-              <a:t>wikipediaApplication</a:t>
-            </a:r>
+              <a:t>Map operator</a:t>
+            </a:r>
+            <a:endParaRPr lang="en-US" dirty="0"/>
+          </a:p>
+        </p:txBody>
+      </p:sp>
+      <p:cxnSp>
+        <p:nvCxnSpPr>
+          <p:cNvPr id="36" name="Straight Arrow Connector 35"/>
+          <p:cNvCxnSpPr>
+            <a:stCxn id="35" idx="0"/>
+            <a:endCxn id="24" idx="5"/>
+          </p:cNvCxnSpPr>
+          <p:nvPr/>
+        </p:nvCxnSpPr>
+        <p:spPr>
+          <a:xfrm flipH="1" flipV="1">
+            <a:off x="8478109" y="3729014"/>
+            <a:ext cx="1033716" cy="856596"/>
+          </a:xfrm>
+          <a:prstGeom prst="straightConnector1">
+            <a:avLst/>
+          </a:prstGeom>
+          <a:ln>
+            <a:solidFill>
+              <a:schemeClr val="tx1"/>
+            </a:solidFill>
+            <a:tailEnd type="triangle"/>
+          </a:ln>
+        </p:spPr>
+        <p:style>
+          <a:lnRef idx="1">
+            <a:schemeClr val="accent1"/>
+          </a:lnRef>
+          <a:fillRef idx="0">
+            <a:schemeClr val="accent1"/>
+          </a:fillRef>
+          <a:effectRef idx="0">
+            <a:schemeClr val="accent1"/>
+          </a:effectRef>
+          <a:fontRef idx="minor">
+            <a:schemeClr val="tx1"/>
+          </a:fontRef>
+        </p:style>
+      </p:cxnSp>
+      <p:cxnSp>
+        <p:nvCxnSpPr>
+          <p:cNvPr id="37" name="Straight Arrow Connector 36"/>
+          <p:cNvCxnSpPr>
+            <a:stCxn id="35" idx="0"/>
+            <a:endCxn id="29" idx="3"/>
+          </p:cNvCxnSpPr>
+          <p:nvPr/>
+        </p:nvCxnSpPr>
+        <p:spPr>
+          <a:xfrm flipV="1">
+            <a:off x="9511825" y="3744163"/>
+            <a:ext cx="802338" cy="841447"/>
+          </a:xfrm>
+          <a:prstGeom prst="straightConnector1">
+            <a:avLst/>
+          </a:prstGeom>
+          <a:ln>
+            <a:solidFill>
+              <a:schemeClr val="tx1"/>
+            </a:solidFill>
+            <a:tailEnd type="triangle"/>
+          </a:ln>
+        </p:spPr>
+        <p:style>
+          <a:lnRef idx="1">
+            <a:schemeClr val="accent1"/>
+          </a:lnRef>
+          <a:fillRef idx="0">
+            <a:schemeClr val="accent1"/>
+          </a:fillRef>
+          <a:effectRef idx="0">
+            <a:schemeClr val="accent1"/>
+          </a:effectRef>
+          <a:fontRef idx="minor">
+            <a:schemeClr val="tx1"/>
+          </a:fontRef>
+        </p:style>
+      </p:cxnSp>
+      <p:sp>
+        <p:nvSpPr>
+          <p:cNvPr id="38" name="TextBox 37"/>
+          <p:cNvSpPr txBox="1"/>
+          <p:nvPr/>
+        </p:nvSpPr>
+        <p:spPr>
+          <a:xfrm>
+            <a:off x="10234597" y="4912577"/>
+            <a:ext cx="1858078" cy="369332"/>
+          </a:xfrm>
+          <a:prstGeom prst="rect">
+            <a:avLst/>
+          </a:prstGeom>
+          <a:noFill/>
+        </p:spPr>
+        <p:txBody>
+          <a:bodyPr wrap="square" rtlCol="0">
+            <a:spAutoFit/>
+          </a:bodyPr>
+          <a:lstStyle/>
+          <a:p>
             <a:r>
               <a:rPr lang="en-US" dirty="0" smtClean="0"/>
-              <a:t>)</a:t>
-            </a:r>
-          </a:p>
-        </p:txBody>
-      </p:sp>
+              <a:t>Window operator</a:t>
+            </a:r>
+            <a:endParaRPr lang="en-US" dirty="0"/>
+          </a:p>
+        </p:txBody>
+      </p:sp>
+      <p:cxnSp>
+        <p:nvCxnSpPr>
+          <p:cNvPr id="39" name="Straight Arrow Connector 38"/>
+          <p:cNvCxnSpPr>
+            <a:stCxn id="38" idx="0"/>
+            <a:endCxn id="27" idx="5"/>
+          </p:cNvCxnSpPr>
+          <p:nvPr/>
+        </p:nvCxnSpPr>
+        <p:spPr>
+          <a:xfrm flipH="1" flipV="1">
+            <a:off x="9541342" y="3735655"/>
+            <a:ext cx="1622294" cy="1176922"/>
+          </a:xfrm>
+          <a:prstGeom prst="straightConnector1">
+            <a:avLst/>
+          </a:prstGeom>
+          <a:ln>
+            <a:solidFill>
+              <a:schemeClr val="tx1"/>
+            </a:solidFill>
+            <a:tailEnd type="triangle"/>
+          </a:ln>
+        </p:spPr>
+        <p:style>
+          <a:lnRef idx="1">
+            <a:schemeClr val="accent1"/>
+          </a:lnRef>
+          <a:fillRef idx="0">
+            <a:schemeClr val="accent1"/>
+          </a:fillRef>
+          <a:effectRef idx="0">
+            <a:schemeClr val="accent1"/>
+          </a:effectRef>
+          <a:fontRef idx="minor">
+            <a:schemeClr val="tx1"/>
+          </a:fontRef>
+        </p:style>
+      </p:cxnSp>
       <p:pic>
         <p:nvPicPr>
-          <p:cNvPr id="7" name="Picture 6"/>
+          <p:cNvPr id="41" name="Picture 40"/>
           <p:cNvPicPr>
             <a:picLocks noChangeAspect="1"/>
           </p:cNvPicPr>
@@ -18706,17 +19850,109 @@
         </p:blipFill>
         <p:spPr>
           <a:xfrm>
-            <a:off x="4949710" y="1677064"/>
-            <a:ext cx="7218768" cy="2349344"/>
+            <a:off x="4576866" y="1858407"/>
+            <a:ext cx="7572375" cy="685800"/>
           </a:xfrm>
           <a:prstGeom prst="rect">
             <a:avLst/>
           </a:prstGeom>
         </p:spPr>
       </p:pic>
+      <p:sp>
+        <p:nvSpPr>
+          <p:cNvPr id="42" name="TextBox 41"/>
+          <p:cNvSpPr txBox="1"/>
+          <p:nvPr/>
+        </p:nvSpPr>
+        <p:spPr>
+          <a:xfrm>
+            <a:off x="122439" y="861901"/>
+            <a:ext cx="4497186" cy="646331"/>
+          </a:xfrm>
+          <a:prstGeom prst="rect">
+            <a:avLst/>
+          </a:prstGeom>
+          <a:noFill/>
+        </p:spPr>
+        <p:txBody>
+          <a:bodyPr wrap="square" rtlCol="0">
+            <a:spAutoFit/>
+          </a:bodyPr>
+          <a:lstStyle/>
+          <a:p>
+            <a:r>
+              <a:rPr lang="en-US" dirty="0" smtClean="0"/>
+              <a:t>The application defines the logic in the form of </a:t>
+            </a:r>
+            <a:r>
+              <a:rPr lang="en-US" dirty="0" err="1" smtClean="0"/>
+              <a:t>MessageStream</a:t>
+            </a:r>
+            <a:r>
+              <a:rPr lang="en-US" dirty="0" err="1"/>
+              <a:t>s</a:t>
+            </a:r>
+            <a:endParaRPr lang="en-US" dirty="0"/>
+          </a:p>
+        </p:txBody>
+      </p:sp>
+      <p:sp>
+        <p:nvSpPr>
+          <p:cNvPr id="43" name="TextBox 42"/>
+          <p:cNvSpPr txBox="1"/>
+          <p:nvPr/>
+        </p:nvSpPr>
+        <p:spPr>
+          <a:xfrm>
+            <a:off x="131877" y="5704465"/>
+            <a:ext cx="4478309" cy="923330"/>
+          </a:xfrm>
+          <a:prstGeom prst="rect">
+            <a:avLst/>
+          </a:prstGeom>
+          <a:noFill/>
+        </p:spPr>
+        <p:txBody>
+          <a:bodyPr wrap="square" rtlCol="0">
+            <a:spAutoFit/>
+          </a:bodyPr>
+          <a:lstStyle/>
+          <a:p>
+            <a:r>
+              <a:rPr lang="en-US" altLang="zh-CN" dirty="0" smtClean="0"/>
+              <a:t>Each </a:t>
+            </a:r>
+            <a:r>
+              <a:rPr lang="en-US" altLang="zh-CN" dirty="0" err="1" smtClean="0"/>
+              <a:t>MessageStream</a:t>
+            </a:r>
+            <a:r>
+              <a:rPr lang="en-US" altLang="zh-CN" dirty="0" smtClean="0"/>
+              <a:t> is associated with the one </a:t>
+            </a:r>
+            <a:r>
+              <a:rPr lang="en-US" altLang="zh-CN" dirty="0" err="1" smtClean="0"/>
+              <a:t>OperatorSpec</a:t>
+            </a:r>
+            <a:r>
+              <a:rPr lang="en-US" altLang="zh-CN" dirty="0" smtClean="0"/>
+              <a:t> where it comes from and records all </a:t>
+            </a:r>
+            <a:r>
+              <a:rPr lang="en-US" altLang="zh-CN" dirty="0" err="1" smtClean="0"/>
+              <a:t>OperatorSpecs</a:t>
+            </a:r>
+            <a:r>
+              <a:rPr lang="en-US" altLang="zh-CN" dirty="0" smtClean="0"/>
+              <a:t> it goes to.</a:t>
+            </a:r>
+            <a:endParaRPr lang="en-US" dirty="0"/>
+          </a:p>
+        </p:txBody>
+      </p:sp>
       <p:pic>
         <p:nvPicPr>
-          <p:cNvPr id="8" name="Picture 7"/>
+          <p:cNvPr id="46" name="Picture 45"/>
           <p:cNvPicPr>
             <a:picLocks noChangeAspect="1"/>
           </p:cNvPicPr>
@@ -18730,57 +19966,24 @@
         </p:blipFill>
         <p:spPr>
           <a:xfrm>
-            <a:off x="4949710" y="1201598"/>
-            <a:ext cx="5244984" cy="475466"/>
+            <a:off x="2239377" y="1581945"/>
+            <a:ext cx="9953625" cy="200025"/>
           </a:xfrm>
           <a:prstGeom prst="rect">
             <a:avLst/>
           </a:prstGeom>
         </p:spPr>
       </p:pic>
-      <p:cxnSp>
-        <p:nvCxnSpPr>
-          <p:cNvPr id="10" name="Straight Arrow Connector 9"/>
-          <p:cNvCxnSpPr/>
-          <p:nvPr/>
-        </p:nvCxnSpPr>
-        <p:spPr>
-          <a:xfrm flipV="1">
-            <a:off x="4488873" y="1745673"/>
-            <a:ext cx="540327" cy="1030749"/>
-          </a:xfrm>
-          <a:prstGeom prst="straightConnector1">
-            <a:avLst/>
-          </a:prstGeom>
-          <a:ln>
-            <a:tailEnd type="triangle"/>
-          </a:ln>
-        </p:spPr>
-        <p:style>
-          <a:lnRef idx="1">
-            <a:schemeClr val="accent1"/>
-          </a:lnRef>
-          <a:fillRef idx="0">
-            <a:schemeClr val="accent1"/>
-          </a:fillRef>
-          <a:effectRef idx="0">
-            <a:schemeClr val="accent1"/>
-          </a:effectRef>
-          <a:fontRef idx="minor">
-            <a:schemeClr val="tx1"/>
-          </a:fontRef>
-        </p:style>
-      </p:cxnSp>
-      <p:sp>
-        <p:nvSpPr>
-          <p:cNvPr id="13" name="TextBox 12"/>
+      <p:sp>
+        <p:nvSpPr>
+          <p:cNvPr id="52" name="TextBox 51"/>
           <p:cNvSpPr txBox="1"/>
           <p:nvPr/>
         </p:nvSpPr>
         <p:spPr>
           <a:xfrm>
-            <a:off x="648442" y="3099586"/>
-            <a:ext cx="4186968" cy="1477328"/>
+            <a:off x="99303" y="2085768"/>
+            <a:ext cx="4553530" cy="2031325"/>
           </a:xfrm>
           <a:prstGeom prst="rect">
             <a:avLst/>
@@ -18794,24 +19997,70 @@
           <a:lstStyle/>
           <a:p>
             <a:r>
+              <a:rPr lang="en-US" dirty="0"/>
+              <a:t>In </a:t>
+            </a:r>
+            <a:r>
+              <a:rPr lang="en-US" dirty="0" err="1"/>
+              <a:t>StreamGraph</a:t>
+            </a:r>
+            <a:r>
+              <a:rPr lang="en-US" dirty="0"/>
+              <a:t>, there are </a:t>
+            </a:r>
+            <a:r>
+              <a:rPr lang="en-US" dirty="0" err="1"/>
+              <a:t>OperatorSpec</a:t>
+            </a:r>
+            <a:r>
+              <a:rPr lang="en-US" dirty="0"/>
+              <a:t>(build by </a:t>
+            </a:r>
+            <a:r>
+              <a:rPr lang="en-US" dirty="0" err="1"/>
+              <a:t>OperatorSpecs</a:t>
+            </a:r>
+            <a:r>
+              <a:rPr lang="en-US" dirty="0"/>
+              <a:t>) and </a:t>
+            </a:r>
+            <a:r>
+              <a:rPr lang="en-US" dirty="0" err="1"/>
+              <a:t>MessageStreams</a:t>
+            </a:r>
+            <a:r>
+              <a:rPr lang="en-US" dirty="0"/>
+              <a:t>(implemented by </a:t>
+            </a:r>
+            <a:r>
+              <a:rPr lang="en-US" dirty="0" err="1"/>
+              <a:t>MessageStreamImpl</a:t>
+            </a:r>
+            <a:r>
+              <a:rPr lang="en-US" dirty="0"/>
+              <a:t>):</a:t>
+            </a:r>
+          </a:p>
+          <a:p>
+            <a:r>
+              <a:rPr lang="en-US" dirty="0" err="1" smtClean="0"/>
+              <a:t>OperatorSpecs</a:t>
+            </a:r>
+            <a:r>
               <a:rPr lang="en-US" dirty="0" smtClean="0"/>
-              <a:t>c)</a:t>
-            </a:r>
-            <a:r>
-              <a:rPr lang="en-US" altLang="zh-CN" dirty="0" smtClean="0"/>
-              <a:t>In </a:t>
+              <a:t> </a:t>
+            </a:r>
+            <a:r>
+              <a:rPr lang="en-US" dirty="0"/>
+              <a:t>transform </a:t>
+            </a:r>
+            <a:r>
+              <a:rPr lang="en-US" dirty="0" smtClean="0"/>
+              <a:t>messages read from input </a:t>
             </a:r>
             <a:r>
               <a:rPr lang="en-US" dirty="0" err="1" smtClean="0"/>
-              <a:t>StreamApplication</a:t>
-            </a:r>
-            <a:r>
-              <a:rPr lang="en-US" dirty="0" smtClean="0"/>
-              <a:t>, set up the application logic in </a:t>
-            </a:r>
-            <a:r>
-              <a:rPr lang="en-US" dirty="0" err="1" smtClean="0"/>
-              <a:t>StreamGraph</a:t>
+              <a:t>MessageStreams</a:t>
             </a:r>
             <a:r>
               <a:rPr lang="en-US" dirty="0"/>
@@ -18819,334 +20068,111 @@
             </a:r>
             <a:r>
               <a:rPr lang="en-US" dirty="0" smtClean="0"/>
-              <a:t>(</a:t>
-            </a:r>
-            <a:r>
-              <a:rPr lang="en-US" dirty="0" err="1" smtClean="0"/>
-              <a:t>InputStream</a:t>
-            </a:r>
-            <a:r>
-              <a:rPr lang="en-US" dirty="0" smtClean="0"/>
-              <a:t>, </a:t>
-            </a:r>
-            <a:r>
-              <a:rPr lang="en-US" dirty="0" err="1" smtClean="0"/>
-              <a:t>OutputStream</a:t>
-            </a:r>
-            <a:r>
-              <a:rPr lang="en-US" dirty="0" smtClean="0"/>
-              <a:t>, the intermediate transformations of </a:t>
+              <a:t>and produce the output </a:t>
             </a:r>
             <a:r>
               <a:rPr lang="en-US" dirty="0" err="1" smtClean="0"/>
               <a:t>MessageStreams</a:t>
             </a:r>
+            <a:endParaRPr lang="en-US" dirty="0"/>
+          </a:p>
+        </p:txBody>
+      </p:sp>
+      <p:sp>
+        <p:nvSpPr>
+          <p:cNvPr id="54" name="TextBox 53"/>
+          <p:cNvSpPr txBox="1"/>
+          <p:nvPr/>
+        </p:nvSpPr>
+        <p:spPr>
+          <a:xfrm>
+            <a:off x="99303" y="4199371"/>
+            <a:ext cx="4083801" cy="646331"/>
+          </a:xfrm>
+          <a:prstGeom prst="rect">
+            <a:avLst/>
+          </a:prstGeom>
+          <a:noFill/>
+        </p:spPr>
+        <p:txBody>
+          <a:bodyPr wrap="square" rtlCol="0">
+            <a:spAutoFit/>
+          </a:bodyPr>
+          <a:lstStyle/>
+          <a:p>
+            <a:r>
+              <a:rPr lang="en-US" altLang="zh-CN" dirty="0" smtClean="0"/>
+              <a:t>The </a:t>
+            </a:r>
+            <a:r>
+              <a:rPr lang="en-US" altLang="zh-CN" dirty="0" err="1" smtClean="0"/>
+              <a:t>MessageStream</a:t>
+            </a:r>
+            <a:r>
+              <a:rPr lang="en-US" altLang="zh-CN" dirty="0" smtClean="0"/>
+              <a:t> and </a:t>
+            </a:r>
+            <a:r>
+              <a:rPr lang="en-US" altLang="zh-CN" dirty="0" err="1" smtClean="0"/>
+              <a:t>OperatorSpec</a:t>
+            </a:r>
+            <a:r>
+              <a:rPr lang="en-US" altLang="zh-CN" dirty="0" smtClean="0"/>
+              <a:t> both are template class. </a:t>
+            </a:r>
+            <a:endParaRPr lang="en-US" dirty="0"/>
+          </a:p>
+        </p:txBody>
+      </p:sp>
+      <p:sp>
+        <p:nvSpPr>
+          <p:cNvPr id="55" name="TextBox 54"/>
+          <p:cNvSpPr txBox="1"/>
+          <p:nvPr/>
+        </p:nvSpPr>
+        <p:spPr>
+          <a:xfrm>
+            <a:off x="122439" y="4910779"/>
+            <a:ext cx="4109588" cy="646331"/>
+          </a:xfrm>
+          <a:prstGeom prst="rect">
+            <a:avLst/>
+          </a:prstGeom>
+          <a:noFill/>
+        </p:spPr>
+        <p:txBody>
+          <a:bodyPr wrap="square" rtlCol="0">
+            <a:spAutoFit/>
+          </a:bodyPr>
+          <a:lstStyle/>
+          <a:p>
             <a:r>
               <a:rPr lang="en-US" dirty="0" smtClean="0"/>
+              <a:t>Some </a:t>
+            </a:r>
+            <a:r>
+              <a:rPr lang="en-US" dirty="0" err="1" smtClean="0"/>
+              <a:t>OperatorSpec</a:t>
+            </a:r>
+            <a:r>
+              <a:rPr lang="en-US" dirty="0" smtClean="0"/>
+              <a:t> will run application-defined functions (map, </a:t>
+            </a:r>
+            <a:r>
+              <a:rPr lang="en-US" dirty="0" err="1" smtClean="0"/>
+              <a:t>flatMap</a:t>
+            </a:r>
+            <a:r>
+              <a:rPr lang="en-US" dirty="0"/>
               <a:t>)</a:t>
             </a:r>
-            <a:endParaRPr lang="en-US" dirty="0"/>
-          </a:p>
-        </p:txBody>
-      </p:sp>
-      <p:cxnSp>
-        <p:nvCxnSpPr>
-          <p:cNvPr id="15" name="Straight Arrow Connector 14"/>
-          <p:cNvCxnSpPr/>
-          <p:nvPr/>
-        </p:nvCxnSpPr>
-        <p:spPr>
-          <a:xfrm flipV="1">
-            <a:off x="4013200" y="2319252"/>
-            <a:ext cx="1090815" cy="1274008"/>
-          </a:xfrm>
-          <a:prstGeom prst="straightConnector1">
-            <a:avLst/>
-          </a:prstGeom>
-          <a:ln>
-            <a:tailEnd type="triangle"/>
-          </a:ln>
-        </p:spPr>
-        <p:style>
-          <a:lnRef idx="1">
-            <a:schemeClr val="accent1"/>
-          </a:lnRef>
-          <a:fillRef idx="0">
-            <a:schemeClr val="accent1"/>
-          </a:fillRef>
-          <a:effectRef idx="0">
-            <a:schemeClr val="accent1"/>
-          </a:effectRef>
-          <a:fontRef idx="minor">
-            <a:schemeClr val="tx1"/>
-          </a:fontRef>
-        </p:style>
-      </p:cxnSp>
-      <p:pic>
-        <p:nvPicPr>
-          <p:cNvPr id="17" name="Picture 16"/>
-          <p:cNvPicPr>
-            <a:picLocks noChangeAspect="1"/>
-          </p:cNvPicPr>
-          <p:nvPr/>
-        </p:nvPicPr>
-        <p:blipFill>
-          <a:blip r:embed="rId4"/>
-          <a:stretch>
-            <a:fillRect/>
-          </a:stretch>
-        </p:blipFill>
-        <p:spPr>
-          <a:xfrm>
-            <a:off x="427125" y="5223245"/>
-            <a:ext cx="4670367" cy="1421905"/>
-          </a:xfrm>
-          <a:prstGeom prst="rect">
-            <a:avLst/>
-          </a:prstGeom>
-        </p:spPr>
-      </p:pic>
-      <p:pic>
-        <p:nvPicPr>
-          <p:cNvPr id="18" name="Picture 17"/>
-          <p:cNvPicPr>
-            <a:picLocks noChangeAspect="1"/>
-          </p:cNvPicPr>
-          <p:nvPr/>
-        </p:nvPicPr>
-        <p:blipFill>
-          <a:blip r:embed="rId5"/>
-          <a:stretch>
-            <a:fillRect/>
-          </a:stretch>
-        </p:blipFill>
-        <p:spPr>
-          <a:xfrm>
-            <a:off x="9222137" y="1414427"/>
-            <a:ext cx="2495320" cy="685298"/>
-          </a:xfrm>
-          <a:prstGeom prst="rect">
-            <a:avLst/>
-          </a:prstGeom>
-        </p:spPr>
-      </p:pic>
-      <p:pic>
-        <p:nvPicPr>
-          <p:cNvPr id="20" name="Picture 19"/>
-          <p:cNvPicPr>
-            <a:picLocks noChangeAspect="1"/>
-          </p:cNvPicPr>
-          <p:nvPr/>
-        </p:nvPicPr>
-        <p:blipFill>
-          <a:blip r:embed="rId6"/>
-          <a:stretch>
-            <a:fillRect/>
-          </a:stretch>
-        </p:blipFill>
-        <p:spPr>
-          <a:xfrm>
-            <a:off x="5394267" y="5223245"/>
-            <a:ext cx="4355869" cy="1455537"/>
-          </a:xfrm>
-          <a:prstGeom prst="rect">
-            <a:avLst/>
-          </a:prstGeom>
-        </p:spPr>
-      </p:pic>
-      <p:pic>
-        <p:nvPicPr>
-          <p:cNvPr id="21" name="Picture 20"/>
-          <p:cNvPicPr>
-            <a:picLocks noChangeAspect="1"/>
-          </p:cNvPicPr>
-          <p:nvPr/>
-        </p:nvPicPr>
-        <p:blipFill>
-          <a:blip r:embed="rId7"/>
-          <a:stretch>
-            <a:fillRect/>
-          </a:stretch>
-        </p:blipFill>
-        <p:spPr>
-          <a:xfrm>
-            <a:off x="5029200" y="4018951"/>
-            <a:ext cx="5558006" cy="1024548"/>
-          </a:xfrm>
-          <a:prstGeom prst="rect">
-            <a:avLst/>
-          </a:prstGeom>
-        </p:spPr>
-      </p:pic>
-      <p:cxnSp>
-        <p:nvCxnSpPr>
-          <p:cNvPr id="23" name="Straight Arrow Connector 22"/>
-          <p:cNvCxnSpPr/>
-          <p:nvPr/>
-        </p:nvCxnSpPr>
-        <p:spPr>
-          <a:xfrm flipV="1">
-            <a:off x="4013200" y="2789292"/>
-            <a:ext cx="1159933" cy="803968"/>
-          </a:xfrm>
-          <a:prstGeom prst="straightConnector1">
-            <a:avLst/>
-          </a:prstGeom>
-          <a:ln>
-            <a:tailEnd type="triangle"/>
-          </a:ln>
-        </p:spPr>
-        <p:style>
-          <a:lnRef idx="1">
-            <a:schemeClr val="accent1"/>
-          </a:lnRef>
-          <a:fillRef idx="0">
-            <a:schemeClr val="accent1"/>
-          </a:fillRef>
-          <a:effectRef idx="0">
-            <a:schemeClr val="accent1"/>
-          </a:effectRef>
-          <a:fontRef idx="minor">
-            <a:schemeClr val="tx1"/>
-          </a:fontRef>
-        </p:style>
-      </p:cxnSp>
-      <p:cxnSp>
-        <p:nvCxnSpPr>
-          <p:cNvPr id="25" name="Straight Arrow Connector 24"/>
-          <p:cNvCxnSpPr/>
-          <p:nvPr/>
-        </p:nvCxnSpPr>
-        <p:spPr>
-          <a:xfrm flipV="1">
-            <a:off x="4013200" y="3149243"/>
-            <a:ext cx="1084292" cy="444017"/>
-          </a:xfrm>
-          <a:prstGeom prst="straightConnector1">
-            <a:avLst/>
-          </a:prstGeom>
-          <a:ln>
-            <a:tailEnd type="triangle"/>
-          </a:ln>
-        </p:spPr>
-        <p:style>
-          <a:lnRef idx="1">
-            <a:schemeClr val="accent1"/>
-          </a:lnRef>
-          <a:fillRef idx="0">
-            <a:schemeClr val="accent1"/>
-          </a:fillRef>
-          <a:effectRef idx="0">
-            <a:schemeClr val="accent1"/>
-          </a:effectRef>
-          <a:fontRef idx="minor">
-            <a:schemeClr val="tx1"/>
-          </a:fontRef>
-        </p:style>
-      </p:cxnSp>
-      <p:cxnSp>
-        <p:nvCxnSpPr>
-          <p:cNvPr id="27" name="Straight Arrow Connector 26"/>
-          <p:cNvCxnSpPr/>
-          <p:nvPr/>
-        </p:nvCxnSpPr>
-        <p:spPr>
-          <a:xfrm flipV="1">
-            <a:off x="4013200" y="3593260"/>
-            <a:ext cx="1159933" cy="72807"/>
-          </a:xfrm>
-          <a:prstGeom prst="straightConnector1">
-            <a:avLst/>
-          </a:prstGeom>
-          <a:ln>
-            <a:tailEnd type="triangle"/>
-          </a:ln>
-        </p:spPr>
-        <p:style>
-          <a:lnRef idx="1">
-            <a:schemeClr val="accent1"/>
-          </a:lnRef>
-          <a:fillRef idx="0">
-            <a:schemeClr val="accent1"/>
-          </a:fillRef>
-          <a:effectRef idx="0">
-            <a:schemeClr val="accent1"/>
-          </a:effectRef>
-          <a:fontRef idx="minor">
-            <a:schemeClr val="tx1"/>
-          </a:fontRef>
-        </p:style>
-      </p:cxnSp>
-      <p:cxnSp>
-        <p:nvCxnSpPr>
-          <p:cNvPr id="9" name="Straight Arrow Connector 8"/>
-          <p:cNvCxnSpPr/>
-          <p:nvPr/>
-        </p:nvCxnSpPr>
-        <p:spPr>
-          <a:xfrm flipH="1">
-            <a:off x="3857105" y="2227811"/>
-            <a:ext cx="4239491" cy="3059084"/>
-          </a:xfrm>
-          <a:prstGeom prst="straightConnector1">
-            <a:avLst/>
-          </a:prstGeom>
-          <a:ln>
-            <a:tailEnd type="triangle"/>
-          </a:ln>
-        </p:spPr>
-        <p:style>
-          <a:lnRef idx="1">
-            <a:schemeClr val="accent1"/>
-          </a:lnRef>
-          <a:fillRef idx="0">
-            <a:schemeClr val="accent1"/>
-          </a:fillRef>
-          <a:effectRef idx="0">
-            <a:schemeClr val="accent1"/>
-          </a:effectRef>
-          <a:fontRef idx="minor">
-            <a:schemeClr val="tx1"/>
-          </a:fontRef>
-        </p:style>
-      </p:cxnSp>
-      <p:cxnSp>
-        <p:nvCxnSpPr>
-          <p:cNvPr id="12" name="Straight Arrow Connector 11"/>
-          <p:cNvCxnSpPr/>
-          <p:nvPr/>
-        </p:nvCxnSpPr>
-        <p:spPr>
-          <a:xfrm flipH="1">
-            <a:off x="7290262" y="2884516"/>
-            <a:ext cx="2269374" cy="2543695"/>
-          </a:xfrm>
-          <a:prstGeom prst="straightConnector1">
-            <a:avLst/>
-          </a:prstGeom>
-          <a:ln>
-            <a:tailEnd type="triangle"/>
-          </a:ln>
-        </p:spPr>
-        <p:style>
-          <a:lnRef idx="1">
-            <a:schemeClr val="accent1"/>
-          </a:lnRef>
-          <a:fillRef idx="0">
-            <a:schemeClr val="accent1"/>
-          </a:fillRef>
-          <a:effectRef idx="0">
-            <a:schemeClr val="accent1"/>
-          </a:effectRef>
-          <a:fontRef idx="minor">
-            <a:schemeClr val="tx1"/>
-          </a:fontRef>
-        </p:style>
-      </p:cxnSp>
+          </a:p>
+        </p:txBody>
+      </p:sp>
     </p:spTree>
     <p:extLst>
       <p:ext uri="{BB962C8B-B14F-4D97-AF65-F5344CB8AC3E}">
-        <p14:creationId xmlns:p14="http://schemas.microsoft.com/office/powerpoint/2010/main" val="3536249901"/>
+        <p14:creationId xmlns:p14="http://schemas.microsoft.com/office/powerpoint/2010/main" val="1253094254"/>
       </p:ext>
     </p:extLst>
   </p:cSld>
@@ -19185,7 +20211,7 @@
         </p:nvSpPr>
         <p:spPr>
           <a:xfrm>
-            <a:off x="0" y="-109008"/>
+            <a:off x="0" y="-277838"/>
             <a:ext cx="10515600" cy="1325563"/>
           </a:xfrm>
         </p:spPr>
@@ -19209,1302 +20235,9 @@
           </a:p>
         </p:txBody>
       </p:sp>
-      <p:sp>
-        <p:nvSpPr>
-          <p:cNvPr id="3" name="Rectangle 2"/>
-          <p:cNvSpPr/>
-          <p:nvPr/>
-        </p:nvSpPr>
-        <p:spPr>
-          <a:xfrm>
-            <a:off x="5242988" y="2816171"/>
-            <a:ext cx="6849687" cy="1504115"/>
-          </a:xfrm>
-          <a:prstGeom prst="rect">
-            <a:avLst/>
-          </a:prstGeom>
-        </p:spPr>
-        <p:style>
-          <a:lnRef idx="2">
-            <a:schemeClr val="accent1"/>
-          </a:lnRef>
-          <a:fillRef idx="1">
-            <a:schemeClr val="lt1"/>
-          </a:fillRef>
-          <a:effectRef idx="0">
-            <a:schemeClr val="accent1"/>
-          </a:effectRef>
-          <a:fontRef idx="minor">
-            <a:schemeClr val="dk1"/>
-          </a:fontRef>
-        </p:style>
-        <p:txBody>
-          <a:bodyPr rtlCol="0" anchor="ctr"/>
-          <a:lstStyle/>
-          <a:p>
-            <a:pPr algn="ctr"/>
-            <a:endParaRPr lang="en-US"/>
-          </a:p>
-        </p:txBody>
-      </p:sp>
-      <p:sp>
-        <p:nvSpPr>
-          <p:cNvPr id="4" name="TextBox 3"/>
-          <p:cNvSpPr txBox="1"/>
-          <p:nvPr/>
-        </p:nvSpPr>
-        <p:spPr>
-          <a:xfrm>
-            <a:off x="7931804" y="2729705"/>
-            <a:ext cx="2032461" cy="369332"/>
-          </a:xfrm>
-          <a:prstGeom prst="rect">
-            <a:avLst/>
-          </a:prstGeom>
-          <a:noFill/>
-        </p:spPr>
-        <p:txBody>
-          <a:bodyPr wrap="square" rtlCol="0">
-            <a:spAutoFit/>
-          </a:bodyPr>
-          <a:lstStyle/>
-          <a:p>
-            <a:r>
-              <a:rPr lang="en-US" altLang="zh-CN" dirty="0" err="1" smtClean="0"/>
-              <a:t>StreamGraph</a:t>
-            </a:r>
-            <a:endParaRPr lang="en-US" dirty="0"/>
-          </a:p>
-        </p:txBody>
-      </p:sp>
-      <p:sp>
-        <p:nvSpPr>
-          <p:cNvPr id="5" name="Oval 4"/>
-          <p:cNvSpPr/>
-          <p:nvPr/>
-        </p:nvSpPr>
-        <p:spPr>
-          <a:xfrm>
-            <a:off x="7151102" y="3394630"/>
-            <a:ext cx="397535" cy="397535"/>
-          </a:xfrm>
-          <a:prstGeom prst="ellipse">
-            <a:avLst/>
-          </a:prstGeom>
-        </p:spPr>
-        <p:style>
-          <a:lnRef idx="2">
-            <a:schemeClr val="accent1"/>
-          </a:lnRef>
-          <a:fillRef idx="1">
-            <a:schemeClr val="lt1"/>
-          </a:fillRef>
-          <a:effectRef idx="0">
-            <a:schemeClr val="accent1"/>
-          </a:effectRef>
-          <a:fontRef idx="minor">
-            <a:schemeClr val="dk1"/>
-          </a:fontRef>
-        </p:style>
-        <p:txBody>
-          <a:bodyPr rtlCol="0" anchor="ctr"/>
-          <a:lstStyle/>
-          <a:p>
-            <a:pPr algn="ctr"/>
-            <a:r>
-              <a:rPr lang="en-US" dirty="0" smtClean="0"/>
-              <a:t> 	</a:t>
-            </a:r>
-            <a:endParaRPr lang="en-US" dirty="0"/>
-          </a:p>
-        </p:txBody>
-      </p:sp>
-      <p:cxnSp>
-        <p:nvCxnSpPr>
-          <p:cNvPr id="6" name="Straight Arrow Connector 5"/>
-          <p:cNvCxnSpPr>
-            <a:endCxn id="5" idx="1"/>
-          </p:cNvCxnSpPr>
-          <p:nvPr/>
-        </p:nvCxnSpPr>
-        <p:spPr>
-          <a:xfrm>
-            <a:off x="6812659" y="3118593"/>
-            <a:ext cx="396661" cy="334255"/>
-          </a:xfrm>
-          <a:prstGeom prst="straightConnector1">
-            <a:avLst/>
-          </a:prstGeom>
-          <a:ln>
-            <a:tailEnd type="triangle"/>
-          </a:ln>
-        </p:spPr>
-        <p:style>
-          <a:lnRef idx="1">
-            <a:schemeClr val="accent1"/>
-          </a:lnRef>
-          <a:fillRef idx="0">
-            <a:schemeClr val="accent1"/>
-          </a:fillRef>
-          <a:effectRef idx="0">
-            <a:schemeClr val="accent1"/>
-          </a:effectRef>
-          <a:fontRef idx="minor">
-            <a:schemeClr val="tx1"/>
-          </a:fontRef>
-        </p:style>
-      </p:cxnSp>
-      <p:cxnSp>
-        <p:nvCxnSpPr>
-          <p:cNvPr id="7" name="Straight Arrow Connector 6"/>
-          <p:cNvCxnSpPr>
-            <a:endCxn id="5" idx="2"/>
-          </p:cNvCxnSpPr>
-          <p:nvPr/>
-        </p:nvCxnSpPr>
-        <p:spPr>
-          <a:xfrm>
-            <a:off x="6719387" y="3583533"/>
-            <a:ext cx="431715" cy="9865"/>
-          </a:xfrm>
-          <a:prstGeom prst="straightConnector1">
-            <a:avLst/>
-          </a:prstGeom>
-          <a:ln>
-            <a:tailEnd type="triangle"/>
-          </a:ln>
-        </p:spPr>
-        <p:style>
-          <a:lnRef idx="1">
-            <a:schemeClr val="accent1"/>
-          </a:lnRef>
-          <a:fillRef idx="0">
-            <a:schemeClr val="accent1"/>
-          </a:fillRef>
-          <a:effectRef idx="0">
-            <a:schemeClr val="accent1"/>
-          </a:effectRef>
-          <a:fontRef idx="minor">
-            <a:schemeClr val="tx1"/>
-          </a:fontRef>
-        </p:style>
-      </p:cxnSp>
-      <p:cxnSp>
-        <p:nvCxnSpPr>
-          <p:cNvPr id="8" name="Straight Arrow Connector 7"/>
-          <p:cNvCxnSpPr>
-            <a:endCxn id="5" idx="3"/>
-          </p:cNvCxnSpPr>
-          <p:nvPr/>
-        </p:nvCxnSpPr>
-        <p:spPr>
-          <a:xfrm flipV="1">
-            <a:off x="6805535" y="3733947"/>
-            <a:ext cx="403785" cy="244947"/>
-          </a:xfrm>
-          <a:prstGeom prst="straightConnector1">
-            <a:avLst/>
-          </a:prstGeom>
-          <a:ln>
-            <a:tailEnd type="triangle"/>
-          </a:ln>
-        </p:spPr>
-        <p:style>
-          <a:lnRef idx="1">
-            <a:schemeClr val="accent1"/>
-          </a:lnRef>
-          <a:fillRef idx="0">
-            <a:schemeClr val="accent1"/>
-          </a:fillRef>
-          <a:effectRef idx="0">
-            <a:schemeClr val="accent1"/>
-          </a:effectRef>
-          <a:fontRef idx="minor">
-            <a:schemeClr val="tx1"/>
-          </a:fontRef>
-        </p:style>
-      </p:cxnSp>
-      <p:sp>
-        <p:nvSpPr>
-          <p:cNvPr id="9" name="Rectangle 8"/>
-          <p:cNvSpPr/>
-          <p:nvPr/>
-        </p:nvSpPr>
-        <p:spPr>
-          <a:xfrm>
-            <a:off x="5431515" y="2916388"/>
-            <a:ext cx="1374020" cy="369332"/>
-          </a:xfrm>
-          <a:prstGeom prst="rect">
-            <a:avLst/>
-          </a:prstGeom>
-        </p:spPr>
-        <p:style>
-          <a:lnRef idx="2">
-            <a:schemeClr val="accent1"/>
-          </a:lnRef>
-          <a:fillRef idx="1">
-            <a:schemeClr val="lt1"/>
-          </a:fillRef>
-          <a:effectRef idx="0">
-            <a:schemeClr val="accent1"/>
-          </a:effectRef>
-          <a:fontRef idx="minor">
-            <a:schemeClr val="dk1"/>
-          </a:fontRef>
-        </p:style>
-        <p:txBody>
-          <a:bodyPr rtlCol="0" anchor="ctr"/>
-          <a:lstStyle/>
-          <a:p>
-            <a:pPr algn="ctr"/>
-            <a:endParaRPr lang="en-US"/>
-          </a:p>
-        </p:txBody>
-      </p:sp>
-      <p:sp>
-        <p:nvSpPr>
-          <p:cNvPr id="10" name="TextBox 9"/>
-          <p:cNvSpPr txBox="1"/>
-          <p:nvPr/>
-        </p:nvSpPr>
-        <p:spPr>
-          <a:xfrm>
-            <a:off x="5431515" y="2916388"/>
-            <a:ext cx="1442130" cy="369332"/>
-          </a:xfrm>
-          <a:prstGeom prst="rect">
-            <a:avLst/>
-          </a:prstGeom>
-          <a:noFill/>
-        </p:spPr>
-        <p:txBody>
-          <a:bodyPr wrap="square" rtlCol="0">
-            <a:spAutoFit/>
-          </a:bodyPr>
-          <a:lstStyle/>
-          <a:p>
-            <a:r>
-              <a:rPr lang="en-US" dirty="0" err="1" smtClean="0"/>
-              <a:t>en-wikipedia</a:t>
-            </a:r>
-            <a:endParaRPr lang="en-US" dirty="0"/>
-          </a:p>
-        </p:txBody>
-      </p:sp>
-      <p:cxnSp>
-        <p:nvCxnSpPr>
-          <p:cNvPr id="11" name="Straight Arrow Connector 10"/>
-          <p:cNvCxnSpPr>
-            <a:stCxn id="5" idx="6"/>
-            <a:endCxn id="24" idx="2"/>
-          </p:cNvCxnSpPr>
-          <p:nvPr/>
-        </p:nvCxnSpPr>
-        <p:spPr>
-          <a:xfrm flipV="1">
-            <a:off x="7548637" y="3588465"/>
-            <a:ext cx="590155" cy="4933"/>
-          </a:xfrm>
-          <a:prstGeom prst="straightConnector1">
-            <a:avLst/>
-          </a:prstGeom>
-          <a:ln>
-            <a:tailEnd type="triangle"/>
-          </a:ln>
-        </p:spPr>
-        <p:style>
-          <a:lnRef idx="1">
-            <a:schemeClr val="accent1"/>
-          </a:lnRef>
-          <a:fillRef idx="0">
-            <a:schemeClr val="accent1"/>
-          </a:fillRef>
-          <a:effectRef idx="0">
-            <a:schemeClr val="accent1"/>
-          </a:effectRef>
-          <a:fontRef idx="minor">
-            <a:schemeClr val="tx1"/>
-          </a:fontRef>
-        </p:style>
-      </p:cxnSp>
-      <p:sp>
-        <p:nvSpPr>
-          <p:cNvPr id="12" name="TextBox 11"/>
-          <p:cNvSpPr txBox="1"/>
-          <p:nvPr/>
-        </p:nvSpPr>
-        <p:spPr>
-          <a:xfrm>
-            <a:off x="6904094" y="3070423"/>
-            <a:ext cx="1089241" cy="369332"/>
-          </a:xfrm>
-          <a:prstGeom prst="rect">
-            <a:avLst/>
-          </a:prstGeom>
-          <a:noFill/>
-        </p:spPr>
-        <p:txBody>
-          <a:bodyPr wrap="square" rtlCol="0">
-            <a:spAutoFit/>
-          </a:bodyPr>
-          <a:lstStyle/>
-          <a:p>
-            <a:r>
-              <a:rPr lang="en-US" dirty="0" err="1" smtClean="0"/>
-              <a:t>mergeAll</a:t>
-            </a:r>
-            <a:endParaRPr lang="en-US" dirty="0"/>
-          </a:p>
-        </p:txBody>
-      </p:sp>
-      <p:sp>
-        <p:nvSpPr>
-          <p:cNvPr id="13" name="Rectangle 12"/>
-          <p:cNvSpPr/>
-          <p:nvPr/>
-        </p:nvSpPr>
-        <p:spPr>
-          <a:xfrm>
-            <a:off x="5408190" y="3349070"/>
-            <a:ext cx="1374020" cy="369332"/>
-          </a:xfrm>
-          <a:prstGeom prst="rect">
-            <a:avLst/>
-          </a:prstGeom>
-        </p:spPr>
-        <p:style>
-          <a:lnRef idx="2">
-            <a:schemeClr val="accent1"/>
-          </a:lnRef>
-          <a:fillRef idx="1">
-            <a:schemeClr val="lt1"/>
-          </a:fillRef>
-          <a:effectRef idx="0">
-            <a:schemeClr val="accent1"/>
-          </a:effectRef>
-          <a:fontRef idx="minor">
-            <a:schemeClr val="dk1"/>
-          </a:fontRef>
-        </p:style>
-        <p:txBody>
-          <a:bodyPr rtlCol="0" anchor="ctr"/>
-          <a:lstStyle/>
-          <a:p>
-            <a:pPr algn="ctr"/>
-            <a:endParaRPr lang="en-US"/>
-          </a:p>
-        </p:txBody>
-      </p:sp>
-      <p:sp>
-        <p:nvSpPr>
-          <p:cNvPr id="14" name="TextBox 13"/>
-          <p:cNvSpPr txBox="1"/>
-          <p:nvPr/>
-        </p:nvSpPr>
-        <p:spPr>
-          <a:xfrm>
-            <a:off x="5339474" y="3333525"/>
-            <a:ext cx="1517155" cy="369332"/>
-          </a:xfrm>
-          <a:prstGeom prst="rect">
-            <a:avLst/>
-          </a:prstGeom>
-          <a:noFill/>
-        </p:spPr>
-        <p:txBody>
-          <a:bodyPr wrap="square" rtlCol="0">
-            <a:spAutoFit/>
-          </a:bodyPr>
-          <a:lstStyle/>
-          <a:p>
-            <a:r>
-              <a:rPr lang="en-US" dirty="0" err="1" smtClean="0"/>
-              <a:t>en-wiktionary</a:t>
-            </a:r>
-            <a:endParaRPr lang="en-US" dirty="0"/>
-          </a:p>
-        </p:txBody>
-      </p:sp>
-      <p:sp>
-        <p:nvSpPr>
-          <p:cNvPr id="15" name="Rectangle 14"/>
-          <p:cNvSpPr/>
-          <p:nvPr/>
-        </p:nvSpPr>
-        <p:spPr>
-          <a:xfrm>
-            <a:off x="5420762" y="3799289"/>
-            <a:ext cx="1374020" cy="369332"/>
-          </a:xfrm>
-          <a:prstGeom prst="rect">
-            <a:avLst/>
-          </a:prstGeom>
-        </p:spPr>
-        <p:style>
-          <a:lnRef idx="2">
-            <a:schemeClr val="accent1"/>
-          </a:lnRef>
-          <a:fillRef idx="1">
-            <a:schemeClr val="lt1"/>
-          </a:fillRef>
-          <a:effectRef idx="0">
-            <a:schemeClr val="accent1"/>
-          </a:effectRef>
-          <a:fontRef idx="minor">
-            <a:schemeClr val="dk1"/>
-          </a:fontRef>
-        </p:style>
-        <p:txBody>
-          <a:bodyPr rtlCol="0" anchor="ctr"/>
-          <a:lstStyle/>
-          <a:p>
-            <a:pPr algn="ctr"/>
-            <a:endParaRPr lang="en-US"/>
-          </a:p>
-        </p:txBody>
-      </p:sp>
-      <p:sp>
-        <p:nvSpPr>
-          <p:cNvPr id="16" name="TextBox 15"/>
-          <p:cNvSpPr txBox="1"/>
-          <p:nvPr/>
-        </p:nvSpPr>
-        <p:spPr>
-          <a:xfrm>
-            <a:off x="5454546" y="3783744"/>
-            <a:ext cx="1517155" cy="369332"/>
-          </a:xfrm>
-          <a:prstGeom prst="rect">
-            <a:avLst/>
-          </a:prstGeom>
-          <a:noFill/>
-        </p:spPr>
-        <p:txBody>
-          <a:bodyPr wrap="square" rtlCol="0">
-            <a:spAutoFit/>
-          </a:bodyPr>
-          <a:lstStyle/>
-          <a:p>
-            <a:r>
-              <a:rPr lang="en-US" dirty="0" err="1" smtClean="0"/>
-              <a:t>en-wikinews</a:t>
-            </a:r>
-            <a:endParaRPr lang="en-US" dirty="0"/>
-          </a:p>
-        </p:txBody>
-      </p:sp>
-      <p:cxnSp>
-        <p:nvCxnSpPr>
-          <p:cNvPr id="17" name="Straight Arrow Connector 16"/>
-          <p:cNvCxnSpPr/>
-          <p:nvPr/>
-        </p:nvCxnSpPr>
-        <p:spPr>
-          <a:xfrm flipV="1">
-            <a:off x="5454546" y="4145858"/>
-            <a:ext cx="535700" cy="381047"/>
-          </a:xfrm>
-          <a:prstGeom prst="straightConnector1">
-            <a:avLst/>
-          </a:prstGeom>
-          <a:ln>
-            <a:solidFill>
-              <a:schemeClr val="tx1"/>
-            </a:solidFill>
-            <a:tailEnd type="triangle"/>
-          </a:ln>
-        </p:spPr>
-        <p:style>
-          <a:lnRef idx="1">
-            <a:schemeClr val="accent1"/>
-          </a:lnRef>
-          <a:fillRef idx="0">
-            <a:schemeClr val="accent1"/>
-          </a:fillRef>
-          <a:effectRef idx="0">
-            <a:schemeClr val="accent1"/>
-          </a:effectRef>
-          <a:fontRef idx="minor">
-            <a:schemeClr val="tx1"/>
-          </a:fontRef>
-        </p:style>
-      </p:cxnSp>
-      <p:sp>
-        <p:nvSpPr>
-          <p:cNvPr id="18" name="TextBox 17"/>
-          <p:cNvSpPr txBox="1"/>
-          <p:nvPr/>
-        </p:nvSpPr>
-        <p:spPr>
-          <a:xfrm>
-            <a:off x="4619625" y="4504142"/>
-            <a:ext cx="1723668" cy="369332"/>
-          </a:xfrm>
-          <a:prstGeom prst="rect">
-            <a:avLst/>
-          </a:prstGeom>
-          <a:noFill/>
-        </p:spPr>
-        <p:txBody>
-          <a:bodyPr wrap="square" rtlCol="0">
-            <a:spAutoFit/>
-          </a:bodyPr>
-          <a:lstStyle/>
-          <a:p>
-            <a:r>
-              <a:rPr lang="en-US" dirty="0" smtClean="0"/>
-              <a:t>Input operator</a:t>
-            </a:r>
-            <a:endParaRPr lang="en-US" dirty="0"/>
-          </a:p>
-        </p:txBody>
-      </p:sp>
-      <p:cxnSp>
-        <p:nvCxnSpPr>
-          <p:cNvPr id="19" name="Straight Arrow Connector 18"/>
-          <p:cNvCxnSpPr/>
-          <p:nvPr/>
-        </p:nvCxnSpPr>
-        <p:spPr>
-          <a:xfrm flipH="1" flipV="1">
-            <a:off x="6982455" y="3922850"/>
-            <a:ext cx="133268" cy="599687"/>
-          </a:xfrm>
-          <a:prstGeom prst="straightConnector1">
-            <a:avLst/>
-          </a:prstGeom>
-          <a:ln>
-            <a:solidFill>
-              <a:schemeClr val="tx1"/>
-            </a:solidFill>
-            <a:tailEnd type="triangle"/>
-          </a:ln>
-        </p:spPr>
-        <p:style>
-          <a:lnRef idx="1">
-            <a:schemeClr val="accent1"/>
-          </a:lnRef>
-          <a:fillRef idx="0">
-            <a:schemeClr val="accent1"/>
-          </a:fillRef>
-          <a:effectRef idx="0">
-            <a:schemeClr val="accent1"/>
-          </a:effectRef>
-          <a:fontRef idx="minor">
-            <a:schemeClr val="tx1"/>
-          </a:fontRef>
-        </p:style>
-      </p:cxnSp>
-      <p:sp>
-        <p:nvSpPr>
-          <p:cNvPr id="20" name="TextBox 19"/>
-          <p:cNvSpPr txBox="1"/>
-          <p:nvPr/>
-        </p:nvSpPr>
-        <p:spPr>
-          <a:xfrm>
-            <a:off x="6288686" y="4510538"/>
-            <a:ext cx="1767487" cy="369332"/>
-          </a:xfrm>
-          <a:prstGeom prst="rect">
-            <a:avLst/>
-          </a:prstGeom>
-          <a:noFill/>
-        </p:spPr>
-        <p:txBody>
-          <a:bodyPr wrap="square" rtlCol="0">
-            <a:spAutoFit/>
-          </a:bodyPr>
-          <a:lstStyle/>
-          <a:p>
-            <a:r>
-              <a:rPr lang="en-US" altLang="zh-CN" dirty="0" err="1" smtClean="0"/>
-              <a:t>MessageStream</a:t>
-            </a:r>
-            <a:endParaRPr lang="en-US" dirty="0"/>
-          </a:p>
-        </p:txBody>
-      </p:sp>
-      <p:cxnSp>
-        <p:nvCxnSpPr>
-          <p:cNvPr id="21" name="Straight Arrow Connector 20"/>
-          <p:cNvCxnSpPr>
-            <a:stCxn id="22" idx="0"/>
-            <a:endCxn id="5" idx="5"/>
-          </p:cNvCxnSpPr>
-          <p:nvPr/>
-        </p:nvCxnSpPr>
-        <p:spPr>
-          <a:xfrm flipH="1" flipV="1">
-            <a:off x="7490419" y="3733947"/>
-            <a:ext cx="977821" cy="1178630"/>
-          </a:xfrm>
-          <a:prstGeom prst="straightConnector1">
-            <a:avLst/>
-          </a:prstGeom>
-          <a:ln>
-            <a:solidFill>
-              <a:schemeClr val="tx1"/>
-            </a:solidFill>
-            <a:tailEnd type="triangle"/>
-          </a:ln>
-        </p:spPr>
-        <p:style>
-          <a:lnRef idx="1">
-            <a:schemeClr val="accent1"/>
-          </a:lnRef>
-          <a:fillRef idx="0">
-            <a:schemeClr val="accent1"/>
-          </a:fillRef>
-          <a:effectRef idx="0">
-            <a:schemeClr val="accent1"/>
-          </a:effectRef>
-          <a:fontRef idx="minor">
-            <a:schemeClr val="tx1"/>
-          </a:fontRef>
-        </p:style>
-      </p:cxnSp>
-      <p:sp>
-        <p:nvSpPr>
-          <p:cNvPr id="22" name="TextBox 21"/>
-          <p:cNvSpPr txBox="1"/>
-          <p:nvPr/>
-        </p:nvSpPr>
-        <p:spPr>
-          <a:xfrm>
-            <a:off x="7577108" y="4912577"/>
-            <a:ext cx="1782263" cy="369332"/>
-          </a:xfrm>
-          <a:prstGeom prst="rect">
-            <a:avLst/>
-          </a:prstGeom>
-          <a:noFill/>
-        </p:spPr>
-        <p:txBody>
-          <a:bodyPr wrap="square" rtlCol="0">
-            <a:spAutoFit/>
-          </a:bodyPr>
-          <a:lstStyle/>
-          <a:p>
-            <a:r>
-              <a:rPr lang="en-US" dirty="0" smtClean="0"/>
-              <a:t>Merge operator</a:t>
-            </a:r>
-            <a:endParaRPr lang="en-US" dirty="0"/>
-          </a:p>
-        </p:txBody>
-      </p:sp>
-      <p:cxnSp>
-        <p:nvCxnSpPr>
-          <p:cNvPr id="23" name="Straight Arrow Connector 22"/>
-          <p:cNvCxnSpPr>
-            <a:stCxn id="20" idx="0"/>
-          </p:cNvCxnSpPr>
-          <p:nvPr/>
-        </p:nvCxnSpPr>
-        <p:spPr>
-          <a:xfrm flipV="1">
-            <a:off x="7172430" y="3638346"/>
-            <a:ext cx="655429" cy="872192"/>
-          </a:xfrm>
-          <a:prstGeom prst="straightConnector1">
-            <a:avLst/>
-          </a:prstGeom>
-          <a:ln>
-            <a:solidFill>
-              <a:schemeClr val="tx1"/>
-            </a:solidFill>
-            <a:tailEnd type="triangle"/>
-          </a:ln>
-        </p:spPr>
-        <p:style>
-          <a:lnRef idx="1">
-            <a:schemeClr val="accent1"/>
-          </a:lnRef>
-          <a:fillRef idx="0">
-            <a:schemeClr val="accent1"/>
-          </a:fillRef>
-          <a:effectRef idx="0">
-            <a:schemeClr val="accent1"/>
-          </a:effectRef>
-          <a:fontRef idx="minor">
-            <a:schemeClr val="tx1"/>
-          </a:fontRef>
-        </p:style>
-      </p:cxnSp>
-      <p:sp>
-        <p:nvSpPr>
-          <p:cNvPr id="24" name="Oval 23"/>
-          <p:cNvSpPr/>
-          <p:nvPr/>
-        </p:nvSpPr>
-        <p:spPr>
-          <a:xfrm>
-            <a:off x="8138792" y="3389697"/>
-            <a:ext cx="397535" cy="397535"/>
-          </a:xfrm>
-          <a:prstGeom prst="ellipse">
-            <a:avLst/>
-          </a:prstGeom>
-        </p:spPr>
-        <p:style>
-          <a:lnRef idx="2">
-            <a:schemeClr val="accent1"/>
-          </a:lnRef>
-          <a:fillRef idx="1">
-            <a:schemeClr val="lt1"/>
-          </a:fillRef>
-          <a:effectRef idx="0">
-            <a:schemeClr val="accent1"/>
-          </a:effectRef>
-          <a:fontRef idx="minor">
-            <a:schemeClr val="dk1"/>
-          </a:fontRef>
-        </p:style>
-        <p:txBody>
-          <a:bodyPr rtlCol="0" anchor="ctr"/>
-          <a:lstStyle/>
-          <a:p>
-            <a:pPr algn="ctr"/>
-            <a:r>
-              <a:rPr lang="en-US" dirty="0" smtClean="0"/>
-              <a:t> 	</a:t>
-            </a:r>
-            <a:endParaRPr lang="en-US" dirty="0"/>
-          </a:p>
-        </p:txBody>
-      </p:sp>
-      <p:cxnSp>
-        <p:nvCxnSpPr>
-          <p:cNvPr id="25" name="Straight Arrow Connector 24"/>
-          <p:cNvCxnSpPr>
-            <a:stCxn id="24" idx="6"/>
-            <a:endCxn id="27" idx="2"/>
-          </p:cNvCxnSpPr>
-          <p:nvPr/>
-        </p:nvCxnSpPr>
-        <p:spPr>
-          <a:xfrm>
-            <a:off x="8536327" y="3588465"/>
-            <a:ext cx="661225" cy="4788"/>
-          </a:xfrm>
-          <a:prstGeom prst="straightConnector1">
-            <a:avLst/>
-          </a:prstGeom>
-          <a:ln>
-            <a:tailEnd type="triangle"/>
-          </a:ln>
-        </p:spPr>
-        <p:style>
-          <a:lnRef idx="1">
-            <a:schemeClr val="accent1"/>
-          </a:lnRef>
-          <a:fillRef idx="0">
-            <a:schemeClr val="accent1"/>
-          </a:fillRef>
-          <a:effectRef idx="0">
-            <a:schemeClr val="accent1"/>
-          </a:effectRef>
-          <a:fontRef idx="minor">
-            <a:schemeClr val="tx1"/>
-          </a:fontRef>
-        </p:style>
-      </p:cxnSp>
-      <p:sp>
-        <p:nvSpPr>
-          <p:cNvPr id="26" name="TextBox 25"/>
-          <p:cNvSpPr txBox="1"/>
-          <p:nvPr/>
-        </p:nvSpPr>
-        <p:spPr>
-          <a:xfrm>
-            <a:off x="7826628" y="3067296"/>
-            <a:ext cx="1250900" cy="369332"/>
-          </a:xfrm>
-          <a:prstGeom prst="rect">
-            <a:avLst/>
-          </a:prstGeom>
-          <a:noFill/>
-        </p:spPr>
-        <p:txBody>
-          <a:bodyPr wrap="square" rtlCol="0">
-            <a:spAutoFit/>
-          </a:bodyPr>
-          <a:lstStyle/>
-          <a:p>
-            <a:r>
-              <a:rPr lang="en-US" altLang="zh-CN" dirty="0" err="1" smtClean="0"/>
-              <a:t>Wiki</a:t>
-            </a:r>
-            <a:r>
-              <a:rPr lang="en-US" dirty="0" err="1" smtClean="0"/>
-              <a:t>Parser</a:t>
-            </a:r>
-            <a:endParaRPr lang="en-US" dirty="0"/>
-          </a:p>
-        </p:txBody>
-      </p:sp>
-      <p:sp>
-        <p:nvSpPr>
-          <p:cNvPr id="27" name="Oval 26"/>
-          <p:cNvSpPr/>
-          <p:nvPr/>
-        </p:nvSpPr>
-        <p:spPr>
-          <a:xfrm>
-            <a:off x="9197552" y="3391865"/>
-            <a:ext cx="402775" cy="402775"/>
-          </a:xfrm>
-          <a:prstGeom prst="ellipse">
-            <a:avLst/>
-          </a:prstGeom>
-        </p:spPr>
-        <p:style>
-          <a:lnRef idx="2">
-            <a:schemeClr val="accent1"/>
-          </a:lnRef>
-          <a:fillRef idx="1">
-            <a:schemeClr val="lt1"/>
-          </a:fillRef>
-          <a:effectRef idx="0">
-            <a:schemeClr val="accent1"/>
-          </a:effectRef>
-          <a:fontRef idx="minor">
-            <a:schemeClr val="dk1"/>
-          </a:fontRef>
-        </p:style>
-        <p:txBody>
-          <a:bodyPr rtlCol="0" anchor="ctr"/>
-          <a:lstStyle/>
-          <a:p>
-            <a:pPr algn="ctr"/>
-            <a:endParaRPr lang="en-US"/>
-          </a:p>
-        </p:txBody>
-      </p:sp>
-      <p:sp>
-        <p:nvSpPr>
-          <p:cNvPr id="28" name="TextBox 27"/>
-          <p:cNvSpPr txBox="1"/>
-          <p:nvPr/>
-        </p:nvSpPr>
-        <p:spPr>
-          <a:xfrm>
-            <a:off x="8960957" y="3108994"/>
-            <a:ext cx="1039105" cy="369332"/>
-          </a:xfrm>
-          <a:prstGeom prst="rect">
-            <a:avLst/>
-          </a:prstGeom>
-          <a:noFill/>
-        </p:spPr>
-        <p:txBody>
-          <a:bodyPr wrap="square" rtlCol="0">
-            <a:spAutoFit/>
-          </a:bodyPr>
-          <a:lstStyle/>
-          <a:p>
-            <a:r>
-              <a:rPr lang="en-US" dirty="0" smtClean="0"/>
-              <a:t>window</a:t>
-            </a:r>
-            <a:endParaRPr lang="en-US" dirty="0"/>
-          </a:p>
-        </p:txBody>
-      </p:sp>
-      <p:sp>
-        <p:nvSpPr>
-          <p:cNvPr id="29" name="Oval 28"/>
-          <p:cNvSpPr/>
-          <p:nvPr/>
-        </p:nvSpPr>
-        <p:spPr>
-          <a:xfrm>
-            <a:off x="10255178" y="3400373"/>
-            <a:ext cx="402775" cy="402775"/>
-          </a:xfrm>
-          <a:prstGeom prst="ellipse">
-            <a:avLst/>
-          </a:prstGeom>
-        </p:spPr>
-        <p:style>
-          <a:lnRef idx="2">
-            <a:schemeClr val="accent1"/>
-          </a:lnRef>
-          <a:fillRef idx="1">
-            <a:schemeClr val="lt1"/>
-          </a:fillRef>
-          <a:effectRef idx="0">
-            <a:schemeClr val="accent1"/>
-          </a:effectRef>
-          <a:fontRef idx="minor">
-            <a:schemeClr val="dk1"/>
-          </a:fontRef>
-        </p:style>
-        <p:txBody>
-          <a:bodyPr rtlCol="0" anchor="ctr"/>
-          <a:lstStyle/>
-          <a:p>
-            <a:pPr algn="ctr"/>
-            <a:endParaRPr lang="en-US"/>
-          </a:p>
-        </p:txBody>
-      </p:sp>
-      <p:cxnSp>
-        <p:nvCxnSpPr>
-          <p:cNvPr id="30" name="Straight Arrow Connector 29"/>
-          <p:cNvCxnSpPr>
-            <a:stCxn id="27" idx="6"/>
-            <a:endCxn id="29" idx="2"/>
-          </p:cNvCxnSpPr>
-          <p:nvPr/>
-        </p:nvCxnSpPr>
-        <p:spPr>
-          <a:xfrm>
-            <a:off x="9600327" y="3593253"/>
-            <a:ext cx="654851" cy="8508"/>
-          </a:xfrm>
-          <a:prstGeom prst="straightConnector1">
-            <a:avLst/>
-          </a:prstGeom>
-          <a:ln>
-            <a:tailEnd type="triangle"/>
-          </a:ln>
-        </p:spPr>
-        <p:style>
-          <a:lnRef idx="1">
-            <a:schemeClr val="accent1"/>
-          </a:lnRef>
-          <a:fillRef idx="0">
-            <a:schemeClr val="accent1"/>
-          </a:fillRef>
-          <a:effectRef idx="0">
-            <a:schemeClr val="accent1"/>
-          </a:effectRef>
-          <a:fontRef idx="minor">
-            <a:schemeClr val="tx1"/>
-          </a:fontRef>
-        </p:style>
-      </p:cxnSp>
-      <p:sp>
-        <p:nvSpPr>
-          <p:cNvPr id="31" name="TextBox 30"/>
-          <p:cNvSpPr txBox="1"/>
-          <p:nvPr/>
-        </p:nvSpPr>
-        <p:spPr>
-          <a:xfrm>
-            <a:off x="10076658" y="2829097"/>
-            <a:ext cx="872067" cy="646331"/>
-          </a:xfrm>
-          <a:prstGeom prst="rect">
-            <a:avLst/>
-          </a:prstGeom>
-          <a:noFill/>
-        </p:spPr>
-        <p:txBody>
-          <a:bodyPr wrap="square" rtlCol="0">
-            <a:spAutoFit/>
-          </a:bodyPr>
-          <a:lstStyle/>
-          <a:p>
-            <a:r>
-              <a:rPr lang="en-US" dirty="0" err="1" smtClean="0"/>
-              <a:t>formatOutput</a:t>
-            </a:r>
-            <a:endParaRPr lang="en-US" dirty="0"/>
-          </a:p>
-        </p:txBody>
-      </p:sp>
-      <p:sp>
-        <p:nvSpPr>
-          <p:cNvPr id="32" name="Rectangle 31"/>
-          <p:cNvSpPr/>
-          <p:nvPr/>
-        </p:nvSpPr>
-        <p:spPr>
-          <a:xfrm>
-            <a:off x="11184364" y="3256767"/>
-            <a:ext cx="871609" cy="679157"/>
-          </a:xfrm>
-          <a:prstGeom prst="rect">
-            <a:avLst/>
-          </a:prstGeom>
-        </p:spPr>
-        <p:style>
-          <a:lnRef idx="2">
-            <a:schemeClr val="accent1"/>
-          </a:lnRef>
-          <a:fillRef idx="1">
-            <a:schemeClr val="lt1"/>
-          </a:fillRef>
-          <a:effectRef idx="0">
-            <a:schemeClr val="accent1"/>
-          </a:effectRef>
-          <a:fontRef idx="minor">
-            <a:schemeClr val="dk1"/>
-          </a:fontRef>
-        </p:style>
-        <p:txBody>
-          <a:bodyPr rtlCol="0" anchor="ctr"/>
-          <a:lstStyle/>
-          <a:p>
-            <a:pPr algn="ctr"/>
-            <a:endParaRPr lang="en-US"/>
-          </a:p>
-        </p:txBody>
-      </p:sp>
-      <p:sp>
-        <p:nvSpPr>
-          <p:cNvPr id="33" name="TextBox 32"/>
-          <p:cNvSpPr txBox="1"/>
-          <p:nvPr/>
-        </p:nvSpPr>
-        <p:spPr>
-          <a:xfrm>
-            <a:off x="11158901" y="3281879"/>
-            <a:ext cx="922534" cy="646331"/>
-          </a:xfrm>
-          <a:prstGeom prst="rect">
-            <a:avLst/>
-          </a:prstGeom>
-          <a:noFill/>
-        </p:spPr>
-        <p:txBody>
-          <a:bodyPr wrap="square" rtlCol="0">
-            <a:spAutoFit/>
-          </a:bodyPr>
-          <a:lstStyle/>
-          <a:p>
-            <a:r>
-              <a:rPr lang="en-US" dirty="0" err="1" smtClean="0"/>
-              <a:t>wikipedia</a:t>
-            </a:r>
-            <a:r>
-              <a:rPr lang="en-US" dirty="0" smtClean="0"/>
-              <a:t>-stats</a:t>
-            </a:r>
-            <a:endParaRPr lang="en-US" dirty="0"/>
-          </a:p>
-        </p:txBody>
-      </p:sp>
-      <p:cxnSp>
-        <p:nvCxnSpPr>
-          <p:cNvPr id="34" name="Straight Arrow Connector 33"/>
-          <p:cNvCxnSpPr>
-            <a:stCxn id="29" idx="6"/>
-            <a:endCxn id="33" idx="1"/>
-          </p:cNvCxnSpPr>
-          <p:nvPr/>
-        </p:nvCxnSpPr>
-        <p:spPr>
-          <a:xfrm>
-            <a:off x="10657953" y="3601761"/>
-            <a:ext cx="500948" cy="3284"/>
-          </a:xfrm>
-          <a:prstGeom prst="straightConnector1">
-            <a:avLst/>
-          </a:prstGeom>
-          <a:ln>
-            <a:tailEnd type="triangle"/>
-          </a:ln>
-        </p:spPr>
-        <p:style>
-          <a:lnRef idx="1">
-            <a:schemeClr val="accent1"/>
-          </a:lnRef>
-          <a:fillRef idx="0">
-            <a:schemeClr val="accent1"/>
-          </a:fillRef>
-          <a:effectRef idx="0">
-            <a:schemeClr val="accent1"/>
-          </a:effectRef>
-          <a:fontRef idx="minor">
-            <a:schemeClr val="tx1"/>
-          </a:fontRef>
-        </p:style>
-      </p:cxnSp>
-      <p:sp>
-        <p:nvSpPr>
-          <p:cNvPr id="35" name="TextBox 34"/>
-          <p:cNvSpPr txBox="1"/>
-          <p:nvPr/>
-        </p:nvSpPr>
-        <p:spPr>
-          <a:xfrm>
-            <a:off x="8768472" y="4585610"/>
-            <a:ext cx="1486706" cy="369332"/>
-          </a:xfrm>
-          <a:prstGeom prst="rect">
-            <a:avLst/>
-          </a:prstGeom>
-          <a:noFill/>
-        </p:spPr>
-        <p:txBody>
-          <a:bodyPr wrap="square" rtlCol="0">
-            <a:spAutoFit/>
-          </a:bodyPr>
-          <a:lstStyle/>
-          <a:p>
-            <a:r>
-              <a:rPr lang="en-US" dirty="0" smtClean="0"/>
-              <a:t>Map operator</a:t>
-            </a:r>
-            <a:endParaRPr lang="en-US" dirty="0"/>
-          </a:p>
-        </p:txBody>
-      </p:sp>
-      <p:cxnSp>
-        <p:nvCxnSpPr>
-          <p:cNvPr id="36" name="Straight Arrow Connector 35"/>
-          <p:cNvCxnSpPr>
-            <a:stCxn id="35" idx="0"/>
-            <a:endCxn id="24" idx="5"/>
-          </p:cNvCxnSpPr>
-          <p:nvPr/>
-        </p:nvCxnSpPr>
-        <p:spPr>
-          <a:xfrm flipH="1" flipV="1">
-            <a:off x="8478109" y="3729014"/>
-            <a:ext cx="1033716" cy="856596"/>
-          </a:xfrm>
-          <a:prstGeom prst="straightConnector1">
-            <a:avLst/>
-          </a:prstGeom>
-          <a:ln>
-            <a:solidFill>
-              <a:schemeClr val="tx1"/>
-            </a:solidFill>
-            <a:tailEnd type="triangle"/>
-          </a:ln>
-        </p:spPr>
-        <p:style>
-          <a:lnRef idx="1">
-            <a:schemeClr val="accent1"/>
-          </a:lnRef>
-          <a:fillRef idx="0">
-            <a:schemeClr val="accent1"/>
-          </a:fillRef>
-          <a:effectRef idx="0">
-            <a:schemeClr val="accent1"/>
-          </a:effectRef>
-          <a:fontRef idx="minor">
-            <a:schemeClr val="tx1"/>
-          </a:fontRef>
-        </p:style>
-      </p:cxnSp>
-      <p:cxnSp>
-        <p:nvCxnSpPr>
-          <p:cNvPr id="37" name="Straight Arrow Connector 36"/>
-          <p:cNvCxnSpPr>
-            <a:stCxn id="35" idx="0"/>
-            <a:endCxn id="29" idx="3"/>
-          </p:cNvCxnSpPr>
-          <p:nvPr/>
-        </p:nvCxnSpPr>
-        <p:spPr>
-          <a:xfrm flipV="1">
-            <a:off x="9511825" y="3744163"/>
-            <a:ext cx="802338" cy="841447"/>
-          </a:xfrm>
-          <a:prstGeom prst="straightConnector1">
-            <a:avLst/>
-          </a:prstGeom>
-          <a:ln>
-            <a:solidFill>
-              <a:schemeClr val="tx1"/>
-            </a:solidFill>
-            <a:tailEnd type="triangle"/>
-          </a:ln>
-        </p:spPr>
-        <p:style>
-          <a:lnRef idx="1">
-            <a:schemeClr val="accent1"/>
-          </a:lnRef>
-          <a:fillRef idx="0">
-            <a:schemeClr val="accent1"/>
-          </a:fillRef>
-          <a:effectRef idx="0">
-            <a:schemeClr val="accent1"/>
-          </a:effectRef>
-          <a:fontRef idx="minor">
-            <a:schemeClr val="tx1"/>
-          </a:fontRef>
-        </p:style>
-      </p:cxnSp>
-      <p:sp>
-        <p:nvSpPr>
-          <p:cNvPr id="38" name="TextBox 37"/>
-          <p:cNvSpPr txBox="1"/>
-          <p:nvPr/>
-        </p:nvSpPr>
-        <p:spPr>
-          <a:xfrm>
-            <a:off x="10234597" y="4912577"/>
-            <a:ext cx="1858078" cy="369332"/>
-          </a:xfrm>
-          <a:prstGeom prst="rect">
-            <a:avLst/>
-          </a:prstGeom>
-          <a:noFill/>
-        </p:spPr>
-        <p:txBody>
-          <a:bodyPr wrap="square" rtlCol="0">
-            <a:spAutoFit/>
-          </a:bodyPr>
-          <a:lstStyle/>
-          <a:p>
-            <a:r>
-              <a:rPr lang="en-US" dirty="0" smtClean="0"/>
-              <a:t>Window operator</a:t>
-            </a:r>
-            <a:endParaRPr lang="en-US" dirty="0"/>
-          </a:p>
-        </p:txBody>
-      </p:sp>
-      <p:cxnSp>
-        <p:nvCxnSpPr>
-          <p:cNvPr id="39" name="Straight Arrow Connector 38"/>
-          <p:cNvCxnSpPr>
-            <a:stCxn id="38" idx="0"/>
-            <a:endCxn id="27" idx="5"/>
-          </p:cNvCxnSpPr>
-          <p:nvPr/>
-        </p:nvCxnSpPr>
-        <p:spPr>
-          <a:xfrm flipH="1" flipV="1">
-            <a:off x="9541342" y="3735655"/>
-            <a:ext cx="1622294" cy="1176922"/>
-          </a:xfrm>
-          <a:prstGeom prst="straightConnector1">
-            <a:avLst/>
-          </a:prstGeom>
-          <a:ln>
-            <a:solidFill>
-              <a:schemeClr val="tx1"/>
-            </a:solidFill>
-            <a:tailEnd type="triangle"/>
-          </a:ln>
-        </p:spPr>
-        <p:style>
-          <a:lnRef idx="1">
-            <a:schemeClr val="accent1"/>
-          </a:lnRef>
-          <a:fillRef idx="0">
-            <a:schemeClr val="accent1"/>
-          </a:fillRef>
-          <a:effectRef idx="0">
-            <a:schemeClr val="accent1"/>
-          </a:effectRef>
-          <a:fontRef idx="minor">
-            <a:schemeClr val="tx1"/>
-          </a:fontRef>
-        </p:style>
-      </p:cxnSp>
       <p:pic>
         <p:nvPicPr>
-          <p:cNvPr id="41" name="Picture 40"/>
+          <p:cNvPr id="3" name="Picture 2"/>
           <p:cNvPicPr>
             <a:picLocks noChangeAspect="1"/>
           </p:cNvPicPr>
@@ -20518,109 +20251,17 @@
         </p:blipFill>
         <p:spPr>
           <a:xfrm>
-            <a:off x="4576866" y="1858407"/>
-            <a:ext cx="7572375" cy="685800"/>
+            <a:off x="7539644" y="2042542"/>
+            <a:ext cx="3399905" cy="2824288"/>
           </a:xfrm>
           <a:prstGeom prst="rect">
             <a:avLst/>
           </a:prstGeom>
         </p:spPr>
       </p:pic>
-      <p:sp>
-        <p:nvSpPr>
-          <p:cNvPr id="42" name="TextBox 41"/>
-          <p:cNvSpPr txBox="1"/>
-          <p:nvPr/>
-        </p:nvSpPr>
-        <p:spPr>
-          <a:xfrm>
-            <a:off x="122439" y="861901"/>
-            <a:ext cx="4497186" cy="646331"/>
-          </a:xfrm>
-          <a:prstGeom prst="rect">
-            <a:avLst/>
-          </a:prstGeom>
-          <a:noFill/>
-        </p:spPr>
-        <p:txBody>
-          <a:bodyPr wrap="square" rtlCol="0">
-            <a:spAutoFit/>
-          </a:bodyPr>
-          <a:lstStyle/>
-          <a:p>
-            <a:r>
-              <a:rPr lang="en-US" dirty="0" smtClean="0"/>
-              <a:t>The application defines the logic in the form of </a:t>
-            </a:r>
-            <a:r>
-              <a:rPr lang="en-US" dirty="0" err="1" smtClean="0"/>
-              <a:t>MessageStream</a:t>
-            </a:r>
-            <a:r>
-              <a:rPr lang="en-US" dirty="0" err="1"/>
-              <a:t>s</a:t>
-            </a:r>
-            <a:endParaRPr lang="en-US" dirty="0"/>
-          </a:p>
-        </p:txBody>
-      </p:sp>
-      <p:sp>
-        <p:nvSpPr>
-          <p:cNvPr id="43" name="TextBox 42"/>
-          <p:cNvSpPr txBox="1"/>
-          <p:nvPr/>
-        </p:nvSpPr>
-        <p:spPr>
-          <a:xfrm>
-            <a:off x="131877" y="5704465"/>
-            <a:ext cx="4478309" cy="923330"/>
-          </a:xfrm>
-          <a:prstGeom prst="rect">
-            <a:avLst/>
-          </a:prstGeom>
-          <a:noFill/>
-        </p:spPr>
-        <p:txBody>
-          <a:bodyPr wrap="square" rtlCol="0">
-            <a:spAutoFit/>
-          </a:bodyPr>
-          <a:lstStyle/>
-          <a:p>
-            <a:r>
-              <a:rPr lang="en-US" altLang="zh-CN" dirty="0" smtClean="0"/>
-              <a:t>Each </a:t>
-            </a:r>
-            <a:r>
-              <a:rPr lang="en-US" altLang="zh-CN" dirty="0" err="1" smtClean="0"/>
-              <a:t>MessageStream</a:t>
-            </a:r>
-            <a:r>
-              <a:rPr lang="en-US" altLang="zh-CN" dirty="0" smtClean="0"/>
-              <a:t> is associated with the one </a:t>
-            </a:r>
-            <a:r>
-              <a:rPr lang="en-US" altLang="zh-CN" dirty="0" err="1" smtClean="0"/>
-              <a:t>OperatorSpec</a:t>
-            </a:r>
-            <a:r>
-              <a:rPr lang="en-US" altLang="zh-CN" dirty="0" smtClean="0"/>
-              <a:t> where it comes from and records all </a:t>
-            </a:r>
-            <a:r>
-              <a:rPr lang="en-US" altLang="zh-CN" dirty="0" err="1" smtClean="0"/>
-              <a:t>OperatorSpecs</a:t>
-            </a:r>
-            <a:r>
-              <a:rPr lang="en-US" altLang="zh-CN" dirty="0" smtClean="0"/>
-              <a:t> it goes to.</a:t>
-            </a:r>
-            <a:endParaRPr lang="en-US" dirty="0"/>
-          </a:p>
-        </p:txBody>
-      </p:sp>
       <p:pic>
         <p:nvPicPr>
-          <p:cNvPr id="46" name="Picture 45"/>
+          <p:cNvPr id="4" name="Picture 3"/>
           <p:cNvPicPr>
             <a:picLocks noChangeAspect="1"/>
           </p:cNvPicPr>
@@ -20634,8 +20275,8 @@
         </p:blipFill>
         <p:spPr>
           <a:xfrm>
-            <a:off x="2239377" y="1581945"/>
-            <a:ext cx="9953625" cy="200025"/>
+            <a:off x="7539644" y="1524433"/>
+            <a:ext cx="3914602" cy="518109"/>
           </a:xfrm>
           <a:prstGeom prst="rect">
             <a:avLst/>
@@ -20644,14 +20285,14 @@
       </p:pic>
       <p:sp>
         <p:nvSpPr>
-          <p:cNvPr id="52" name="TextBox 51"/>
+          <p:cNvPr id="5" name="TextBox 4"/>
           <p:cNvSpPr txBox="1"/>
           <p:nvPr/>
         </p:nvSpPr>
         <p:spPr>
           <a:xfrm>
-            <a:off x="99303" y="2085768"/>
-            <a:ext cx="4553530" cy="2031325"/>
+            <a:off x="124691" y="1030087"/>
+            <a:ext cx="4364182" cy="1200329"/>
           </a:xfrm>
           <a:prstGeom prst="rect">
             <a:avLst/>
@@ -20665,32 +20306,12 @@
           <a:lstStyle/>
           <a:p>
             <a:r>
-              <a:rPr lang="en-US" dirty="0"/>
-              <a:t>In </a:t>
-            </a:r>
-            <a:r>
-              <a:rPr lang="en-US" dirty="0" err="1"/>
-              <a:t>StreamGraph</a:t>
-            </a:r>
-            <a:r>
-              <a:rPr lang="en-US" dirty="0"/>
-              <a:t>, there are </a:t>
-            </a:r>
-            <a:r>
-              <a:rPr lang="en-US" dirty="0" err="1"/>
-              <a:t>OperatorSpec</a:t>
-            </a:r>
-            <a:r>
-              <a:rPr lang="en-US" dirty="0"/>
-              <a:t>(build by </a:t>
-            </a:r>
-            <a:r>
               <a:rPr lang="en-US" dirty="0" err="1"/>
               <a:t>OperatorSpecs</a:t>
             </a:r>
             <a:r>
               <a:rPr lang="en-US" dirty="0"/>
-              <a:t>) and </a:t>
+              <a:t> transform messages read from input </a:t>
             </a:r>
             <a:r>
               <a:rPr lang="en-US" dirty="0" err="1"/>
@@ -20698,64 +20319,215 @@
             </a:r>
             <a:r>
               <a:rPr lang="en-US" dirty="0"/>
-              <a:t>(implemented by </a:t>
+              <a:t> and produce the output </a:t>
             </a:r>
             <a:r>
               <a:rPr lang="en-US" dirty="0" err="1"/>
-              <a:t>MessageStreamImpl</a:t>
-            </a:r>
-            <a:r>
-              <a:rPr lang="en-US" dirty="0"/>
-              <a:t>):</a:t>
-            </a:r>
-          </a:p>
-          <a:p>
-            <a:r>
-              <a:rPr lang="en-US" dirty="0" err="1" smtClean="0"/>
-              <a:t>OperatorSpecs</a:t>
-            </a:r>
-            <a:r>
-              <a:rPr lang="en-US" dirty="0" smtClean="0"/>
-              <a:t> </a:t>
-            </a:r>
-            <a:r>
-              <a:rPr lang="en-US" dirty="0"/>
-              <a:t>transform </a:t>
-            </a:r>
-            <a:r>
-              <a:rPr lang="en-US" dirty="0" smtClean="0"/>
-              <a:t>messages read from input </a:t>
-            </a:r>
-            <a:r>
-              <a:rPr lang="en-US" dirty="0" err="1" smtClean="0"/>
               <a:t>MessageStreams</a:t>
             </a:r>
-            <a:r>
-              <a:rPr lang="en-US" dirty="0"/>
-              <a:t> </a:t>
-            </a:r>
-            <a:r>
-              <a:rPr lang="en-US" dirty="0" smtClean="0"/>
-              <a:t>and produce the output </a:t>
-            </a:r>
-            <a:r>
-              <a:rPr lang="en-US" dirty="0" err="1" smtClean="0"/>
-              <a:t>MessageStreams</a:t>
-            </a:r>
-            <a:endParaRPr lang="en-US" dirty="0"/>
-          </a:p>
-        </p:txBody>
-      </p:sp>
-      <p:sp>
-        <p:nvSpPr>
-          <p:cNvPr id="54" name="TextBox 53"/>
+            <a:endParaRPr lang="en-US" dirty="0"/>
+          </a:p>
+          <a:p>
+            <a:endParaRPr lang="en-US" dirty="0"/>
+          </a:p>
+        </p:txBody>
+      </p:sp>
+      <p:cxnSp>
+        <p:nvCxnSpPr>
+          <p:cNvPr id="7" name="Straight Arrow Connector 6"/>
+          <p:cNvCxnSpPr/>
+          <p:nvPr/>
+        </p:nvCxnSpPr>
+        <p:spPr>
+          <a:xfrm>
+            <a:off x="4098175" y="1573104"/>
+            <a:ext cx="3516283" cy="294268"/>
+          </a:xfrm>
+          <a:prstGeom prst="straightConnector1">
+            <a:avLst/>
+          </a:prstGeom>
+          <a:ln>
+            <a:tailEnd type="triangle"/>
+          </a:ln>
+        </p:spPr>
+        <p:style>
+          <a:lnRef idx="1">
+            <a:schemeClr val="accent1"/>
+          </a:lnRef>
+          <a:fillRef idx="0">
+            <a:schemeClr val="accent1"/>
+          </a:fillRef>
+          <a:effectRef idx="0">
+            <a:schemeClr val="accent1"/>
+          </a:effectRef>
+          <a:fontRef idx="minor">
+            <a:schemeClr val="tx1"/>
+          </a:fontRef>
+        </p:style>
+      </p:cxnSp>
+      <p:pic>
+        <p:nvPicPr>
+          <p:cNvPr id="12" name="Picture 11"/>
+          <p:cNvPicPr>
+            <a:picLocks noChangeAspect="1"/>
+          </p:cNvPicPr>
+          <p:nvPr/>
+        </p:nvPicPr>
+        <p:blipFill>
+          <a:blip r:embed="rId4"/>
+          <a:stretch>
+            <a:fillRect/>
+          </a:stretch>
+        </p:blipFill>
+        <p:spPr>
+          <a:xfrm>
+            <a:off x="5194157" y="789710"/>
+            <a:ext cx="6997844" cy="633766"/>
+          </a:xfrm>
+          <a:prstGeom prst="rect">
+            <a:avLst/>
+          </a:prstGeom>
+        </p:spPr>
+      </p:pic>
+      <p:cxnSp>
+        <p:nvCxnSpPr>
+          <p:cNvPr id="14" name="Straight Arrow Connector 13"/>
+          <p:cNvCxnSpPr/>
+          <p:nvPr/>
+        </p:nvCxnSpPr>
+        <p:spPr>
+          <a:xfrm>
+            <a:off x="6542116" y="939338"/>
+            <a:ext cx="2252749" cy="624497"/>
+          </a:xfrm>
+          <a:prstGeom prst="straightConnector1">
+            <a:avLst/>
+          </a:prstGeom>
+          <a:ln>
+            <a:tailEnd type="triangle"/>
+          </a:ln>
+        </p:spPr>
+        <p:style>
+          <a:lnRef idx="1">
+            <a:schemeClr val="accent1"/>
+          </a:lnRef>
+          <a:fillRef idx="0">
+            <a:schemeClr val="accent1"/>
+          </a:fillRef>
+          <a:effectRef idx="0">
+            <a:schemeClr val="accent1"/>
+          </a:effectRef>
+          <a:fontRef idx="minor">
+            <a:schemeClr val="tx1"/>
+          </a:fontRef>
+        </p:style>
+      </p:cxnSp>
+      <p:pic>
+        <p:nvPicPr>
+          <p:cNvPr id="18" name="Picture 17"/>
+          <p:cNvPicPr>
+            <a:picLocks noChangeAspect="1"/>
+          </p:cNvPicPr>
+          <p:nvPr/>
+        </p:nvPicPr>
+        <p:blipFill>
+          <a:blip r:embed="rId5"/>
+          <a:stretch>
+            <a:fillRect/>
+          </a:stretch>
+        </p:blipFill>
+        <p:spPr>
+          <a:xfrm>
+            <a:off x="7513667" y="5001500"/>
+            <a:ext cx="3940579" cy="383439"/>
+          </a:xfrm>
+          <a:prstGeom prst="rect">
+            <a:avLst/>
+          </a:prstGeom>
+        </p:spPr>
+      </p:pic>
+      <p:pic>
+        <p:nvPicPr>
+          <p:cNvPr id="20" name="Picture 19"/>
+          <p:cNvPicPr>
+            <a:picLocks noChangeAspect="1"/>
+          </p:cNvPicPr>
+          <p:nvPr/>
+        </p:nvPicPr>
+        <p:blipFill>
+          <a:blip r:embed="rId6"/>
+          <a:stretch>
+            <a:fillRect/>
+          </a:stretch>
+        </p:blipFill>
+        <p:spPr>
+          <a:xfrm>
+            <a:off x="7539644" y="5384939"/>
+            <a:ext cx="3463203" cy="653435"/>
+          </a:xfrm>
+          <a:prstGeom prst="rect">
+            <a:avLst/>
+          </a:prstGeom>
+        </p:spPr>
+      </p:pic>
+      <p:pic>
+        <p:nvPicPr>
+          <p:cNvPr id="21" name="Picture 20"/>
+          <p:cNvPicPr>
+            <a:picLocks noChangeAspect="1"/>
+          </p:cNvPicPr>
+          <p:nvPr/>
+        </p:nvPicPr>
+        <p:blipFill>
+          <a:blip r:embed="rId7"/>
+          <a:stretch>
+            <a:fillRect/>
+          </a:stretch>
+        </p:blipFill>
+        <p:spPr>
+          <a:xfrm>
+            <a:off x="3906808" y="4821395"/>
+            <a:ext cx="3299114" cy="657969"/>
+          </a:xfrm>
+          <a:prstGeom prst="rect">
+            <a:avLst/>
+          </a:prstGeom>
+        </p:spPr>
+      </p:pic>
+      <p:pic>
+        <p:nvPicPr>
+          <p:cNvPr id="22" name="Picture 21"/>
+          <p:cNvPicPr>
+            <a:picLocks noChangeAspect="1"/>
+          </p:cNvPicPr>
+          <p:nvPr/>
+        </p:nvPicPr>
+        <p:blipFill>
+          <a:blip r:embed="rId8"/>
+          <a:stretch>
+            <a:fillRect/>
+          </a:stretch>
+        </p:blipFill>
+        <p:spPr>
+          <a:xfrm>
+            <a:off x="4123805" y="5449876"/>
+            <a:ext cx="2709775" cy="531729"/>
+          </a:xfrm>
+          <a:prstGeom prst="rect">
+            <a:avLst/>
+          </a:prstGeom>
+        </p:spPr>
+      </p:pic>
+      <p:sp>
+        <p:nvSpPr>
+          <p:cNvPr id="23" name="TextBox 22"/>
           <p:cNvSpPr txBox="1"/>
           <p:nvPr/>
         </p:nvSpPr>
         <p:spPr>
           <a:xfrm>
-            <a:off x="99303" y="4199371"/>
-            <a:ext cx="4083801" cy="646331"/>
+            <a:off x="241069" y="2310938"/>
+            <a:ext cx="3491346" cy="646331"/>
           </a:xfrm>
           <a:prstGeom prst="rect">
             <a:avLst/>
@@ -20769,39 +20541,66 @@
           <a:lstStyle/>
           <a:p>
             <a:r>
-              <a:rPr lang="en-US" altLang="zh-CN" dirty="0" smtClean="0"/>
-              <a:t>The </a:t>
-            </a:r>
-            <a:r>
-              <a:rPr lang="en-US" altLang="zh-CN" dirty="0" err="1" smtClean="0"/>
-              <a:t>MessageStream</a:t>
-            </a:r>
-            <a:r>
-              <a:rPr lang="en-US" altLang="zh-CN" dirty="0" smtClean="0"/>
-              <a:t> and </a:t>
-            </a:r>
-            <a:r>
-              <a:rPr lang="en-US" altLang="zh-CN" dirty="0" err="1" smtClean="0"/>
-              <a:t>OperatorSpec</a:t>
-            </a:r>
-            <a:r>
-              <a:rPr lang="en-US" altLang="zh-CN" dirty="0" smtClean="0"/>
-              <a:t> both are template class. </a:t>
-            </a:r>
-            <a:endParaRPr lang="en-US" dirty="0"/>
-          </a:p>
-        </p:txBody>
-      </p:sp>
-      <p:sp>
-        <p:nvSpPr>
-          <p:cNvPr id="55" name="TextBox 54"/>
+              <a:rPr lang="en-US" dirty="0" smtClean="0"/>
+              <a:t>Rewrite map function to </a:t>
+            </a:r>
+            <a:r>
+              <a:rPr lang="en-US" dirty="0" err="1" smtClean="0"/>
+              <a:t>flatmap</a:t>
+            </a:r>
+            <a:r>
+              <a:rPr lang="en-US" dirty="0" smtClean="0"/>
+              <a:t> function</a:t>
+            </a:r>
+            <a:endParaRPr lang="en-US" dirty="0"/>
+          </a:p>
+        </p:txBody>
+      </p:sp>
+      <p:cxnSp>
+        <p:nvCxnSpPr>
+          <p:cNvPr id="25" name="Straight Arrow Connector 24"/>
+          <p:cNvCxnSpPr>
+            <a:stCxn id="23" idx="3"/>
+          </p:cNvCxnSpPr>
+          <p:nvPr/>
+        </p:nvCxnSpPr>
+        <p:spPr>
+          <a:xfrm>
+            <a:off x="3732415" y="2634104"/>
+            <a:ext cx="3998421" cy="722507"/>
+          </a:xfrm>
+          <a:prstGeom prst="straightConnector1">
+            <a:avLst/>
+          </a:prstGeom>
+          <a:ln>
+            <a:tailEnd type="triangle"/>
+          </a:ln>
+        </p:spPr>
+        <p:style>
+          <a:lnRef idx="1">
+            <a:schemeClr val="accent1"/>
+          </a:lnRef>
+          <a:fillRef idx="0">
+            <a:schemeClr val="accent1"/>
+          </a:fillRef>
+          <a:effectRef idx="0">
+            <a:schemeClr val="accent1"/>
+          </a:effectRef>
+          <a:fontRef idx="minor">
+            <a:schemeClr val="tx1"/>
+          </a:fontRef>
+        </p:style>
+      </p:cxnSp>
+      <p:sp>
+        <p:nvSpPr>
+          <p:cNvPr id="27" name="TextBox 26"/>
           <p:cNvSpPr txBox="1"/>
           <p:nvPr/>
         </p:nvSpPr>
         <p:spPr>
           <a:xfrm>
-            <a:off x="122439" y="4910779"/>
-            <a:ext cx="4109588" cy="646331"/>
+            <a:off x="266700" y="3208713"/>
+            <a:ext cx="3250276" cy="646331"/>
           </a:xfrm>
           <a:prstGeom prst="rect">
             <a:avLst/>
@@ -20815,32 +20614,131 @@
           <a:lstStyle/>
           <a:p>
             <a:r>
+              <a:rPr lang="en-US" altLang="zh-CN" dirty="0" err="1" smtClean="0"/>
+              <a:t>OperatorSpec</a:t>
+            </a:r>
+            <a:r>
+              <a:rPr lang="en-US" altLang="zh-CN" dirty="0" smtClean="0"/>
+              <a:t> stores opcode and functions</a:t>
+            </a:r>
+            <a:endParaRPr lang="en-US" dirty="0"/>
+          </a:p>
+        </p:txBody>
+      </p:sp>
+      <p:cxnSp>
+        <p:nvCxnSpPr>
+          <p:cNvPr id="29" name="Straight Arrow Connector 28"/>
+          <p:cNvCxnSpPr>
+            <a:stCxn id="27" idx="3"/>
+          </p:cNvCxnSpPr>
+          <p:nvPr/>
+        </p:nvCxnSpPr>
+        <p:spPr>
+          <a:xfrm>
+            <a:off x="3516976" y="3531879"/>
+            <a:ext cx="4097482" cy="2054274"/>
+          </a:xfrm>
+          <a:prstGeom prst="straightConnector1">
+            <a:avLst/>
+          </a:prstGeom>
+          <a:ln>
+            <a:tailEnd type="triangle"/>
+          </a:ln>
+        </p:spPr>
+        <p:style>
+          <a:lnRef idx="1">
+            <a:schemeClr val="accent1"/>
+          </a:lnRef>
+          <a:fillRef idx="0">
+            <a:schemeClr val="accent1"/>
+          </a:fillRef>
+          <a:effectRef idx="0">
+            <a:schemeClr val="accent1"/>
+          </a:effectRef>
+          <a:fontRef idx="minor">
+            <a:schemeClr val="tx1"/>
+          </a:fontRef>
+        </p:style>
+      </p:cxnSp>
+      <p:sp>
+        <p:nvSpPr>
+          <p:cNvPr id="30" name="TextBox 29"/>
+          <p:cNvSpPr txBox="1"/>
+          <p:nvPr/>
+        </p:nvSpPr>
+        <p:spPr>
+          <a:xfrm>
+            <a:off x="320386" y="4120637"/>
+            <a:ext cx="3146021" cy="646331"/>
+          </a:xfrm>
+          <a:prstGeom prst="rect">
+            <a:avLst/>
+          </a:prstGeom>
+          <a:noFill/>
+        </p:spPr>
+        <p:txBody>
+          <a:bodyPr wrap="square" rtlCol="0">
+            <a:spAutoFit/>
+          </a:bodyPr>
+          <a:lstStyle/>
+          <a:p>
+            <a:r>
               <a:rPr lang="en-US" dirty="0" smtClean="0"/>
-              <a:t>Some </a:t>
+              <a:t>Create new </a:t>
+            </a:r>
+            <a:r>
+              <a:rPr lang="en-US" dirty="0" err="1" smtClean="0"/>
+              <a:t>MessageStream</a:t>
+            </a:r>
+            <a:r>
+              <a:rPr lang="en-US" dirty="0" smtClean="0"/>
+              <a:t> with this </a:t>
             </a:r>
             <a:r>
               <a:rPr lang="en-US" dirty="0" err="1" smtClean="0"/>
               <a:t>OperatorSpec</a:t>
             </a:r>
-            <a:r>
-              <a:rPr lang="en-US" dirty="0" smtClean="0"/>
-              <a:t> will run application-defined functions (map, </a:t>
-            </a:r>
-            <a:r>
-              <a:rPr lang="en-US" dirty="0" err="1" smtClean="0"/>
-              <a:t>flatMap</a:t>
-            </a:r>
-            <a:r>
-              <a:rPr lang="en-US" dirty="0"/>
-              <a:t>)</a:t>
-            </a:r>
-          </a:p>
-        </p:txBody>
-      </p:sp>
+            <a:endParaRPr lang="en-US" dirty="0"/>
+          </a:p>
+        </p:txBody>
+      </p:sp>
+      <p:cxnSp>
+        <p:nvCxnSpPr>
+          <p:cNvPr id="32" name="Straight Arrow Connector 31"/>
+          <p:cNvCxnSpPr/>
+          <p:nvPr/>
+        </p:nvCxnSpPr>
+        <p:spPr>
+          <a:xfrm flipV="1">
+            <a:off x="3325091" y="1911596"/>
+            <a:ext cx="4969454" cy="2587663"/>
+          </a:xfrm>
+          <a:prstGeom prst="straightConnector1">
+            <a:avLst/>
+          </a:prstGeom>
+          <a:ln>
+            <a:tailEnd type="triangle"/>
+          </a:ln>
+        </p:spPr>
+        <p:style>
+          <a:lnRef idx="1">
+            <a:schemeClr val="accent1"/>
+          </a:lnRef>
+          <a:fillRef idx="0">
+            <a:schemeClr val="accent1"/>
+          </a:fillRef>
+          <a:effectRef idx="0">
+            <a:schemeClr val="accent1"/>
+          </a:effectRef>
+          <a:fontRef idx="minor">
+            <a:schemeClr val="tx1"/>
+          </a:fontRef>
+        </p:style>
+      </p:cxnSp>
     </p:spTree>
     <p:extLst>
       <p:ext uri="{BB962C8B-B14F-4D97-AF65-F5344CB8AC3E}">
-        <p14:creationId xmlns:p14="http://schemas.microsoft.com/office/powerpoint/2010/main" val="1253094254"/>
+        <p14:creationId xmlns:p14="http://schemas.microsoft.com/office/powerpoint/2010/main" val="1699406414"/>
       </p:ext>
     </p:extLst>
   </p:cSld>
@@ -20879,7 +20777,7 @@
         </p:nvSpPr>
         <p:spPr>
           <a:xfrm>
-            <a:off x="0" y="-277838"/>
+            <a:off x="139931" y="135003"/>
             <a:ext cx="10515600" cy="1325563"/>
           </a:xfrm>
         </p:spPr>
@@ -20888,24 +20786,160 @@
           <a:lstStyle/>
           <a:p>
             <a:r>
-              <a:rPr lang="en-US" altLang="zh-CN" dirty="0" err="1" smtClean="0"/>
-              <a:t>MessageStream</a:t>
-            </a:r>
-            <a:r>
-              <a:rPr lang="en-US" altLang="zh-CN" dirty="0" smtClean="0"/>
+              <a:rPr lang="en-US" dirty="0" err="1"/>
+              <a:t>RemoteApplicationRunner</a:t>
+            </a:r>
+            <a:endParaRPr lang="en-US" dirty="0"/>
+          </a:p>
+        </p:txBody>
+      </p:sp>
+      <p:sp>
+        <p:nvSpPr>
+          <p:cNvPr id="3" name="TextBox 2"/>
+          <p:cNvSpPr txBox="1"/>
+          <p:nvPr/>
+        </p:nvSpPr>
+        <p:spPr>
+          <a:xfrm>
+            <a:off x="327803" y="1247230"/>
+            <a:ext cx="4161070" cy="646331"/>
+          </a:xfrm>
+          <a:prstGeom prst="rect">
+            <a:avLst/>
+          </a:prstGeom>
+          <a:noFill/>
+        </p:spPr>
+        <p:txBody>
+          <a:bodyPr wrap="square" rtlCol="0">
+            <a:spAutoFit/>
+          </a:bodyPr>
+          <a:lstStyle/>
+          <a:p>
+            <a:r>
+              <a:rPr lang="en-US" dirty="0" smtClean="0"/>
+              <a:t>6.RemoteApplicationRunner runs </a:t>
+            </a:r>
+            <a:r>
+              <a:rPr lang="en-US" dirty="0" err="1" smtClean="0"/>
+              <a:t>StreamAppplication</a:t>
+            </a:r>
+            <a:r>
+              <a:rPr lang="en-US" dirty="0" smtClean="0"/>
+              <a:t> </a:t>
+            </a:r>
+            <a:endParaRPr lang="en-US" dirty="0"/>
+          </a:p>
+        </p:txBody>
+      </p:sp>
+      <p:sp>
+        <p:nvSpPr>
+          <p:cNvPr id="4" name="TextBox 3"/>
+          <p:cNvSpPr txBox="1"/>
+          <p:nvPr/>
+        </p:nvSpPr>
+        <p:spPr>
+          <a:xfrm>
+            <a:off x="327802" y="1893561"/>
+            <a:ext cx="3421237" cy="646331"/>
+          </a:xfrm>
+          <a:prstGeom prst="rect">
+            <a:avLst/>
+          </a:prstGeom>
+          <a:noFill/>
+        </p:spPr>
+        <p:txBody>
+          <a:bodyPr wrap="square" rtlCol="0">
+            <a:spAutoFit/>
+          </a:bodyPr>
+          <a:lstStyle/>
+          <a:p>
+            <a:r>
+              <a:rPr lang="en-US" dirty="0" smtClean="0"/>
+              <a:t>(1)Build </a:t>
+            </a:r>
+            <a:r>
+              <a:rPr lang="en-US" dirty="0" err="1" smtClean="0"/>
+              <a:t>ExecutionPlan</a:t>
+            </a:r>
+            <a:r>
+              <a:rPr lang="en-US" dirty="0" smtClean="0"/>
+              <a:t> from the </a:t>
+            </a:r>
+            <a:r>
+              <a:rPr lang="en-US" dirty="0" err="1" smtClean="0"/>
+              <a:t>StreamApplication</a:t>
+            </a:r>
+            <a:r>
+              <a:rPr lang="en-US" dirty="0" smtClean="0"/>
+              <a:t>:</a:t>
+            </a:r>
+          </a:p>
+        </p:txBody>
+      </p:sp>
+      <p:sp>
+        <p:nvSpPr>
+          <p:cNvPr id="6" name="TextBox 5"/>
+          <p:cNvSpPr txBox="1"/>
+          <p:nvPr/>
+        </p:nvSpPr>
+        <p:spPr>
+          <a:xfrm>
+            <a:off x="648443" y="2453255"/>
+            <a:ext cx="4172938" cy="646331"/>
+          </a:xfrm>
+          <a:prstGeom prst="rect">
+            <a:avLst/>
+          </a:prstGeom>
+          <a:noFill/>
+        </p:spPr>
+        <p:txBody>
+          <a:bodyPr wrap="square" rtlCol="0">
+            <a:spAutoFit/>
+          </a:bodyPr>
+          <a:lstStyle/>
+          <a:p>
+            <a:r>
+              <a:rPr lang="en-US" dirty="0" smtClean="0"/>
+              <a:t>b)Pass the </a:t>
+            </a:r>
+            <a:r>
+              <a:rPr lang="en-US" dirty="0" err="1" smtClean="0"/>
+              <a:t>StreamGraph</a:t>
+            </a:r>
+            <a:r>
+              <a:rPr lang="en-US" dirty="0" smtClean="0"/>
               <a:t> and </a:t>
             </a:r>
             <a:r>
-              <a:rPr lang="en-US" altLang="zh-CN" dirty="0" err="1" smtClean="0"/>
-              <a:t>OperatorSpec</a:t>
-            </a:r>
-            <a:endParaRPr lang="en-US" dirty="0"/>
+              <a:rPr lang="en-US" dirty="0" err="1" smtClean="0"/>
+              <a:t>Configs</a:t>
+            </a:r>
+            <a:r>
+              <a:rPr lang="en-US" dirty="0" smtClean="0"/>
+              <a:t> to </a:t>
+            </a:r>
+            <a:r>
+              <a:rPr lang="en-US" dirty="0" err="1" smtClean="0"/>
+              <a:t>StreamApplication</a:t>
+            </a:r>
+            <a:r>
+              <a:rPr lang="en-US" dirty="0" smtClean="0"/>
+              <a:t>(</a:t>
+            </a:r>
+            <a:r>
+              <a:rPr lang="en-US" dirty="0" err="1" smtClean="0"/>
+              <a:t>wikipediaApplication</a:t>
+            </a:r>
+            <a:r>
+              <a:rPr lang="en-US" dirty="0" smtClean="0"/>
+              <a:t>)</a:t>
+            </a:r>
           </a:p>
         </p:txBody>
       </p:sp>
       <p:pic>
         <p:nvPicPr>
-          <p:cNvPr id="3" name="Picture 2"/>
+          <p:cNvPr id="7" name="Picture 6"/>
           <p:cNvPicPr>
             <a:picLocks noChangeAspect="1"/>
           </p:cNvPicPr>
@@ -20919,8 +20953,8 @@
         </p:blipFill>
         <p:spPr>
           <a:xfrm>
-            <a:off x="7539644" y="2042542"/>
-            <a:ext cx="3399905" cy="2824288"/>
+            <a:off x="4949710" y="1677064"/>
+            <a:ext cx="7218768" cy="2349344"/>
           </a:xfrm>
           <a:prstGeom prst="rect">
             <a:avLst/>
@@ -20929,7 +20963,7 @@
       </p:pic>
       <p:pic>
         <p:nvPicPr>
-          <p:cNvPr id="4" name="Picture 3"/>
+          <p:cNvPr id="8" name="Picture 7"/>
           <p:cNvPicPr>
             <a:picLocks noChangeAspect="1"/>
           </p:cNvPicPr>
@@ -20943,24 +20977,57 @@
         </p:blipFill>
         <p:spPr>
           <a:xfrm>
-            <a:off x="7539644" y="1524433"/>
-            <a:ext cx="3914602" cy="518109"/>
+            <a:off x="4949710" y="1201598"/>
+            <a:ext cx="5244984" cy="475466"/>
           </a:xfrm>
           <a:prstGeom prst="rect">
             <a:avLst/>
           </a:prstGeom>
         </p:spPr>
       </p:pic>
-      <p:sp>
-        <p:nvSpPr>
-          <p:cNvPr id="5" name="TextBox 4"/>
+      <p:cxnSp>
+        <p:nvCxnSpPr>
+          <p:cNvPr id="10" name="Straight Arrow Connector 9"/>
+          <p:cNvCxnSpPr/>
+          <p:nvPr/>
+        </p:nvCxnSpPr>
+        <p:spPr>
+          <a:xfrm flipV="1">
+            <a:off x="4488873" y="1745673"/>
+            <a:ext cx="540327" cy="1030749"/>
+          </a:xfrm>
+          <a:prstGeom prst="straightConnector1">
+            <a:avLst/>
+          </a:prstGeom>
+          <a:ln>
+            <a:tailEnd type="triangle"/>
+          </a:ln>
+        </p:spPr>
+        <p:style>
+          <a:lnRef idx="1">
+            <a:schemeClr val="accent1"/>
+          </a:lnRef>
+          <a:fillRef idx="0">
+            <a:schemeClr val="accent1"/>
+          </a:fillRef>
+          <a:effectRef idx="0">
+            <a:schemeClr val="accent1"/>
+          </a:effectRef>
+          <a:fontRef idx="minor">
+            <a:schemeClr val="tx1"/>
+          </a:fontRef>
+        </p:style>
+      </p:cxnSp>
+      <p:sp>
+        <p:nvSpPr>
+          <p:cNvPr id="13" name="TextBox 12"/>
           <p:cNvSpPr txBox="1"/>
           <p:nvPr/>
         </p:nvSpPr>
         <p:spPr>
           <a:xfrm>
-            <a:off x="124691" y="1030087"/>
-            <a:ext cx="4364182" cy="1200329"/>
+            <a:off x="648442" y="3099586"/>
+            <a:ext cx="4186968" cy="1477328"/>
           </a:xfrm>
           <a:prstGeom prst="rect">
             <a:avLst/>
@@ -20974,42 +21041,71 @@
           <a:lstStyle/>
           <a:p>
             <a:r>
-              <a:rPr lang="en-US" dirty="0" err="1"/>
-              <a:t>OperatorSpecs</a:t>
+              <a:rPr lang="en-US" dirty="0" smtClean="0"/>
+              <a:t>c)</a:t>
+            </a:r>
+            <a:r>
+              <a:rPr lang="en-US" altLang="zh-CN" dirty="0" smtClean="0"/>
+              <a:t>In </a:t>
+            </a:r>
+            <a:r>
+              <a:rPr lang="en-US" dirty="0" err="1" smtClean="0"/>
+              <a:t>StreamApplication</a:t>
+            </a:r>
+            <a:r>
+              <a:rPr lang="en-US" dirty="0" smtClean="0"/>
+              <a:t>, set up the application logic in </a:t>
+            </a:r>
+            <a:r>
+              <a:rPr lang="en-US" dirty="0" err="1" smtClean="0"/>
+              <a:t>StreamGraph</a:t>
             </a:r>
             <a:r>
               <a:rPr lang="en-US" dirty="0"/>
-              <a:t> transform messages read from input </a:t>
-            </a:r>
-            <a:r>
-              <a:rPr lang="en-US" dirty="0" err="1"/>
+              <a:t> </a:t>
+            </a:r>
+            <a:r>
+              <a:rPr lang="en-US" dirty="0" smtClean="0"/>
+              <a:t>(</a:t>
+            </a:r>
+            <a:r>
+              <a:rPr lang="en-US" dirty="0" err="1" smtClean="0"/>
+              <a:t>InputStream</a:t>
+            </a:r>
+            <a:r>
+              <a:rPr lang="en-US" dirty="0" smtClean="0"/>
+              <a:t>, </a:t>
+            </a:r>
+            <a:r>
+              <a:rPr lang="en-US" dirty="0" err="1" smtClean="0"/>
+              <a:t>OutputStream</a:t>
+            </a:r>
+            <a:r>
+              <a:rPr lang="en-US" dirty="0" smtClean="0"/>
+              <a:t>, the intermediate transformations of </a:t>
+            </a:r>
+            <a:r>
+              <a:rPr lang="en-US" dirty="0" err="1" smtClean="0"/>
               <a:t>MessageStreams</a:t>
             </a:r>
             <a:r>
-              <a:rPr lang="en-US" dirty="0"/>
-              <a:t> and produce the output </a:t>
-            </a:r>
-            <a:r>
-              <a:rPr lang="en-US" dirty="0" err="1"/>
-              <a:t>MessageStreams</a:t>
-            </a:r>
-            <a:endParaRPr lang="en-US" dirty="0"/>
-          </a:p>
-          <a:p>
+              <a:rPr lang="en-US" dirty="0" smtClean="0"/>
+              <a:t>)</a:t>
+            </a:r>
             <a:endParaRPr lang="en-US" dirty="0"/>
           </a:p>
         </p:txBody>
       </p:sp>
       <p:cxnSp>
         <p:nvCxnSpPr>
-          <p:cNvPr id="7" name="Straight Arrow Connector 6"/>
+          <p:cNvPr id="15" name="Straight Arrow Connector 14"/>
           <p:cNvCxnSpPr/>
           <p:nvPr/>
         </p:nvCxnSpPr>
         <p:spPr>
-          <a:xfrm>
-            <a:off x="4098175" y="1573104"/>
-            <a:ext cx="3516283" cy="294268"/>
+          <a:xfrm flipV="1">
+            <a:off x="4013200" y="2319252"/>
+            <a:ext cx="1090815" cy="1274008"/>
           </a:xfrm>
           <a:prstGeom prst="straightConnector1">
             <a:avLst/>
@@ -21035,7 +21131,7 @@
       </p:cxnSp>
       <p:pic>
         <p:nvPicPr>
-          <p:cNvPr id="12" name="Picture 11"/>
+          <p:cNvPr id="17" name="Picture 16"/>
           <p:cNvPicPr>
             <a:picLocks noChangeAspect="1"/>
           </p:cNvPicPr>
@@ -21049,47 +21145,14 @@
         </p:blipFill>
         <p:spPr>
           <a:xfrm>
-            <a:off x="5194157" y="789710"/>
-            <a:ext cx="6997844" cy="633766"/>
+            <a:off x="427125" y="5223245"/>
+            <a:ext cx="4670367" cy="1421905"/>
           </a:xfrm>
           <a:prstGeom prst="rect">
             <a:avLst/>
           </a:prstGeom>
         </p:spPr>
       </p:pic>
-      <p:cxnSp>
-        <p:nvCxnSpPr>
-          <p:cNvPr id="14" name="Straight Arrow Connector 13"/>
-          <p:cNvCxnSpPr/>
-          <p:nvPr/>
-        </p:nvCxnSpPr>
-        <p:spPr>
-          <a:xfrm>
-            <a:off x="6542116" y="939338"/>
-            <a:ext cx="2252749" cy="624497"/>
-          </a:xfrm>
-          <a:prstGeom prst="straightConnector1">
-            <a:avLst/>
-          </a:prstGeom>
-          <a:ln>
-            <a:tailEnd type="triangle"/>
-          </a:ln>
-        </p:spPr>
-        <p:style>
-          <a:lnRef idx="1">
-            <a:schemeClr val="accent1"/>
-          </a:lnRef>
-          <a:fillRef idx="0">
-            <a:schemeClr val="accent1"/>
-          </a:fillRef>
-          <a:effectRef idx="0">
-            <a:schemeClr val="accent1"/>
-          </a:effectRef>
-          <a:fontRef idx="minor">
-            <a:schemeClr val="tx1"/>
-          </a:fontRef>
-        </p:style>
-      </p:cxnSp>
       <p:pic>
         <p:nvPicPr>
           <p:cNvPr id="18" name="Picture 17"/>
@@ -21106,8 +21169,8 @@
         </p:blipFill>
         <p:spPr>
           <a:xfrm>
-            <a:off x="7513667" y="5001500"/>
-            <a:ext cx="3940579" cy="383439"/>
+            <a:off x="9222137" y="1414427"/>
+            <a:ext cx="2495320" cy="685298"/>
           </a:xfrm>
           <a:prstGeom prst="rect">
             <a:avLst/>
@@ -21130,8 +21193,8 @@
         </p:blipFill>
         <p:spPr>
           <a:xfrm>
-            <a:off x="7539644" y="5384939"/>
-            <a:ext cx="3463203" cy="653435"/>
+            <a:off x="5394267" y="5223245"/>
+            <a:ext cx="4355869" cy="1455537"/>
           </a:xfrm>
           <a:prstGeom prst="rect">
             <a:avLst/>
@@ -21154,88 +21217,57 @@
         </p:blipFill>
         <p:spPr>
           <a:xfrm>
-            <a:off x="3906808" y="4821395"/>
-            <a:ext cx="3299114" cy="657969"/>
+            <a:off x="5029200" y="4018951"/>
+            <a:ext cx="5558006" cy="1024548"/>
           </a:xfrm>
           <a:prstGeom prst="rect">
             <a:avLst/>
           </a:prstGeom>
         </p:spPr>
       </p:pic>
-      <p:pic>
-        <p:nvPicPr>
-          <p:cNvPr id="22" name="Picture 21"/>
-          <p:cNvPicPr>
-            <a:picLocks noChangeAspect="1"/>
-          </p:cNvPicPr>
-          <p:nvPr/>
-        </p:nvPicPr>
-        <p:blipFill>
-          <a:blip r:embed="rId8"/>
-          <a:stretch>
-            <a:fillRect/>
-          </a:stretch>
-        </p:blipFill>
-        <p:spPr>
-          <a:xfrm>
-            <a:off x="4123805" y="5449876"/>
-            <a:ext cx="2709775" cy="531729"/>
-          </a:xfrm>
-          <a:prstGeom prst="rect">
-            <a:avLst/>
-          </a:prstGeom>
-        </p:spPr>
-      </p:pic>
-      <p:sp>
-        <p:nvSpPr>
-          <p:cNvPr id="23" name="TextBox 22"/>
-          <p:cNvSpPr txBox="1"/>
-          <p:nvPr/>
-        </p:nvSpPr>
-        <p:spPr>
-          <a:xfrm>
-            <a:off x="241069" y="2310938"/>
-            <a:ext cx="3491346" cy="646331"/>
-          </a:xfrm>
-          <a:prstGeom prst="rect">
-            <a:avLst/>
-          </a:prstGeom>
-          <a:noFill/>
-        </p:spPr>
-        <p:txBody>
-          <a:bodyPr wrap="square" rtlCol="0">
-            <a:spAutoFit/>
-          </a:bodyPr>
-          <a:lstStyle/>
-          <a:p>
-            <a:r>
-              <a:rPr lang="en-US" dirty="0" smtClean="0"/>
-              <a:t>Rewrite map function to </a:t>
-            </a:r>
-            <a:r>
-              <a:rPr lang="en-US" dirty="0" err="1" smtClean="0"/>
-              <a:t>flatmap</a:t>
-            </a:r>
-            <a:r>
-              <a:rPr lang="en-US" dirty="0" smtClean="0"/>
-              <a:t> function</a:t>
-            </a:r>
-            <a:endParaRPr lang="en-US" dirty="0"/>
-          </a:p>
-        </p:txBody>
-      </p:sp>
+      <p:cxnSp>
+        <p:nvCxnSpPr>
+          <p:cNvPr id="23" name="Straight Arrow Connector 22"/>
+          <p:cNvCxnSpPr/>
+          <p:nvPr/>
+        </p:nvCxnSpPr>
+        <p:spPr>
+          <a:xfrm flipV="1">
+            <a:off x="4013200" y="2789292"/>
+            <a:ext cx="1159933" cy="803968"/>
+          </a:xfrm>
+          <a:prstGeom prst="straightConnector1">
+            <a:avLst/>
+          </a:prstGeom>
+          <a:ln>
+            <a:tailEnd type="triangle"/>
+          </a:ln>
+        </p:spPr>
+        <p:style>
+          <a:lnRef idx="1">
+            <a:schemeClr val="accent1"/>
+          </a:lnRef>
+          <a:fillRef idx="0">
+            <a:schemeClr val="accent1"/>
+          </a:fillRef>
+          <a:effectRef idx="0">
+            <a:schemeClr val="accent1"/>
+          </a:effectRef>
+          <a:fontRef idx="minor">
+            <a:schemeClr val="tx1"/>
+          </a:fontRef>
+        </p:style>
+      </p:cxnSp>
       <p:cxnSp>
         <p:nvCxnSpPr>
           <p:cNvPr id="25" name="Straight Arrow Connector 24"/>
-          <p:cNvCxnSpPr>
-            <a:stCxn id="23" idx="3"/>
-          </p:cNvCxnSpPr>
+          <p:cNvCxnSpPr/>
           <p:nvPr/>
         </p:nvCxnSpPr>
         <p:spPr>
-          <a:xfrm>
-            <a:off x="3732415" y="2634104"/>
-            <a:ext cx="3998421" cy="722507"/>
+          <a:xfrm flipV="1">
+            <a:off x="4013200" y="3149243"/>
+            <a:ext cx="1084292" cy="444017"/>
           </a:xfrm>
           <a:prstGeom prst="straightConnector1">
             <a:avLst/>
@@ -21259,52 +21291,16 @@
           </a:fontRef>
         </p:style>
       </p:cxnSp>
-      <p:sp>
-        <p:nvSpPr>
-          <p:cNvPr id="27" name="TextBox 26"/>
-          <p:cNvSpPr txBox="1"/>
-          <p:nvPr/>
-        </p:nvSpPr>
-        <p:spPr>
-          <a:xfrm>
-            <a:off x="266700" y="3208713"/>
-            <a:ext cx="3250276" cy="646331"/>
-          </a:xfrm>
-          <a:prstGeom prst="rect">
-            <a:avLst/>
-          </a:prstGeom>
-          <a:noFill/>
-        </p:spPr>
-        <p:txBody>
-          <a:bodyPr wrap="square" rtlCol="0">
-            <a:spAutoFit/>
-          </a:bodyPr>
-          <a:lstStyle/>
-          <a:p>
-            <a:r>
-              <a:rPr lang="en-US" altLang="zh-CN" dirty="0" err="1" smtClean="0"/>
-              <a:t>OperatorSpec</a:t>
-            </a:r>
-            <a:r>
-              <a:rPr lang="en-US" altLang="zh-CN" dirty="0" smtClean="0"/>
-              <a:t> stores opcode and functions</a:t>
-            </a:r>
-            <a:endParaRPr lang="en-US" dirty="0"/>
-          </a:p>
-        </p:txBody>
-      </p:sp>
       <p:cxnSp>
         <p:nvCxnSpPr>
-          <p:cNvPr id="29" name="Straight Arrow Connector 28"/>
-          <p:cNvCxnSpPr>
-            <a:stCxn id="27" idx="3"/>
-          </p:cNvCxnSpPr>
+          <p:cNvPr id="27" name="Straight Arrow Connector 26"/>
+          <p:cNvCxnSpPr/>
           <p:nvPr/>
         </p:nvCxnSpPr>
         <p:spPr>
-          <a:xfrm>
-            <a:off x="3516976" y="3531879"/>
-            <a:ext cx="4097482" cy="2054274"/>
+          <a:xfrm flipV="1">
+            <a:off x="4013200" y="3593260"/>
+            <a:ext cx="1159933" cy="72807"/>
           </a:xfrm>
           <a:prstGeom prst="straightConnector1">
             <a:avLst/>
@@ -21328,58 +21324,49 @@
           </a:fontRef>
         </p:style>
       </p:cxnSp>
-      <p:sp>
-        <p:nvSpPr>
-          <p:cNvPr id="30" name="TextBox 29"/>
-          <p:cNvSpPr txBox="1"/>
-          <p:nvPr/>
-        </p:nvSpPr>
-        <p:spPr>
-          <a:xfrm>
-            <a:off x="320386" y="4120637"/>
-            <a:ext cx="3146021" cy="646331"/>
-          </a:xfrm>
-          <a:prstGeom prst="rect">
-            <a:avLst/>
-          </a:prstGeom>
-          <a:noFill/>
-        </p:spPr>
-        <p:txBody>
-          <a:bodyPr wrap="square" rtlCol="0">
-            <a:spAutoFit/>
-          </a:bodyPr>
-          <a:lstStyle/>
-          <a:p>
-            <a:r>
-              <a:rPr lang="en-US" dirty="0" smtClean="0"/>
-              <a:t>Create new </a:t>
-            </a:r>
-            <a:r>
-              <a:rPr lang="en-US" dirty="0" err="1" smtClean="0"/>
-              <a:t>MessageStream</a:t>
-            </a:r>
-            <a:r>
-              <a:rPr lang="en-US" dirty="0" smtClean="0"/>
-              <a:t> with this </a:t>
-            </a:r>
-            <a:r>
-              <a:rPr lang="en-US" dirty="0" err="1" smtClean="0"/>
-              <a:t>OperatorSpec</a:t>
-            </a:r>
-            <a:endParaRPr lang="en-US" dirty="0"/>
-          </a:p>
-        </p:txBody>
-      </p:sp>
       <p:cxnSp>
         <p:nvCxnSpPr>
-          <p:cNvPr id="32" name="Straight Arrow Connector 31"/>
+          <p:cNvPr id="9" name="Straight Arrow Connector 8"/>
           <p:cNvCxnSpPr/>
           <p:nvPr/>
         </p:nvCxnSpPr>
         <p:spPr>
-          <a:xfrm flipV="1">
-            <a:off x="3325091" y="1911596"/>
-            <a:ext cx="4969454" cy="2587663"/>
+          <a:xfrm flipH="1">
+            <a:off x="3857105" y="2227811"/>
+            <a:ext cx="4239491" cy="3059084"/>
+          </a:xfrm>
+          <a:prstGeom prst="straightConnector1">
+            <a:avLst/>
+          </a:prstGeom>
+          <a:ln>
+            <a:tailEnd type="triangle"/>
+          </a:ln>
+        </p:spPr>
+        <p:style>
+          <a:lnRef idx="1">
+            <a:schemeClr val="accent1"/>
+          </a:lnRef>
+          <a:fillRef idx="0">
+            <a:schemeClr val="accent1"/>
+          </a:fillRef>
+          <a:effectRef idx="0">
+            <a:schemeClr val="accent1"/>
+          </a:effectRef>
+          <a:fontRef idx="minor">
+            <a:schemeClr val="tx1"/>
+          </a:fontRef>
+        </p:style>
+      </p:cxnSp>
+      <p:cxnSp>
+        <p:nvCxnSpPr>
+          <p:cNvPr id="12" name="Straight Arrow Connector 11"/>
+          <p:cNvCxnSpPr/>
+          <p:nvPr/>
+        </p:nvCxnSpPr>
+        <p:spPr>
+          <a:xfrm flipH="1">
+            <a:off x="7290262" y="2884516"/>
+            <a:ext cx="2269374" cy="2543695"/>
           </a:xfrm>
           <a:prstGeom prst="straightConnector1">
             <a:avLst/>
@@ -21406,7 +21393,7 @@
     </p:spTree>
     <p:extLst>
       <p:ext uri="{BB962C8B-B14F-4D97-AF65-F5344CB8AC3E}">
-        <p14:creationId xmlns:p14="http://schemas.microsoft.com/office/powerpoint/2010/main" val="1699406414"/>
+        <p14:creationId xmlns:p14="http://schemas.microsoft.com/office/powerpoint/2010/main" val="3536249901"/>
       </p:ext>
     </p:extLst>
   </p:cSld>
@@ -21644,15 +21631,7 @@
             </a:pPr>
             <a:r>
               <a:rPr lang="en-US" dirty="0" smtClean="0"/>
-              <a:t>1)List all source </a:t>
-            </a:r>
-            <a:r>
-              <a:rPr lang="en-US" dirty="0" smtClean="0"/>
-              <a:t>streams, sink streams and intermediate streams: the streams </a:t>
-            </a:r>
-            <a:r>
-              <a:rPr lang="en-US" dirty="0" smtClean="0"/>
-              <a:t>created by </a:t>
+              <a:t>1)List all source streams, sink streams and intermediate streams: the streams created by </a:t>
             </a:r>
             <a:r>
               <a:rPr lang="en-US" dirty="0" err="1" smtClean="0"/>
@@ -21670,23 +21649,19 @@
             </a:pPr>
             <a:r>
               <a:rPr lang="en-US" dirty="0" smtClean="0"/>
-              <a:t>2)Set </a:t>
+              <a:t>2)Set up job names and </a:t>
+            </a:r>
+            <a:r>
+              <a:rPr lang="en-US" dirty="0" err="1" smtClean="0"/>
+              <a:t>JobNode</a:t>
             </a:r>
             <a:r>
               <a:rPr lang="en-US" dirty="0" smtClean="0"/>
-              <a:t>up job names and </a:t>
-            </a:r>
-            <a:r>
-              <a:rPr lang="en-US" dirty="0" err="1" smtClean="0"/>
-              <a:t>JobNodes</a:t>
+              <a:t> </a:t>
             </a:r>
             <a:r>
               <a:rPr lang="en-US" dirty="0" smtClean="0"/>
-              <a:t> based on config</a:t>
-            </a:r>
-            <a:r>
-              <a:rPr lang="en-US" dirty="0" smtClean="0"/>
-              <a:t>urations</a:t>
+              <a:t>based on configurations</a:t>
             </a:r>
             <a:endParaRPr lang="en-US" dirty="0"/>
           </a:p>
@@ -23933,7 +23908,7 @@
           <a:p>
             <a:r>
               <a:rPr lang="en-US" dirty="0" err="1" smtClean="0"/>
-              <a:t>JobNodes</a:t>
+              <a:t>JobNode</a:t>
             </a:r>
             <a:endParaRPr lang="en-US" dirty="0"/>
           </a:p>
@@ -26585,7 +26560,7 @@
           <a:p>
             <a:r>
               <a:rPr lang="en-US" dirty="0" err="1" smtClean="0"/>
-              <a:t>JobNodes</a:t>
+              <a:t>JobNode</a:t>
             </a:r>
             <a:endParaRPr lang="en-US" dirty="0"/>
           </a:p>
@@ -27037,8 +27012,8 @@
         </p:nvSpPr>
         <p:spPr>
           <a:xfrm>
-            <a:off x="6283551" y="5408137"/>
-            <a:ext cx="4042055" cy="1297004"/>
+            <a:off x="6917192" y="5487443"/>
+            <a:ext cx="2677086" cy="1297004"/>
           </a:xfrm>
           <a:prstGeom prst="rect">
             <a:avLst/>
@@ -27075,7 +27050,7 @@
         </p:nvSpPr>
         <p:spPr>
           <a:xfrm>
-            <a:off x="7561735" y="5490722"/>
+            <a:off x="7605545" y="5418681"/>
             <a:ext cx="1319075" cy="369332"/>
           </a:xfrm>
           <a:prstGeom prst="rect">
@@ -27099,14 +27074,52 @@
       </p:sp>
       <p:sp>
         <p:nvSpPr>
-          <p:cNvPr id="97" name="TextBox 96"/>
+          <p:cNvPr id="6" name="Oval 5"/>
+          <p:cNvSpPr/>
+          <p:nvPr/>
+        </p:nvSpPr>
+        <p:spPr>
+          <a:xfrm>
+            <a:off x="7785389" y="5906830"/>
+            <a:ext cx="764036" cy="701497"/>
+          </a:xfrm>
+          <a:prstGeom prst="ellipse">
+            <a:avLst/>
+          </a:prstGeom>
+        </p:spPr>
+        <p:style>
+          <a:lnRef idx="2">
+            <a:schemeClr val="accent1"/>
+          </a:lnRef>
+          <a:fillRef idx="1">
+            <a:schemeClr val="lt1"/>
+          </a:fillRef>
+          <a:effectRef idx="0">
+            <a:schemeClr val="accent1"/>
+          </a:effectRef>
+          <a:fontRef idx="minor">
+            <a:schemeClr val="dk1"/>
+          </a:fontRef>
+        </p:style>
+        <p:txBody>
+          <a:bodyPr rtlCol="0" anchor="ctr"/>
+          <a:lstStyle/>
+          <a:p>
+            <a:pPr algn="ctr"/>
+            <a:endParaRPr lang="en-US"/>
+          </a:p>
+        </p:txBody>
+      </p:sp>
+      <p:sp>
+        <p:nvSpPr>
+          <p:cNvPr id="55" name="TextBox 54"/>
           <p:cNvSpPr txBox="1"/>
           <p:nvPr/>
         </p:nvSpPr>
         <p:spPr>
           <a:xfrm>
-            <a:off x="10382936" y="6407316"/>
-            <a:ext cx="3217025" cy="369332"/>
+            <a:off x="7686363" y="6072912"/>
+            <a:ext cx="1113922" cy="369332"/>
           </a:xfrm>
           <a:prstGeom prst="rect">
             <a:avLst/>
@@ -27120,21 +27133,522 @@
           <a:lstStyle/>
           <a:p>
             <a:r>
-              <a:rPr lang="en-US" dirty="0" smtClean="0">
-                <a:solidFill>
-                  <a:srgbClr val="FF0000"/>
-                </a:solidFill>
-              </a:rPr>
-              <a:t>Work in progress</a:t>
-            </a:r>
-            <a:endParaRPr lang="en-US" dirty="0">
-              <a:solidFill>
-                <a:srgbClr val="FF0000"/>
-              </a:solidFill>
-            </a:endParaRPr>
-          </a:p>
-        </p:txBody>
-      </p:sp>
+              <a:rPr lang="en-US" dirty="0" err="1" smtClean="0"/>
+              <a:t>JobNode</a:t>
+            </a:r>
+            <a:endParaRPr lang="en-US" dirty="0"/>
+          </a:p>
+        </p:txBody>
+      </p:sp>
+      <p:cxnSp>
+        <p:nvCxnSpPr>
+          <p:cNvPr id="57" name="Straight Arrow Connector 56"/>
+          <p:cNvCxnSpPr/>
+          <p:nvPr/>
+        </p:nvCxnSpPr>
+        <p:spPr>
+          <a:xfrm>
+            <a:off x="6538673" y="5977467"/>
+            <a:ext cx="1301053" cy="254001"/>
+          </a:xfrm>
+          <a:prstGeom prst="straightConnector1">
+            <a:avLst/>
+          </a:prstGeom>
+          <a:ln>
+            <a:tailEnd type="triangle"/>
+          </a:ln>
+        </p:spPr>
+        <p:style>
+          <a:lnRef idx="1">
+            <a:schemeClr val="accent1"/>
+          </a:lnRef>
+          <a:fillRef idx="0">
+            <a:schemeClr val="accent1"/>
+          </a:fillRef>
+          <a:effectRef idx="0">
+            <a:schemeClr val="accent1"/>
+          </a:effectRef>
+          <a:fontRef idx="minor">
+            <a:schemeClr val="tx1"/>
+          </a:fontRef>
+        </p:style>
+      </p:cxnSp>
+      <p:cxnSp>
+        <p:nvCxnSpPr>
+          <p:cNvPr id="61" name="Straight Arrow Connector 60"/>
+          <p:cNvCxnSpPr/>
+          <p:nvPr/>
+        </p:nvCxnSpPr>
+        <p:spPr>
+          <a:xfrm>
+            <a:off x="6582483" y="6206067"/>
+            <a:ext cx="1257243" cy="25401"/>
+          </a:xfrm>
+          <a:prstGeom prst="straightConnector1">
+            <a:avLst/>
+          </a:prstGeom>
+          <a:ln>
+            <a:tailEnd type="triangle"/>
+          </a:ln>
+        </p:spPr>
+        <p:style>
+          <a:lnRef idx="1">
+            <a:schemeClr val="accent1"/>
+          </a:lnRef>
+          <a:fillRef idx="0">
+            <a:schemeClr val="accent1"/>
+          </a:fillRef>
+          <a:effectRef idx="0">
+            <a:schemeClr val="accent1"/>
+          </a:effectRef>
+          <a:fontRef idx="minor">
+            <a:schemeClr val="tx1"/>
+          </a:fontRef>
+        </p:style>
+      </p:cxnSp>
+      <p:cxnSp>
+        <p:nvCxnSpPr>
+          <p:cNvPr id="63" name="Straight Arrow Connector 62"/>
+          <p:cNvCxnSpPr/>
+          <p:nvPr/>
+        </p:nvCxnSpPr>
+        <p:spPr>
+          <a:xfrm flipV="1">
+            <a:off x="6582483" y="6231468"/>
+            <a:ext cx="1257243" cy="210777"/>
+          </a:xfrm>
+          <a:prstGeom prst="straightConnector1">
+            <a:avLst/>
+          </a:prstGeom>
+          <a:ln>
+            <a:tailEnd type="triangle"/>
+          </a:ln>
+        </p:spPr>
+        <p:style>
+          <a:lnRef idx="1">
+            <a:schemeClr val="accent1"/>
+          </a:lnRef>
+          <a:fillRef idx="0">
+            <a:schemeClr val="accent1"/>
+          </a:fillRef>
+          <a:effectRef idx="0">
+            <a:schemeClr val="accent1"/>
+          </a:effectRef>
+          <a:fontRef idx="minor">
+            <a:schemeClr val="tx1"/>
+          </a:fontRef>
+        </p:style>
+      </p:cxnSp>
+      <p:cxnSp>
+        <p:nvCxnSpPr>
+          <p:cNvPr id="68" name="Curved Connector 67"/>
+          <p:cNvCxnSpPr>
+            <a:stCxn id="6" idx="5"/>
+            <a:endCxn id="6" idx="3"/>
+          </p:cNvCxnSpPr>
+          <p:nvPr/>
+        </p:nvCxnSpPr>
+        <p:spPr>
+          <a:xfrm rot="5400000">
+            <a:off x="8167407" y="6235467"/>
+            <a:ext cx="12700" cy="540256"/>
+          </a:xfrm>
+          <a:prstGeom prst="curvedConnector3">
+            <a:avLst>
+              <a:gd name="adj1" fmla="val 4475583"/>
+            </a:avLst>
+          </a:prstGeom>
+          <a:ln>
+            <a:tailEnd type="triangle"/>
+          </a:ln>
+        </p:spPr>
+        <p:style>
+          <a:lnRef idx="1">
+            <a:schemeClr val="accent1"/>
+          </a:lnRef>
+          <a:fillRef idx="0">
+            <a:schemeClr val="accent1"/>
+          </a:fillRef>
+          <a:effectRef idx="0">
+            <a:schemeClr val="accent1"/>
+          </a:effectRef>
+          <a:fontRef idx="minor">
+            <a:schemeClr val="tx1"/>
+          </a:fontRef>
+        </p:style>
+      </p:cxnSp>
+      <p:cxnSp>
+        <p:nvCxnSpPr>
+          <p:cNvPr id="73" name="Curved Connector 72"/>
+          <p:cNvCxnSpPr>
+            <a:stCxn id="6" idx="5"/>
+            <a:endCxn id="6" idx="3"/>
+          </p:cNvCxnSpPr>
+          <p:nvPr/>
+        </p:nvCxnSpPr>
+        <p:spPr>
+          <a:xfrm rot="5400000">
+            <a:off x="8167407" y="6235467"/>
+            <a:ext cx="12700" cy="540256"/>
+          </a:xfrm>
+          <a:prstGeom prst="curvedConnector3">
+            <a:avLst>
+              <a:gd name="adj1" fmla="val 2942252"/>
+            </a:avLst>
+          </a:prstGeom>
+          <a:ln>
+            <a:tailEnd type="triangle"/>
+          </a:ln>
+        </p:spPr>
+        <p:style>
+          <a:lnRef idx="1">
+            <a:schemeClr val="accent1"/>
+          </a:lnRef>
+          <a:fillRef idx="0">
+            <a:schemeClr val="accent1"/>
+          </a:fillRef>
+          <a:effectRef idx="0">
+            <a:schemeClr val="accent1"/>
+          </a:effectRef>
+          <a:fontRef idx="minor">
+            <a:schemeClr val="tx1"/>
+          </a:fontRef>
+        </p:style>
+      </p:cxnSp>
+      <p:cxnSp>
+        <p:nvCxnSpPr>
+          <p:cNvPr id="76" name="Straight Arrow Connector 75"/>
+          <p:cNvCxnSpPr/>
+          <p:nvPr/>
+        </p:nvCxnSpPr>
+        <p:spPr>
+          <a:xfrm flipV="1">
+            <a:off x="8549425" y="5977467"/>
+            <a:ext cx="1229575" cy="228601"/>
+          </a:xfrm>
+          <a:prstGeom prst="straightConnector1">
+            <a:avLst/>
+          </a:prstGeom>
+          <a:ln>
+            <a:tailEnd type="triangle"/>
+          </a:ln>
+        </p:spPr>
+        <p:style>
+          <a:lnRef idx="1">
+            <a:schemeClr val="accent1"/>
+          </a:lnRef>
+          <a:fillRef idx="0">
+            <a:schemeClr val="accent1"/>
+          </a:fillRef>
+          <a:effectRef idx="0">
+            <a:schemeClr val="accent1"/>
+          </a:effectRef>
+          <a:fontRef idx="minor">
+            <a:schemeClr val="tx1"/>
+          </a:fontRef>
+        </p:style>
+      </p:cxnSp>
+      <p:cxnSp>
+        <p:nvCxnSpPr>
+          <p:cNvPr id="86" name="Straight Arrow Connector 85"/>
+          <p:cNvCxnSpPr/>
+          <p:nvPr/>
+        </p:nvCxnSpPr>
+        <p:spPr>
+          <a:xfrm>
+            <a:off x="8549425" y="6206067"/>
+            <a:ext cx="1229575" cy="0"/>
+          </a:xfrm>
+          <a:prstGeom prst="straightConnector1">
+            <a:avLst/>
+          </a:prstGeom>
+          <a:ln>
+            <a:tailEnd type="triangle"/>
+          </a:ln>
+        </p:spPr>
+        <p:style>
+          <a:lnRef idx="1">
+            <a:schemeClr val="accent1"/>
+          </a:lnRef>
+          <a:fillRef idx="0">
+            <a:schemeClr val="accent1"/>
+          </a:fillRef>
+          <a:effectRef idx="0">
+            <a:schemeClr val="accent1"/>
+          </a:effectRef>
+          <a:fontRef idx="minor">
+            <a:schemeClr val="tx1"/>
+          </a:fontRef>
+        </p:style>
+      </p:cxnSp>
+      <p:cxnSp>
+        <p:nvCxnSpPr>
+          <p:cNvPr id="90" name="Straight Arrow Connector 89"/>
+          <p:cNvCxnSpPr/>
+          <p:nvPr/>
+        </p:nvCxnSpPr>
+        <p:spPr>
+          <a:xfrm>
+            <a:off x="8549425" y="6231468"/>
+            <a:ext cx="1229575" cy="210776"/>
+          </a:xfrm>
+          <a:prstGeom prst="straightConnector1">
+            <a:avLst/>
+          </a:prstGeom>
+          <a:ln>
+            <a:tailEnd type="triangle"/>
+          </a:ln>
+        </p:spPr>
+        <p:style>
+          <a:lnRef idx="1">
+            <a:schemeClr val="accent1"/>
+          </a:lnRef>
+          <a:fillRef idx="0">
+            <a:schemeClr val="accent1"/>
+          </a:fillRef>
+          <a:effectRef idx="0">
+            <a:schemeClr val="accent1"/>
+          </a:effectRef>
+          <a:fontRef idx="minor">
+            <a:schemeClr val="tx1"/>
+          </a:fontRef>
+        </p:style>
+      </p:cxnSp>
+      <p:sp>
+        <p:nvSpPr>
+          <p:cNvPr id="99" name="TextBox 98"/>
+          <p:cNvSpPr txBox="1"/>
+          <p:nvPr/>
+        </p:nvSpPr>
+        <p:spPr>
+          <a:xfrm>
+            <a:off x="5059581" y="6010099"/>
+            <a:ext cx="1680955" cy="369332"/>
+          </a:xfrm>
+          <a:prstGeom prst="rect">
+            <a:avLst/>
+          </a:prstGeom>
+          <a:noFill/>
+        </p:spPr>
+        <p:txBody>
+          <a:bodyPr wrap="square" rtlCol="0">
+            <a:spAutoFit/>
+          </a:bodyPr>
+          <a:lstStyle/>
+          <a:p>
+            <a:r>
+              <a:rPr lang="en-US" dirty="0" err="1" smtClean="0"/>
+              <a:t>SourceStreams</a:t>
+            </a:r>
+            <a:endParaRPr lang="en-US" dirty="0"/>
+          </a:p>
+        </p:txBody>
+      </p:sp>
+      <p:sp>
+        <p:nvSpPr>
+          <p:cNvPr id="100" name="TextBox 99"/>
+          <p:cNvSpPr txBox="1"/>
+          <p:nvPr/>
+        </p:nvSpPr>
+        <p:spPr>
+          <a:xfrm>
+            <a:off x="9828313" y="6021401"/>
+            <a:ext cx="1680955" cy="369332"/>
+          </a:xfrm>
+          <a:prstGeom prst="rect">
+            <a:avLst/>
+          </a:prstGeom>
+          <a:noFill/>
+        </p:spPr>
+        <p:txBody>
+          <a:bodyPr wrap="square" rtlCol="0">
+            <a:spAutoFit/>
+          </a:bodyPr>
+          <a:lstStyle/>
+          <a:p>
+            <a:r>
+              <a:rPr lang="en-US" dirty="0" err="1" smtClean="0"/>
+              <a:t>SinkStreams</a:t>
+            </a:r>
+            <a:endParaRPr lang="en-US" dirty="0"/>
+          </a:p>
+        </p:txBody>
+      </p:sp>
+      <p:sp>
+        <p:nvSpPr>
+          <p:cNvPr id="101" name="TextBox 100"/>
+          <p:cNvSpPr txBox="1"/>
+          <p:nvPr/>
+        </p:nvSpPr>
+        <p:spPr>
+          <a:xfrm>
+            <a:off x="7184860" y="6836927"/>
+            <a:ext cx="2160443" cy="369332"/>
+          </a:xfrm>
+          <a:prstGeom prst="rect">
+            <a:avLst/>
+          </a:prstGeom>
+          <a:noFill/>
+        </p:spPr>
+        <p:txBody>
+          <a:bodyPr wrap="square" rtlCol="0">
+            <a:spAutoFit/>
+          </a:bodyPr>
+          <a:lstStyle/>
+          <a:p>
+            <a:r>
+              <a:rPr lang="en-US" dirty="0" err="1" smtClean="0"/>
+              <a:t>IntermediateStreams</a:t>
+            </a:r>
+            <a:endParaRPr lang="en-US" dirty="0"/>
+          </a:p>
+        </p:txBody>
+      </p:sp>
+      <p:sp>
+        <p:nvSpPr>
+          <p:cNvPr id="102" name="TextBox 101"/>
+          <p:cNvSpPr txBox="1"/>
+          <p:nvPr/>
+        </p:nvSpPr>
+        <p:spPr>
+          <a:xfrm>
+            <a:off x="8979788" y="5072329"/>
+            <a:ext cx="1508911" cy="369332"/>
+          </a:xfrm>
+          <a:prstGeom prst="rect">
+            <a:avLst/>
+          </a:prstGeom>
+          <a:noFill/>
+        </p:spPr>
+        <p:txBody>
+          <a:bodyPr wrap="square" rtlCol="0">
+            <a:spAutoFit/>
+          </a:bodyPr>
+          <a:lstStyle/>
+          <a:p>
+            <a:r>
+              <a:rPr lang="en-US" dirty="0" err="1" smtClean="0"/>
+              <a:t>StreamEdges</a:t>
+            </a:r>
+            <a:endParaRPr lang="en-US" dirty="0"/>
+          </a:p>
+        </p:txBody>
+      </p:sp>
+      <p:cxnSp>
+        <p:nvCxnSpPr>
+          <p:cNvPr id="104" name="Straight Arrow Connector 103"/>
+          <p:cNvCxnSpPr>
+            <a:stCxn id="102" idx="2"/>
+          </p:cNvCxnSpPr>
+          <p:nvPr/>
+        </p:nvCxnSpPr>
+        <p:spPr>
+          <a:xfrm flipH="1">
+            <a:off x="9210650" y="5441661"/>
+            <a:ext cx="523594" cy="764406"/>
+          </a:xfrm>
+          <a:prstGeom prst="straightConnector1">
+            <a:avLst/>
+          </a:prstGeom>
+          <a:ln>
+            <a:solidFill>
+              <a:schemeClr val="tx1"/>
+            </a:solidFill>
+            <a:tailEnd type="triangle"/>
+          </a:ln>
+        </p:spPr>
+        <p:style>
+          <a:lnRef idx="1">
+            <a:schemeClr val="accent1"/>
+          </a:lnRef>
+          <a:fillRef idx="0">
+            <a:schemeClr val="accent1"/>
+          </a:fillRef>
+          <a:effectRef idx="0">
+            <a:schemeClr val="accent1"/>
+          </a:effectRef>
+          <a:fontRef idx="minor">
+            <a:schemeClr val="tx1"/>
+          </a:fontRef>
+        </p:style>
+      </p:cxnSp>
+      <p:cxnSp>
+        <p:nvCxnSpPr>
+          <p:cNvPr id="106" name="Straight Arrow Connector 105"/>
+          <p:cNvCxnSpPr>
+            <a:stCxn id="102" idx="2"/>
+          </p:cNvCxnSpPr>
+          <p:nvPr/>
+        </p:nvCxnSpPr>
+        <p:spPr>
+          <a:xfrm flipH="1">
+            <a:off x="7119055" y="5441661"/>
+            <a:ext cx="2615189" cy="789807"/>
+          </a:xfrm>
+          <a:prstGeom prst="straightConnector1">
+            <a:avLst/>
+          </a:prstGeom>
+          <a:ln>
+            <a:solidFill>
+              <a:schemeClr val="tx1"/>
+            </a:solidFill>
+            <a:tailEnd type="triangle"/>
+          </a:ln>
+        </p:spPr>
+        <p:style>
+          <a:lnRef idx="1">
+            <a:schemeClr val="accent1"/>
+          </a:lnRef>
+          <a:fillRef idx="0">
+            <a:schemeClr val="accent1"/>
+          </a:fillRef>
+          <a:effectRef idx="0">
+            <a:schemeClr val="accent1"/>
+          </a:effectRef>
+          <a:fontRef idx="minor">
+            <a:schemeClr val="tx1"/>
+          </a:fontRef>
+        </p:style>
+      </p:cxnSp>
+      <p:cxnSp>
+        <p:nvCxnSpPr>
+          <p:cNvPr id="108" name="Straight Arrow Connector 107"/>
+          <p:cNvCxnSpPr>
+            <a:stCxn id="102" idx="2"/>
+            <a:endCxn id="95" idx="2"/>
+          </p:cNvCxnSpPr>
+          <p:nvPr/>
+        </p:nvCxnSpPr>
+        <p:spPr>
+          <a:xfrm flipH="1">
+            <a:off x="8255735" y="5441661"/>
+            <a:ext cx="1478509" cy="1342786"/>
+          </a:xfrm>
+          <a:prstGeom prst="straightConnector1">
+            <a:avLst/>
+          </a:prstGeom>
+          <a:ln>
+            <a:solidFill>
+              <a:schemeClr val="tx1"/>
+            </a:solidFill>
+            <a:tailEnd type="triangle"/>
+          </a:ln>
+        </p:spPr>
+        <p:style>
+          <a:lnRef idx="1">
+            <a:schemeClr val="accent1"/>
+          </a:lnRef>
+          <a:fillRef idx="0">
+            <a:schemeClr val="accent1"/>
+          </a:fillRef>
+          <a:effectRef idx="0">
+            <a:schemeClr val="accent1"/>
+          </a:effectRef>
+          <a:fontRef idx="minor">
+            <a:schemeClr val="tx1"/>
+          </a:fontRef>
+        </p:style>
+      </p:cxnSp>
     </p:spTree>
     <p:extLst>
       <p:ext uri="{BB962C8B-B14F-4D97-AF65-F5344CB8AC3E}">
